--- a/Documents/angular.pptx
+++ b/Documents/angular.pptx
@@ -202,7 +202,7 @@
           <a:p>
             <a:fld id="{008404EF-794E-2447-8DCF-3FC8505CDB40}" type="datetimeFigureOut">
               <a:rPr kumimoji="1" lang="zh-CN" altLang="en-US" smtClean="0"/>
-              <a:t>2018/9/8</a:t>
+              <a:t>2018/9/9</a:t>
             </a:fld>
             <a:endParaRPr kumimoji="1" lang="zh-CN" altLang="en-US"/>
           </a:p>
@@ -601,7 +601,7 @@
           <a:p>
             <a:fld id="{7CA3032E-00E9-4729-A89B-323F05814971}" type="datetimeFigureOut">
               <a:rPr lang="zh-CN" altLang="en-US" smtClean="0"/>
-              <a:t>2018/9/8</a:t>
+              <a:t>2018/9/9</a:t>
             </a:fld>
             <a:endParaRPr lang="zh-CN" altLang="en-US"/>
           </a:p>
@@ -771,7 +771,7 @@
           <a:p>
             <a:fld id="{7CA3032E-00E9-4729-A89B-323F05814971}" type="datetimeFigureOut">
               <a:rPr lang="zh-CN" altLang="en-US" smtClean="0"/>
-              <a:t>2018/9/8</a:t>
+              <a:t>2018/9/9</a:t>
             </a:fld>
             <a:endParaRPr lang="zh-CN" altLang="en-US"/>
           </a:p>
@@ -951,7 +951,7 @@
           <a:p>
             <a:fld id="{7CA3032E-00E9-4729-A89B-323F05814971}" type="datetimeFigureOut">
               <a:rPr lang="zh-CN" altLang="en-US" smtClean="0"/>
-              <a:t>2018/9/8</a:t>
+              <a:t>2018/9/9</a:t>
             </a:fld>
             <a:endParaRPr lang="zh-CN" altLang="en-US"/>
           </a:p>
@@ -1121,7 +1121,7 @@
           <a:p>
             <a:fld id="{7CA3032E-00E9-4729-A89B-323F05814971}" type="datetimeFigureOut">
               <a:rPr lang="zh-CN" altLang="en-US" smtClean="0"/>
-              <a:t>2018/9/8</a:t>
+              <a:t>2018/9/9</a:t>
             </a:fld>
             <a:endParaRPr lang="zh-CN" altLang="en-US"/>
           </a:p>
@@ -1367,7 +1367,7 @@
           <a:p>
             <a:fld id="{7CA3032E-00E9-4729-A89B-323F05814971}" type="datetimeFigureOut">
               <a:rPr lang="zh-CN" altLang="en-US" smtClean="0"/>
-              <a:t>2018/9/8</a:t>
+              <a:t>2018/9/9</a:t>
             </a:fld>
             <a:endParaRPr lang="zh-CN" altLang="en-US"/>
           </a:p>
@@ -1599,7 +1599,7 @@
           <a:p>
             <a:fld id="{7CA3032E-00E9-4729-A89B-323F05814971}" type="datetimeFigureOut">
               <a:rPr lang="zh-CN" altLang="en-US" smtClean="0"/>
-              <a:t>2018/9/8</a:t>
+              <a:t>2018/9/9</a:t>
             </a:fld>
             <a:endParaRPr lang="zh-CN" altLang="en-US"/>
           </a:p>
@@ -1966,7 +1966,7 @@
           <a:p>
             <a:fld id="{7CA3032E-00E9-4729-A89B-323F05814971}" type="datetimeFigureOut">
               <a:rPr lang="zh-CN" altLang="en-US" smtClean="0"/>
-              <a:t>2018/9/8</a:t>
+              <a:t>2018/9/9</a:t>
             </a:fld>
             <a:endParaRPr lang="zh-CN" altLang="en-US"/>
           </a:p>
@@ -2084,7 +2084,7 @@
           <a:p>
             <a:fld id="{7CA3032E-00E9-4729-A89B-323F05814971}" type="datetimeFigureOut">
               <a:rPr lang="zh-CN" altLang="en-US" smtClean="0"/>
-              <a:t>2018/9/8</a:t>
+              <a:t>2018/9/9</a:t>
             </a:fld>
             <a:endParaRPr lang="zh-CN" altLang="en-US"/>
           </a:p>
@@ -2179,7 +2179,7 @@
           <a:p>
             <a:fld id="{7CA3032E-00E9-4729-A89B-323F05814971}" type="datetimeFigureOut">
               <a:rPr lang="zh-CN" altLang="en-US" smtClean="0"/>
-              <a:t>2018/9/8</a:t>
+              <a:t>2018/9/9</a:t>
             </a:fld>
             <a:endParaRPr lang="zh-CN" altLang="en-US"/>
           </a:p>
@@ -2456,7 +2456,7 @@
           <a:p>
             <a:fld id="{7CA3032E-00E9-4729-A89B-323F05814971}" type="datetimeFigureOut">
               <a:rPr lang="zh-CN" altLang="en-US" smtClean="0"/>
-              <a:t>2018/9/8</a:t>
+              <a:t>2018/9/9</a:t>
             </a:fld>
             <a:endParaRPr lang="zh-CN" altLang="en-US"/>
           </a:p>
@@ -2709,7 +2709,7 @@
           <a:p>
             <a:fld id="{7CA3032E-00E9-4729-A89B-323F05814971}" type="datetimeFigureOut">
               <a:rPr lang="zh-CN" altLang="en-US" smtClean="0"/>
-              <a:t>2018/9/8</a:t>
+              <a:t>2018/9/9</a:t>
             </a:fld>
             <a:endParaRPr lang="zh-CN" altLang="en-US"/>
           </a:p>
@@ -2922,7 +2922,7 @@
           <a:p>
             <a:fld id="{7CA3032E-00E9-4729-A89B-323F05814971}" type="datetimeFigureOut">
               <a:rPr lang="zh-CN" altLang="en-US" smtClean="0"/>
-              <a:t>2018/9/8</a:t>
+              <a:t>2018/9/9</a:t>
             </a:fld>
             <a:endParaRPr lang="zh-CN" altLang="en-US"/>
           </a:p>
@@ -4266,6 +4266,149 @@
               <a:effectLst/>
               <a:latin typeface="Roboto" charset="0"/>
             </a:endParaRPr>
+          </a:p>
+        </p:txBody>
+      </p:sp>
+      <p:sp>
+        <p:nvSpPr>
+          <p:cNvPr id="3" name="矩形 2"/>
+          <p:cNvSpPr/>
+          <p:nvPr/>
+        </p:nvSpPr>
+        <p:spPr>
+          <a:xfrm>
+            <a:off x="1961217" y="1886961"/>
+            <a:ext cx="9625946" cy="646331"/>
+          </a:xfrm>
+          <a:prstGeom prst="rect">
+            <a:avLst/>
+          </a:prstGeom>
+        </p:spPr>
+        <p:txBody>
+          <a:bodyPr wrap="square">
+            <a:spAutoFit/>
+          </a:bodyPr>
+          <a:lstStyle/>
+          <a:p>
+            <a:r>
+              <a:rPr lang="en-US" altLang="zh-CN" dirty="0">
+                <a:solidFill>
+                  <a:srgbClr val="333333"/>
+                </a:solidFill>
+                <a:latin typeface="Roboto" charset="0"/>
+              </a:rPr>
+              <a:t>attribute </a:t>
+            </a:r>
+            <a:r>
+              <a:rPr lang="zh-CN" altLang="en-US" b="1" dirty="0">
+                <a:solidFill>
+                  <a:srgbClr val="333333"/>
+                </a:solidFill>
+                <a:latin typeface="Roboto" charset="0"/>
+              </a:rPr>
+              <a:t>初始化</a:t>
+            </a:r>
+            <a:r>
+              <a:rPr lang="zh-CN" altLang="en-US" dirty="0">
+                <a:solidFill>
+                  <a:srgbClr val="333333"/>
+                </a:solidFill>
+                <a:latin typeface="Roboto" charset="0"/>
+              </a:rPr>
+              <a:t> </a:t>
+            </a:r>
+            <a:r>
+              <a:rPr lang="en-US" altLang="zh-CN" dirty="0">
+                <a:solidFill>
+                  <a:srgbClr val="333333"/>
+                </a:solidFill>
+                <a:latin typeface="Roboto" charset="0"/>
+              </a:rPr>
+              <a:t>DOM property</a:t>
+            </a:r>
+            <a:r>
+              <a:rPr lang="zh-CN" altLang="en-US" dirty="0">
+                <a:solidFill>
+                  <a:srgbClr val="333333"/>
+                </a:solidFill>
+                <a:latin typeface="Roboto" charset="0"/>
+              </a:rPr>
+              <a:t>，然后它们的任务就完成了。</a:t>
+            </a:r>
+            <a:r>
+              <a:rPr lang="en-US" altLang="zh-CN" dirty="0">
+                <a:solidFill>
+                  <a:srgbClr val="333333"/>
+                </a:solidFill>
+                <a:latin typeface="Roboto" charset="0"/>
+              </a:rPr>
+              <a:t>property </a:t>
+            </a:r>
+            <a:r>
+              <a:rPr lang="zh-CN" altLang="en-US" dirty="0">
+                <a:solidFill>
+                  <a:srgbClr val="333333"/>
+                </a:solidFill>
+                <a:latin typeface="Roboto" charset="0"/>
+              </a:rPr>
+              <a:t>的值可以改变；</a:t>
+            </a:r>
+            <a:r>
+              <a:rPr lang="en-US" altLang="zh-CN" dirty="0">
+                <a:solidFill>
+                  <a:srgbClr val="333333"/>
+                </a:solidFill>
+                <a:latin typeface="Roboto" charset="0"/>
+              </a:rPr>
+              <a:t>attribute </a:t>
+            </a:r>
+            <a:r>
+              <a:rPr lang="zh-CN" altLang="en-US" dirty="0">
+                <a:solidFill>
+                  <a:srgbClr val="333333"/>
+                </a:solidFill>
+                <a:latin typeface="Roboto" charset="0"/>
+              </a:rPr>
+              <a:t>的值不能改变</a:t>
+            </a:r>
+            <a:r>
+              <a:rPr lang="zh-CN" altLang="en-US" dirty="0" smtClean="0">
+                <a:solidFill>
+                  <a:srgbClr val="333333"/>
+                </a:solidFill>
+                <a:latin typeface="Roboto" charset="0"/>
+              </a:rPr>
+              <a:t>。</a:t>
+            </a:r>
+            <a:r>
+              <a:rPr lang="zh-CN" altLang="en-US" dirty="0"/>
+              <a:t>模板绑定是通过 </a:t>
+            </a:r>
+            <a:r>
+              <a:rPr lang="en-US" altLang="zh-CN" b="1" dirty="0"/>
+              <a:t>property</a:t>
+            </a:r>
+            <a:r>
+              <a:rPr lang="zh-CN" altLang="en-US" dirty="0"/>
+              <a:t> 和</a:t>
+            </a:r>
+            <a:r>
+              <a:rPr lang="zh-CN" altLang="en-US" b="1" dirty="0"/>
+              <a:t>事件</a:t>
+            </a:r>
+            <a:r>
+              <a:rPr lang="zh-CN" altLang="en-US" dirty="0"/>
+              <a:t>来工作的，而不是 </a:t>
+            </a:r>
+            <a:r>
+              <a:rPr lang="en-US" altLang="zh-CN" b="1" dirty="0"/>
+              <a:t>attribute</a:t>
+            </a:r>
+            <a:r>
+              <a:rPr lang="zh-CN" altLang="en-US"/>
+              <a:t>。</a:t>
+            </a:r>
+            <a:endParaRPr lang="zh-CN" altLang="en-US" dirty="0"/>
           </a:p>
         </p:txBody>
       </p:sp>

--- a/Documents/angular.pptx
+++ b/Documents/angular.pptx
@@ -4405,7 +4405,7 @@
               <a:t>attribute</a:t>
             </a:r>
             <a:r>
-              <a:rPr lang="zh-CN" altLang="en-US"/>
+              <a:rPr lang="zh-CN" altLang="en-US" dirty="0"/>
               <a:t>。</a:t>
             </a:r>
             <a:endParaRPr lang="zh-CN" altLang="en-US" dirty="0"/>

--- a/Documents/angular.pptx
+++ b/Documents/angular.pptx
@@ -5,15 +5,16 @@
     <p:sldMasterId id="2147483648" r:id="rId1"/>
   </p:sldMasterIdLst>
   <p:notesMasterIdLst>
-    <p:notesMasterId r:id="rId8"/>
+    <p:notesMasterId r:id="rId9"/>
   </p:notesMasterIdLst>
   <p:sldIdLst>
     <p:sldId id="256" r:id="rId2"/>
     <p:sldId id="257" r:id="rId3"/>
     <p:sldId id="258" r:id="rId4"/>
     <p:sldId id="263" r:id="rId5"/>
-    <p:sldId id="259" r:id="rId6"/>
-    <p:sldId id="261" r:id="rId7"/>
+    <p:sldId id="264" r:id="rId6"/>
+    <p:sldId id="259" r:id="rId7"/>
+    <p:sldId id="261" r:id="rId8"/>
   </p:sldIdLst>
   <p:sldSz cx="12192000" cy="6858000"/>
   <p:notesSz cx="6858000" cy="9144000"/>
@@ -202,7 +203,7 @@
           <a:p>
             <a:fld id="{008404EF-794E-2447-8DCF-3FC8505CDB40}" type="datetimeFigureOut">
               <a:rPr kumimoji="1" lang="zh-CN" altLang="en-US" smtClean="0"/>
-              <a:t>2018/9/9</a:t>
+              <a:t>2018/9/9 Sunday</a:t>
             </a:fld>
             <a:endParaRPr kumimoji="1" lang="zh-CN" altLang="en-US"/>
           </a:p>
@@ -601,7 +602,7 @@
           <a:p>
             <a:fld id="{7CA3032E-00E9-4729-A89B-323F05814971}" type="datetimeFigureOut">
               <a:rPr lang="zh-CN" altLang="en-US" smtClean="0"/>
-              <a:t>2018/9/9</a:t>
+              <a:t>2018/9/9 Sunday</a:t>
             </a:fld>
             <a:endParaRPr lang="zh-CN" altLang="en-US"/>
           </a:p>
@@ -771,7 +772,7 @@
           <a:p>
             <a:fld id="{7CA3032E-00E9-4729-A89B-323F05814971}" type="datetimeFigureOut">
               <a:rPr lang="zh-CN" altLang="en-US" smtClean="0"/>
-              <a:t>2018/9/9</a:t>
+              <a:t>2018/9/9 Sunday</a:t>
             </a:fld>
             <a:endParaRPr lang="zh-CN" altLang="en-US"/>
           </a:p>
@@ -951,7 +952,7 @@
           <a:p>
             <a:fld id="{7CA3032E-00E9-4729-A89B-323F05814971}" type="datetimeFigureOut">
               <a:rPr lang="zh-CN" altLang="en-US" smtClean="0"/>
-              <a:t>2018/9/9</a:t>
+              <a:t>2018/9/9 Sunday</a:t>
             </a:fld>
             <a:endParaRPr lang="zh-CN" altLang="en-US"/>
           </a:p>
@@ -1121,7 +1122,7 @@
           <a:p>
             <a:fld id="{7CA3032E-00E9-4729-A89B-323F05814971}" type="datetimeFigureOut">
               <a:rPr lang="zh-CN" altLang="en-US" smtClean="0"/>
-              <a:t>2018/9/9</a:t>
+              <a:t>2018/9/9 Sunday</a:t>
             </a:fld>
             <a:endParaRPr lang="zh-CN" altLang="en-US"/>
           </a:p>
@@ -1367,7 +1368,7 @@
           <a:p>
             <a:fld id="{7CA3032E-00E9-4729-A89B-323F05814971}" type="datetimeFigureOut">
               <a:rPr lang="zh-CN" altLang="en-US" smtClean="0"/>
-              <a:t>2018/9/9</a:t>
+              <a:t>2018/9/9 Sunday</a:t>
             </a:fld>
             <a:endParaRPr lang="zh-CN" altLang="en-US"/>
           </a:p>
@@ -1599,7 +1600,7 @@
           <a:p>
             <a:fld id="{7CA3032E-00E9-4729-A89B-323F05814971}" type="datetimeFigureOut">
               <a:rPr lang="zh-CN" altLang="en-US" smtClean="0"/>
-              <a:t>2018/9/9</a:t>
+              <a:t>2018/9/9 Sunday</a:t>
             </a:fld>
             <a:endParaRPr lang="zh-CN" altLang="en-US"/>
           </a:p>
@@ -1966,7 +1967,7 @@
           <a:p>
             <a:fld id="{7CA3032E-00E9-4729-A89B-323F05814971}" type="datetimeFigureOut">
               <a:rPr lang="zh-CN" altLang="en-US" smtClean="0"/>
-              <a:t>2018/9/9</a:t>
+              <a:t>2018/9/9 Sunday</a:t>
             </a:fld>
             <a:endParaRPr lang="zh-CN" altLang="en-US"/>
           </a:p>
@@ -2084,7 +2085,7 @@
           <a:p>
             <a:fld id="{7CA3032E-00E9-4729-A89B-323F05814971}" type="datetimeFigureOut">
               <a:rPr lang="zh-CN" altLang="en-US" smtClean="0"/>
-              <a:t>2018/9/9</a:t>
+              <a:t>2018/9/9 Sunday</a:t>
             </a:fld>
             <a:endParaRPr lang="zh-CN" altLang="en-US"/>
           </a:p>
@@ -2179,7 +2180,7 @@
           <a:p>
             <a:fld id="{7CA3032E-00E9-4729-A89B-323F05814971}" type="datetimeFigureOut">
               <a:rPr lang="zh-CN" altLang="en-US" smtClean="0"/>
-              <a:t>2018/9/9</a:t>
+              <a:t>2018/9/9 Sunday</a:t>
             </a:fld>
             <a:endParaRPr lang="zh-CN" altLang="en-US"/>
           </a:p>
@@ -2456,7 +2457,7 @@
           <a:p>
             <a:fld id="{7CA3032E-00E9-4729-A89B-323F05814971}" type="datetimeFigureOut">
               <a:rPr lang="zh-CN" altLang="en-US" smtClean="0"/>
-              <a:t>2018/9/9</a:t>
+              <a:t>2018/9/9 Sunday</a:t>
             </a:fld>
             <a:endParaRPr lang="zh-CN" altLang="en-US"/>
           </a:p>
@@ -2709,7 +2710,7 @@
           <a:p>
             <a:fld id="{7CA3032E-00E9-4729-A89B-323F05814971}" type="datetimeFigureOut">
               <a:rPr lang="zh-CN" altLang="en-US" smtClean="0"/>
-              <a:t>2018/9/9</a:t>
+              <a:t>2018/9/9 Sunday</a:t>
             </a:fld>
             <a:endParaRPr lang="zh-CN" altLang="en-US"/>
           </a:p>
@@ -2922,7 +2923,7 @@
           <a:p>
             <a:fld id="{7CA3032E-00E9-4729-A89B-323F05814971}" type="datetimeFigureOut">
               <a:rPr lang="zh-CN" altLang="en-US" smtClean="0"/>
-              <a:t>2018/9/9</a:t>
+              <a:t>2018/9/9 Sunday</a:t>
             </a:fld>
             <a:endParaRPr lang="zh-CN" altLang="en-US"/>
           </a:p>
@@ -4408,7 +4409,6 @@
               <a:rPr lang="zh-CN" altLang="en-US" dirty="0"/>
               <a:t>。</a:t>
             </a:r>
-            <a:endParaRPr lang="zh-CN" altLang="en-US" dirty="0"/>
           </a:p>
         </p:txBody>
       </p:sp>
@@ -4444,6 +4444,173 @@
       </p:grpSpPr>
       <p:sp>
         <p:nvSpPr>
+          <p:cNvPr id="2" name="矩形 1"/>
+          <p:cNvSpPr/>
+          <p:nvPr/>
+        </p:nvSpPr>
+        <p:spPr>
+          <a:xfrm>
+            <a:off x="4308463" y="440411"/>
+            <a:ext cx="3570208" cy="769441"/>
+          </a:xfrm>
+          <a:prstGeom prst="rect">
+            <a:avLst/>
+          </a:prstGeom>
+        </p:spPr>
+        <p:txBody>
+          <a:bodyPr wrap="none">
+            <a:spAutoFit/>
+          </a:bodyPr>
+          <a:lstStyle/>
+          <a:p>
+            <a:r>
+              <a:rPr lang="zh-CN" altLang="en-US" sz="4400" dirty="0" smtClean="0"/>
+              <a:t>生命周期钩子</a:t>
+            </a:r>
+            <a:endParaRPr lang="zh-CN" altLang="en-US" sz="4400" dirty="0"/>
+          </a:p>
+        </p:txBody>
+      </p:sp>
+      <p:sp>
+        <p:nvSpPr>
+          <p:cNvPr id="5" name="矩形 4"/>
+          <p:cNvSpPr/>
+          <p:nvPr/>
+        </p:nvSpPr>
+        <p:spPr>
+          <a:xfrm>
+            <a:off x="1851263" y="1209852"/>
+            <a:ext cx="1399742" cy="369332"/>
+          </a:xfrm>
+          <a:prstGeom prst="rect">
+            <a:avLst/>
+          </a:prstGeom>
+        </p:spPr>
+        <p:txBody>
+          <a:bodyPr wrap="none">
+            <a:spAutoFit/>
+          </a:bodyPr>
+          <a:lstStyle/>
+          <a:p>
+            <a:r>
+              <a:rPr lang="en-US" altLang="zh-CN" b="1" dirty="0" err="1">
+                <a:latin typeface="Roboto" panose="02000000000000000000" pitchFamily="2" charset="0"/>
+              </a:rPr>
+              <a:t>OnInit</a:t>
+            </a:r>
+            <a:r>
+              <a:rPr lang="en-US" altLang="zh-CN" b="1" dirty="0">
+                <a:latin typeface="Roboto" panose="02000000000000000000" pitchFamily="2" charset="0"/>
+              </a:rPr>
+              <a:t>()</a:t>
+            </a:r>
+            <a:r>
+              <a:rPr lang="zh-CN" altLang="en-US" b="1" dirty="0">
+                <a:latin typeface="Roboto" panose="02000000000000000000" pitchFamily="2" charset="0"/>
+              </a:rPr>
+              <a:t>钩子</a:t>
+            </a:r>
+            <a:endParaRPr lang="zh-CN" altLang="en-US" b="0" i="0" dirty="0">
+              <a:effectLst/>
+              <a:latin typeface="Roboto" panose="02000000000000000000" pitchFamily="2" charset="0"/>
+            </a:endParaRPr>
+          </a:p>
+        </p:txBody>
+      </p:sp>
+      <p:sp>
+        <p:nvSpPr>
+          <p:cNvPr id="6" name="矩形 5"/>
+          <p:cNvSpPr/>
+          <p:nvPr/>
+        </p:nvSpPr>
+        <p:spPr>
+          <a:xfrm>
+            <a:off x="2551134" y="1690394"/>
+            <a:ext cx="6096000" cy="646331"/>
+          </a:xfrm>
+          <a:prstGeom prst="rect">
+            <a:avLst/>
+          </a:prstGeom>
+        </p:spPr>
+        <p:txBody>
+          <a:bodyPr>
+            <a:spAutoFit/>
+          </a:bodyPr>
+          <a:lstStyle/>
+          <a:p>
+            <a:pPr>
+              <a:buFont typeface="+mj-lt"/>
+              <a:buAutoNum type="arabicPeriod"/>
+            </a:pPr>
+            <a:r>
+              <a:rPr lang="zh-CN" altLang="en-US" dirty="0">
+                <a:latin typeface="Roboto" panose="02000000000000000000" pitchFamily="2" charset="0"/>
+              </a:rPr>
+              <a:t>在构造函数之后马上执行复杂的初始化逻辑</a:t>
+            </a:r>
+          </a:p>
+          <a:p>
+            <a:pPr>
+              <a:buFont typeface="+mj-lt"/>
+              <a:buAutoNum type="arabicPeriod"/>
+            </a:pPr>
+            <a:r>
+              <a:rPr lang="zh-CN" altLang="en-US" dirty="0">
+                <a:latin typeface="Roboto" panose="02000000000000000000" pitchFamily="2" charset="0"/>
+              </a:rPr>
+              <a:t>在 </a:t>
+            </a:r>
+            <a:r>
+              <a:rPr lang="en-US" altLang="zh-CN" dirty="0">
+                <a:latin typeface="Roboto" panose="02000000000000000000" pitchFamily="2" charset="0"/>
+              </a:rPr>
+              <a:t>Angular </a:t>
+            </a:r>
+            <a:r>
+              <a:rPr lang="zh-CN" altLang="en-US" dirty="0">
+                <a:latin typeface="Roboto" panose="02000000000000000000" pitchFamily="2" charset="0"/>
+              </a:rPr>
+              <a:t>设置完输入属性之后，对该组件进行准备。</a:t>
+            </a:r>
+            <a:endParaRPr lang="zh-CN" altLang="en-US" b="0" i="0" dirty="0">
+              <a:effectLst/>
+              <a:latin typeface="Roboto" panose="02000000000000000000" pitchFamily="2" charset="0"/>
+            </a:endParaRPr>
+          </a:p>
+        </p:txBody>
+      </p:sp>
+    </p:spTree>
+    <p:extLst>
+      <p:ext uri="{BB962C8B-B14F-4D97-AF65-F5344CB8AC3E}">
+        <p14:creationId xmlns:p14="http://schemas.microsoft.com/office/powerpoint/2010/main" val="4041576950"/>
+      </p:ext>
+    </p:extLst>
+  </p:cSld>
+  <p:clrMapOvr>
+    <a:masterClrMapping/>
+  </p:clrMapOvr>
+</p:sld>
+</file>
+
+<file path=ppt/slides/slide6.xml><?xml version="1.0" encoding="utf-8"?>
+<p:sld xmlns:a="http://schemas.openxmlformats.org/drawingml/2006/main" xmlns:r="http://schemas.openxmlformats.org/officeDocument/2006/relationships" xmlns:p="http://schemas.openxmlformats.org/presentationml/2006/main">
+  <p:cSld>
+    <p:spTree>
+      <p:nvGrpSpPr>
+        <p:cNvPr id="1" name=""/>
+        <p:cNvGrpSpPr/>
+        <p:nvPr/>
+      </p:nvGrpSpPr>
+      <p:grpSpPr>
+        <a:xfrm>
+          <a:off x="0" y="0"/>
+          <a:ext cx="0" cy="0"/>
+          <a:chOff x="0" y="0"/>
+          <a:chExt cx="0" cy="0"/>
+        </a:xfrm>
+      </p:grpSpPr>
+      <p:sp>
+        <p:nvSpPr>
           <p:cNvPr id="4" name="矩形 3"/>
           <p:cNvSpPr/>
           <p:nvPr/>
@@ -4570,7 +4737,7 @@
 </p:sld>
 </file>
 
-<file path=ppt/slides/slide6.xml><?xml version="1.0" encoding="utf-8"?>
+<file path=ppt/slides/slide7.xml><?xml version="1.0" encoding="utf-8"?>
 <p:sld xmlns:a="http://schemas.openxmlformats.org/drawingml/2006/main" xmlns:r="http://schemas.openxmlformats.org/officeDocument/2006/relationships" xmlns:p="http://schemas.openxmlformats.org/presentationml/2006/main">
   <p:cSld>
     <p:spTree>

--- a/Documents/angular.pptx
+++ b/Documents/angular.pptx
@@ -5,16 +5,20 @@
     <p:sldMasterId id="2147483648" r:id="rId1"/>
   </p:sldMasterIdLst>
   <p:notesMasterIdLst>
-    <p:notesMasterId r:id="rId9"/>
+    <p:notesMasterId r:id="rId13"/>
   </p:notesMasterIdLst>
   <p:sldIdLst>
     <p:sldId id="256" r:id="rId2"/>
     <p:sldId id="257" r:id="rId3"/>
     <p:sldId id="258" r:id="rId4"/>
-    <p:sldId id="263" r:id="rId5"/>
-    <p:sldId id="264" r:id="rId6"/>
-    <p:sldId id="259" r:id="rId7"/>
-    <p:sldId id="261" r:id="rId8"/>
+    <p:sldId id="267" r:id="rId5"/>
+    <p:sldId id="268" r:id="rId6"/>
+    <p:sldId id="263" r:id="rId7"/>
+    <p:sldId id="264" r:id="rId8"/>
+    <p:sldId id="265" r:id="rId9"/>
+    <p:sldId id="266" r:id="rId10"/>
+    <p:sldId id="259" r:id="rId11"/>
+    <p:sldId id="261" r:id="rId12"/>
   </p:sldIdLst>
   <p:sldSz cx="12192000" cy="6858000"/>
   <p:notesSz cx="6858000" cy="9144000"/>
@@ -203,7 +207,7 @@
           <a:p>
             <a:fld id="{008404EF-794E-2447-8DCF-3FC8505CDB40}" type="datetimeFigureOut">
               <a:rPr kumimoji="1" lang="zh-CN" altLang="en-US" smtClean="0"/>
-              <a:t>2018/9/9 Sunday</a:t>
+              <a:t>2018/9/10</a:t>
             </a:fld>
             <a:endParaRPr kumimoji="1" lang="zh-CN" altLang="en-US"/>
           </a:p>
@@ -602,7 +606,7 @@
           <a:p>
             <a:fld id="{7CA3032E-00E9-4729-A89B-323F05814971}" type="datetimeFigureOut">
               <a:rPr lang="zh-CN" altLang="en-US" smtClean="0"/>
-              <a:t>2018/9/9 Sunday</a:t>
+              <a:t>2018/9/10</a:t>
             </a:fld>
             <a:endParaRPr lang="zh-CN" altLang="en-US"/>
           </a:p>
@@ -772,7 +776,7 @@
           <a:p>
             <a:fld id="{7CA3032E-00E9-4729-A89B-323F05814971}" type="datetimeFigureOut">
               <a:rPr lang="zh-CN" altLang="en-US" smtClean="0"/>
-              <a:t>2018/9/9 Sunday</a:t>
+              <a:t>2018/9/10</a:t>
             </a:fld>
             <a:endParaRPr lang="zh-CN" altLang="en-US"/>
           </a:p>
@@ -952,7 +956,7 @@
           <a:p>
             <a:fld id="{7CA3032E-00E9-4729-A89B-323F05814971}" type="datetimeFigureOut">
               <a:rPr lang="zh-CN" altLang="en-US" smtClean="0"/>
-              <a:t>2018/9/9 Sunday</a:t>
+              <a:t>2018/9/10</a:t>
             </a:fld>
             <a:endParaRPr lang="zh-CN" altLang="en-US"/>
           </a:p>
@@ -1122,7 +1126,7 @@
           <a:p>
             <a:fld id="{7CA3032E-00E9-4729-A89B-323F05814971}" type="datetimeFigureOut">
               <a:rPr lang="zh-CN" altLang="en-US" smtClean="0"/>
-              <a:t>2018/9/9 Sunday</a:t>
+              <a:t>2018/9/10</a:t>
             </a:fld>
             <a:endParaRPr lang="zh-CN" altLang="en-US"/>
           </a:p>
@@ -1368,7 +1372,7 @@
           <a:p>
             <a:fld id="{7CA3032E-00E9-4729-A89B-323F05814971}" type="datetimeFigureOut">
               <a:rPr lang="zh-CN" altLang="en-US" smtClean="0"/>
-              <a:t>2018/9/9 Sunday</a:t>
+              <a:t>2018/9/10</a:t>
             </a:fld>
             <a:endParaRPr lang="zh-CN" altLang="en-US"/>
           </a:p>
@@ -1600,7 +1604,7 @@
           <a:p>
             <a:fld id="{7CA3032E-00E9-4729-A89B-323F05814971}" type="datetimeFigureOut">
               <a:rPr lang="zh-CN" altLang="en-US" smtClean="0"/>
-              <a:t>2018/9/9 Sunday</a:t>
+              <a:t>2018/9/10</a:t>
             </a:fld>
             <a:endParaRPr lang="zh-CN" altLang="en-US"/>
           </a:p>
@@ -1967,7 +1971,7 @@
           <a:p>
             <a:fld id="{7CA3032E-00E9-4729-A89B-323F05814971}" type="datetimeFigureOut">
               <a:rPr lang="zh-CN" altLang="en-US" smtClean="0"/>
-              <a:t>2018/9/9 Sunday</a:t>
+              <a:t>2018/9/10</a:t>
             </a:fld>
             <a:endParaRPr lang="zh-CN" altLang="en-US"/>
           </a:p>
@@ -2085,7 +2089,7 @@
           <a:p>
             <a:fld id="{7CA3032E-00E9-4729-A89B-323F05814971}" type="datetimeFigureOut">
               <a:rPr lang="zh-CN" altLang="en-US" smtClean="0"/>
-              <a:t>2018/9/9 Sunday</a:t>
+              <a:t>2018/9/10</a:t>
             </a:fld>
             <a:endParaRPr lang="zh-CN" altLang="en-US"/>
           </a:p>
@@ -2180,7 +2184,7 @@
           <a:p>
             <a:fld id="{7CA3032E-00E9-4729-A89B-323F05814971}" type="datetimeFigureOut">
               <a:rPr lang="zh-CN" altLang="en-US" smtClean="0"/>
-              <a:t>2018/9/9 Sunday</a:t>
+              <a:t>2018/9/10</a:t>
             </a:fld>
             <a:endParaRPr lang="zh-CN" altLang="en-US"/>
           </a:p>
@@ -2457,7 +2461,7 @@
           <a:p>
             <a:fld id="{7CA3032E-00E9-4729-A89B-323F05814971}" type="datetimeFigureOut">
               <a:rPr lang="zh-CN" altLang="en-US" smtClean="0"/>
-              <a:t>2018/9/9 Sunday</a:t>
+              <a:t>2018/9/10</a:t>
             </a:fld>
             <a:endParaRPr lang="zh-CN" altLang="en-US"/>
           </a:p>
@@ -2710,7 +2714,7 @@
           <a:p>
             <a:fld id="{7CA3032E-00E9-4729-A89B-323F05814971}" type="datetimeFigureOut">
               <a:rPr lang="zh-CN" altLang="en-US" smtClean="0"/>
-              <a:t>2018/9/9 Sunday</a:t>
+              <a:t>2018/9/10</a:t>
             </a:fld>
             <a:endParaRPr lang="zh-CN" altLang="en-US"/>
           </a:p>
@@ -2923,7 +2927,7 @@
           <a:p>
             <a:fld id="{7CA3032E-00E9-4729-A89B-323F05814971}" type="datetimeFigureOut">
               <a:rPr lang="zh-CN" altLang="en-US" smtClean="0"/>
-              <a:t>2018/9/9 Sunday</a:t>
+              <a:t>2018/9/10</a:t>
             </a:fld>
             <a:endParaRPr lang="zh-CN" altLang="en-US"/>
           </a:p>
@@ -3557,6 +3561,314 @@
 </p:sld>
 </file>
 
+<file path=ppt/slides/slide10.xml><?xml version="1.0" encoding="utf-8"?>
+<p:sld xmlns:a="http://schemas.openxmlformats.org/drawingml/2006/main" xmlns:r="http://schemas.openxmlformats.org/officeDocument/2006/relationships" xmlns:p="http://schemas.openxmlformats.org/presentationml/2006/main">
+  <p:cSld>
+    <p:spTree>
+      <p:nvGrpSpPr>
+        <p:cNvPr id="1" name=""/>
+        <p:cNvGrpSpPr/>
+        <p:nvPr/>
+      </p:nvGrpSpPr>
+      <p:grpSpPr>
+        <a:xfrm>
+          <a:off x="0" y="0"/>
+          <a:ext cx="0" cy="0"/>
+          <a:chOff x="0" y="0"/>
+          <a:chExt cx="0" cy="0"/>
+        </a:xfrm>
+      </p:grpSpPr>
+      <p:sp>
+        <p:nvSpPr>
+          <p:cNvPr id="4" name="矩形 3"/>
+          <p:cNvSpPr/>
+          <p:nvPr/>
+        </p:nvSpPr>
+        <p:spPr>
+          <a:xfrm>
+            <a:off x="642938" y="400051"/>
+            <a:ext cx="10958512" cy="2862322"/>
+          </a:xfrm>
+          <a:prstGeom prst="rect">
+            <a:avLst/>
+          </a:prstGeom>
+        </p:spPr>
+        <p:txBody>
+          <a:bodyPr wrap="square">
+            <a:spAutoFit/>
+          </a:bodyPr>
+          <a:lstStyle/>
+          <a:p>
+            <a:r>
+              <a:rPr lang="zh-CN" altLang="en-US" dirty="0"/>
+              <a:t/>
+            </a:r>
+            <a:br>
+              <a:rPr lang="zh-CN" altLang="en-US" dirty="0"/>
+            </a:br>
+            <a:r>
+              <a:rPr lang="en-US" altLang="zh-CN" dirty="0">
+                <a:solidFill>
+                  <a:srgbClr val="FF0000"/>
+                </a:solidFill>
+                <a:latin typeface="Roboto" charset="0"/>
+              </a:rPr>
+              <a:t>Angular </a:t>
+            </a:r>
+            <a:r>
+              <a:rPr lang="zh-CN" altLang="en-US" dirty="0">
+                <a:solidFill>
+                  <a:srgbClr val="FF0000"/>
+                </a:solidFill>
+                <a:latin typeface="Roboto" charset="0"/>
+              </a:rPr>
+              <a:t>把组件和服务区分开，以提高模块性和复用性</a:t>
+            </a:r>
+            <a:r>
+              <a:rPr lang="zh-CN" altLang="en-US" dirty="0" smtClean="0">
+                <a:solidFill>
+                  <a:srgbClr val="FF0000"/>
+                </a:solidFill>
+                <a:latin typeface="Roboto" charset="0"/>
+              </a:rPr>
+              <a:t>。</a:t>
+            </a:r>
+            <a:endParaRPr lang="en-US" altLang="zh-CN" dirty="0" smtClean="0">
+              <a:solidFill>
+                <a:srgbClr val="FF0000"/>
+              </a:solidFill>
+              <a:latin typeface="Roboto" charset="0"/>
+            </a:endParaRPr>
+          </a:p>
+          <a:p>
+            <a:endParaRPr lang="zh-CN" altLang="en-US" dirty="0">
+              <a:latin typeface="Roboto" charset="0"/>
+            </a:endParaRPr>
+          </a:p>
+          <a:p>
+            <a:pPr>
+              <a:buFont typeface="Arial" charset="0"/>
+              <a:buChar char="•"/>
+            </a:pPr>
+            <a:r>
+              <a:rPr lang="zh-CN" altLang="en-US" dirty="0">
+                <a:latin typeface="Roboto" charset="0"/>
+              </a:rPr>
+              <a:t>通过把组件中和视图有关的功能与其他类型的处理分离开，你可以让组件类更加精简、高效。 理想情况下，组件的工作只管用户体验，而不用顾及其它。 它应该提供用于数据绑定的属性和方法，以便作为视图（由模板渲染）和应用逻辑（通常包含一些模型的概念）的中介者</a:t>
+            </a:r>
+            <a:r>
+              <a:rPr lang="zh-CN" altLang="en-US" dirty="0" smtClean="0">
+                <a:latin typeface="Roboto" charset="0"/>
+              </a:rPr>
+              <a:t>。</a:t>
+            </a:r>
+            <a:endParaRPr lang="en-US" altLang="zh-CN" dirty="0" smtClean="0">
+              <a:latin typeface="Roboto" charset="0"/>
+            </a:endParaRPr>
+          </a:p>
+          <a:p>
+            <a:pPr>
+              <a:buFont typeface="Arial" charset="0"/>
+              <a:buChar char="•"/>
+            </a:pPr>
+            <a:endParaRPr lang="zh-CN" altLang="en-US" dirty="0">
+              <a:latin typeface="Roboto" charset="0"/>
+            </a:endParaRPr>
+          </a:p>
+          <a:p>
+            <a:pPr>
+              <a:buFont typeface="Arial" charset="0"/>
+              <a:buChar char="•"/>
+            </a:pPr>
+            <a:r>
+              <a:rPr lang="zh-CN" altLang="en-US" dirty="0">
+                <a:latin typeface="Roboto" charset="0"/>
+              </a:rPr>
+              <a:t>组件不应该定义任何诸如从服务器获取数据、验证用户输入或直接往控制台中写日志等工作。 而要把这些任务委托给各种服务。通过把各种处理任务定义到可注入的服务类中，你可以让它被任何组件使用。 通过在不同的环境中注入同一种服务的不同提供商，你还可以让你的应用更具适应性。</a:t>
+            </a:r>
+            <a:endParaRPr lang="zh-CN" altLang="en-US" b="0" i="0" dirty="0">
+              <a:effectLst/>
+              <a:latin typeface="Roboto" charset="0"/>
+            </a:endParaRPr>
+          </a:p>
+        </p:txBody>
+      </p:sp>
+    </p:spTree>
+    <p:extLst>
+      <p:ext uri="{BB962C8B-B14F-4D97-AF65-F5344CB8AC3E}">
+        <p14:creationId xmlns:p14="http://schemas.microsoft.com/office/powerpoint/2010/main" val="975469017"/>
+      </p:ext>
+    </p:extLst>
+  </p:cSld>
+  <p:clrMapOvr>
+    <a:masterClrMapping/>
+  </p:clrMapOvr>
+</p:sld>
+</file>
+
+<file path=ppt/slides/slide11.xml><?xml version="1.0" encoding="utf-8"?>
+<p:sld xmlns:a="http://schemas.openxmlformats.org/drawingml/2006/main" xmlns:r="http://schemas.openxmlformats.org/officeDocument/2006/relationships" xmlns:p="http://schemas.openxmlformats.org/presentationml/2006/main">
+  <p:cSld>
+    <p:spTree>
+      <p:nvGrpSpPr>
+        <p:cNvPr id="1" name=""/>
+        <p:cNvGrpSpPr/>
+        <p:nvPr/>
+      </p:nvGrpSpPr>
+      <p:grpSpPr>
+        <a:xfrm>
+          <a:off x="0" y="0"/>
+          <a:ext cx="0" cy="0"/>
+          <a:chOff x="0" y="0"/>
+          <a:chExt cx="0" cy="0"/>
+        </a:xfrm>
+      </p:grpSpPr>
+      <p:sp>
+        <p:nvSpPr>
+          <p:cNvPr id="2" name="矩形 1"/>
+          <p:cNvSpPr/>
+          <p:nvPr/>
+        </p:nvSpPr>
+        <p:spPr>
+          <a:xfrm>
+            <a:off x="3572558" y="543996"/>
+            <a:ext cx="5262979" cy="769441"/>
+          </a:xfrm>
+          <a:prstGeom prst="rect">
+            <a:avLst/>
+          </a:prstGeom>
+        </p:spPr>
+        <p:txBody>
+          <a:bodyPr wrap="none">
+            <a:spAutoFit/>
+          </a:bodyPr>
+          <a:lstStyle/>
+          <a:p>
+            <a:r>
+              <a:rPr lang="zh-CN" altLang="en-US" sz="4400"/>
+              <a:t>服务与依赖注入简介</a:t>
+            </a:r>
+          </a:p>
+        </p:txBody>
+      </p:sp>
+      <p:sp>
+        <p:nvSpPr>
+          <p:cNvPr id="4" name="矩形 3"/>
+          <p:cNvSpPr/>
+          <p:nvPr/>
+        </p:nvSpPr>
+        <p:spPr>
+          <a:xfrm>
+            <a:off x="2264187" y="1529834"/>
+            <a:ext cx="1308371" cy="369332"/>
+          </a:xfrm>
+          <a:prstGeom prst="rect">
+            <a:avLst/>
+          </a:prstGeom>
+        </p:spPr>
+        <p:txBody>
+          <a:bodyPr wrap="none">
+            <a:spAutoFit/>
+          </a:bodyPr>
+          <a:lstStyle/>
+          <a:p>
+            <a:r>
+              <a:rPr lang="en-US" altLang="zh-CN">
+                <a:solidFill>
+                  <a:srgbClr val="333333"/>
+                </a:solidFill>
+                <a:latin typeface="Droid Sans Mono" charset="0"/>
+              </a:rPr>
+              <a:t>@</a:t>
+            </a:r>
+            <a:r>
+              <a:rPr lang="en-US" altLang="zh-CN" u="sng">
+                <a:solidFill>
+                  <a:srgbClr val="6E6E6E"/>
+                </a:solidFill>
+                <a:latin typeface="Droid Sans Mono" charset="0"/>
+                <a:hlinkClick r:id="rId2"/>
+              </a:rPr>
+              <a:t>Injectable</a:t>
+            </a:r>
+            <a:endParaRPr lang="zh-CN" altLang="en-US" dirty="0"/>
+          </a:p>
+        </p:txBody>
+      </p:sp>
+      <p:pic>
+        <p:nvPicPr>
+          <p:cNvPr id="6" name="图片 5"/>
+          <p:cNvPicPr>
+            <a:picLocks noChangeAspect="1"/>
+          </p:cNvPicPr>
+          <p:nvPr/>
+        </p:nvPicPr>
+        <p:blipFill>
+          <a:blip r:embed="rId3">
+            <a:extLst>
+              <a:ext uri="{28A0092B-C50C-407E-A947-70E740481C1C}">
+                <a14:useLocalDpi xmlns:a14="http://schemas.microsoft.com/office/drawing/2010/main" val="0"/>
+              </a:ext>
+            </a:extLst>
+          </a:blip>
+          <a:stretch>
+            <a:fillRect/>
+          </a:stretch>
+        </p:blipFill>
+        <p:spPr>
+          <a:xfrm>
+            <a:off x="2178147" y="2259509"/>
+            <a:ext cx="8051800" cy="1409700"/>
+          </a:xfrm>
+          <a:prstGeom prst="rect">
+            <a:avLst/>
+          </a:prstGeom>
+        </p:spPr>
+      </p:pic>
+      <p:sp>
+        <p:nvSpPr>
+          <p:cNvPr id="8" name="矩形 7"/>
+          <p:cNvSpPr/>
+          <p:nvPr/>
+        </p:nvSpPr>
+        <p:spPr>
+          <a:xfrm>
+            <a:off x="4894600" y="2779693"/>
+            <a:ext cx="2031325" cy="369332"/>
+          </a:xfrm>
+          <a:prstGeom prst="rect">
+            <a:avLst/>
+          </a:prstGeom>
+        </p:spPr>
+        <p:txBody>
+          <a:bodyPr wrap="none">
+            <a:spAutoFit/>
+          </a:bodyPr>
+          <a:lstStyle/>
+          <a:p>
+            <a:r>
+              <a:rPr lang="zh-CN" altLang="en-US">
+                <a:latin typeface="Roboto" charset="0"/>
+              </a:rPr>
+              <a:t>注册到根注入器中</a:t>
+            </a:r>
+            <a:endParaRPr lang="zh-CN" altLang="en-US"/>
+          </a:p>
+        </p:txBody>
+      </p:sp>
+    </p:spTree>
+    <p:extLst>
+      <p:ext uri="{BB962C8B-B14F-4D97-AF65-F5344CB8AC3E}">
+        <p14:creationId xmlns:p14="http://schemas.microsoft.com/office/powerpoint/2010/main" val="1878691486"/>
+      </p:ext>
+    </p:extLst>
+  </p:cSld>
+  <p:clrMapOvr>
+    <a:masterClrMapping/>
+  </p:clrMapOvr>
+</p:sld>
+</file>
+
 <file path=ppt/slides/slide2.xml><?xml version="1.0" encoding="utf-8"?>
 <p:sld xmlns:a="http://schemas.openxmlformats.org/drawingml/2006/main" xmlns:r="http://schemas.openxmlformats.org/officeDocument/2006/relationships" xmlns:p="http://schemas.openxmlformats.org/presentationml/2006/main">
   <p:cSld>
@@ -4172,8 +4484,8 @@
         </p:nvSpPr>
         <p:spPr>
           <a:xfrm>
-            <a:off x="4872720" y="401122"/>
-            <a:ext cx="2441694" cy="769441"/>
+            <a:off x="4572684" y="243952"/>
+            <a:ext cx="3005951" cy="769441"/>
           </a:xfrm>
           <a:prstGeom prst="rect">
             <a:avLst/>
@@ -4186,18 +4498,19 @@
           <a:lstStyle/>
           <a:p>
             <a:r>
-              <a:rPr lang="zh-CN" altLang="en-US" sz="4400">
-                <a:latin typeface="Roboto" charset="0"/>
-              </a:rPr>
-              <a:t>模板</a:t>
-            </a:r>
-            <a:r>
-              <a:rPr lang="zh-CN" altLang="en-US" sz="4400" smtClean="0">
-                <a:latin typeface="Roboto" charset="0"/>
-              </a:rPr>
-              <a:t>语法</a:t>
-            </a:r>
-            <a:endParaRPr lang="zh-CN" altLang="en-US" sz="4400">
+              <a:rPr lang="zh-CN" altLang="en-US" sz="4400" dirty="0" smtClean="0">
+                <a:latin typeface="Roboto" charset="0"/>
+              </a:rPr>
+              <a:t>组件</a:t>
+            </a:r>
+            <a:r>
+              <a:rPr lang="zh-CN" altLang="en-US" sz="4400" dirty="0" smtClean="0">
+                <a:latin typeface="Roboto" charset="0"/>
+              </a:rPr>
+              <a:t>间交互</a:t>
+            </a:r>
+            <a:endParaRPr lang="zh-CN" altLang="en-US" sz="4400" b="0" i="0" dirty="0">
+              <a:effectLst/>
               <a:latin typeface="Roboto" charset="0"/>
             </a:endParaRPr>
           </a:p>
@@ -4211,8 +4524,8 @@
         </p:nvSpPr>
         <p:spPr>
           <a:xfrm>
-            <a:off x="1961217" y="1344096"/>
-            <a:ext cx="4132350" cy="369332"/>
+            <a:off x="1505177" y="1092222"/>
+            <a:ext cx="4570482" cy="369332"/>
           </a:xfrm>
           <a:prstGeom prst="rect">
             <a:avLst/>
@@ -4225,45 +4538,12 @@
           <a:lstStyle/>
           <a:p>
             <a:r>
-              <a:rPr lang="en-US" altLang="zh-CN">
-                <a:solidFill>
-                  <a:srgbClr val="1976D2"/>
-                </a:solidFill>
-                <a:latin typeface="Roboto" charset="0"/>
-              </a:rPr>
-              <a:t>HTML attribute </a:t>
-            </a:r>
-            <a:r>
-              <a:rPr lang="zh-CN" altLang="en-US" dirty="0">
-                <a:solidFill>
-                  <a:srgbClr val="1976D2"/>
-                </a:solidFill>
-                <a:latin typeface="Roboto" charset="0"/>
-              </a:rPr>
-              <a:t>与 </a:t>
-            </a:r>
-            <a:r>
-              <a:rPr lang="en-US" altLang="zh-CN" dirty="0">
-                <a:solidFill>
-                  <a:srgbClr val="1976D2"/>
-                </a:solidFill>
-                <a:latin typeface="Roboto" charset="0"/>
-              </a:rPr>
-              <a:t>DOM property </a:t>
-            </a:r>
-            <a:r>
-              <a:rPr lang="zh-CN" altLang="en-US" dirty="0">
-                <a:solidFill>
-                  <a:srgbClr val="1976D2"/>
-                </a:solidFill>
-                <a:latin typeface="Roboto" charset="0"/>
-              </a:rPr>
-              <a:t>的对比</a:t>
-            </a:r>
-            <a:endParaRPr lang="zh-CN" altLang="en-US" b="0" i="0" dirty="0">
-              <a:solidFill>
-                <a:srgbClr val="1976D2"/>
-              </a:solidFill>
+              <a:rPr lang="zh-CN" altLang="en-US">
+                <a:latin typeface="Roboto" charset="0"/>
+              </a:rPr>
+              <a:t>通过输入型绑定把数据从父组件传到子组件</a:t>
+            </a:r>
+            <a:endParaRPr lang="zh-CN" altLang="en-US" b="0" i="0">
               <a:effectLst/>
               <a:latin typeface="Roboto" charset="0"/>
             </a:endParaRPr>
@@ -4272,150 +4552,307 @@
       </p:sp>
       <p:sp>
         <p:nvSpPr>
-          <p:cNvPr id="3" name="矩形 2"/>
+          <p:cNvPr id="6" name="矩形 5"/>
           <p:cNvSpPr/>
           <p:nvPr/>
         </p:nvSpPr>
         <p:spPr>
           <a:xfrm>
-            <a:off x="1961217" y="1886961"/>
-            <a:ext cx="9625946" cy="646331"/>
+            <a:off x="2005314" y="1519829"/>
+            <a:ext cx="3570208" cy="369332"/>
           </a:xfrm>
           <a:prstGeom prst="rect">
             <a:avLst/>
           </a:prstGeom>
         </p:spPr>
         <p:txBody>
-          <a:bodyPr wrap="square">
+          <a:bodyPr wrap="none">
             <a:spAutoFit/>
           </a:bodyPr>
           <a:lstStyle/>
           <a:p>
             <a:r>
+              <a:rPr lang="zh-CN" altLang="en-US" dirty="0">
+                <a:latin typeface="Roboto" charset="0"/>
+              </a:rPr>
+              <a:t>通过 </a:t>
+            </a:r>
+            <a:r>
               <a:rPr lang="en-US" altLang="zh-CN" dirty="0">
-                <a:solidFill>
-                  <a:srgbClr val="333333"/>
-                </a:solidFill>
-                <a:latin typeface="Roboto" charset="0"/>
-              </a:rPr>
-              <a:t>attribute </a:t>
+                <a:latin typeface="Roboto" charset="0"/>
+              </a:rPr>
+              <a:t>setter </a:t>
+            </a:r>
+            <a:r>
+              <a:rPr lang="zh-CN" altLang="en-US" dirty="0">
+                <a:latin typeface="Roboto" charset="0"/>
+              </a:rPr>
+              <a:t>截听输入属性值的变化</a:t>
+            </a:r>
+            <a:endParaRPr lang="zh-CN" altLang="en-US" b="0" i="0" dirty="0">
+              <a:effectLst/>
+              <a:latin typeface="Roboto" charset="0"/>
+            </a:endParaRPr>
+          </a:p>
+        </p:txBody>
+      </p:sp>
+      <p:sp>
+        <p:nvSpPr>
+          <p:cNvPr id="8" name="矩形 7"/>
+          <p:cNvSpPr/>
+          <p:nvPr/>
+        </p:nvSpPr>
+        <p:spPr>
+          <a:xfrm>
+            <a:off x="2005314" y="1990300"/>
+            <a:ext cx="4737194" cy="369332"/>
+          </a:xfrm>
+          <a:prstGeom prst="rect">
+            <a:avLst/>
+          </a:prstGeom>
+        </p:spPr>
+        <p:txBody>
+          <a:bodyPr wrap="none">
+            <a:spAutoFit/>
+          </a:bodyPr>
+          <a:lstStyle/>
+          <a:p>
+            <a:r>
+              <a:rPr lang="zh-CN" altLang="en-US" dirty="0">
+                <a:latin typeface="Roboto" charset="0"/>
+              </a:rPr>
+              <a:t>通过</a:t>
+            </a:r>
+            <a:r>
+              <a:rPr lang="en-US" altLang="zh-CN" b="1" dirty="0" err="1">
+                <a:latin typeface="Roboto" charset="0"/>
+              </a:rPr>
+              <a:t>ngOnChanges</a:t>
+            </a:r>
+            <a:r>
+              <a:rPr lang="en-US" altLang="zh-CN" b="1" dirty="0">
+                <a:latin typeface="Roboto" charset="0"/>
+              </a:rPr>
+              <a:t>()</a:t>
+            </a:r>
+            <a:r>
+              <a:rPr lang="zh-CN" altLang="en-US" dirty="0">
+                <a:latin typeface="Roboto" charset="0"/>
+              </a:rPr>
+              <a:t>来截听输入属性值的变化</a:t>
+            </a:r>
+            <a:endParaRPr lang="zh-CN" altLang="en-US" b="0" i="0" dirty="0">
+              <a:effectLst/>
+              <a:latin typeface="Roboto" charset="0"/>
+            </a:endParaRPr>
+          </a:p>
+        </p:txBody>
+      </p:sp>
+      <p:sp>
+        <p:nvSpPr>
+          <p:cNvPr id="10" name="矩形 9"/>
+          <p:cNvSpPr/>
+          <p:nvPr/>
+        </p:nvSpPr>
+        <p:spPr>
+          <a:xfrm>
+            <a:off x="1524684" y="2532611"/>
+            <a:ext cx="6096000" cy="369332"/>
+          </a:xfrm>
+          <a:prstGeom prst="rect">
+            <a:avLst/>
+          </a:prstGeom>
+        </p:spPr>
+        <p:txBody>
+          <a:bodyPr>
+            <a:spAutoFit/>
+          </a:bodyPr>
+          <a:lstStyle/>
+          <a:p>
+            <a:r>
+              <a:rPr lang="zh-CN" altLang="en-US" dirty="0">
+                <a:latin typeface="Roboto" charset="0"/>
+              </a:rPr>
+              <a:t>父组件监听子组件的</a:t>
+            </a:r>
+            <a:r>
+              <a:rPr lang="zh-CN" altLang="en-US" dirty="0" smtClean="0">
+                <a:latin typeface="Roboto" charset="0"/>
+              </a:rPr>
+              <a:t>事件 </a:t>
+            </a:r>
+            <a:r>
+              <a:rPr lang="en-US" altLang="zh-CN" dirty="0" err="1">
+                <a:latin typeface="Roboto" charset="0"/>
+              </a:rPr>
+              <a:t>EventEmitter</a:t>
+            </a:r>
+            <a:endParaRPr lang="zh-CN" altLang="en-US" dirty="0">
+              <a:latin typeface="Roboto" charset="0"/>
+            </a:endParaRPr>
+          </a:p>
+        </p:txBody>
+      </p:sp>
+      <p:sp>
+        <p:nvSpPr>
+          <p:cNvPr id="12" name="矩形 11"/>
+          <p:cNvSpPr/>
+          <p:nvPr/>
+        </p:nvSpPr>
+        <p:spPr>
+          <a:xfrm>
+            <a:off x="1524684" y="3043390"/>
+            <a:ext cx="6474849" cy="369332"/>
+          </a:xfrm>
+          <a:prstGeom prst="rect">
+            <a:avLst/>
+          </a:prstGeom>
+        </p:spPr>
+        <p:txBody>
+          <a:bodyPr wrap="none">
+            <a:spAutoFit/>
+          </a:bodyPr>
+          <a:lstStyle/>
+          <a:p>
+            <a:r>
+              <a:rPr lang="zh-CN" altLang="en-US" dirty="0">
+                <a:latin typeface="Roboto" charset="0"/>
+              </a:rPr>
+              <a:t>父组件与子组件通过</a:t>
             </a:r>
             <a:r>
               <a:rPr lang="zh-CN" altLang="en-US" b="1" dirty="0">
-                <a:solidFill>
-                  <a:srgbClr val="333333"/>
-                </a:solidFill>
-                <a:latin typeface="Roboto" charset="0"/>
-              </a:rPr>
-              <a:t>初始化</a:t>
-            </a:r>
-            <a:r>
-              <a:rPr lang="zh-CN" altLang="en-US" dirty="0">
-                <a:solidFill>
-                  <a:srgbClr val="333333"/>
-                </a:solidFill>
-                <a:latin typeface="Roboto" charset="0"/>
-              </a:rPr>
-              <a:t> </a:t>
-            </a:r>
-            <a:r>
-              <a:rPr lang="en-US" altLang="zh-CN" dirty="0">
-                <a:solidFill>
-                  <a:srgbClr val="333333"/>
-                </a:solidFill>
-                <a:latin typeface="Roboto" charset="0"/>
-              </a:rPr>
-              <a:t>DOM property</a:t>
-            </a:r>
-            <a:r>
-              <a:rPr lang="zh-CN" altLang="en-US" dirty="0">
-                <a:solidFill>
-                  <a:srgbClr val="333333"/>
-                </a:solidFill>
-                <a:latin typeface="Roboto" charset="0"/>
-              </a:rPr>
-              <a:t>，然后它们的任务就完成了。</a:t>
-            </a:r>
-            <a:r>
-              <a:rPr lang="en-US" altLang="zh-CN" dirty="0">
-                <a:solidFill>
-                  <a:srgbClr val="333333"/>
-                </a:solidFill>
-                <a:latin typeface="Roboto" charset="0"/>
-              </a:rPr>
-              <a:t>property </a:t>
-            </a:r>
-            <a:r>
-              <a:rPr lang="zh-CN" altLang="en-US" dirty="0">
-                <a:solidFill>
-                  <a:srgbClr val="333333"/>
-                </a:solidFill>
-                <a:latin typeface="Roboto" charset="0"/>
-              </a:rPr>
-              <a:t>的值可以改变；</a:t>
-            </a:r>
-            <a:r>
-              <a:rPr lang="en-US" altLang="zh-CN" dirty="0">
-                <a:solidFill>
-                  <a:srgbClr val="333333"/>
-                </a:solidFill>
-                <a:latin typeface="Roboto" charset="0"/>
-              </a:rPr>
-              <a:t>attribute </a:t>
-            </a:r>
-            <a:r>
-              <a:rPr lang="zh-CN" altLang="en-US" dirty="0">
-                <a:solidFill>
-                  <a:srgbClr val="333333"/>
-                </a:solidFill>
-                <a:latin typeface="Roboto" charset="0"/>
-              </a:rPr>
-              <a:t>的值不能改变</a:t>
+                <a:latin typeface="Roboto" charset="0"/>
+              </a:rPr>
+              <a:t>本地变量</a:t>
             </a:r>
             <a:r>
               <a:rPr lang="zh-CN" altLang="en-US" dirty="0" smtClean="0">
-                <a:solidFill>
-                  <a:srgbClr val="333333"/>
-                </a:solidFill>
-                <a:latin typeface="Roboto" charset="0"/>
-              </a:rPr>
-              <a:t>。</a:t>
-            </a:r>
-            <a:r>
-              <a:rPr lang="zh-CN" altLang="en-US" dirty="0"/>
-              <a:t>模板绑定是通过 </a:t>
-            </a:r>
-            <a:r>
-              <a:rPr lang="en-US" altLang="zh-CN" b="1" dirty="0"/>
-              <a:t>property</a:t>
-            </a:r>
-            <a:r>
-              <a:rPr lang="zh-CN" altLang="en-US" dirty="0"/>
-              <a:t> 和</a:t>
-            </a:r>
-            <a:r>
-              <a:rPr lang="zh-CN" altLang="en-US" b="1" dirty="0"/>
-              <a:t>事件</a:t>
-            </a:r>
-            <a:r>
-              <a:rPr lang="zh-CN" altLang="en-US" dirty="0"/>
-              <a:t>来工作的，而不是 </a:t>
-            </a:r>
-            <a:r>
-              <a:rPr lang="en-US" altLang="zh-CN" b="1" dirty="0"/>
-              <a:t>attribute</a:t>
-            </a:r>
-            <a:r>
-              <a:rPr lang="zh-CN" altLang="en-US" dirty="0"/>
-              <a:t>。</a:t>
-            </a:r>
+                <a:latin typeface="Roboto" charset="0"/>
+              </a:rPr>
+              <a:t>互动    </a:t>
+            </a:r>
+            <a:r>
+              <a:rPr lang="en-US" altLang="zh-CN" dirty="0" smtClean="0">
+                <a:latin typeface="Roboto" charset="0"/>
+              </a:rPr>
+              <a:t>#</a:t>
+            </a:r>
+            <a:r>
+              <a:rPr lang="en-US" altLang="zh-CN" dirty="0" err="1" smtClean="0">
+                <a:latin typeface="Roboto" charset="0"/>
+              </a:rPr>
+              <a:t>xxxx</a:t>
+            </a:r>
+            <a:r>
+              <a:rPr lang="zh-CN" altLang="en-US" dirty="0" smtClean="0">
+                <a:latin typeface="Roboto" charset="0"/>
+              </a:rPr>
+              <a:t>   只能在模版中使用</a:t>
+            </a:r>
+            <a:endParaRPr lang="zh-CN" altLang="en-US" b="0" i="0" dirty="0">
+              <a:effectLst/>
+              <a:latin typeface="Roboto" charset="0"/>
+            </a:endParaRPr>
+          </a:p>
+        </p:txBody>
+      </p:sp>
+      <p:sp>
+        <p:nvSpPr>
+          <p:cNvPr id="13" name="矩形 12"/>
+          <p:cNvSpPr/>
+          <p:nvPr/>
+        </p:nvSpPr>
+        <p:spPr>
+          <a:xfrm>
+            <a:off x="1524684" y="3575974"/>
+            <a:ext cx="4077848" cy="369332"/>
+          </a:xfrm>
+          <a:prstGeom prst="rect">
+            <a:avLst/>
+          </a:prstGeom>
+        </p:spPr>
+        <p:txBody>
+          <a:bodyPr wrap="none">
+            <a:spAutoFit/>
+          </a:bodyPr>
+          <a:lstStyle/>
+          <a:p>
+            <a:r>
+              <a:rPr lang="zh-CN" altLang="en-US" dirty="0">
+                <a:latin typeface="Roboto" charset="0"/>
+              </a:rPr>
+              <a:t>父组件调用</a:t>
+            </a:r>
+            <a:r>
+              <a:rPr lang="en-US" altLang="zh-CN" b="1" dirty="0">
+                <a:latin typeface="Roboto" charset="0"/>
+              </a:rPr>
+              <a:t>@</a:t>
+            </a:r>
+            <a:r>
+              <a:rPr lang="en-US" altLang="zh-CN" b="1" dirty="0" err="1">
+                <a:latin typeface="Roboto" charset="0"/>
+              </a:rPr>
+              <a:t>ViewChild</a:t>
+            </a:r>
+            <a:r>
+              <a:rPr lang="en-US" altLang="zh-CN" b="1" dirty="0" smtClean="0">
+                <a:latin typeface="Roboto" charset="0"/>
+              </a:rPr>
+              <a:t>()</a:t>
+            </a:r>
+            <a:r>
+              <a:rPr lang="zh-CN" altLang="en-US" b="1" dirty="0" smtClean="0">
+                <a:latin typeface="Roboto" charset="0"/>
+              </a:rPr>
+              <a:t>   （见官网）</a:t>
+            </a:r>
+            <a:endParaRPr lang="zh-CN" altLang="en-US" b="0" i="0" dirty="0">
+              <a:effectLst/>
+              <a:latin typeface="Roboto" charset="0"/>
+            </a:endParaRPr>
+          </a:p>
+        </p:txBody>
+      </p:sp>
+      <p:sp>
+        <p:nvSpPr>
+          <p:cNvPr id="14" name="矩形 13"/>
+          <p:cNvSpPr/>
+          <p:nvPr/>
+        </p:nvSpPr>
+        <p:spPr>
+          <a:xfrm>
+            <a:off x="1535316" y="4126134"/>
+            <a:ext cx="3416320" cy="369332"/>
+          </a:xfrm>
+          <a:prstGeom prst="rect">
+            <a:avLst/>
+          </a:prstGeom>
+        </p:spPr>
+        <p:txBody>
+          <a:bodyPr wrap="none">
+            <a:spAutoFit/>
+          </a:bodyPr>
+          <a:lstStyle/>
+          <a:p>
+            <a:r>
+              <a:rPr lang="zh-CN" altLang="en-US">
+                <a:latin typeface="Roboto" charset="0"/>
+              </a:rPr>
+              <a:t>父组件和子组件通过服务来通讯</a:t>
+            </a:r>
+            <a:endParaRPr lang="zh-CN" altLang="en-US" b="0" i="0">
+              <a:effectLst/>
+              <a:latin typeface="Roboto" charset="0"/>
+            </a:endParaRPr>
           </a:p>
         </p:txBody>
       </p:sp>
     </p:spTree>
     <p:extLst>
       <p:ext uri="{BB962C8B-B14F-4D97-AF65-F5344CB8AC3E}">
-        <p14:creationId xmlns:p14="http://schemas.microsoft.com/office/powerpoint/2010/main" val="421270790"/>
+        <p14:creationId xmlns:p14="http://schemas.microsoft.com/office/powerpoint/2010/main" val="2012176584"/>
       </p:ext>
     </p:extLst>
   </p:cSld>
@@ -4450,8 +4887,8 @@
         </p:nvSpPr>
         <p:spPr>
           <a:xfrm>
-            <a:off x="4308463" y="440411"/>
-            <a:ext cx="3570208" cy="769441"/>
+            <a:off x="4572684" y="243952"/>
+            <a:ext cx="2441694" cy="769441"/>
           </a:xfrm>
           <a:prstGeom prst="rect">
             <a:avLst/>
@@ -4464,10 +4901,68 @@
           <a:lstStyle/>
           <a:p>
             <a:r>
-              <a:rPr lang="zh-CN" altLang="en-US" sz="4400" dirty="0" smtClean="0"/>
-              <a:t>生命周期钩子</a:t>
-            </a:r>
-            <a:endParaRPr lang="zh-CN" altLang="en-US" sz="4400" dirty="0"/>
+              <a:rPr lang="zh-CN" altLang="en-US" sz="4400" dirty="0" smtClean="0">
+                <a:latin typeface="Roboto" charset="0"/>
+              </a:rPr>
+              <a:t>组件样式</a:t>
+            </a:r>
+            <a:endParaRPr lang="zh-CN" altLang="en-US" sz="4400" b="0" i="0" dirty="0">
+              <a:effectLst/>
+              <a:latin typeface="Roboto" charset="0"/>
+            </a:endParaRPr>
+          </a:p>
+        </p:txBody>
+      </p:sp>
+      <p:sp>
+        <p:nvSpPr>
+          <p:cNvPr id="3" name="矩形 2"/>
+          <p:cNvSpPr/>
+          <p:nvPr/>
+        </p:nvSpPr>
+        <p:spPr>
+          <a:xfrm>
+            <a:off x="1524684" y="1213973"/>
+            <a:ext cx="10047206" cy="369332"/>
+          </a:xfrm>
+          <a:prstGeom prst="rect">
+            <a:avLst/>
+          </a:prstGeom>
+        </p:spPr>
+        <p:txBody>
+          <a:bodyPr wrap="square">
+            <a:spAutoFit/>
+          </a:bodyPr>
+          <a:lstStyle/>
+          <a:p>
+            <a:r>
+              <a:rPr lang="zh-CN" altLang="en-US" dirty="0">
+                <a:solidFill>
+                  <a:srgbClr val="333333"/>
+                </a:solidFill>
+                <a:latin typeface="Roboto" charset="0"/>
+              </a:rPr>
+              <a:t>在 </a:t>
+            </a:r>
+            <a:r>
+              <a:rPr lang="en-US" altLang="zh-CN" dirty="0"/>
+              <a:t>@</a:t>
+            </a:r>
+            <a:r>
+              <a:rPr lang="en-US" altLang="zh-CN" dirty="0">
+                <a:hlinkClick r:id="rId2"/>
+              </a:rPr>
+              <a:t>Component</a:t>
+            </a:r>
+            <a:r>
+              <a:rPr lang="zh-CN" altLang="en-US" dirty="0">
+                <a:solidFill>
+                  <a:srgbClr val="333333"/>
+                </a:solidFill>
+                <a:latin typeface="Roboto" charset="0"/>
+              </a:rPr>
+              <a:t> 的元数据中指定的样式只会对该组件的模板生效。</a:t>
+            </a:r>
+            <a:endParaRPr lang="zh-CN" altLang="en-US" dirty="0"/>
           </a:p>
         </p:txBody>
       </p:sp>
@@ -4479,8 +4974,8 @@
         </p:nvSpPr>
         <p:spPr>
           <a:xfrm>
-            <a:off x="1851263" y="1209852"/>
-            <a:ext cx="1399742" cy="369332"/>
+            <a:off x="1524684" y="1783885"/>
+            <a:ext cx="1569660" cy="369332"/>
           </a:xfrm>
           <a:prstGeom prst="rect">
             <a:avLst/>
@@ -4493,88 +4988,281 @@
           <a:lstStyle/>
           <a:p>
             <a:r>
-              <a:rPr lang="en-US" altLang="zh-CN" b="1" dirty="0" err="1">
-                <a:latin typeface="Roboto" panose="02000000000000000000" pitchFamily="2" charset="0"/>
-              </a:rPr>
-              <a:t>OnInit</a:t>
-            </a:r>
-            <a:r>
-              <a:rPr lang="en-US" altLang="zh-CN" b="1" dirty="0">
-                <a:latin typeface="Roboto" panose="02000000000000000000" pitchFamily="2" charset="0"/>
-              </a:rPr>
-              <a:t>()</a:t>
-            </a:r>
-            <a:r>
-              <a:rPr lang="zh-CN" altLang="en-US" b="1" dirty="0">
-                <a:latin typeface="Roboto" panose="02000000000000000000" pitchFamily="2" charset="0"/>
-              </a:rPr>
-              <a:t>钩子</a:t>
-            </a:r>
-            <a:endParaRPr lang="zh-CN" altLang="en-US" b="0" i="0" dirty="0">
+              <a:rPr lang="zh-CN" altLang="en-US">
+                <a:latin typeface="Roboto" charset="0"/>
+              </a:rPr>
+              <a:t>特殊的选择器</a:t>
+            </a:r>
+            <a:endParaRPr lang="zh-CN" altLang="en-US" b="0" i="0">
               <a:effectLst/>
-              <a:latin typeface="Roboto" panose="02000000000000000000" pitchFamily="2" charset="0"/>
+              <a:latin typeface="Roboto" charset="0"/>
             </a:endParaRPr>
           </a:p>
         </p:txBody>
       </p:sp>
       <p:sp>
         <p:nvSpPr>
-          <p:cNvPr id="6" name="矩形 5"/>
+          <p:cNvPr id="7" name="矩形 6"/>
           <p:cNvSpPr/>
           <p:nvPr/>
         </p:nvSpPr>
         <p:spPr>
           <a:xfrm>
-            <a:off x="2551134" y="1690394"/>
-            <a:ext cx="6096000" cy="646331"/>
+            <a:off x="1841137" y="2169131"/>
+            <a:ext cx="4801314" cy="369332"/>
           </a:xfrm>
           <a:prstGeom prst="rect">
             <a:avLst/>
           </a:prstGeom>
         </p:spPr>
         <p:txBody>
-          <a:bodyPr>
+          <a:bodyPr wrap="none">
             <a:spAutoFit/>
           </a:bodyPr>
           <a:lstStyle/>
           <a:p>
-            <a:pPr>
-              <a:buFont typeface="+mj-lt"/>
-              <a:buAutoNum type="arabicPeriod"/>
-            </a:pPr>
-            <a:r>
-              <a:rPr lang="zh-CN" altLang="en-US" dirty="0">
-                <a:latin typeface="Roboto" panose="02000000000000000000" pitchFamily="2" charset="0"/>
-              </a:rPr>
-              <a:t>在构造函数之后马上执行复杂的初始化逻辑</a:t>
-            </a:r>
-          </a:p>
-          <a:p>
-            <a:pPr>
-              <a:buFont typeface="+mj-lt"/>
-              <a:buAutoNum type="arabicPeriod"/>
-            </a:pPr>
-            <a:r>
-              <a:rPr lang="zh-CN" altLang="en-US" dirty="0">
-                <a:latin typeface="Roboto" panose="02000000000000000000" pitchFamily="2" charset="0"/>
-              </a:rPr>
-              <a:t>在 </a:t>
-            </a:r>
             <a:r>
               <a:rPr lang="en-US" altLang="zh-CN" dirty="0">
-                <a:latin typeface="Roboto" panose="02000000000000000000" pitchFamily="2" charset="0"/>
-              </a:rPr>
-              <a:t>Angular </a:t>
-            </a:r>
-            <a:r>
-              <a:rPr lang="zh-CN" altLang="en-US" dirty="0">
-                <a:latin typeface="Roboto" panose="02000000000000000000" pitchFamily="2" charset="0"/>
-              </a:rPr>
-              <a:t>设置完输入属性之后，对该组件进行准备。</a:t>
-            </a:r>
-            <a:endParaRPr lang="zh-CN" altLang="en-US" b="0" i="0" dirty="0">
+                <a:latin typeface="Roboto" charset="0"/>
+              </a:rPr>
+              <a:t>:host </a:t>
+            </a:r>
+            <a:r>
+              <a:rPr lang="zh-CN" altLang="en-US" dirty="0" smtClean="0">
+                <a:latin typeface="Roboto" charset="0"/>
+              </a:rPr>
+              <a:t>选择器</a:t>
+            </a:r>
+            <a:r>
+              <a:rPr lang="en-US" altLang="zh-CN" dirty="0" smtClean="0">
+                <a:latin typeface="Roboto" charset="0"/>
+              </a:rPr>
+              <a:t>	</a:t>
+            </a:r>
+            <a:r>
+              <a:rPr lang="zh-CN" altLang="en-US" dirty="0" smtClean="0">
+                <a:latin typeface="Roboto" charset="0"/>
+              </a:rPr>
+              <a:t>选择</a:t>
+            </a:r>
+            <a:r>
+              <a:rPr lang="zh-CN" altLang="en-US" dirty="0">
+                <a:latin typeface="Roboto" charset="0"/>
+              </a:rPr>
+              <a:t>组件</a:t>
+            </a:r>
+            <a:r>
+              <a:rPr lang="zh-CN" altLang="en-US" b="1" dirty="0">
+                <a:latin typeface="Roboto" charset="0"/>
+              </a:rPr>
+              <a:t>宿主</a:t>
+            </a:r>
+            <a:r>
+              <a:rPr lang="zh-CN" altLang="en-US" dirty="0">
+                <a:latin typeface="Roboto" charset="0"/>
+              </a:rPr>
+              <a:t>元素中的</a:t>
+            </a:r>
+            <a:r>
+              <a:rPr lang="zh-CN" altLang="en-US" dirty="0" smtClean="0">
+                <a:latin typeface="Roboto" charset="0"/>
+              </a:rPr>
+              <a:t>元素</a:t>
+            </a:r>
+            <a:endParaRPr lang="zh-CN" altLang="en-US" dirty="0"/>
+          </a:p>
+        </p:txBody>
+      </p:sp>
+      <p:sp>
+        <p:nvSpPr>
+          <p:cNvPr id="16" name="矩形 15"/>
+          <p:cNvSpPr/>
+          <p:nvPr/>
+        </p:nvSpPr>
+        <p:spPr>
+          <a:xfrm>
+            <a:off x="1841137" y="2554229"/>
+            <a:ext cx="10373353" cy="646331"/>
+          </a:xfrm>
+          <a:prstGeom prst="rect">
+            <a:avLst/>
+          </a:prstGeom>
+        </p:spPr>
+        <p:txBody>
+          <a:bodyPr wrap="none">
+            <a:spAutoFit/>
+          </a:bodyPr>
+          <a:lstStyle/>
+          <a:p>
+            <a:r>
+              <a:rPr lang="en-US" altLang="zh-CN" dirty="0" smtClean="0">
+                <a:latin typeface="Roboto" charset="0"/>
+              </a:rPr>
+              <a:t>:</a:t>
+            </a:r>
+            <a:r>
+              <a:rPr lang="en-US" altLang="zh-CN" dirty="0" smtClean="0"/>
+              <a:t>host-context</a:t>
+            </a:r>
+            <a:r>
+              <a:rPr lang="zh-CN" altLang="en-US" dirty="0" smtClean="0"/>
+              <a:t> </a:t>
+            </a:r>
+            <a:r>
+              <a:rPr lang="zh-CN" altLang="en-US" dirty="0" smtClean="0">
+                <a:latin typeface="Roboto" charset="0"/>
+              </a:rPr>
+              <a:t>选择器</a:t>
+            </a:r>
+            <a:r>
+              <a:rPr lang="en-US" altLang="zh-CN" dirty="0" smtClean="0">
+                <a:latin typeface="Roboto" charset="0"/>
+              </a:rPr>
+              <a:t>	</a:t>
+            </a:r>
+            <a:r>
+              <a:rPr lang="zh-CN" altLang="en-US" dirty="0"/>
+              <a:t>在当前组件宿主元素的</a:t>
+            </a:r>
+            <a:r>
+              <a:rPr lang="zh-CN" altLang="en-US" b="1" dirty="0"/>
+              <a:t>祖先节点</a:t>
+            </a:r>
+            <a:r>
+              <a:rPr lang="zh-CN" altLang="en-US" dirty="0"/>
+              <a:t>中查找 </a:t>
+            </a:r>
+            <a:r>
+              <a:rPr lang="en-US" altLang="zh-CN" dirty="0"/>
+              <a:t>CSS </a:t>
+            </a:r>
+            <a:r>
+              <a:rPr lang="zh-CN" altLang="en-US" dirty="0"/>
+              <a:t>类， 直到文档的根节点为止</a:t>
+            </a:r>
+            <a:r>
+              <a:rPr lang="zh-CN" altLang="en-US" dirty="0" smtClean="0"/>
+              <a:t>。</a:t>
+            </a:r>
+            <a:endParaRPr lang="en-US" altLang="zh-CN" dirty="0" smtClean="0"/>
+          </a:p>
+          <a:p>
+            <a:r>
+              <a:rPr lang="en-US" altLang="zh-CN" dirty="0"/>
+              <a:t>	</a:t>
+            </a:r>
+            <a:r>
+              <a:rPr lang="en-US" altLang="zh-CN" dirty="0" smtClean="0"/>
+              <a:t>		</a:t>
+            </a:r>
+            <a:r>
+              <a:rPr lang="zh-CN" altLang="en-US" dirty="0" smtClean="0"/>
+              <a:t>在</a:t>
+            </a:r>
+            <a:r>
+              <a:rPr lang="zh-CN" altLang="en-US" dirty="0"/>
+              <a:t>与其它选择器组合使用时，它非常有用。</a:t>
+            </a:r>
+            <a:endParaRPr lang="zh-CN" altLang="en-US" dirty="0"/>
+          </a:p>
+        </p:txBody>
+      </p:sp>
+      <p:sp>
+        <p:nvSpPr>
+          <p:cNvPr id="17" name="矩形 16"/>
+          <p:cNvSpPr/>
+          <p:nvPr/>
+        </p:nvSpPr>
+        <p:spPr>
+          <a:xfrm>
+            <a:off x="1595332" y="3525153"/>
+            <a:ext cx="9976558" cy="369332"/>
+          </a:xfrm>
+          <a:prstGeom prst="rect">
+            <a:avLst/>
+          </a:prstGeom>
+        </p:spPr>
+        <p:txBody>
+          <a:bodyPr wrap="square">
+            <a:spAutoFit/>
+          </a:bodyPr>
+          <a:lstStyle/>
+          <a:p>
+            <a:r>
+              <a:rPr lang="zh-CN" altLang="mr-IN" b="1">
+                <a:latin typeface="Roboto" charset="0"/>
+              </a:rPr>
+              <a:t>控制视图的封装模式：原生 </a:t>
+            </a:r>
+            <a:r>
+              <a:rPr lang="mr-IN" altLang="zh-CN" b="1" dirty="0">
+                <a:latin typeface="Roboto" charset="0"/>
+              </a:rPr>
+              <a:t>(</a:t>
+            </a:r>
+            <a:r>
+              <a:rPr lang="mr-IN" altLang="zh-CN" b="1" dirty="0" err="1">
+                <a:latin typeface="Roboto" charset="0"/>
+              </a:rPr>
+              <a:t>Native</a:t>
+            </a:r>
+            <a:r>
+              <a:rPr lang="mr-IN" altLang="zh-CN" b="1" dirty="0">
+                <a:latin typeface="Roboto" charset="0"/>
+              </a:rPr>
+              <a:t>)</a:t>
+            </a:r>
+            <a:r>
+              <a:rPr lang="zh-CN" altLang="mr-IN" b="1" dirty="0">
+                <a:latin typeface="Roboto" charset="0"/>
+              </a:rPr>
+              <a:t>、仿真 </a:t>
+            </a:r>
+            <a:r>
+              <a:rPr lang="mr-IN" altLang="zh-CN" b="1" dirty="0">
+                <a:latin typeface="Roboto" charset="0"/>
+              </a:rPr>
+              <a:t>(</a:t>
+            </a:r>
+            <a:r>
+              <a:rPr lang="mr-IN" altLang="zh-CN" b="1" dirty="0" err="1">
+                <a:latin typeface="Roboto" charset="0"/>
+              </a:rPr>
+              <a:t>Emulated</a:t>
+            </a:r>
+            <a:r>
+              <a:rPr lang="mr-IN" altLang="zh-CN" b="1" dirty="0">
+                <a:latin typeface="Roboto" charset="0"/>
+              </a:rPr>
+              <a:t>) </a:t>
+            </a:r>
+            <a:r>
+              <a:rPr lang="zh-CN" altLang="mr-IN" b="1" dirty="0">
+                <a:latin typeface="Roboto" charset="0"/>
+              </a:rPr>
+              <a:t>和无 </a:t>
+            </a:r>
+            <a:r>
+              <a:rPr lang="mr-IN" altLang="zh-CN" b="1" dirty="0">
+                <a:latin typeface="Roboto" charset="0"/>
+              </a:rPr>
+              <a:t>(</a:t>
+            </a:r>
+            <a:r>
+              <a:rPr lang="mr-IN" altLang="zh-CN" b="1" dirty="0" err="1">
+                <a:latin typeface="Roboto" charset="0"/>
+              </a:rPr>
+              <a:t>None</a:t>
+            </a:r>
+            <a:r>
+              <a:rPr lang="mr-IN" altLang="zh-CN" b="1" dirty="0">
+                <a:latin typeface="Roboto" charset="0"/>
+              </a:rPr>
+              <a:t>)</a:t>
+            </a:r>
+            <a:endParaRPr lang="mr-IN" altLang="zh-CN" b="1" i="0" dirty="0">
               <a:effectLst/>
-              <a:latin typeface="Roboto" panose="02000000000000000000" pitchFamily="2" charset="0"/>
+              <a:latin typeface="Roboto" charset="0"/>
             </a:endParaRPr>
           </a:p>
         </p:txBody>
@@ -4582,7 +5270,7 @@
     </p:spTree>
     <p:extLst>
       <p:ext uri="{BB962C8B-B14F-4D97-AF65-F5344CB8AC3E}">
-        <p14:creationId xmlns:p14="http://schemas.microsoft.com/office/powerpoint/2010/main" val="4041576950"/>
+        <p14:creationId xmlns:p14="http://schemas.microsoft.com/office/powerpoint/2010/main" val="1439445539"/>
       </p:ext>
     </p:extLst>
   </p:cSld>
@@ -4611,123 +5299,256 @@
       </p:grpSpPr>
       <p:sp>
         <p:nvSpPr>
+          <p:cNvPr id="2" name="矩形 1"/>
+          <p:cNvSpPr/>
+          <p:nvPr/>
+        </p:nvSpPr>
+        <p:spPr>
+          <a:xfrm>
+            <a:off x="4872720" y="401122"/>
+            <a:ext cx="2441694" cy="769441"/>
+          </a:xfrm>
+          <a:prstGeom prst="rect">
+            <a:avLst/>
+          </a:prstGeom>
+        </p:spPr>
+        <p:txBody>
+          <a:bodyPr wrap="none">
+            <a:spAutoFit/>
+          </a:bodyPr>
+          <a:lstStyle/>
+          <a:p>
+            <a:r>
+              <a:rPr lang="zh-CN" altLang="en-US" sz="4400">
+                <a:latin typeface="Roboto" charset="0"/>
+              </a:rPr>
+              <a:t>模板</a:t>
+            </a:r>
+            <a:r>
+              <a:rPr lang="zh-CN" altLang="en-US" sz="4400" smtClean="0">
+                <a:latin typeface="Roboto" charset="0"/>
+              </a:rPr>
+              <a:t>语法</a:t>
+            </a:r>
+            <a:endParaRPr lang="zh-CN" altLang="en-US" sz="4400">
+              <a:latin typeface="Roboto" charset="0"/>
+            </a:endParaRPr>
+          </a:p>
+        </p:txBody>
+      </p:sp>
+      <p:sp>
+        <p:nvSpPr>
           <p:cNvPr id="4" name="矩形 3"/>
           <p:cNvSpPr/>
           <p:nvPr/>
         </p:nvSpPr>
         <p:spPr>
           <a:xfrm>
-            <a:off x="642938" y="400051"/>
-            <a:ext cx="10958512" cy="2862322"/>
+            <a:off x="1961217" y="1344096"/>
+            <a:ext cx="4132350" cy="369332"/>
           </a:xfrm>
           <a:prstGeom prst="rect">
             <a:avLst/>
           </a:prstGeom>
         </p:spPr>
         <p:txBody>
+          <a:bodyPr wrap="none">
+            <a:spAutoFit/>
+          </a:bodyPr>
+          <a:lstStyle/>
+          <a:p>
+            <a:r>
+              <a:rPr lang="en-US" altLang="zh-CN">
+                <a:solidFill>
+                  <a:srgbClr val="1976D2"/>
+                </a:solidFill>
+                <a:latin typeface="Roboto" charset="0"/>
+              </a:rPr>
+              <a:t>HTML attribute </a:t>
+            </a:r>
+            <a:r>
+              <a:rPr lang="zh-CN" altLang="en-US" dirty="0">
+                <a:solidFill>
+                  <a:srgbClr val="1976D2"/>
+                </a:solidFill>
+                <a:latin typeface="Roboto" charset="0"/>
+              </a:rPr>
+              <a:t>与 </a:t>
+            </a:r>
+            <a:r>
+              <a:rPr lang="en-US" altLang="zh-CN" dirty="0">
+                <a:solidFill>
+                  <a:srgbClr val="1976D2"/>
+                </a:solidFill>
+                <a:latin typeface="Roboto" charset="0"/>
+              </a:rPr>
+              <a:t>DOM property </a:t>
+            </a:r>
+            <a:r>
+              <a:rPr lang="zh-CN" altLang="en-US" dirty="0">
+                <a:solidFill>
+                  <a:srgbClr val="1976D2"/>
+                </a:solidFill>
+                <a:latin typeface="Roboto" charset="0"/>
+              </a:rPr>
+              <a:t>的对比</a:t>
+            </a:r>
+            <a:endParaRPr lang="zh-CN" altLang="en-US" b="0" i="0" dirty="0">
+              <a:solidFill>
+                <a:srgbClr val="1976D2"/>
+              </a:solidFill>
+              <a:effectLst/>
+              <a:latin typeface="Roboto" charset="0"/>
+            </a:endParaRPr>
+          </a:p>
+        </p:txBody>
+      </p:sp>
+      <p:sp>
+        <p:nvSpPr>
+          <p:cNvPr id="3" name="矩形 2"/>
+          <p:cNvSpPr/>
+          <p:nvPr/>
+        </p:nvSpPr>
+        <p:spPr>
+          <a:xfrm>
+            <a:off x="1961217" y="1886961"/>
+            <a:ext cx="9625946" cy="646331"/>
+          </a:xfrm>
+          <a:prstGeom prst="rect">
+            <a:avLst/>
+          </a:prstGeom>
+        </p:spPr>
+        <p:txBody>
           <a:bodyPr wrap="square">
             <a:spAutoFit/>
           </a:bodyPr>
           <a:lstStyle/>
           <a:p>
             <a:r>
-              <a:rPr lang="zh-CN" altLang="en-US" dirty="0"/>
-              <a:t/>
-            </a:r>
-            <a:br>
-              <a:rPr lang="zh-CN" altLang="en-US" dirty="0"/>
-            </a:br>
-            <a:r>
               <a:rPr lang="en-US" altLang="zh-CN" dirty="0">
                 <a:solidFill>
-                  <a:srgbClr val="FF0000"/>
+                  <a:srgbClr val="333333"/>
                 </a:solidFill>
                 <a:latin typeface="Roboto" charset="0"/>
               </a:rPr>
-              <a:t>Angular </a:t>
-            </a:r>
-            <a:r>
-              <a:rPr lang="zh-CN" altLang="en-US" dirty="0">
+              <a:t>attribute </a:t>
+            </a:r>
+            <a:r>
+              <a:rPr lang="zh-CN" altLang="en-US" b="1" dirty="0">
                 <a:solidFill>
-                  <a:srgbClr val="FF0000"/>
+                  <a:srgbClr val="333333"/>
                 </a:solidFill>
                 <a:latin typeface="Roboto" charset="0"/>
               </a:rPr>
-              <a:t>把组件和服务区分开，以提高模块性和复用性</a:t>
+              <a:t>初始化</a:t>
+            </a:r>
+            <a:r>
+              <a:rPr lang="zh-CN" altLang="en-US" dirty="0">
+                <a:solidFill>
+                  <a:srgbClr val="333333"/>
+                </a:solidFill>
+                <a:latin typeface="Roboto" charset="0"/>
+              </a:rPr>
+              <a:t> </a:t>
+            </a:r>
+            <a:r>
+              <a:rPr lang="en-US" altLang="zh-CN" dirty="0">
+                <a:solidFill>
+                  <a:srgbClr val="333333"/>
+                </a:solidFill>
+                <a:latin typeface="Roboto" charset="0"/>
+              </a:rPr>
+              <a:t>DOM property</a:t>
+            </a:r>
+            <a:r>
+              <a:rPr lang="zh-CN" altLang="en-US" dirty="0">
+                <a:solidFill>
+                  <a:srgbClr val="333333"/>
+                </a:solidFill>
+                <a:latin typeface="Roboto" charset="0"/>
+              </a:rPr>
+              <a:t>，然后它们的任务就完成了。</a:t>
+            </a:r>
+            <a:r>
+              <a:rPr lang="en-US" altLang="zh-CN" dirty="0">
+                <a:solidFill>
+                  <a:srgbClr val="333333"/>
+                </a:solidFill>
+                <a:latin typeface="Roboto" charset="0"/>
+              </a:rPr>
+              <a:t>property </a:t>
+            </a:r>
+            <a:r>
+              <a:rPr lang="zh-CN" altLang="en-US" dirty="0">
+                <a:solidFill>
+                  <a:srgbClr val="333333"/>
+                </a:solidFill>
+                <a:latin typeface="Roboto" charset="0"/>
+              </a:rPr>
+              <a:t>的值可以改变；</a:t>
+            </a:r>
+            <a:r>
+              <a:rPr lang="en-US" altLang="zh-CN" dirty="0">
+                <a:solidFill>
+                  <a:srgbClr val="333333"/>
+                </a:solidFill>
+                <a:latin typeface="Roboto" charset="0"/>
+              </a:rPr>
+              <a:t>attribute </a:t>
+            </a:r>
+            <a:r>
+              <a:rPr lang="zh-CN" altLang="en-US" dirty="0">
+                <a:solidFill>
+                  <a:srgbClr val="333333"/>
+                </a:solidFill>
+                <a:latin typeface="Roboto" charset="0"/>
+              </a:rPr>
+              <a:t>的值不能改变</a:t>
             </a:r>
             <a:r>
               <a:rPr lang="zh-CN" altLang="en-US" dirty="0" smtClean="0">
                 <a:solidFill>
-                  <a:srgbClr val="FF0000"/>
+                  <a:srgbClr val="333333"/>
                 </a:solidFill>
                 <a:latin typeface="Roboto" charset="0"/>
               </a:rPr>
               <a:t>。</a:t>
             </a:r>
-            <a:endParaRPr lang="en-US" altLang="zh-CN" dirty="0" smtClean="0">
-              <a:solidFill>
-                <a:srgbClr val="FF0000"/>
-              </a:solidFill>
-              <a:latin typeface="Roboto" charset="0"/>
-            </a:endParaRPr>
-          </a:p>
-          <a:p>
-            <a:endParaRPr lang="zh-CN" altLang="en-US" dirty="0">
-              <a:latin typeface="Roboto" charset="0"/>
-            </a:endParaRPr>
-          </a:p>
-          <a:p>
-            <a:pPr>
-              <a:buFont typeface="Arial" charset="0"/>
-              <a:buChar char="•"/>
-            </a:pPr>
-            <a:r>
-              <a:rPr lang="zh-CN" altLang="en-US" dirty="0">
-                <a:latin typeface="Roboto" charset="0"/>
-              </a:rPr>
-              <a:t>通过把组件中和视图有关的功能与其他类型的处理分离开，你可以让组件类更加精简、高效。 理想情况下，组件的工作只管用户体验，而不用顾及其它。 它应该提供用于数据绑定的属性和方法，以便作为视图（由模板渲染）和应用逻辑（通常包含一些模型的概念）的中介者</a:t>
-            </a:r>
-            <a:r>
-              <a:rPr lang="zh-CN" altLang="en-US" dirty="0" smtClean="0">
-                <a:latin typeface="Roboto" charset="0"/>
-              </a:rPr>
+            <a:r>
+              <a:rPr lang="zh-CN" altLang="en-US" dirty="0"/>
+              <a:t>模板绑定是通过 </a:t>
+            </a:r>
+            <a:r>
+              <a:rPr lang="en-US" altLang="zh-CN" b="1" dirty="0"/>
+              <a:t>property</a:t>
+            </a:r>
+            <a:r>
+              <a:rPr lang="zh-CN" altLang="en-US" dirty="0"/>
+              <a:t> 和</a:t>
+            </a:r>
+            <a:r>
+              <a:rPr lang="zh-CN" altLang="en-US" b="1" dirty="0"/>
+              <a:t>事件</a:t>
+            </a:r>
+            <a:r>
+              <a:rPr lang="zh-CN" altLang="en-US" dirty="0"/>
+              <a:t>来工作的，而不是 </a:t>
+            </a:r>
+            <a:r>
+              <a:rPr lang="en-US" altLang="zh-CN" b="1" dirty="0"/>
+              <a:t>attribute</a:t>
+            </a:r>
+            <a:r>
+              <a:rPr lang="zh-CN" altLang="en-US" dirty="0"/>
               <a:t>。</a:t>
             </a:r>
-            <a:endParaRPr lang="en-US" altLang="zh-CN" dirty="0" smtClean="0">
-              <a:latin typeface="Roboto" charset="0"/>
-            </a:endParaRPr>
-          </a:p>
-          <a:p>
-            <a:pPr>
-              <a:buFont typeface="Arial" charset="0"/>
-              <a:buChar char="•"/>
-            </a:pPr>
-            <a:endParaRPr lang="zh-CN" altLang="en-US" dirty="0">
-              <a:latin typeface="Roboto" charset="0"/>
-            </a:endParaRPr>
-          </a:p>
-          <a:p>
-            <a:pPr>
-              <a:buFont typeface="Arial" charset="0"/>
-              <a:buChar char="•"/>
-            </a:pPr>
-            <a:r>
-              <a:rPr lang="zh-CN" altLang="en-US" dirty="0">
-                <a:latin typeface="Roboto" charset="0"/>
-              </a:rPr>
-              <a:t>组件不应该定义任何诸如从服务器获取数据、验证用户输入或直接往控制台中写日志等工作。 而要把这些任务委托给各种服务。通过把各种处理任务定义到可注入的服务类中，你可以让它被任何组件使用。 通过在不同的环境中注入同一种服务的不同提供商，你还可以让你的应用更具适应性。</a:t>
-            </a:r>
-            <a:endParaRPr lang="zh-CN" altLang="en-US" b="0" i="0" dirty="0">
-              <a:effectLst/>
-              <a:latin typeface="Roboto" charset="0"/>
-            </a:endParaRPr>
           </a:p>
         </p:txBody>
       </p:sp>
     </p:spTree>
     <p:extLst>
       <p:ext uri="{BB962C8B-B14F-4D97-AF65-F5344CB8AC3E}">
-        <p14:creationId xmlns:p14="http://schemas.microsoft.com/office/powerpoint/2010/main" val="975469017"/>
+        <p14:creationId xmlns:p14="http://schemas.microsoft.com/office/powerpoint/2010/main" val="421270790"/>
       </p:ext>
     </p:extLst>
   </p:cSld>
@@ -4756,86 +5577,53 @@
       </p:grpSpPr>
       <p:sp>
         <p:nvSpPr>
-          <p:cNvPr id="2" name="矩形 1"/>
-          <p:cNvSpPr/>
+          <p:cNvPr id="7" name="AutoShape 2" descr="https://wx2.qq.com/cgi-bin/mmwebwx-bin/webwxgetmsgimg?&amp;MsgID=3143122728154941177&amp;skey=%40crypt_37a45a30_a1f760e2ba102232eee5cec6e1ee7648"/>
+          <p:cNvSpPr>
+            <a:spLocks noChangeAspect="1" noChangeArrowheads="1"/>
+          </p:cNvSpPr>
           <p:nvPr/>
         </p:nvSpPr>
-        <p:spPr>
-          <a:xfrm>
-            <a:off x="3572558" y="543996"/>
-            <a:ext cx="5262979" cy="769441"/>
+        <p:spPr bwMode="auto">
+          <a:xfrm>
+            <a:off x="0" y="0"/>
+            <a:ext cx="3900488" cy="3900488"/>
           </a:xfrm>
           <a:prstGeom prst="rect">
             <a:avLst/>
           </a:prstGeom>
-        </p:spPr>
-        <p:txBody>
-          <a:bodyPr wrap="none">
-            <a:spAutoFit/>
+          <a:noFill/>
+          <a:extLst>
+            <a:ext uri="{909E8E84-426E-40DD-AFC4-6F175D3DCCD1}">
+              <a14:hiddenFill xmlns:a14="http://schemas.microsoft.com/office/drawing/2010/main">
+                <a:solidFill>
+                  <a:srgbClr val="FFFFFF"/>
+                </a:solidFill>
+              </a14:hiddenFill>
+            </a:ext>
+          </a:extLst>
+        </p:spPr>
+        <p:txBody>
+          <a:bodyPr vert="horz" wrap="square" lIns="91440" tIns="45720" rIns="91440" bIns="45720" numCol="1" anchor="t" anchorCtr="0" compatLnSpc="1">
+            <a:prstTxWarp prst="textNoShape">
+              <a:avLst/>
+            </a:prstTxWarp>
           </a:bodyPr>
           <a:lstStyle/>
           <a:p>
-            <a:r>
-              <a:rPr lang="zh-CN" altLang="en-US" sz="4400"/>
-              <a:t>服务与依赖注入简介</a:t>
-            </a:r>
-          </a:p>
-        </p:txBody>
-      </p:sp>
-      <p:sp>
-        <p:nvSpPr>
-          <p:cNvPr id="4" name="矩形 3"/>
-          <p:cNvSpPr/>
-          <p:nvPr/>
-        </p:nvSpPr>
-        <p:spPr>
-          <a:xfrm>
-            <a:off x="2264187" y="1529834"/>
-            <a:ext cx="1308371" cy="369332"/>
-          </a:xfrm>
-          <a:prstGeom prst="rect">
-            <a:avLst/>
-          </a:prstGeom>
-        </p:spPr>
-        <p:txBody>
-          <a:bodyPr wrap="none">
-            <a:spAutoFit/>
-          </a:bodyPr>
-          <a:lstStyle/>
-          <a:p>
-            <a:r>
-              <a:rPr lang="en-US" altLang="zh-CN">
-                <a:solidFill>
-                  <a:srgbClr val="333333"/>
-                </a:solidFill>
-                <a:latin typeface="Droid Sans Mono" charset="0"/>
-              </a:rPr>
-              <a:t>@</a:t>
-            </a:r>
-            <a:r>
-              <a:rPr lang="en-US" altLang="zh-CN" u="sng">
-                <a:solidFill>
-                  <a:srgbClr val="6E6E6E"/>
-                </a:solidFill>
-                <a:latin typeface="Droid Sans Mono" charset="0"/>
-                <a:hlinkClick r:id="rId2"/>
-              </a:rPr>
-              <a:t>Injectable</a:t>
-            </a:r>
-            <a:endParaRPr lang="zh-CN" altLang="en-US" dirty="0"/>
+            <a:endParaRPr lang="zh-CN" altLang="en-US"/>
           </a:p>
         </p:txBody>
       </p:sp>
       <p:pic>
         <p:nvPicPr>
-          <p:cNvPr id="6" name="图片 5"/>
+          <p:cNvPr id="10" name="图片 9"/>
           <p:cNvPicPr>
             <a:picLocks noChangeAspect="1"/>
           </p:cNvPicPr>
           <p:nvPr/>
         </p:nvPicPr>
         <p:blipFill>
-          <a:blip r:embed="rId3">
+          <a:blip r:embed="rId2">
             <a:extLst>
               <a:ext uri="{28A0092B-C50C-407E-A947-70E740481C1C}">
                 <a14:useLocalDpi xmlns:a14="http://schemas.microsoft.com/office/drawing/2010/main" val="0"/>
@@ -4848,14 +5636,336 @@
         </p:blipFill>
         <p:spPr>
           <a:xfrm>
-            <a:off x="2178147" y="2259509"/>
-            <a:ext cx="8051800" cy="1409700"/>
+            <a:off x="800101" y="559276"/>
+            <a:ext cx="10448558" cy="5884387"/>
           </a:xfrm>
           <a:prstGeom prst="rect">
             <a:avLst/>
           </a:prstGeom>
         </p:spPr>
       </p:pic>
+    </p:spTree>
+    <p:extLst>
+      <p:ext uri="{BB962C8B-B14F-4D97-AF65-F5344CB8AC3E}">
+        <p14:creationId xmlns:p14="http://schemas.microsoft.com/office/powerpoint/2010/main" val="4041576950"/>
+      </p:ext>
+    </p:extLst>
+  </p:cSld>
+  <p:clrMapOvr>
+    <a:masterClrMapping/>
+  </p:clrMapOvr>
+</p:sld>
+</file>
+
+<file path=ppt/slides/slide8.xml><?xml version="1.0" encoding="utf-8"?>
+<p:sld xmlns:a="http://schemas.openxmlformats.org/drawingml/2006/main" xmlns:r="http://schemas.openxmlformats.org/officeDocument/2006/relationships" xmlns:p="http://schemas.openxmlformats.org/presentationml/2006/main">
+  <p:cSld>
+    <p:spTree>
+      <p:nvGrpSpPr>
+        <p:cNvPr id="1" name=""/>
+        <p:cNvGrpSpPr/>
+        <p:nvPr/>
+      </p:nvGrpSpPr>
+      <p:grpSpPr>
+        <a:xfrm>
+          <a:off x="0" y="0"/>
+          <a:ext cx="0" cy="0"/>
+          <a:chOff x="0" y="0"/>
+          <a:chExt cx="0" cy="0"/>
+        </a:xfrm>
+      </p:grpSpPr>
+      <p:sp>
+        <p:nvSpPr>
+          <p:cNvPr id="2" name="矩形 1"/>
+          <p:cNvSpPr/>
+          <p:nvPr/>
+        </p:nvSpPr>
+        <p:spPr>
+          <a:xfrm>
+            <a:off x="4308463" y="440411"/>
+            <a:ext cx="3570208" cy="769441"/>
+          </a:xfrm>
+          <a:prstGeom prst="rect">
+            <a:avLst/>
+          </a:prstGeom>
+        </p:spPr>
+        <p:txBody>
+          <a:bodyPr wrap="none">
+            <a:spAutoFit/>
+          </a:bodyPr>
+          <a:lstStyle/>
+          <a:p>
+            <a:r>
+              <a:rPr lang="zh-CN" altLang="en-US" sz="4400" dirty="0" smtClean="0"/>
+              <a:t>生命周期钩子</a:t>
+            </a:r>
+            <a:endParaRPr lang="zh-CN" altLang="en-US" sz="4400" dirty="0"/>
+          </a:p>
+        </p:txBody>
+      </p:sp>
+      <p:sp>
+        <p:nvSpPr>
+          <p:cNvPr id="5" name="矩形 4"/>
+          <p:cNvSpPr/>
+          <p:nvPr/>
+        </p:nvSpPr>
+        <p:spPr>
+          <a:xfrm>
+            <a:off x="1851263" y="1209852"/>
+            <a:ext cx="1005403" cy="369332"/>
+          </a:xfrm>
+          <a:prstGeom prst="rect">
+            <a:avLst/>
+          </a:prstGeom>
+        </p:spPr>
+        <p:txBody>
+          <a:bodyPr wrap="none">
+            <a:spAutoFit/>
+          </a:bodyPr>
+          <a:lstStyle/>
+          <a:p>
+            <a:r>
+              <a:rPr lang="en-US" altLang="zh-CN" b="1" dirty="0" err="1">
+                <a:latin typeface="Roboto" panose="02000000000000000000" pitchFamily="2" charset="0"/>
+              </a:rPr>
+              <a:t>OnInit</a:t>
+            </a:r>
+            <a:r>
+              <a:rPr lang="en-US" altLang="zh-CN" b="1" dirty="0" smtClean="0">
+                <a:latin typeface="Roboto" panose="02000000000000000000" pitchFamily="2" charset="0"/>
+              </a:rPr>
+              <a:t>()</a:t>
+            </a:r>
+            <a:endParaRPr lang="zh-CN" altLang="en-US" b="0" i="0" dirty="0">
+              <a:effectLst/>
+              <a:latin typeface="Roboto" panose="02000000000000000000" pitchFamily="2" charset="0"/>
+            </a:endParaRPr>
+          </a:p>
+        </p:txBody>
+      </p:sp>
+      <p:sp>
+        <p:nvSpPr>
+          <p:cNvPr id="6" name="矩形 5"/>
+          <p:cNvSpPr/>
+          <p:nvPr/>
+        </p:nvSpPr>
+        <p:spPr>
+          <a:xfrm>
+            <a:off x="2551134" y="1690394"/>
+            <a:ext cx="6096000" cy="646331"/>
+          </a:xfrm>
+          <a:prstGeom prst="rect">
+            <a:avLst/>
+          </a:prstGeom>
+        </p:spPr>
+        <p:txBody>
+          <a:bodyPr>
+            <a:spAutoFit/>
+          </a:bodyPr>
+          <a:lstStyle/>
+          <a:p>
+            <a:pPr>
+              <a:buFont typeface="+mj-lt"/>
+              <a:buAutoNum type="arabicPeriod"/>
+            </a:pPr>
+            <a:r>
+              <a:rPr lang="zh-CN" altLang="en-US" dirty="0">
+                <a:latin typeface="Roboto" panose="02000000000000000000" pitchFamily="2" charset="0"/>
+              </a:rPr>
+              <a:t>在构造函数之后马上执行复杂的初始化逻辑</a:t>
+            </a:r>
+          </a:p>
+          <a:p>
+            <a:pPr>
+              <a:buFont typeface="+mj-lt"/>
+              <a:buAutoNum type="arabicPeriod"/>
+            </a:pPr>
+            <a:r>
+              <a:rPr lang="zh-CN" altLang="en-US" dirty="0">
+                <a:latin typeface="Roboto" panose="02000000000000000000" pitchFamily="2" charset="0"/>
+              </a:rPr>
+              <a:t>在 </a:t>
+            </a:r>
+            <a:r>
+              <a:rPr lang="en-US" altLang="zh-CN" dirty="0">
+                <a:latin typeface="Roboto" panose="02000000000000000000" pitchFamily="2" charset="0"/>
+              </a:rPr>
+              <a:t>Angular </a:t>
+            </a:r>
+            <a:r>
+              <a:rPr lang="zh-CN" altLang="en-US" dirty="0">
+                <a:latin typeface="Roboto" panose="02000000000000000000" pitchFamily="2" charset="0"/>
+              </a:rPr>
+              <a:t>设置完输入属性之后，对该组件进行准备。</a:t>
+            </a:r>
+            <a:endParaRPr lang="zh-CN" altLang="en-US" b="0" i="0" dirty="0">
+              <a:effectLst/>
+              <a:latin typeface="Roboto" panose="02000000000000000000" pitchFamily="2" charset="0"/>
+            </a:endParaRPr>
+          </a:p>
+        </p:txBody>
+      </p:sp>
+      <p:sp>
+        <p:nvSpPr>
+          <p:cNvPr id="3" name="矩形 2"/>
+          <p:cNvSpPr/>
+          <p:nvPr/>
+        </p:nvSpPr>
+        <p:spPr>
+          <a:xfrm>
+            <a:off x="1851263" y="2817267"/>
+            <a:ext cx="1418017" cy="369332"/>
+          </a:xfrm>
+          <a:prstGeom prst="rect">
+            <a:avLst/>
+          </a:prstGeom>
+        </p:spPr>
+        <p:txBody>
+          <a:bodyPr wrap="none">
+            <a:spAutoFit/>
+          </a:bodyPr>
+          <a:lstStyle/>
+          <a:p>
+            <a:r>
+              <a:rPr lang="mr-IN" altLang="zh-CN" b="1" dirty="0" err="1">
+                <a:latin typeface="Roboto" charset="0"/>
+              </a:rPr>
+              <a:t>OnDestroy</a:t>
+            </a:r>
+            <a:r>
+              <a:rPr lang="mr-IN" altLang="zh-CN" b="1" dirty="0" smtClean="0">
+                <a:latin typeface="Roboto" charset="0"/>
+              </a:rPr>
+              <a:t>()</a:t>
+            </a:r>
+            <a:endParaRPr lang="mr-IN" altLang="zh-CN" b="0" i="0" dirty="0">
+              <a:effectLst/>
+              <a:latin typeface="Roboto" charset="0"/>
+            </a:endParaRPr>
+          </a:p>
+        </p:txBody>
+      </p:sp>
+      <p:sp>
+        <p:nvSpPr>
+          <p:cNvPr id="4" name="矩形 3"/>
+          <p:cNvSpPr/>
+          <p:nvPr/>
+        </p:nvSpPr>
+        <p:spPr>
+          <a:xfrm>
+            <a:off x="2551134" y="2447935"/>
+            <a:ext cx="3967753" cy="369332"/>
+          </a:xfrm>
+          <a:prstGeom prst="rect">
+            <a:avLst/>
+          </a:prstGeom>
+        </p:spPr>
+        <p:txBody>
+          <a:bodyPr wrap="none">
+            <a:spAutoFit/>
+          </a:bodyPr>
+          <a:lstStyle/>
+          <a:p>
+            <a:r>
+              <a:rPr lang="zh-CN" altLang="en-US" dirty="0" smtClean="0">
+                <a:latin typeface="Roboto" charset="0"/>
+              </a:rPr>
+              <a:t>这里</a:t>
+            </a:r>
+            <a:r>
+              <a:rPr lang="zh-CN" altLang="en-US" dirty="0">
+                <a:latin typeface="Roboto" charset="0"/>
+              </a:rPr>
+              <a:t>是放置复杂</a:t>
+            </a:r>
+            <a:r>
+              <a:rPr lang="zh-CN" altLang="en-US" dirty="0">
+                <a:solidFill>
+                  <a:srgbClr val="FF0000"/>
+                </a:solidFill>
+                <a:latin typeface="Roboto" charset="0"/>
+              </a:rPr>
+              <a:t>初始化逻辑</a:t>
+            </a:r>
+            <a:r>
+              <a:rPr lang="zh-CN" altLang="en-US" dirty="0">
+                <a:latin typeface="Roboto" charset="0"/>
+              </a:rPr>
+              <a:t>的好地方</a:t>
+            </a:r>
+            <a:endParaRPr lang="zh-CN" altLang="en-US" dirty="0"/>
+          </a:p>
+        </p:txBody>
+      </p:sp>
+      <p:sp>
+        <p:nvSpPr>
+          <p:cNvPr id="7" name="矩形 6"/>
+          <p:cNvSpPr/>
+          <p:nvPr/>
+        </p:nvSpPr>
+        <p:spPr>
+          <a:xfrm>
+            <a:off x="2662237" y="3409019"/>
+            <a:ext cx="9196388" cy="369332"/>
+          </a:xfrm>
+          <a:prstGeom prst="rect">
+            <a:avLst/>
+          </a:prstGeom>
+        </p:spPr>
+        <p:txBody>
+          <a:bodyPr wrap="square">
+            <a:spAutoFit/>
+          </a:bodyPr>
+          <a:lstStyle/>
+          <a:p>
+            <a:r>
+              <a:rPr lang="zh-CN" altLang="en-US" dirty="0">
+                <a:latin typeface="Roboto" charset="0"/>
+              </a:rPr>
+              <a:t>一些清理逻辑</a:t>
+            </a:r>
+            <a:r>
+              <a:rPr lang="zh-CN" altLang="en-US" b="1" dirty="0">
+                <a:latin typeface="Roboto" charset="0"/>
+              </a:rPr>
+              <a:t>必须</a:t>
+            </a:r>
+            <a:r>
+              <a:rPr lang="zh-CN" altLang="en-US" dirty="0">
+                <a:latin typeface="Roboto" charset="0"/>
+              </a:rPr>
+              <a:t>在 </a:t>
+            </a:r>
+            <a:r>
+              <a:rPr lang="en-US" altLang="zh-CN" dirty="0">
+                <a:latin typeface="Roboto" charset="0"/>
+              </a:rPr>
+              <a:t>Angular </a:t>
+            </a:r>
+            <a:r>
+              <a:rPr lang="zh-CN" altLang="en-US" dirty="0">
+                <a:latin typeface="Roboto" charset="0"/>
+              </a:rPr>
+              <a:t>销毁指令之前运行，把它们放在 </a:t>
+            </a:r>
+            <a:r>
+              <a:rPr lang="en-US" altLang="zh-CN" dirty="0" err="1"/>
+              <a:t>ngOnDestroy</a:t>
+            </a:r>
+            <a:r>
+              <a:rPr lang="en-US" altLang="zh-CN" dirty="0"/>
+              <a:t>()</a:t>
+            </a:r>
+            <a:r>
+              <a:rPr lang="zh-CN" altLang="en-US" dirty="0">
+                <a:latin typeface="Roboto" charset="0"/>
+              </a:rPr>
+              <a:t> 中。</a:t>
+            </a:r>
+            <a:endParaRPr lang="zh-CN" altLang="en-US" dirty="0"/>
+          </a:p>
+        </p:txBody>
+      </p:sp>
       <p:sp>
         <p:nvSpPr>
           <p:cNvPr id="8" name="矩形 7"/>
@@ -4864,8 +5974,8 @@
         </p:nvSpPr>
         <p:spPr>
           <a:xfrm>
-            <a:off x="4894600" y="2779693"/>
-            <a:ext cx="2031325" cy="369332"/>
+            <a:off x="1898103" y="4240016"/>
+            <a:ext cx="1608133" cy="369332"/>
           </a:xfrm>
           <a:prstGeom prst="rect">
             <a:avLst/>
@@ -4878,19 +5988,1038 @@
           <a:lstStyle/>
           <a:p>
             <a:r>
-              <a:rPr lang="zh-CN" altLang="en-US">
-                <a:latin typeface="Roboto" charset="0"/>
-              </a:rPr>
-              <a:t>注册到根注入器中</a:t>
-            </a:r>
-            <a:endParaRPr lang="zh-CN" altLang="en-US"/>
+              <a:rPr lang="mr-IN" altLang="zh-CN" b="1" dirty="0" err="1">
+                <a:latin typeface="Roboto" charset="0"/>
+              </a:rPr>
+              <a:t>OnChanges</a:t>
+            </a:r>
+            <a:r>
+              <a:rPr lang="mr-IN" altLang="zh-CN" b="1" dirty="0">
+                <a:latin typeface="Roboto" charset="0"/>
+              </a:rPr>
+              <a:t>()</a:t>
+            </a:r>
+            <a:r>
+              <a:rPr lang="mr-IN" altLang="zh-CN" dirty="0">
+                <a:latin typeface="Roboto" charset="0"/>
+              </a:rPr>
+              <a:t> </a:t>
+            </a:r>
+            <a:endParaRPr lang="mr-IN" altLang="zh-CN" b="0" i="0" dirty="0">
+              <a:effectLst/>
+              <a:latin typeface="Roboto" charset="0"/>
+            </a:endParaRPr>
+          </a:p>
+        </p:txBody>
+      </p:sp>
+      <p:sp>
+        <p:nvSpPr>
+          <p:cNvPr id="9" name="矩形 8"/>
+          <p:cNvSpPr/>
+          <p:nvPr/>
+        </p:nvSpPr>
+        <p:spPr>
+          <a:xfrm>
+            <a:off x="2551134" y="4647102"/>
+            <a:ext cx="9507516" cy="646331"/>
+          </a:xfrm>
+          <a:prstGeom prst="rect">
+            <a:avLst/>
+          </a:prstGeom>
+        </p:spPr>
+        <p:txBody>
+          <a:bodyPr wrap="square">
+            <a:spAutoFit/>
+          </a:bodyPr>
+          <a:lstStyle/>
+          <a:p>
+            <a:r>
+              <a:rPr lang="zh-CN" altLang="en-US" dirty="0">
+                <a:latin typeface="Roboto" charset="0"/>
+              </a:rPr>
+              <a:t>一旦检测到该组件</a:t>
+            </a:r>
+            <a:r>
+              <a:rPr lang="en-US" altLang="zh-CN" dirty="0">
+                <a:latin typeface="Roboto" charset="0"/>
+              </a:rPr>
+              <a:t>(</a:t>
+            </a:r>
+            <a:r>
+              <a:rPr lang="zh-CN" altLang="en-US" dirty="0">
+                <a:latin typeface="Roboto" charset="0"/>
+              </a:rPr>
+              <a:t>或指令</a:t>
+            </a:r>
+            <a:r>
+              <a:rPr lang="en-US" altLang="zh-CN" dirty="0">
+                <a:latin typeface="Roboto" charset="0"/>
+              </a:rPr>
+              <a:t>)</a:t>
+            </a:r>
+            <a:r>
+              <a:rPr lang="zh-CN" altLang="en-US" dirty="0">
+                <a:latin typeface="Roboto" charset="0"/>
+              </a:rPr>
+              <a:t>的</a:t>
+            </a:r>
+            <a:r>
+              <a:rPr lang="zh-CN" altLang="en-US" b="1" dirty="0">
+                <a:solidFill>
+                  <a:srgbClr val="FF0000"/>
+                </a:solidFill>
+                <a:latin typeface="Roboto" charset="0"/>
+              </a:rPr>
+              <a:t>输入属性</a:t>
+            </a:r>
+            <a:r>
+              <a:rPr lang="zh-CN" altLang="en-US" dirty="0">
+                <a:latin typeface="Roboto" charset="0"/>
+              </a:rPr>
+              <a:t>发生了变化，</a:t>
+            </a:r>
+            <a:r>
+              <a:rPr lang="en-US" altLang="zh-CN" dirty="0">
+                <a:latin typeface="Roboto" charset="0"/>
+              </a:rPr>
+              <a:t>Angular </a:t>
+            </a:r>
+            <a:r>
+              <a:rPr lang="zh-CN" altLang="en-US" dirty="0">
+                <a:latin typeface="Roboto" charset="0"/>
+              </a:rPr>
+              <a:t>就会调用它的 </a:t>
+            </a:r>
+            <a:r>
+              <a:rPr lang="en-US" altLang="zh-CN" dirty="0" err="1"/>
+              <a:t>ngOnChanges</a:t>
+            </a:r>
+            <a:r>
+              <a:rPr lang="en-US" altLang="zh-CN" dirty="0"/>
+              <a:t>()</a:t>
+            </a:r>
+            <a:r>
+              <a:rPr lang="zh-CN" altLang="en-US" dirty="0">
+                <a:latin typeface="Roboto" charset="0"/>
+              </a:rPr>
+              <a:t> 方法。</a:t>
+            </a:r>
+            <a:endParaRPr lang="zh-CN" altLang="en-US" dirty="0"/>
+          </a:p>
+        </p:txBody>
+      </p:sp>
+      <p:sp>
+        <p:nvSpPr>
+          <p:cNvPr id="10" name="矩形 9"/>
+          <p:cNvSpPr/>
+          <p:nvPr/>
+        </p:nvSpPr>
+        <p:spPr>
+          <a:xfrm>
+            <a:off x="2506673" y="5478099"/>
+            <a:ext cx="9507516" cy="646331"/>
+          </a:xfrm>
+          <a:prstGeom prst="rect">
+            <a:avLst/>
+          </a:prstGeom>
+        </p:spPr>
+        <p:txBody>
+          <a:bodyPr wrap="square">
+            <a:spAutoFit/>
+          </a:bodyPr>
+          <a:lstStyle/>
+          <a:p>
+            <a:r>
+              <a:rPr lang="zh-CN" altLang="en-US" dirty="0" smtClean="0">
+                <a:latin typeface="Roboto" charset="0"/>
+              </a:rPr>
+              <a:t>如果输入属性是对象</a:t>
+            </a:r>
+            <a:r>
+              <a:rPr lang="en-US" altLang="zh-CN" dirty="0" smtClean="0">
+                <a:latin typeface="Roboto" charset="0"/>
+              </a:rPr>
+              <a:t>hero</a:t>
+            </a:r>
+            <a:r>
+              <a:rPr lang="zh-CN" altLang="en-US" dirty="0" smtClean="0">
+                <a:latin typeface="Roboto" charset="0"/>
+              </a:rPr>
+              <a:t>，当他的值</a:t>
+            </a:r>
+            <a:r>
+              <a:rPr lang="en-US" altLang="zh-CN" dirty="0" err="1" smtClean="0">
+                <a:latin typeface="Roboto" charset="0"/>
+              </a:rPr>
+              <a:t>hero.name</a:t>
+            </a:r>
+            <a:r>
+              <a:rPr lang="zh-CN" altLang="en-US" dirty="0" smtClean="0">
+                <a:latin typeface="Roboto" charset="0"/>
+              </a:rPr>
+              <a:t>发生变化时，不会被</a:t>
+            </a:r>
+            <a:r>
+              <a:rPr lang="en-US" altLang="zh-CN" dirty="0" err="1" smtClean="0">
+                <a:latin typeface="Roboto" charset="0"/>
+              </a:rPr>
+              <a:t>OnChanges</a:t>
+            </a:r>
+            <a:r>
+              <a:rPr lang="zh-CN" altLang="en-US" dirty="0" smtClean="0">
+                <a:latin typeface="Roboto" charset="0"/>
+              </a:rPr>
+              <a:t>捕捉到，因为</a:t>
+            </a:r>
+            <a:r>
+              <a:rPr lang="en-US" altLang="zh-CN" dirty="0" smtClean="0">
+                <a:latin typeface="Roboto" charset="0"/>
+              </a:rPr>
+              <a:t>hero</a:t>
+            </a:r>
+            <a:r>
+              <a:rPr lang="zh-CN" altLang="en-US" dirty="0" smtClean="0">
+                <a:latin typeface="Roboto" charset="0"/>
+              </a:rPr>
+              <a:t>的引用没有变化</a:t>
+            </a:r>
+            <a:endParaRPr lang="zh-CN" altLang="en-US" dirty="0"/>
           </a:p>
         </p:txBody>
       </p:sp>
     </p:spTree>
     <p:extLst>
       <p:ext uri="{BB962C8B-B14F-4D97-AF65-F5344CB8AC3E}">
-        <p14:creationId xmlns:p14="http://schemas.microsoft.com/office/powerpoint/2010/main" val="1878691486"/>
+        <p14:creationId xmlns:p14="http://schemas.microsoft.com/office/powerpoint/2010/main" val="1912361220"/>
+      </p:ext>
+    </p:extLst>
+  </p:cSld>
+  <p:clrMapOvr>
+    <a:masterClrMapping/>
+  </p:clrMapOvr>
+</p:sld>
+</file>
+
+<file path=ppt/slides/slide9.xml><?xml version="1.0" encoding="utf-8"?>
+<p:sld xmlns:a="http://schemas.openxmlformats.org/drawingml/2006/main" xmlns:r="http://schemas.openxmlformats.org/officeDocument/2006/relationships" xmlns:p="http://schemas.openxmlformats.org/presentationml/2006/main">
+  <p:cSld>
+    <p:spTree>
+      <p:nvGrpSpPr>
+        <p:cNvPr id="1" name=""/>
+        <p:cNvGrpSpPr/>
+        <p:nvPr/>
+      </p:nvGrpSpPr>
+      <p:grpSpPr>
+        <a:xfrm>
+          <a:off x="0" y="0"/>
+          <a:ext cx="0" cy="0"/>
+          <a:chOff x="0" y="0"/>
+          <a:chExt cx="0" cy="0"/>
+        </a:xfrm>
+      </p:grpSpPr>
+      <p:sp>
+        <p:nvSpPr>
+          <p:cNvPr id="5" name="矩形 4"/>
+          <p:cNvSpPr/>
+          <p:nvPr/>
+        </p:nvSpPr>
+        <p:spPr>
+          <a:xfrm>
+            <a:off x="1851263" y="238295"/>
+            <a:ext cx="1181734" cy="369332"/>
+          </a:xfrm>
+          <a:prstGeom prst="rect">
+            <a:avLst/>
+          </a:prstGeom>
+        </p:spPr>
+        <p:txBody>
+          <a:bodyPr wrap="none">
+            <a:spAutoFit/>
+          </a:bodyPr>
+          <a:lstStyle/>
+          <a:p>
+            <a:r>
+              <a:rPr lang="mr-IN" altLang="zh-CN" b="1" dirty="0" err="1"/>
+              <a:t>DoCheck</a:t>
+            </a:r>
+            <a:r>
+              <a:rPr lang="mr-IN" altLang="zh-CN" b="1" dirty="0" smtClean="0"/>
+              <a:t>()</a:t>
+            </a:r>
+            <a:endParaRPr lang="mr-IN" altLang="zh-CN" dirty="0"/>
+          </a:p>
+        </p:txBody>
+      </p:sp>
+      <p:sp>
+        <p:nvSpPr>
+          <p:cNvPr id="3" name="矩形 2"/>
+          <p:cNvSpPr/>
+          <p:nvPr/>
+        </p:nvSpPr>
+        <p:spPr>
+          <a:xfrm>
+            <a:off x="1851263" y="1463331"/>
+            <a:ext cx="1355949" cy="369332"/>
+          </a:xfrm>
+          <a:prstGeom prst="rect">
+            <a:avLst/>
+          </a:prstGeom>
+        </p:spPr>
+        <p:txBody>
+          <a:bodyPr wrap="none">
+            <a:spAutoFit/>
+          </a:bodyPr>
+          <a:lstStyle/>
+          <a:p>
+            <a:r>
+              <a:rPr lang="en-US" altLang="zh-CN" b="1" dirty="0" err="1" smtClean="0">
+                <a:latin typeface="Roboto" charset="0"/>
+              </a:rPr>
+              <a:t>AfterView</a:t>
+            </a:r>
+            <a:r>
+              <a:rPr lang="en-US" altLang="zh-CN" dirty="0" smtClean="0">
+                <a:latin typeface="Roboto" charset="0"/>
+              </a:rPr>
+              <a:t>()</a:t>
+            </a:r>
+            <a:endParaRPr lang="en-US" altLang="zh-CN" b="1" dirty="0">
+              <a:latin typeface="Roboto" charset="0"/>
+            </a:endParaRPr>
+          </a:p>
+        </p:txBody>
+      </p:sp>
+      <p:sp>
+        <p:nvSpPr>
+          <p:cNvPr id="4" name="矩形 3"/>
+          <p:cNvSpPr/>
+          <p:nvPr/>
+        </p:nvSpPr>
+        <p:spPr>
+          <a:xfrm>
+            <a:off x="2479695" y="647695"/>
+            <a:ext cx="4326826" cy="369332"/>
+          </a:xfrm>
+          <a:prstGeom prst="rect">
+            <a:avLst/>
+          </a:prstGeom>
+        </p:spPr>
+        <p:txBody>
+          <a:bodyPr wrap="none">
+            <a:spAutoFit/>
+          </a:bodyPr>
+          <a:lstStyle/>
+          <a:p>
+            <a:r>
+              <a:rPr lang="zh-CN" altLang="en-US" dirty="0" smtClean="0">
+                <a:latin typeface="Roboto" charset="0"/>
+              </a:rPr>
+              <a:t>可以检测到 </a:t>
+            </a:r>
+            <a:r>
+              <a:rPr lang="en-US" altLang="zh-CN" dirty="0" err="1" smtClean="0">
+                <a:latin typeface="Roboto" charset="0"/>
+              </a:rPr>
+              <a:t>hero.name</a:t>
+            </a:r>
+            <a:r>
+              <a:rPr lang="en-US" altLang="zh-CN" dirty="0" smtClean="0">
+                <a:latin typeface="Roboto" charset="0"/>
+              </a:rPr>
+              <a:t> </a:t>
+            </a:r>
+            <a:r>
+              <a:rPr lang="zh-CN" altLang="en-US" dirty="0" smtClean="0">
+                <a:latin typeface="Roboto" charset="0"/>
+              </a:rPr>
+              <a:t>的变化 （见官网）</a:t>
+            </a:r>
+            <a:endParaRPr lang="zh-CN" altLang="en-US" dirty="0"/>
+          </a:p>
+        </p:txBody>
+      </p:sp>
+      <p:sp>
+        <p:nvSpPr>
+          <p:cNvPr id="8" name="矩形 7"/>
+          <p:cNvSpPr/>
+          <p:nvPr/>
+        </p:nvSpPr>
+        <p:spPr>
+          <a:xfrm>
+            <a:off x="2514949" y="2446739"/>
+            <a:ext cx="2262158" cy="369332"/>
+          </a:xfrm>
+          <a:prstGeom prst="rect">
+            <a:avLst/>
+          </a:prstGeom>
+        </p:spPr>
+        <p:txBody>
+          <a:bodyPr wrap="none">
+            <a:spAutoFit/>
+          </a:bodyPr>
+          <a:lstStyle/>
+          <a:p>
+            <a:r>
+              <a:rPr lang="zh-CN" altLang="en-US">
+                <a:latin typeface="Roboto" charset="0"/>
+              </a:rPr>
+              <a:t>遵循单向数据流规则</a:t>
+            </a:r>
+          </a:p>
+        </p:txBody>
+      </p:sp>
+      <p:sp>
+        <p:nvSpPr>
+          <p:cNvPr id="11" name="矩形 10"/>
+          <p:cNvSpPr/>
+          <p:nvPr/>
+        </p:nvSpPr>
+        <p:spPr>
+          <a:xfrm>
+            <a:off x="2488832" y="1037920"/>
+            <a:ext cx="3166251" cy="369332"/>
+          </a:xfrm>
+          <a:prstGeom prst="rect">
+            <a:avLst/>
+          </a:prstGeom>
+        </p:spPr>
+        <p:txBody>
+          <a:bodyPr wrap="none">
+            <a:spAutoFit/>
+          </a:bodyPr>
+          <a:lstStyle/>
+          <a:p>
+            <a:r>
+              <a:rPr lang="zh-CN" altLang="en-US" dirty="0" smtClean="0">
+                <a:latin typeface="Roboto" charset="0"/>
+              </a:rPr>
+              <a:t>出发非常频繁，需要小心使用</a:t>
+            </a:r>
+            <a:endParaRPr lang="zh-CN" altLang="en-US" dirty="0"/>
+          </a:p>
+        </p:txBody>
+      </p:sp>
+      <p:sp>
+        <p:nvSpPr>
+          <p:cNvPr id="14" name="矩形 13"/>
+          <p:cNvSpPr/>
+          <p:nvPr/>
+        </p:nvSpPr>
+        <p:spPr>
+          <a:xfrm>
+            <a:off x="2435235" y="1961652"/>
+            <a:ext cx="9739313" cy="369332"/>
+          </a:xfrm>
+          <a:prstGeom prst="rect">
+            <a:avLst/>
+          </a:prstGeom>
+        </p:spPr>
+        <p:txBody>
+          <a:bodyPr wrap="square">
+            <a:spAutoFit/>
+          </a:bodyPr>
+          <a:lstStyle/>
+          <a:p>
+            <a:r>
+              <a:rPr lang="zh-CN" altLang="en-US" dirty="0">
+                <a:latin typeface="Roboto" charset="0"/>
+              </a:rPr>
+              <a:t> </a:t>
+            </a:r>
+            <a:r>
+              <a:rPr lang="en-US" altLang="zh-CN" dirty="0">
+                <a:hlinkClick r:id="rId2"/>
+              </a:rPr>
+              <a:t>AfterViewInit</a:t>
+            </a:r>
+            <a:r>
+              <a:rPr lang="en-US" altLang="zh-CN" dirty="0"/>
+              <a:t>()</a:t>
+            </a:r>
+            <a:r>
+              <a:rPr lang="zh-CN" altLang="en-US" dirty="0">
+                <a:latin typeface="Roboto" charset="0"/>
+              </a:rPr>
+              <a:t> 和 </a:t>
+            </a:r>
+            <a:r>
+              <a:rPr lang="en-US" altLang="zh-CN" dirty="0">
+                <a:hlinkClick r:id="rId3"/>
+              </a:rPr>
+              <a:t>AfterViewChecked</a:t>
+            </a:r>
+            <a:r>
+              <a:rPr lang="en-US" altLang="zh-CN" dirty="0"/>
+              <a:t>()</a:t>
+            </a:r>
+            <a:r>
+              <a:rPr lang="zh-CN" altLang="en-US" dirty="0">
+                <a:latin typeface="Roboto" charset="0"/>
+              </a:rPr>
+              <a:t> 钩子，</a:t>
+            </a:r>
+            <a:r>
+              <a:rPr lang="en-US" altLang="zh-CN" dirty="0">
+                <a:latin typeface="Roboto" charset="0"/>
+              </a:rPr>
+              <a:t>Angular </a:t>
+            </a:r>
+            <a:r>
+              <a:rPr lang="zh-CN" altLang="en-US" dirty="0">
+                <a:latin typeface="Roboto" charset="0"/>
+              </a:rPr>
+              <a:t>会在每次创建了组件的子视图后调用它们</a:t>
+            </a:r>
+            <a:endParaRPr lang="zh-CN" altLang="en-US" dirty="0"/>
+          </a:p>
+        </p:txBody>
+      </p:sp>
+      <p:sp>
+        <p:nvSpPr>
+          <p:cNvPr id="15" name="矩形 14"/>
+          <p:cNvSpPr/>
+          <p:nvPr/>
+        </p:nvSpPr>
+        <p:spPr>
+          <a:xfrm>
+            <a:off x="3207211" y="2888945"/>
+            <a:ext cx="8722851" cy="646331"/>
+          </a:xfrm>
+          <a:prstGeom prst="rect">
+            <a:avLst/>
+          </a:prstGeom>
+        </p:spPr>
+        <p:txBody>
+          <a:bodyPr wrap="square">
+            <a:spAutoFit/>
+          </a:bodyPr>
+          <a:lstStyle/>
+          <a:p>
+            <a:r>
+              <a:rPr lang="en-US" altLang="zh-CN" dirty="0">
+                <a:latin typeface="Roboto" charset="0"/>
+              </a:rPr>
+              <a:t>Angular </a:t>
+            </a:r>
+            <a:r>
+              <a:rPr lang="zh-CN" altLang="en-US" dirty="0">
+                <a:latin typeface="Roboto" charset="0"/>
+              </a:rPr>
+              <a:t>的“单向数据流”规则</a:t>
+            </a:r>
+            <a:r>
+              <a:rPr lang="zh-CN" altLang="en-US" dirty="0">
+                <a:solidFill>
+                  <a:srgbClr val="FF0000"/>
+                </a:solidFill>
+                <a:latin typeface="Roboto" charset="0"/>
+              </a:rPr>
+              <a:t>禁止在一个视图已经被组合好</a:t>
+            </a:r>
+            <a:r>
+              <a:rPr lang="zh-CN" altLang="en-US" b="1" dirty="0">
+                <a:solidFill>
+                  <a:srgbClr val="FF0000"/>
+                </a:solidFill>
+                <a:latin typeface="Roboto" charset="0"/>
+              </a:rPr>
+              <a:t>之后</a:t>
+            </a:r>
+            <a:r>
+              <a:rPr lang="zh-CN" altLang="en-US" dirty="0">
+                <a:solidFill>
+                  <a:srgbClr val="FF0000"/>
+                </a:solidFill>
+                <a:latin typeface="Roboto" charset="0"/>
+              </a:rPr>
+              <a:t>再更新视图</a:t>
+            </a:r>
+            <a:r>
+              <a:rPr lang="zh-CN" altLang="en-US" dirty="0">
+                <a:latin typeface="Roboto" charset="0"/>
+              </a:rPr>
+              <a:t>。 而这两个钩子都是在组件的视图已经被组合好之后触发的。</a:t>
+            </a:r>
+            <a:endParaRPr lang="zh-CN" altLang="en-US" dirty="0"/>
+          </a:p>
+        </p:txBody>
+      </p:sp>
+      <p:sp>
+        <p:nvSpPr>
+          <p:cNvPr id="16" name="矩形 15"/>
+          <p:cNvSpPr/>
+          <p:nvPr/>
+        </p:nvSpPr>
+        <p:spPr>
+          <a:xfrm>
+            <a:off x="1851263" y="3508137"/>
+            <a:ext cx="1659429" cy="369332"/>
+          </a:xfrm>
+          <a:prstGeom prst="rect">
+            <a:avLst/>
+          </a:prstGeom>
+        </p:spPr>
+        <p:txBody>
+          <a:bodyPr wrap="none">
+            <a:spAutoFit/>
+          </a:bodyPr>
+          <a:lstStyle/>
+          <a:p>
+            <a:r>
+              <a:rPr lang="en-US" altLang="zh-CN" b="1" dirty="0" err="1" smtClean="0">
+                <a:latin typeface="Roboto" charset="0"/>
+              </a:rPr>
+              <a:t>AfterContent</a:t>
+            </a:r>
+            <a:r>
+              <a:rPr lang="en-US" altLang="zh-CN" b="1" dirty="0" smtClean="0">
+                <a:latin typeface="Roboto" charset="0"/>
+              </a:rPr>
+              <a:t>()</a:t>
+            </a:r>
+            <a:endParaRPr lang="en-US" altLang="zh-CN" b="1" dirty="0">
+              <a:latin typeface="Roboto" charset="0"/>
+            </a:endParaRPr>
+          </a:p>
+        </p:txBody>
+      </p:sp>
+      <p:sp>
+        <p:nvSpPr>
+          <p:cNvPr id="17" name="矩形 16"/>
+          <p:cNvSpPr/>
+          <p:nvPr/>
+        </p:nvSpPr>
+        <p:spPr>
+          <a:xfrm>
+            <a:off x="2607082" y="3993224"/>
+            <a:ext cx="9322980" cy="369332"/>
+          </a:xfrm>
+          <a:prstGeom prst="rect">
+            <a:avLst/>
+          </a:prstGeom>
+        </p:spPr>
+        <p:txBody>
+          <a:bodyPr wrap="square">
+            <a:spAutoFit/>
+          </a:bodyPr>
+          <a:lstStyle/>
+          <a:p>
+            <a:r>
+              <a:rPr lang="en-US" altLang="zh-CN" dirty="0">
+                <a:hlinkClick r:id="rId4"/>
+              </a:rPr>
+              <a:t>AfterContentInit</a:t>
+            </a:r>
+            <a:r>
+              <a:rPr lang="en-US" altLang="zh-CN" dirty="0"/>
+              <a:t>()</a:t>
+            </a:r>
+            <a:r>
+              <a:rPr lang="zh-CN" altLang="en-US" dirty="0">
+                <a:latin typeface="Roboto" charset="0"/>
+              </a:rPr>
+              <a:t> 和 </a:t>
+            </a:r>
+            <a:r>
+              <a:rPr lang="en-US" altLang="zh-CN" dirty="0">
+                <a:hlinkClick r:id="rId5"/>
+              </a:rPr>
+              <a:t>AfterContentChecked</a:t>
+            </a:r>
+            <a:r>
+              <a:rPr lang="en-US" altLang="zh-CN" dirty="0"/>
+              <a:t>()</a:t>
+            </a:r>
+            <a:r>
+              <a:rPr lang="zh-CN" altLang="en-US" dirty="0">
+                <a:latin typeface="Roboto" charset="0"/>
+              </a:rPr>
+              <a:t> 钩子</a:t>
+            </a:r>
+            <a:r>
+              <a:rPr lang="zh-CN" altLang="en-US" dirty="0" smtClean="0">
+                <a:latin typeface="Roboto" charset="0"/>
+              </a:rPr>
+              <a:t>，在</a:t>
+            </a:r>
+            <a:r>
+              <a:rPr lang="zh-CN" altLang="en-US" dirty="0">
+                <a:latin typeface="Roboto" charset="0"/>
+              </a:rPr>
+              <a:t>外来内容被投影到组件中</a:t>
+            </a:r>
+            <a:r>
+              <a:rPr lang="zh-CN" altLang="en-US" b="1" dirty="0">
+                <a:latin typeface="Roboto" charset="0"/>
+              </a:rPr>
+              <a:t>之后</a:t>
+            </a:r>
+            <a:r>
+              <a:rPr lang="zh-CN" altLang="en-US" dirty="0">
+                <a:latin typeface="Roboto" charset="0"/>
+              </a:rPr>
+              <a:t>调用它们。</a:t>
+            </a:r>
+            <a:endParaRPr lang="zh-CN" altLang="en-US" dirty="0"/>
+          </a:p>
+        </p:txBody>
+      </p:sp>
+      <p:sp>
+        <p:nvSpPr>
+          <p:cNvPr id="18" name="矩形 17"/>
+          <p:cNvSpPr/>
+          <p:nvPr/>
+        </p:nvSpPr>
+        <p:spPr>
+          <a:xfrm>
+            <a:off x="2607082" y="4406854"/>
+            <a:ext cx="1107996" cy="369332"/>
+          </a:xfrm>
+          <a:prstGeom prst="rect">
+            <a:avLst/>
+          </a:prstGeom>
+        </p:spPr>
+        <p:txBody>
+          <a:bodyPr wrap="none">
+            <a:spAutoFit/>
+          </a:bodyPr>
+          <a:lstStyle/>
+          <a:p>
+            <a:r>
+              <a:rPr lang="zh-CN" altLang="en-US" dirty="0">
+                <a:latin typeface="Roboto" charset="0"/>
+              </a:rPr>
+              <a:t>内容投影</a:t>
+            </a:r>
+            <a:endParaRPr lang="zh-CN" altLang="en-US" b="0" i="0" dirty="0">
+              <a:effectLst/>
+              <a:latin typeface="Roboto" charset="0"/>
+            </a:endParaRPr>
+          </a:p>
+        </p:txBody>
+      </p:sp>
+      <p:sp>
+        <p:nvSpPr>
+          <p:cNvPr id="19" name="矩形 18"/>
+          <p:cNvSpPr/>
+          <p:nvPr/>
+        </p:nvSpPr>
+        <p:spPr>
+          <a:xfrm>
+            <a:off x="3829378" y="4425325"/>
+            <a:ext cx="8214984" cy="369332"/>
+          </a:xfrm>
+          <a:prstGeom prst="rect">
+            <a:avLst/>
+          </a:prstGeom>
+        </p:spPr>
+        <p:txBody>
+          <a:bodyPr wrap="square">
+            <a:spAutoFit/>
+          </a:bodyPr>
+          <a:lstStyle/>
+          <a:p>
+            <a:r>
+              <a:rPr lang="zh-CN" altLang="en-US" dirty="0">
+                <a:latin typeface="Roboto" charset="0"/>
+              </a:rPr>
+              <a:t>从组件外部导入 </a:t>
+            </a:r>
+            <a:r>
+              <a:rPr lang="en-US" altLang="zh-CN" dirty="0">
+                <a:latin typeface="Roboto" charset="0"/>
+              </a:rPr>
+              <a:t>HTML </a:t>
+            </a:r>
+            <a:r>
+              <a:rPr lang="zh-CN" altLang="en-US" dirty="0">
+                <a:latin typeface="Roboto" charset="0"/>
+              </a:rPr>
+              <a:t>内容，并把它插入在组件模板中指定位置上的一种途径。</a:t>
+            </a:r>
+            <a:endParaRPr lang="zh-CN" altLang="en-US" dirty="0"/>
+          </a:p>
+        </p:txBody>
+      </p:sp>
+      <p:sp>
+        <p:nvSpPr>
+          <p:cNvPr id="20" name="矩形 19"/>
+          <p:cNvSpPr/>
+          <p:nvPr/>
+        </p:nvSpPr>
+        <p:spPr>
+          <a:xfrm>
+            <a:off x="2607082" y="4838955"/>
+            <a:ext cx="9194393" cy="369332"/>
+          </a:xfrm>
+          <a:prstGeom prst="rect">
+            <a:avLst/>
+          </a:prstGeom>
+        </p:spPr>
+        <p:txBody>
+          <a:bodyPr wrap="square">
+            <a:spAutoFit/>
+          </a:bodyPr>
+          <a:lstStyle/>
+          <a:p>
+            <a:r>
+              <a:rPr lang="zh-CN" altLang="en-US" dirty="0">
+                <a:latin typeface="Roboto" charset="0"/>
+              </a:rPr>
+              <a:t>永远不要在组件标签的内部放任何内容 </a:t>
+            </a:r>
+            <a:r>
+              <a:rPr lang="en-US" altLang="zh-CN" dirty="0">
+                <a:latin typeface="Roboto" charset="0"/>
+              </a:rPr>
+              <a:t>—— </a:t>
+            </a:r>
+            <a:r>
+              <a:rPr lang="zh-CN" altLang="en-US" b="1" dirty="0">
+                <a:latin typeface="Roboto" charset="0"/>
+              </a:rPr>
+              <a:t>除非你想把这些内容投影进这个组件中</a:t>
+            </a:r>
+            <a:r>
+              <a:rPr lang="zh-CN" altLang="en-US" dirty="0">
+                <a:latin typeface="Roboto" charset="0"/>
+              </a:rPr>
+              <a:t>。</a:t>
+            </a:r>
+            <a:endParaRPr lang="zh-CN" altLang="en-US" dirty="0"/>
+          </a:p>
+        </p:txBody>
+      </p:sp>
+      <p:sp>
+        <p:nvSpPr>
+          <p:cNvPr id="21" name="矩形 20"/>
+          <p:cNvSpPr/>
+          <p:nvPr/>
+        </p:nvSpPr>
+        <p:spPr>
+          <a:xfrm>
+            <a:off x="1851263" y="5280173"/>
+            <a:ext cx="9950212" cy="923330"/>
+          </a:xfrm>
+          <a:prstGeom prst="rect">
+            <a:avLst/>
+          </a:prstGeom>
+        </p:spPr>
+        <p:txBody>
+          <a:bodyPr wrap="square">
+            <a:spAutoFit/>
+          </a:bodyPr>
+          <a:lstStyle/>
+          <a:p>
+            <a:r>
+              <a:rPr lang="en-US" altLang="zh-CN" b="1" dirty="0" err="1">
+                <a:latin typeface="Roboto" charset="0"/>
+              </a:rPr>
+              <a:t>AfterContent</a:t>
+            </a:r>
+            <a:r>
+              <a:rPr lang="zh-CN" altLang="en-US" dirty="0">
+                <a:latin typeface="Roboto" charset="0"/>
+              </a:rPr>
+              <a:t> </a:t>
+            </a:r>
+            <a:r>
+              <a:rPr lang="zh-CN" altLang="en-US" dirty="0" smtClean="0">
+                <a:latin typeface="Roboto" charset="0"/>
+              </a:rPr>
+              <a:t>和</a:t>
+            </a:r>
+            <a:r>
+              <a:rPr lang="zh-CN" altLang="en-US" dirty="0">
+                <a:latin typeface="Roboto" charset="0"/>
+              </a:rPr>
+              <a:t> </a:t>
+            </a:r>
+            <a:r>
+              <a:rPr lang="en-US" altLang="zh-CN" b="1" dirty="0" err="1">
+                <a:latin typeface="Roboto" charset="0"/>
+              </a:rPr>
+              <a:t>AfterView</a:t>
+            </a:r>
+            <a:r>
+              <a:rPr lang="zh-CN" altLang="en-US" dirty="0">
+                <a:latin typeface="Roboto" charset="0"/>
+              </a:rPr>
+              <a:t> 相似。关键的不同点是子组件的类型不同。</a:t>
+            </a:r>
+          </a:p>
+          <a:p>
+            <a:pPr>
+              <a:buFont typeface="Arial" charset="0"/>
+              <a:buChar char="•"/>
+            </a:pPr>
+            <a:r>
+              <a:rPr lang="en-US" altLang="zh-CN" b="1" dirty="0" err="1">
+                <a:latin typeface="Roboto" charset="0"/>
+              </a:rPr>
+              <a:t>AfterView</a:t>
+            </a:r>
+            <a:r>
+              <a:rPr lang="zh-CN" altLang="en-US" dirty="0">
+                <a:latin typeface="Roboto" charset="0"/>
+              </a:rPr>
+              <a:t> </a:t>
+            </a:r>
+            <a:r>
+              <a:rPr lang="zh-CN" altLang="en-US" dirty="0" smtClean="0">
+                <a:latin typeface="Roboto" charset="0"/>
+              </a:rPr>
+              <a:t>所</a:t>
+            </a:r>
+            <a:r>
+              <a:rPr lang="zh-CN" altLang="en-US" dirty="0">
+                <a:latin typeface="Roboto" charset="0"/>
+              </a:rPr>
+              <a:t>关心的是 </a:t>
+            </a:r>
+            <a:r>
+              <a:rPr lang="en-US" altLang="zh-CN" dirty="0">
+                <a:latin typeface="Roboto" charset="0"/>
+                <a:hlinkClick r:id="rId6"/>
+              </a:rPr>
+              <a:t>ViewChildren</a:t>
+            </a:r>
+            <a:r>
+              <a:rPr lang="zh-CN" altLang="en-US" dirty="0">
+                <a:latin typeface="Roboto" charset="0"/>
+              </a:rPr>
+              <a:t>，这些子组件的元素标签会出现在该组件的模板</a:t>
+            </a:r>
+            <a:r>
+              <a:rPr lang="zh-CN" altLang="en-US" b="1" dirty="0">
+                <a:latin typeface="Roboto" charset="0"/>
+              </a:rPr>
+              <a:t>里面</a:t>
+            </a:r>
+            <a:r>
+              <a:rPr lang="zh-CN" altLang="en-US" dirty="0">
+                <a:latin typeface="Roboto" charset="0"/>
+              </a:rPr>
+              <a:t>。</a:t>
+            </a:r>
+          </a:p>
+          <a:p>
+            <a:pPr>
+              <a:buFont typeface="Arial" charset="0"/>
+              <a:buChar char="•"/>
+            </a:pPr>
+            <a:r>
+              <a:rPr lang="en-US" altLang="zh-CN" b="1" dirty="0" err="1">
+                <a:latin typeface="Roboto" charset="0"/>
+              </a:rPr>
+              <a:t>AfterContent</a:t>
+            </a:r>
+            <a:r>
+              <a:rPr lang="zh-CN" altLang="en-US" dirty="0">
+                <a:latin typeface="Roboto" charset="0"/>
+              </a:rPr>
+              <a:t> </a:t>
+            </a:r>
+            <a:r>
+              <a:rPr lang="zh-CN" altLang="en-US" dirty="0" smtClean="0">
+                <a:latin typeface="Roboto" charset="0"/>
+              </a:rPr>
+              <a:t>所</a:t>
+            </a:r>
+            <a:r>
+              <a:rPr lang="zh-CN" altLang="en-US" dirty="0">
+                <a:latin typeface="Roboto" charset="0"/>
+              </a:rPr>
+              <a:t>关心的是 </a:t>
+            </a:r>
+            <a:r>
+              <a:rPr lang="en-US" altLang="zh-CN" dirty="0">
+                <a:latin typeface="Roboto" charset="0"/>
+                <a:hlinkClick r:id="rId7"/>
+              </a:rPr>
+              <a:t>ContentChildren</a:t>
+            </a:r>
+            <a:r>
+              <a:rPr lang="zh-CN" altLang="en-US" dirty="0">
+                <a:latin typeface="Roboto" charset="0"/>
+              </a:rPr>
+              <a:t>，这些子组件被 </a:t>
+            </a:r>
+            <a:r>
+              <a:rPr lang="en-US" altLang="zh-CN" dirty="0">
+                <a:latin typeface="Roboto" charset="0"/>
+              </a:rPr>
+              <a:t>Angular </a:t>
+            </a:r>
+            <a:r>
+              <a:rPr lang="zh-CN" altLang="en-US" dirty="0">
+                <a:latin typeface="Roboto" charset="0"/>
+              </a:rPr>
+              <a:t>投影进该组件中。</a:t>
+            </a:r>
+            <a:endParaRPr lang="zh-CN" altLang="en-US" b="0" i="0" dirty="0">
+              <a:effectLst/>
+              <a:latin typeface="Roboto" charset="0"/>
+            </a:endParaRPr>
+          </a:p>
+        </p:txBody>
+      </p:sp>
+      <p:sp>
+        <p:nvSpPr>
+          <p:cNvPr id="22" name="矩形 21"/>
+          <p:cNvSpPr/>
+          <p:nvPr/>
+        </p:nvSpPr>
+        <p:spPr>
+          <a:xfrm>
+            <a:off x="1858214" y="6338158"/>
+            <a:ext cx="4968155" cy="369332"/>
+          </a:xfrm>
+          <a:prstGeom prst="rect">
+            <a:avLst/>
+          </a:prstGeom>
+        </p:spPr>
+        <p:txBody>
+          <a:bodyPr wrap="none">
+            <a:spAutoFit/>
+          </a:bodyPr>
+          <a:lstStyle/>
+          <a:p>
+            <a:r>
+              <a:rPr lang="zh-CN" altLang="en-US" dirty="0">
+                <a:latin typeface="Roboto" charset="0"/>
+              </a:rPr>
+              <a:t>使用 </a:t>
+            </a:r>
+            <a:r>
+              <a:rPr lang="en-US" altLang="zh-CN" dirty="0" err="1">
+                <a:latin typeface="Roboto" charset="0"/>
+              </a:rPr>
+              <a:t>AfterContent</a:t>
+            </a:r>
+            <a:r>
+              <a:rPr lang="en-US" altLang="zh-CN" dirty="0">
+                <a:latin typeface="Roboto" charset="0"/>
+              </a:rPr>
+              <a:t> </a:t>
+            </a:r>
+            <a:r>
+              <a:rPr lang="zh-CN" altLang="en-US" dirty="0">
+                <a:latin typeface="Roboto" charset="0"/>
+              </a:rPr>
+              <a:t>时，无需担心单向数据流规则</a:t>
+            </a:r>
+            <a:endParaRPr lang="zh-CN" altLang="en-US" b="0" i="0" dirty="0">
+              <a:effectLst/>
+              <a:latin typeface="Roboto" charset="0"/>
+            </a:endParaRPr>
+          </a:p>
+        </p:txBody>
+      </p:sp>
+    </p:spTree>
+    <p:extLst>
+      <p:ext uri="{BB962C8B-B14F-4D97-AF65-F5344CB8AC3E}">
+        <p14:creationId xmlns:p14="http://schemas.microsoft.com/office/powerpoint/2010/main" val="1354444749"/>
       </p:ext>
     </p:extLst>
   </p:cSld>

--- a/Documents/angular.pptx
+++ b/Documents/angular.pptx
@@ -5,7 +5,7 @@
     <p:sldMasterId id="2147483648" r:id="rId1"/>
   </p:sldMasterIdLst>
   <p:notesMasterIdLst>
-    <p:notesMasterId r:id="rId13"/>
+    <p:notesMasterId r:id="rId14"/>
   </p:notesMasterIdLst>
   <p:sldIdLst>
     <p:sldId id="256" r:id="rId2"/>
@@ -13,12 +13,13 @@
     <p:sldId id="258" r:id="rId4"/>
     <p:sldId id="267" r:id="rId5"/>
     <p:sldId id="268" r:id="rId6"/>
-    <p:sldId id="263" r:id="rId7"/>
-    <p:sldId id="264" r:id="rId8"/>
-    <p:sldId id="265" r:id="rId9"/>
-    <p:sldId id="266" r:id="rId10"/>
-    <p:sldId id="259" r:id="rId11"/>
-    <p:sldId id="261" r:id="rId12"/>
+    <p:sldId id="269" r:id="rId7"/>
+    <p:sldId id="263" r:id="rId8"/>
+    <p:sldId id="264" r:id="rId9"/>
+    <p:sldId id="265" r:id="rId10"/>
+    <p:sldId id="266" r:id="rId11"/>
+    <p:sldId id="259" r:id="rId12"/>
+    <p:sldId id="261" r:id="rId13"/>
   </p:sldIdLst>
   <p:sldSz cx="12192000" cy="6858000"/>
   <p:notesSz cx="6858000" cy="9144000"/>
@@ -207,7 +208,7 @@
           <a:p>
             <a:fld id="{008404EF-794E-2447-8DCF-3FC8505CDB40}" type="datetimeFigureOut">
               <a:rPr kumimoji="1" lang="zh-CN" altLang="en-US" smtClean="0"/>
-              <a:t>2018/9/10</a:t>
+              <a:t>2018/9/12</a:t>
             </a:fld>
             <a:endParaRPr kumimoji="1" lang="zh-CN" altLang="en-US"/>
           </a:p>
@@ -606,7 +607,7 @@
           <a:p>
             <a:fld id="{7CA3032E-00E9-4729-A89B-323F05814971}" type="datetimeFigureOut">
               <a:rPr lang="zh-CN" altLang="en-US" smtClean="0"/>
-              <a:t>2018/9/10</a:t>
+              <a:t>2018/9/12</a:t>
             </a:fld>
             <a:endParaRPr lang="zh-CN" altLang="en-US"/>
           </a:p>
@@ -776,7 +777,7 @@
           <a:p>
             <a:fld id="{7CA3032E-00E9-4729-A89B-323F05814971}" type="datetimeFigureOut">
               <a:rPr lang="zh-CN" altLang="en-US" smtClean="0"/>
-              <a:t>2018/9/10</a:t>
+              <a:t>2018/9/12</a:t>
             </a:fld>
             <a:endParaRPr lang="zh-CN" altLang="en-US"/>
           </a:p>
@@ -956,7 +957,7 @@
           <a:p>
             <a:fld id="{7CA3032E-00E9-4729-A89B-323F05814971}" type="datetimeFigureOut">
               <a:rPr lang="zh-CN" altLang="en-US" smtClean="0"/>
-              <a:t>2018/9/10</a:t>
+              <a:t>2018/9/12</a:t>
             </a:fld>
             <a:endParaRPr lang="zh-CN" altLang="en-US"/>
           </a:p>
@@ -1126,7 +1127,7 @@
           <a:p>
             <a:fld id="{7CA3032E-00E9-4729-A89B-323F05814971}" type="datetimeFigureOut">
               <a:rPr lang="zh-CN" altLang="en-US" smtClean="0"/>
-              <a:t>2018/9/10</a:t>
+              <a:t>2018/9/12</a:t>
             </a:fld>
             <a:endParaRPr lang="zh-CN" altLang="en-US"/>
           </a:p>
@@ -1372,7 +1373,7 @@
           <a:p>
             <a:fld id="{7CA3032E-00E9-4729-A89B-323F05814971}" type="datetimeFigureOut">
               <a:rPr lang="zh-CN" altLang="en-US" smtClean="0"/>
-              <a:t>2018/9/10</a:t>
+              <a:t>2018/9/12</a:t>
             </a:fld>
             <a:endParaRPr lang="zh-CN" altLang="en-US"/>
           </a:p>
@@ -1604,7 +1605,7 @@
           <a:p>
             <a:fld id="{7CA3032E-00E9-4729-A89B-323F05814971}" type="datetimeFigureOut">
               <a:rPr lang="zh-CN" altLang="en-US" smtClean="0"/>
-              <a:t>2018/9/10</a:t>
+              <a:t>2018/9/12</a:t>
             </a:fld>
             <a:endParaRPr lang="zh-CN" altLang="en-US"/>
           </a:p>
@@ -1971,7 +1972,7 @@
           <a:p>
             <a:fld id="{7CA3032E-00E9-4729-A89B-323F05814971}" type="datetimeFigureOut">
               <a:rPr lang="zh-CN" altLang="en-US" smtClean="0"/>
-              <a:t>2018/9/10</a:t>
+              <a:t>2018/9/12</a:t>
             </a:fld>
             <a:endParaRPr lang="zh-CN" altLang="en-US"/>
           </a:p>
@@ -2089,7 +2090,7 @@
           <a:p>
             <a:fld id="{7CA3032E-00E9-4729-A89B-323F05814971}" type="datetimeFigureOut">
               <a:rPr lang="zh-CN" altLang="en-US" smtClean="0"/>
-              <a:t>2018/9/10</a:t>
+              <a:t>2018/9/12</a:t>
             </a:fld>
             <a:endParaRPr lang="zh-CN" altLang="en-US"/>
           </a:p>
@@ -2184,7 +2185,7 @@
           <a:p>
             <a:fld id="{7CA3032E-00E9-4729-A89B-323F05814971}" type="datetimeFigureOut">
               <a:rPr lang="zh-CN" altLang="en-US" smtClean="0"/>
-              <a:t>2018/9/10</a:t>
+              <a:t>2018/9/12</a:t>
             </a:fld>
             <a:endParaRPr lang="zh-CN" altLang="en-US"/>
           </a:p>
@@ -2461,7 +2462,7 @@
           <a:p>
             <a:fld id="{7CA3032E-00E9-4729-A89B-323F05814971}" type="datetimeFigureOut">
               <a:rPr lang="zh-CN" altLang="en-US" smtClean="0"/>
-              <a:t>2018/9/10</a:t>
+              <a:t>2018/9/12</a:t>
             </a:fld>
             <a:endParaRPr lang="zh-CN" altLang="en-US"/>
           </a:p>
@@ -2714,7 +2715,7 @@
           <a:p>
             <a:fld id="{7CA3032E-00E9-4729-A89B-323F05814971}" type="datetimeFigureOut">
               <a:rPr lang="zh-CN" altLang="en-US" smtClean="0"/>
-              <a:t>2018/9/10</a:t>
+              <a:t>2018/9/12</a:t>
             </a:fld>
             <a:endParaRPr lang="zh-CN" altLang="en-US"/>
           </a:p>
@@ -2927,7 +2928,7 @@
           <a:p>
             <a:fld id="{7CA3032E-00E9-4729-A89B-323F05814971}" type="datetimeFigureOut">
               <a:rPr lang="zh-CN" altLang="en-US" smtClean="0"/>
-              <a:t>2018/9/10</a:t>
+              <a:t>2018/9/12</a:t>
             </a:fld>
             <a:endParaRPr lang="zh-CN" altLang="en-US"/>
           </a:p>
@@ -3580,6 +3581,835 @@
       </p:grpSpPr>
       <p:sp>
         <p:nvSpPr>
+          <p:cNvPr id="5" name="矩形 4"/>
+          <p:cNvSpPr/>
+          <p:nvPr/>
+        </p:nvSpPr>
+        <p:spPr>
+          <a:xfrm>
+            <a:off x="1851263" y="238295"/>
+            <a:ext cx="1181734" cy="369332"/>
+          </a:xfrm>
+          <a:prstGeom prst="rect">
+            <a:avLst/>
+          </a:prstGeom>
+        </p:spPr>
+        <p:txBody>
+          <a:bodyPr wrap="none">
+            <a:spAutoFit/>
+          </a:bodyPr>
+          <a:lstStyle/>
+          <a:p>
+            <a:r>
+              <a:rPr lang="mr-IN" altLang="zh-CN" b="1" dirty="0" err="1"/>
+              <a:t>DoCheck</a:t>
+            </a:r>
+            <a:r>
+              <a:rPr lang="mr-IN" altLang="zh-CN" b="1" dirty="0" smtClean="0"/>
+              <a:t>()</a:t>
+            </a:r>
+            <a:endParaRPr lang="mr-IN" altLang="zh-CN" dirty="0"/>
+          </a:p>
+        </p:txBody>
+      </p:sp>
+      <p:sp>
+        <p:nvSpPr>
+          <p:cNvPr id="3" name="矩形 2"/>
+          <p:cNvSpPr/>
+          <p:nvPr/>
+        </p:nvSpPr>
+        <p:spPr>
+          <a:xfrm>
+            <a:off x="1851263" y="1463331"/>
+            <a:ext cx="1355949" cy="369332"/>
+          </a:xfrm>
+          <a:prstGeom prst="rect">
+            <a:avLst/>
+          </a:prstGeom>
+        </p:spPr>
+        <p:txBody>
+          <a:bodyPr wrap="none">
+            <a:spAutoFit/>
+          </a:bodyPr>
+          <a:lstStyle/>
+          <a:p>
+            <a:r>
+              <a:rPr lang="en-US" altLang="zh-CN" b="1" dirty="0" err="1" smtClean="0">
+                <a:latin typeface="Roboto" charset="0"/>
+              </a:rPr>
+              <a:t>AfterView</a:t>
+            </a:r>
+            <a:r>
+              <a:rPr lang="en-US" altLang="zh-CN" dirty="0" smtClean="0">
+                <a:latin typeface="Roboto" charset="0"/>
+              </a:rPr>
+              <a:t>()</a:t>
+            </a:r>
+            <a:endParaRPr lang="en-US" altLang="zh-CN" b="1" dirty="0">
+              <a:latin typeface="Roboto" charset="0"/>
+            </a:endParaRPr>
+          </a:p>
+        </p:txBody>
+      </p:sp>
+      <p:sp>
+        <p:nvSpPr>
+          <p:cNvPr id="4" name="矩形 3"/>
+          <p:cNvSpPr/>
+          <p:nvPr/>
+        </p:nvSpPr>
+        <p:spPr>
+          <a:xfrm>
+            <a:off x="2479695" y="647695"/>
+            <a:ext cx="4326826" cy="369332"/>
+          </a:xfrm>
+          <a:prstGeom prst="rect">
+            <a:avLst/>
+          </a:prstGeom>
+        </p:spPr>
+        <p:txBody>
+          <a:bodyPr wrap="none">
+            <a:spAutoFit/>
+          </a:bodyPr>
+          <a:lstStyle/>
+          <a:p>
+            <a:r>
+              <a:rPr lang="zh-CN" altLang="en-US" dirty="0" smtClean="0">
+                <a:latin typeface="Roboto" charset="0"/>
+              </a:rPr>
+              <a:t>可以检测到 </a:t>
+            </a:r>
+            <a:r>
+              <a:rPr lang="en-US" altLang="zh-CN" dirty="0" err="1" smtClean="0">
+                <a:latin typeface="Roboto" charset="0"/>
+              </a:rPr>
+              <a:t>hero.name</a:t>
+            </a:r>
+            <a:r>
+              <a:rPr lang="en-US" altLang="zh-CN" dirty="0" smtClean="0">
+                <a:latin typeface="Roboto" charset="0"/>
+              </a:rPr>
+              <a:t> </a:t>
+            </a:r>
+            <a:r>
+              <a:rPr lang="zh-CN" altLang="en-US" dirty="0" smtClean="0">
+                <a:latin typeface="Roboto" charset="0"/>
+              </a:rPr>
+              <a:t>的变化 （见官网）</a:t>
+            </a:r>
+            <a:endParaRPr lang="zh-CN" altLang="en-US" dirty="0"/>
+          </a:p>
+        </p:txBody>
+      </p:sp>
+      <p:sp>
+        <p:nvSpPr>
+          <p:cNvPr id="8" name="矩形 7"/>
+          <p:cNvSpPr/>
+          <p:nvPr/>
+        </p:nvSpPr>
+        <p:spPr>
+          <a:xfrm>
+            <a:off x="2514949" y="2446739"/>
+            <a:ext cx="2262158" cy="369332"/>
+          </a:xfrm>
+          <a:prstGeom prst="rect">
+            <a:avLst/>
+          </a:prstGeom>
+        </p:spPr>
+        <p:txBody>
+          <a:bodyPr wrap="none">
+            <a:spAutoFit/>
+          </a:bodyPr>
+          <a:lstStyle/>
+          <a:p>
+            <a:r>
+              <a:rPr lang="zh-CN" altLang="en-US">
+                <a:latin typeface="Roboto" charset="0"/>
+              </a:rPr>
+              <a:t>遵循单向数据流规则</a:t>
+            </a:r>
+          </a:p>
+        </p:txBody>
+      </p:sp>
+      <p:sp>
+        <p:nvSpPr>
+          <p:cNvPr id="11" name="矩形 10"/>
+          <p:cNvSpPr/>
+          <p:nvPr/>
+        </p:nvSpPr>
+        <p:spPr>
+          <a:xfrm>
+            <a:off x="2488832" y="1037920"/>
+            <a:ext cx="3166251" cy="369332"/>
+          </a:xfrm>
+          <a:prstGeom prst="rect">
+            <a:avLst/>
+          </a:prstGeom>
+        </p:spPr>
+        <p:txBody>
+          <a:bodyPr wrap="none">
+            <a:spAutoFit/>
+          </a:bodyPr>
+          <a:lstStyle/>
+          <a:p>
+            <a:r>
+              <a:rPr lang="zh-CN" altLang="en-US" dirty="0" smtClean="0">
+                <a:latin typeface="Roboto" charset="0"/>
+              </a:rPr>
+              <a:t>出发非常频繁，需要小心使用</a:t>
+            </a:r>
+            <a:endParaRPr lang="zh-CN" altLang="en-US" dirty="0"/>
+          </a:p>
+        </p:txBody>
+      </p:sp>
+      <p:sp>
+        <p:nvSpPr>
+          <p:cNvPr id="14" name="矩形 13"/>
+          <p:cNvSpPr/>
+          <p:nvPr/>
+        </p:nvSpPr>
+        <p:spPr>
+          <a:xfrm>
+            <a:off x="2435235" y="1961652"/>
+            <a:ext cx="9739313" cy="369332"/>
+          </a:xfrm>
+          <a:prstGeom prst="rect">
+            <a:avLst/>
+          </a:prstGeom>
+        </p:spPr>
+        <p:txBody>
+          <a:bodyPr wrap="square">
+            <a:spAutoFit/>
+          </a:bodyPr>
+          <a:lstStyle/>
+          <a:p>
+            <a:r>
+              <a:rPr lang="zh-CN" altLang="en-US" dirty="0">
+                <a:latin typeface="Roboto" charset="0"/>
+              </a:rPr>
+              <a:t> </a:t>
+            </a:r>
+            <a:r>
+              <a:rPr lang="en-US" altLang="zh-CN" dirty="0">
+                <a:hlinkClick r:id="rId2"/>
+              </a:rPr>
+              <a:t>AfterViewInit</a:t>
+            </a:r>
+            <a:r>
+              <a:rPr lang="en-US" altLang="zh-CN" dirty="0"/>
+              <a:t>()</a:t>
+            </a:r>
+            <a:r>
+              <a:rPr lang="zh-CN" altLang="en-US" dirty="0">
+                <a:latin typeface="Roboto" charset="0"/>
+              </a:rPr>
+              <a:t> 和 </a:t>
+            </a:r>
+            <a:r>
+              <a:rPr lang="en-US" altLang="zh-CN" dirty="0">
+                <a:hlinkClick r:id="rId3"/>
+              </a:rPr>
+              <a:t>AfterViewChecked</a:t>
+            </a:r>
+            <a:r>
+              <a:rPr lang="en-US" altLang="zh-CN" dirty="0"/>
+              <a:t>()</a:t>
+            </a:r>
+            <a:r>
+              <a:rPr lang="zh-CN" altLang="en-US" dirty="0">
+                <a:latin typeface="Roboto" charset="0"/>
+              </a:rPr>
+              <a:t> 钩子，</a:t>
+            </a:r>
+            <a:r>
+              <a:rPr lang="en-US" altLang="zh-CN" dirty="0">
+                <a:latin typeface="Roboto" charset="0"/>
+              </a:rPr>
+              <a:t>Angular </a:t>
+            </a:r>
+            <a:r>
+              <a:rPr lang="zh-CN" altLang="en-US" dirty="0">
+                <a:latin typeface="Roboto" charset="0"/>
+              </a:rPr>
+              <a:t>会在每次创建了组件的子视图后调用它们</a:t>
+            </a:r>
+            <a:endParaRPr lang="zh-CN" altLang="en-US" dirty="0"/>
+          </a:p>
+        </p:txBody>
+      </p:sp>
+      <p:sp>
+        <p:nvSpPr>
+          <p:cNvPr id="15" name="矩形 14"/>
+          <p:cNvSpPr/>
+          <p:nvPr/>
+        </p:nvSpPr>
+        <p:spPr>
+          <a:xfrm>
+            <a:off x="3207211" y="2888945"/>
+            <a:ext cx="8722851" cy="646331"/>
+          </a:xfrm>
+          <a:prstGeom prst="rect">
+            <a:avLst/>
+          </a:prstGeom>
+        </p:spPr>
+        <p:txBody>
+          <a:bodyPr wrap="square">
+            <a:spAutoFit/>
+          </a:bodyPr>
+          <a:lstStyle/>
+          <a:p>
+            <a:r>
+              <a:rPr lang="en-US" altLang="zh-CN" dirty="0">
+                <a:latin typeface="Roboto" charset="0"/>
+              </a:rPr>
+              <a:t>Angular </a:t>
+            </a:r>
+            <a:r>
+              <a:rPr lang="zh-CN" altLang="en-US" dirty="0">
+                <a:latin typeface="Roboto" charset="0"/>
+              </a:rPr>
+              <a:t>的“单向数据流”规则</a:t>
+            </a:r>
+            <a:r>
+              <a:rPr lang="zh-CN" altLang="en-US" dirty="0">
+                <a:solidFill>
+                  <a:srgbClr val="FF0000"/>
+                </a:solidFill>
+                <a:latin typeface="Roboto" charset="0"/>
+              </a:rPr>
+              <a:t>禁止在一个视图已经被组合好</a:t>
+            </a:r>
+            <a:r>
+              <a:rPr lang="zh-CN" altLang="en-US" b="1" dirty="0">
+                <a:solidFill>
+                  <a:srgbClr val="FF0000"/>
+                </a:solidFill>
+                <a:latin typeface="Roboto" charset="0"/>
+              </a:rPr>
+              <a:t>之后</a:t>
+            </a:r>
+            <a:r>
+              <a:rPr lang="zh-CN" altLang="en-US" dirty="0">
+                <a:solidFill>
+                  <a:srgbClr val="FF0000"/>
+                </a:solidFill>
+                <a:latin typeface="Roboto" charset="0"/>
+              </a:rPr>
+              <a:t>再更新视图</a:t>
+            </a:r>
+            <a:r>
+              <a:rPr lang="zh-CN" altLang="en-US" dirty="0">
+                <a:latin typeface="Roboto" charset="0"/>
+              </a:rPr>
+              <a:t>。 而这两个钩子都是在组件的视图已经被组合好之后触发的。</a:t>
+            </a:r>
+            <a:endParaRPr lang="zh-CN" altLang="en-US" dirty="0"/>
+          </a:p>
+        </p:txBody>
+      </p:sp>
+      <p:sp>
+        <p:nvSpPr>
+          <p:cNvPr id="16" name="矩形 15"/>
+          <p:cNvSpPr/>
+          <p:nvPr/>
+        </p:nvSpPr>
+        <p:spPr>
+          <a:xfrm>
+            <a:off x="1851263" y="3508137"/>
+            <a:ext cx="1659429" cy="369332"/>
+          </a:xfrm>
+          <a:prstGeom prst="rect">
+            <a:avLst/>
+          </a:prstGeom>
+        </p:spPr>
+        <p:txBody>
+          <a:bodyPr wrap="none">
+            <a:spAutoFit/>
+          </a:bodyPr>
+          <a:lstStyle/>
+          <a:p>
+            <a:r>
+              <a:rPr lang="en-US" altLang="zh-CN" b="1" dirty="0" err="1" smtClean="0">
+                <a:latin typeface="Roboto" charset="0"/>
+              </a:rPr>
+              <a:t>AfterContent</a:t>
+            </a:r>
+            <a:r>
+              <a:rPr lang="en-US" altLang="zh-CN" b="1" dirty="0" smtClean="0">
+                <a:latin typeface="Roboto" charset="0"/>
+              </a:rPr>
+              <a:t>()</a:t>
+            </a:r>
+            <a:endParaRPr lang="en-US" altLang="zh-CN" b="1" dirty="0">
+              <a:latin typeface="Roboto" charset="0"/>
+            </a:endParaRPr>
+          </a:p>
+        </p:txBody>
+      </p:sp>
+      <p:sp>
+        <p:nvSpPr>
+          <p:cNvPr id="17" name="矩形 16"/>
+          <p:cNvSpPr/>
+          <p:nvPr/>
+        </p:nvSpPr>
+        <p:spPr>
+          <a:xfrm>
+            <a:off x="2607082" y="3993224"/>
+            <a:ext cx="9322980" cy="369332"/>
+          </a:xfrm>
+          <a:prstGeom prst="rect">
+            <a:avLst/>
+          </a:prstGeom>
+        </p:spPr>
+        <p:txBody>
+          <a:bodyPr wrap="square">
+            <a:spAutoFit/>
+          </a:bodyPr>
+          <a:lstStyle/>
+          <a:p>
+            <a:r>
+              <a:rPr lang="en-US" altLang="zh-CN" dirty="0">
+                <a:hlinkClick r:id="rId4"/>
+              </a:rPr>
+              <a:t>AfterContentInit</a:t>
+            </a:r>
+            <a:r>
+              <a:rPr lang="en-US" altLang="zh-CN" dirty="0"/>
+              <a:t>()</a:t>
+            </a:r>
+            <a:r>
+              <a:rPr lang="zh-CN" altLang="en-US" dirty="0">
+                <a:latin typeface="Roboto" charset="0"/>
+              </a:rPr>
+              <a:t> 和 </a:t>
+            </a:r>
+            <a:r>
+              <a:rPr lang="en-US" altLang="zh-CN" dirty="0">
+                <a:hlinkClick r:id="rId5"/>
+              </a:rPr>
+              <a:t>AfterContentChecked</a:t>
+            </a:r>
+            <a:r>
+              <a:rPr lang="en-US" altLang="zh-CN" dirty="0"/>
+              <a:t>()</a:t>
+            </a:r>
+            <a:r>
+              <a:rPr lang="zh-CN" altLang="en-US" dirty="0">
+                <a:latin typeface="Roboto" charset="0"/>
+              </a:rPr>
+              <a:t> 钩子</a:t>
+            </a:r>
+            <a:r>
+              <a:rPr lang="zh-CN" altLang="en-US" dirty="0" smtClean="0">
+                <a:latin typeface="Roboto" charset="0"/>
+              </a:rPr>
+              <a:t>，在</a:t>
+            </a:r>
+            <a:r>
+              <a:rPr lang="zh-CN" altLang="en-US" dirty="0">
+                <a:latin typeface="Roboto" charset="0"/>
+              </a:rPr>
+              <a:t>外来内容被投影到组件中</a:t>
+            </a:r>
+            <a:r>
+              <a:rPr lang="zh-CN" altLang="en-US" b="1" dirty="0">
+                <a:latin typeface="Roboto" charset="0"/>
+              </a:rPr>
+              <a:t>之后</a:t>
+            </a:r>
+            <a:r>
+              <a:rPr lang="zh-CN" altLang="en-US" dirty="0">
+                <a:latin typeface="Roboto" charset="0"/>
+              </a:rPr>
+              <a:t>调用它们。</a:t>
+            </a:r>
+            <a:endParaRPr lang="zh-CN" altLang="en-US" dirty="0"/>
+          </a:p>
+        </p:txBody>
+      </p:sp>
+      <p:sp>
+        <p:nvSpPr>
+          <p:cNvPr id="18" name="矩形 17"/>
+          <p:cNvSpPr/>
+          <p:nvPr/>
+        </p:nvSpPr>
+        <p:spPr>
+          <a:xfrm>
+            <a:off x="2607082" y="4406854"/>
+            <a:ext cx="1107996" cy="369332"/>
+          </a:xfrm>
+          <a:prstGeom prst="rect">
+            <a:avLst/>
+          </a:prstGeom>
+        </p:spPr>
+        <p:txBody>
+          <a:bodyPr wrap="none">
+            <a:spAutoFit/>
+          </a:bodyPr>
+          <a:lstStyle/>
+          <a:p>
+            <a:r>
+              <a:rPr lang="zh-CN" altLang="en-US" dirty="0">
+                <a:latin typeface="Roboto" charset="0"/>
+              </a:rPr>
+              <a:t>内容投影</a:t>
+            </a:r>
+            <a:endParaRPr lang="zh-CN" altLang="en-US" b="0" i="0" dirty="0">
+              <a:effectLst/>
+              <a:latin typeface="Roboto" charset="0"/>
+            </a:endParaRPr>
+          </a:p>
+        </p:txBody>
+      </p:sp>
+      <p:sp>
+        <p:nvSpPr>
+          <p:cNvPr id="19" name="矩形 18"/>
+          <p:cNvSpPr/>
+          <p:nvPr/>
+        </p:nvSpPr>
+        <p:spPr>
+          <a:xfrm>
+            <a:off x="3829378" y="4425325"/>
+            <a:ext cx="8214984" cy="369332"/>
+          </a:xfrm>
+          <a:prstGeom prst="rect">
+            <a:avLst/>
+          </a:prstGeom>
+        </p:spPr>
+        <p:txBody>
+          <a:bodyPr wrap="square">
+            <a:spAutoFit/>
+          </a:bodyPr>
+          <a:lstStyle/>
+          <a:p>
+            <a:r>
+              <a:rPr lang="zh-CN" altLang="en-US" dirty="0">
+                <a:latin typeface="Roboto" charset="0"/>
+              </a:rPr>
+              <a:t>从组件外部导入 </a:t>
+            </a:r>
+            <a:r>
+              <a:rPr lang="en-US" altLang="zh-CN" dirty="0">
+                <a:latin typeface="Roboto" charset="0"/>
+              </a:rPr>
+              <a:t>HTML </a:t>
+            </a:r>
+            <a:r>
+              <a:rPr lang="zh-CN" altLang="en-US" dirty="0">
+                <a:latin typeface="Roboto" charset="0"/>
+              </a:rPr>
+              <a:t>内容，并把它插入在组件模板中指定位置上的一种途径。</a:t>
+            </a:r>
+            <a:endParaRPr lang="zh-CN" altLang="en-US" dirty="0"/>
+          </a:p>
+        </p:txBody>
+      </p:sp>
+      <p:sp>
+        <p:nvSpPr>
+          <p:cNvPr id="20" name="矩形 19"/>
+          <p:cNvSpPr/>
+          <p:nvPr/>
+        </p:nvSpPr>
+        <p:spPr>
+          <a:xfrm>
+            <a:off x="2607082" y="4838955"/>
+            <a:ext cx="9194393" cy="369332"/>
+          </a:xfrm>
+          <a:prstGeom prst="rect">
+            <a:avLst/>
+          </a:prstGeom>
+        </p:spPr>
+        <p:txBody>
+          <a:bodyPr wrap="square">
+            <a:spAutoFit/>
+          </a:bodyPr>
+          <a:lstStyle/>
+          <a:p>
+            <a:r>
+              <a:rPr lang="zh-CN" altLang="en-US" dirty="0">
+                <a:latin typeface="Roboto" charset="0"/>
+              </a:rPr>
+              <a:t>永远不要在组件标签的内部放任何内容 </a:t>
+            </a:r>
+            <a:r>
+              <a:rPr lang="en-US" altLang="zh-CN" dirty="0">
+                <a:latin typeface="Roboto" charset="0"/>
+              </a:rPr>
+              <a:t>—— </a:t>
+            </a:r>
+            <a:r>
+              <a:rPr lang="zh-CN" altLang="en-US" b="1" dirty="0">
+                <a:latin typeface="Roboto" charset="0"/>
+              </a:rPr>
+              <a:t>除非你想把这些内容投影进这个组件中</a:t>
+            </a:r>
+            <a:r>
+              <a:rPr lang="zh-CN" altLang="en-US" dirty="0">
+                <a:latin typeface="Roboto" charset="0"/>
+              </a:rPr>
+              <a:t>。</a:t>
+            </a:r>
+            <a:endParaRPr lang="zh-CN" altLang="en-US" dirty="0"/>
+          </a:p>
+        </p:txBody>
+      </p:sp>
+      <p:sp>
+        <p:nvSpPr>
+          <p:cNvPr id="21" name="矩形 20"/>
+          <p:cNvSpPr/>
+          <p:nvPr/>
+        </p:nvSpPr>
+        <p:spPr>
+          <a:xfrm>
+            <a:off x="1851263" y="5280173"/>
+            <a:ext cx="9950212" cy="923330"/>
+          </a:xfrm>
+          <a:prstGeom prst="rect">
+            <a:avLst/>
+          </a:prstGeom>
+        </p:spPr>
+        <p:txBody>
+          <a:bodyPr wrap="square">
+            <a:spAutoFit/>
+          </a:bodyPr>
+          <a:lstStyle/>
+          <a:p>
+            <a:r>
+              <a:rPr lang="en-US" altLang="zh-CN" b="1" dirty="0" err="1">
+                <a:latin typeface="Roboto" charset="0"/>
+              </a:rPr>
+              <a:t>AfterContent</a:t>
+            </a:r>
+            <a:r>
+              <a:rPr lang="zh-CN" altLang="en-US" dirty="0">
+                <a:latin typeface="Roboto" charset="0"/>
+              </a:rPr>
+              <a:t> </a:t>
+            </a:r>
+            <a:r>
+              <a:rPr lang="zh-CN" altLang="en-US" dirty="0" smtClean="0">
+                <a:latin typeface="Roboto" charset="0"/>
+              </a:rPr>
+              <a:t>和</a:t>
+            </a:r>
+            <a:r>
+              <a:rPr lang="zh-CN" altLang="en-US" dirty="0">
+                <a:latin typeface="Roboto" charset="0"/>
+              </a:rPr>
+              <a:t> </a:t>
+            </a:r>
+            <a:r>
+              <a:rPr lang="en-US" altLang="zh-CN" b="1" dirty="0" err="1">
+                <a:latin typeface="Roboto" charset="0"/>
+              </a:rPr>
+              <a:t>AfterView</a:t>
+            </a:r>
+            <a:r>
+              <a:rPr lang="zh-CN" altLang="en-US" dirty="0">
+                <a:latin typeface="Roboto" charset="0"/>
+              </a:rPr>
+              <a:t> 相似。关键的不同点是子组件的类型不同。</a:t>
+            </a:r>
+          </a:p>
+          <a:p>
+            <a:pPr>
+              <a:buFont typeface="Arial" charset="0"/>
+              <a:buChar char="•"/>
+            </a:pPr>
+            <a:r>
+              <a:rPr lang="en-US" altLang="zh-CN" b="1" dirty="0" err="1">
+                <a:latin typeface="Roboto" charset="0"/>
+              </a:rPr>
+              <a:t>AfterView</a:t>
+            </a:r>
+            <a:r>
+              <a:rPr lang="zh-CN" altLang="en-US" dirty="0">
+                <a:latin typeface="Roboto" charset="0"/>
+              </a:rPr>
+              <a:t> </a:t>
+            </a:r>
+            <a:r>
+              <a:rPr lang="zh-CN" altLang="en-US" dirty="0" smtClean="0">
+                <a:latin typeface="Roboto" charset="0"/>
+              </a:rPr>
+              <a:t>所</a:t>
+            </a:r>
+            <a:r>
+              <a:rPr lang="zh-CN" altLang="en-US" dirty="0">
+                <a:latin typeface="Roboto" charset="0"/>
+              </a:rPr>
+              <a:t>关心的是 </a:t>
+            </a:r>
+            <a:r>
+              <a:rPr lang="en-US" altLang="zh-CN" dirty="0">
+                <a:latin typeface="Roboto" charset="0"/>
+                <a:hlinkClick r:id="rId6"/>
+              </a:rPr>
+              <a:t>ViewChildren</a:t>
+            </a:r>
+            <a:r>
+              <a:rPr lang="zh-CN" altLang="en-US" dirty="0">
+                <a:latin typeface="Roboto" charset="0"/>
+              </a:rPr>
+              <a:t>，这些子组件的元素标签会出现在该组件的模板</a:t>
+            </a:r>
+            <a:r>
+              <a:rPr lang="zh-CN" altLang="en-US" b="1" dirty="0">
+                <a:latin typeface="Roboto" charset="0"/>
+              </a:rPr>
+              <a:t>里面</a:t>
+            </a:r>
+            <a:r>
+              <a:rPr lang="zh-CN" altLang="en-US" dirty="0">
+                <a:latin typeface="Roboto" charset="0"/>
+              </a:rPr>
+              <a:t>。</a:t>
+            </a:r>
+          </a:p>
+          <a:p>
+            <a:pPr>
+              <a:buFont typeface="Arial" charset="0"/>
+              <a:buChar char="•"/>
+            </a:pPr>
+            <a:r>
+              <a:rPr lang="en-US" altLang="zh-CN" b="1" dirty="0" err="1">
+                <a:latin typeface="Roboto" charset="0"/>
+              </a:rPr>
+              <a:t>AfterContent</a:t>
+            </a:r>
+            <a:r>
+              <a:rPr lang="zh-CN" altLang="en-US" dirty="0">
+                <a:latin typeface="Roboto" charset="0"/>
+              </a:rPr>
+              <a:t> </a:t>
+            </a:r>
+            <a:r>
+              <a:rPr lang="zh-CN" altLang="en-US" dirty="0" smtClean="0">
+                <a:latin typeface="Roboto" charset="0"/>
+              </a:rPr>
+              <a:t>所</a:t>
+            </a:r>
+            <a:r>
+              <a:rPr lang="zh-CN" altLang="en-US" dirty="0">
+                <a:latin typeface="Roboto" charset="0"/>
+              </a:rPr>
+              <a:t>关心的是 </a:t>
+            </a:r>
+            <a:r>
+              <a:rPr lang="en-US" altLang="zh-CN" dirty="0">
+                <a:latin typeface="Roboto" charset="0"/>
+                <a:hlinkClick r:id="rId7"/>
+              </a:rPr>
+              <a:t>ContentChildren</a:t>
+            </a:r>
+            <a:r>
+              <a:rPr lang="zh-CN" altLang="en-US" dirty="0">
+                <a:latin typeface="Roboto" charset="0"/>
+              </a:rPr>
+              <a:t>，这些子组件被 </a:t>
+            </a:r>
+            <a:r>
+              <a:rPr lang="en-US" altLang="zh-CN" dirty="0">
+                <a:latin typeface="Roboto" charset="0"/>
+              </a:rPr>
+              <a:t>Angular </a:t>
+            </a:r>
+            <a:r>
+              <a:rPr lang="zh-CN" altLang="en-US" dirty="0">
+                <a:latin typeface="Roboto" charset="0"/>
+              </a:rPr>
+              <a:t>投影进该组件中。</a:t>
+            </a:r>
+            <a:endParaRPr lang="zh-CN" altLang="en-US" b="0" i="0" dirty="0">
+              <a:effectLst/>
+              <a:latin typeface="Roboto" charset="0"/>
+            </a:endParaRPr>
+          </a:p>
+        </p:txBody>
+      </p:sp>
+      <p:sp>
+        <p:nvSpPr>
+          <p:cNvPr id="22" name="矩形 21"/>
+          <p:cNvSpPr/>
+          <p:nvPr/>
+        </p:nvSpPr>
+        <p:spPr>
+          <a:xfrm>
+            <a:off x="1858214" y="6338158"/>
+            <a:ext cx="4968155" cy="369332"/>
+          </a:xfrm>
+          <a:prstGeom prst="rect">
+            <a:avLst/>
+          </a:prstGeom>
+        </p:spPr>
+        <p:txBody>
+          <a:bodyPr wrap="none">
+            <a:spAutoFit/>
+          </a:bodyPr>
+          <a:lstStyle/>
+          <a:p>
+            <a:r>
+              <a:rPr lang="zh-CN" altLang="en-US" dirty="0">
+                <a:latin typeface="Roboto" charset="0"/>
+              </a:rPr>
+              <a:t>使用 </a:t>
+            </a:r>
+            <a:r>
+              <a:rPr lang="en-US" altLang="zh-CN" dirty="0" err="1">
+                <a:latin typeface="Roboto" charset="0"/>
+              </a:rPr>
+              <a:t>AfterContent</a:t>
+            </a:r>
+            <a:r>
+              <a:rPr lang="en-US" altLang="zh-CN" dirty="0">
+                <a:latin typeface="Roboto" charset="0"/>
+              </a:rPr>
+              <a:t> </a:t>
+            </a:r>
+            <a:r>
+              <a:rPr lang="zh-CN" altLang="en-US" dirty="0">
+                <a:latin typeface="Roboto" charset="0"/>
+              </a:rPr>
+              <a:t>时，无需担心单向数据流规则</a:t>
+            </a:r>
+            <a:endParaRPr lang="zh-CN" altLang="en-US" b="0" i="0" dirty="0">
+              <a:effectLst/>
+              <a:latin typeface="Roboto" charset="0"/>
+            </a:endParaRPr>
+          </a:p>
+        </p:txBody>
+      </p:sp>
+    </p:spTree>
+    <p:extLst>
+      <p:ext uri="{BB962C8B-B14F-4D97-AF65-F5344CB8AC3E}">
+        <p14:creationId xmlns:p14="http://schemas.microsoft.com/office/powerpoint/2010/main" val="1354444749"/>
+      </p:ext>
+    </p:extLst>
+  </p:cSld>
+  <p:clrMapOvr>
+    <a:masterClrMapping/>
+  </p:clrMapOvr>
+</p:sld>
+</file>
+
+<file path=ppt/slides/slide11.xml><?xml version="1.0" encoding="utf-8"?>
+<p:sld xmlns:a="http://schemas.openxmlformats.org/drawingml/2006/main" xmlns:r="http://schemas.openxmlformats.org/officeDocument/2006/relationships" xmlns:p="http://schemas.openxmlformats.org/presentationml/2006/main">
+  <p:cSld>
+    <p:spTree>
+      <p:nvGrpSpPr>
+        <p:cNvPr id="1" name=""/>
+        <p:cNvGrpSpPr/>
+        <p:nvPr/>
+      </p:nvGrpSpPr>
+      <p:grpSpPr>
+        <a:xfrm>
+          <a:off x="0" y="0"/>
+          <a:ext cx="0" cy="0"/>
+          <a:chOff x="0" y="0"/>
+          <a:chExt cx="0" cy="0"/>
+        </a:xfrm>
+      </p:grpSpPr>
+      <p:sp>
+        <p:nvSpPr>
           <p:cNvPr id="4" name="矩形 3"/>
           <p:cNvSpPr/>
           <p:nvPr/>
@@ -3706,7 +4536,7 @@
 </p:sld>
 </file>
 
-<file path=ppt/slides/slide11.xml><?xml version="1.0" encoding="utf-8"?>
+<file path=ppt/slides/slide12.xml><?xml version="1.0" encoding="utf-8"?>
 <p:sld xmlns:a="http://schemas.openxmlformats.org/drawingml/2006/main" xmlns:r="http://schemas.openxmlformats.org/officeDocument/2006/relationships" xmlns:p="http://schemas.openxmlformats.org/presentationml/2006/main">
   <p:cSld>
     <p:spTree>
@@ -4501,13 +5331,7 @@
               <a:rPr lang="zh-CN" altLang="en-US" sz="4400" dirty="0" smtClean="0">
                 <a:latin typeface="Roboto" charset="0"/>
               </a:rPr>
-              <a:t>组件</a:t>
-            </a:r>
-            <a:r>
-              <a:rPr lang="zh-CN" altLang="en-US" sz="4400" dirty="0" smtClean="0">
-                <a:latin typeface="Roboto" charset="0"/>
-              </a:rPr>
-              <a:t>间交互</a:t>
+              <a:t>组件间交互</a:t>
             </a:r>
             <a:endParaRPr lang="zh-CN" altLang="en-US" sz="4400" b="0" i="0" dirty="0">
               <a:effectLst/>
@@ -5163,7 +5987,6 @@
               <a:rPr lang="zh-CN" altLang="en-US" dirty="0"/>
               <a:t>与其它选择器组合使用时，它非常有用。</a:t>
             </a:r>
-            <a:endParaRPr lang="zh-CN" altLang="en-US" dirty="0"/>
           </a:p>
         </p:txBody>
       </p:sp>
@@ -5176,7 +5999,7 @@
         <p:spPr>
           <a:xfrm>
             <a:off x="1595332" y="3525153"/>
-            <a:ext cx="9976558" cy="369332"/>
+            <a:ext cx="9976558" cy="646331"/>
           </a:xfrm>
           <a:prstGeom prst="rect">
             <a:avLst/>
@@ -5189,7 +6012,7 @@
           <a:lstStyle/>
           <a:p>
             <a:r>
-              <a:rPr lang="zh-CN" altLang="mr-IN" b="1">
+              <a:rPr lang="zh-CN" altLang="mr-IN" b="1" dirty="0">
                 <a:latin typeface="Roboto" charset="0"/>
               </a:rPr>
               <a:t>控制视图的封装模式：原生 </a:t>
@@ -5201,22 +6024,78 @@
               <a:t>(</a:t>
             </a:r>
             <a:r>
-              <a:rPr lang="mr-IN" altLang="zh-CN" b="1" dirty="0" err="1">
+              <a:rPr lang="mr-IN" altLang="zh-CN" b="1" dirty="0" err="1" smtClean="0">
                 <a:latin typeface="Roboto" charset="0"/>
               </a:rPr>
               <a:t>Native</a:t>
             </a:r>
             <a:r>
+              <a:rPr lang="en-US" altLang="zh-CN" b="1" dirty="0" smtClean="0">
+                <a:latin typeface="Roboto" charset="0"/>
+              </a:rPr>
+              <a:t> </a:t>
+            </a:r>
+            <a:r>
+              <a:rPr lang="en-US" altLang="zh-CN" dirty="0">
+                <a:hlinkClick r:id="rId3"/>
+              </a:rPr>
+              <a:t>ShadowDom</a:t>
+            </a:r>
+            <a:r>
+              <a:rPr lang="en-US" altLang="zh-CN"/>
+              <a:t> </a:t>
+            </a:r>
+            <a:r>
+              <a:rPr lang="en-US" altLang="zh-CN" smtClean="0"/>
+              <a:t> </a:t>
+            </a:r>
+            <a:r>
+              <a:rPr lang="zh-CN" altLang="en-US" smtClean="0"/>
+              <a:t>不</a:t>
+            </a:r>
+            <a:r>
+              <a:rPr lang="zh-CN" altLang="en-US"/>
+              <a:t>进不出</a:t>
+            </a:r>
+            <a:r>
+              <a:rPr lang="mr-IN" altLang="zh-CN" b="1" dirty="0" smtClean="0">
+                <a:latin typeface="Roboto" charset="0"/>
+              </a:rPr>
+              <a:t>)</a:t>
+            </a:r>
+            <a:r>
+              <a:rPr lang="zh-CN" altLang="mr-IN" b="1" dirty="0">
+                <a:latin typeface="Roboto" charset="0"/>
+              </a:rPr>
+              <a:t>、仿真 </a:t>
+            </a:r>
+            <a:r>
               <a:rPr lang="mr-IN" altLang="zh-CN" b="1" dirty="0">
                 <a:latin typeface="Roboto" charset="0"/>
               </a:rPr>
-              <a:t>)</a:t>
+              <a:t>(</a:t>
+            </a:r>
+            <a:r>
+              <a:rPr lang="mr-IN" altLang="zh-CN" b="1" dirty="0" err="1" smtClean="0">
+                <a:latin typeface="Roboto" charset="0"/>
+              </a:rPr>
+              <a:t>Emulated</a:t>
+            </a:r>
+            <a:r>
+              <a:rPr lang="zh-CN" altLang="en-US" dirty="0"/>
+              <a:t>只进不出</a:t>
+            </a:r>
+            <a:r>
+              <a:rPr lang="mr-IN" altLang="zh-CN" b="1" dirty="0" smtClean="0">
+                <a:latin typeface="Roboto" charset="0"/>
+              </a:rPr>
+              <a:t>) </a:t>
             </a:r>
             <a:r>
               <a:rPr lang="zh-CN" altLang="mr-IN" b="1" dirty="0">
                 <a:latin typeface="Roboto" charset="0"/>
               </a:rPr>
-              <a:t>、仿真 </a:t>
+              <a:t>和无 </a:t>
             </a:r>
             <a:r>
               <a:rPr lang="mr-IN" altLang="zh-CN" b="1" dirty="0">
@@ -5225,37 +6104,27 @@
               <a:t>(</a:t>
             </a:r>
             <a:r>
-              <a:rPr lang="mr-IN" altLang="zh-CN" b="1" dirty="0" err="1">
-                <a:latin typeface="Roboto" charset="0"/>
-              </a:rPr>
-              <a:t>Emulated</a:t>
-            </a:r>
-            <a:r>
-              <a:rPr lang="mr-IN" altLang="zh-CN" b="1" dirty="0">
-                <a:latin typeface="Roboto" charset="0"/>
-              </a:rPr>
-              <a:t>) </a:t>
-            </a:r>
-            <a:r>
-              <a:rPr lang="zh-CN" altLang="mr-IN" b="1" dirty="0">
-                <a:latin typeface="Roboto" charset="0"/>
-              </a:rPr>
-              <a:t>和无 </a:t>
-            </a:r>
-            <a:r>
-              <a:rPr lang="mr-IN" altLang="zh-CN" b="1" dirty="0">
-                <a:latin typeface="Roboto" charset="0"/>
-              </a:rPr>
-              <a:t>(</a:t>
-            </a:r>
-            <a:r>
-              <a:rPr lang="mr-IN" altLang="zh-CN" b="1" dirty="0" err="1">
+              <a:rPr lang="mr-IN" altLang="zh-CN" b="1" dirty="0" err="1" smtClean="0">
                 <a:latin typeface="Roboto" charset="0"/>
               </a:rPr>
               <a:t>None</a:t>
             </a:r>
             <a:r>
-              <a:rPr lang="mr-IN" altLang="zh-CN" b="1" dirty="0">
+              <a:rPr lang="en-US" altLang="zh-CN" b="1" dirty="0" smtClean="0">
+                <a:latin typeface="Roboto" charset="0"/>
+              </a:rPr>
+              <a:t> </a:t>
+            </a:r>
+            <a:r>
+              <a:rPr lang="zh-CN" altLang="en-US" dirty="0" smtClean="0"/>
+              <a:t>能</a:t>
+            </a:r>
+            <a:r>
+              <a:rPr lang="zh-CN" altLang="en-US" dirty="0"/>
+              <a:t>进能出</a:t>
+            </a:r>
+            <a:r>
+              <a:rPr lang="mr-IN" altLang="zh-CN" b="1" dirty="0" smtClean="0">
                 <a:latin typeface="Roboto" charset="0"/>
               </a:rPr>
               <a:t>)</a:t>
@@ -5305,8 +6174,8 @@
         </p:nvSpPr>
         <p:spPr>
           <a:xfrm>
-            <a:off x="4872720" y="401122"/>
-            <a:ext cx="2441694" cy="769441"/>
+            <a:off x="4572684" y="243952"/>
+            <a:ext cx="3005951" cy="769441"/>
           </a:xfrm>
           <a:prstGeom prst="rect">
             <a:avLst/>
@@ -5319,236 +6188,22 @@
           <a:lstStyle/>
           <a:p>
             <a:r>
-              <a:rPr lang="zh-CN" altLang="en-US" sz="4400">
-                <a:latin typeface="Roboto" charset="0"/>
-              </a:rPr>
-              <a:t>模板</a:t>
-            </a:r>
-            <a:r>
-              <a:rPr lang="zh-CN" altLang="en-US" sz="4400" smtClean="0">
-                <a:latin typeface="Roboto" charset="0"/>
-              </a:rPr>
-              <a:t>语法</a:t>
-            </a:r>
-            <a:endParaRPr lang="zh-CN" altLang="en-US" sz="4400">
-              <a:latin typeface="Roboto" charset="0"/>
-            </a:endParaRPr>
-          </a:p>
-        </p:txBody>
-      </p:sp>
-      <p:sp>
-        <p:nvSpPr>
-          <p:cNvPr id="4" name="矩形 3"/>
-          <p:cNvSpPr/>
-          <p:nvPr/>
-        </p:nvSpPr>
-        <p:spPr>
-          <a:xfrm>
-            <a:off x="1961217" y="1344096"/>
-            <a:ext cx="4132350" cy="369332"/>
-          </a:xfrm>
-          <a:prstGeom prst="rect">
-            <a:avLst/>
-          </a:prstGeom>
-        </p:spPr>
-        <p:txBody>
-          <a:bodyPr wrap="none">
-            <a:spAutoFit/>
-          </a:bodyPr>
-          <a:lstStyle/>
-          <a:p>
-            <a:r>
-              <a:rPr lang="en-US" altLang="zh-CN">
-                <a:solidFill>
-                  <a:srgbClr val="1976D2"/>
-                </a:solidFill>
-                <a:latin typeface="Roboto" charset="0"/>
-              </a:rPr>
-              <a:t>HTML attribute </a:t>
-            </a:r>
-            <a:r>
-              <a:rPr lang="zh-CN" altLang="en-US" dirty="0">
-                <a:solidFill>
-                  <a:srgbClr val="1976D2"/>
-                </a:solidFill>
-                <a:latin typeface="Roboto" charset="0"/>
-              </a:rPr>
-              <a:t>与 </a:t>
-            </a:r>
-            <a:r>
-              <a:rPr lang="en-US" altLang="zh-CN" dirty="0">
-                <a:solidFill>
-                  <a:srgbClr val="1976D2"/>
-                </a:solidFill>
-                <a:latin typeface="Roboto" charset="0"/>
-              </a:rPr>
-              <a:t>DOM property </a:t>
-            </a:r>
-            <a:r>
-              <a:rPr lang="zh-CN" altLang="en-US" dirty="0">
-                <a:solidFill>
-                  <a:srgbClr val="1976D2"/>
-                </a:solidFill>
-                <a:latin typeface="Roboto" charset="0"/>
-              </a:rPr>
-              <a:t>的对比</a:t>
-            </a:r>
-            <a:endParaRPr lang="zh-CN" altLang="en-US" b="0" i="0" dirty="0">
-              <a:solidFill>
-                <a:srgbClr val="1976D2"/>
-              </a:solidFill>
+              <a:rPr lang="zh-CN" altLang="en-US" sz="4400" dirty="0" smtClean="0">
+                <a:latin typeface="Roboto" charset="0"/>
+              </a:rPr>
+              <a:t>自定义元素</a:t>
+            </a:r>
+            <a:endParaRPr lang="zh-CN" altLang="en-US" sz="4400" b="0" i="0" dirty="0">
               <a:effectLst/>
               <a:latin typeface="Roboto" charset="0"/>
             </a:endParaRPr>
           </a:p>
         </p:txBody>
       </p:sp>
-      <p:sp>
-        <p:nvSpPr>
-          <p:cNvPr id="3" name="矩形 2"/>
-          <p:cNvSpPr/>
-          <p:nvPr/>
-        </p:nvSpPr>
-        <p:spPr>
-          <a:xfrm>
-            <a:off x="1961217" y="1886961"/>
-            <a:ext cx="9625946" cy="646331"/>
-          </a:xfrm>
-          <a:prstGeom prst="rect">
-            <a:avLst/>
-          </a:prstGeom>
-        </p:spPr>
-        <p:txBody>
-          <a:bodyPr wrap="square">
-            <a:spAutoFit/>
-          </a:bodyPr>
-          <a:lstStyle/>
-          <a:p>
-            <a:r>
-              <a:rPr lang="en-US" altLang="zh-CN" dirty="0">
-                <a:solidFill>
-                  <a:srgbClr val="333333"/>
-                </a:solidFill>
-                <a:latin typeface="Roboto" charset="0"/>
-              </a:rPr>
-              <a:t>attribute </a:t>
-            </a:r>
-            <a:r>
-              <a:rPr lang="zh-CN" altLang="en-US" b="1" dirty="0">
-                <a:solidFill>
-                  <a:srgbClr val="333333"/>
-                </a:solidFill>
-                <a:latin typeface="Roboto" charset="0"/>
-              </a:rPr>
-              <a:t>初始化</a:t>
-            </a:r>
-            <a:r>
-              <a:rPr lang="zh-CN" altLang="en-US" dirty="0">
-                <a:solidFill>
-                  <a:srgbClr val="333333"/>
-                </a:solidFill>
-                <a:latin typeface="Roboto" charset="0"/>
-              </a:rPr>
-              <a:t> </a:t>
-            </a:r>
-            <a:r>
-              <a:rPr lang="en-US" altLang="zh-CN" dirty="0">
-                <a:solidFill>
-                  <a:srgbClr val="333333"/>
-                </a:solidFill>
-                <a:latin typeface="Roboto" charset="0"/>
-              </a:rPr>
-              <a:t>DOM property</a:t>
-            </a:r>
-            <a:r>
-              <a:rPr lang="zh-CN" altLang="en-US" dirty="0">
-                <a:solidFill>
-                  <a:srgbClr val="333333"/>
-                </a:solidFill>
-                <a:latin typeface="Roboto" charset="0"/>
-              </a:rPr>
-              <a:t>，然后它们的任务就完成了。</a:t>
-            </a:r>
-            <a:r>
-              <a:rPr lang="en-US" altLang="zh-CN" dirty="0">
-                <a:solidFill>
-                  <a:srgbClr val="333333"/>
-                </a:solidFill>
-                <a:latin typeface="Roboto" charset="0"/>
-              </a:rPr>
-              <a:t>property </a:t>
-            </a:r>
-            <a:r>
-              <a:rPr lang="zh-CN" altLang="en-US" dirty="0">
-                <a:solidFill>
-                  <a:srgbClr val="333333"/>
-                </a:solidFill>
-                <a:latin typeface="Roboto" charset="0"/>
-              </a:rPr>
-              <a:t>的值可以改变；</a:t>
-            </a:r>
-            <a:r>
-              <a:rPr lang="en-US" altLang="zh-CN" dirty="0">
-                <a:solidFill>
-                  <a:srgbClr val="333333"/>
-                </a:solidFill>
-                <a:latin typeface="Roboto" charset="0"/>
-              </a:rPr>
-              <a:t>attribute </a:t>
-            </a:r>
-            <a:r>
-              <a:rPr lang="zh-CN" altLang="en-US" dirty="0">
-                <a:solidFill>
-                  <a:srgbClr val="333333"/>
-                </a:solidFill>
-                <a:latin typeface="Roboto" charset="0"/>
-              </a:rPr>
-              <a:t>的值不能改变</a:t>
-            </a:r>
-            <a:r>
-              <a:rPr lang="zh-CN" altLang="en-US" dirty="0" smtClean="0">
-                <a:solidFill>
-                  <a:srgbClr val="333333"/>
-                </a:solidFill>
-                <a:latin typeface="Roboto" charset="0"/>
-              </a:rPr>
-              <a:t>。</a:t>
-            </a:r>
-            <a:r>
-              <a:rPr lang="zh-CN" altLang="en-US" dirty="0"/>
-              <a:t>模板绑定是通过 </a:t>
-            </a:r>
-            <a:r>
-              <a:rPr lang="en-US" altLang="zh-CN" b="1" dirty="0"/>
-              <a:t>property</a:t>
-            </a:r>
-            <a:r>
-              <a:rPr lang="zh-CN" altLang="en-US" dirty="0"/>
-              <a:t> 和</a:t>
-            </a:r>
-            <a:r>
-              <a:rPr lang="zh-CN" altLang="en-US" b="1" dirty="0"/>
-              <a:t>事件</a:t>
-            </a:r>
-            <a:r>
-              <a:rPr lang="zh-CN" altLang="en-US" dirty="0"/>
-              <a:t>来工作的，而不是 </a:t>
-            </a:r>
-            <a:r>
-              <a:rPr lang="en-US" altLang="zh-CN" b="1" dirty="0"/>
-              <a:t>attribute</a:t>
-            </a:r>
-            <a:r>
-              <a:rPr lang="zh-CN" altLang="en-US" dirty="0"/>
-              <a:t>。</a:t>
-            </a:r>
-          </a:p>
-        </p:txBody>
-      </p:sp>
     </p:spTree>
     <p:extLst>
       <p:ext uri="{BB962C8B-B14F-4D97-AF65-F5344CB8AC3E}">
-        <p14:creationId xmlns:p14="http://schemas.microsoft.com/office/powerpoint/2010/main" val="421270790"/>
+        <p14:creationId xmlns:p14="http://schemas.microsoft.com/office/powerpoint/2010/main" val="1049291391"/>
       </p:ext>
     </p:extLst>
   </p:cSld>
@@ -5577,77 +6232,256 @@
       </p:grpSpPr>
       <p:sp>
         <p:nvSpPr>
-          <p:cNvPr id="7" name="AutoShape 2" descr="https://wx2.qq.com/cgi-bin/mmwebwx-bin/webwxgetmsgimg?&amp;MsgID=3143122728154941177&amp;skey=%40crypt_37a45a30_a1f760e2ba102232eee5cec6e1ee7648"/>
-          <p:cNvSpPr>
-            <a:spLocks noChangeAspect="1" noChangeArrowheads="1"/>
-          </p:cNvSpPr>
+          <p:cNvPr id="2" name="矩形 1"/>
+          <p:cNvSpPr/>
           <p:nvPr/>
         </p:nvSpPr>
-        <p:spPr bwMode="auto">
-          <a:xfrm>
-            <a:off x="0" y="0"/>
-            <a:ext cx="3900488" cy="3900488"/>
+        <p:spPr>
+          <a:xfrm>
+            <a:off x="4872720" y="401122"/>
+            <a:ext cx="2441694" cy="769441"/>
           </a:xfrm>
           <a:prstGeom prst="rect">
             <a:avLst/>
           </a:prstGeom>
-          <a:noFill/>
-          <a:extLst>
-            <a:ext uri="{909E8E84-426E-40DD-AFC4-6F175D3DCCD1}">
-              <a14:hiddenFill xmlns:a14="http://schemas.microsoft.com/office/drawing/2010/main">
-                <a:solidFill>
-                  <a:srgbClr val="FFFFFF"/>
-                </a:solidFill>
-              </a14:hiddenFill>
-            </a:ext>
-          </a:extLst>
-        </p:spPr>
-        <p:txBody>
-          <a:bodyPr vert="horz" wrap="square" lIns="91440" tIns="45720" rIns="91440" bIns="45720" numCol="1" anchor="t" anchorCtr="0" compatLnSpc="1">
-            <a:prstTxWarp prst="textNoShape">
-              <a:avLst/>
-            </a:prstTxWarp>
+        </p:spPr>
+        <p:txBody>
+          <a:bodyPr wrap="none">
+            <a:spAutoFit/>
           </a:bodyPr>
           <a:lstStyle/>
           <a:p>
-            <a:endParaRPr lang="zh-CN" altLang="en-US"/>
-          </a:p>
-        </p:txBody>
-      </p:sp>
-      <p:pic>
-        <p:nvPicPr>
-          <p:cNvPr id="10" name="图片 9"/>
-          <p:cNvPicPr>
-            <a:picLocks noChangeAspect="1"/>
-          </p:cNvPicPr>
+            <a:r>
+              <a:rPr lang="zh-CN" altLang="en-US" sz="4400">
+                <a:latin typeface="Roboto" charset="0"/>
+              </a:rPr>
+              <a:t>模板</a:t>
+            </a:r>
+            <a:r>
+              <a:rPr lang="zh-CN" altLang="en-US" sz="4400" smtClean="0">
+                <a:latin typeface="Roboto" charset="0"/>
+              </a:rPr>
+              <a:t>语法</a:t>
+            </a:r>
+            <a:endParaRPr lang="zh-CN" altLang="en-US" sz="4400">
+              <a:latin typeface="Roboto" charset="0"/>
+            </a:endParaRPr>
+          </a:p>
+        </p:txBody>
+      </p:sp>
+      <p:sp>
+        <p:nvSpPr>
+          <p:cNvPr id="4" name="矩形 3"/>
+          <p:cNvSpPr/>
           <p:nvPr/>
-        </p:nvPicPr>
-        <p:blipFill>
-          <a:blip r:embed="rId2">
-            <a:extLst>
-              <a:ext uri="{28A0092B-C50C-407E-A947-70E740481C1C}">
-                <a14:useLocalDpi xmlns:a14="http://schemas.microsoft.com/office/drawing/2010/main" val="0"/>
-              </a:ext>
-            </a:extLst>
-          </a:blip>
-          <a:stretch>
-            <a:fillRect/>
-          </a:stretch>
-        </p:blipFill>
-        <p:spPr>
-          <a:xfrm>
-            <a:off x="800101" y="559276"/>
-            <a:ext cx="10448558" cy="5884387"/>
+        </p:nvSpPr>
+        <p:spPr>
+          <a:xfrm>
+            <a:off x="1961217" y="1344096"/>
+            <a:ext cx="4132350" cy="369332"/>
           </a:xfrm>
           <a:prstGeom prst="rect">
             <a:avLst/>
           </a:prstGeom>
         </p:spPr>
-      </p:pic>
+        <p:txBody>
+          <a:bodyPr wrap="none">
+            <a:spAutoFit/>
+          </a:bodyPr>
+          <a:lstStyle/>
+          <a:p>
+            <a:r>
+              <a:rPr lang="en-US" altLang="zh-CN">
+                <a:solidFill>
+                  <a:srgbClr val="1976D2"/>
+                </a:solidFill>
+                <a:latin typeface="Roboto" charset="0"/>
+              </a:rPr>
+              <a:t>HTML attribute </a:t>
+            </a:r>
+            <a:r>
+              <a:rPr lang="zh-CN" altLang="en-US" dirty="0">
+                <a:solidFill>
+                  <a:srgbClr val="1976D2"/>
+                </a:solidFill>
+                <a:latin typeface="Roboto" charset="0"/>
+              </a:rPr>
+              <a:t>与 </a:t>
+            </a:r>
+            <a:r>
+              <a:rPr lang="en-US" altLang="zh-CN" dirty="0">
+                <a:solidFill>
+                  <a:srgbClr val="1976D2"/>
+                </a:solidFill>
+                <a:latin typeface="Roboto" charset="0"/>
+              </a:rPr>
+              <a:t>DOM property </a:t>
+            </a:r>
+            <a:r>
+              <a:rPr lang="zh-CN" altLang="en-US" dirty="0">
+                <a:solidFill>
+                  <a:srgbClr val="1976D2"/>
+                </a:solidFill>
+                <a:latin typeface="Roboto" charset="0"/>
+              </a:rPr>
+              <a:t>的对比</a:t>
+            </a:r>
+            <a:endParaRPr lang="zh-CN" altLang="en-US" b="0" i="0" dirty="0">
+              <a:solidFill>
+                <a:srgbClr val="1976D2"/>
+              </a:solidFill>
+              <a:effectLst/>
+              <a:latin typeface="Roboto" charset="0"/>
+            </a:endParaRPr>
+          </a:p>
+        </p:txBody>
+      </p:sp>
+      <p:sp>
+        <p:nvSpPr>
+          <p:cNvPr id="3" name="矩形 2"/>
+          <p:cNvSpPr/>
+          <p:nvPr/>
+        </p:nvSpPr>
+        <p:spPr>
+          <a:xfrm>
+            <a:off x="1961217" y="1886961"/>
+            <a:ext cx="9625946" cy="646331"/>
+          </a:xfrm>
+          <a:prstGeom prst="rect">
+            <a:avLst/>
+          </a:prstGeom>
+        </p:spPr>
+        <p:txBody>
+          <a:bodyPr wrap="square">
+            <a:spAutoFit/>
+          </a:bodyPr>
+          <a:lstStyle/>
+          <a:p>
+            <a:r>
+              <a:rPr lang="en-US" altLang="zh-CN" dirty="0">
+                <a:solidFill>
+                  <a:srgbClr val="333333"/>
+                </a:solidFill>
+                <a:latin typeface="Roboto" charset="0"/>
+              </a:rPr>
+              <a:t>attribute </a:t>
+            </a:r>
+            <a:r>
+              <a:rPr lang="zh-CN" altLang="en-US" b="1" dirty="0">
+                <a:solidFill>
+                  <a:srgbClr val="333333"/>
+                </a:solidFill>
+                <a:latin typeface="Roboto" charset="0"/>
+              </a:rPr>
+              <a:t>初始化</a:t>
+            </a:r>
+            <a:r>
+              <a:rPr lang="zh-CN" altLang="en-US" dirty="0">
+                <a:solidFill>
+                  <a:srgbClr val="333333"/>
+                </a:solidFill>
+                <a:latin typeface="Roboto" charset="0"/>
+              </a:rPr>
+              <a:t> </a:t>
+            </a:r>
+            <a:r>
+              <a:rPr lang="en-US" altLang="zh-CN" dirty="0">
+                <a:solidFill>
+                  <a:srgbClr val="333333"/>
+                </a:solidFill>
+                <a:latin typeface="Roboto" charset="0"/>
+              </a:rPr>
+              <a:t>DOM property</a:t>
+            </a:r>
+            <a:r>
+              <a:rPr lang="zh-CN" altLang="en-US" dirty="0">
+                <a:solidFill>
+                  <a:srgbClr val="333333"/>
+                </a:solidFill>
+                <a:latin typeface="Roboto" charset="0"/>
+              </a:rPr>
+              <a:t>，然后它们的任务就完成了。</a:t>
+            </a:r>
+            <a:r>
+              <a:rPr lang="en-US" altLang="zh-CN" dirty="0">
+                <a:solidFill>
+                  <a:srgbClr val="333333"/>
+                </a:solidFill>
+                <a:latin typeface="Roboto" charset="0"/>
+              </a:rPr>
+              <a:t>property </a:t>
+            </a:r>
+            <a:r>
+              <a:rPr lang="zh-CN" altLang="en-US" dirty="0">
+                <a:solidFill>
+                  <a:srgbClr val="333333"/>
+                </a:solidFill>
+                <a:latin typeface="Roboto" charset="0"/>
+              </a:rPr>
+              <a:t>的值可以改变；</a:t>
+            </a:r>
+            <a:r>
+              <a:rPr lang="en-US" altLang="zh-CN" dirty="0">
+                <a:solidFill>
+                  <a:srgbClr val="333333"/>
+                </a:solidFill>
+                <a:latin typeface="Roboto" charset="0"/>
+              </a:rPr>
+              <a:t>attribute </a:t>
+            </a:r>
+            <a:r>
+              <a:rPr lang="zh-CN" altLang="en-US" dirty="0">
+                <a:solidFill>
+                  <a:srgbClr val="333333"/>
+                </a:solidFill>
+                <a:latin typeface="Roboto" charset="0"/>
+              </a:rPr>
+              <a:t>的值不能改变</a:t>
+            </a:r>
+            <a:r>
+              <a:rPr lang="zh-CN" altLang="en-US" dirty="0" smtClean="0">
+                <a:solidFill>
+                  <a:srgbClr val="333333"/>
+                </a:solidFill>
+                <a:latin typeface="Roboto" charset="0"/>
+              </a:rPr>
+              <a:t>。</a:t>
+            </a:r>
+            <a:r>
+              <a:rPr lang="zh-CN" altLang="en-US" dirty="0"/>
+              <a:t>模板绑定是通过 </a:t>
+            </a:r>
+            <a:r>
+              <a:rPr lang="en-US" altLang="zh-CN" b="1" dirty="0"/>
+              <a:t>property</a:t>
+            </a:r>
+            <a:r>
+              <a:rPr lang="zh-CN" altLang="en-US" dirty="0"/>
+              <a:t> 和</a:t>
+            </a:r>
+            <a:r>
+              <a:rPr lang="zh-CN" altLang="en-US" b="1" dirty="0"/>
+              <a:t>事件</a:t>
+            </a:r>
+            <a:r>
+              <a:rPr lang="zh-CN" altLang="en-US" dirty="0"/>
+              <a:t>来工作的，而不是 </a:t>
+            </a:r>
+            <a:r>
+              <a:rPr lang="en-US" altLang="zh-CN" b="1" dirty="0"/>
+              <a:t>attribute</a:t>
+            </a:r>
+            <a:r>
+              <a:rPr lang="zh-CN" altLang="en-US" dirty="0"/>
+              <a:t>。</a:t>
+            </a:r>
+          </a:p>
+        </p:txBody>
+      </p:sp>
     </p:spTree>
     <p:extLst>
       <p:ext uri="{BB962C8B-B14F-4D97-AF65-F5344CB8AC3E}">
-        <p14:creationId xmlns:p14="http://schemas.microsoft.com/office/powerpoint/2010/main" val="4041576950"/>
+        <p14:creationId xmlns:p14="http://schemas.microsoft.com/office/powerpoint/2010/main" val="421270790"/>
       </p:ext>
     </p:extLst>
   </p:cSld>
@@ -5676,521 +6510,77 @@
       </p:grpSpPr>
       <p:sp>
         <p:nvSpPr>
-          <p:cNvPr id="2" name="矩形 1"/>
-          <p:cNvSpPr/>
+          <p:cNvPr id="7" name="AutoShape 2" descr="https://wx2.qq.com/cgi-bin/mmwebwx-bin/webwxgetmsgimg?&amp;MsgID=3143122728154941177&amp;skey=%40crypt_37a45a30_a1f760e2ba102232eee5cec6e1ee7648"/>
+          <p:cNvSpPr>
+            <a:spLocks noChangeAspect="1" noChangeArrowheads="1"/>
+          </p:cNvSpPr>
           <p:nvPr/>
         </p:nvSpPr>
-        <p:spPr>
-          <a:xfrm>
-            <a:off x="4308463" y="440411"/>
-            <a:ext cx="3570208" cy="769441"/>
+        <p:spPr bwMode="auto">
+          <a:xfrm>
+            <a:off x="0" y="0"/>
+            <a:ext cx="3900488" cy="3900488"/>
           </a:xfrm>
           <a:prstGeom prst="rect">
             <a:avLst/>
           </a:prstGeom>
-        </p:spPr>
-        <p:txBody>
-          <a:bodyPr wrap="none">
-            <a:spAutoFit/>
+          <a:noFill/>
+          <a:extLst>
+            <a:ext uri="{909E8E84-426E-40DD-AFC4-6F175D3DCCD1}">
+              <a14:hiddenFill xmlns:a14="http://schemas.microsoft.com/office/drawing/2010/main">
+                <a:solidFill>
+                  <a:srgbClr val="FFFFFF"/>
+                </a:solidFill>
+              </a14:hiddenFill>
+            </a:ext>
+          </a:extLst>
+        </p:spPr>
+        <p:txBody>
+          <a:bodyPr vert="horz" wrap="square" lIns="91440" tIns="45720" rIns="91440" bIns="45720" numCol="1" anchor="t" anchorCtr="0" compatLnSpc="1">
+            <a:prstTxWarp prst="textNoShape">
+              <a:avLst/>
+            </a:prstTxWarp>
           </a:bodyPr>
           <a:lstStyle/>
           <a:p>
-            <a:r>
-              <a:rPr lang="zh-CN" altLang="en-US" sz="4400" dirty="0" smtClean="0"/>
-              <a:t>生命周期钩子</a:t>
-            </a:r>
-            <a:endParaRPr lang="zh-CN" altLang="en-US" sz="4400" dirty="0"/>
-          </a:p>
-        </p:txBody>
-      </p:sp>
-      <p:sp>
-        <p:nvSpPr>
-          <p:cNvPr id="5" name="矩形 4"/>
-          <p:cNvSpPr/>
+            <a:endParaRPr lang="zh-CN" altLang="en-US"/>
+          </a:p>
+        </p:txBody>
+      </p:sp>
+      <p:pic>
+        <p:nvPicPr>
+          <p:cNvPr id="10" name="图片 9"/>
+          <p:cNvPicPr>
+            <a:picLocks noChangeAspect="1"/>
+          </p:cNvPicPr>
           <p:nvPr/>
-        </p:nvSpPr>
-        <p:spPr>
-          <a:xfrm>
-            <a:off x="1851263" y="1209852"/>
-            <a:ext cx="1005403" cy="369332"/>
+        </p:nvPicPr>
+        <p:blipFill>
+          <a:blip r:embed="rId2">
+            <a:extLst>
+              <a:ext uri="{28A0092B-C50C-407E-A947-70E740481C1C}">
+                <a14:useLocalDpi xmlns:a14="http://schemas.microsoft.com/office/drawing/2010/main" val="0"/>
+              </a:ext>
+            </a:extLst>
+          </a:blip>
+          <a:stretch>
+            <a:fillRect/>
+          </a:stretch>
+        </p:blipFill>
+        <p:spPr>
+          <a:xfrm>
+            <a:off x="800101" y="559276"/>
+            <a:ext cx="10448558" cy="5884387"/>
           </a:xfrm>
           <a:prstGeom prst="rect">
             <a:avLst/>
           </a:prstGeom>
         </p:spPr>
-        <p:txBody>
-          <a:bodyPr wrap="none">
-            <a:spAutoFit/>
-          </a:bodyPr>
-          <a:lstStyle/>
-          <a:p>
-            <a:r>
-              <a:rPr lang="en-US" altLang="zh-CN" b="1" dirty="0" err="1">
-                <a:latin typeface="Roboto" panose="02000000000000000000" pitchFamily="2" charset="0"/>
-              </a:rPr>
-              <a:t>OnInit</a:t>
-            </a:r>
-            <a:r>
-              <a:rPr lang="en-US" altLang="zh-CN" b="1" dirty="0" smtClean="0">
-                <a:latin typeface="Roboto" panose="02000000000000000000" pitchFamily="2" charset="0"/>
-              </a:rPr>
-              <a:t>()</a:t>
-            </a:r>
-            <a:endParaRPr lang="zh-CN" altLang="en-US" b="0" i="0" dirty="0">
-              <a:effectLst/>
-              <a:latin typeface="Roboto" panose="02000000000000000000" pitchFamily="2" charset="0"/>
-            </a:endParaRPr>
-          </a:p>
-        </p:txBody>
-      </p:sp>
-      <p:sp>
-        <p:nvSpPr>
-          <p:cNvPr id="6" name="矩形 5"/>
-          <p:cNvSpPr/>
-          <p:nvPr/>
-        </p:nvSpPr>
-        <p:spPr>
-          <a:xfrm>
-            <a:off x="2551134" y="1690394"/>
-            <a:ext cx="6096000" cy="646331"/>
-          </a:xfrm>
-          <a:prstGeom prst="rect">
-            <a:avLst/>
-          </a:prstGeom>
-        </p:spPr>
-        <p:txBody>
-          <a:bodyPr>
-            <a:spAutoFit/>
-          </a:bodyPr>
-          <a:lstStyle/>
-          <a:p>
-            <a:pPr>
-              <a:buFont typeface="+mj-lt"/>
-              <a:buAutoNum type="arabicPeriod"/>
-            </a:pPr>
-            <a:r>
-              <a:rPr lang="zh-CN" altLang="en-US" dirty="0">
-                <a:latin typeface="Roboto" panose="02000000000000000000" pitchFamily="2" charset="0"/>
-              </a:rPr>
-              <a:t>在构造函数之后马上执行复杂的初始化逻辑</a:t>
-            </a:r>
-          </a:p>
-          <a:p>
-            <a:pPr>
-              <a:buFont typeface="+mj-lt"/>
-              <a:buAutoNum type="arabicPeriod"/>
-            </a:pPr>
-            <a:r>
-              <a:rPr lang="zh-CN" altLang="en-US" dirty="0">
-                <a:latin typeface="Roboto" panose="02000000000000000000" pitchFamily="2" charset="0"/>
-              </a:rPr>
-              <a:t>在 </a:t>
-            </a:r>
-            <a:r>
-              <a:rPr lang="en-US" altLang="zh-CN" dirty="0">
-                <a:latin typeface="Roboto" panose="02000000000000000000" pitchFamily="2" charset="0"/>
-              </a:rPr>
-              <a:t>Angular </a:t>
-            </a:r>
-            <a:r>
-              <a:rPr lang="zh-CN" altLang="en-US" dirty="0">
-                <a:latin typeface="Roboto" panose="02000000000000000000" pitchFamily="2" charset="0"/>
-              </a:rPr>
-              <a:t>设置完输入属性之后，对该组件进行准备。</a:t>
-            </a:r>
-            <a:endParaRPr lang="zh-CN" altLang="en-US" b="0" i="0" dirty="0">
-              <a:effectLst/>
-              <a:latin typeface="Roboto" panose="02000000000000000000" pitchFamily="2" charset="0"/>
-            </a:endParaRPr>
-          </a:p>
-        </p:txBody>
-      </p:sp>
-      <p:sp>
-        <p:nvSpPr>
-          <p:cNvPr id="3" name="矩形 2"/>
-          <p:cNvSpPr/>
-          <p:nvPr/>
-        </p:nvSpPr>
-        <p:spPr>
-          <a:xfrm>
-            <a:off x="1851263" y="2817267"/>
-            <a:ext cx="1418017" cy="369332"/>
-          </a:xfrm>
-          <a:prstGeom prst="rect">
-            <a:avLst/>
-          </a:prstGeom>
-        </p:spPr>
-        <p:txBody>
-          <a:bodyPr wrap="none">
-            <a:spAutoFit/>
-          </a:bodyPr>
-          <a:lstStyle/>
-          <a:p>
-            <a:r>
-              <a:rPr lang="mr-IN" altLang="zh-CN" b="1" dirty="0" err="1">
-                <a:latin typeface="Roboto" charset="0"/>
-              </a:rPr>
-              <a:t>OnDestroy</a:t>
-            </a:r>
-            <a:r>
-              <a:rPr lang="mr-IN" altLang="zh-CN" b="1" dirty="0" smtClean="0">
-                <a:latin typeface="Roboto" charset="0"/>
-              </a:rPr>
-              <a:t>()</a:t>
-            </a:r>
-            <a:endParaRPr lang="mr-IN" altLang="zh-CN" b="0" i="0" dirty="0">
-              <a:effectLst/>
-              <a:latin typeface="Roboto" charset="0"/>
-            </a:endParaRPr>
-          </a:p>
-        </p:txBody>
-      </p:sp>
-      <p:sp>
-        <p:nvSpPr>
-          <p:cNvPr id="4" name="矩形 3"/>
-          <p:cNvSpPr/>
-          <p:nvPr/>
-        </p:nvSpPr>
-        <p:spPr>
-          <a:xfrm>
-            <a:off x="2551134" y="2447935"/>
-            <a:ext cx="3967753" cy="369332"/>
-          </a:xfrm>
-          <a:prstGeom prst="rect">
-            <a:avLst/>
-          </a:prstGeom>
-        </p:spPr>
-        <p:txBody>
-          <a:bodyPr wrap="none">
-            <a:spAutoFit/>
-          </a:bodyPr>
-          <a:lstStyle/>
-          <a:p>
-            <a:r>
-              <a:rPr lang="zh-CN" altLang="en-US" dirty="0" smtClean="0">
-                <a:latin typeface="Roboto" charset="0"/>
-              </a:rPr>
-              <a:t>这里</a:t>
-            </a:r>
-            <a:r>
-              <a:rPr lang="zh-CN" altLang="en-US" dirty="0">
-                <a:latin typeface="Roboto" charset="0"/>
-              </a:rPr>
-              <a:t>是放置复杂</a:t>
-            </a:r>
-            <a:r>
-              <a:rPr lang="zh-CN" altLang="en-US" dirty="0">
-                <a:solidFill>
-                  <a:srgbClr val="FF0000"/>
-                </a:solidFill>
-                <a:latin typeface="Roboto" charset="0"/>
-              </a:rPr>
-              <a:t>初始化逻辑</a:t>
-            </a:r>
-            <a:r>
-              <a:rPr lang="zh-CN" altLang="en-US" dirty="0">
-                <a:latin typeface="Roboto" charset="0"/>
-              </a:rPr>
-              <a:t>的好地方</a:t>
-            </a:r>
-            <a:endParaRPr lang="zh-CN" altLang="en-US" dirty="0"/>
-          </a:p>
-        </p:txBody>
-      </p:sp>
-      <p:sp>
-        <p:nvSpPr>
-          <p:cNvPr id="7" name="矩形 6"/>
-          <p:cNvSpPr/>
-          <p:nvPr/>
-        </p:nvSpPr>
-        <p:spPr>
-          <a:xfrm>
-            <a:off x="2662237" y="3409019"/>
-            <a:ext cx="9196388" cy="369332"/>
-          </a:xfrm>
-          <a:prstGeom prst="rect">
-            <a:avLst/>
-          </a:prstGeom>
-        </p:spPr>
-        <p:txBody>
-          <a:bodyPr wrap="square">
-            <a:spAutoFit/>
-          </a:bodyPr>
-          <a:lstStyle/>
-          <a:p>
-            <a:r>
-              <a:rPr lang="zh-CN" altLang="en-US" dirty="0">
-                <a:latin typeface="Roboto" charset="0"/>
-              </a:rPr>
-              <a:t>一些清理逻辑</a:t>
-            </a:r>
-            <a:r>
-              <a:rPr lang="zh-CN" altLang="en-US" b="1" dirty="0">
-                <a:latin typeface="Roboto" charset="0"/>
-              </a:rPr>
-              <a:t>必须</a:t>
-            </a:r>
-            <a:r>
-              <a:rPr lang="zh-CN" altLang="en-US" dirty="0">
-                <a:latin typeface="Roboto" charset="0"/>
-              </a:rPr>
-              <a:t>在 </a:t>
-            </a:r>
-            <a:r>
-              <a:rPr lang="en-US" altLang="zh-CN" dirty="0">
-                <a:latin typeface="Roboto" charset="0"/>
-              </a:rPr>
-              <a:t>Angular </a:t>
-            </a:r>
-            <a:r>
-              <a:rPr lang="zh-CN" altLang="en-US" dirty="0">
-                <a:latin typeface="Roboto" charset="0"/>
-              </a:rPr>
-              <a:t>销毁指令之前运行，把它们放在 </a:t>
-            </a:r>
-            <a:r>
-              <a:rPr lang="en-US" altLang="zh-CN" dirty="0" err="1"/>
-              <a:t>ngOnDestroy</a:t>
-            </a:r>
-            <a:r>
-              <a:rPr lang="en-US" altLang="zh-CN" dirty="0"/>
-              <a:t>()</a:t>
-            </a:r>
-            <a:r>
-              <a:rPr lang="zh-CN" altLang="en-US" dirty="0">
-                <a:latin typeface="Roboto" charset="0"/>
-              </a:rPr>
-              <a:t> 中。</a:t>
-            </a:r>
-            <a:endParaRPr lang="zh-CN" altLang="en-US" dirty="0"/>
-          </a:p>
-        </p:txBody>
-      </p:sp>
-      <p:sp>
-        <p:nvSpPr>
-          <p:cNvPr id="8" name="矩形 7"/>
-          <p:cNvSpPr/>
-          <p:nvPr/>
-        </p:nvSpPr>
-        <p:spPr>
-          <a:xfrm>
-            <a:off x="1898103" y="4240016"/>
-            <a:ext cx="1608133" cy="369332"/>
-          </a:xfrm>
-          <a:prstGeom prst="rect">
-            <a:avLst/>
-          </a:prstGeom>
-        </p:spPr>
-        <p:txBody>
-          <a:bodyPr wrap="none">
-            <a:spAutoFit/>
-          </a:bodyPr>
-          <a:lstStyle/>
-          <a:p>
-            <a:r>
-              <a:rPr lang="mr-IN" altLang="zh-CN" b="1" dirty="0" err="1">
-                <a:latin typeface="Roboto" charset="0"/>
-              </a:rPr>
-              <a:t>OnChanges</a:t>
-            </a:r>
-            <a:r>
-              <a:rPr lang="mr-IN" altLang="zh-CN" b="1" dirty="0">
-                <a:latin typeface="Roboto" charset="0"/>
-              </a:rPr>
-              <a:t>()</a:t>
-            </a:r>
-            <a:r>
-              <a:rPr lang="mr-IN" altLang="zh-CN" dirty="0">
-                <a:latin typeface="Roboto" charset="0"/>
-              </a:rPr>
-              <a:t> </a:t>
-            </a:r>
-            <a:endParaRPr lang="mr-IN" altLang="zh-CN" b="0" i="0" dirty="0">
-              <a:effectLst/>
-              <a:latin typeface="Roboto" charset="0"/>
-            </a:endParaRPr>
-          </a:p>
-        </p:txBody>
-      </p:sp>
-      <p:sp>
-        <p:nvSpPr>
-          <p:cNvPr id="9" name="矩形 8"/>
-          <p:cNvSpPr/>
-          <p:nvPr/>
-        </p:nvSpPr>
-        <p:spPr>
-          <a:xfrm>
-            <a:off x="2551134" y="4647102"/>
-            <a:ext cx="9507516" cy="646331"/>
-          </a:xfrm>
-          <a:prstGeom prst="rect">
-            <a:avLst/>
-          </a:prstGeom>
-        </p:spPr>
-        <p:txBody>
-          <a:bodyPr wrap="square">
-            <a:spAutoFit/>
-          </a:bodyPr>
-          <a:lstStyle/>
-          <a:p>
-            <a:r>
-              <a:rPr lang="zh-CN" altLang="en-US" dirty="0">
-                <a:latin typeface="Roboto" charset="0"/>
-              </a:rPr>
-              <a:t>一旦检测到该组件</a:t>
-            </a:r>
-            <a:r>
-              <a:rPr lang="en-US" altLang="zh-CN" dirty="0">
-                <a:latin typeface="Roboto" charset="0"/>
-              </a:rPr>
-              <a:t>(</a:t>
-            </a:r>
-            <a:r>
-              <a:rPr lang="zh-CN" altLang="en-US" dirty="0">
-                <a:latin typeface="Roboto" charset="0"/>
-              </a:rPr>
-              <a:t>或指令</a:t>
-            </a:r>
-            <a:r>
-              <a:rPr lang="en-US" altLang="zh-CN" dirty="0">
-                <a:latin typeface="Roboto" charset="0"/>
-              </a:rPr>
-              <a:t>)</a:t>
-            </a:r>
-            <a:r>
-              <a:rPr lang="zh-CN" altLang="en-US" dirty="0">
-                <a:latin typeface="Roboto" charset="0"/>
-              </a:rPr>
-              <a:t>的</a:t>
-            </a:r>
-            <a:r>
-              <a:rPr lang="zh-CN" altLang="en-US" b="1" dirty="0">
-                <a:solidFill>
-                  <a:srgbClr val="FF0000"/>
-                </a:solidFill>
-                <a:latin typeface="Roboto" charset="0"/>
-              </a:rPr>
-              <a:t>输入属性</a:t>
-            </a:r>
-            <a:r>
-              <a:rPr lang="zh-CN" altLang="en-US" dirty="0">
-                <a:latin typeface="Roboto" charset="0"/>
-              </a:rPr>
-              <a:t>发生了变化，</a:t>
-            </a:r>
-            <a:r>
-              <a:rPr lang="en-US" altLang="zh-CN" dirty="0">
-                <a:latin typeface="Roboto" charset="0"/>
-              </a:rPr>
-              <a:t>Angular </a:t>
-            </a:r>
-            <a:r>
-              <a:rPr lang="zh-CN" altLang="en-US" dirty="0">
-                <a:latin typeface="Roboto" charset="0"/>
-              </a:rPr>
-              <a:t>就会调用它的 </a:t>
-            </a:r>
-            <a:r>
-              <a:rPr lang="en-US" altLang="zh-CN" dirty="0" err="1"/>
-              <a:t>ngOnChanges</a:t>
-            </a:r>
-            <a:r>
-              <a:rPr lang="en-US" altLang="zh-CN" dirty="0"/>
-              <a:t>()</a:t>
-            </a:r>
-            <a:r>
-              <a:rPr lang="zh-CN" altLang="en-US" dirty="0">
-                <a:latin typeface="Roboto" charset="0"/>
-              </a:rPr>
-              <a:t> 方法。</a:t>
-            </a:r>
-            <a:endParaRPr lang="zh-CN" altLang="en-US" dirty="0"/>
-          </a:p>
-        </p:txBody>
-      </p:sp>
-      <p:sp>
-        <p:nvSpPr>
-          <p:cNvPr id="10" name="矩形 9"/>
-          <p:cNvSpPr/>
-          <p:nvPr/>
-        </p:nvSpPr>
-        <p:spPr>
-          <a:xfrm>
-            <a:off x="2506673" y="5478099"/>
-            <a:ext cx="9507516" cy="646331"/>
-          </a:xfrm>
-          <a:prstGeom prst="rect">
-            <a:avLst/>
-          </a:prstGeom>
-        </p:spPr>
-        <p:txBody>
-          <a:bodyPr wrap="square">
-            <a:spAutoFit/>
-          </a:bodyPr>
-          <a:lstStyle/>
-          <a:p>
-            <a:r>
-              <a:rPr lang="zh-CN" altLang="en-US" dirty="0" smtClean="0">
-                <a:latin typeface="Roboto" charset="0"/>
-              </a:rPr>
-              <a:t>如果输入属性是对象</a:t>
-            </a:r>
-            <a:r>
-              <a:rPr lang="en-US" altLang="zh-CN" dirty="0" smtClean="0">
-                <a:latin typeface="Roboto" charset="0"/>
-              </a:rPr>
-              <a:t>hero</a:t>
-            </a:r>
-            <a:r>
-              <a:rPr lang="zh-CN" altLang="en-US" dirty="0" smtClean="0">
-                <a:latin typeface="Roboto" charset="0"/>
-              </a:rPr>
-              <a:t>，当他的值</a:t>
-            </a:r>
-            <a:r>
-              <a:rPr lang="en-US" altLang="zh-CN" dirty="0" err="1" smtClean="0">
-                <a:latin typeface="Roboto" charset="0"/>
-              </a:rPr>
-              <a:t>hero.name</a:t>
-            </a:r>
-            <a:r>
-              <a:rPr lang="zh-CN" altLang="en-US" dirty="0" smtClean="0">
-                <a:latin typeface="Roboto" charset="0"/>
-              </a:rPr>
-              <a:t>发生变化时，不会被</a:t>
-            </a:r>
-            <a:r>
-              <a:rPr lang="en-US" altLang="zh-CN" dirty="0" err="1" smtClean="0">
-                <a:latin typeface="Roboto" charset="0"/>
-              </a:rPr>
-              <a:t>OnChanges</a:t>
-            </a:r>
-            <a:r>
-              <a:rPr lang="zh-CN" altLang="en-US" dirty="0" smtClean="0">
-                <a:latin typeface="Roboto" charset="0"/>
-              </a:rPr>
-              <a:t>捕捉到，因为</a:t>
-            </a:r>
-            <a:r>
-              <a:rPr lang="en-US" altLang="zh-CN" dirty="0" smtClean="0">
-                <a:latin typeface="Roboto" charset="0"/>
-              </a:rPr>
-              <a:t>hero</a:t>
-            </a:r>
-            <a:r>
-              <a:rPr lang="zh-CN" altLang="en-US" dirty="0" smtClean="0">
-                <a:latin typeface="Roboto" charset="0"/>
-              </a:rPr>
-              <a:t>的引用没有变化</a:t>
-            </a:r>
-            <a:endParaRPr lang="zh-CN" altLang="en-US" dirty="0"/>
-          </a:p>
-        </p:txBody>
-      </p:sp>
+      </p:pic>
     </p:spTree>
     <p:extLst>
       <p:ext uri="{BB962C8B-B14F-4D97-AF65-F5344CB8AC3E}">
-        <p14:creationId xmlns:p14="http://schemas.microsoft.com/office/powerpoint/2010/main" val="1912361220"/>
+        <p14:creationId xmlns:p14="http://schemas.microsoft.com/office/powerpoint/2010/main" val="4041576950"/>
       </p:ext>
     </p:extLst>
   </p:cSld>
@@ -6219,14 +6609,43 @@
       </p:grpSpPr>
       <p:sp>
         <p:nvSpPr>
+          <p:cNvPr id="2" name="矩形 1"/>
+          <p:cNvSpPr/>
+          <p:nvPr/>
+        </p:nvSpPr>
+        <p:spPr>
+          <a:xfrm>
+            <a:off x="4308463" y="440411"/>
+            <a:ext cx="3570208" cy="769441"/>
+          </a:xfrm>
+          <a:prstGeom prst="rect">
+            <a:avLst/>
+          </a:prstGeom>
+        </p:spPr>
+        <p:txBody>
+          <a:bodyPr wrap="none">
+            <a:spAutoFit/>
+          </a:bodyPr>
+          <a:lstStyle/>
+          <a:p>
+            <a:r>
+              <a:rPr lang="zh-CN" altLang="en-US" sz="4400" dirty="0" smtClean="0"/>
+              <a:t>生命周期钩子</a:t>
+            </a:r>
+            <a:endParaRPr lang="zh-CN" altLang="en-US" sz="4400" dirty="0"/>
+          </a:p>
+        </p:txBody>
+      </p:sp>
+      <p:sp>
+        <p:nvSpPr>
           <p:cNvPr id="5" name="矩形 4"/>
           <p:cNvSpPr/>
           <p:nvPr/>
         </p:nvSpPr>
         <p:spPr>
           <a:xfrm>
-            <a:off x="1851263" y="238295"/>
-            <a:ext cx="1181734" cy="369332"/>
+            <a:off x="1851263" y="1209852"/>
+            <a:ext cx="1005403" cy="369332"/>
           </a:xfrm>
           <a:prstGeom prst="rect">
             <a:avLst/>
@@ -6239,14 +6658,83 @@
           <a:lstStyle/>
           <a:p>
             <a:r>
-              <a:rPr lang="mr-IN" altLang="zh-CN" b="1" dirty="0" err="1"/>
-              <a:t>DoCheck</a:t>
-            </a:r>
-            <a:r>
-              <a:rPr lang="mr-IN" altLang="zh-CN" b="1" dirty="0" smtClean="0"/>
+              <a:rPr lang="en-US" altLang="zh-CN" b="1" dirty="0" err="1">
+                <a:latin typeface="Roboto" panose="02000000000000000000" pitchFamily="2" charset="0"/>
+              </a:rPr>
+              <a:t>OnInit</a:t>
+            </a:r>
+            <a:r>
+              <a:rPr lang="en-US" altLang="zh-CN" b="1" dirty="0" smtClean="0">
+                <a:latin typeface="Roboto" panose="02000000000000000000" pitchFamily="2" charset="0"/>
+              </a:rPr>
               <a:t>()</a:t>
             </a:r>
-            <a:endParaRPr lang="mr-IN" altLang="zh-CN" dirty="0"/>
+            <a:endParaRPr lang="zh-CN" altLang="en-US" b="0" i="0" dirty="0">
+              <a:effectLst/>
+              <a:latin typeface="Roboto" panose="02000000000000000000" pitchFamily="2" charset="0"/>
+            </a:endParaRPr>
+          </a:p>
+        </p:txBody>
+      </p:sp>
+      <p:sp>
+        <p:nvSpPr>
+          <p:cNvPr id="6" name="矩形 5"/>
+          <p:cNvSpPr/>
+          <p:nvPr/>
+        </p:nvSpPr>
+        <p:spPr>
+          <a:xfrm>
+            <a:off x="2551134" y="1690394"/>
+            <a:ext cx="6096000" cy="646331"/>
+          </a:xfrm>
+          <a:prstGeom prst="rect">
+            <a:avLst/>
+          </a:prstGeom>
+        </p:spPr>
+        <p:txBody>
+          <a:bodyPr>
+            <a:spAutoFit/>
+          </a:bodyPr>
+          <a:lstStyle/>
+          <a:p>
+            <a:pPr>
+              <a:buFont typeface="+mj-lt"/>
+              <a:buAutoNum type="arabicPeriod"/>
+            </a:pPr>
+            <a:r>
+              <a:rPr lang="zh-CN" altLang="en-US" dirty="0">
+                <a:latin typeface="Roboto" panose="02000000000000000000" pitchFamily="2" charset="0"/>
+              </a:rPr>
+              <a:t>在构造函数之后马上执行复杂的初始化逻辑</a:t>
+            </a:r>
+          </a:p>
+          <a:p>
+            <a:pPr>
+              <a:buFont typeface="+mj-lt"/>
+              <a:buAutoNum type="arabicPeriod"/>
+            </a:pPr>
+            <a:r>
+              <a:rPr lang="zh-CN" altLang="en-US" dirty="0">
+                <a:latin typeface="Roboto" panose="02000000000000000000" pitchFamily="2" charset="0"/>
+              </a:rPr>
+              <a:t>在 </a:t>
+            </a:r>
+            <a:r>
+              <a:rPr lang="en-US" altLang="zh-CN" dirty="0">
+                <a:latin typeface="Roboto" panose="02000000000000000000" pitchFamily="2" charset="0"/>
+              </a:rPr>
+              <a:t>Angular </a:t>
+            </a:r>
+            <a:r>
+              <a:rPr lang="zh-CN" altLang="en-US" dirty="0">
+                <a:latin typeface="Roboto" panose="02000000000000000000" pitchFamily="2" charset="0"/>
+              </a:rPr>
+              <a:t>设置完输入属性之后，对该组件进行准备。</a:t>
+            </a:r>
+            <a:endParaRPr lang="zh-CN" altLang="en-US" b="0" i="0" dirty="0">
+              <a:effectLst/>
+              <a:latin typeface="Roboto" panose="02000000000000000000" pitchFamily="2" charset="0"/>
+            </a:endParaRPr>
           </a:p>
         </p:txBody>
       </p:sp>
@@ -6258,8 +6746,8 @@
         </p:nvSpPr>
         <p:spPr>
           <a:xfrm>
-            <a:off x="1851263" y="1463331"/>
-            <a:ext cx="1355949" cy="369332"/>
+            <a:off x="1851263" y="2817267"/>
+            <a:ext cx="1418017" cy="369332"/>
           </a:xfrm>
           <a:prstGeom prst="rect">
             <a:avLst/>
@@ -6272,18 +6760,19 @@
           <a:lstStyle/>
           <a:p>
             <a:r>
-              <a:rPr lang="en-US" altLang="zh-CN" b="1" dirty="0" err="1" smtClean="0">
-                <a:latin typeface="Roboto" charset="0"/>
-              </a:rPr>
-              <a:t>AfterView</a:t>
-            </a:r>
-            <a:r>
-              <a:rPr lang="en-US" altLang="zh-CN" dirty="0" smtClean="0">
+              <a:rPr lang="mr-IN" altLang="zh-CN" b="1" dirty="0" err="1">
+                <a:latin typeface="Roboto" charset="0"/>
+              </a:rPr>
+              <a:t>OnDestroy</a:t>
+            </a:r>
+            <a:r>
+              <a:rPr lang="mr-IN" altLang="zh-CN" b="1" dirty="0" smtClean="0">
                 <a:latin typeface="Roboto" charset="0"/>
               </a:rPr>
               <a:t>()</a:t>
             </a:r>
-            <a:endParaRPr lang="en-US" altLang="zh-CN" b="1" dirty="0">
+            <a:endParaRPr lang="mr-IN" altLang="zh-CN" b="0" i="0" dirty="0">
+              <a:effectLst/>
               <a:latin typeface="Roboto" charset="0"/>
             </a:endParaRPr>
           </a:p>
@@ -6297,8 +6786,8 @@
         </p:nvSpPr>
         <p:spPr>
           <a:xfrm>
-            <a:off x="2479695" y="647695"/>
-            <a:ext cx="4326826" cy="369332"/>
+            <a:off x="2551134" y="2447935"/>
+            <a:ext cx="3967753" cy="369332"/>
           </a:xfrm>
           <a:prstGeom prst="rect">
             <a:avLst/>
@@ -6314,25 +6803,97 @@
               <a:rPr lang="zh-CN" altLang="en-US" dirty="0" smtClean="0">
                 <a:latin typeface="Roboto" charset="0"/>
               </a:rPr>
-              <a:t>可以检测到 </a:t>
-            </a:r>
-            <a:r>
-              <a:rPr lang="en-US" altLang="zh-CN" dirty="0" err="1" smtClean="0">
-                <a:latin typeface="Roboto" charset="0"/>
-              </a:rPr>
-              <a:t>hero.name</a:t>
-            </a:r>
-            <a:r>
-              <a:rPr lang="en-US" altLang="zh-CN" dirty="0" smtClean="0">
-                <a:latin typeface="Roboto" charset="0"/>
-              </a:rPr>
-              <a:t> </a:t>
-            </a:r>
-            <a:r>
-              <a:rPr lang="zh-CN" altLang="en-US" dirty="0" smtClean="0">
-                <a:latin typeface="Roboto" charset="0"/>
-              </a:rPr>
-              <a:t>的变化 （见官网）</a:t>
+              <a:t>这里</a:t>
+            </a:r>
+            <a:r>
+              <a:rPr lang="zh-CN" altLang="en-US" dirty="0">
+                <a:latin typeface="Roboto" charset="0"/>
+              </a:rPr>
+              <a:t>是放置复杂</a:t>
+            </a:r>
+            <a:r>
+              <a:rPr lang="zh-CN" altLang="en-US" dirty="0">
+                <a:solidFill>
+                  <a:srgbClr val="FF0000"/>
+                </a:solidFill>
+                <a:latin typeface="Roboto" charset="0"/>
+              </a:rPr>
+              <a:t>初始化逻辑</a:t>
+            </a:r>
+            <a:r>
+              <a:rPr lang="zh-CN" altLang="en-US" dirty="0">
+                <a:latin typeface="Roboto" charset="0"/>
+              </a:rPr>
+              <a:t>的好地方</a:t>
+            </a:r>
+            <a:endParaRPr lang="zh-CN" altLang="en-US" dirty="0"/>
+          </a:p>
+        </p:txBody>
+      </p:sp>
+      <p:sp>
+        <p:nvSpPr>
+          <p:cNvPr id="7" name="矩形 6"/>
+          <p:cNvSpPr/>
+          <p:nvPr/>
+        </p:nvSpPr>
+        <p:spPr>
+          <a:xfrm>
+            <a:off x="2662237" y="3409019"/>
+            <a:ext cx="9196388" cy="369332"/>
+          </a:xfrm>
+          <a:prstGeom prst="rect">
+            <a:avLst/>
+          </a:prstGeom>
+        </p:spPr>
+        <p:txBody>
+          <a:bodyPr wrap="square">
+            <a:spAutoFit/>
+          </a:bodyPr>
+          <a:lstStyle/>
+          <a:p>
+            <a:r>
+              <a:rPr lang="zh-CN" altLang="en-US" dirty="0">
+                <a:latin typeface="Roboto" charset="0"/>
+              </a:rPr>
+              <a:t>一些清理逻辑</a:t>
+            </a:r>
+            <a:r>
+              <a:rPr lang="zh-CN" altLang="en-US" b="1" dirty="0">
+                <a:latin typeface="Roboto" charset="0"/>
+              </a:rPr>
+              <a:t>必须</a:t>
+            </a:r>
+            <a:r>
+              <a:rPr lang="zh-CN" altLang="en-US" dirty="0">
+                <a:latin typeface="Roboto" charset="0"/>
+              </a:rPr>
+              <a:t>在 </a:t>
+            </a:r>
+            <a:r>
+              <a:rPr lang="en-US" altLang="zh-CN" dirty="0">
+                <a:latin typeface="Roboto" charset="0"/>
+              </a:rPr>
+              <a:t>Angular </a:t>
+            </a:r>
+            <a:r>
+              <a:rPr lang="zh-CN" altLang="en-US" dirty="0">
+                <a:latin typeface="Roboto" charset="0"/>
+              </a:rPr>
+              <a:t>销毁指令之前运行，把它们放在 </a:t>
+            </a:r>
+            <a:r>
+              <a:rPr lang="en-US" altLang="zh-CN" dirty="0" err="1"/>
+              <a:t>ngOnDestroy</a:t>
+            </a:r>
+            <a:r>
+              <a:rPr lang="en-US" altLang="zh-CN" dirty="0"/>
+              <a:t>()</a:t>
+            </a:r>
+            <a:r>
+              <a:rPr lang="zh-CN" altLang="en-US" dirty="0">
+                <a:latin typeface="Roboto" charset="0"/>
+              </a:rPr>
+              <a:t> 中。</a:t>
             </a:r>
             <a:endParaRPr lang="zh-CN" altLang="en-US" dirty="0"/>
           </a:p>
@@ -6346,8 +6907,8 @@
         </p:nvSpPr>
         <p:spPr>
           <a:xfrm>
-            <a:off x="2514949" y="2446739"/>
-            <a:ext cx="2262158" cy="369332"/>
+            <a:off x="1898103" y="4240016"/>
+            <a:ext cx="1608133" cy="369332"/>
           </a:xfrm>
           <a:prstGeom prst="rect">
             <a:avLst/>
@@ -6360,61 +6921,46 @@
           <a:lstStyle/>
           <a:p>
             <a:r>
-              <a:rPr lang="zh-CN" altLang="en-US">
-                <a:latin typeface="Roboto" charset="0"/>
-              </a:rPr>
-              <a:t>遵循单向数据流规则</a:t>
-            </a:r>
-          </a:p>
-        </p:txBody>
-      </p:sp>
-      <p:sp>
-        <p:nvSpPr>
-          <p:cNvPr id="11" name="矩形 10"/>
+              <a:rPr lang="mr-IN" altLang="zh-CN" b="1" dirty="0" err="1">
+                <a:latin typeface="Roboto" charset="0"/>
+              </a:rPr>
+              <a:t>OnChanges</a:t>
+            </a:r>
+            <a:r>
+              <a:rPr lang="mr-IN" altLang="zh-CN" b="1" dirty="0">
+                <a:latin typeface="Roboto" charset="0"/>
+              </a:rPr>
+              <a:t>()</a:t>
+            </a:r>
+            <a:r>
+              <a:rPr lang="mr-IN" altLang="zh-CN" dirty="0">
+                <a:latin typeface="Roboto" charset="0"/>
+              </a:rPr>
+              <a:t> </a:t>
+            </a:r>
+            <a:endParaRPr lang="mr-IN" altLang="zh-CN" b="0" i="0" dirty="0">
+              <a:effectLst/>
+              <a:latin typeface="Roboto" charset="0"/>
+            </a:endParaRPr>
+          </a:p>
+        </p:txBody>
+      </p:sp>
+      <p:sp>
+        <p:nvSpPr>
+          <p:cNvPr id="9" name="矩形 8"/>
           <p:cNvSpPr/>
           <p:nvPr/>
         </p:nvSpPr>
         <p:spPr>
           <a:xfrm>
-            <a:off x="2488832" y="1037920"/>
-            <a:ext cx="3166251" cy="369332"/>
+            <a:off x="2551134" y="4647102"/>
+            <a:ext cx="9507516" cy="646331"/>
           </a:xfrm>
           <a:prstGeom prst="rect">
             <a:avLst/>
           </a:prstGeom>
         </p:spPr>
         <p:txBody>
-          <a:bodyPr wrap="none">
-            <a:spAutoFit/>
-          </a:bodyPr>
-          <a:lstStyle/>
-          <a:p>
-            <a:r>
-              <a:rPr lang="zh-CN" altLang="en-US" dirty="0" smtClean="0">
-                <a:latin typeface="Roboto" charset="0"/>
-              </a:rPr>
-              <a:t>出发非常频繁，需要小心使用</a:t>
-            </a:r>
-            <a:endParaRPr lang="zh-CN" altLang="en-US" dirty="0"/>
-          </a:p>
-        </p:txBody>
-      </p:sp>
-      <p:sp>
-        <p:nvSpPr>
-          <p:cNvPr id="14" name="矩形 13"/>
-          <p:cNvSpPr/>
-          <p:nvPr/>
-        </p:nvSpPr>
-        <p:spPr>
-          <a:xfrm>
-            <a:off x="2435235" y="1961652"/>
-            <a:ext cx="9739313" cy="369332"/>
-          </a:xfrm>
-          <a:prstGeom prst="rect">
-            <a:avLst/>
-          </a:prstGeom>
-        </p:spPr>
-        <p:txBody>
           <a:bodyPr wrap="square">
             <a:spAutoFit/>
           </a:bodyPr>
@@ -6424,97 +6970,31 @@
               <a:rPr lang="zh-CN" altLang="en-US" dirty="0">
                 <a:latin typeface="Roboto" charset="0"/>
               </a:rPr>
-              <a:t> </a:t>
+              <a:t>一旦检测到该组件</a:t>
             </a:r>
             <a:r>
               <a:rPr lang="en-US" altLang="zh-CN" dirty="0">
-                <a:hlinkClick r:id="rId2"/>
-              </a:rPr>
-              <a:t>AfterViewInit</a:t>
-            </a:r>
-            <a:r>
-              <a:rPr lang="en-US" altLang="zh-CN" dirty="0"/>
-              <a:t>()</a:t>
-            </a:r>
-            <a:r>
-              <a:rPr lang="zh-CN" altLang="en-US" dirty="0">
-                <a:latin typeface="Roboto" charset="0"/>
-              </a:rPr>
-              <a:t> 和 </a:t>
+                <a:latin typeface="Roboto" charset="0"/>
+              </a:rPr>
+              <a:t>(</a:t>
+            </a:r>
+            <a:r>
+              <a:rPr lang="zh-CN" altLang="en-US" dirty="0">
+                <a:latin typeface="Roboto" charset="0"/>
+              </a:rPr>
+              <a:t>或指令</a:t>
             </a:r>
             <a:r>
               <a:rPr lang="en-US" altLang="zh-CN" dirty="0">
-                <a:hlinkClick r:id="rId3"/>
-              </a:rPr>
-              <a:t>AfterViewChecked</a:t>
-            </a:r>
-            <a:r>
-              <a:rPr lang="en-US" altLang="zh-CN" dirty="0"/>
-              <a:t>()</a:t>
-            </a:r>
-            <a:r>
-              <a:rPr lang="zh-CN" altLang="en-US" dirty="0">
-                <a:latin typeface="Roboto" charset="0"/>
-              </a:rPr>
-              <a:t> 钩子，</a:t>
-            </a:r>
-            <a:r>
-              <a:rPr lang="en-US" altLang="zh-CN" dirty="0">
-                <a:latin typeface="Roboto" charset="0"/>
-              </a:rPr>
-              <a:t>Angular </a:t>
-            </a:r>
-            <a:r>
-              <a:rPr lang="zh-CN" altLang="en-US" dirty="0">
-                <a:latin typeface="Roboto" charset="0"/>
-              </a:rPr>
-              <a:t>会在每次创建了组件的子视图后调用它们</a:t>
-            </a:r>
-            <a:endParaRPr lang="zh-CN" altLang="en-US" dirty="0"/>
-          </a:p>
-        </p:txBody>
-      </p:sp>
-      <p:sp>
-        <p:nvSpPr>
-          <p:cNvPr id="15" name="矩形 14"/>
-          <p:cNvSpPr/>
-          <p:nvPr/>
-        </p:nvSpPr>
-        <p:spPr>
-          <a:xfrm>
-            <a:off x="3207211" y="2888945"/>
-            <a:ext cx="8722851" cy="646331"/>
-          </a:xfrm>
-          <a:prstGeom prst="rect">
-            <a:avLst/>
-          </a:prstGeom>
-        </p:spPr>
-        <p:txBody>
-          <a:bodyPr wrap="square">
-            <a:spAutoFit/>
-          </a:bodyPr>
-          <a:lstStyle/>
-          <a:p>
-            <a:r>
-              <a:rPr lang="en-US" altLang="zh-CN" dirty="0">
-                <a:latin typeface="Roboto" charset="0"/>
-              </a:rPr>
-              <a:t>Angular </a:t>
-            </a:r>
-            <a:r>
-              <a:rPr lang="zh-CN" altLang="en-US" dirty="0">
-                <a:latin typeface="Roboto" charset="0"/>
-              </a:rPr>
-              <a:t>的“单向数据流”规则</a:t>
-            </a:r>
-            <a:r>
-              <a:rPr lang="zh-CN" altLang="en-US" dirty="0">
-                <a:solidFill>
-                  <a:srgbClr val="FF0000"/>
-                </a:solidFill>
-                <a:latin typeface="Roboto" charset="0"/>
-              </a:rPr>
-              <a:t>禁止在一个视图已经被组合好</a:t>
+                <a:latin typeface="Roboto" charset="0"/>
+              </a:rPr>
+              <a:t>)</a:t>
+            </a:r>
+            <a:r>
+              <a:rPr lang="zh-CN" altLang="en-US" dirty="0">
+                <a:latin typeface="Roboto" charset="0"/>
+              </a:rPr>
+              <a:t>的</a:t>
             </a:r>
             <a:r>
               <a:rPr lang="zh-CN" altLang="en-US" b="1" dirty="0">
@@ -6523,22 +7003,39 @@
                 </a:solidFill>
                 <a:latin typeface="Roboto" charset="0"/>
               </a:rPr>
-              <a:t>之后</a:t>
-            </a:r>
-            <a:r>
-              <a:rPr lang="zh-CN" altLang="en-US" dirty="0">
-                <a:solidFill>
-                  <a:srgbClr val="FF0000"/>
-                </a:solidFill>
-                <a:latin typeface="Roboto" charset="0"/>
-              </a:rPr>
-              <a:t>再更新视图</a:t>
-            </a:r>
-            <a:r>
-              <a:rPr lang="zh-CN" altLang="en-US" dirty="0">
-                <a:latin typeface="Roboto" charset="0"/>
-              </a:rPr>
-              <a:t>。 而这两个钩子都是在组件的视图已经被组合好之后触发的。</a:t>
+              <a:t>输入属性</a:t>
+            </a:r>
+            <a:r>
+              <a:rPr lang="zh-CN" altLang="en-US" dirty="0">
+                <a:latin typeface="Roboto" charset="0"/>
+              </a:rPr>
+              <a:t>发生了变化，</a:t>
+            </a:r>
+            <a:r>
+              <a:rPr lang="en-US" altLang="zh-CN" dirty="0">
+                <a:latin typeface="Roboto" charset="0"/>
+              </a:rPr>
+              <a:t>Angular </a:t>
+            </a:r>
+            <a:r>
+              <a:rPr lang="zh-CN" altLang="en-US" dirty="0">
+                <a:latin typeface="Roboto" charset="0"/>
+              </a:rPr>
+              <a:t>就会调用它的 </a:t>
+            </a:r>
+            <a:r>
+              <a:rPr lang="en-US" altLang="zh-CN" dirty="0" err="1"/>
+              <a:t>ngOnChanges</a:t>
+            </a:r>
+            <a:r>
+              <a:rPr lang="en-US" altLang="zh-CN" dirty="0"/>
+              <a:t>()</a:t>
+            </a:r>
+            <a:r>
+              <a:rPr lang="zh-CN" altLang="en-US" dirty="0">
+                <a:latin typeface="Roboto" charset="0"/>
+              </a:rPr>
+              <a:t> 方法。</a:t>
             </a:r>
             <a:endParaRPr lang="zh-CN" altLang="en-US" dirty="0"/>
           </a:p>
@@ -6546,480 +7043,87 @@
       </p:sp>
       <p:sp>
         <p:nvSpPr>
-          <p:cNvPr id="16" name="矩形 15"/>
+          <p:cNvPr id="10" name="矩形 9"/>
           <p:cNvSpPr/>
           <p:nvPr/>
         </p:nvSpPr>
         <p:spPr>
           <a:xfrm>
-            <a:off x="1851263" y="3508137"/>
-            <a:ext cx="1659429" cy="369332"/>
+            <a:off x="2506673" y="5478099"/>
+            <a:ext cx="9507516" cy="646331"/>
           </a:xfrm>
           <a:prstGeom prst="rect">
             <a:avLst/>
           </a:prstGeom>
         </p:spPr>
         <p:txBody>
-          <a:bodyPr wrap="none">
-            <a:spAutoFit/>
-          </a:bodyPr>
-          <a:lstStyle/>
-          <a:p>
-            <a:r>
-              <a:rPr lang="en-US" altLang="zh-CN" b="1" dirty="0" err="1" smtClean="0">
-                <a:latin typeface="Roboto" charset="0"/>
-              </a:rPr>
-              <a:t>AfterContent</a:t>
-            </a:r>
-            <a:r>
-              <a:rPr lang="en-US" altLang="zh-CN" b="1" dirty="0" smtClean="0">
-                <a:latin typeface="Roboto" charset="0"/>
-              </a:rPr>
-              <a:t>()</a:t>
-            </a:r>
-            <a:endParaRPr lang="en-US" altLang="zh-CN" b="1" dirty="0">
-              <a:latin typeface="Roboto" charset="0"/>
-            </a:endParaRPr>
-          </a:p>
-        </p:txBody>
-      </p:sp>
-      <p:sp>
-        <p:nvSpPr>
-          <p:cNvPr id="17" name="矩形 16"/>
-          <p:cNvSpPr/>
-          <p:nvPr/>
-        </p:nvSpPr>
-        <p:spPr>
-          <a:xfrm>
-            <a:off x="2607082" y="3993224"/>
-            <a:ext cx="9322980" cy="369332"/>
-          </a:xfrm>
-          <a:prstGeom prst="rect">
-            <a:avLst/>
-          </a:prstGeom>
-        </p:spPr>
-        <p:txBody>
           <a:bodyPr wrap="square">
             <a:spAutoFit/>
           </a:bodyPr>
           <a:lstStyle/>
           <a:p>
             <a:r>
-              <a:rPr lang="en-US" altLang="zh-CN" dirty="0">
-                <a:hlinkClick r:id="rId4"/>
-              </a:rPr>
-              <a:t>AfterContentInit</a:t>
-            </a:r>
-            <a:r>
-              <a:rPr lang="en-US" altLang="zh-CN" dirty="0"/>
-              <a:t>()</a:t>
-            </a:r>
-            <a:r>
-              <a:rPr lang="zh-CN" altLang="en-US" dirty="0">
-                <a:latin typeface="Roboto" charset="0"/>
-              </a:rPr>
-              <a:t> 和 </a:t>
-            </a:r>
-            <a:r>
-              <a:rPr lang="en-US" altLang="zh-CN" dirty="0">
-                <a:hlinkClick r:id="rId5"/>
-              </a:rPr>
-              <a:t>AfterContentChecked</a:t>
-            </a:r>
-            <a:r>
-              <a:rPr lang="en-US" altLang="zh-CN" dirty="0"/>
-              <a:t>()</a:t>
-            </a:r>
-            <a:r>
-              <a:rPr lang="zh-CN" altLang="en-US" dirty="0">
-                <a:latin typeface="Roboto" charset="0"/>
-              </a:rPr>
-              <a:t> 钩子</a:t>
-            </a:r>
-            <a:r>
               <a:rPr lang="zh-CN" altLang="en-US" dirty="0" smtClean="0">
                 <a:latin typeface="Roboto" charset="0"/>
               </a:rPr>
-              <a:t>，在</a:t>
-            </a:r>
-            <a:r>
-              <a:rPr lang="zh-CN" altLang="en-US" dirty="0">
-                <a:latin typeface="Roboto" charset="0"/>
-              </a:rPr>
-              <a:t>外来内容被投影到组件中</a:t>
-            </a:r>
-            <a:r>
-              <a:rPr lang="zh-CN" altLang="en-US" b="1" dirty="0">
-                <a:latin typeface="Roboto" charset="0"/>
-              </a:rPr>
-              <a:t>之后</a:t>
-            </a:r>
-            <a:r>
-              <a:rPr lang="zh-CN" altLang="en-US" dirty="0">
-                <a:latin typeface="Roboto" charset="0"/>
-              </a:rPr>
-              <a:t>调用它们。</a:t>
+              <a:t>如果输入属性是对象</a:t>
+            </a:r>
+            <a:r>
+              <a:rPr lang="en-US" altLang="zh-CN" dirty="0" smtClean="0">
+                <a:latin typeface="Roboto" charset="0"/>
+              </a:rPr>
+              <a:t>hero</a:t>
+            </a:r>
+            <a:r>
+              <a:rPr lang="zh-CN" altLang="en-US" dirty="0" smtClean="0">
+                <a:latin typeface="Roboto" charset="0"/>
+              </a:rPr>
+              <a:t>，当他的值</a:t>
+            </a:r>
+            <a:r>
+              <a:rPr lang="en-US" altLang="zh-CN" dirty="0" err="1" smtClean="0">
+                <a:latin typeface="Roboto" charset="0"/>
+              </a:rPr>
+              <a:t>hero.name</a:t>
+            </a:r>
+            <a:r>
+              <a:rPr lang="zh-CN" altLang="en-US" dirty="0" smtClean="0">
+                <a:latin typeface="Roboto" charset="0"/>
+              </a:rPr>
+              <a:t>发生变化时，不会被</a:t>
+            </a:r>
+            <a:r>
+              <a:rPr lang="en-US" altLang="zh-CN" dirty="0" err="1" smtClean="0">
+                <a:latin typeface="Roboto" charset="0"/>
+              </a:rPr>
+              <a:t>OnChanges</a:t>
+            </a:r>
+            <a:r>
+              <a:rPr lang="zh-CN" altLang="en-US" dirty="0" smtClean="0">
+                <a:latin typeface="Roboto" charset="0"/>
+              </a:rPr>
+              <a:t>捕捉到，因为</a:t>
+            </a:r>
+            <a:r>
+              <a:rPr lang="en-US" altLang="zh-CN" dirty="0" smtClean="0">
+                <a:latin typeface="Roboto" charset="0"/>
+              </a:rPr>
+              <a:t>hero</a:t>
+            </a:r>
+            <a:r>
+              <a:rPr lang="zh-CN" altLang="en-US" dirty="0" smtClean="0">
+                <a:latin typeface="Roboto" charset="0"/>
+              </a:rPr>
+              <a:t>的引用没有变化</a:t>
             </a:r>
             <a:endParaRPr lang="zh-CN" altLang="en-US" dirty="0"/>
-          </a:p>
-        </p:txBody>
-      </p:sp>
-      <p:sp>
-        <p:nvSpPr>
-          <p:cNvPr id="18" name="矩形 17"/>
-          <p:cNvSpPr/>
-          <p:nvPr/>
-        </p:nvSpPr>
-        <p:spPr>
-          <a:xfrm>
-            <a:off x="2607082" y="4406854"/>
-            <a:ext cx="1107996" cy="369332"/>
-          </a:xfrm>
-          <a:prstGeom prst="rect">
-            <a:avLst/>
-          </a:prstGeom>
-        </p:spPr>
-        <p:txBody>
-          <a:bodyPr wrap="none">
-            <a:spAutoFit/>
-          </a:bodyPr>
-          <a:lstStyle/>
-          <a:p>
-            <a:r>
-              <a:rPr lang="zh-CN" altLang="en-US" dirty="0">
-                <a:latin typeface="Roboto" charset="0"/>
-              </a:rPr>
-              <a:t>内容投影</a:t>
-            </a:r>
-            <a:endParaRPr lang="zh-CN" altLang="en-US" b="0" i="0" dirty="0">
-              <a:effectLst/>
-              <a:latin typeface="Roboto" charset="0"/>
-            </a:endParaRPr>
-          </a:p>
-        </p:txBody>
-      </p:sp>
-      <p:sp>
-        <p:nvSpPr>
-          <p:cNvPr id="19" name="矩形 18"/>
-          <p:cNvSpPr/>
-          <p:nvPr/>
-        </p:nvSpPr>
-        <p:spPr>
-          <a:xfrm>
-            <a:off x="3829378" y="4425325"/>
-            <a:ext cx="8214984" cy="369332"/>
-          </a:xfrm>
-          <a:prstGeom prst="rect">
-            <a:avLst/>
-          </a:prstGeom>
-        </p:spPr>
-        <p:txBody>
-          <a:bodyPr wrap="square">
-            <a:spAutoFit/>
-          </a:bodyPr>
-          <a:lstStyle/>
-          <a:p>
-            <a:r>
-              <a:rPr lang="zh-CN" altLang="en-US" dirty="0">
-                <a:latin typeface="Roboto" charset="0"/>
-              </a:rPr>
-              <a:t>从组件外部导入 </a:t>
-            </a:r>
-            <a:r>
-              <a:rPr lang="en-US" altLang="zh-CN" dirty="0">
-                <a:latin typeface="Roboto" charset="0"/>
-              </a:rPr>
-              <a:t>HTML </a:t>
-            </a:r>
-            <a:r>
-              <a:rPr lang="zh-CN" altLang="en-US" dirty="0">
-                <a:latin typeface="Roboto" charset="0"/>
-              </a:rPr>
-              <a:t>内容，并把它插入在组件模板中指定位置上的一种途径。</a:t>
-            </a:r>
-            <a:endParaRPr lang="zh-CN" altLang="en-US" dirty="0"/>
-          </a:p>
-        </p:txBody>
-      </p:sp>
-      <p:sp>
-        <p:nvSpPr>
-          <p:cNvPr id="20" name="矩形 19"/>
-          <p:cNvSpPr/>
-          <p:nvPr/>
-        </p:nvSpPr>
-        <p:spPr>
-          <a:xfrm>
-            <a:off x="2607082" y="4838955"/>
-            <a:ext cx="9194393" cy="369332"/>
-          </a:xfrm>
-          <a:prstGeom prst="rect">
-            <a:avLst/>
-          </a:prstGeom>
-        </p:spPr>
-        <p:txBody>
-          <a:bodyPr wrap="square">
-            <a:spAutoFit/>
-          </a:bodyPr>
-          <a:lstStyle/>
-          <a:p>
-            <a:r>
-              <a:rPr lang="zh-CN" altLang="en-US" dirty="0">
-                <a:latin typeface="Roboto" charset="0"/>
-              </a:rPr>
-              <a:t>永远不要在组件标签的内部放任何内容 </a:t>
-            </a:r>
-            <a:r>
-              <a:rPr lang="en-US" altLang="zh-CN" dirty="0">
-                <a:latin typeface="Roboto" charset="0"/>
-              </a:rPr>
-              <a:t>—— </a:t>
-            </a:r>
-            <a:r>
-              <a:rPr lang="zh-CN" altLang="en-US" b="1" dirty="0">
-                <a:latin typeface="Roboto" charset="0"/>
-              </a:rPr>
-              <a:t>除非你想把这些内容投影进这个组件中</a:t>
-            </a:r>
-            <a:r>
-              <a:rPr lang="zh-CN" altLang="en-US" dirty="0">
-                <a:latin typeface="Roboto" charset="0"/>
-              </a:rPr>
-              <a:t>。</a:t>
-            </a:r>
-            <a:endParaRPr lang="zh-CN" altLang="en-US" dirty="0"/>
-          </a:p>
-        </p:txBody>
-      </p:sp>
-      <p:sp>
-        <p:nvSpPr>
-          <p:cNvPr id="21" name="矩形 20"/>
-          <p:cNvSpPr/>
-          <p:nvPr/>
-        </p:nvSpPr>
-        <p:spPr>
-          <a:xfrm>
-            <a:off x="1851263" y="5280173"/>
-            <a:ext cx="9950212" cy="923330"/>
-          </a:xfrm>
-          <a:prstGeom prst="rect">
-            <a:avLst/>
-          </a:prstGeom>
-        </p:spPr>
-        <p:txBody>
-          <a:bodyPr wrap="square">
-            <a:spAutoFit/>
-          </a:bodyPr>
-          <a:lstStyle/>
-          <a:p>
-            <a:r>
-              <a:rPr lang="en-US" altLang="zh-CN" b="1" dirty="0" err="1">
-                <a:latin typeface="Roboto" charset="0"/>
-              </a:rPr>
-              <a:t>AfterContent</a:t>
-            </a:r>
-            <a:r>
-              <a:rPr lang="zh-CN" altLang="en-US" dirty="0">
-                <a:latin typeface="Roboto" charset="0"/>
-              </a:rPr>
-              <a:t> </a:t>
-            </a:r>
-            <a:r>
-              <a:rPr lang="zh-CN" altLang="en-US" dirty="0" smtClean="0">
-                <a:latin typeface="Roboto" charset="0"/>
-              </a:rPr>
-              <a:t>和</a:t>
-            </a:r>
-            <a:r>
-              <a:rPr lang="zh-CN" altLang="en-US" dirty="0">
-                <a:latin typeface="Roboto" charset="0"/>
-              </a:rPr>
-              <a:t> </a:t>
-            </a:r>
-            <a:r>
-              <a:rPr lang="en-US" altLang="zh-CN" b="1" dirty="0" err="1">
-                <a:latin typeface="Roboto" charset="0"/>
-              </a:rPr>
-              <a:t>AfterView</a:t>
-            </a:r>
-            <a:r>
-              <a:rPr lang="zh-CN" altLang="en-US" dirty="0">
-                <a:latin typeface="Roboto" charset="0"/>
-              </a:rPr>
-              <a:t> 相似。关键的不同点是子组件的类型不同。</a:t>
-            </a:r>
-          </a:p>
-          <a:p>
-            <a:pPr>
-              <a:buFont typeface="Arial" charset="0"/>
-              <a:buChar char="•"/>
-            </a:pPr>
-            <a:r>
-              <a:rPr lang="en-US" altLang="zh-CN" b="1" dirty="0" err="1">
-                <a:latin typeface="Roboto" charset="0"/>
-              </a:rPr>
-              <a:t>AfterView</a:t>
-            </a:r>
-            <a:r>
-              <a:rPr lang="zh-CN" altLang="en-US" dirty="0">
-                <a:latin typeface="Roboto" charset="0"/>
-              </a:rPr>
-              <a:t> </a:t>
-            </a:r>
-            <a:r>
-              <a:rPr lang="zh-CN" altLang="en-US" dirty="0" smtClean="0">
-                <a:latin typeface="Roboto" charset="0"/>
-              </a:rPr>
-              <a:t>所</a:t>
-            </a:r>
-            <a:r>
-              <a:rPr lang="zh-CN" altLang="en-US" dirty="0">
-                <a:latin typeface="Roboto" charset="0"/>
-              </a:rPr>
-              <a:t>关心的是 </a:t>
-            </a:r>
-            <a:r>
-              <a:rPr lang="en-US" altLang="zh-CN" dirty="0">
-                <a:latin typeface="Roboto" charset="0"/>
-                <a:hlinkClick r:id="rId6"/>
-              </a:rPr>
-              <a:t>ViewChildren</a:t>
-            </a:r>
-            <a:r>
-              <a:rPr lang="zh-CN" altLang="en-US" dirty="0">
-                <a:latin typeface="Roboto" charset="0"/>
-              </a:rPr>
-              <a:t>，这些子组件的元素标签会出现在该组件的模板</a:t>
-            </a:r>
-            <a:r>
-              <a:rPr lang="zh-CN" altLang="en-US" b="1" dirty="0">
-                <a:latin typeface="Roboto" charset="0"/>
-              </a:rPr>
-              <a:t>里面</a:t>
-            </a:r>
-            <a:r>
-              <a:rPr lang="zh-CN" altLang="en-US" dirty="0">
-                <a:latin typeface="Roboto" charset="0"/>
-              </a:rPr>
-              <a:t>。</a:t>
-            </a:r>
-          </a:p>
-          <a:p>
-            <a:pPr>
-              <a:buFont typeface="Arial" charset="0"/>
-              <a:buChar char="•"/>
-            </a:pPr>
-            <a:r>
-              <a:rPr lang="en-US" altLang="zh-CN" b="1" dirty="0" err="1">
-                <a:latin typeface="Roboto" charset="0"/>
-              </a:rPr>
-              <a:t>AfterContent</a:t>
-            </a:r>
-            <a:r>
-              <a:rPr lang="zh-CN" altLang="en-US" dirty="0">
-                <a:latin typeface="Roboto" charset="0"/>
-              </a:rPr>
-              <a:t> </a:t>
-            </a:r>
-            <a:r>
-              <a:rPr lang="zh-CN" altLang="en-US" dirty="0" smtClean="0">
-                <a:latin typeface="Roboto" charset="0"/>
-              </a:rPr>
-              <a:t>所</a:t>
-            </a:r>
-            <a:r>
-              <a:rPr lang="zh-CN" altLang="en-US" dirty="0">
-                <a:latin typeface="Roboto" charset="0"/>
-              </a:rPr>
-              <a:t>关心的是 </a:t>
-            </a:r>
-            <a:r>
-              <a:rPr lang="en-US" altLang="zh-CN" dirty="0">
-                <a:latin typeface="Roboto" charset="0"/>
-                <a:hlinkClick r:id="rId7"/>
-              </a:rPr>
-              <a:t>ContentChildren</a:t>
-            </a:r>
-            <a:r>
-              <a:rPr lang="zh-CN" altLang="en-US" dirty="0">
-                <a:latin typeface="Roboto" charset="0"/>
-              </a:rPr>
-              <a:t>，这些子组件被 </a:t>
-            </a:r>
-            <a:r>
-              <a:rPr lang="en-US" altLang="zh-CN" dirty="0">
-                <a:latin typeface="Roboto" charset="0"/>
-              </a:rPr>
-              <a:t>Angular </a:t>
-            </a:r>
-            <a:r>
-              <a:rPr lang="zh-CN" altLang="en-US" dirty="0">
-                <a:latin typeface="Roboto" charset="0"/>
-              </a:rPr>
-              <a:t>投影进该组件中。</a:t>
-            </a:r>
-            <a:endParaRPr lang="zh-CN" altLang="en-US" b="0" i="0" dirty="0">
-              <a:effectLst/>
-              <a:latin typeface="Roboto" charset="0"/>
-            </a:endParaRPr>
-          </a:p>
-        </p:txBody>
-      </p:sp>
-      <p:sp>
-        <p:nvSpPr>
-          <p:cNvPr id="22" name="矩形 21"/>
-          <p:cNvSpPr/>
-          <p:nvPr/>
-        </p:nvSpPr>
-        <p:spPr>
-          <a:xfrm>
-            <a:off x="1858214" y="6338158"/>
-            <a:ext cx="4968155" cy="369332"/>
-          </a:xfrm>
-          <a:prstGeom prst="rect">
-            <a:avLst/>
-          </a:prstGeom>
-        </p:spPr>
-        <p:txBody>
-          <a:bodyPr wrap="none">
-            <a:spAutoFit/>
-          </a:bodyPr>
-          <a:lstStyle/>
-          <a:p>
-            <a:r>
-              <a:rPr lang="zh-CN" altLang="en-US" dirty="0">
-                <a:latin typeface="Roboto" charset="0"/>
-              </a:rPr>
-              <a:t>使用 </a:t>
-            </a:r>
-            <a:r>
-              <a:rPr lang="en-US" altLang="zh-CN" dirty="0" err="1">
-                <a:latin typeface="Roboto" charset="0"/>
-              </a:rPr>
-              <a:t>AfterContent</a:t>
-            </a:r>
-            <a:r>
-              <a:rPr lang="en-US" altLang="zh-CN" dirty="0">
-                <a:latin typeface="Roboto" charset="0"/>
-              </a:rPr>
-              <a:t> </a:t>
-            </a:r>
-            <a:r>
-              <a:rPr lang="zh-CN" altLang="en-US" dirty="0">
-                <a:latin typeface="Roboto" charset="0"/>
-              </a:rPr>
-              <a:t>时，无需担心单向数据流规则</a:t>
-            </a:r>
-            <a:endParaRPr lang="zh-CN" altLang="en-US" b="0" i="0" dirty="0">
-              <a:effectLst/>
-              <a:latin typeface="Roboto" charset="0"/>
-            </a:endParaRPr>
           </a:p>
         </p:txBody>
       </p:sp>
     </p:spTree>
     <p:extLst>
       <p:ext uri="{BB962C8B-B14F-4D97-AF65-F5344CB8AC3E}">
-        <p14:creationId xmlns:p14="http://schemas.microsoft.com/office/powerpoint/2010/main" val="1354444749"/>
+        <p14:creationId xmlns:p14="http://schemas.microsoft.com/office/powerpoint/2010/main" val="1912361220"/>
       </p:ext>
     </p:extLst>
   </p:cSld>

--- a/Documents/angular.pptx
+++ b/Documents/angular.pptx
@@ -6042,19 +6042,19 @@
               <a:t>ShadowDom</a:t>
             </a:r>
             <a:r>
-              <a:rPr lang="en-US" altLang="zh-CN"/>
+              <a:rPr lang="en-US" altLang="zh-CN" dirty="0"/>
               <a:t> </a:t>
             </a:r>
             <a:r>
-              <a:rPr lang="en-US" altLang="zh-CN" smtClean="0"/>
+              <a:rPr lang="en-US" altLang="zh-CN" dirty="0" smtClean="0"/>
               <a:t> </a:t>
             </a:r>
             <a:r>
-              <a:rPr lang="zh-CN" altLang="en-US" smtClean="0"/>
+              <a:rPr lang="zh-CN" altLang="en-US" dirty="0" smtClean="0"/>
               <a:t>不</a:t>
             </a:r>
             <a:r>
-              <a:rPr lang="zh-CN" altLang="en-US"/>
+              <a:rPr lang="zh-CN" altLang="en-US" dirty="0"/>
               <a:t>进不出</a:t>
             </a:r>
             <a:r>

--- a/Documents/angular.pptx
+++ b/Documents/angular.pptx
@@ -5,7 +5,7 @@
     <p:sldMasterId id="2147483648" r:id="rId1"/>
   </p:sldMasterIdLst>
   <p:notesMasterIdLst>
-    <p:notesMasterId r:id="rId14"/>
+    <p:notesMasterId r:id="rId15"/>
   </p:notesMasterIdLst>
   <p:sldIdLst>
     <p:sldId id="256" r:id="rId2"/>
@@ -14,12 +14,13 @@
     <p:sldId id="267" r:id="rId5"/>
     <p:sldId id="268" r:id="rId6"/>
     <p:sldId id="269" r:id="rId7"/>
-    <p:sldId id="263" r:id="rId8"/>
-    <p:sldId id="264" r:id="rId9"/>
-    <p:sldId id="265" r:id="rId10"/>
-    <p:sldId id="266" r:id="rId11"/>
-    <p:sldId id="259" r:id="rId12"/>
-    <p:sldId id="261" r:id="rId13"/>
+    <p:sldId id="270" r:id="rId8"/>
+    <p:sldId id="263" r:id="rId9"/>
+    <p:sldId id="264" r:id="rId10"/>
+    <p:sldId id="265" r:id="rId11"/>
+    <p:sldId id="266" r:id="rId12"/>
+    <p:sldId id="259" r:id="rId13"/>
+    <p:sldId id="261" r:id="rId14"/>
   </p:sldIdLst>
   <p:sldSz cx="12192000" cy="6858000"/>
   <p:notesSz cx="6858000" cy="9144000"/>
@@ -208,7 +209,7 @@
           <a:p>
             <a:fld id="{008404EF-794E-2447-8DCF-3FC8505CDB40}" type="datetimeFigureOut">
               <a:rPr kumimoji="1" lang="zh-CN" altLang="en-US" smtClean="0"/>
-              <a:t>2018/9/12</a:t>
+              <a:t>2018/9/13</a:t>
             </a:fld>
             <a:endParaRPr kumimoji="1" lang="zh-CN" altLang="en-US"/>
           </a:p>
@@ -607,7 +608,7 @@
           <a:p>
             <a:fld id="{7CA3032E-00E9-4729-A89B-323F05814971}" type="datetimeFigureOut">
               <a:rPr lang="zh-CN" altLang="en-US" smtClean="0"/>
-              <a:t>2018/9/12</a:t>
+              <a:t>2018/9/13</a:t>
             </a:fld>
             <a:endParaRPr lang="zh-CN" altLang="en-US"/>
           </a:p>
@@ -777,7 +778,7 @@
           <a:p>
             <a:fld id="{7CA3032E-00E9-4729-A89B-323F05814971}" type="datetimeFigureOut">
               <a:rPr lang="zh-CN" altLang="en-US" smtClean="0"/>
-              <a:t>2018/9/12</a:t>
+              <a:t>2018/9/13</a:t>
             </a:fld>
             <a:endParaRPr lang="zh-CN" altLang="en-US"/>
           </a:p>
@@ -957,7 +958,7 @@
           <a:p>
             <a:fld id="{7CA3032E-00E9-4729-A89B-323F05814971}" type="datetimeFigureOut">
               <a:rPr lang="zh-CN" altLang="en-US" smtClean="0"/>
-              <a:t>2018/9/12</a:t>
+              <a:t>2018/9/13</a:t>
             </a:fld>
             <a:endParaRPr lang="zh-CN" altLang="en-US"/>
           </a:p>
@@ -1127,7 +1128,7 @@
           <a:p>
             <a:fld id="{7CA3032E-00E9-4729-A89B-323F05814971}" type="datetimeFigureOut">
               <a:rPr lang="zh-CN" altLang="en-US" smtClean="0"/>
-              <a:t>2018/9/12</a:t>
+              <a:t>2018/9/13</a:t>
             </a:fld>
             <a:endParaRPr lang="zh-CN" altLang="en-US"/>
           </a:p>
@@ -1373,7 +1374,7 @@
           <a:p>
             <a:fld id="{7CA3032E-00E9-4729-A89B-323F05814971}" type="datetimeFigureOut">
               <a:rPr lang="zh-CN" altLang="en-US" smtClean="0"/>
-              <a:t>2018/9/12</a:t>
+              <a:t>2018/9/13</a:t>
             </a:fld>
             <a:endParaRPr lang="zh-CN" altLang="en-US"/>
           </a:p>
@@ -1605,7 +1606,7 @@
           <a:p>
             <a:fld id="{7CA3032E-00E9-4729-A89B-323F05814971}" type="datetimeFigureOut">
               <a:rPr lang="zh-CN" altLang="en-US" smtClean="0"/>
-              <a:t>2018/9/12</a:t>
+              <a:t>2018/9/13</a:t>
             </a:fld>
             <a:endParaRPr lang="zh-CN" altLang="en-US"/>
           </a:p>
@@ -1972,7 +1973,7 @@
           <a:p>
             <a:fld id="{7CA3032E-00E9-4729-A89B-323F05814971}" type="datetimeFigureOut">
               <a:rPr lang="zh-CN" altLang="en-US" smtClean="0"/>
-              <a:t>2018/9/12</a:t>
+              <a:t>2018/9/13</a:t>
             </a:fld>
             <a:endParaRPr lang="zh-CN" altLang="en-US"/>
           </a:p>
@@ -2090,7 +2091,7 @@
           <a:p>
             <a:fld id="{7CA3032E-00E9-4729-A89B-323F05814971}" type="datetimeFigureOut">
               <a:rPr lang="zh-CN" altLang="en-US" smtClean="0"/>
-              <a:t>2018/9/12</a:t>
+              <a:t>2018/9/13</a:t>
             </a:fld>
             <a:endParaRPr lang="zh-CN" altLang="en-US"/>
           </a:p>
@@ -2185,7 +2186,7 @@
           <a:p>
             <a:fld id="{7CA3032E-00E9-4729-A89B-323F05814971}" type="datetimeFigureOut">
               <a:rPr lang="zh-CN" altLang="en-US" smtClean="0"/>
-              <a:t>2018/9/12</a:t>
+              <a:t>2018/9/13</a:t>
             </a:fld>
             <a:endParaRPr lang="zh-CN" altLang="en-US"/>
           </a:p>
@@ -2462,7 +2463,7 @@
           <a:p>
             <a:fld id="{7CA3032E-00E9-4729-A89B-323F05814971}" type="datetimeFigureOut">
               <a:rPr lang="zh-CN" altLang="en-US" smtClean="0"/>
-              <a:t>2018/9/12</a:t>
+              <a:t>2018/9/13</a:t>
             </a:fld>
             <a:endParaRPr lang="zh-CN" altLang="en-US"/>
           </a:p>
@@ -2715,7 +2716,7 @@
           <a:p>
             <a:fld id="{7CA3032E-00E9-4729-A89B-323F05814971}" type="datetimeFigureOut">
               <a:rPr lang="zh-CN" altLang="en-US" smtClean="0"/>
-              <a:t>2018/9/12</a:t>
+              <a:t>2018/9/13</a:t>
             </a:fld>
             <a:endParaRPr lang="zh-CN" altLang="en-US"/>
           </a:p>
@@ -2928,7 +2929,7 @@
           <a:p>
             <a:fld id="{7CA3032E-00E9-4729-A89B-323F05814971}" type="datetimeFigureOut">
               <a:rPr lang="zh-CN" altLang="en-US" smtClean="0"/>
-              <a:t>2018/9/12</a:t>
+              <a:t>2018/9/13</a:t>
             </a:fld>
             <a:endParaRPr lang="zh-CN" altLang="en-US"/>
           </a:p>
@@ -3581,14 +3582,43 @@
       </p:grpSpPr>
       <p:sp>
         <p:nvSpPr>
+          <p:cNvPr id="2" name="矩形 1"/>
+          <p:cNvSpPr/>
+          <p:nvPr/>
+        </p:nvSpPr>
+        <p:spPr>
+          <a:xfrm>
+            <a:off x="4308463" y="440411"/>
+            <a:ext cx="3570208" cy="769441"/>
+          </a:xfrm>
+          <a:prstGeom prst="rect">
+            <a:avLst/>
+          </a:prstGeom>
+        </p:spPr>
+        <p:txBody>
+          <a:bodyPr wrap="none">
+            <a:spAutoFit/>
+          </a:bodyPr>
+          <a:lstStyle/>
+          <a:p>
+            <a:r>
+              <a:rPr lang="zh-CN" altLang="en-US" sz="4400" dirty="0" smtClean="0"/>
+              <a:t>生命周期钩子</a:t>
+            </a:r>
+            <a:endParaRPr lang="zh-CN" altLang="en-US" sz="4400" dirty="0"/>
+          </a:p>
+        </p:txBody>
+      </p:sp>
+      <p:sp>
+        <p:nvSpPr>
           <p:cNvPr id="5" name="矩形 4"/>
           <p:cNvSpPr/>
           <p:nvPr/>
         </p:nvSpPr>
         <p:spPr>
           <a:xfrm>
-            <a:off x="1851263" y="238295"/>
-            <a:ext cx="1181734" cy="369332"/>
+            <a:off x="1851263" y="1209852"/>
+            <a:ext cx="1005403" cy="369332"/>
           </a:xfrm>
           <a:prstGeom prst="rect">
             <a:avLst/>
@@ -3601,14 +3631,83 @@
           <a:lstStyle/>
           <a:p>
             <a:r>
-              <a:rPr lang="mr-IN" altLang="zh-CN" b="1" dirty="0" err="1"/>
-              <a:t>DoCheck</a:t>
-            </a:r>
-            <a:r>
-              <a:rPr lang="mr-IN" altLang="zh-CN" b="1" dirty="0" smtClean="0"/>
+              <a:rPr lang="en-US" altLang="zh-CN" b="1" dirty="0" err="1">
+                <a:latin typeface="Roboto" panose="02000000000000000000" pitchFamily="2" charset="0"/>
+              </a:rPr>
+              <a:t>OnInit</a:t>
+            </a:r>
+            <a:r>
+              <a:rPr lang="en-US" altLang="zh-CN" b="1" dirty="0" smtClean="0">
+                <a:latin typeface="Roboto" panose="02000000000000000000" pitchFamily="2" charset="0"/>
+              </a:rPr>
               <a:t>()</a:t>
             </a:r>
-            <a:endParaRPr lang="mr-IN" altLang="zh-CN" dirty="0"/>
+            <a:endParaRPr lang="zh-CN" altLang="en-US" b="0" i="0" dirty="0">
+              <a:effectLst/>
+              <a:latin typeface="Roboto" panose="02000000000000000000" pitchFamily="2" charset="0"/>
+            </a:endParaRPr>
+          </a:p>
+        </p:txBody>
+      </p:sp>
+      <p:sp>
+        <p:nvSpPr>
+          <p:cNvPr id="6" name="矩形 5"/>
+          <p:cNvSpPr/>
+          <p:nvPr/>
+        </p:nvSpPr>
+        <p:spPr>
+          <a:xfrm>
+            <a:off x="2551134" y="1690394"/>
+            <a:ext cx="6096000" cy="646331"/>
+          </a:xfrm>
+          <a:prstGeom prst="rect">
+            <a:avLst/>
+          </a:prstGeom>
+        </p:spPr>
+        <p:txBody>
+          <a:bodyPr>
+            <a:spAutoFit/>
+          </a:bodyPr>
+          <a:lstStyle/>
+          <a:p>
+            <a:pPr>
+              <a:buFont typeface="+mj-lt"/>
+              <a:buAutoNum type="arabicPeriod"/>
+            </a:pPr>
+            <a:r>
+              <a:rPr lang="zh-CN" altLang="en-US" dirty="0">
+                <a:latin typeface="Roboto" panose="02000000000000000000" pitchFamily="2" charset="0"/>
+              </a:rPr>
+              <a:t>在构造函数之后马上执行复杂的初始化逻辑</a:t>
+            </a:r>
+          </a:p>
+          <a:p>
+            <a:pPr>
+              <a:buFont typeface="+mj-lt"/>
+              <a:buAutoNum type="arabicPeriod"/>
+            </a:pPr>
+            <a:r>
+              <a:rPr lang="zh-CN" altLang="en-US" dirty="0">
+                <a:latin typeface="Roboto" panose="02000000000000000000" pitchFamily="2" charset="0"/>
+              </a:rPr>
+              <a:t>在 </a:t>
+            </a:r>
+            <a:r>
+              <a:rPr lang="en-US" altLang="zh-CN" dirty="0">
+                <a:latin typeface="Roboto" panose="02000000000000000000" pitchFamily="2" charset="0"/>
+              </a:rPr>
+              <a:t>Angular </a:t>
+            </a:r>
+            <a:r>
+              <a:rPr lang="zh-CN" altLang="en-US" dirty="0">
+                <a:latin typeface="Roboto" panose="02000000000000000000" pitchFamily="2" charset="0"/>
+              </a:rPr>
+              <a:t>设置完输入属性之后，对该组件进行准备。</a:t>
+            </a:r>
+            <a:endParaRPr lang="zh-CN" altLang="en-US" b="0" i="0" dirty="0">
+              <a:effectLst/>
+              <a:latin typeface="Roboto" panose="02000000000000000000" pitchFamily="2" charset="0"/>
+            </a:endParaRPr>
           </a:p>
         </p:txBody>
       </p:sp>
@@ -3620,8 +3719,8 @@
         </p:nvSpPr>
         <p:spPr>
           <a:xfrm>
-            <a:off x="1851263" y="1463331"/>
-            <a:ext cx="1355949" cy="369332"/>
+            <a:off x="1851263" y="2817267"/>
+            <a:ext cx="1418017" cy="369332"/>
           </a:xfrm>
           <a:prstGeom prst="rect">
             <a:avLst/>
@@ -3634,18 +3733,19 @@
           <a:lstStyle/>
           <a:p>
             <a:r>
-              <a:rPr lang="en-US" altLang="zh-CN" b="1" dirty="0" err="1" smtClean="0">
-                <a:latin typeface="Roboto" charset="0"/>
-              </a:rPr>
-              <a:t>AfterView</a:t>
-            </a:r>
-            <a:r>
-              <a:rPr lang="en-US" altLang="zh-CN" dirty="0" smtClean="0">
+              <a:rPr lang="mr-IN" altLang="zh-CN" b="1" dirty="0" err="1">
+                <a:latin typeface="Roboto" charset="0"/>
+              </a:rPr>
+              <a:t>OnDestroy</a:t>
+            </a:r>
+            <a:r>
+              <a:rPr lang="mr-IN" altLang="zh-CN" b="1" dirty="0" smtClean="0">
                 <a:latin typeface="Roboto" charset="0"/>
               </a:rPr>
               <a:t>()</a:t>
             </a:r>
-            <a:endParaRPr lang="en-US" altLang="zh-CN" b="1" dirty="0">
+            <a:endParaRPr lang="mr-IN" altLang="zh-CN" b="0" i="0" dirty="0">
+              <a:effectLst/>
               <a:latin typeface="Roboto" charset="0"/>
             </a:endParaRPr>
           </a:p>
@@ -3659,8 +3759,8 @@
         </p:nvSpPr>
         <p:spPr>
           <a:xfrm>
-            <a:off x="2479695" y="647695"/>
-            <a:ext cx="4326826" cy="369332"/>
+            <a:off x="2551134" y="2447935"/>
+            <a:ext cx="3967753" cy="369332"/>
           </a:xfrm>
           <a:prstGeom prst="rect">
             <a:avLst/>
@@ -3676,25 +3776,97 @@
               <a:rPr lang="zh-CN" altLang="en-US" dirty="0" smtClean="0">
                 <a:latin typeface="Roboto" charset="0"/>
               </a:rPr>
-              <a:t>可以检测到 </a:t>
-            </a:r>
-            <a:r>
-              <a:rPr lang="en-US" altLang="zh-CN" dirty="0" err="1" smtClean="0">
-                <a:latin typeface="Roboto" charset="0"/>
-              </a:rPr>
-              <a:t>hero.name</a:t>
-            </a:r>
-            <a:r>
-              <a:rPr lang="en-US" altLang="zh-CN" dirty="0" smtClean="0">
-                <a:latin typeface="Roboto" charset="0"/>
-              </a:rPr>
-              <a:t> </a:t>
-            </a:r>
-            <a:r>
-              <a:rPr lang="zh-CN" altLang="en-US" dirty="0" smtClean="0">
-                <a:latin typeface="Roboto" charset="0"/>
-              </a:rPr>
-              <a:t>的变化 （见官网）</a:t>
+              <a:t>这里</a:t>
+            </a:r>
+            <a:r>
+              <a:rPr lang="zh-CN" altLang="en-US" dirty="0">
+                <a:latin typeface="Roboto" charset="0"/>
+              </a:rPr>
+              <a:t>是放置复杂</a:t>
+            </a:r>
+            <a:r>
+              <a:rPr lang="zh-CN" altLang="en-US" dirty="0">
+                <a:solidFill>
+                  <a:srgbClr val="FF0000"/>
+                </a:solidFill>
+                <a:latin typeface="Roboto" charset="0"/>
+              </a:rPr>
+              <a:t>初始化逻辑</a:t>
+            </a:r>
+            <a:r>
+              <a:rPr lang="zh-CN" altLang="en-US" dirty="0">
+                <a:latin typeface="Roboto" charset="0"/>
+              </a:rPr>
+              <a:t>的好地方</a:t>
+            </a:r>
+            <a:endParaRPr lang="zh-CN" altLang="en-US" dirty="0"/>
+          </a:p>
+        </p:txBody>
+      </p:sp>
+      <p:sp>
+        <p:nvSpPr>
+          <p:cNvPr id="7" name="矩形 6"/>
+          <p:cNvSpPr/>
+          <p:nvPr/>
+        </p:nvSpPr>
+        <p:spPr>
+          <a:xfrm>
+            <a:off x="2662237" y="3409019"/>
+            <a:ext cx="9196388" cy="369332"/>
+          </a:xfrm>
+          <a:prstGeom prst="rect">
+            <a:avLst/>
+          </a:prstGeom>
+        </p:spPr>
+        <p:txBody>
+          <a:bodyPr wrap="square">
+            <a:spAutoFit/>
+          </a:bodyPr>
+          <a:lstStyle/>
+          <a:p>
+            <a:r>
+              <a:rPr lang="zh-CN" altLang="en-US" dirty="0">
+                <a:latin typeface="Roboto" charset="0"/>
+              </a:rPr>
+              <a:t>一些清理逻辑</a:t>
+            </a:r>
+            <a:r>
+              <a:rPr lang="zh-CN" altLang="en-US" b="1" dirty="0">
+                <a:latin typeface="Roboto" charset="0"/>
+              </a:rPr>
+              <a:t>必须</a:t>
+            </a:r>
+            <a:r>
+              <a:rPr lang="zh-CN" altLang="en-US" dirty="0">
+                <a:latin typeface="Roboto" charset="0"/>
+              </a:rPr>
+              <a:t>在 </a:t>
+            </a:r>
+            <a:r>
+              <a:rPr lang="en-US" altLang="zh-CN" dirty="0">
+                <a:latin typeface="Roboto" charset="0"/>
+              </a:rPr>
+              <a:t>Angular </a:t>
+            </a:r>
+            <a:r>
+              <a:rPr lang="zh-CN" altLang="en-US" dirty="0">
+                <a:latin typeface="Roboto" charset="0"/>
+              </a:rPr>
+              <a:t>销毁指令之前运行，把它们放在 </a:t>
+            </a:r>
+            <a:r>
+              <a:rPr lang="en-US" altLang="zh-CN" dirty="0" err="1"/>
+              <a:t>ngOnDestroy</a:t>
+            </a:r>
+            <a:r>
+              <a:rPr lang="en-US" altLang="zh-CN" dirty="0"/>
+              <a:t>()</a:t>
+            </a:r>
+            <a:r>
+              <a:rPr lang="zh-CN" altLang="en-US" dirty="0">
+                <a:latin typeface="Roboto" charset="0"/>
+              </a:rPr>
+              <a:t> 中。</a:t>
             </a:r>
             <a:endParaRPr lang="zh-CN" altLang="en-US" dirty="0"/>
           </a:p>
@@ -3708,8 +3880,8 @@
         </p:nvSpPr>
         <p:spPr>
           <a:xfrm>
-            <a:off x="2514949" y="2446739"/>
-            <a:ext cx="2262158" cy="369332"/>
+            <a:off x="1898103" y="4240016"/>
+            <a:ext cx="1608133" cy="369332"/>
           </a:xfrm>
           <a:prstGeom prst="rect">
             <a:avLst/>
@@ -3722,61 +3894,46 @@
           <a:lstStyle/>
           <a:p>
             <a:r>
-              <a:rPr lang="zh-CN" altLang="en-US">
-                <a:latin typeface="Roboto" charset="0"/>
-              </a:rPr>
-              <a:t>遵循单向数据流规则</a:t>
-            </a:r>
-          </a:p>
-        </p:txBody>
-      </p:sp>
-      <p:sp>
-        <p:nvSpPr>
-          <p:cNvPr id="11" name="矩形 10"/>
+              <a:rPr lang="mr-IN" altLang="zh-CN" b="1" dirty="0" err="1">
+                <a:latin typeface="Roboto" charset="0"/>
+              </a:rPr>
+              <a:t>OnChanges</a:t>
+            </a:r>
+            <a:r>
+              <a:rPr lang="mr-IN" altLang="zh-CN" b="1" dirty="0">
+                <a:latin typeface="Roboto" charset="0"/>
+              </a:rPr>
+              <a:t>()</a:t>
+            </a:r>
+            <a:r>
+              <a:rPr lang="mr-IN" altLang="zh-CN" dirty="0">
+                <a:latin typeface="Roboto" charset="0"/>
+              </a:rPr>
+              <a:t> </a:t>
+            </a:r>
+            <a:endParaRPr lang="mr-IN" altLang="zh-CN" b="0" i="0" dirty="0">
+              <a:effectLst/>
+              <a:latin typeface="Roboto" charset="0"/>
+            </a:endParaRPr>
+          </a:p>
+        </p:txBody>
+      </p:sp>
+      <p:sp>
+        <p:nvSpPr>
+          <p:cNvPr id="9" name="矩形 8"/>
           <p:cNvSpPr/>
           <p:nvPr/>
         </p:nvSpPr>
         <p:spPr>
           <a:xfrm>
-            <a:off x="2488832" y="1037920"/>
-            <a:ext cx="3166251" cy="369332"/>
+            <a:off x="2551134" y="4647102"/>
+            <a:ext cx="9507516" cy="646331"/>
           </a:xfrm>
           <a:prstGeom prst="rect">
             <a:avLst/>
           </a:prstGeom>
         </p:spPr>
         <p:txBody>
-          <a:bodyPr wrap="none">
-            <a:spAutoFit/>
-          </a:bodyPr>
-          <a:lstStyle/>
-          <a:p>
-            <a:r>
-              <a:rPr lang="zh-CN" altLang="en-US" dirty="0" smtClean="0">
-                <a:latin typeface="Roboto" charset="0"/>
-              </a:rPr>
-              <a:t>出发非常频繁，需要小心使用</a:t>
-            </a:r>
-            <a:endParaRPr lang="zh-CN" altLang="en-US" dirty="0"/>
-          </a:p>
-        </p:txBody>
-      </p:sp>
-      <p:sp>
-        <p:nvSpPr>
-          <p:cNvPr id="14" name="矩形 13"/>
-          <p:cNvSpPr/>
-          <p:nvPr/>
-        </p:nvSpPr>
-        <p:spPr>
-          <a:xfrm>
-            <a:off x="2435235" y="1961652"/>
-            <a:ext cx="9739313" cy="369332"/>
-          </a:xfrm>
-          <a:prstGeom prst="rect">
-            <a:avLst/>
-          </a:prstGeom>
-        </p:spPr>
-        <p:txBody>
           <a:bodyPr wrap="square">
             <a:spAutoFit/>
           </a:bodyPr>
@@ -3786,97 +3943,31 @@
               <a:rPr lang="zh-CN" altLang="en-US" dirty="0">
                 <a:latin typeface="Roboto" charset="0"/>
               </a:rPr>
-              <a:t> </a:t>
+              <a:t>一旦检测到该组件</a:t>
             </a:r>
             <a:r>
               <a:rPr lang="en-US" altLang="zh-CN" dirty="0">
-                <a:hlinkClick r:id="rId2"/>
-              </a:rPr>
-              <a:t>AfterViewInit</a:t>
-            </a:r>
-            <a:r>
-              <a:rPr lang="en-US" altLang="zh-CN" dirty="0"/>
-              <a:t>()</a:t>
-            </a:r>
-            <a:r>
-              <a:rPr lang="zh-CN" altLang="en-US" dirty="0">
-                <a:latin typeface="Roboto" charset="0"/>
-              </a:rPr>
-              <a:t> 和 </a:t>
+                <a:latin typeface="Roboto" charset="0"/>
+              </a:rPr>
+              <a:t>(</a:t>
+            </a:r>
+            <a:r>
+              <a:rPr lang="zh-CN" altLang="en-US" dirty="0">
+                <a:latin typeface="Roboto" charset="0"/>
+              </a:rPr>
+              <a:t>或指令</a:t>
             </a:r>
             <a:r>
               <a:rPr lang="en-US" altLang="zh-CN" dirty="0">
-                <a:hlinkClick r:id="rId3"/>
-              </a:rPr>
-              <a:t>AfterViewChecked</a:t>
-            </a:r>
-            <a:r>
-              <a:rPr lang="en-US" altLang="zh-CN" dirty="0"/>
-              <a:t>()</a:t>
-            </a:r>
-            <a:r>
-              <a:rPr lang="zh-CN" altLang="en-US" dirty="0">
-                <a:latin typeface="Roboto" charset="0"/>
-              </a:rPr>
-              <a:t> 钩子，</a:t>
-            </a:r>
-            <a:r>
-              <a:rPr lang="en-US" altLang="zh-CN" dirty="0">
-                <a:latin typeface="Roboto" charset="0"/>
-              </a:rPr>
-              <a:t>Angular </a:t>
-            </a:r>
-            <a:r>
-              <a:rPr lang="zh-CN" altLang="en-US" dirty="0">
-                <a:latin typeface="Roboto" charset="0"/>
-              </a:rPr>
-              <a:t>会在每次创建了组件的子视图后调用它们</a:t>
-            </a:r>
-            <a:endParaRPr lang="zh-CN" altLang="en-US" dirty="0"/>
-          </a:p>
-        </p:txBody>
-      </p:sp>
-      <p:sp>
-        <p:nvSpPr>
-          <p:cNvPr id="15" name="矩形 14"/>
-          <p:cNvSpPr/>
-          <p:nvPr/>
-        </p:nvSpPr>
-        <p:spPr>
-          <a:xfrm>
-            <a:off x="3207211" y="2888945"/>
-            <a:ext cx="8722851" cy="646331"/>
-          </a:xfrm>
-          <a:prstGeom prst="rect">
-            <a:avLst/>
-          </a:prstGeom>
-        </p:spPr>
-        <p:txBody>
-          <a:bodyPr wrap="square">
-            <a:spAutoFit/>
-          </a:bodyPr>
-          <a:lstStyle/>
-          <a:p>
-            <a:r>
-              <a:rPr lang="en-US" altLang="zh-CN" dirty="0">
-                <a:latin typeface="Roboto" charset="0"/>
-              </a:rPr>
-              <a:t>Angular </a:t>
-            </a:r>
-            <a:r>
-              <a:rPr lang="zh-CN" altLang="en-US" dirty="0">
-                <a:latin typeface="Roboto" charset="0"/>
-              </a:rPr>
-              <a:t>的“单向数据流”规则</a:t>
-            </a:r>
-            <a:r>
-              <a:rPr lang="zh-CN" altLang="en-US" dirty="0">
-                <a:solidFill>
-                  <a:srgbClr val="FF0000"/>
-                </a:solidFill>
-                <a:latin typeface="Roboto" charset="0"/>
-              </a:rPr>
-              <a:t>禁止在一个视图已经被组合好</a:t>
+                <a:latin typeface="Roboto" charset="0"/>
+              </a:rPr>
+              <a:t>)</a:t>
+            </a:r>
+            <a:r>
+              <a:rPr lang="zh-CN" altLang="en-US" dirty="0">
+                <a:latin typeface="Roboto" charset="0"/>
+              </a:rPr>
+              <a:t>的</a:t>
             </a:r>
             <a:r>
               <a:rPr lang="zh-CN" altLang="en-US" b="1" dirty="0">
@@ -3885,22 +3976,39 @@
                 </a:solidFill>
                 <a:latin typeface="Roboto" charset="0"/>
               </a:rPr>
-              <a:t>之后</a:t>
-            </a:r>
-            <a:r>
-              <a:rPr lang="zh-CN" altLang="en-US" dirty="0">
-                <a:solidFill>
-                  <a:srgbClr val="FF0000"/>
-                </a:solidFill>
-                <a:latin typeface="Roboto" charset="0"/>
-              </a:rPr>
-              <a:t>再更新视图</a:t>
-            </a:r>
-            <a:r>
-              <a:rPr lang="zh-CN" altLang="en-US" dirty="0">
-                <a:latin typeface="Roboto" charset="0"/>
-              </a:rPr>
-              <a:t>。 而这两个钩子都是在组件的视图已经被组合好之后触发的。</a:t>
+              <a:t>输入属性</a:t>
+            </a:r>
+            <a:r>
+              <a:rPr lang="zh-CN" altLang="en-US" dirty="0">
+                <a:latin typeface="Roboto" charset="0"/>
+              </a:rPr>
+              <a:t>发生了变化，</a:t>
+            </a:r>
+            <a:r>
+              <a:rPr lang="en-US" altLang="zh-CN" dirty="0">
+                <a:latin typeface="Roboto" charset="0"/>
+              </a:rPr>
+              <a:t>Angular </a:t>
+            </a:r>
+            <a:r>
+              <a:rPr lang="zh-CN" altLang="en-US" dirty="0">
+                <a:latin typeface="Roboto" charset="0"/>
+              </a:rPr>
+              <a:t>就会调用它的 </a:t>
+            </a:r>
+            <a:r>
+              <a:rPr lang="en-US" altLang="zh-CN" dirty="0" err="1"/>
+              <a:t>ngOnChanges</a:t>
+            </a:r>
+            <a:r>
+              <a:rPr lang="en-US" altLang="zh-CN" dirty="0"/>
+              <a:t>()</a:t>
+            </a:r>
+            <a:r>
+              <a:rPr lang="zh-CN" altLang="en-US" dirty="0">
+                <a:latin typeface="Roboto" charset="0"/>
+              </a:rPr>
+              <a:t> 方法。</a:t>
             </a:r>
             <a:endParaRPr lang="zh-CN" altLang="en-US" dirty="0"/>
           </a:p>
@@ -3908,480 +4016,87 @@
       </p:sp>
       <p:sp>
         <p:nvSpPr>
-          <p:cNvPr id="16" name="矩形 15"/>
+          <p:cNvPr id="10" name="矩形 9"/>
           <p:cNvSpPr/>
           <p:nvPr/>
         </p:nvSpPr>
         <p:spPr>
           <a:xfrm>
-            <a:off x="1851263" y="3508137"/>
-            <a:ext cx="1659429" cy="369332"/>
+            <a:off x="2506673" y="5478099"/>
+            <a:ext cx="9507516" cy="646331"/>
           </a:xfrm>
           <a:prstGeom prst="rect">
             <a:avLst/>
           </a:prstGeom>
         </p:spPr>
         <p:txBody>
-          <a:bodyPr wrap="none">
-            <a:spAutoFit/>
-          </a:bodyPr>
-          <a:lstStyle/>
-          <a:p>
-            <a:r>
-              <a:rPr lang="en-US" altLang="zh-CN" b="1" dirty="0" err="1" smtClean="0">
-                <a:latin typeface="Roboto" charset="0"/>
-              </a:rPr>
-              <a:t>AfterContent</a:t>
-            </a:r>
-            <a:r>
-              <a:rPr lang="en-US" altLang="zh-CN" b="1" dirty="0" smtClean="0">
-                <a:latin typeface="Roboto" charset="0"/>
-              </a:rPr>
-              <a:t>()</a:t>
-            </a:r>
-            <a:endParaRPr lang="en-US" altLang="zh-CN" b="1" dirty="0">
-              <a:latin typeface="Roboto" charset="0"/>
-            </a:endParaRPr>
-          </a:p>
-        </p:txBody>
-      </p:sp>
-      <p:sp>
-        <p:nvSpPr>
-          <p:cNvPr id="17" name="矩形 16"/>
-          <p:cNvSpPr/>
-          <p:nvPr/>
-        </p:nvSpPr>
-        <p:spPr>
-          <a:xfrm>
-            <a:off x="2607082" y="3993224"/>
-            <a:ext cx="9322980" cy="369332"/>
-          </a:xfrm>
-          <a:prstGeom prst="rect">
-            <a:avLst/>
-          </a:prstGeom>
-        </p:spPr>
-        <p:txBody>
           <a:bodyPr wrap="square">
             <a:spAutoFit/>
           </a:bodyPr>
           <a:lstStyle/>
           <a:p>
             <a:r>
-              <a:rPr lang="en-US" altLang="zh-CN" dirty="0">
-                <a:hlinkClick r:id="rId4"/>
-              </a:rPr>
-              <a:t>AfterContentInit</a:t>
-            </a:r>
-            <a:r>
-              <a:rPr lang="en-US" altLang="zh-CN" dirty="0"/>
-              <a:t>()</a:t>
-            </a:r>
-            <a:r>
-              <a:rPr lang="zh-CN" altLang="en-US" dirty="0">
-                <a:latin typeface="Roboto" charset="0"/>
-              </a:rPr>
-              <a:t> 和 </a:t>
-            </a:r>
-            <a:r>
-              <a:rPr lang="en-US" altLang="zh-CN" dirty="0">
-                <a:hlinkClick r:id="rId5"/>
-              </a:rPr>
-              <a:t>AfterContentChecked</a:t>
-            </a:r>
-            <a:r>
-              <a:rPr lang="en-US" altLang="zh-CN" dirty="0"/>
-              <a:t>()</a:t>
-            </a:r>
-            <a:r>
-              <a:rPr lang="zh-CN" altLang="en-US" dirty="0">
-                <a:latin typeface="Roboto" charset="0"/>
-              </a:rPr>
-              <a:t> 钩子</a:t>
-            </a:r>
-            <a:r>
               <a:rPr lang="zh-CN" altLang="en-US" dirty="0" smtClean="0">
                 <a:latin typeface="Roboto" charset="0"/>
               </a:rPr>
-              <a:t>，在</a:t>
-            </a:r>
-            <a:r>
-              <a:rPr lang="zh-CN" altLang="en-US" dirty="0">
-                <a:latin typeface="Roboto" charset="0"/>
-              </a:rPr>
-              <a:t>外来内容被投影到组件中</a:t>
-            </a:r>
-            <a:r>
-              <a:rPr lang="zh-CN" altLang="en-US" b="1" dirty="0">
-                <a:latin typeface="Roboto" charset="0"/>
-              </a:rPr>
-              <a:t>之后</a:t>
-            </a:r>
-            <a:r>
-              <a:rPr lang="zh-CN" altLang="en-US" dirty="0">
-                <a:latin typeface="Roboto" charset="0"/>
-              </a:rPr>
-              <a:t>调用它们。</a:t>
+              <a:t>如果输入属性是对象</a:t>
+            </a:r>
+            <a:r>
+              <a:rPr lang="en-US" altLang="zh-CN" dirty="0" smtClean="0">
+                <a:latin typeface="Roboto" charset="0"/>
+              </a:rPr>
+              <a:t>hero</a:t>
+            </a:r>
+            <a:r>
+              <a:rPr lang="zh-CN" altLang="en-US" dirty="0" smtClean="0">
+                <a:latin typeface="Roboto" charset="0"/>
+              </a:rPr>
+              <a:t>，当他的值</a:t>
+            </a:r>
+            <a:r>
+              <a:rPr lang="en-US" altLang="zh-CN" dirty="0" err="1" smtClean="0">
+                <a:latin typeface="Roboto" charset="0"/>
+              </a:rPr>
+              <a:t>hero.name</a:t>
+            </a:r>
+            <a:r>
+              <a:rPr lang="zh-CN" altLang="en-US" dirty="0" smtClean="0">
+                <a:latin typeface="Roboto" charset="0"/>
+              </a:rPr>
+              <a:t>发生变化时，不会被</a:t>
+            </a:r>
+            <a:r>
+              <a:rPr lang="en-US" altLang="zh-CN" dirty="0" err="1" smtClean="0">
+                <a:latin typeface="Roboto" charset="0"/>
+              </a:rPr>
+              <a:t>OnChanges</a:t>
+            </a:r>
+            <a:r>
+              <a:rPr lang="zh-CN" altLang="en-US" dirty="0" smtClean="0">
+                <a:latin typeface="Roboto" charset="0"/>
+              </a:rPr>
+              <a:t>捕捉到，因为</a:t>
+            </a:r>
+            <a:r>
+              <a:rPr lang="en-US" altLang="zh-CN" dirty="0" smtClean="0">
+                <a:latin typeface="Roboto" charset="0"/>
+              </a:rPr>
+              <a:t>hero</a:t>
+            </a:r>
+            <a:r>
+              <a:rPr lang="zh-CN" altLang="en-US" dirty="0" smtClean="0">
+                <a:latin typeface="Roboto" charset="0"/>
+              </a:rPr>
+              <a:t>的引用没有变化</a:t>
             </a:r>
             <a:endParaRPr lang="zh-CN" altLang="en-US" dirty="0"/>
-          </a:p>
-        </p:txBody>
-      </p:sp>
-      <p:sp>
-        <p:nvSpPr>
-          <p:cNvPr id="18" name="矩形 17"/>
-          <p:cNvSpPr/>
-          <p:nvPr/>
-        </p:nvSpPr>
-        <p:spPr>
-          <a:xfrm>
-            <a:off x="2607082" y="4406854"/>
-            <a:ext cx="1107996" cy="369332"/>
-          </a:xfrm>
-          <a:prstGeom prst="rect">
-            <a:avLst/>
-          </a:prstGeom>
-        </p:spPr>
-        <p:txBody>
-          <a:bodyPr wrap="none">
-            <a:spAutoFit/>
-          </a:bodyPr>
-          <a:lstStyle/>
-          <a:p>
-            <a:r>
-              <a:rPr lang="zh-CN" altLang="en-US" dirty="0">
-                <a:latin typeface="Roboto" charset="0"/>
-              </a:rPr>
-              <a:t>内容投影</a:t>
-            </a:r>
-            <a:endParaRPr lang="zh-CN" altLang="en-US" b="0" i="0" dirty="0">
-              <a:effectLst/>
-              <a:latin typeface="Roboto" charset="0"/>
-            </a:endParaRPr>
-          </a:p>
-        </p:txBody>
-      </p:sp>
-      <p:sp>
-        <p:nvSpPr>
-          <p:cNvPr id="19" name="矩形 18"/>
-          <p:cNvSpPr/>
-          <p:nvPr/>
-        </p:nvSpPr>
-        <p:spPr>
-          <a:xfrm>
-            <a:off x="3829378" y="4425325"/>
-            <a:ext cx="8214984" cy="369332"/>
-          </a:xfrm>
-          <a:prstGeom prst="rect">
-            <a:avLst/>
-          </a:prstGeom>
-        </p:spPr>
-        <p:txBody>
-          <a:bodyPr wrap="square">
-            <a:spAutoFit/>
-          </a:bodyPr>
-          <a:lstStyle/>
-          <a:p>
-            <a:r>
-              <a:rPr lang="zh-CN" altLang="en-US" dirty="0">
-                <a:latin typeface="Roboto" charset="0"/>
-              </a:rPr>
-              <a:t>从组件外部导入 </a:t>
-            </a:r>
-            <a:r>
-              <a:rPr lang="en-US" altLang="zh-CN" dirty="0">
-                <a:latin typeface="Roboto" charset="0"/>
-              </a:rPr>
-              <a:t>HTML </a:t>
-            </a:r>
-            <a:r>
-              <a:rPr lang="zh-CN" altLang="en-US" dirty="0">
-                <a:latin typeface="Roboto" charset="0"/>
-              </a:rPr>
-              <a:t>内容，并把它插入在组件模板中指定位置上的一种途径。</a:t>
-            </a:r>
-            <a:endParaRPr lang="zh-CN" altLang="en-US" dirty="0"/>
-          </a:p>
-        </p:txBody>
-      </p:sp>
-      <p:sp>
-        <p:nvSpPr>
-          <p:cNvPr id="20" name="矩形 19"/>
-          <p:cNvSpPr/>
-          <p:nvPr/>
-        </p:nvSpPr>
-        <p:spPr>
-          <a:xfrm>
-            <a:off x="2607082" y="4838955"/>
-            <a:ext cx="9194393" cy="369332"/>
-          </a:xfrm>
-          <a:prstGeom prst="rect">
-            <a:avLst/>
-          </a:prstGeom>
-        </p:spPr>
-        <p:txBody>
-          <a:bodyPr wrap="square">
-            <a:spAutoFit/>
-          </a:bodyPr>
-          <a:lstStyle/>
-          <a:p>
-            <a:r>
-              <a:rPr lang="zh-CN" altLang="en-US" dirty="0">
-                <a:latin typeface="Roboto" charset="0"/>
-              </a:rPr>
-              <a:t>永远不要在组件标签的内部放任何内容 </a:t>
-            </a:r>
-            <a:r>
-              <a:rPr lang="en-US" altLang="zh-CN" dirty="0">
-                <a:latin typeface="Roboto" charset="0"/>
-              </a:rPr>
-              <a:t>—— </a:t>
-            </a:r>
-            <a:r>
-              <a:rPr lang="zh-CN" altLang="en-US" b="1" dirty="0">
-                <a:latin typeface="Roboto" charset="0"/>
-              </a:rPr>
-              <a:t>除非你想把这些内容投影进这个组件中</a:t>
-            </a:r>
-            <a:r>
-              <a:rPr lang="zh-CN" altLang="en-US" dirty="0">
-                <a:latin typeface="Roboto" charset="0"/>
-              </a:rPr>
-              <a:t>。</a:t>
-            </a:r>
-            <a:endParaRPr lang="zh-CN" altLang="en-US" dirty="0"/>
-          </a:p>
-        </p:txBody>
-      </p:sp>
-      <p:sp>
-        <p:nvSpPr>
-          <p:cNvPr id="21" name="矩形 20"/>
-          <p:cNvSpPr/>
-          <p:nvPr/>
-        </p:nvSpPr>
-        <p:spPr>
-          <a:xfrm>
-            <a:off x="1851263" y="5280173"/>
-            <a:ext cx="9950212" cy="923330"/>
-          </a:xfrm>
-          <a:prstGeom prst="rect">
-            <a:avLst/>
-          </a:prstGeom>
-        </p:spPr>
-        <p:txBody>
-          <a:bodyPr wrap="square">
-            <a:spAutoFit/>
-          </a:bodyPr>
-          <a:lstStyle/>
-          <a:p>
-            <a:r>
-              <a:rPr lang="en-US" altLang="zh-CN" b="1" dirty="0" err="1">
-                <a:latin typeface="Roboto" charset="0"/>
-              </a:rPr>
-              <a:t>AfterContent</a:t>
-            </a:r>
-            <a:r>
-              <a:rPr lang="zh-CN" altLang="en-US" dirty="0">
-                <a:latin typeface="Roboto" charset="0"/>
-              </a:rPr>
-              <a:t> </a:t>
-            </a:r>
-            <a:r>
-              <a:rPr lang="zh-CN" altLang="en-US" dirty="0" smtClean="0">
-                <a:latin typeface="Roboto" charset="0"/>
-              </a:rPr>
-              <a:t>和</a:t>
-            </a:r>
-            <a:r>
-              <a:rPr lang="zh-CN" altLang="en-US" dirty="0">
-                <a:latin typeface="Roboto" charset="0"/>
-              </a:rPr>
-              <a:t> </a:t>
-            </a:r>
-            <a:r>
-              <a:rPr lang="en-US" altLang="zh-CN" b="1" dirty="0" err="1">
-                <a:latin typeface="Roboto" charset="0"/>
-              </a:rPr>
-              <a:t>AfterView</a:t>
-            </a:r>
-            <a:r>
-              <a:rPr lang="zh-CN" altLang="en-US" dirty="0">
-                <a:latin typeface="Roboto" charset="0"/>
-              </a:rPr>
-              <a:t> 相似。关键的不同点是子组件的类型不同。</a:t>
-            </a:r>
-          </a:p>
-          <a:p>
-            <a:pPr>
-              <a:buFont typeface="Arial" charset="0"/>
-              <a:buChar char="•"/>
-            </a:pPr>
-            <a:r>
-              <a:rPr lang="en-US" altLang="zh-CN" b="1" dirty="0" err="1">
-                <a:latin typeface="Roboto" charset="0"/>
-              </a:rPr>
-              <a:t>AfterView</a:t>
-            </a:r>
-            <a:r>
-              <a:rPr lang="zh-CN" altLang="en-US" dirty="0">
-                <a:latin typeface="Roboto" charset="0"/>
-              </a:rPr>
-              <a:t> </a:t>
-            </a:r>
-            <a:r>
-              <a:rPr lang="zh-CN" altLang="en-US" dirty="0" smtClean="0">
-                <a:latin typeface="Roboto" charset="0"/>
-              </a:rPr>
-              <a:t>所</a:t>
-            </a:r>
-            <a:r>
-              <a:rPr lang="zh-CN" altLang="en-US" dirty="0">
-                <a:latin typeface="Roboto" charset="0"/>
-              </a:rPr>
-              <a:t>关心的是 </a:t>
-            </a:r>
-            <a:r>
-              <a:rPr lang="en-US" altLang="zh-CN" dirty="0">
-                <a:latin typeface="Roboto" charset="0"/>
-                <a:hlinkClick r:id="rId6"/>
-              </a:rPr>
-              <a:t>ViewChildren</a:t>
-            </a:r>
-            <a:r>
-              <a:rPr lang="zh-CN" altLang="en-US" dirty="0">
-                <a:latin typeface="Roboto" charset="0"/>
-              </a:rPr>
-              <a:t>，这些子组件的元素标签会出现在该组件的模板</a:t>
-            </a:r>
-            <a:r>
-              <a:rPr lang="zh-CN" altLang="en-US" b="1" dirty="0">
-                <a:latin typeface="Roboto" charset="0"/>
-              </a:rPr>
-              <a:t>里面</a:t>
-            </a:r>
-            <a:r>
-              <a:rPr lang="zh-CN" altLang="en-US" dirty="0">
-                <a:latin typeface="Roboto" charset="0"/>
-              </a:rPr>
-              <a:t>。</a:t>
-            </a:r>
-          </a:p>
-          <a:p>
-            <a:pPr>
-              <a:buFont typeface="Arial" charset="0"/>
-              <a:buChar char="•"/>
-            </a:pPr>
-            <a:r>
-              <a:rPr lang="en-US" altLang="zh-CN" b="1" dirty="0" err="1">
-                <a:latin typeface="Roboto" charset="0"/>
-              </a:rPr>
-              <a:t>AfterContent</a:t>
-            </a:r>
-            <a:r>
-              <a:rPr lang="zh-CN" altLang="en-US" dirty="0">
-                <a:latin typeface="Roboto" charset="0"/>
-              </a:rPr>
-              <a:t> </a:t>
-            </a:r>
-            <a:r>
-              <a:rPr lang="zh-CN" altLang="en-US" dirty="0" smtClean="0">
-                <a:latin typeface="Roboto" charset="0"/>
-              </a:rPr>
-              <a:t>所</a:t>
-            </a:r>
-            <a:r>
-              <a:rPr lang="zh-CN" altLang="en-US" dirty="0">
-                <a:latin typeface="Roboto" charset="0"/>
-              </a:rPr>
-              <a:t>关心的是 </a:t>
-            </a:r>
-            <a:r>
-              <a:rPr lang="en-US" altLang="zh-CN" dirty="0">
-                <a:latin typeface="Roboto" charset="0"/>
-                <a:hlinkClick r:id="rId7"/>
-              </a:rPr>
-              <a:t>ContentChildren</a:t>
-            </a:r>
-            <a:r>
-              <a:rPr lang="zh-CN" altLang="en-US" dirty="0">
-                <a:latin typeface="Roboto" charset="0"/>
-              </a:rPr>
-              <a:t>，这些子组件被 </a:t>
-            </a:r>
-            <a:r>
-              <a:rPr lang="en-US" altLang="zh-CN" dirty="0">
-                <a:latin typeface="Roboto" charset="0"/>
-              </a:rPr>
-              <a:t>Angular </a:t>
-            </a:r>
-            <a:r>
-              <a:rPr lang="zh-CN" altLang="en-US" dirty="0">
-                <a:latin typeface="Roboto" charset="0"/>
-              </a:rPr>
-              <a:t>投影进该组件中。</a:t>
-            </a:r>
-            <a:endParaRPr lang="zh-CN" altLang="en-US" b="0" i="0" dirty="0">
-              <a:effectLst/>
-              <a:latin typeface="Roboto" charset="0"/>
-            </a:endParaRPr>
-          </a:p>
-        </p:txBody>
-      </p:sp>
-      <p:sp>
-        <p:nvSpPr>
-          <p:cNvPr id="22" name="矩形 21"/>
-          <p:cNvSpPr/>
-          <p:nvPr/>
-        </p:nvSpPr>
-        <p:spPr>
-          <a:xfrm>
-            <a:off x="1858214" y="6338158"/>
-            <a:ext cx="4968155" cy="369332"/>
-          </a:xfrm>
-          <a:prstGeom prst="rect">
-            <a:avLst/>
-          </a:prstGeom>
-        </p:spPr>
-        <p:txBody>
-          <a:bodyPr wrap="none">
-            <a:spAutoFit/>
-          </a:bodyPr>
-          <a:lstStyle/>
-          <a:p>
-            <a:r>
-              <a:rPr lang="zh-CN" altLang="en-US" dirty="0">
-                <a:latin typeface="Roboto" charset="0"/>
-              </a:rPr>
-              <a:t>使用 </a:t>
-            </a:r>
-            <a:r>
-              <a:rPr lang="en-US" altLang="zh-CN" dirty="0" err="1">
-                <a:latin typeface="Roboto" charset="0"/>
-              </a:rPr>
-              <a:t>AfterContent</a:t>
-            </a:r>
-            <a:r>
-              <a:rPr lang="en-US" altLang="zh-CN" dirty="0">
-                <a:latin typeface="Roboto" charset="0"/>
-              </a:rPr>
-              <a:t> </a:t>
-            </a:r>
-            <a:r>
-              <a:rPr lang="zh-CN" altLang="en-US" dirty="0">
-                <a:latin typeface="Roboto" charset="0"/>
-              </a:rPr>
-              <a:t>时，无需担心单向数据流规则</a:t>
-            </a:r>
-            <a:endParaRPr lang="zh-CN" altLang="en-US" b="0" i="0" dirty="0">
-              <a:effectLst/>
-              <a:latin typeface="Roboto" charset="0"/>
-            </a:endParaRPr>
           </a:p>
         </p:txBody>
       </p:sp>
     </p:spTree>
     <p:extLst>
       <p:ext uri="{BB962C8B-B14F-4D97-AF65-F5344CB8AC3E}">
-        <p14:creationId xmlns:p14="http://schemas.microsoft.com/office/powerpoint/2010/main" val="1354444749"/>
+        <p14:creationId xmlns:p14="http://schemas.microsoft.com/office/powerpoint/2010/main" val="1912361220"/>
       </p:ext>
     </p:extLst>
   </p:cSld>
@@ -4410,6 +4125,835 @@
       </p:grpSpPr>
       <p:sp>
         <p:nvSpPr>
+          <p:cNvPr id="5" name="矩形 4"/>
+          <p:cNvSpPr/>
+          <p:nvPr/>
+        </p:nvSpPr>
+        <p:spPr>
+          <a:xfrm>
+            <a:off x="1851263" y="238295"/>
+            <a:ext cx="1181734" cy="369332"/>
+          </a:xfrm>
+          <a:prstGeom prst="rect">
+            <a:avLst/>
+          </a:prstGeom>
+        </p:spPr>
+        <p:txBody>
+          <a:bodyPr wrap="none">
+            <a:spAutoFit/>
+          </a:bodyPr>
+          <a:lstStyle/>
+          <a:p>
+            <a:r>
+              <a:rPr lang="mr-IN" altLang="zh-CN" b="1" dirty="0" err="1"/>
+              <a:t>DoCheck</a:t>
+            </a:r>
+            <a:r>
+              <a:rPr lang="mr-IN" altLang="zh-CN" b="1" dirty="0" smtClean="0"/>
+              <a:t>()</a:t>
+            </a:r>
+            <a:endParaRPr lang="mr-IN" altLang="zh-CN" dirty="0"/>
+          </a:p>
+        </p:txBody>
+      </p:sp>
+      <p:sp>
+        <p:nvSpPr>
+          <p:cNvPr id="3" name="矩形 2"/>
+          <p:cNvSpPr/>
+          <p:nvPr/>
+        </p:nvSpPr>
+        <p:spPr>
+          <a:xfrm>
+            <a:off x="1851263" y="1463331"/>
+            <a:ext cx="1355949" cy="369332"/>
+          </a:xfrm>
+          <a:prstGeom prst="rect">
+            <a:avLst/>
+          </a:prstGeom>
+        </p:spPr>
+        <p:txBody>
+          <a:bodyPr wrap="none">
+            <a:spAutoFit/>
+          </a:bodyPr>
+          <a:lstStyle/>
+          <a:p>
+            <a:r>
+              <a:rPr lang="en-US" altLang="zh-CN" b="1" dirty="0" err="1" smtClean="0">
+                <a:latin typeface="Roboto" charset="0"/>
+              </a:rPr>
+              <a:t>AfterView</a:t>
+            </a:r>
+            <a:r>
+              <a:rPr lang="en-US" altLang="zh-CN" dirty="0" smtClean="0">
+                <a:latin typeface="Roboto" charset="0"/>
+              </a:rPr>
+              <a:t>()</a:t>
+            </a:r>
+            <a:endParaRPr lang="en-US" altLang="zh-CN" b="1" dirty="0">
+              <a:latin typeface="Roboto" charset="0"/>
+            </a:endParaRPr>
+          </a:p>
+        </p:txBody>
+      </p:sp>
+      <p:sp>
+        <p:nvSpPr>
+          <p:cNvPr id="4" name="矩形 3"/>
+          <p:cNvSpPr/>
+          <p:nvPr/>
+        </p:nvSpPr>
+        <p:spPr>
+          <a:xfrm>
+            <a:off x="2479695" y="647695"/>
+            <a:ext cx="4326826" cy="369332"/>
+          </a:xfrm>
+          <a:prstGeom prst="rect">
+            <a:avLst/>
+          </a:prstGeom>
+        </p:spPr>
+        <p:txBody>
+          <a:bodyPr wrap="none">
+            <a:spAutoFit/>
+          </a:bodyPr>
+          <a:lstStyle/>
+          <a:p>
+            <a:r>
+              <a:rPr lang="zh-CN" altLang="en-US" dirty="0" smtClean="0">
+                <a:latin typeface="Roboto" charset="0"/>
+              </a:rPr>
+              <a:t>可以检测到 </a:t>
+            </a:r>
+            <a:r>
+              <a:rPr lang="en-US" altLang="zh-CN" dirty="0" err="1" smtClean="0">
+                <a:latin typeface="Roboto" charset="0"/>
+              </a:rPr>
+              <a:t>hero.name</a:t>
+            </a:r>
+            <a:r>
+              <a:rPr lang="en-US" altLang="zh-CN" dirty="0" smtClean="0">
+                <a:latin typeface="Roboto" charset="0"/>
+              </a:rPr>
+              <a:t> </a:t>
+            </a:r>
+            <a:r>
+              <a:rPr lang="zh-CN" altLang="en-US" dirty="0" smtClean="0">
+                <a:latin typeface="Roboto" charset="0"/>
+              </a:rPr>
+              <a:t>的变化 （见官网）</a:t>
+            </a:r>
+            <a:endParaRPr lang="zh-CN" altLang="en-US" dirty="0"/>
+          </a:p>
+        </p:txBody>
+      </p:sp>
+      <p:sp>
+        <p:nvSpPr>
+          <p:cNvPr id="8" name="矩形 7"/>
+          <p:cNvSpPr/>
+          <p:nvPr/>
+        </p:nvSpPr>
+        <p:spPr>
+          <a:xfrm>
+            <a:off x="2514949" y="2446739"/>
+            <a:ext cx="2262158" cy="369332"/>
+          </a:xfrm>
+          <a:prstGeom prst="rect">
+            <a:avLst/>
+          </a:prstGeom>
+        </p:spPr>
+        <p:txBody>
+          <a:bodyPr wrap="none">
+            <a:spAutoFit/>
+          </a:bodyPr>
+          <a:lstStyle/>
+          <a:p>
+            <a:r>
+              <a:rPr lang="zh-CN" altLang="en-US">
+                <a:latin typeface="Roboto" charset="0"/>
+              </a:rPr>
+              <a:t>遵循单向数据流规则</a:t>
+            </a:r>
+          </a:p>
+        </p:txBody>
+      </p:sp>
+      <p:sp>
+        <p:nvSpPr>
+          <p:cNvPr id="11" name="矩形 10"/>
+          <p:cNvSpPr/>
+          <p:nvPr/>
+        </p:nvSpPr>
+        <p:spPr>
+          <a:xfrm>
+            <a:off x="2488832" y="1037920"/>
+            <a:ext cx="3166251" cy="369332"/>
+          </a:xfrm>
+          <a:prstGeom prst="rect">
+            <a:avLst/>
+          </a:prstGeom>
+        </p:spPr>
+        <p:txBody>
+          <a:bodyPr wrap="none">
+            <a:spAutoFit/>
+          </a:bodyPr>
+          <a:lstStyle/>
+          <a:p>
+            <a:r>
+              <a:rPr lang="zh-CN" altLang="en-US" dirty="0" smtClean="0">
+                <a:latin typeface="Roboto" charset="0"/>
+              </a:rPr>
+              <a:t>出发非常频繁，需要小心使用</a:t>
+            </a:r>
+            <a:endParaRPr lang="zh-CN" altLang="en-US" dirty="0"/>
+          </a:p>
+        </p:txBody>
+      </p:sp>
+      <p:sp>
+        <p:nvSpPr>
+          <p:cNvPr id="14" name="矩形 13"/>
+          <p:cNvSpPr/>
+          <p:nvPr/>
+        </p:nvSpPr>
+        <p:spPr>
+          <a:xfrm>
+            <a:off x="2435235" y="1961652"/>
+            <a:ext cx="9739313" cy="369332"/>
+          </a:xfrm>
+          <a:prstGeom prst="rect">
+            <a:avLst/>
+          </a:prstGeom>
+        </p:spPr>
+        <p:txBody>
+          <a:bodyPr wrap="square">
+            <a:spAutoFit/>
+          </a:bodyPr>
+          <a:lstStyle/>
+          <a:p>
+            <a:r>
+              <a:rPr lang="zh-CN" altLang="en-US" dirty="0">
+                <a:latin typeface="Roboto" charset="0"/>
+              </a:rPr>
+              <a:t> </a:t>
+            </a:r>
+            <a:r>
+              <a:rPr lang="en-US" altLang="zh-CN" dirty="0">
+                <a:hlinkClick r:id="rId2"/>
+              </a:rPr>
+              <a:t>AfterViewInit</a:t>
+            </a:r>
+            <a:r>
+              <a:rPr lang="en-US" altLang="zh-CN" dirty="0"/>
+              <a:t>()</a:t>
+            </a:r>
+            <a:r>
+              <a:rPr lang="zh-CN" altLang="en-US" dirty="0">
+                <a:latin typeface="Roboto" charset="0"/>
+              </a:rPr>
+              <a:t> 和 </a:t>
+            </a:r>
+            <a:r>
+              <a:rPr lang="en-US" altLang="zh-CN" dirty="0">
+                <a:hlinkClick r:id="rId3"/>
+              </a:rPr>
+              <a:t>AfterViewChecked</a:t>
+            </a:r>
+            <a:r>
+              <a:rPr lang="en-US" altLang="zh-CN" dirty="0"/>
+              <a:t>()</a:t>
+            </a:r>
+            <a:r>
+              <a:rPr lang="zh-CN" altLang="en-US" dirty="0">
+                <a:latin typeface="Roboto" charset="0"/>
+              </a:rPr>
+              <a:t> 钩子，</a:t>
+            </a:r>
+            <a:r>
+              <a:rPr lang="en-US" altLang="zh-CN" dirty="0">
+                <a:latin typeface="Roboto" charset="0"/>
+              </a:rPr>
+              <a:t>Angular </a:t>
+            </a:r>
+            <a:r>
+              <a:rPr lang="zh-CN" altLang="en-US" dirty="0">
+                <a:latin typeface="Roboto" charset="0"/>
+              </a:rPr>
+              <a:t>会在每次创建了组件的子视图后调用它们</a:t>
+            </a:r>
+            <a:endParaRPr lang="zh-CN" altLang="en-US" dirty="0"/>
+          </a:p>
+        </p:txBody>
+      </p:sp>
+      <p:sp>
+        <p:nvSpPr>
+          <p:cNvPr id="15" name="矩形 14"/>
+          <p:cNvSpPr/>
+          <p:nvPr/>
+        </p:nvSpPr>
+        <p:spPr>
+          <a:xfrm>
+            <a:off x="3207211" y="2888945"/>
+            <a:ext cx="8722851" cy="646331"/>
+          </a:xfrm>
+          <a:prstGeom prst="rect">
+            <a:avLst/>
+          </a:prstGeom>
+        </p:spPr>
+        <p:txBody>
+          <a:bodyPr wrap="square">
+            <a:spAutoFit/>
+          </a:bodyPr>
+          <a:lstStyle/>
+          <a:p>
+            <a:r>
+              <a:rPr lang="en-US" altLang="zh-CN" dirty="0">
+                <a:latin typeface="Roboto" charset="0"/>
+              </a:rPr>
+              <a:t>Angular </a:t>
+            </a:r>
+            <a:r>
+              <a:rPr lang="zh-CN" altLang="en-US" dirty="0">
+                <a:latin typeface="Roboto" charset="0"/>
+              </a:rPr>
+              <a:t>的“单向数据流”规则</a:t>
+            </a:r>
+            <a:r>
+              <a:rPr lang="zh-CN" altLang="en-US" dirty="0">
+                <a:solidFill>
+                  <a:srgbClr val="FF0000"/>
+                </a:solidFill>
+                <a:latin typeface="Roboto" charset="0"/>
+              </a:rPr>
+              <a:t>禁止在一个视图已经被组合好</a:t>
+            </a:r>
+            <a:r>
+              <a:rPr lang="zh-CN" altLang="en-US" b="1" dirty="0">
+                <a:solidFill>
+                  <a:srgbClr val="FF0000"/>
+                </a:solidFill>
+                <a:latin typeface="Roboto" charset="0"/>
+              </a:rPr>
+              <a:t>之后</a:t>
+            </a:r>
+            <a:r>
+              <a:rPr lang="zh-CN" altLang="en-US" dirty="0">
+                <a:solidFill>
+                  <a:srgbClr val="FF0000"/>
+                </a:solidFill>
+                <a:latin typeface="Roboto" charset="0"/>
+              </a:rPr>
+              <a:t>再更新视图</a:t>
+            </a:r>
+            <a:r>
+              <a:rPr lang="zh-CN" altLang="en-US" dirty="0">
+                <a:latin typeface="Roboto" charset="0"/>
+              </a:rPr>
+              <a:t>。 而这两个钩子都是在组件的视图已经被组合好之后触发的。</a:t>
+            </a:r>
+            <a:endParaRPr lang="zh-CN" altLang="en-US" dirty="0"/>
+          </a:p>
+        </p:txBody>
+      </p:sp>
+      <p:sp>
+        <p:nvSpPr>
+          <p:cNvPr id="16" name="矩形 15"/>
+          <p:cNvSpPr/>
+          <p:nvPr/>
+        </p:nvSpPr>
+        <p:spPr>
+          <a:xfrm>
+            <a:off x="1851263" y="3508137"/>
+            <a:ext cx="1659429" cy="369332"/>
+          </a:xfrm>
+          <a:prstGeom prst="rect">
+            <a:avLst/>
+          </a:prstGeom>
+        </p:spPr>
+        <p:txBody>
+          <a:bodyPr wrap="none">
+            <a:spAutoFit/>
+          </a:bodyPr>
+          <a:lstStyle/>
+          <a:p>
+            <a:r>
+              <a:rPr lang="en-US" altLang="zh-CN" b="1" dirty="0" err="1" smtClean="0">
+                <a:latin typeface="Roboto" charset="0"/>
+              </a:rPr>
+              <a:t>AfterContent</a:t>
+            </a:r>
+            <a:r>
+              <a:rPr lang="en-US" altLang="zh-CN" b="1" dirty="0" smtClean="0">
+                <a:latin typeface="Roboto" charset="0"/>
+              </a:rPr>
+              <a:t>()</a:t>
+            </a:r>
+            <a:endParaRPr lang="en-US" altLang="zh-CN" b="1" dirty="0">
+              <a:latin typeface="Roboto" charset="0"/>
+            </a:endParaRPr>
+          </a:p>
+        </p:txBody>
+      </p:sp>
+      <p:sp>
+        <p:nvSpPr>
+          <p:cNvPr id="17" name="矩形 16"/>
+          <p:cNvSpPr/>
+          <p:nvPr/>
+        </p:nvSpPr>
+        <p:spPr>
+          <a:xfrm>
+            <a:off x="2607082" y="3993224"/>
+            <a:ext cx="9322980" cy="369332"/>
+          </a:xfrm>
+          <a:prstGeom prst="rect">
+            <a:avLst/>
+          </a:prstGeom>
+        </p:spPr>
+        <p:txBody>
+          <a:bodyPr wrap="square">
+            <a:spAutoFit/>
+          </a:bodyPr>
+          <a:lstStyle/>
+          <a:p>
+            <a:r>
+              <a:rPr lang="en-US" altLang="zh-CN" dirty="0">
+                <a:hlinkClick r:id="rId4"/>
+              </a:rPr>
+              <a:t>AfterContentInit</a:t>
+            </a:r>
+            <a:r>
+              <a:rPr lang="en-US" altLang="zh-CN" dirty="0"/>
+              <a:t>()</a:t>
+            </a:r>
+            <a:r>
+              <a:rPr lang="zh-CN" altLang="en-US" dirty="0">
+                <a:latin typeface="Roboto" charset="0"/>
+              </a:rPr>
+              <a:t> 和 </a:t>
+            </a:r>
+            <a:r>
+              <a:rPr lang="en-US" altLang="zh-CN" dirty="0">
+                <a:hlinkClick r:id="rId5"/>
+              </a:rPr>
+              <a:t>AfterContentChecked</a:t>
+            </a:r>
+            <a:r>
+              <a:rPr lang="en-US" altLang="zh-CN" dirty="0"/>
+              <a:t>()</a:t>
+            </a:r>
+            <a:r>
+              <a:rPr lang="zh-CN" altLang="en-US" dirty="0">
+                <a:latin typeface="Roboto" charset="0"/>
+              </a:rPr>
+              <a:t> 钩子</a:t>
+            </a:r>
+            <a:r>
+              <a:rPr lang="zh-CN" altLang="en-US" dirty="0" smtClean="0">
+                <a:latin typeface="Roboto" charset="0"/>
+              </a:rPr>
+              <a:t>，在</a:t>
+            </a:r>
+            <a:r>
+              <a:rPr lang="zh-CN" altLang="en-US" dirty="0">
+                <a:latin typeface="Roboto" charset="0"/>
+              </a:rPr>
+              <a:t>外来内容被投影到组件中</a:t>
+            </a:r>
+            <a:r>
+              <a:rPr lang="zh-CN" altLang="en-US" b="1" dirty="0">
+                <a:latin typeface="Roboto" charset="0"/>
+              </a:rPr>
+              <a:t>之后</a:t>
+            </a:r>
+            <a:r>
+              <a:rPr lang="zh-CN" altLang="en-US" dirty="0">
+                <a:latin typeface="Roboto" charset="0"/>
+              </a:rPr>
+              <a:t>调用它们。</a:t>
+            </a:r>
+            <a:endParaRPr lang="zh-CN" altLang="en-US" dirty="0"/>
+          </a:p>
+        </p:txBody>
+      </p:sp>
+      <p:sp>
+        <p:nvSpPr>
+          <p:cNvPr id="18" name="矩形 17"/>
+          <p:cNvSpPr/>
+          <p:nvPr/>
+        </p:nvSpPr>
+        <p:spPr>
+          <a:xfrm>
+            <a:off x="2607082" y="4406854"/>
+            <a:ext cx="1107996" cy="369332"/>
+          </a:xfrm>
+          <a:prstGeom prst="rect">
+            <a:avLst/>
+          </a:prstGeom>
+        </p:spPr>
+        <p:txBody>
+          <a:bodyPr wrap="none">
+            <a:spAutoFit/>
+          </a:bodyPr>
+          <a:lstStyle/>
+          <a:p>
+            <a:r>
+              <a:rPr lang="zh-CN" altLang="en-US" dirty="0">
+                <a:latin typeface="Roboto" charset="0"/>
+              </a:rPr>
+              <a:t>内容投影</a:t>
+            </a:r>
+            <a:endParaRPr lang="zh-CN" altLang="en-US" b="0" i="0" dirty="0">
+              <a:effectLst/>
+              <a:latin typeface="Roboto" charset="0"/>
+            </a:endParaRPr>
+          </a:p>
+        </p:txBody>
+      </p:sp>
+      <p:sp>
+        <p:nvSpPr>
+          <p:cNvPr id="19" name="矩形 18"/>
+          <p:cNvSpPr/>
+          <p:nvPr/>
+        </p:nvSpPr>
+        <p:spPr>
+          <a:xfrm>
+            <a:off x="3829378" y="4425325"/>
+            <a:ext cx="8214984" cy="369332"/>
+          </a:xfrm>
+          <a:prstGeom prst="rect">
+            <a:avLst/>
+          </a:prstGeom>
+        </p:spPr>
+        <p:txBody>
+          <a:bodyPr wrap="square">
+            <a:spAutoFit/>
+          </a:bodyPr>
+          <a:lstStyle/>
+          <a:p>
+            <a:r>
+              <a:rPr lang="zh-CN" altLang="en-US" dirty="0">
+                <a:latin typeface="Roboto" charset="0"/>
+              </a:rPr>
+              <a:t>从组件外部导入 </a:t>
+            </a:r>
+            <a:r>
+              <a:rPr lang="en-US" altLang="zh-CN" dirty="0">
+                <a:latin typeface="Roboto" charset="0"/>
+              </a:rPr>
+              <a:t>HTML </a:t>
+            </a:r>
+            <a:r>
+              <a:rPr lang="zh-CN" altLang="en-US" dirty="0">
+                <a:latin typeface="Roboto" charset="0"/>
+              </a:rPr>
+              <a:t>内容，并把它插入在组件模板中指定位置上的一种途径。</a:t>
+            </a:r>
+            <a:endParaRPr lang="zh-CN" altLang="en-US" dirty="0"/>
+          </a:p>
+        </p:txBody>
+      </p:sp>
+      <p:sp>
+        <p:nvSpPr>
+          <p:cNvPr id="20" name="矩形 19"/>
+          <p:cNvSpPr/>
+          <p:nvPr/>
+        </p:nvSpPr>
+        <p:spPr>
+          <a:xfrm>
+            <a:off x="2607082" y="4838955"/>
+            <a:ext cx="9194393" cy="369332"/>
+          </a:xfrm>
+          <a:prstGeom prst="rect">
+            <a:avLst/>
+          </a:prstGeom>
+        </p:spPr>
+        <p:txBody>
+          <a:bodyPr wrap="square">
+            <a:spAutoFit/>
+          </a:bodyPr>
+          <a:lstStyle/>
+          <a:p>
+            <a:r>
+              <a:rPr lang="zh-CN" altLang="en-US" dirty="0">
+                <a:latin typeface="Roboto" charset="0"/>
+              </a:rPr>
+              <a:t>永远不要在组件标签的内部放任何内容 </a:t>
+            </a:r>
+            <a:r>
+              <a:rPr lang="en-US" altLang="zh-CN" dirty="0">
+                <a:latin typeface="Roboto" charset="0"/>
+              </a:rPr>
+              <a:t>—— </a:t>
+            </a:r>
+            <a:r>
+              <a:rPr lang="zh-CN" altLang="en-US" b="1" dirty="0">
+                <a:latin typeface="Roboto" charset="0"/>
+              </a:rPr>
+              <a:t>除非你想把这些内容投影进这个组件中</a:t>
+            </a:r>
+            <a:r>
+              <a:rPr lang="zh-CN" altLang="en-US" dirty="0">
+                <a:latin typeface="Roboto" charset="0"/>
+              </a:rPr>
+              <a:t>。</a:t>
+            </a:r>
+            <a:endParaRPr lang="zh-CN" altLang="en-US" dirty="0"/>
+          </a:p>
+        </p:txBody>
+      </p:sp>
+      <p:sp>
+        <p:nvSpPr>
+          <p:cNvPr id="21" name="矩形 20"/>
+          <p:cNvSpPr/>
+          <p:nvPr/>
+        </p:nvSpPr>
+        <p:spPr>
+          <a:xfrm>
+            <a:off x="1851263" y="5280173"/>
+            <a:ext cx="9950212" cy="923330"/>
+          </a:xfrm>
+          <a:prstGeom prst="rect">
+            <a:avLst/>
+          </a:prstGeom>
+        </p:spPr>
+        <p:txBody>
+          <a:bodyPr wrap="square">
+            <a:spAutoFit/>
+          </a:bodyPr>
+          <a:lstStyle/>
+          <a:p>
+            <a:r>
+              <a:rPr lang="en-US" altLang="zh-CN" b="1" dirty="0" err="1">
+                <a:latin typeface="Roboto" charset="0"/>
+              </a:rPr>
+              <a:t>AfterContent</a:t>
+            </a:r>
+            <a:r>
+              <a:rPr lang="zh-CN" altLang="en-US" dirty="0">
+                <a:latin typeface="Roboto" charset="0"/>
+              </a:rPr>
+              <a:t> </a:t>
+            </a:r>
+            <a:r>
+              <a:rPr lang="zh-CN" altLang="en-US" dirty="0" smtClean="0">
+                <a:latin typeface="Roboto" charset="0"/>
+              </a:rPr>
+              <a:t>和</a:t>
+            </a:r>
+            <a:r>
+              <a:rPr lang="zh-CN" altLang="en-US" dirty="0">
+                <a:latin typeface="Roboto" charset="0"/>
+              </a:rPr>
+              <a:t> </a:t>
+            </a:r>
+            <a:r>
+              <a:rPr lang="en-US" altLang="zh-CN" b="1" dirty="0" err="1">
+                <a:latin typeface="Roboto" charset="0"/>
+              </a:rPr>
+              <a:t>AfterView</a:t>
+            </a:r>
+            <a:r>
+              <a:rPr lang="zh-CN" altLang="en-US" dirty="0">
+                <a:latin typeface="Roboto" charset="0"/>
+              </a:rPr>
+              <a:t> 相似。关键的不同点是子组件的类型不同。</a:t>
+            </a:r>
+          </a:p>
+          <a:p>
+            <a:pPr>
+              <a:buFont typeface="Arial" charset="0"/>
+              <a:buChar char="•"/>
+            </a:pPr>
+            <a:r>
+              <a:rPr lang="en-US" altLang="zh-CN" b="1" dirty="0" err="1">
+                <a:latin typeface="Roboto" charset="0"/>
+              </a:rPr>
+              <a:t>AfterView</a:t>
+            </a:r>
+            <a:r>
+              <a:rPr lang="zh-CN" altLang="en-US" dirty="0">
+                <a:latin typeface="Roboto" charset="0"/>
+              </a:rPr>
+              <a:t> </a:t>
+            </a:r>
+            <a:r>
+              <a:rPr lang="zh-CN" altLang="en-US" dirty="0" smtClean="0">
+                <a:latin typeface="Roboto" charset="0"/>
+              </a:rPr>
+              <a:t>所</a:t>
+            </a:r>
+            <a:r>
+              <a:rPr lang="zh-CN" altLang="en-US" dirty="0">
+                <a:latin typeface="Roboto" charset="0"/>
+              </a:rPr>
+              <a:t>关心的是 </a:t>
+            </a:r>
+            <a:r>
+              <a:rPr lang="en-US" altLang="zh-CN" dirty="0">
+                <a:latin typeface="Roboto" charset="0"/>
+                <a:hlinkClick r:id="rId6"/>
+              </a:rPr>
+              <a:t>ViewChildren</a:t>
+            </a:r>
+            <a:r>
+              <a:rPr lang="zh-CN" altLang="en-US" dirty="0">
+                <a:latin typeface="Roboto" charset="0"/>
+              </a:rPr>
+              <a:t>，这些子组件的元素标签会出现在该组件的模板</a:t>
+            </a:r>
+            <a:r>
+              <a:rPr lang="zh-CN" altLang="en-US" b="1" dirty="0">
+                <a:latin typeface="Roboto" charset="0"/>
+              </a:rPr>
+              <a:t>里面</a:t>
+            </a:r>
+            <a:r>
+              <a:rPr lang="zh-CN" altLang="en-US" dirty="0">
+                <a:latin typeface="Roboto" charset="0"/>
+              </a:rPr>
+              <a:t>。</a:t>
+            </a:r>
+          </a:p>
+          <a:p>
+            <a:pPr>
+              <a:buFont typeface="Arial" charset="0"/>
+              <a:buChar char="•"/>
+            </a:pPr>
+            <a:r>
+              <a:rPr lang="en-US" altLang="zh-CN" b="1" dirty="0" err="1">
+                <a:latin typeface="Roboto" charset="0"/>
+              </a:rPr>
+              <a:t>AfterContent</a:t>
+            </a:r>
+            <a:r>
+              <a:rPr lang="zh-CN" altLang="en-US" dirty="0">
+                <a:latin typeface="Roboto" charset="0"/>
+              </a:rPr>
+              <a:t> </a:t>
+            </a:r>
+            <a:r>
+              <a:rPr lang="zh-CN" altLang="en-US" dirty="0" smtClean="0">
+                <a:latin typeface="Roboto" charset="0"/>
+              </a:rPr>
+              <a:t>所</a:t>
+            </a:r>
+            <a:r>
+              <a:rPr lang="zh-CN" altLang="en-US" dirty="0">
+                <a:latin typeface="Roboto" charset="0"/>
+              </a:rPr>
+              <a:t>关心的是 </a:t>
+            </a:r>
+            <a:r>
+              <a:rPr lang="en-US" altLang="zh-CN" dirty="0">
+                <a:latin typeface="Roboto" charset="0"/>
+                <a:hlinkClick r:id="rId7"/>
+              </a:rPr>
+              <a:t>ContentChildren</a:t>
+            </a:r>
+            <a:r>
+              <a:rPr lang="zh-CN" altLang="en-US" dirty="0">
+                <a:latin typeface="Roboto" charset="0"/>
+              </a:rPr>
+              <a:t>，这些子组件被 </a:t>
+            </a:r>
+            <a:r>
+              <a:rPr lang="en-US" altLang="zh-CN" dirty="0">
+                <a:latin typeface="Roboto" charset="0"/>
+              </a:rPr>
+              <a:t>Angular </a:t>
+            </a:r>
+            <a:r>
+              <a:rPr lang="zh-CN" altLang="en-US" dirty="0">
+                <a:latin typeface="Roboto" charset="0"/>
+              </a:rPr>
+              <a:t>投影进该组件中。</a:t>
+            </a:r>
+            <a:endParaRPr lang="zh-CN" altLang="en-US" b="0" i="0" dirty="0">
+              <a:effectLst/>
+              <a:latin typeface="Roboto" charset="0"/>
+            </a:endParaRPr>
+          </a:p>
+        </p:txBody>
+      </p:sp>
+      <p:sp>
+        <p:nvSpPr>
+          <p:cNvPr id="22" name="矩形 21"/>
+          <p:cNvSpPr/>
+          <p:nvPr/>
+        </p:nvSpPr>
+        <p:spPr>
+          <a:xfrm>
+            <a:off x="1858214" y="6338158"/>
+            <a:ext cx="4968155" cy="369332"/>
+          </a:xfrm>
+          <a:prstGeom prst="rect">
+            <a:avLst/>
+          </a:prstGeom>
+        </p:spPr>
+        <p:txBody>
+          <a:bodyPr wrap="none">
+            <a:spAutoFit/>
+          </a:bodyPr>
+          <a:lstStyle/>
+          <a:p>
+            <a:r>
+              <a:rPr lang="zh-CN" altLang="en-US" dirty="0">
+                <a:latin typeface="Roboto" charset="0"/>
+              </a:rPr>
+              <a:t>使用 </a:t>
+            </a:r>
+            <a:r>
+              <a:rPr lang="en-US" altLang="zh-CN" dirty="0" err="1">
+                <a:latin typeface="Roboto" charset="0"/>
+              </a:rPr>
+              <a:t>AfterContent</a:t>
+            </a:r>
+            <a:r>
+              <a:rPr lang="en-US" altLang="zh-CN" dirty="0">
+                <a:latin typeface="Roboto" charset="0"/>
+              </a:rPr>
+              <a:t> </a:t>
+            </a:r>
+            <a:r>
+              <a:rPr lang="zh-CN" altLang="en-US" dirty="0">
+                <a:latin typeface="Roboto" charset="0"/>
+              </a:rPr>
+              <a:t>时，无需担心单向数据流规则</a:t>
+            </a:r>
+            <a:endParaRPr lang="zh-CN" altLang="en-US" b="0" i="0" dirty="0">
+              <a:effectLst/>
+              <a:latin typeface="Roboto" charset="0"/>
+            </a:endParaRPr>
+          </a:p>
+        </p:txBody>
+      </p:sp>
+    </p:spTree>
+    <p:extLst>
+      <p:ext uri="{BB962C8B-B14F-4D97-AF65-F5344CB8AC3E}">
+        <p14:creationId xmlns:p14="http://schemas.microsoft.com/office/powerpoint/2010/main" val="1354444749"/>
+      </p:ext>
+    </p:extLst>
+  </p:cSld>
+  <p:clrMapOvr>
+    <a:masterClrMapping/>
+  </p:clrMapOvr>
+</p:sld>
+</file>
+
+<file path=ppt/slides/slide12.xml><?xml version="1.0" encoding="utf-8"?>
+<p:sld xmlns:a="http://schemas.openxmlformats.org/drawingml/2006/main" xmlns:r="http://schemas.openxmlformats.org/officeDocument/2006/relationships" xmlns:p="http://schemas.openxmlformats.org/presentationml/2006/main">
+  <p:cSld>
+    <p:spTree>
+      <p:nvGrpSpPr>
+        <p:cNvPr id="1" name=""/>
+        <p:cNvGrpSpPr/>
+        <p:nvPr/>
+      </p:nvGrpSpPr>
+      <p:grpSpPr>
+        <a:xfrm>
+          <a:off x="0" y="0"/>
+          <a:ext cx="0" cy="0"/>
+          <a:chOff x="0" y="0"/>
+          <a:chExt cx="0" cy="0"/>
+        </a:xfrm>
+      </p:grpSpPr>
+      <p:sp>
+        <p:nvSpPr>
           <p:cNvPr id="4" name="矩形 3"/>
           <p:cNvSpPr/>
           <p:nvPr/>
@@ -4536,7 +5080,7 @@
 </p:sld>
 </file>
 
-<file path=ppt/slides/slide12.xml><?xml version="1.0" encoding="utf-8"?>
+<file path=ppt/slides/slide13.xml><?xml version="1.0" encoding="utf-8"?>
 <p:sld xmlns:a="http://schemas.openxmlformats.org/drawingml/2006/main" xmlns:r="http://schemas.openxmlformats.org/officeDocument/2006/relationships" xmlns:p="http://schemas.openxmlformats.org/presentationml/2006/main">
   <p:cSld>
     <p:spTree>
@@ -6200,6 +6744,114 @@
           </a:p>
         </p:txBody>
       </p:sp>
+      <p:sp>
+        <p:nvSpPr>
+          <p:cNvPr id="3" name="矩形 2"/>
+          <p:cNvSpPr/>
+          <p:nvPr/>
+        </p:nvSpPr>
+        <p:spPr>
+          <a:xfrm>
+            <a:off x="3259022" y="1251761"/>
+            <a:ext cx="5633273" cy="369332"/>
+          </a:xfrm>
+          <a:prstGeom prst="rect">
+            <a:avLst/>
+          </a:prstGeom>
+        </p:spPr>
+        <p:txBody>
+          <a:bodyPr wrap="none">
+            <a:spAutoFit/>
+          </a:bodyPr>
+          <a:lstStyle/>
+          <a:p>
+            <a:r>
+              <a:rPr lang="en-US" altLang="zh-CN" b="1" dirty="0">
+                <a:latin typeface="Roboto"/>
+              </a:rPr>
+              <a:t>Angular </a:t>
+            </a:r>
+            <a:r>
+              <a:rPr lang="zh-CN" altLang="en-US" b="1" dirty="0">
+                <a:latin typeface="Roboto"/>
+              </a:rPr>
+              <a:t>元素</a:t>
+            </a:r>
+            <a:r>
+              <a:rPr lang="zh-CN" altLang="en-US" dirty="0">
+                <a:latin typeface="Roboto"/>
+              </a:rPr>
+              <a:t>就是打包成</a:t>
+            </a:r>
+            <a:r>
+              <a:rPr lang="zh-CN" altLang="en-US" b="1" dirty="0">
+                <a:latin typeface="Roboto"/>
+              </a:rPr>
+              <a:t>自定义元素</a:t>
+            </a:r>
+            <a:r>
+              <a:rPr lang="zh-CN" altLang="en-US" dirty="0">
+                <a:latin typeface="Roboto"/>
+              </a:rPr>
+              <a:t>的 </a:t>
+            </a:r>
+            <a:r>
+              <a:rPr lang="en-US" altLang="zh-CN" dirty="0">
+                <a:latin typeface="Roboto"/>
+              </a:rPr>
+              <a:t>Angular </a:t>
+            </a:r>
+            <a:r>
+              <a:rPr lang="zh-CN" altLang="en-US" dirty="0">
+                <a:latin typeface="Roboto"/>
+              </a:rPr>
+              <a:t>组件</a:t>
+            </a:r>
+            <a:endParaRPr lang="zh-CN" altLang="en-US" dirty="0"/>
+          </a:p>
+        </p:txBody>
+      </p:sp>
+      <p:pic>
+        <p:nvPicPr>
+          <p:cNvPr id="1026" name="Picture 2" descr="Custom element in browser"/>
+          <p:cNvPicPr>
+            <a:picLocks noChangeAspect="1" noChangeArrowheads="1"/>
+          </p:cNvPicPr>
+          <p:nvPr/>
+        </p:nvPicPr>
+        <p:blipFill>
+          <a:blip r:embed="rId2">
+            <a:extLst>
+              <a:ext uri="{28A0092B-C50C-407E-A947-70E740481C1C}">
+                <a14:useLocalDpi xmlns:a14="http://schemas.microsoft.com/office/drawing/2010/main" val="0"/>
+              </a:ext>
+            </a:extLst>
+          </a:blip>
+          <a:srcRect/>
+          <a:stretch>
+            <a:fillRect/>
+          </a:stretch>
+        </p:blipFill>
+        <p:spPr bwMode="auto">
+          <a:xfrm>
+            <a:off x="1998021" y="1750278"/>
+            <a:ext cx="8512866" cy="5107721"/>
+          </a:xfrm>
+          <a:prstGeom prst="rect">
+            <a:avLst/>
+          </a:prstGeom>
+          <a:noFill/>
+          <a:extLst>
+            <a:ext uri="{909E8E84-426E-40DD-AFC4-6F175D3DCCD1}">
+              <a14:hiddenFill xmlns:a14="http://schemas.microsoft.com/office/drawing/2010/main">
+                <a:solidFill>
+                  <a:srgbClr val="FFFFFF"/>
+                </a:solidFill>
+              </a14:hiddenFill>
+            </a:ext>
+          </a:extLst>
+        </p:spPr>
+      </p:pic>
     </p:spTree>
     <p:extLst>
       <p:ext uri="{BB962C8B-B14F-4D97-AF65-F5344CB8AC3E}">
@@ -6230,258 +6882,51 @@
           <a:chExt cx="0" cy="0"/>
         </a:xfrm>
       </p:grpSpPr>
-      <p:sp>
-        <p:nvSpPr>
-          <p:cNvPr id="2" name="矩形 1"/>
-          <p:cNvSpPr/>
+      <p:pic>
+        <p:nvPicPr>
+          <p:cNvPr id="2050" name="Picture 2" descr="Transform a component to a custom element"/>
+          <p:cNvPicPr>
+            <a:picLocks noChangeAspect="1" noChangeArrowheads="1"/>
+          </p:cNvPicPr>
           <p:nvPr/>
-        </p:nvSpPr>
-        <p:spPr>
-          <a:xfrm>
-            <a:off x="4872720" y="401122"/>
-            <a:ext cx="2441694" cy="769441"/>
+        </p:nvPicPr>
+        <p:blipFill>
+          <a:blip r:embed="rId2">
+            <a:extLst>
+              <a:ext uri="{28A0092B-C50C-407E-A947-70E740481C1C}">
+                <a14:useLocalDpi xmlns:a14="http://schemas.microsoft.com/office/drawing/2010/main" val="0"/>
+              </a:ext>
+            </a:extLst>
+          </a:blip>
+          <a:srcRect/>
+          <a:stretch>
+            <a:fillRect/>
+          </a:stretch>
+        </p:blipFill>
+        <p:spPr bwMode="auto">
+          <a:xfrm>
+            <a:off x="974441" y="109184"/>
+            <a:ext cx="10240338" cy="6605020"/>
           </a:xfrm>
           <a:prstGeom prst="rect">
             <a:avLst/>
           </a:prstGeom>
-        </p:spPr>
-        <p:txBody>
-          <a:bodyPr wrap="none">
-            <a:spAutoFit/>
-          </a:bodyPr>
-          <a:lstStyle/>
-          <a:p>
-            <a:r>
-              <a:rPr lang="zh-CN" altLang="en-US" sz="4400">
-                <a:latin typeface="Roboto" charset="0"/>
-              </a:rPr>
-              <a:t>模板</a:t>
-            </a:r>
-            <a:r>
-              <a:rPr lang="zh-CN" altLang="en-US" sz="4400" smtClean="0">
-                <a:latin typeface="Roboto" charset="0"/>
-              </a:rPr>
-              <a:t>语法</a:t>
-            </a:r>
-            <a:endParaRPr lang="zh-CN" altLang="en-US" sz="4400">
-              <a:latin typeface="Roboto" charset="0"/>
-            </a:endParaRPr>
-          </a:p>
-        </p:txBody>
-      </p:sp>
-      <p:sp>
-        <p:nvSpPr>
-          <p:cNvPr id="4" name="矩形 3"/>
-          <p:cNvSpPr/>
-          <p:nvPr/>
-        </p:nvSpPr>
-        <p:spPr>
-          <a:xfrm>
-            <a:off x="1961217" y="1344096"/>
-            <a:ext cx="4132350" cy="369332"/>
-          </a:xfrm>
-          <a:prstGeom prst="rect">
-            <a:avLst/>
-          </a:prstGeom>
-        </p:spPr>
-        <p:txBody>
-          <a:bodyPr wrap="none">
-            <a:spAutoFit/>
-          </a:bodyPr>
-          <a:lstStyle/>
-          <a:p>
-            <a:r>
-              <a:rPr lang="en-US" altLang="zh-CN">
+          <a:noFill/>
+          <a:extLst>
+            <a:ext uri="{909E8E84-426E-40DD-AFC4-6F175D3DCCD1}">
+              <a14:hiddenFill xmlns:a14="http://schemas.microsoft.com/office/drawing/2010/main">
                 <a:solidFill>
-                  <a:srgbClr val="1976D2"/>
+                  <a:srgbClr val="FFFFFF"/>
                 </a:solidFill>
-                <a:latin typeface="Roboto" charset="0"/>
-              </a:rPr>
-              <a:t>HTML attribute </a:t>
-            </a:r>
-            <a:r>
-              <a:rPr lang="zh-CN" altLang="en-US" dirty="0">
-                <a:solidFill>
-                  <a:srgbClr val="1976D2"/>
-                </a:solidFill>
-                <a:latin typeface="Roboto" charset="0"/>
-              </a:rPr>
-              <a:t>与 </a:t>
-            </a:r>
-            <a:r>
-              <a:rPr lang="en-US" altLang="zh-CN" dirty="0">
-                <a:solidFill>
-                  <a:srgbClr val="1976D2"/>
-                </a:solidFill>
-                <a:latin typeface="Roboto" charset="0"/>
-              </a:rPr>
-              <a:t>DOM property </a:t>
-            </a:r>
-            <a:r>
-              <a:rPr lang="zh-CN" altLang="en-US" dirty="0">
-                <a:solidFill>
-                  <a:srgbClr val="1976D2"/>
-                </a:solidFill>
-                <a:latin typeface="Roboto" charset="0"/>
-              </a:rPr>
-              <a:t>的对比</a:t>
-            </a:r>
-            <a:endParaRPr lang="zh-CN" altLang="en-US" b="0" i="0" dirty="0">
-              <a:solidFill>
-                <a:srgbClr val="1976D2"/>
-              </a:solidFill>
-              <a:effectLst/>
-              <a:latin typeface="Roboto" charset="0"/>
-            </a:endParaRPr>
-          </a:p>
-        </p:txBody>
-      </p:sp>
-      <p:sp>
-        <p:nvSpPr>
-          <p:cNvPr id="3" name="矩形 2"/>
-          <p:cNvSpPr/>
-          <p:nvPr/>
-        </p:nvSpPr>
-        <p:spPr>
-          <a:xfrm>
-            <a:off x="1961217" y="1886961"/>
-            <a:ext cx="9625946" cy="646331"/>
-          </a:xfrm>
-          <a:prstGeom prst="rect">
-            <a:avLst/>
-          </a:prstGeom>
-        </p:spPr>
-        <p:txBody>
-          <a:bodyPr wrap="square">
-            <a:spAutoFit/>
-          </a:bodyPr>
-          <a:lstStyle/>
-          <a:p>
-            <a:r>
-              <a:rPr lang="en-US" altLang="zh-CN" dirty="0">
-                <a:solidFill>
-                  <a:srgbClr val="333333"/>
-                </a:solidFill>
-                <a:latin typeface="Roboto" charset="0"/>
-              </a:rPr>
-              <a:t>attribute </a:t>
-            </a:r>
-            <a:r>
-              <a:rPr lang="zh-CN" altLang="en-US" b="1" dirty="0">
-                <a:solidFill>
-                  <a:srgbClr val="333333"/>
-                </a:solidFill>
-                <a:latin typeface="Roboto" charset="0"/>
-              </a:rPr>
-              <a:t>初始化</a:t>
-            </a:r>
-            <a:r>
-              <a:rPr lang="zh-CN" altLang="en-US" dirty="0">
-                <a:solidFill>
-                  <a:srgbClr val="333333"/>
-                </a:solidFill>
-                <a:latin typeface="Roboto" charset="0"/>
-              </a:rPr>
-              <a:t> </a:t>
-            </a:r>
-            <a:r>
-              <a:rPr lang="en-US" altLang="zh-CN" dirty="0">
-                <a:solidFill>
-                  <a:srgbClr val="333333"/>
-                </a:solidFill>
-                <a:latin typeface="Roboto" charset="0"/>
-              </a:rPr>
-              <a:t>DOM property</a:t>
-            </a:r>
-            <a:r>
-              <a:rPr lang="zh-CN" altLang="en-US" dirty="0">
-                <a:solidFill>
-                  <a:srgbClr val="333333"/>
-                </a:solidFill>
-                <a:latin typeface="Roboto" charset="0"/>
-              </a:rPr>
-              <a:t>，然后它们的任务就完成了。</a:t>
-            </a:r>
-            <a:r>
-              <a:rPr lang="en-US" altLang="zh-CN" dirty="0">
-                <a:solidFill>
-                  <a:srgbClr val="333333"/>
-                </a:solidFill>
-                <a:latin typeface="Roboto" charset="0"/>
-              </a:rPr>
-              <a:t>property </a:t>
-            </a:r>
-            <a:r>
-              <a:rPr lang="zh-CN" altLang="en-US" dirty="0">
-                <a:solidFill>
-                  <a:srgbClr val="333333"/>
-                </a:solidFill>
-                <a:latin typeface="Roboto" charset="0"/>
-              </a:rPr>
-              <a:t>的值可以改变；</a:t>
-            </a:r>
-            <a:r>
-              <a:rPr lang="en-US" altLang="zh-CN" dirty="0">
-                <a:solidFill>
-                  <a:srgbClr val="333333"/>
-                </a:solidFill>
-                <a:latin typeface="Roboto" charset="0"/>
-              </a:rPr>
-              <a:t>attribute </a:t>
-            </a:r>
-            <a:r>
-              <a:rPr lang="zh-CN" altLang="en-US" dirty="0">
-                <a:solidFill>
-                  <a:srgbClr val="333333"/>
-                </a:solidFill>
-                <a:latin typeface="Roboto" charset="0"/>
-              </a:rPr>
-              <a:t>的值不能改变</a:t>
-            </a:r>
-            <a:r>
-              <a:rPr lang="zh-CN" altLang="en-US" dirty="0" smtClean="0">
-                <a:solidFill>
-                  <a:srgbClr val="333333"/>
-                </a:solidFill>
-                <a:latin typeface="Roboto" charset="0"/>
-              </a:rPr>
-              <a:t>。</a:t>
-            </a:r>
-            <a:r>
-              <a:rPr lang="zh-CN" altLang="en-US" dirty="0"/>
-              <a:t>模板绑定是通过 </a:t>
-            </a:r>
-            <a:r>
-              <a:rPr lang="en-US" altLang="zh-CN" b="1" dirty="0"/>
-              <a:t>property</a:t>
-            </a:r>
-            <a:r>
-              <a:rPr lang="zh-CN" altLang="en-US" dirty="0"/>
-              <a:t> 和</a:t>
-            </a:r>
-            <a:r>
-              <a:rPr lang="zh-CN" altLang="en-US" b="1" dirty="0"/>
-              <a:t>事件</a:t>
-            </a:r>
-            <a:r>
-              <a:rPr lang="zh-CN" altLang="en-US" dirty="0"/>
-              <a:t>来工作的，而不是 </a:t>
-            </a:r>
-            <a:r>
-              <a:rPr lang="en-US" altLang="zh-CN" b="1" dirty="0"/>
-              <a:t>attribute</a:t>
-            </a:r>
-            <a:r>
-              <a:rPr lang="zh-CN" altLang="en-US" dirty="0"/>
-              <a:t>。</a:t>
-            </a:r>
-          </a:p>
-        </p:txBody>
-      </p:sp>
+              </a14:hiddenFill>
+            </a:ext>
+          </a:extLst>
+        </p:spPr>
+      </p:pic>
     </p:spTree>
     <p:extLst>
       <p:ext uri="{BB962C8B-B14F-4D97-AF65-F5344CB8AC3E}">
-        <p14:creationId xmlns:p14="http://schemas.microsoft.com/office/powerpoint/2010/main" val="421270790"/>
+        <p14:creationId xmlns:p14="http://schemas.microsoft.com/office/powerpoint/2010/main" val="3112503918"/>
       </p:ext>
     </p:extLst>
   </p:cSld>
@@ -6510,77 +6955,256 @@
       </p:grpSpPr>
       <p:sp>
         <p:nvSpPr>
-          <p:cNvPr id="7" name="AutoShape 2" descr="https://wx2.qq.com/cgi-bin/mmwebwx-bin/webwxgetmsgimg?&amp;MsgID=3143122728154941177&amp;skey=%40crypt_37a45a30_a1f760e2ba102232eee5cec6e1ee7648"/>
-          <p:cNvSpPr>
-            <a:spLocks noChangeAspect="1" noChangeArrowheads="1"/>
-          </p:cNvSpPr>
+          <p:cNvPr id="2" name="矩形 1"/>
+          <p:cNvSpPr/>
           <p:nvPr/>
         </p:nvSpPr>
-        <p:spPr bwMode="auto">
-          <a:xfrm>
-            <a:off x="0" y="0"/>
-            <a:ext cx="3900488" cy="3900488"/>
+        <p:spPr>
+          <a:xfrm>
+            <a:off x="4872720" y="401122"/>
+            <a:ext cx="2441694" cy="769441"/>
           </a:xfrm>
           <a:prstGeom prst="rect">
             <a:avLst/>
           </a:prstGeom>
-          <a:noFill/>
-          <a:extLst>
-            <a:ext uri="{909E8E84-426E-40DD-AFC4-6F175D3DCCD1}">
-              <a14:hiddenFill xmlns:a14="http://schemas.microsoft.com/office/drawing/2010/main">
-                <a:solidFill>
-                  <a:srgbClr val="FFFFFF"/>
-                </a:solidFill>
-              </a14:hiddenFill>
-            </a:ext>
-          </a:extLst>
-        </p:spPr>
-        <p:txBody>
-          <a:bodyPr vert="horz" wrap="square" lIns="91440" tIns="45720" rIns="91440" bIns="45720" numCol="1" anchor="t" anchorCtr="0" compatLnSpc="1">
-            <a:prstTxWarp prst="textNoShape">
-              <a:avLst/>
-            </a:prstTxWarp>
+        </p:spPr>
+        <p:txBody>
+          <a:bodyPr wrap="none">
+            <a:spAutoFit/>
           </a:bodyPr>
           <a:lstStyle/>
           <a:p>
-            <a:endParaRPr lang="zh-CN" altLang="en-US"/>
-          </a:p>
-        </p:txBody>
-      </p:sp>
-      <p:pic>
-        <p:nvPicPr>
-          <p:cNvPr id="10" name="图片 9"/>
-          <p:cNvPicPr>
-            <a:picLocks noChangeAspect="1"/>
-          </p:cNvPicPr>
+            <a:r>
+              <a:rPr lang="zh-CN" altLang="en-US" sz="4400">
+                <a:latin typeface="Roboto" charset="0"/>
+              </a:rPr>
+              <a:t>模板</a:t>
+            </a:r>
+            <a:r>
+              <a:rPr lang="zh-CN" altLang="en-US" sz="4400" smtClean="0">
+                <a:latin typeface="Roboto" charset="0"/>
+              </a:rPr>
+              <a:t>语法</a:t>
+            </a:r>
+            <a:endParaRPr lang="zh-CN" altLang="en-US" sz="4400">
+              <a:latin typeface="Roboto" charset="0"/>
+            </a:endParaRPr>
+          </a:p>
+        </p:txBody>
+      </p:sp>
+      <p:sp>
+        <p:nvSpPr>
+          <p:cNvPr id="4" name="矩形 3"/>
+          <p:cNvSpPr/>
           <p:nvPr/>
-        </p:nvPicPr>
-        <p:blipFill>
-          <a:blip r:embed="rId2">
-            <a:extLst>
-              <a:ext uri="{28A0092B-C50C-407E-A947-70E740481C1C}">
-                <a14:useLocalDpi xmlns:a14="http://schemas.microsoft.com/office/drawing/2010/main" val="0"/>
-              </a:ext>
-            </a:extLst>
-          </a:blip>
-          <a:stretch>
-            <a:fillRect/>
-          </a:stretch>
-        </p:blipFill>
-        <p:spPr>
-          <a:xfrm>
-            <a:off x="800101" y="559276"/>
-            <a:ext cx="10448558" cy="5884387"/>
+        </p:nvSpPr>
+        <p:spPr>
+          <a:xfrm>
+            <a:off x="1961217" y="1344096"/>
+            <a:ext cx="4132350" cy="369332"/>
           </a:xfrm>
           <a:prstGeom prst="rect">
             <a:avLst/>
           </a:prstGeom>
         </p:spPr>
-      </p:pic>
+        <p:txBody>
+          <a:bodyPr wrap="none">
+            <a:spAutoFit/>
+          </a:bodyPr>
+          <a:lstStyle/>
+          <a:p>
+            <a:r>
+              <a:rPr lang="en-US" altLang="zh-CN">
+                <a:solidFill>
+                  <a:srgbClr val="1976D2"/>
+                </a:solidFill>
+                <a:latin typeface="Roboto" charset="0"/>
+              </a:rPr>
+              <a:t>HTML attribute </a:t>
+            </a:r>
+            <a:r>
+              <a:rPr lang="zh-CN" altLang="en-US" dirty="0">
+                <a:solidFill>
+                  <a:srgbClr val="1976D2"/>
+                </a:solidFill>
+                <a:latin typeface="Roboto" charset="0"/>
+              </a:rPr>
+              <a:t>与 </a:t>
+            </a:r>
+            <a:r>
+              <a:rPr lang="en-US" altLang="zh-CN" dirty="0">
+                <a:solidFill>
+                  <a:srgbClr val="1976D2"/>
+                </a:solidFill>
+                <a:latin typeface="Roboto" charset="0"/>
+              </a:rPr>
+              <a:t>DOM property </a:t>
+            </a:r>
+            <a:r>
+              <a:rPr lang="zh-CN" altLang="en-US" dirty="0">
+                <a:solidFill>
+                  <a:srgbClr val="1976D2"/>
+                </a:solidFill>
+                <a:latin typeface="Roboto" charset="0"/>
+              </a:rPr>
+              <a:t>的对比</a:t>
+            </a:r>
+            <a:endParaRPr lang="zh-CN" altLang="en-US" b="0" i="0" dirty="0">
+              <a:solidFill>
+                <a:srgbClr val="1976D2"/>
+              </a:solidFill>
+              <a:effectLst/>
+              <a:latin typeface="Roboto" charset="0"/>
+            </a:endParaRPr>
+          </a:p>
+        </p:txBody>
+      </p:sp>
+      <p:sp>
+        <p:nvSpPr>
+          <p:cNvPr id="3" name="矩形 2"/>
+          <p:cNvSpPr/>
+          <p:nvPr/>
+        </p:nvSpPr>
+        <p:spPr>
+          <a:xfrm>
+            <a:off x="1961217" y="1886961"/>
+            <a:ext cx="9625946" cy="646331"/>
+          </a:xfrm>
+          <a:prstGeom prst="rect">
+            <a:avLst/>
+          </a:prstGeom>
+        </p:spPr>
+        <p:txBody>
+          <a:bodyPr wrap="square">
+            <a:spAutoFit/>
+          </a:bodyPr>
+          <a:lstStyle/>
+          <a:p>
+            <a:r>
+              <a:rPr lang="en-US" altLang="zh-CN" dirty="0">
+                <a:solidFill>
+                  <a:srgbClr val="333333"/>
+                </a:solidFill>
+                <a:latin typeface="Roboto" charset="0"/>
+              </a:rPr>
+              <a:t>attribute </a:t>
+            </a:r>
+            <a:r>
+              <a:rPr lang="zh-CN" altLang="en-US" b="1" dirty="0">
+                <a:solidFill>
+                  <a:srgbClr val="333333"/>
+                </a:solidFill>
+                <a:latin typeface="Roboto" charset="0"/>
+              </a:rPr>
+              <a:t>初始化</a:t>
+            </a:r>
+            <a:r>
+              <a:rPr lang="zh-CN" altLang="en-US" dirty="0">
+                <a:solidFill>
+                  <a:srgbClr val="333333"/>
+                </a:solidFill>
+                <a:latin typeface="Roboto" charset="0"/>
+              </a:rPr>
+              <a:t> </a:t>
+            </a:r>
+            <a:r>
+              <a:rPr lang="en-US" altLang="zh-CN" dirty="0">
+                <a:solidFill>
+                  <a:srgbClr val="333333"/>
+                </a:solidFill>
+                <a:latin typeface="Roboto" charset="0"/>
+              </a:rPr>
+              <a:t>DOM property</a:t>
+            </a:r>
+            <a:r>
+              <a:rPr lang="zh-CN" altLang="en-US" dirty="0">
+                <a:solidFill>
+                  <a:srgbClr val="333333"/>
+                </a:solidFill>
+                <a:latin typeface="Roboto" charset="0"/>
+              </a:rPr>
+              <a:t>，然后它们的任务就完成了。</a:t>
+            </a:r>
+            <a:r>
+              <a:rPr lang="en-US" altLang="zh-CN" dirty="0">
+                <a:solidFill>
+                  <a:srgbClr val="333333"/>
+                </a:solidFill>
+                <a:latin typeface="Roboto" charset="0"/>
+              </a:rPr>
+              <a:t>property </a:t>
+            </a:r>
+            <a:r>
+              <a:rPr lang="zh-CN" altLang="en-US" dirty="0">
+                <a:solidFill>
+                  <a:srgbClr val="333333"/>
+                </a:solidFill>
+                <a:latin typeface="Roboto" charset="0"/>
+              </a:rPr>
+              <a:t>的值可以改变；</a:t>
+            </a:r>
+            <a:r>
+              <a:rPr lang="en-US" altLang="zh-CN" dirty="0">
+                <a:solidFill>
+                  <a:srgbClr val="333333"/>
+                </a:solidFill>
+                <a:latin typeface="Roboto" charset="0"/>
+              </a:rPr>
+              <a:t>attribute </a:t>
+            </a:r>
+            <a:r>
+              <a:rPr lang="zh-CN" altLang="en-US" dirty="0">
+                <a:solidFill>
+                  <a:srgbClr val="333333"/>
+                </a:solidFill>
+                <a:latin typeface="Roboto" charset="0"/>
+              </a:rPr>
+              <a:t>的值不能改变</a:t>
+            </a:r>
+            <a:r>
+              <a:rPr lang="zh-CN" altLang="en-US" dirty="0" smtClean="0">
+                <a:solidFill>
+                  <a:srgbClr val="333333"/>
+                </a:solidFill>
+                <a:latin typeface="Roboto" charset="0"/>
+              </a:rPr>
+              <a:t>。</a:t>
+            </a:r>
+            <a:r>
+              <a:rPr lang="zh-CN" altLang="en-US" dirty="0"/>
+              <a:t>模板绑定是通过 </a:t>
+            </a:r>
+            <a:r>
+              <a:rPr lang="en-US" altLang="zh-CN" b="1" dirty="0"/>
+              <a:t>property</a:t>
+            </a:r>
+            <a:r>
+              <a:rPr lang="zh-CN" altLang="en-US" dirty="0"/>
+              <a:t> 和</a:t>
+            </a:r>
+            <a:r>
+              <a:rPr lang="zh-CN" altLang="en-US" b="1" dirty="0"/>
+              <a:t>事件</a:t>
+            </a:r>
+            <a:r>
+              <a:rPr lang="zh-CN" altLang="en-US" dirty="0"/>
+              <a:t>来工作的，而不是 </a:t>
+            </a:r>
+            <a:r>
+              <a:rPr lang="en-US" altLang="zh-CN" b="1" dirty="0"/>
+              <a:t>attribute</a:t>
+            </a:r>
+            <a:r>
+              <a:rPr lang="zh-CN" altLang="en-US" dirty="0"/>
+              <a:t>。</a:t>
+            </a:r>
+          </a:p>
+        </p:txBody>
+      </p:sp>
     </p:spTree>
     <p:extLst>
       <p:ext uri="{BB962C8B-B14F-4D97-AF65-F5344CB8AC3E}">
-        <p14:creationId xmlns:p14="http://schemas.microsoft.com/office/powerpoint/2010/main" val="4041576950"/>
+        <p14:creationId xmlns:p14="http://schemas.microsoft.com/office/powerpoint/2010/main" val="421270790"/>
       </p:ext>
     </p:extLst>
   </p:cSld>
@@ -6609,521 +7233,77 @@
       </p:grpSpPr>
       <p:sp>
         <p:nvSpPr>
-          <p:cNvPr id="2" name="矩形 1"/>
-          <p:cNvSpPr/>
+          <p:cNvPr id="7" name="AutoShape 2" descr="https://wx2.qq.com/cgi-bin/mmwebwx-bin/webwxgetmsgimg?&amp;MsgID=3143122728154941177&amp;skey=%40crypt_37a45a30_a1f760e2ba102232eee5cec6e1ee7648"/>
+          <p:cNvSpPr>
+            <a:spLocks noChangeAspect="1" noChangeArrowheads="1"/>
+          </p:cNvSpPr>
           <p:nvPr/>
         </p:nvSpPr>
-        <p:spPr>
-          <a:xfrm>
-            <a:off x="4308463" y="440411"/>
-            <a:ext cx="3570208" cy="769441"/>
+        <p:spPr bwMode="auto">
+          <a:xfrm>
+            <a:off x="0" y="0"/>
+            <a:ext cx="3900488" cy="3900488"/>
           </a:xfrm>
           <a:prstGeom prst="rect">
             <a:avLst/>
           </a:prstGeom>
-        </p:spPr>
-        <p:txBody>
-          <a:bodyPr wrap="none">
-            <a:spAutoFit/>
+          <a:noFill/>
+          <a:extLst>
+            <a:ext uri="{909E8E84-426E-40DD-AFC4-6F175D3DCCD1}">
+              <a14:hiddenFill xmlns:a14="http://schemas.microsoft.com/office/drawing/2010/main">
+                <a:solidFill>
+                  <a:srgbClr val="FFFFFF"/>
+                </a:solidFill>
+              </a14:hiddenFill>
+            </a:ext>
+          </a:extLst>
+        </p:spPr>
+        <p:txBody>
+          <a:bodyPr vert="horz" wrap="square" lIns="91440" tIns="45720" rIns="91440" bIns="45720" numCol="1" anchor="t" anchorCtr="0" compatLnSpc="1">
+            <a:prstTxWarp prst="textNoShape">
+              <a:avLst/>
+            </a:prstTxWarp>
           </a:bodyPr>
           <a:lstStyle/>
           <a:p>
-            <a:r>
-              <a:rPr lang="zh-CN" altLang="en-US" sz="4400" dirty="0" smtClean="0"/>
-              <a:t>生命周期钩子</a:t>
-            </a:r>
-            <a:endParaRPr lang="zh-CN" altLang="en-US" sz="4400" dirty="0"/>
-          </a:p>
-        </p:txBody>
-      </p:sp>
-      <p:sp>
-        <p:nvSpPr>
-          <p:cNvPr id="5" name="矩形 4"/>
-          <p:cNvSpPr/>
+            <a:endParaRPr lang="zh-CN" altLang="en-US"/>
+          </a:p>
+        </p:txBody>
+      </p:sp>
+      <p:pic>
+        <p:nvPicPr>
+          <p:cNvPr id="10" name="图片 9"/>
+          <p:cNvPicPr>
+            <a:picLocks noChangeAspect="1"/>
+          </p:cNvPicPr>
           <p:nvPr/>
-        </p:nvSpPr>
-        <p:spPr>
-          <a:xfrm>
-            <a:off x="1851263" y="1209852"/>
-            <a:ext cx="1005403" cy="369332"/>
+        </p:nvPicPr>
+        <p:blipFill>
+          <a:blip r:embed="rId2">
+            <a:extLst>
+              <a:ext uri="{28A0092B-C50C-407E-A947-70E740481C1C}">
+                <a14:useLocalDpi xmlns:a14="http://schemas.microsoft.com/office/drawing/2010/main" val="0"/>
+              </a:ext>
+            </a:extLst>
+          </a:blip>
+          <a:stretch>
+            <a:fillRect/>
+          </a:stretch>
+        </p:blipFill>
+        <p:spPr>
+          <a:xfrm>
+            <a:off x="800101" y="559276"/>
+            <a:ext cx="10448558" cy="5884387"/>
           </a:xfrm>
           <a:prstGeom prst="rect">
             <a:avLst/>
           </a:prstGeom>
         </p:spPr>
-        <p:txBody>
-          <a:bodyPr wrap="none">
-            <a:spAutoFit/>
-          </a:bodyPr>
-          <a:lstStyle/>
-          <a:p>
-            <a:r>
-              <a:rPr lang="en-US" altLang="zh-CN" b="1" dirty="0" err="1">
-                <a:latin typeface="Roboto" panose="02000000000000000000" pitchFamily="2" charset="0"/>
-              </a:rPr>
-              <a:t>OnInit</a:t>
-            </a:r>
-            <a:r>
-              <a:rPr lang="en-US" altLang="zh-CN" b="1" dirty="0" smtClean="0">
-                <a:latin typeface="Roboto" panose="02000000000000000000" pitchFamily="2" charset="0"/>
-              </a:rPr>
-              <a:t>()</a:t>
-            </a:r>
-            <a:endParaRPr lang="zh-CN" altLang="en-US" b="0" i="0" dirty="0">
-              <a:effectLst/>
-              <a:latin typeface="Roboto" panose="02000000000000000000" pitchFamily="2" charset="0"/>
-            </a:endParaRPr>
-          </a:p>
-        </p:txBody>
-      </p:sp>
-      <p:sp>
-        <p:nvSpPr>
-          <p:cNvPr id="6" name="矩形 5"/>
-          <p:cNvSpPr/>
-          <p:nvPr/>
-        </p:nvSpPr>
-        <p:spPr>
-          <a:xfrm>
-            <a:off x="2551134" y="1690394"/>
-            <a:ext cx="6096000" cy="646331"/>
-          </a:xfrm>
-          <a:prstGeom prst="rect">
-            <a:avLst/>
-          </a:prstGeom>
-        </p:spPr>
-        <p:txBody>
-          <a:bodyPr>
-            <a:spAutoFit/>
-          </a:bodyPr>
-          <a:lstStyle/>
-          <a:p>
-            <a:pPr>
-              <a:buFont typeface="+mj-lt"/>
-              <a:buAutoNum type="arabicPeriod"/>
-            </a:pPr>
-            <a:r>
-              <a:rPr lang="zh-CN" altLang="en-US" dirty="0">
-                <a:latin typeface="Roboto" panose="02000000000000000000" pitchFamily="2" charset="0"/>
-              </a:rPr>
-              <a:t>在构造函数之后马上执行复杂的初始化逻辑</a:t>
-            </a:r>
-          </a:p>
-          <a:p>
-            <a:pPr>
-              <a:buFont typeface="+mj-lt"/>
-              <a:buAutoNum type="arabicPeriod"/>
-            </a:pPr>
-            <a:r>
-              <a:rPr lang="zh-CN" altLang="en-US" dirty="0">
-                <a:latin typeface="Roboto" panose="02000000000000000000" pitchFamily="2" charset="0"/>
-              </a:rPr>
-              <a:t>在 </a:t>
-            </a:r>
-            <a:r>
-              <a:rPr lang="en-US" altLang="zh-CN" dirty="0">
-                <a:latin typeface="Roboto" panose="02000000000000000000" pitchFamily="2" charset="0"/>
-              </a:rPr>
-              <a:t>Angular </a:t>
-            </a:r>
-            <a:r>
-              <a:rPr lang="zh-CN" altLang="en-US" dirty="0">
-                <a:latin typeface="Roboto" panose="02000000000000000000" pitchFamily="2" charset="0"/>
-              </a:rPr>
-              <a:t>设置完输入属性之后，对该组件进行准备。</a:t>
-            </a:r>
-            <a:endParaRPr lang="zh-CN" altLang="en-US" b="0" i="0" dirty="0">
-              <a:effectLst/>
-              <a:latin typeface="Roboto" panose="02000000000000000000" pitchFamily="2" charset="0"/>
-            </a:endParaRPr>
-          </a:p>
-        </p:txBody>
-      </p:sp>
-      <p:sp>
-        <p:nvSpPr>
-          <p:cNvPr id="3" name="矩形 2"/>
-          <p:cNvSpPr/>
-          <p:nvPr/>
-        </p:nvSpPr>
-        <p:spPr>
-          <a:xfrm>
-            <a:off x="1851263" y="2817267"/>
-            <a:ext cx="1418017" cy="369332"/>
-          </a:xfrm>
-          <a:prstGeom prst="rect">
-            <a:avLst/>
-          </a:prstGeom>
-        </p:spPr>
-        <p:txBody>
-          <a:bodyPr wrap="none">
-            <a:spAutoFit/>
-          </a:bodyPr>
-          <a:lstStyle/>
-          <a:p>
-            <a:r>
-              <a:rPr lang="mr-IN" altLang="zh-CN" b="1" dirty="0" err="1">
-                <a:latin typeface="Roboto" charset="0"/>
-              </a:rPr>
-              <a:t>OnDestroy</a:t>
-            </a:r>
-            <a:r>
-              <a:rPr lang="mr-IN" altLang="zh-CN" b="1" dirty="0" smtClean="0">
-                <a:latin typeface="Roboto" charset="0"/>
-              </a:rPr>
-              <a:t>()</a:t>
-            </a:r>
-            <a:endParaRPr lang="mr-IN" altLang="zh-CN" b="0" i="0" dirty="0">
-              <a:effectLst/>
-              <a:latin typeface="Roboto" charset="0"/>
-            </a:endParaRPr>
-          </a:p>
-        </p:txBody>
-      </p:sp>
-      <p:sp>
-        <p:nvSpPr>
-          <p:cNvPr id="4" name="矩形 3"/>
-          <p:cNvSpPr/>
-          <p:nvPr/>
-        </p:nvSpPr>
-        <p:spPr>
-          <a:xfrm>
-            <a:off x="2551134" y="2447935"/>
-            <a:ext cx="3967753" cy="369332"/>
-          </a:xfrm>
-          <a:prstGeom prst="rect">
-            <a:avLst/>
-          </a:prstGeom>
-        </p:spPr>
-        <p:txBody>
-          <a:bodyPr wrap="none">
-            <a:spAutoFit/>
-          </a:bodyPr>
-          <a:lstStyle/>
-          <a:p>
-            <a:r>
-              <a:rPr lang="zh-CN" altLang="en-US" dirty="0" smtClean="0">
-                <a:latin typeface="Roboto" charset="0"/>
-              </a:rPr>
-              <a:t>这里</a:t>
-            </a:r>
-            <a:r>
-              <a:rPr lang="zh-CN" altLang="en-US" dirty="0">
-                <a:latin typeface="Roboto" charset="0"/>
-              </a:rPr>
-              <a:t>是放置复杂</a:t>
-            </a:r>
-            <a:r>
-              <a:rPr lang="zh-CN" altLang="en-US" dirty="0">
-                <a:solidFill>
-                  <a:srgbClr val="FF0000"/>
-                </a:solidFill>
-                <a:latin typeface="Roboto" charset="0"/>
-              </a:rPr>
-              <a:t>初始化逻辑</a:t>
-            </a:r>
-            <a:r>
-              <a:rPr lang="zh-CN" altLang="en-US" dirty="0">
-                <a:latin typeface="Roboto" charset="0"/>
-              </a:rPr>
-              <a:t>的好地方</a:t>
-            </a:r>
-            <a:endParaRPr lang="zh-CN" altLang="en-US" dirty="0"/>
-          </a:p>
-        </p:txBody>
-      </p:sp>
-      <p:sp>
-        <p:nvSpPr>
-          <p:cNvPr id="7" name="矩形 6"/>
-          <p:cNvSpPr/>
-          <p:nvPr/>
-        </p:nvSpPr>
-        <p:spPr>
-          <a:xfrm>
-            <a:off x="2662237" y="3409019"/>
-            <a:ext cx="9196388" cy="369332"/>
-          </a:xfrm>
-          <a:prstGeom prst="rect">
-            <a:avLst/>
-          </a:prstGeom>
-        </p:spPr>
-        <p:txBody>
-          <a:bodyPr wrap="square">
-            <a:spAutoFit/>
-          </a:bodyPr>
-          <a:lstStyle/>
-          <a:p>
-            <a:r>
-              <a:rPr lang="zh-CN" altLang="en-US" dirty="0">
-                <a:latin typeface="Roboto" charset="0"/>
-              </a:rPr>
-              <a:t>一些清理逻辑</a:t>
-            </a:r>
-            <a:r>
-              <a:rPr lang="zh-CN" altLang="en-US" b="1" dirty="0">
-                <a:latin typeface="Roboto" charset="0"/>
-              </a:rPr>
-              <a:t>必须</a:t>
-            </a:r>
-            <a:r>
-              <a:rPr lang="zh-CN" altLang="en-US" dirty="0">
-                <a:latin typeface="Roboto" charset="0"/>
-              </a:rPr>
-              <a:t>在 </a:t>
-            </a:r>
-            <a:r>
-              <a:rPr lang="en-US" altLang="zh-CN" dirty="0">
-                <a:latin typeface="Roboto" charset="0"/>
-              </a:rPr>
-              <a:t>Angular </a:t>
-            </a:r>
-            <a:r>
-              <a:rPr lang="zh-CN" altLang="en-US" dirty="0">
-                <a:latin typeface="Roboto" charset="0"/>
-              </a:rPr>
-              <a:t>销毁指令之前运行，把它们放在 </a:t>
-            </a:r>
-            <a:r>
-              <a:rPr lang="en-US" altLang="zh-CN" dirty="0" err="1"/>
-              <a:t>ngOnDestroy</a:t>
-            </a:r>
-            <a:r>
-              <a:rPr lang="en-US" altLang="zh-CN" dirty="0"/>
-              <a:t>()</a:t>
-            </a:r>
-            <a:r>
-              <a:rPr lang="zh-CN" altLang="en-US" dirty="0">
-                <a:latin typeface="Roboto" charset="0"/>
-              </a:rPr>
-              <a:t> 中。</a:t>
-            </a:r>
-            <a:endParaRPr lang="zh-CN" altLang="en-US" dirty="0"/>
-          </a:p>
-        </p:txBody>
-      </p:sp>
-      <p:sp>
-        <p:nvSpPr>
-          <p:cNvPr id="8" name="矩形 7"/>
-          <p:cNvSpPr/>
-          <p:nvPr/>
-        </p:nvSpPr>
-        <p:spPr>
-          <a:xfrm>
-            <a:off x="1898103" y="4240016"/>
-            <a:ext cx="1608133" cy="369332"/>
-          </a:xfrm>
-          <a:prstGeom prst="rect">
-            <a:avLst/>
-          </a:prstGeom>
-        </p:spPr>
-        <p:txBody>
-          <a:bodyPr wrap="none">
-            <a:spAutoFit/>
-          </a:bodyPr>
-          <a:lstStyle/>
-          <a:p>
-            <a:r>
-              <a:rPr lang="mr-IN" altLang="zh-CN" b="1" dirty="0" err="1">
-                <a:latin typeface="Roboto" charset="0"/>
-              </a:rPr>
-              <a:t>OnChanges</a:t>
-            </a:r>
-            <a:r>
-              <a:rPr lang="mr-IN" altLang="zh-CN" b="1" dirty="0">
-                <a:latin typeface="Roboto" charset="0"/>
-              </a:rPr>
-              <a:t>()</a:t>
-            </a:r>
-            <a:r>
-              <a:rPr lang="mr-IN" altLang="zh-CN" dirty="0">
-                <a:latin typeface="Roboto" charset="0"/>
-              </a:rPr>
-              <a:t> </a:t>
-            </a:r>
-            <a:endParaRPr lang="mr-IN" altLang="zh-CN" b="0" i="0" dirty="0">
-              <a:effectLst/>
-              <a:latin typeface="Roboto" charset="0"/>
-            </a:endParaRPr>
-          </a:p>
-        </p:txBody>
-      </p:sp>
-      <p:sp>
-        <p:nvSpPr>
-          <p:cNvPr id="9" name="矩形 8"/>
-          <p:cNvSpPr/>
-          <p:nvPr/>
-        </p:nvSpPr>
-        <p:spPr>
-          <a:xfrm>
-            <a:off x="2551134" y="4647102"/>
-            <a:ext cx="9507516" cy="646331"/>
-          </a:xfrm>
-          <a:prstGeom prst="rect">
-            <a:avLst/>
-          </a:prstGeom>
-        </p:spPr>
-        <p:txBody>
-          <a:bodyPr wrap="square">
-            <a:spAutoFit/>
-          </a:bodyPr>
-          <a:lstStyle/>
-          <a:p>
-            <a:r>
-              <a:rPr lang="zh-CN" altLang="en-US" dirty="0">
-                <a:latin typeface="Roboto" charset="0"/>
-              </a:rPr>
-              <a:t>一旦检测到该组件</a:t>
-            </a:r>
-            <a:r>
-              <a:rPr lang="en-US" altLang="zh-CN" dirty="0">
-                <a:latin typeface="Roboto" charset="0"/>
-              </a:rPr>
-              <a:t>(</a:t>
-            </a:r>
-            <a:r>
-              <a:rPr lang="zh-CN" altLang="en-US" dirty="0">
-                <a:latin typeface="Roboto" charset="0"/>
-              </a:rPr>
-              <a:t>或指令</a:t>
-            </a:r>
-            <a:r>
-              <a:rPr lang="en-US" altLang="zh-CN" dirty="0">
-                <a:latin typeface="Roboto" charset="0"/>
-              </a:rPr>
-              <a:t>)</a:t>
-            </a:r>
-            <a:r>
-              <a:rPr lang="zh-CN" altLang="en-US" dirty="0">
-                <a:latin typeface="Roboto" charset="0"/>
-              </a:rPr>
-              <a:t>的</a:t>
-            </a:r>
-            <a:r>
-              <a:rPr lang="zh-CN" altLang="en-US" b="1" dirty="0">
-                <a:solidFill>
-                  <a:srgbClr val="FF0000"/>
-                </a:solidFill>
-                <a:latin typeface="Roboto" charset="0"/>
-              </a:rPr>
-              <a:t>输入属性</a:t>
-            </a:r>
-            <a:r>
-              <a:rPr lang="zh-CN" altLang="en-US" dirty="0">
-                <a:latin typeface="Roboto" charset="0"/>
-              </a:rPr>
-              <a:t>发生了变化，</a:t>
-            </a:r>
-            <a:r>
-              <a:rPr lang="en-US" altLang="zh-CN" dirty="0">
-                <a:latin typeface="Roboto" charset="0"/>
-              </a:rPr>
-              <a:t>Angular </a:t>
-            </a:r>
-            <a:r>
-              <a:rPr lang="zh-CN" altLang="en-US" dirty="0">
-                <a:latin typeface="Roboto" charset="0"/>
-              </a:rPr>
-              <a:t>就会调用它的 </a:t>
-            </a:r>
-            <a:r>
-              <a:rPr lang="en-US" altLang="zh-CN" dirty="0" err="1"/>
-              <a:t>ngOnChanges</a:t>
-            </a:r>
-            <a:r>
-              <a:rPr lang="en-US" altLang="zh-CN" dirty="0"/>
-              <a:t>()</a:t>
-            </a:r>
-            <a:r>
-              <a:rPr lang="zh-CN" altLang="en-US" dirty="0">
-                <a:latin typeface="Roboto" charset="0"/>
-              </a:rPr>
-              <a:t> 方法。</a:t>
-            </a:r>
-            <a:endParaRPr lang="zh-CN" altLang="en-US" dirty="0"/>
-          </a:p>
-        </p:txBody>
-      </p:sp>
-      <p:sp>
-        <p:nvSpPr>
-          <p:cNvPr id="10" name="矩形 9"/>
-          <p:cNvSpPr/>
-          <p:nvPr/>
-        </p:nvSpPr>
-        <p:spPr>
-          <a:xfrm>
-            <a:off x="2506673" y="5478099"/>
-            <a:ext cx="9507516" cy="646331"/>
-          </a:xfrm>
-          <a:prstGeom prst="rect">
-            <a:avLst/>
-          </a:prstGeom>
-        </p:spPr>
-        <p:txBody>
-          <a:bodyPr wrap="square">
-            <a:spAutoFit/>
-          </a:bodyPr>
-          <a:lstStyle/>
-          <a:p>
-            <a:r>
-              <a:rPr lang="zh-CN" altLang="en-US" dirty="0" smtClean="0">
-                <a:latin typeface="Roboto" charset="0"/>
-              </a:rPr>
-              <a:t>如果输入属性是对象</a:t>
-            </a:r>
-            <a:r>
-              <a:rPr lang="en-US" altLang="zh-CN" dirty="0" smtClean="0">
-                <a:latin typeface="Roboto" charset="0"/>
-              </a:rPr>
-              <a:t>hero</a:t>
-            </a:r>
-            <a:r>
-              <a:rPr lang="zh-CN" altLang="en-US" dirty="0" smtClean="0">
-                <a:latin typeface="Roboto" charset="0"/>
-              </a:rPr>
-              <a:t>，当他的值</a:t>
-            </a:r>
-            <a:r>
-              <a:rPr lang="en-US" altLang="zh-CN" dirty="0" err="1" smtClean="0">
-                <a:latin typeface="Roboto" charset="0"/>
-              </a:rPr>
-              <a:t>hero.name</a:t>
-            </a:r>
-            <a:r>
-              <a:rPr lang="zh-CN" altLang="en-US" dirty="0" smtClean="0">
-                <a:latin typeface="Roboto" charset="0"/>
-              </a:rPr>
-              <a:t>发生变化时，不会被</a:t>
-            </a:r>
-            <a:r>
-              <a:rPr lang="en-US" altLang="zh-CN" dirty="0" err="1" smtClean="0">
-                <a:latin typeface="Roboto" charset="0"/>
-              </a:rPr>
-              <a:t>OnChanges</a:t>
-            </a:r>
-            <a:r>
-              <a:rPr lang="zh-CN" altLang="en-US" dirty="0" smtClean="0">
-                <a:latin typeface="Roboto" charset="0"/>
-              </a:rPr>
-              <a:t>捕捉到，因为</a:t>
-            </a:r>
-            <a:r>
-              <a:rPr lang="en-US" altLang="zh-CN" dirty="0" smtClean="0">
-                <a:latin typeface="Roboto" charset="0"/>
-              </a:rPr>
-              <a:t>hero</a:t>
-            </a:r>
-            <a:r>
-              <a:rPr lang="zh-CN" altLang="en-US" dirty="0" smtClean="0">
-                <a:latin typeface="Roboto" charset="0"/>
-              </a:rPr>
-              <a:t>的引用没有变化</a:t>
-            </a:r>
-            <a:endParaRPr lang="zh-CN" altLang="en-US" dirty="0"/>
-          </a:p>
-        </p:txBody>
-      </p:sp>
+      </p:pic>
     </p:spTree>
     <p:extLst>
       <p:ext uri="{BB962C8B-B14F-4D97-AF65-F5344CB8AC3E}">
-        <p14:creationId xmlns:p14="http://schemas.microsoft.com/office/powerpoint/2010/main" val="1912361220"/>
+        <p14:creationId xmlns:p14="http://schemas.microsoft.com/office/powerpoint/2010/main" val="4041576950"/>
       </p:ext>
     </p:extLst>
   </p:cSld>

--- a/Documents/angular.pptx
+++ b/Documents/angular.pptx
@@ -5,7 +5,7 @@
     <p:sldMasterId id="2147483648" r:id="rId1"/>
   </p:sldMasterIdLst>
   <p:notesMasterIdLst>
-    <p:notesMasterId r:id="rId15"/>
+    <p:notesMasterId r:id="rId16"/>
   </p:notesMasterIdLst>
   <p:sldIdLst>
     <p:sldId id="256" r:id="rId2"/>
@@ -14,13 +14,14 @@
     <p:sldId id="267" r:id="rId5"/>
     <p:sldId id="268" r:id="rId6"/>
     <p:sldId id="269" r:id="rId7"/>
-    <p:sldId id="270" r:id="rId8"/>
-    <p:sldId id="263" r:id="rId9"/>
-    <p:sldId id="264" r:id="rId10"/>
-    <p:sldId id="265" r:id="rId11"/>
-    <p:sldId id="266" r:id="rId12"/>
-    <p:sldId id="259" r:id="rId13"/>
-    <p:sldId id="261" r:id="rId14"/>
+    <p:sldId id="271" r:id="rId8"/>
+    <p:sldId id="270" r:id="rId9"/>
+    <p:sldId id="263" r:id="rId10"/>
+    <p:sldId id="264" r:id="rId11"/>
+    <p:sldId id="265" r:id="rId12"/>
+    <p:sldId id="266" r:id="rId13"/>
+    <p:sldId id="259" r:id="rId14"/>
+    <p:sldId id="261" r:id="rId15"/>
   </p:sldIdLst>
   <p:sldSz cx="12192000" cy="6858000"/>
   <p:notesSz cx="6858000" cy="9144000"/>
@@ -209,7 +210,7 @@
           <a:p>
             <a:fld id="{008404EF-794E-2447-8DCF-3FC8505CDB40}" type="datetimeFigureOut">
               <a:rPr kumimoji="1" lang="zh-CN" altLang="en-US" smtClean="0"/>
-              <a:t>2018/9/13</a:t>
+              <a:t>2018/9/14</a:t>
             </a:fld>
             <a:endParaRPr kumimoji="1" lang="zh-CN" altLang="en-US"/>
           </a:p>
@@ -608,7 +609,7 @@
           <a:p>
             <a:fld id="{7CA3032E-00E9-4729-A89B-323F05814971}" type="datetimeFigureOut">
               <a:rPr lang="zh-CN" altLang="en-US" smtClean="0"/>
-              <a:t>2018/9/13</a:t>
+              <a:t>2018/9/14</a:t>
             </a:fld>
             <a:endParaRPr lang="zh-CN" altLang="en-US"/>
           </a:p>
@@ -778,7 +779,7 @@
           <a:p>
             <a:fld id="{7CA3032E-00E9-4729-A89B-323F05814971}" type="datetimeFigureOut">
               <a:rPr lang="zh-CN" altLang="en-US" smtClean="0"/>
-              <a:t>2018/9/13</a:t>
+              <a:t>2018/9/14</a:t>
             </a:fld>
             <a:endParaRPr lang="zh-CN" altLang="en-US"/>
           </a:p>
@@ -958,7 +959,7 @@
           <a:p>
             <a:fld id="{7CA3032E-00E9-4729-A89B-323F05814971}" type="datetimeFigureOut">
               <a:rPr lang="zh-CN" altLang="en-US" smtClean="0"/>
-              <a:t>2018/9/13</a:t>
+              <a:t>2018/9/14</a:t>
             </a:fld>
             <a:endParaRPr lang="zh-CN" altLang="en-US"/>
           </a:p>
@@ -1128,7 +1129,7 @@
           <a:p>
             <a:fld id="{7CA3032E-00E9-4729-A89B-323F05814971}" type="datetimeFigureOut">
               <a:rPr lang="zh-CN" altLang="en-US" smtClean="0"/>
-              <a:t>2018/9/13</a:t>
+              <a:t>2018/9/14</a:t>
             </a:fld>
             <a:endParaRPr lang="zh-CN" altLang="en-US"/>
           </a:p>
@@ -1374,7 +1375,7 @@
           <a:p>
             <a:fld id="{7CA3032E-00E9-4729-A89B-323F05814971}" type="datetimeFigureOut">
               <a:rPr lang="zh-CN" altLang="en-US" smtClean="0"/>
-              <a:t>2018/9/13</a:t>
+              <a:t>2018/9/14</a:t>
             </a:fld>
             <a:endParaRPr lang="zh-CN" altLang="en-US"/>
           </a:p>
@@ -1606,7 +1607,7 @@
           <a:p>
             <a:fld id="{7CA3032E-00E9-4729-A89B-323F05814971}" type="datetimeFigureOut">
               <a:rPr lang="zh-CN" altLang="en-US" smtClean="0"/>
-              <a:t>2018/9/13</a:t>
+              <a:t>2018/9/14</a:t>
             </a:fld>
             <a:endParaRPr lang="zh-CN" altLang="en-US"/>
           </a:p>
@@ -1973,7 +1974,7 @@
           <a:p>
             <a:fld id="{7CA3032E-00E9-4729-A89B-323F05814971}" type="datetimeFigureOut">
               <a:rPr lang="zh-CN" altLang="en-US" smtClean="0"/>
-              <a:t>2018/9/13</a:t>
+              <a:t>2018/9/14</a:t>
             </a:fld>
             <a:endParaRPr lang="zh-CN" altLang="en-US"/>
           </a:p>
@@ -2091,7 +2092,7 @@
           <a:p>
             <a:fld id="{7CA3032E-00E9-4729-A89B-323F05814971}" type="datetimeFigureOut">
               <a:rPr lang="zh-CN" altLang="en-US" smtClean="0"/>
-              <a:t>2018/9/13</a:t>
+              <a:t>2018/9/14</a:t>
             </a:fld>
             <a:endParaRPr lang="zh-CN" altLang="en-US"/>
           </a:p>
@@ -2186,7 +2187,7 @@
           <a:p>
             <a:fld id="{7CA3032E-00E9-4729-A89B-323F05814971}" type="datetimeFigureOut">
               <a:rPr lang="zh-CN" altLang="en-US" smtClean="0"/>
-              <a:t>2018/9/13</a:t>
+              <a:t>2018/9/14</a:t>
             </a:fld>
             <a:endParaRPr lang="zh-CN" altLang="en-US"/>
           </a:p>
@@ -2463,7 +2464,7 @@
           <a:p>
             <a:fld id="{7CA3032E-00E9-4729-A89B-323F05814971}" type="datetimeFigureOut">
               <a:rPr lang="zh-CN" altLang="en-US" smtClean="0"/>
-              <a:t>2018/9/13</a:t>
+              <a:t>2018/9/14</a:t>
             </a:fld>
             <a:endParaRPr lang="zh-CN" altLang="en-US"/>
           </a:p>
@@ -2716,7 +2717,7 @@
           <a:p>
             <a:fld id="{7CA3032E-00E9-4729-A89B-323F05814971}" type="datetimeFigureOut">
               <a:rPr lang="zh-CN" altLang="en-US" smtClean="0"/>
-              <a:t>2018/9/13</a:t>
+              <a:t>2018/9/14</a:t>
             </a:fld>
             <a:endParaRPr lang="zh-CN" altLang="en-US"/>
           </a:p>
@@ -2929,7 +2930,7 @@
           <a:p>
             <a:fld id="{7CA3032E-00E9-4729-A89B-323F05814971}" type="datetimeFigureOut">
               <a:rPr lang="zh-CN" altLang="en-US" smtClean="0"/>
-              <a:t>2018/9/13</a:t>
+              <a:t>2018/9/14</a:t>
             </a:fld>
             <a:endParaRPr lang="zh-CN" altLang="en-US"/>
           </a:p>
@@ -3582,521 +3583,77 @@
       </p:grpSpPr>
       <p:sp>
         <p:nvSpPr>
-          <p:cNvPr id="2" name="矩形 1"/>
-          <p:cNvSpPr/>
+          <p:cNvPr id="7" name="AutoShape 2" descr="https://wx2.qq.com/cgi-bin/mmwebwx-bin/webwxgetmsgimg?&amp;MsgID=3143122728154941177&amp;skey=%40crypt_37a45a30_a1f760e2ba102232eee5cec6e1ee7648"/>
+          <p:cNvSpPr>
+            <a:spLocks noChangeAspect="1" noChangeArrowheads="1"/>
+          </p:cNvSpPr>
           <p:nvPr/>
         </p:nvSpPr>
-        <p:spPr>
-          <a:xfrm>
-            <a:off x="4308463" y="440411"/>
-            <a:ext cx="3570208" cy="769441"/>
+        <p:spPr bwMode="auto">
+          <a:xfrm>
+            <a:off x="0" y="0"/>
+            <a:ext cx="3900488" cy="3900488"/>
           </a:xfrm>
           <a:prstGeom prst="rect">
             <a:avLst/>
           </a:prstGeom>
-        </p:spPr>
-        <p:txBody>
-          <a:bodyPr wrap="none">
-            <a:spAutoFit/>
+          <a:noFill/>
+          <a:extLst>
+            <a:ext uri="{909E8E84-426E-40DD-AFC4-6F175D3DCCD1}">
+              <a14:hiddenFill xmlns:a14="http://schemas.microsoft.com/office/drawing/2010/main">
+                <a:solidFill>
+                  <a:srgbClr val="FFFFFF"/>
+                </a:solidFill>
+              </a14:hiddenFill>
+            </a:ext>
+          </a:extLst>
+        </p:spPr>
+        <p:txBody>
+          <a:bodyPr vert="horz" wrap="square" lIns="91440" tIns="45720" rIns="91440" bIns="45720" numCol="1" anchor="t" anchorCtr="0" compatLnSpc="1">
+            <a:prstTxWarp prst="textNoShape">
+              <a:avLst/>
+            </a:prstTxWarp>
           </a:bodyPr>
           <a:lstStyle/>
           <a:p>
-            <a:r>
-              <a:rPr lang="zh-CN" altLang="en-US" sz="4400" dirty="0" smtClean="0"/>
-              <a:t>生命周期钩子</a:t>
-            </a:r>
-            <a:endParaRPr lang="zh-CN" altLang="en-US" sz="4400" dirty="0"/>
-          </a:p>
-        </p:txBody>
-      </p:sp>
-      <p:sp>
-        <p:nvSpPr>
-          <p:cNvPr id="5" name="矩形 4"/>
-          <p:cNvSpPr/>
+            <a:endParaRPr lang="zh-CN" altLang="en-US"/>
+          </a:p>
+        </p:txBody>
+      </p:sp>
+      <p:pic>
+        <p:nvPicPr>
+          <p:cNvPr id="10" name="图片 9"/>
+          <p:cNvPicPr>
+            <a:picLocks noChangeAspect="1"/>
+          </p:cNvPicPr>
           <p:nvPr/>
-        </p:nvSpPr>
-        <p:spPr>
-          <a:xfrm>
-            <a:off x="1851263" y="1209852"/>
-            <a:ext cx="1005403" cy="369332"/>
+        </p:nvPicPr>
+        <p:blipFill>
+          <a:blip r:embed="rId2">
+            <a:extLst>
+              <a:ext uri="{28A0092B-C50C-407E-A947-70E740481C1C}">
+                <a14:useLocalDpi xmlns:a14="http://schemas.microsoft.com/office/drawing/2010/main" val="0"/>
+              </a:ext>
+            </a:extLst>
+          </a:blip>
+          <a:stretch>
+            <a:fillRect/>
+          </a:stretch>
+        </p:blipFill>
+        <p:spPr>
+          <a:xfrm>
+            <a:off x="800101" y="559276"/>
+            <a:ext cx="10448558" cy="5884387"/>
           </a:xfrm>
           <a:prstGeom prst="rect">
             <a:avLst/>
           </a:prstGeom>
         </p:spPr>
-        <p:txBody>
-          <a:bodyPr wrap="none">
-            <a:spAutoFit/>
-          </a:bodyPr>
-          <a:lstStyle/>
-          <a:p>
-            <a:r>
-              <a:rPr lang="en-US" altLang="zh-CN" b="1" dirty="0" err="1">
-                <a:latin typeface="Roboto" panose="02000000000000000000" pitchFamily="2" charset="0"/>
-              </a:rPr>
-              <a:t>OnInit</a:t>
-            </a:r>
-            <a:r>
-              <a:rPr lang="en-US" altLang="zh-CN" b="1" dirty="0" smtClean="0">
-                <a:latin typeface="Roboto" panose="02000000000000000000" pitchFamily="2" charset="0"/>
-              </a:rPr>
-              <a:t>()</a:t>
-            </a:r>
-            <a:endParaRPr lang="zh-CN" altLang="en-US" b="0" i="0" dirty="0">
-              <a:effectLst/>
-              <a:latin typeface="Roboto" panose="02000000000000000000" pitchFamily="2" charset="0"/>
-            </a:endParaRPr>
-          </a:p>
-        </p:txBody>
-      </p:sp>
-      <p:sp>
-        <p:nvSpPr>
-          <p:cNvPr id="6" name="矩形 5"/>
-          <p:cNvSpPr/>
-          <p:nvPr/>
-        </p:nvSpPr>
-        <p:spPr>
-          <a:xfrm>
-            <a:off x="2551134" y="1690394"/>
-            <a:ext cx="6096000" cy="646331"/>
-          </a:xfrm>
-          <a:prstGeom prst="rect">
-            <a:avLst/>
-          </a:prstGeom>
-        </p:spPr>
-        <p:txBody>
-          <a:bodyPr>
-            <a:spAutoFit/>
-          </a:bodyPr>
-          <a:lstStyle/>
-          <a:p>
-            <a:pPr>
-              <a:buFont typeface="+mj-lt"/>
-              <a:buAutoNum type="arabicPeriod"/>
-            </a:pPr>
-            <a:r>
-              <a:rPr lang="zh-CN" altLang="en-US" dirty="0">
-                <a:latin typeface="Roboto" panose="02000000000000000000" pitchFamily="2" charset="0"/>
-              </a:rPr>
-              <a:t>在构造函数之后马上执行复杂的初始化逻辑</a:t>
-            </a:r>
-          </a:p>
-          <a:p>
-            <a:pPr>
-              <a:buFont typeface="+mj-lt"/>
-              <a:buAutoNum type="arabicPeriod"/>
-            </a:pPr>
-            <a:r>
-              <a:rPr lang="zh-CN" altLang="en-US" dirty="0">
-                <a:latin typeface="Roboto" panose="02000000000000000000" pitchFamily="2" charset="0"/>
-              </a:rPr>
-              <a:t>在 </a:t>
-            </a:r>
-            <a:r>
-              <a:rPr lang="en-US" altLang="zh-CN" dirty="0">
-                <a:latin typeface="Roboto" panose="02000000000000000000" pitchFamily="2" charset="0"/>
-              </a:rPr>
-              <a:t>Angular </a:t>
-            </a:r>
-            <a:r>
-              <a:rPr lang="zh-CN" altLang="en-US" dirty="0">
-                <a:latin typeface="Roboto" panose="02000000000000000000" pitchFamily="2" charset="0"/>
-              </a:rPr>
-              <a:t>设置完输入属性之后，对该组件进行准备。</a:t>
-            </a:r>
-            <a:endParaRPr lang="zh-CN" altLang="en-US" b="0" i="0" dirty="0">
-              <a:effectLst/>
-              <a:latin typeface="Roboto" panose="02000000000000000000" pitchFamily="2" charset="0"/>
-            </a:endParaRPr>
-          </a:p>
-        </p:txBody>
-      </p:sp>
-      <p:sp>
-        <p:nvSpPr>
-          <p:cNvPr id="3" name="矩形 2"/>
-          <p:cNvSpPr/>
-          <p:nvPr/>
-        </p:nvSpPr>
-        <p:spPr>
-          <a:xfrm>
-            <a:off x="1851263" y="2817267"/>
-            <a:ext cx="1418017" cy="369332"/>
-          </a:xfrm>
-          <a:prstGeom prst="rect">
-            <a:avLst/>
-          </a:prstGeom>
-        </p:spPr>
-        <p:txBody>
-          <a:bodyPr wrap="none">
-            <a:spAutoFit/>
-          </a:bodyPr>
-          <a:lstStyle/>
-          <a:p>
-            <a:r>
-              <a:rPr lang="mr-IN" altLang="zh-CN" b="1" dirty="0" err="1">
-                <a:latin typeface="Roboto" charset="0"/>
-              </a:rPr>
-              <a:t>OnDestroy</a:t>
-            </a:r>
-            <a:r>
-              <a:rPr lang="mr-IN" altLang="zh-CN" b="1" dirty="0" smtClean="0">
-                <a:latin typeface="Roboto" charset="0"/>
-              </a:rPr>
-              <a:t>()</a:t>
-            </a:r>
-            <a:endParaRPr lang="mr-IN" altLang="zh-CN" b="0" i="0" dirty="0">
-              <a:effectLst/>
-              <a:latin typeface="Roboto" charset="0"/>
-            </a:endParaRPr>
-          </a:p>
-        </p:txBody>
-      </p:sp>
-      <p:sp>
-        <p:nvSpPr>
-          <p:cNvPr id="4" name="矩形 3"/>
-          <p:cNvSpPr/>
-          <p:nvPr/>
-        </p:nvSpPr>
-        <p:spPr>
-          <a:xfrm>
-            <a:off x="2551134" y="2447935"/>
-            <a:ext cx="3967753" cy="369332"/>
-          </a:xfrm>
-          <a:prstGeom prst="rect">
-            <a:avLst/>
-          </a:prstGeom>
-        </p:spPr>
-        <p:txBody>
-          <a:bodyPr wrap="none">
-            <a:spAutoFit/>
-          </a:bodyPr>
-          <a:lstStyle/>
-          <a:p>
-            <a:r>
-              <a:rPr lang="zh-CN" altLang="en-US" dirty="0" smtClean="0">
-                <a:latin typeface="Roboto" charset="0"/>
-              </a:rPr>
-              <a:t>这里</a:t>
-            </a:r>
-            <a:r>
-              <a:rPr lang="zh-CN" altLang="en-US" dirty="0">
-                <a:latin typeface="Roboto" charset="0"/>
-              </a:rPr>
-              <a:t>是放置复杂</a:t>
-            </a:r>
-            <a:r>
-              <a:rPr lang="zh-CN" altLang="en-US" dirty="0">
-                <a:solidFill>
-                  <a:srgbClr val="FF0000"/>
-                </a:solidFill>
-                <a:latin typeface="Roboto" charset="0"/>
-              </a:rPr>
-              <a:t>初始化逻辑</a:t>
-            </a:r>
-            <a:r>
-              <a:rPr lang="zh-CN" altLang="en-US" dirty="0">
-                <a:latin typeface="Roboto" charset="0"/>
-              </a:rPr>
-              <a:t>的好地方</a:t>
-            </a:r>
-            <a:endParaRPr lang="zh-CN" altLang="en-US" dirty="0"/>
-          </a:p>
-        </p:txBody>
-      </p:sp>
-      <p:sp>
-        <p:nvSpPr>
-          <p:cNvPr id="7" name="矩形 6"/>
-          <p:cNvSpPr/>
-          <p:nvPr/>
-        </p:nvSpPr>
-        <p:spPr>
-          <a:xfrm>
-            <a:off x="2662237" y="3409019"/>
-            <a:ext cx="9196388" cy="369332"/>
-          </a:xfrm>
-          <a:prstGeom prst="rect">
-            <a:avLst/>
-          </a:prstGeom>
-        </p:spPr>
-        <p:txBody>
-          <a:bodyPr wrap="square">
-            <a:spAutoFit/>
-          </a:bodyPr>
-          <a:lstStyle/>
-          <a:p>
-            <a:r>
-              <a:rPr lang="zh-CN" altLang="en-US" dirty="0">
-                <a:latin typeface="Roboto" charset="0"/>
-              </a:rPr>
-              <a:t>一些清理逻辑</a:t>
-            </a:r>
-            <a:r>
-              <a:rPr lang="zh-CN" altLang="en-US" b="1" dirty="0">
-                <a:latin typeface="Roboto" charset="0"/>
-              </a:rPr>
-              <a:t>必须</a:t>
-            </a:r>
-            <a:r>
-              <a:rPr lang="zh-CN" altLang="en-US" dirty="0">
-                <a:latin typeface="Roboto" charset="0"/>
-              </a:rPr>
-              <a:t>在 </a:t>
-            </a:r>
-            <a:r>
-              <a:rPr lang="en-US" altLang="zh-CN" dirty="0">
-                <a:latin typeface="Roboto" charset="0"/>
-              </a:rPr>
-              <a:t>Angular </a:t>
-            </a:r>
-            <a:r>
-              <a:rPr lang="zh-CN" altLang="en-US" dirty="0">
-                <a:latin typeface="Roboto" charset="0"/>
-              </a:rPr>
-              <a:t>销毁指令之前运行，把它们放在 </a:t>
-            </a:r>
-            <a:r>
-              <a:rPr lang="en-US" altLang="zh-CN" dirty="0" err="1"/>
-              <a:t>ngOnDestroy</a:t>
-            </a:r>
-            <a:r>
-              <a:rPr lang="en-US" altLang="zh-CN" dirty="0"/>
-              <a:t>()</a:t>
-            </a:r>
-            <a:r>
-              <a:rPr lang="zh-CN" altLang="en-US" dirty="0">
-                <a:latin typeface="Roboto" charset="0"/>
-              </a:rPr>
-              <a:t> 中。</a:t>
-            </a:r>
-            <a:endParaRPr lang="zh-CN" altLang="en-US" dirty="0"/>
-          </a:p>
-        </p:txBody>
-      </p:sp>
-      <p:sp>
-        <p:nvSpPr>
-          <p:cNvPr id="8" name="矩形 7"/>
-          <p:cNvSpPr/>
-          <p:nvPr/>
-        </p:nvSpPr>
-        <p:spPr>
-          <a:xfrm>
-            <a:off x="1898103" y="4240016"/>
-            <a:ext cx="1608133" cy="369332"/>
-          </a:xfrm>
-          <a:prstGeom prst="rect">
-            <a:avLst/>
-          </a:prstGeom>
-        </p:spPr>
-        <p:txBody>
-          <a:bodyPr wrap="none">
-            <a:spAutoFit/>
-          </a:bodyPr>
-          <a:lstStyle/>
-          <a:p>
-            <a:r>
-              <a:rPr lang="mr-IN" altLang="zh-CN" b="1" dirty="0" err="1">
-                <a:latin typeface="Roboto" charset="0"/>
-              </a:rPr>
-              <a:t>OnChanges</a:t>
-            </a:r>
-            <a:r>
-              <a:rPr lang="mr-IN" altLang="zh-CN" b="1" dirty="0">
-                <a:latin typeface="Roboto" charset="0"/>
-              </a:rPr>
-              <a:t>()</a:t>
-            </a:r>
-            <a:r>
-              <a:rPr lang="mr-IN" altLang="zh-CN" dirty="0">
-                <a:latin typeface="Roboto" charset="0"/>
-              </a:rPr>
-              <a:t> </a:t>
-            </a:r>
-            <a:endParaRPr lang="mr-IN" altLang="zh-CN" b="0" i="0" dirty="0">
-              <a:effectLst/>
-              <a:latin typeface="Roboto" charset="0"/>
-            </a:endParaRPr>
-          </a:p>
-        </p:txBody>
-      </p:sp>
-      <p:sp>
-        <p:nvSpPr>
-          <p:cNvPr id="9" name="矩形 8"/>
-          <p:cNvSpPr/>
-          <p:nvPr/>
-        </p:nvSpPr>
-        <p:spPr>
-          <a:xfrm>
-            <a:off x="2551134" y="4647102"/>
-            <a:ext cx="9507516" cy="646331"/>
-          </a:xfrm>
-          <a:prstGeom prst="rect">
-            <a:avLst/>
-          </a:prstGeom>
-        </p:spPr>
-        <p:txBody>
-          <a:bodyPr wrap="square">
-            <a:spAutoFit/>
-          </a:bodyPr>
-          <a:lstStyle/>
-          <a:p>
-            <a:r>
-              <a:rPr lang="zh-CN" altLang="en-US" dirty="0">
-                <a:latin typeface="Roboto" charset="0"/>
-              </a:rPr>
-              <a:t>一旦检测到该组件</a:t>
-            </a:r>
-            <a:r>
-              <a:rPr lang="en-US" altLang="zh-CN" dirty="0">
-                <a:latin typeface="Roboto" charset="0"/>
-              </a:rPr>
-              <a:t>(</a:t>
-            </a:r>
-            <a:r>
-              <a:rPr lang="zh-CN" altLang="en-US" dirty="0">
-                <a:latin typeface="Roboto" charset="0"/>
-              </a:rPr>
-              <a:t>或指令</a:t>
-            </a:r>
-            <a:r>
-              <a:rPr lang="en-US" altLang="zh-CN" dirty="0">
-                <a:latin typeface="Roboto" charset="0"/>
-              </a:rPr>
-              <a:t>)</a:t>
-            </a:r>
-            <a:r>
-              <a:rPr lang="zh-CN" altLang="en-US" dirty="0">
-                <a:latin typeface="Roboto" charset="0"/>
-              </a:rPr>
-              <a:t>的</a:t>
-            </a:r>
-            <a:r>
-              <a:rPr lang="zh-CN" altLang="en-US" b="1" dirty="0">
-                <a:solidFill>
-                  <a:srgbClr val="FF0000"/>
-                </a:solidFill>
-                <a:latin typeface="Roboto" charset="0"/>
-              </a:rPr>
-              <a:t>输入属性</a:t>
-            </a:r>
-            <a:r>
-              <a:rPr lang="zh-CN" altLang="en-US" dirty="0">
-                <a:latin typeface="Roboto" charset="0"/>
-              </a:rPr>
-              <a:t>发生了变化，</a:t>
-            </a:r>
-            <a:r>
-              <a:rPr lang="en-US" altLang="zh-CN" dirty="0">
-                <a:latin typeface="Roboto" charset="0"/>
-              </a:rPr>
-              <a:t>Angular </a:t>
-            </a:r>
-            <a:r>
-              <a:rPr lang="zh-CN" altLang="en-US" dirty="0">
-                <a:latin typeface="Roboto" charset="0"/>
-              </a:rPr>
-              <a:t>就会调用它的 </a:t>
-            </a:r>
-            <a:r>
-              <a:rPr lang="en-US" altLang="zh-CN" dirty="0" err="1"/>
-              <a:t>ngOnChanges</a:t>
-            </a:r>
-            <a:r>
-              <a:rPr lang="en-US" altLang="zh-CN" dirty="0"/>
-              <a:t>()</a:t>
-            </a:r>
-            <a:r>
-              <a:rPr lang="zh-CN" altLang="en-US" dirty="0">
-                <a:latin typeface="Roboto" charset="0"/>
-              </a:rPr>
-              <a:t> 方法。</a:t>
-            </a:r>
-            <a:endParaRPr lang="zh-CN" altLang="en-US" dirty="0"/>
-          </a:p>
-        </p:txBody>
-      </p:sp>
-      <p:sp>
-        <p:nvSpPr>
-          <p:cNvPr id="10" name="矩形 9"/>
-          <p:cNvSpPr/>
-          <p:nvPr/>
-        </p:nvSpPr>
-        <p:spPr>
-          <a:xfrm>
-            <a:off x="2506673" y="5478099"/>
-            <a:ext cx="9507516" cy="646331"/>
-          </a:xfrm>
-          <a:prstGeom prst="rect">
-            <a:avLst/>
-          </a:prstGeom>
-        </p:spPr>
-        <p:txBody>
-          <a:bodyPr wrap="square">
-            <a:spAutoFit/>
-          </a:bodyPr>
-          <a:lstStyle/>
-          <a:p>
-            <a:r>
-              <a:rPr lang="zh-CN" altLang="en-US" dirty="0" smtClean="0">
-                <a:latin typeface="Roboto" charset="0"/>
-              </a:rPr>
-              <a:t>如果输入属性是对象</a:t>
-            </a:r>
-            <a:r>
-              <a:rPr lang="en-US" altLang="zh-CN" dirty="0" smtClean="0">
-                <a:latin typeface="Roboto" charset="0"/>
-              </a:rPr>
-              <a:t>hero</a:t>
-            </a:r>
-            <a:r>
-              <a:rPr lang="zh-CN" altLang="en-US" dirty="0" smtClean="0">
-                <a:latin typeface="Roboto" charset="0"/>
-              </a:rPr>
-              <a:t>，当他的值</a:t>
-            </a:r>
-            <a:r>
-              <a:rPr lang="en-US" altLang="zh-CN" dirty="0" err="1" smtClean="0">
-                <a:latin typeface="Roboto" charset="0"/>
-              </a:rPr>
-              <a:t>hero.name</a:t>
-            </a:r>
-            <a:r>
-              <a:rPr lang="zh-CN" altLang="en-US" dirty="0" smtClean="0">
-                <a:latin typeface="Roboto" charset="0"/>
-              </a:rPr>
-              <a:t>发生变化时，不会被</a:t>
-            </a:r>
-            <a:r>
-              <a:rPr lang="en-US" altLang="zh-CN" dirty="0" err="1" smtClean="0">
-                <a:latin typeface="Roboto" charset="0"/>
-              </a:rPr>
-              <a:t>OnChanges</a:t>
-            </a:r>
-            <a:r>
-              <a:rPr lang="zh-CN" altLang="en-US" dirty="0" smtClean="0">
-                <a:latin typeface="Roboto" charset="0"/>
-              </a:rPr>
-              <a:t>捕捉到，因为</a:t>
-            </a:r>
-            <a:r>
-              <a:rPr lang="en-US" altLang="zh-CN" dirty="0" smtClean="0">
-                <a:latin typeface="Roboto" charset="0"/>
-              </a:rPr>
-              <a:t>hero</a:t>
-            </a:r>
-            <a:r>
-              <a:rPr lang="zh-CN" altLang="en-US" dirty="0" smtClean="0">
-                <a:latin typeface="Roboto" charset="0"/>
-              </a:rPr>
-              <a:t>的引用没有变化</a:t>
-            </a:r>
-            <a:endParaRPr lang="zh-CN" altLang="en-US" dirty="0"/>
-          </a:p>
-        </p:txBody>
-      </p:sp>
+      </p:pic>
     </p:spTree>
     <p:extLst>
       <p:ext uri="{BB962C8B-B14F-4D97-AF65-F5344CB8AC3E}">
-        <p14:creationId xmlns:p14="http://schemas.microsoft.com/office/powerpoint/2010/main" val="1912361220"/>
+        <p14:creationId xmlns:p14="http://schemas.microsoft.com/office/powerpoint/2010/main" val="4041576950"/>
       </p:ext>
     </p:extLst>
   </p:cSld>
@@ -4125,14 +3682,43 @@
       </p:grpSpPr>
       <p:sp>
         <p:nvSpPr>
+          <p:cNvPr id="2" name="矩形 1"/>
+          <p:cNvSpPr/>
+          <p:nvPr/>
+        </p:nvSpPr>
+        <p:spPr>
+          <a:xfrm>
+            <a:off x="4308463" y="440411"/>
+            <a:ext cx="3570208" cy="769441"/>
+          </a:xfrm>
+          <a:prstGeom prst="rect">
+            <a:avLst/>
+          </a:prstGeom>
+        </p:spPr>
+        <p:txBody>
+          <a:bodyPr wrap="none">
+            <a:spAutoFit/>
+          </a:bodyPr>
+          <a:lstStyle/>
+          <a:p>
+            <a:r>
+              <a:rPr lang="zh-CN" altLang="en-US" sz="4400" dirty="0" smtClean="0"/>
+              <a:t>生命周期钩子</a:t>
+            </a:r>
+            <a:endParaRPr lang="zh-CN" altLang="en-US" sz="4400" dirty="0"/>
+          </a:p>
+        </p:txBody>
+      </p:sp>
+      <p:sp>
+        <p:nvSpPr>
           <p:cNvPr id="5" name="矩形 4"/>
           <p:cNvSpPr/>
           <p:nvPr/>
         </p:nvSpPr>
         <p:spPr>
           <a:xfrm>
-            <a:off x="1851263" y="238295"/>
-            <a:ext cx="1181734" cy="369332"/>
+            <a:off x="1851263" y="1209852"/>
+            <a:ext cx="1005403" cy="369332"/>
           </a:xfrm>
           <a:prstGeom prst="rect">
             <a:avLst/>
@@ -4145,14 +3731,83 @@
           <a:lstStyle/>
           <a:p>
             <a:r>
-              <a:rPr lang="mr-IN" altLang="zh-CN" b="1" dirty="0" err="1"/>
-              <a:t>DoCheck</a:t>
-            </a:r>
-            <a:r>
-              <a:rPr lang="mr-IN" altLang="zh-CN" b="1" dirty="0" smtClean="0"/>
+              <a:rPr lang="en-US" altLang="zh-CN" b="1" dirty="0" err="1">
+                <a:latin typeface="Roboto" panose="02000000000000000000" pitchFamily="2" charset="0"/>
+              </a:rPr>
+              <a:t>OnInit</a:t>
+            </a:r>
+            <a:r>
+              <a:rPr lang="en-US" altLang="zh-CN" b="1" dirty="0" smtClean="0">
+                <a:latin typeface="Roboto" panose="02000000000000000000" pitchFamily="2" charset="0"/>
+              </a:rPr>
               <a:t>()</a:t>
             </a:r>
-            <a:endParaRPr lang="mr-IN" altLang="zh-CN" dirty="0"/>
+            <a:endParaRPr lang="zh-CN" altLang="en-US" b="0" i="0" dirty="0">
+              <a:effectLst/>
+              <a:latin typeface="Roboto" panose="02000000000000000000" pitchFamily="2" charset="0"/>
+            </a:endParaRPr>
+          </a:p>
+        </p:txBody>
+      </p:sp>
+      <p:sp>
+        <p:nvSpPr>
+          <p:cNvPr id="6" name="矩形 5"/>
+          <p:cNvSpPr/>
+          <p:nvPr/>
+        </p:nvSpPr>
+        <p:spPr>
+          <a:xfrm>
+            <a:off x="2551134" y="1690394"/>
+            <a:ext cx="6096000" cy="646331"/>
+          </a:xfrm>
+          <a:prstGeom prst="rect">
+            <a:avLst/>
+          </a:prstGeom>
+        </p:spPr>
+        <p:txBody>
+          <a:bodyPr>
+            <a:spAutoFit/>
+          </a:bodyPr>
+          <a:lstStyle/>
+          <a:p>
+            <a:pPr>
+              <a:buFont typeface="+mj-lt"/>
+              <a:buAutoNum type="arabicPeriod"/>
+            </a:pPr>
+            <a:r>
+              <a:rPr lang="zh-CN" altLang="en-US" dirty="0">
+                <a:latin typeface="Roboto" panose="02000000000000000000" pitchFamily="2" charset="0"/>
+              </a:rPr>
+              <a:t>在构造函数之后马上执行复杂的初始化逻辑</a:t>
+            </a:r>
+          </a:p>
+          <a:p>
+            <a:pPr>
+              <a:buFont typeface="+mj-lt"/>
+              <a:buAutoNum type="arabicPeriod"/>
+            </a:pPr>
+            <a:r>
+              <a:rPr lang="zh-CN" altLang="en-US" dirty="0">
+                <a:latin typeface="Roboto" panose="02000000000000000000" pitchFamily="2" charset="0"/>
+              </a:rPr>
+              <a:t>在 </a:t>
+            </a:r>
+            <a:r>
+              <a:rPr lang="en-US" altLang="zh-CN" dirty="0">
+                <a:latin typeface="Roboto" panose="02000000000000000000" pitchFamily="2" charset="0"/>
+              </a:rPr>
+              <a:t>Angular </a:t>
+            </a:r>
+            <a:r>
+              <a:rPr lang="zh-CN" altLang="en-US" dirty="0">
+                <a:latin typeface="Roboto" panose="02000000000000000000" pitchFamily="2" charset="0"/>
+              </a:rPr>
+              <a:t>设置完输入属性之后，对该组件进行准备。</a:t>
+            </a:r>
+            <a:endParaRPr lang="zh-CN" altLang="en-US" b="0" i="0" dirty="0">
+              <a:effectLst/>
+              <a:latin typeface="Roboto" panose="02000000000000000000" pitchFamily="2" charset="0"/>
+            </a:endParaRPr>
           </a:p>
         </p:txBody>
       </p:sp>
@@ -4164,8 +3819,8 @@
         </p:nvSpPr>
         <p:spPr>
           <a:xfrm>
-            <a:off x="1851263" y="1463331"/>
-            <a:ext cx="1355949" cy="369332"/>
+            <a:off x="1851263" y="2817267"/>
+            <a:ext cx="1418017" cy="369332"/>
           </a:xfrm>
           <a:prstGeom prst="rect">
             <a:avLst/>
@@ -4178,18 +3833,19 @@
           <a:lstStyle/>
           <a:p>
             <a:r>
-              <a:rPr lang="en-US" altLang="zh-CN" b="1" dirty="0" err="1" smtClean="0">
-                <a:latin typeface="Roboto" charset="0"/>
-              </a:rPr>
-              <a:t>AfterView</a:t>
-            </a:r>
-            <a:r>
-              <a:rPr lang="en-US" altLang="zh-CN" dirty="0" smtClean="0">
+              <a:rPr lang="mr-IN" altLang="zh-CN" b="1" dirty="0" err="1">
+                <a:latin typeface="Roboto" charset="0"/>
+              </a:rPr>
+              <a:t>OnDestroy</a:t>
+            </a:r>
+            <a:r>
+              <a:rPr lang="mr-IN" altLang="zh-CN" b="1" dirty="0" smtClean="0">
                 <a:latin typeface="Roboto" charset="0"/>
               </a:rPr>
               <a:t>()</a:t>
             </a:r>
-            <a:endParaRPr lang="en-US" altLang="zh-CN" b="1" dirty="0">
+            <a:endParaRPr lang="mr-IN" altLang="zh-CN" b="0" i="0" dirty="0">
+              <a:effectLst/>
               <a:latin typeface="Roboto" charset="0"/>
             </a:endParaRPr>
           </a:p>
@@ -4203,8 +3859,8 @@
         </p:nvSpPr>
         <p:spPr>
           <a:xfrm>
-            <a:off x="2479695" y="647695"/>
-            <a:ext cx="4326826" cy="369332"/>
+            <a:off x="2551134" y="2447935"/>
+            <a:ext cx="3967753" cy="369332"/>
           </a:xfrm>
           <a:prstGeom prst="rect">
             <a:avLst/>
@@ -4220,25 +3876,97 @@
               <a:rPr lang="zh-CN" altLang="en-US" dirty="0" smtClean="0">
                 <a:latin typeface="Roboto" charset="0"/>
               </a:rPr>
-              <a:t>可以检测到 </a:t>
-            </a:r>
-            <a:r>
-              <a:rPr lang="en-US" altLang="zh-CN" dirty="0" err="1" smtClean="0">
-                <a:latin typeface="Roboto" charset="0"/>
-              </a:rPr>
-              <a:t>hero.name</a:t>
-            </a:r>
-            <a:r>
-              <a:rPr lang="en-US" altLang="zh-CN" dirty="0" smtClean="0">
-                <a:latin typeface="Roboto" charset="0"/>
-              </a:rPr>
-              <a:t> </a:t>
-            </a:r>
-            <a:r>
-              <a:rPr lang="zh-CN" altLang="en-US" dirty="0" smtClean="0">
-                <a:latin typeface="Roboto" charset="0"/>
-              </a:rPr>
-              <a:t>的变化 （见官网）</a:t>
+              <a:t>这里</a:t>
+            </a:r>
+            <a:r>
+              <a:rPr lang="zh-CN" altLang="en-US" dirty="0">
+                <a:latin typeface="Roboto" charset="0"/>
+              </a:rPr>
+              <a:t>是放置复杂</a:t>
+            </a:r>
+            <a:r>
+              <a:rPr lang="zh-CN" altLang="en-US" dirty="0">
+                <a:solidFill>
+                  <a:srgbClr val="FF0000"/>
+                </a:solidFill>
+                <a:latin typeface="Roboto" charset="0"/>
+              </a:rPr>
+              <a:t>初始化逻辑</a:t>
+            </a:r>
+            <a:r>
+              <a:rPr lang="zh-CN" altLang="en-US" dirty="0">
+                <a:latin typeface="Roboto" charset="0"/>
+              </a:rPr>
+              <a:t>的好地方</a:t>
+            </a:r>
+            <a:endParaRPr lang="zh-CN" altLang="en-US" dirty="0"/>
+          </a:p>
+        </p:txBody>
+      </p:sp>
+      <p:sp>
+        <p:nvSpPr>
+          <p:cNvPr id="7" name="矩形 6"/>
+          <p:cNvSpPr/>
+          <p:nvPr/>
+        </p:nvSpPr>
+        <p:spPr>
+          <a:xfrm>
+            <a:off x="2662237" y="3409019"/>
+            <a:ext cx="9196388" cy="369332"/>
+          </a:xfrm>
+          <a:prstGeom prst="rect">
+            <a:avLst/>
+          </a:prstGeom>
+        </p:spPr>
+        <p:txBody>
+          <a:bodyPr wrap="square">
+            <a:spAutoFit/>
+          </a:bodyPr>
+          <a:lstStyle/>
+          <a:p>
+            <a:r>
+              <a:rPr lang="zh-CN" altLang="en-US" dirty="0">
+                <a:latin typeface="Roboto" charset="0"/>
+              </a:rPr>
+              <a:t>一些清理逻辑</a:t>
+            </a:r>
+            <a:r>
+              <a:rPr lang="zh-CN" altLang="en-US" b="1" dirty="0">
+                <a:latin typeface="Roboto" charset="0"/>
+              </a:rPr>
+              <a:t>必须</a:t>
+            </a:r>
+            <a:r>
+              <a:rPr lang="zh-CN" altLang="en-US" dirty="0">
+                <a:latin typeface="Roboto" charset="0"/>
+              </a:rPr>
+              <a:t>在 </a:t>
+            </a:r>
+            <a:r>
+              <a:rPr lang="en-US" altLang="zh-CN" dirty="0">
+                <a:latin typeface="Roboto" charset="0"/>
+              </a:rPr>
+              <a:t>Angular </a:t>
+            </a:r>
+            <a:r>
+              <a:rPr lang="zh-CN" altLang="en-US" dirty="0">
+                <a:latin typeface="Roboto" charset="0"/>
+              </a:rPr>
+              <a:t>销毁指令之前运行，把它们放在 </a:t>
+            </a:r>
+            <a:r>
+              <a:rPr lang="en-US" altLang="zh-CN" dirty="0" err="1"/>
+              <a:t>ngOnDestroy</a:t>
+            </a:r>
+            <a:r>
+              <a:rPr lang="en-US" altLang="zh-CN" dirty="0"/>
+              <a:t>()</a:t>
+            </a:r>
+            <a:r>
+              <a:rPr lang="zh-CN" altLang="en-US" dirty="0">
+                <a:latin typeface="Roboto" charset="0"/>
+              </a:rPr>
+              <a:t> 中。</a:t>
             </a:r>
             <a:endParaRPr lang="zh-CN" altLang="en-US" dirty="0"/>
           </a:p>
@@ -4252,8 +3980,8 @@
         </p:nvSpPr>
         <p:spPr>
           <a:xfrm>
-            <a:off x="2514949" y="2446739"/>
-            <a:ext cx="2262158" cy="369332"/>
+            <a:off x="1898103" y="4240016"/>
+            <a:ext cx="1608133" cy="369332"/>
           </a:xfrm>
           <a:prstGeom prst="rect">
             <a:avLst/>
@@ -4266,61 +3994,46 @@
           <a:lstStyle/>
           <a:p>
             <a:r>
-              <a:rPr lang="zh-CN" altLang="en-US">
-                <a:latin typeface="Roboto" charset="0"/>
-              </a:rPr>
-              <a:t>遵循单向数据流规则</a:t>
-            </a:r>
-          </a:p>
-        </p:txBody>
-      </p:sp>
-      <p:sp>
-        <p:nvSpPr>
-          <p:cNvPr id="11" name="矩形 10"/>
+              <a:rPr lang="mr-IN" altLang="zh-CN" b="1" dirty="0" err="1">
+                <a:latin typeface="Roboto" charset="0"/>
+              </a:rPr>
+              <a:t>OnChanges</a:t>
+            </a:r>
+            <a:r>
+              <a:rPr lang="mr-IN" altLang="zh-CN" b="1" dirty="0">
+                <a:latin typeface="Roboto" charset="0"/>
+              </a:rPr>
+              <a:t>()</a:t>
+            </a:r>
+            <a:r>
+              <a:rPr lang="mr-IN" altLang="zh-CN" dirty="0">
+                <a:latin typeface="Roboto" charset="0"/>
+              </a:rPr>
+              <a:t> </a:t>
+            </a:r>
+            <a:endParaRPr lang="mr-IN" altLang="zh-CN" b="0" i="0" dirty="0">
+              <a:effectLst/>
+              <a:latin typeface="Roboto" charset="0"/>
+            </a:endParaRPr>
+          </a:p>
+        </p:txBody>
+      </p:sp>
+      <p:sp>
+        <p:nvSpPr>
+          <p:cNvPr id="9" name="矩形 8"/>
           <p:cNvSpPr/>
           <p:nvPr/>
         </p:nvSpPr>
         <p:spPr>
           <a:xfrm>
-            <a:off x="2488832" y="1037920"/>
-            <a:ext cx="3166251" cy="369332"/>
+            <a:off x="2551134" y="4647102"/>
+            <a:ext cx="9507516" cy="646331"/>
           </a:xfrm>
           <a:prstGeom prst="rect">
             <a:avLst/>
           </a:prstGeom>
         </p:spPr>
         <p:txBody>
-          <a:bodyPr wrap="none">
-            <a:spAutoFit/>
-          </a:bodyPr>
-          <a:lstStyle/>
-          <a:p>
-            <a:r>
-              <a:rPr lang="zh-CN" altLang="en-US" dirty="0" smtClean="0">
-                <a:latin typeface="Roboto" charset="0"/>
-              </a:rPr>
-              <a:t>出发非常频繁，需要小心使用</a:t>
-            </a:r>
-            <a:endParaRPr lang="zh-CN" altLang="en-US" dirty="0"/>
-          </a:p>
-        </p:txBody>
-      </p:sp>
-      <p:sp>
-        <p:nvSpPr>
-          <p:cNvPr id="14" name="矩形 13"/>
-          <p:cNvSpPr/>
-          <p:nvPr/>
-        </p:nvSpPr>
-        <p:spPr>
-          <a:xfrm>
-            <a:off x="2435235" y="1961652"/>
-            <a:ext cx="9739313" cy="369332"/>
-          </a:xfrm>
-          <a:prstGeom prst="rect">
-            <a:avLst/>
-          </a:prstGeom>
-        </p:spPr>
-        <p:txBody>
           <a:bodyPr wrap="square">
             <a:spAutoFit/>
           </a:bodyPr>
@@ -4330,97 +4043,31 @@
               <a:rPr lang="zh-CN" altLang="en-US" dirty="0">
                 <a:latin typeface="Roboto" charset="0"/>
               </a:rPr>
-              <a:t> </a:t>
+              <a:t>一旦检测到该组件</a:t>
             </a:r>
             <a:r>
               <a:rPr lang="en-US" altLang="zh-CN" dirty="0">
-                <a:hlinkClick r:id="rId2"/>
-              </a:rPr>
-              <a:t>AfterViewInit</a:t>
-            </a:r>
-            <a:r>
-              <a:rPr lang="en-US" altLang="zh-CN" dirty="0"/>
-              <a:t>()</a:t>
-            </a:r>
-            <a:r>
-              <a:rPr lang="zh-CN" altLang="en-US" dirty="0">
-                <a:latin typeface="Roboto" charset="0"/>
-              </a:rPr>
-              <a:t> 和 </a:t>
+                <a:latin typeface="Roboto" charset="0"/>
+              </a:rPr>
+              <a:t>(</a:t>
+            </a:r>
+            <a:r>
+              <a:rPr lang="zh-CN" altLang="en-US" dirty="0">
+                <a:latin typeface="Roboto" charset="0"/>
+              </a:rPr>
+              <a:t>或指令</a:t>
             </a:r>
             <a:r>
               <a:rPr lang="en-US" altLang="zh-CN" dirty="0">
-                <a:hlinkClick r:id="rId3"/>
-              </a:rPr>
-              <a:t>AfterViewChecked</a:t>
-            </a:r>
-            <a:r>
-              <a:rPr lang="en-US" altLang="zh-CN" dirty="0"/>
-              <a:t>()</a:t>
-            </a:r>
-            <a:r>
-              <a:rPr lang="zh-CN" altLang="en-US" dirty="0">
-                <a:latin typeface="Roboto" charset="0"/>
-              </a:rPr>
-              <a:t> 钩子，</a:t>
-            </a:r>
-            <a:r>
-              <a:rPr lang="en-US" altLang="zh-CN" dirty="0">
-                <a:latin typeface="Roboto" charset="0"/>
-              </a:rPr>
-              <a:t>Angular </a:t>
-            </a:r>
-            <a:r>
-              <a:rPr lang="zh-CN" altLang="en-US" dirty="0">
-                <a:latin typeface="Roboto" charset="0"/>
-              </a:rPr>
-              <a:t>会在每次创建了组件的子视图后调用它们</a:t>
-            </a:r>
-            <a:endParaRPr lang="zh-CN" altLang="en-US" dirty="0"/>
-          </a:p>
-        </p:txBody>
-      </p:sp>
-      <p:sp>
-        <p:nvSpPr>
-          <p:cNvPr id="15" name="矩形 14"/>
-          <p:cNvSpPr/>
-          <p:nvPr/>
-        </p:nvSpPr>
-        <p:spPr>
-          <a:xfrm>
-            <a:off x="3207211" y="2888945"/>
-            <a:ext cx="8722851" cy="646331"/>
-          </a:xfrm>
-          <a:prstGeom prst="rect">
-            <a:avLst/>
-          </a:prstGeom>
-        </p:spPr>
-        <p:txBody>
-          <a:bodyPr wrap="square">
-            <a:spAutoFit/>
-          </a:bodyPr>
-          <a:lstStyle/>
-          <a:p>
-            <a:r>
-              <a:rPr lang="en-US" altLang="zh-CN" dirty="0">
-                <a:latin typeface="Roboto" charset="0"/>
-              </a:rPr>
-              <a:t>Angular </a:t>
-            </a:r>
-            <a:r>
-              <a:rPr lang="zh-CN" altLang="en-US" dirty="0">
-                <a:latin typeface="Roboto" charset="0"/>
-              </a:rPr>
-              <a:t>的“单向数据流”规则</a:t>
-            </a:r>
-            <a:r>
-              <a:rPr lang="zh-CN" altLang="en-US" dirty="0">
-                <a:solidFill>
-                  <a:srgbClr val="FF0000"/>
-                </a:solidFill>
-                <a:latin typeface="Roboto" charset="0"/>
-              </a:rPr>
-              <a:t>禁止在一个视图已经被组合好</a:t>
+                <a:latin typeface="Roboto" charset="0"/>
+              </a:rPr>
+              <a:t>)</a:t>
+            </a:r>
+            <a:r>
+              <a:rPr lang="zh-CN" altLang="en-US" dirty="0">
+                <a:latin typeface="Roboto" charset="0"/>
+              </a:rPr>
+              <a:t>的</a:t>
             </a:r>
             <a:r>
               <a:rPr lang="zh-CN" altLang="en-US" b="1" dirty="0">
@@ -4429,22 +4076,39 @@
                 </a:solidFill>
                 <a:latin typeface="Roboto" charset="0"/>
               </a:rPr>
-              <a:t>之后</a:t>
-            </a:r>
-            <a:r>
-              <a:rPr lang="zh-CN" altLang="en-US" dirty="0">
-                <a:solidFill>
-                  <a:srgbClr val="FF0000"/>
-                </a:solidFill>
-                <a:latin typeface="Roboto" charset="0"/>
-              </a:rPr>
-              <a:t>再更新视图</a:t>
-            </a:r>
-            <a:r>
-              <a:rPr lang="zh-CN" altLang="en-US" dirty="0">
-                <a:latin typeface="Roboto" charset="0"/>
-              </a:rPr>
-              <a:t>。 而这两个钩子都是在组件的视图已经被组合好之后触发的。</a:t>
+              <a:t>输入属性</a:t>
+            </a:r>
+            <a:r>
+              <a:rPr lang="zh-CN" altLang="en-US" dirty="0">
+                <a:latin typeface="Roboto" charset="0"/>
+              </a:rPr>
+              <a:t>发生了变化，</a:t>
+            </a:r>
+            <a:r>
+              <a:rPr lang="en-US" altLang="zh-CN" dirty="0">
+                <a:latin typeface="Roboto" charset="0"/>
+              </a:rPr>
+              <a:t>Angular </a:t>
+            </a:r>
+            <a:r>
+              <a:rPr lang="zh-CN" altLang="en-US" dirty="0">
+                <a:latin typeface="Roboto" charset="0"/>
+              </a:rPr>
+              <a:t>就会调用它的 </a:t>
+            </a:r>
+            <a:r>
+              <a:rPr lang="en-US" altLang="zh-CN" dirty="0" err="1"/>
+              <a:t>ngOnChanges</a:t>
+            </a:r>
+            <a:r>
+              <a:rPr lang="en-US" altLang="zh-CN" dirty="0"/>
+              <a:t>()</a:t>
+            </a:r>
+            <a:r>
+              <a:rPr lang="zh-CN" altLang="en-US" dirty="0">
+                <a:latin typeface="Roboto" charset="0"/>
+              </a:rPr>
+              <a:t> 方法。</a:t>
             </a:r>
             <a:endParaRPr lang="zh-CN" altLang="en-US" dirty="0"/>
           </a:p>
@@ -4452,480 +4116,87 @@
       </p:sp>
       <p:sp>
         <p:nvSpPr>
-          <p:cNvPr id="16" name="矩形 15"/>
+          <p:cNvPr id="10" name="矩形 9"/>
           <p:cNvSpPr/>
           <p:nvPr/>
         </p:nvSpPr>
         <p:spPr>
           <a:xfrm>
-            <a:off x="1851263" y="3508137"/>
-            <a:ext cx="1659429" cy="369332"/>
+            <a:off x="2506673" y="5478099"/>
+            <a:ext cx="9507516" cy="646331"/>
           </a:xfrm>
           <a:prstGeom prst="rect">
             <a:avLst/>
           </a:prstGeom>
         </p:spPr>
         <p:txBody>
-          <a:bodyPr wrap="none">
-            <a:spAutoFit/>
-          </a:bodyPr>
-          <a:lstStyle/>
-          <a:p>
-            <a:r>
-              <a:rPr lang="en-US" altLang="zh-CN" b="1" dirty="0" err="1" smtClean="0">
-                <a:latin typeface="Roboto" charset="0"/>
-              </a:rPr>
-              <a:t>AfterContent</a:t>
-            </a:r>
-            <a:r>
-              <a:rPr lang="en-US" altLang="zh-CN" b="1" dirty="0" smtClean="0">
-                <a:latin typeface="Roboto" charset="0"/>
-              </a:rPr>
-              <a:t>()</a:t>
-            </a:r>
-            <a:endParaRPr lang="en-US" altLang="zh-CN" b="1" dirty="0">
-              <a:latin typeface="Roboto" charset="0"/>
-            </a:endParaRPr>
-          </a:p>
-        </p:txBody>
-      </p:sp>
-      <p:sp>
-        <p:nvSpPr>
-          <p:cNvPr id="17" name="矩形 16"/>
-          <p:cNvSpPr/>
-          <p:nvPr/>
-        </p:nvSpPr>
-        <p:spPr>
-          <a:xfrm>
-            <a:off x="2607082" y="3993224"/>
-            <a:ext cx="9322980" cy="369332"/>
-          </a:xfrm>
-          <a:prstGeom prst="rect">
-            <a:avLst/>
-          </a:prstGeom>
-        </p:spPr>
-        <p:txBody>
           <a:bodyPr wrap="square">
             <a:spAutoFit/>
           </a:bodyPr>
           <a:lstStyle/>
           <a:p>
             <a:r>
-              <a:rPr lang="en-US" altLang="zh-CN" dirty="0">
-                <a:hlinkClick r:id="rId4"/>
-              </a:rPr>
-              <a:t>AfterContentInit</a:t>
-            </a:r>
-            <a:r>
-              <a:rPr lang="en-US" altLang="zh-CN" dirty="0"/>
-              <a:t>()</a:t>
-            </a:r>
-            <a:r>
-              <a:rPr lang="zh-CN" altLang="en-US" dirty="0">
-                <a:latin typeface="Roboto" charset="0"/>
-              </a:rPr>
-              <a:t> 和 </a:t>
-            </a:r>
-            <a:r>
-              <a:rPr lang="en-US" altLang="zh-CN" dirty="0">
-                <a:hlinkClick r:id="rId5"/>
-              </a:rPr>
-              <a:t>AfterContentChecked</a:t>
-            </a:r>
-            <a:r>
-              <a:rPr lang="en-US" altLang="zh-CN" dirty="0"/>
-              <a:t>()</a:t>
-            </a:r>
-            <a:r>
-              <a:rPr lang="zh-CN" altLang="en-US" dirty="0">
-                <a:latin typeface="Roboto" charset="0"/>
-              </a:rPr>
-              <a:t> 钩子</a:t>
-            </a:r>
-            <a:r>
               <a:rPr lang="zh-CN" altLang="en-US" dirty="0" smtClean="0">
                 <a:latin typeface="Roboto" charset="0"/>
               </a:rPr>
-              <a:t>，在</a:t>
-            </a:r>
-            <a:r>
-              <a:rPr lang="zh-CN" altLang="en-US" dirty="0">
-                <a:latin typeface="Roboto" charset="0"/>
-              </a:rPr>
-              <a:t>外来内容被投影到组件中</a:t>
-            </a:r>
-            <a:r>
-              <a:rPr lang="zh-CN" altLang="en-US" b="1" dirty="0">
-                <a:latin typeface="Roboto" charset="0"/>
-              </a:rPr>
-              <a:t>之后</a:t>
-            </a:r>
-            <a:r>
-              <a:rPr lang="zh-CN" altLang="en-US" dirty="0">
-                <a:latin typeface="Roboto" charset="0"/>
-              </a:rPr>
-              <a:t>调用它们。</a:t>
+              <a:t>如果输入属性是对象</a:t>
+            </a:r>
+            <a:r>
+              <a:rPr lang="en-US" altLang="zh-CN" dirty="0" smtClean="0">
+                <a:latin typeface="Roboto" charset="0"/>
+              </a:rPr>
+              <a:t>hero</a:t>
+            </a:r>
+            <a:r>
+              <a:rPr lang="zh-CN" altLang="en-US" dirty="0" smtClean="0">
+                <a:latin typeface="Roboto" charset="0"/>
+              </a:rPr>
+              <a:t>，当他的值</a:t>
+            </a:r>
+            <a:r>
+              <a:rPr lang="en-US" altLang="zh-CN" dirty="0" err="1" smtClean="0">
+                <a:latin typeface="Roboto" charset="0"/>
+              </a:rPr>
+              <a:t>hero.name</a:t>
+            </a:r>
+            <a:r>
+              <a:rPr lang="zh-CN" altLang="en-US" dirty="0" smtClean="0">
+                <a:latin typeface="Roboto" charset="0"/>
+              </a:rPr>
+              <a:t>发生变化时，不会被</a:t>
+            </a:r>
+            <a:r>
+              <a:rPr lang="en-US" altLang="zh-CN" dirty="0" err="1" smtClean="0">
+                <a:latin typeface="Roboto" charset="0"/>
+              </a:rPr>
+              <a:t>OnChanges</a:t>
+            </a:r>
+            <a:r>
+              <a:rPr lang="zh-CN" altLang="en-US" dirty="0" smtClean="0">
+                <a:latin typeface="Roboto" charset="0"/>
+              </a:rPr>
+              <a:t>捕捉到，因为</a:t>
+            </a:r>
+            <a:r>
+              <a:rPr lang="en-US" altLang="zh-CN" dirty="0" smtClean="0">
+                <a:latin typeface="Roboto" charset="0"/>
+              </a:rPr>
+              <a:t>hero</a:t>
+            </a:r>
+            <a:r>
+              <a:rPr lang="zh-CN" altLang="en-US" dirty="0" smtClean="0">
+                <a:latin typeface="Roboto" charset="0"/>
+              </a:rPr>
+              <a:t>的引用没有变化</a:t>
             </a:r>
             <a:endParaRPr lang="zh-CN" altLang="en-US" dirty="0"/>
-          </a:p>
-        </p:txBody>
-      </p:sp>
-      <p:sp>
-        <p:nvSpPr>
-          <p:cNvPr id="18" name="矩形 17"/>
-          <p:cNvSpPr/>
-          <p:nvPr/>
-        </p:nvSpPr>
-        <p:spPr>
-          <a:xfrm>
-            <a:off x="2607082" y="4406854"/>
-            <a:ext cx="1107996" cy="369332"/>
-          </a:xfrm>
-          <a:prstGeom prst="rect">
-            <a:avLst/>
-          </a:prstGeom>
-        </p:spPr>
-        <p:txBody>
-          <a:bodyPr wrap="none">
-            <a:spAutoFit/>
-          </a:bodyPr>
-          <a:lstStyle/>
-          <a:p>
-            <a:r>
-              <a:rPr lang="zh-CN" altLang="en-US" dirty="0">
-                <a:latin typeface="Roboto" charset="0"/>
-              </a:rPr>
-              <a:t>内容投影</a:t>
-            </a:r>
-            <a:endParaRPr lang="zh-CN" altLang="en-US" b="0" i="0" dirty="0">
-              <a:effectLst/>
-              <a:latin typeface="Roboto" charset="0"/>
-            </a:endParaRPr>
-          </a:p>
-        </p:txBody>
-      </p:sp>
-      <p:sp>
-        <p:nvSpPr>
-          <p:cNvPr id="19" name="矩形 18"/>
-          <p:cNvSpPr/>
-          <p:nvPr/>
-        </p:nvSpPr>
-        <p:spPr>
-          <a:xfrm>
-            <a:off x="3829378" y="4425325"/>
-            <a:ext cx="8214984" cy="369332"/>
-          </a:xfrm>
-          <a:prstGeom prst="rect">
-            <a:avLst/>
-          </a:prstGeom>
-        </p:spPr>
-        <p:txBody>
-          <a:bodyPr wrap="square">
-            <a:spAutoFit/>
-          </a:bodyPr>
-          <a:lstStyle/>
-          <a:p>
-            <a:r>
-              <a:rPr lang="zh-CN" altLang="en-US" dirty="0">
-                <a:latin typeface="Roboto" charset="0"/>
-              </a:rPr>
-              <a:t>从组件外部导入 </a:t>
-            </a:r>
-            <a:r>
-              <a:rPr lang="en-US" altLang="zh-CN" dirty="0">
-                <a:latin typeface="Roboto" charset="0"/>
-              </a:rPr>
-              <a:t>HTML </a:t>
-            </a:r>
-            <a:r>
-              <a:rPr lang="zh-CN" altLang="en-US" dirty="0">
-                <a:latin typeface="Roboto" charset="0"/>
-              </a:rPr>
-              <a:t>内容，并把它插入在组件模板中指定位置上的一种途径。</a:t>
-            </a:r>
-            <a:endParaRPr lang="zh-CN" altLang="en-US" dirty="0"/>
-          </a:p>
-        </p:txBody>
-      </p:sp>
-      <p:sp>
-        <p:nvSpPr>
-          <p:cNvPr id="20" name="矩形 19"/>
-          <p:cNvSpPr/>
-          <p:nvPr/>
-        </p:nvSpPr>
-        <p:spPr>
-          <a:xfrm>
-            <a:off x="2607082" y="4838955"/>
-            <a:ext cx="9194393" cy="369332"/>
-          </a:xfrm>
-          <a:prstGeom prst="rect">
-            <a:avLst/>
-          </a:prstGeom>
-        </p:spPr>
-        <p:txBody>
-          <a:bodyPr wrap="square">
-            <a:spAutoFit/>
-          </a:bodyPr>
-          <a:lstStyle/>
-          <a:p>
-            <a:r>
-              <a:rPr lang="zh-CN" altLang="en-US" dirty="0">
-                <a:latin typeface="Roboto" charset="0"/>
-              </a:rPr>
-              <a:t>永远不要在组件标签的内部放任何内容 </a:t>
-            </a:r>
-            <a:r>
-              <a:rPr lang="en-US" altLang="zh-CN" dirty="0">
-                <a:latin typeface="Roboto" charset="0"/>
-              </a:rPr>
-              <a:t>—— </a:t>
-            </a:r>
-            <a:r>
-              <a:rPr lang="zh-CN" altLang="en-US" b="1" dirty="0">
-                <a:latin typeface="Roboto" charset="0"/>
-              </a:rPr>
-              <a:t>除非你想把这些内容投影进这个组件中</a:t>
-            </a:r>
-            <a:r>
-              <a:rPr lang="zh-CN" altLang="en-US" dirty="0">
-                <a:latin typeface="Roboto" charset="0"/>
-              </a:rPr>
-              <a:t>。</a:t>
-            </a:r>
-            <a:endParaRPr lang="zh-CN" altLang="en-US" dirty="0"/>
-          </a:p>
-        </p:txBody>
-      </p:sp>
-      <p:sp>
-        <p:nvSpPr>
-          <p:cNvPr id="21" name="矩形 20"/>
-          <p:cNvSpPr/>
-          <p:nvPr/>
-        </p:nvSpPr>
-        <p:spPr>
-          <a:xfrm>
-            <a:off x="1851263" y="5280173"/>
-            <a:ext cx="9950212" cy="923330"/>
-          </a:xfrm>
-          <a:prstGeom prst="rect">
-            <a:avLst/>
-          </a:prstGeom>
-        </p:spPr>
-        <p:txBody>
-          <a:bodyPr wrap="square">
-            <a:spAutoFit/>
-          </a:bodyPr>
-          <a:lstStyle/>
-          <a:p>
-            <a:r>
-              <a:rPr lang="en-US" altLang="zh-CN" b="1" dirty="0" err="1">
-                <a:latin typeface="Roboto" charset="0"/>
-              </a:rPr>
-              <a:t>AfterContent</a:t>
-            </a:r>
-            <a:r>
-              <a:rPr lang="zh-CN" altLang="en-US" dirty="0">
-                <a:latin typeface="Roboto" charset="0"/>
-              </a:rPr>
-              <a:t> </a:t>
-            </a:r>
-            <a:r>
-              <a:rPr lang="zh-CN" altLang="en-US" dirty="0" smtClean="0">
-                <a:latin typeface="Roboto" charset="0"/>
-              </a:rPr>
-              <a:t>和</a:t>
-            </a:r>
-            <a:r>
-              <a:rPr lang="zh-CN" altLang="en-US" dirty="0">
-                <a:latin typeface="Roboto" charset="0"/>
-              </a:rPr>
-              <a:t> </a:t>
-            </a:r>
-            <a:r>
-              <a:rPr lang="en-US" altLang="zh-CN" b="1" dirty="0" err="1">
-                <a:latin typeface="Roboto" charset="0"/>
-              </a:rPr>
-              <a:t>AfterView</a:t>
-            </a:r>
-            <a:r>
-              <a:rPr lang="zh-CN" altLang="en-US" dirty="0">
-                <a:latin typeface="Roboto" charset="0"/>
-              </a:rPr>
-              <a:t> 相似。关键的不同点是子组件的类型不同。</a:t>
-            </a:r>
-          </a:p>
-          <a:p>
-            <a:pPr>
-              <a:buFont typeface="Arial" charset="0"/>
-              <a:buChar char="•"/>
-            </a:pPr>
-            <a:r>
-              <a:rPr lang="en-US" altLang="zh-CN" b="1" dirty="0" err="1">
-                <a:latin typeface="Roboto" charset="0"/>
-              </a:rPr>
-              <a:t>AfterView</a:t>
-            </a:r>
-            <a:r>
-              <a:rPr lang="zh-CN" altLang="en-US" dirty="0">
-                <a:latin typeface="Roboto" charset="0"/>
-              </a:rPr>
-              <a:t> </a:t>
-            </a:r>
-            <a:r>
-              <a:rPr lang="zh-CN" altLang="en-US" dirty="0" smtClean="0">
-                <a:latin typeface="Roboto" charset="0"/>
-              </a:rPr>
-              <a:t>所</a:t>
-            </a:r>
-            <a:r>
-              <a:rPr lang="zh-CN" altLang="en-US" dirty="0">
-                <a:latin typeface="Roboto" charset="0"/>
-              </a:rPr>
-              <a:t>关心的是 </a:t>
-            </a:r>
-            <a:r>
-              <a:rPr lang="en-US" altLang="zh-CN" dirty="0">
-                <a:latin typeface="Roboto" charset="0"/>
-                <a:hlinkClick r:id="rId6"/>
-              </a:rPr>
-              <a:t>ViewChildren</a:t>
-            </a:r>
-            <a:r>
-              <a:rPr lang="zh-CN" altLang="en-US" dirty="0">
-                <a:latin typeface="Roboto" charset="0"/>
-              </a:rPr>
-              <a:t>，这些子组件的元素标签会出现在该组件的模板</a:t>
-            </a:r>
-            <a:r>
-              <a:rPr lang="zh-CN" altLang="en-US" b="1" dirty="0">
-                <a:latin typeface="Roboto" charset="0"/>
-              </a:rPr>
-              <a:t>里面</a:t>
-            </a:r>
-            <a:r>
-              <a:rPr lang="zh-CN" altLang="en-US" dirty="0">
-                <a:latin typeface="Roboto" charset="0"/>
-              </a:rPr>
-              <a:t>。</a:t>
-            </a:r>
-          </a:p>
-          <a:p>
-            <a:pPr>
-              <a:buFont typeface="Arial" charset="0"/>
-              <a:buChar char="•"/>
-            </a:pPr>
-            <a:r>
-              <a:rPr lang="en-US" altLang="zh-CN" b="1" dirty="0" err="1">
-                <a:latin typeface="Roboto" charset="0"/>
-              </a:rPr>
-              <a:t>AfterContent</a:t>
-            </a:r>
-            <a:r>
-              <a:rPr lang="zh-CN" altLang="en-US" dirty="0">
-                <a:latin typeface="Roboto" charset="0"/>
-              </a:rPr>
-              <a:t> </a:t>
-            </a:r>
-            <a:r>
-              <a:rPr lang="zh-CN" altLang="en-US" dirty="0" smtClean="0">
-                <a:latin typeface="Roboto" charset="0"/>
-              </a:rPr>
-              <a:t>所</a:t>
-            </a:r>
-            <a:r>
-              <a:rPr lang="zh-CN" altLang="en-US" dirty="0">
-                <a:latin typeface="Roboto" charset="0"/>
-              </a:rPr>
-              <a:t>关心的是 </a:t>
-            </a:r>
-            <a:r>
-              <a:rPr lang="en-US" altLang="zh-CN" dirty="0">
-                <a:latin typeface="Roboto" charset="0"/>
-                <a:hlinkClick r:id="rId7"/>
-              </a:rPr>
-              <a:t>ContentChildren</a:t>
-            </a:r>
-            <a:r>
-              <a:rPr lang="zh-CN" altLang="en-US" dirty="0">
-                <a:latin typeface="Roboto" charset="0"/>
-              </a:rPr>
-              <a:t>，这些子组件被 </a:t>
-            </a:r>
-            <a:r>
-              <a:rPr lang="en-US" altLang="zh-CN" dirty="0">
-                <a:latin typeface="Roboto" charset="0"/>
-              </a:rPr>
-              <a:t>Angular </a:t>
-            </a:r>
-            <a:r>
-              <a:rPr lang="zh-CN" altLang="en-US" dirty="0">
-                <a:latin typeface="Roboto" charset="0"/>
-              </a:rPr>
-              <a:t>投影进该组件中。</a:t>
-            </a:r>
-            <a:endParaRPr lang="zh-CN" altLang="en-US" b="0" i="0" dirty="0">
-              <a:effectLst/>
-              <a:latin typeface="Roboto" charset="0"/>
-            </a:endParaRPr>
-          </a:p>
-        </p:txBody>
-      </p:sp>
-      <p:sp>
-        <p:nvSpPr>
-          <p:cNvPr id="22" name="矩形 21"/>
-          <p:cNvSpPr/>
-          <p:nvPr/>
-        </p:nvSpPr>
-        <p:spPr>
-          <a:xfrm>
-            <a:off x="1858214" y="6338158"/>
-            <a:ext cx="4968155" cy="369332"/>
-          </a:xfrm>
-          <a:prstGeom prst="rect">
-            <a:avLst/>
-          </a:prstGeom>
-        </p:spPr>
-        <p:txBody>
-          <a:bodyPr wrap="none">
-            <a:spAutoFit/>
-          </a:bodyPr>
-          <a:lstStyle/>
-          <a:p>
-            <a:r>
-              <a:rPr lang="zh-CN" altLang="en-US" dirty="0">
-                <a:latin typeface="Roboto" charset="0"/>
-              </a:rPr>
-              <a:t>使用 </a:t>
-            </a:r>
-            <a:r>
-              <a:rPr lang="en-US" altLang="zh-CN" dirty="0" err="1">
-                <a:latin typeface="Roboto" charset="0"/>
-              </a:rPr>
-              <a:t>AfterContent</a:t>
-            </a:r>
-            <a:r>
-              <a:rPr lang="en-US" altLang="zh-CN" dirty="0">
-                <a:latin typeface="Roboto" charset="0"/>
-              </a:rPr>
-              <a:t> </a:t>
-            </a:r>
-            <a:r>
-              <a:rPr lang="zh-CN" altLang="en-US" dirty="0">
-                <a:latin typeface="Roboto" charset="0"/>
-              </a:rPr>
-              <a:t>时，无需担心单向数据流规则</a:t>
-            </a:r>
-            <a:endParaRPr lang="zh-CN" altLang="en-US" b="0" i="0" dirty="0">
-              <a:effectLst/>
-              <a:latin typeface="Roboto" charset="0"/>
-            </a:endParaRPr>
           </a:p>
         </p:txBody>
       </p:sp>
     </p:spTree>
     <p:extLst>
       <p:ext uri="{BB962C8B-B14F-4D97-AF65-F5344CB8AC3E}">
-        <p14:creationId xmlns:p14="http://schemas.microsoft.com/office/powerpoint/2010/main" val="1354444749"/>
+        <p14:creationId xmlns:p14="http://schemas.microsoft.com/office/powerpoint/2010/main" val="1912361220"/>
       </p:ext>
     </p:extLst>
   </p:cSld>
@@ -4954,6 +4225,835 @@
       </p:grpSpPr>
       <p:sp>
         <p:nvSpPr>
+          <p:cNvPr id="5" name="矩形 4"/>
+          <p:cNvSpPr/>
+          <p:nvPr/>
+        </p:nvSpPr>
+        <p:spPr>
+          <a:xfrm>
+            <a:off x="1851263" y="238295"/>
+            <a:ext cx="1181734" cy="369332"/>
+          </a:xfrm>
+          <a:prstGeom prst="rect">
+            <a:avLst/>
+          </a:prstGeom>
+        </p:spPr>
+        <p:txBody>
+          <a:bodyPr wrap="none">
+            <a:spAutoFit/>
+          </a:bodyPr>
+          <a:lstStyle/>
+          <a:p>
+            <a:r>
+              <a:rPr lang="mr-IN" altLang="zh-CN" b="1" dirty="0" err="1"/>
+              <a:t>DoCheck</a:t>
+            </a:r>
+            <a:r>
+              <a:rPr lang="mr-IN" altLang="zh-CN" b="1" dirty="0" smtClean="0"/>
+              <a:t>()</a:t>
+            </a:r>
+            <a:endParaRPr lang="mr-IN" altLang="zh-CN" dirty="0"/>
+          </a:p>
+        </p:txBody>
+      </p:sp>
+      <p:sp>
+        <p:nvSpPr>
+          <p:cNvPr id="3" name="矩形 2"/>
+          <p:cNvSpPr/>
+          <p:nvPr/>
+        </p:nvSpPr>
+        <p:spPr>
+          <a:xfrm>
+            <a:off x="1851263" y="1463331"/>
+            <a:ext cx="1355949" cy="369332"/>
+          </a:xfrm>
+          <a:prstGeom prst="rect">
+            <a:avLst/>
+          </a:prstGeom>
+        </p:spPr>
+        <p:txBody>
+          <a:bodyPr wrap="none">
+            <a:spAutoFit/>
+          </a:bodyPr>
+          <a:lstStyle/>
+          <a:p>
+            <a:r>
+              <a:rPr lang="en-US" altLang="zh-CN" b="1" dirty="0" err="1" smtClean="0">
+                <a:latin typeface="Roboto" charset="0"/>
+              </a:rPr>
+              <a:t>AfterView</a:t>
+            </a:r>
+            <a:r>
+              <a:rPr lang="en-US" altLang="zh-CN" dirty="0" smtClean="0">
+                <a:latin typeface="Roboto" charset="0"/>
+              </a:rPr>
+              <a:t>()</a:t>
+            </a:r>
+            <a:endParaRPr lang="en-US" altLang="zh-CN" b="1" dirty="0">
+              <a:latin typeface="Roboto" charset="0"/>
+            </a:endParaRPr>
+          </a:p>
+        </p:txBody>
+      </p:sp>
+      <p:sp>
+        <p:nvSpPr>
+          <p:cNvPr id="4" name="矩形 3"/>
+          <p:cNvSpPr/>
+          <p:nvPr/>
+        </p:nvSpPr>
+        <p:spPr>
+          <a:xfrm>
+            <a:off x="2479695" y="647695"/>
+            <a:ext cx="4326826" cy="369332"/>
+          </a:xfrm>
+          <a:prstGeom prst="rect">
+            <a:avLst/>
+          </a:prstGeom>
+        </p:spPr>
+        <p:txBody>
+          <a:bodyPr wrap="none">
+            <a:spAutoFit/>
+          </a:bodyPr>
+          <a:lstStyle/>
+          <a:p>
+            <a:r>
+              <a:rPr lang="zh-CN" altLang="en-US" dirty="0" smtClean="0">
+                <a:latin typeface="Roboto" charset="0"/>
+              </a:rPr>
+              <a:t>可以检测到 </a:t>
+            </a:r>
+            <a:r>
+              <a:rPr lang="en-US" altLang="zh-CN" dirty="0" err="1" smtClean="0">
+                <a:latin typeface="Roboto" charset="0"/>
+              </a:rPr>
+              <a:t>hero.name</a:t>
+            </a:r>
+            <a:r>
+              <a:rPr lang="en-US" altLang="zh-CN" dirty="0" smtClean="0">
+                <a:latin typeface="Roboto" charset="0"/>
+              </a:rPr>
+              <a:t> </a:t>
+            </a:r>
+            <a:r>
+              <a:rPr lang="zh-CN" altLang="en-US" dirty="0" smtClean="0">
+                <a:latin typeface="Roboto" charset="0"/>
+              </a:rPr>
+              <a:t>的变化 （见官网）</a:t>
+            </a:r>
+            <a:endParaRPr lang="zh-CN" altLang="en-US" dirty="0"/>
+          </a:p>
+        </p:txBody>
+      </p:sp>
+      <p:sp>
+        <p:nvSpPr>
+          <p:cNvPr id="8" name="矩形 7"/>
+          <p:cNvSpPr/>
+          <p:nvPr/>
+        </p:nvSpPr>
+        <p:spPr>
+          <a:xfrm>
+            <a:off x="2514949" y="2446739"/>
+            <a:ext cx="2262158" cy="369332"/>
+          </a:xfrm>
+          <a:prstGeom prst="rect">
+            <a:avLst/>
+          </a:prstGeom>
+        </p:spPr>
+        <p:txBody>
+          <a:bodyPr wrap="none">
+            <a:spAutoFit/>
+          </a:bodyPr>
+          <a:lstStyle/>
+          <a:p>
+            <a:r>
+              <a:rPr lang="zh-CN" altLang="en-US">
+                <a:latin typeface="Roboto" charset="0"/>
+              </a:rPr>
+              <a:t>遵循单向数据流规则</a:t>
+            </a:r>
+          </a:p>
+        </p:txBody>
+      </p:sp>
+      <p:sp>
+        <p:nvSpPr>
+          <p:cNvPr id="11" name="矩形 10"/>
+          <p:cNvSpPr/>
+          <p:nvPr/>
+        </p:nvSpPr>
+        <p:spPr>
+          <a:xfrm>
+            <a:off x="2488832" y="1037920"/>
+            <a:ext cx="3166251" cy="369332"/>
+          </a:xfrm>
+          <a:prstGeom prst="rect">
+            <a:avLst/>
+          </a:prstGeom>
+        </p:spPr>
+        <p:txBody>
+          <a:bodyPr wrap="none">
+            <a:spAutoFit/>
+          </a:bodyPr>
+          <a:lstStyle/>
+          <a:p>
+            <a:r>
+              <a:rPr lang="zh-CN" altLang="en-US" dirty="0" smtClean="0">
+                <a:latin typeface="Roboto" charset="0"/>
+              </a:rPr>
+              <a:t>出发非常频繁，需要小心使用</a:t>
+            </a:r>
+            <a:endParaRPr lang="zh-CN" altLang="en-US" dirty="0"/>
+          </a:p>
+        </p:txBody>
+      </p:sp>
+      <p:sp>
+        <p:nvSpPr>
+          <p:cNvPr id="14" name="矩形 13"/>
+          <p:cNvSpPr/>
+          <p:nvPr/>
+        </p:nvSpPr>
+        <p:spPr>
+          <a:xfrm>
+            <a:off x="2435235" y="1961652"/>
+            <a:ext cx="9739313" cy="369332"/>
+          </a:xfrm>
+          <a:prstGeom prst="rect">
+            <a:avLst/>
+          </a:prstGeom>
+        </p:spPr>
+        <p:txBody>
+          <a:bodyPr wrap="square">
+            <a:spAutoFit/>
+          </a:bodyPr>
+          <a:lstStyle/>
+          <a:p>
+            <a:r>
+              <a:rPr lang="zh-CN" altLang="en-US" dirty="0">
+                <a:latin typeface="Roboto" charset="0"/>
+              </a:rPr>
+              <a:t> </a:t>
+            </a:r>
+            <a:r>
+              <a:rPr lang="en-US" altLang="zh-CN" dirty="0">
+                <a:hlinkClick r:id="rId2"/>
+              </a:rPr>
+              <a:t>AfterViewInit</a:t>
+            </a:r>
+            <a:r>
+              <a:rPr lang="en-US" altLang="zh-CN" dirty="0"/>
+              <a:t>()</a:t>
+            </a:r>
+            <a:r>
+              <a:rPr lang="zh-CN" altLang="en-US" dirty="0">
+                <a:latin typeface="Roboto" charset="0"/>
+              </a:rPr>
+              <a:t> 和 </a:t>
+            </a:r>
+            <a:r>
+              <a:rPr lang="en-US" altLang="zh-CN" dirty="0">
+                <a:hlinkClick r:id="rId3"/>
+              </a:rPr>
+              <a:t>AfterViewChecked</a:t>
+            </a:r>
+            <a:r>
+              <a:rPr lang="en-US" altLang="zh-CN" dirty="0"/>
+              <a:t>()</a:t>
+            </a:r>
+            <a:r>
+              <a:rPr lang="zh-CN" altLang="en-US" dirty="0">
+                <a:latin typeface="Roboto" charset="0"/>
+              </a:rPr>
+              <a:t> 钩子，</a:t>
+            </a:r>
+            <a:r>
+              <a:rPr lang="en-US" altLang="zh-CN" dirty="0">
+                <a:latin typeface="Roboto" charset="0"/>
+              </a:rPr>
+              <a:t>Angular </a:t>
+            </a:r>
+            <a:r>
+              <a:rPr lang="zh-CN" altLang="en-US" dirty="0">
+                <a:latin typeface="Roboto" charset="0"/>
+              </a:rPr>
+              <a:t>会在每次创建了组件的子视图后调用它们</a:t>
+            </a:r>
+            <a:endParaRPr lang="zh-CN" altLang="en-US" dirty="0"/>
+          </a:p>
+        </p:txBody>
+      </p:sp>
+      <p:sp>
+        <p:nvSpPr>
+          <p:cNvPr id="15" name="矩形 14"/>
+          <p:cNvSpPr/>
+          <p:nvPr/>
+        </p:nvSpPr>
+        <p:spPr>
+          <a:xfrm>
+            <a:off x="3207211" y="2888945"/>
+            <a:ext cx="8722851" cy="646331"/>
+          </a:xfrm>
+          <a:prstGeom prst="rect">
+            <a:avLst/>
+          </a:prstGeom>
+        </p:spPr>
+        <p:txBody>
+          <a:bodyPr wrap="square">
+            <a:spAutoFit/>
+          </a:bodyPr>
+          <a:lstStyle/>
+          <a:p>
+            <a:r>
+              <a:rPr lang="en-US" altLang="zh-CN" dirty="0">
+                <a:latin typeface="Roboto" charset="0"/>
+              </a:rPr>
+              <a:t>Angular </a:t>
+            </a:r>
+            <a:r>
+              <a:rPr lang="zh-CN" altLang="en-US" dirty="0">
+                <a:latin typeface="Roboto" charset="0"/>
+              </a:rPr>
+              <a:t>的“单向数据流”规则</a:t>
+            </a:r>
+            <a:r>
+              <a:rPr lang="zh-CN" altLang="en-US" dirty="0">
+                <a:solidFill>
+                  <a:srgbClr val="FF0000"/>
+                </a:solidFill>
+                <a:latin typeface="Roboto" charset="0"/>
+              </a:rPr>
+              <a:t>禁止在一个视图已经被组合好</a:t>
+            </a:r>
+            <a:r>
+              <a:rPr lang="zh-CN" altLang="en-US" b="1" dirty="0">
+                <a:solidFill>
+                  <a:srgbClr val="FF0000"/>
+                </a:solidFill>
+                <a:latin typeface="Roboto" charset="0"/>
+              </a:rPr>
+              <a:t>之后</a:t>
+            </a:r>
+            <a:r>
+              <a:rPr lang="zh-CN" altLang="en-US" dirty="0">
+                <a:solidFill>
+                  <a:srgbClr val="FF0000"/>
+                </a:solidFill>
+                <a:latin typeface="Roboto" charset="0"/>
+              </a:rPr>
+              <a:t>再更新视图</a:t>
+            </a:r>
+            <a:r>
+              <a:rPr lang="zh-CN" altLang="en-US" dirty="0">
+                <a:latin typeface="Roboto" charset="0"/>
+              </a:rPr>
+              <a:t>。 而这两个钩子都是在组件的视图已经被组合好之后触发的。</a:t>
+            </a:r>
+            <a:endParaRPr lang="zh-CN" altLang="en-US" dirty="0"/>
+          </a:p>
+        </p:txBody>
+      </p:sp>
+      <p:sp>
+        <p:nvSpPr>
+          <p:cNvPr id="16" name="矩形 15"/>
+          <p:cNvSpPr/>
+          <p:nvPr/>
+        </p:nvSpPr>
+        <p:spPr>
+          <a:xfrm>
+            <a:off x="1851263" y="3508137"/>
+            <a:ext cx="1659429" cy="369332"/>
+          </a:xfrm>
+          <a:prstGeom prst="rect">
+            <a:avLst/>
+          </a:prstGeom>
+        </p:spPr>
+        <p:txBody>
+          <a:bodyPr wrap="none">
+            <a:spAutoFit/>
+          </a:bodyPr>
+          <a:lstStyle/>
+          <a:p>
+            <a:r>
+              <a:rPr lang="en-US" altLang="zh-CN" b="1" dirty="0" err="1" smtClean="0">
+                <a:latin typeface="Roboto" charset="0"/>
+              </a:rPr>
+              <a:t>AfterContent</a:t>
+            </a:r>
+            <a:r>
+              <a:rPr lang="en-US" altLang="zh-CN" b="1" dirty="0" smtClean="0">
+                <a:latin typeface="Roboto" charset="0"/>
+              </a:rPr>
+              <a:t>()</a:t>
+            </a:r>
+            <a:endParaRPr lang="en-US" altLang="zh-CN" b="1" dirty="0">
+              <a:latin typeface="Roboto" charset="0"/>
+            </a:endParaRPr>
+          </a:p>
+        </p:txBody>
+      </p:sp>
+      <p:sp>
+        <p:nvSpPr>
+          <p:cNvPr id="17" name="矩形 16"/>
+          <p:cNvSpPr/>
+          <p:nvPr/>
+        </p:nvSpPr>
+        <p:spPr>
+          <a:xfrm>
+            <a:off x="2607082" y="3993224"/>
+            <a:ext cx="9322980" cy="369332"/>
+          </a:xfrm>
+          <a:prstGeom prst="rect">
+            <a:avLst/>
+          </a:prstGeom>
+        </p:spPr>
+        <p:txBody>
+          <a:bodyPr wrap="square">
+            <a:spAutoFit/>
+          </a:bodyPr>
+          <a:lstStyle/>
+          <a:p>
+            <a:r>
+              <a:rPr lang="en-US" altLang="zh-CN" dirty="0">
+                <a:hlinkClick r:id="rId4"/>
+              </a:rPr>
+              <a:t>AfterContentInit</a:t>
+            </a:r>
+            <a:r>
+              <a:rPr lang="en-US" altLang="zh-CN" dirty="0"/>
+              <a:t>()</a:t>
+            </a:r>
+            <a:r>
+              <a:rPr lang="zh-CN" altLang="en-US" dirty="0">
+                <a:latin typeface="Roboto" charset="0"/>
+              </a:rPr>
+              <a:t> 和 </a:t>
+            </a:r>
+            <a:r>
+              <a:rPr lang="en-US" altLang="zh-CN" dirty="0">
+                <a:hlinkClick r:id="rId5"/>
+              </a:rPr>
+              <a:t>AfterContentChecked</a:t>
+            </a:r>
+            <a:r>
+              <a:rPr lang="en-US" altLang="zh-CN" dirty="0"/>
+              <a:t>()</a:t>
+            </a:r>
+            <a:r>
+              <a:rPr lang="zh-CN" altLang="en-US" dirty="0">
+                <a:latin typeface="Roboto" charset="0"/>
+              </a:rPr>
+              <a:t> 钩子</a:t>
+            </a:r>
+            <a:r>
+              <a:rPr lang="zh-CN" altLang="en-US" dirty="0" smtClean="0">
+                <a:latin typeface="Roboto" charset="0"/>
+              </a:rPr>
+              <a:t>，在</a:t>
+            </a:r>
+            <a:r>
+              <a:rPr lang="zh-CN" altLang="en-US" dirty="0">
+                <a:latin typeface="Roboto" charset="0"/>
+              </a:rPr>
+              <a:t>外来内容被投影到组件中</a:t>
+            </a:r>
+            <a:r>
+              <a:rPr lang="zh-CN" altLang="en-US" b="1" dirty="0">
+                <a:latin typeface="Roboto" charset="0"/>
+              </a:rPr>
+              <a:t>之后</a:t>
+            </a:r>
+            <a:r>
+              <a:rPr lang="zh-CN" altLang="en-US" dirty="0">
+                <a:latin typeface="Roboto" charset="0"/>
+              </a:rPr>
+              <a:t>调用它们。</a:t>
+            </a:r>
+            <a:endParaRPr lang="zh-CN" altLang="en-US" dirty="0"/>
+          </a:p>
+        </p:txBody>
+      </p:sp>
+      <p:sp>
+        <p:nvSpPr>
+          <p:cNvPr id="18" name="矩形 17"/>
+          <p:cNvSpPr/>
+          <p:nvPr/>
+        </p:nvSpPr>
+        <p:spPr>
+          <a:xfrm>
+            <a:off x="2607082" y="4406854"/>
+            <a:ext cx="1107996" cy="369332"/>
+          </a:xfrm>
+          <a:prstGeom prst="rect">
+            <a:avLst/>
+          </a:prstGeom>
+        </p:spPr>
+        <p:txBody>
+          <a:bodyPr wrap="none">
+            <a:spAutoFit/>
+          </a:bodyPr>
+          <a:lstStyle/>
+          <a:p>
+            <a:r>
+              <a:rPr lang="zh-CN" altLang="en-US" dirty="0">
+                <a:latin typeface="Roboto" charset="0"/>
+              </a:rPr>
+              <a:t>内容投影</a:t>
+            </a:r>
+            <a:endParaRPr lang="zh-CN" altLang="en-US" b="0" i="0" dirty="0">
+              <a:effectLst/>
+              <a:latin typeface="Roboto" charset="0"/>
+            </a:endParaRPr>
+          </a:p>
+        </p:txBody>
+      </p:sp>
+      <p:sp>
+        <p:nvSpPr>
+          <p:cNvPr id="19" name="矩形 18"/>
+          <p:cNvSpPr/>
+          <p:nvPr/>
+        </p:nvSpPr>
+        <p:spPr>
+          <a:xfrm>
+            <a:off x="3829378" y="4425325"/>
+            <a:ext cx="8214984" cy="369332"/>
+          </a:xfrm>
+          <a:prstGeom prst="rect">
+            <a:avLst/>
+          </a:prstGeom>
+        </p:spPr>
+        <p:txBody>
+          <a:bodyPr wrap="square">
+            <a:spAutoFit/>
+          </a:bodyPr>
+          <a:lstStyle/>
+          <a:p>
+            <a:r>
+              <a:rPr lang="zh-CN" altLang="en-US" dirty="0">
+                <a:latin typeface="Roboto" charset="0"/>
+              </a:rPr>
+              <a:t>从组件外部导入 </a:t>
+            </a:r>
+            <a:r>
+              <a:rPr lang="en-US" altLang="zh-CN" dirty="0">
+                <a:latin typeface="Roboto" charset="0"/>
+              </a:rPr>
+              <a:t>HTML </a:t>
+            </a:r>
+            <a:r>
+              <a:rPr lang="zh-CN" altLang="en-US" dirty="0">
+                <a:latin typeface="Roboto" charset="0"/>
+              </a:rPr>
+              <a:t>内容，并把它插入在组件模板中指定位置上的一种途径。</a:t>
+            </a:r>
+            <a:endParaRPr lang="zh-CN" altLang="en-US" dirty="0"/>
+          </a:p>
+        </p:txBody>
+      </p:sp>
+      <p:sp>
+        <p:nvSpPr>
+          <p:cNvPr id="20" name="矩形 19"/>
+          <p:cNvSpPr/>
+          <p:nvPr/>
+        </p:nvSpPr>
+        <p:spPr>
+          <a:xfrm>
+            <a:off x="2607082" y="4838955"/>
+            <a:ext cx="9194393" cy="369332"/>
+          </a:xfrm>
+          <a:prstGeom prst="rect">
+            <a:avLst/>
+          </a:prstGeom>
+        </p:spPr>
+        <p:txBody>
+          <a:bodyPr wrap="square">
+            <a:spAutoFit/>
+          </a:bodyPr>
+          <a:lstStyle/>
+          <a:p>
+            <a:r>
+              <a:rPr lang="zh-CN" altLang="en-US" dirty="0">
+                <a:latin typeface="Roboto" charset="0"/>
+              </a:rPr>
+              <a:t>永远不要在组件标签的内部放任何内容 </a:t>
+            </a:r>
+            <a:r>
+              <a:rPr lang="en-US" altLang="zh-CN" dirty="0">
+                <a:latin typeface="Roboto" charset="0"/>
+              </a:rPr>
+              <a:t>—— </a:t>
+            </a:r>
+            <a:r>
+              <a:rPr lang="zh-CN" altLang="en-US" b="1" dirty="0">
+                <a:latin typeface="Roboto" charset="0"/>
+              </a:rPr>
+              <a:t>除非你想把这些内容投影进这个组件中</a:t>
+            </a:r>
+            <a:r>
+              <a:rPr lang="zh-CN" altLang="en-US" dirty="0">
+                <a:latin typeface="Roboto" charset="0"/>
+              </a:rPr>
+              <a:t>。</a:t>
+            </a:r>
+            <a:endParaRPr lang="zh-CN" altLang="en-US" dirty="0"/>
+          </a:p>
+        </p:txBody>
+      </p:sp>
+      <p:sp>
+        <p:nvSpPr>
+          <p:cNvPr id="21" name="矩形 20"/>
+          <p:cNvSpPr/>
+          <p:nvPr/>
+        </p:nvSpPr>
+        <p:spPr>
+          <a:xfrm>
+            <a:off x="1851263" y="5280173"/>
+            <a:ext cx="9950212" cy="923330"/>
+          </a:xfrm>
+          <a:prstGeom prst="rect">
+            <a:avLst/>
+          </a:prstGeom>
+        </p:spPr>
+        <p:txBody>
+          <a:bodyPr wrap="square">
+            <a:spAutoFit/>
+          </a:bodyPr>
+          <a:lstStyle/>
+          <a:p>
+            <a:r>
+              <a:rPr lang="en-US" altLang="zh-CN" b="1" dirty="0" err="1">
+                <a:latin typeface="Roboto" charset="0"/>
+              </a:rPr>
+              <a:t>AfterContent</a:t>
+            </a:r>
+            <a:r>
+              <a:rPr lang="zh-CN" altLang="en-US" dirty="0">
+                <a:latin typeface="Roboto" charset="0"/>
+              </a:rPr>
+              <a:t> </a:t>
+            </a:r>
+            <a:r>
+              <a:rPr lang="zh-CN" altLang="en-US" dirty="0" smtClean="0">
+                <a:latin typeface="Roboto" charset="0"/>
+              </a:rPr>
+              <a:t>和</a:t>
+            </a:r>
+            <a:r>
+              <a:rPr lang="zh-CN" altLang="en-US" dirty="0">
+                <a:latin typeface="Roboto" charset="0"/>
+              </a:rPr>
+              <a:t> </a:t>
+            </a:r>
+            <a:r>
+              <a:rPr lang="en-US" altLang="zh-CN" b="1" dirty="0" err="1">
+                <a:latin typeface="Roboto" charset="0"/>
+              </a:rPr>
+              <a:t>AfterView</a:t>
+            </a:r>
+            <a:r>
+              <a:rPr lang="zh-CN" altLang="en-US" dirty="0">
+                <a:latin typeface="Roboto" charset="0"/>
+              </a:rPr>
+              <a:t> 相似。关键的不同点是子组件的类型不同。</a:t>
+            </a:r>
+          </a:p>
+          <a:p>
+            <a:pPr>
+              <a:buFont typeface="Arial" charset="0"/>
+              <a:buChar char="•"/>
+            </a:pPr>
+            <a:r>
+              <a:rPr lang="en-US" altLang="zh-CN" b="1" dirty="0" err="1">
+                <a:latin typeface="Roboto" charset="0"/>
+              </a:rPr>
+              <a:t>AfterView</a:t>
+            </a:r>
+            <a:r>
+              <a:rPr lang="zh-CN" altLang="en-US" dirty="0">
+                <a:latin typeface="Roboto" charset="0"/>
+              </a:rPr>
+              <a:t> </a:t>
+            </a:r>
+            <a:r>
+              <a:rPr lang="zh-CN" altLang="en-US" dirty="0" smtClean="0">
+                <a:latin typeface="Roboto" charset="0"/>
+              </a:rPr>
+              <a:t>所</a:t>
+            </a:r>
+            <a:r>
+              <a:rPr lang="zh-CN" altLang="en-US" dirty="0">
+                <a:latin typeface="Roboto" charset="0"/>
+              </a:rPr>
+              <a:t>关心的是 </a:t>
+            </a:r>
+            <a:r>
+              <a:rPr lang="en-US" altLang="zh-CN" dirty="0">
+                <a:latin typeface="Roboto" charset="0"/>
+                <a:hlinkClick r:id="rId6"/>
+              </a:rPr>
+              <a:t>ViewChildren</a:t>
+            </a:r>
+            <a:r>
+              <a:rPr lang="zh-CN" altLang="en-US" dirty="0">
+                <a:latin typeface="Roboto" charset="0"/>
+              </a:rPr>
+              <a:t>，这些子组件的元素标签会出现在该组件的模板</a:t>
+            </a:r>
+            <a:r>
+              <a:rPr lang="zh-CN" altLang="en-US" b="1" dirty="0">
+                <a:latin typeface="Roboto" charset="0"/>
+              </a:rPr>
+              <a:t>里面</a:t>
+            </a:r>
+            <a:r>
+              <a:rPr lang="zh-CN" altLang="en-US" dirty="0">
+                <a:latin typeface="Roboto" charset="0"/>
+              </a:rPr>
+              <a:t>。</a:t>
+            </a:r>
+          </a:p>
+          <a:p>
+            <a:pPr>
+              <a:buFont typeface="Arial" charset="0"/>
+              <a:buChar char="•"/>
+            </a:pPr>
+            <a:r>
+              <a:rPr lang="en-US" altLang="zh-CN" b="1" dirty="0" err="1">
+                <a:latin typeface="Roboto" charset="0"/>
+              </a:rPr>
+              <a:t>AfterContent</a:t>
+            </a:r>
+            <a:r>
+              <a:rPr lang="zh-CN" altLang="en-US" dirty="0">
+                <a:latin typeface="Roboto" charset="0"/>
+              </a:rPr>
+              <a:t> </a:t>
+            </a:r>
+            <a:r>
+              <a:rPr lang="zh-CN" altLang="en-US" dirty="0" smtClean="0">
+                <a:latin typeface="Roboto" charset="0"/>
+              </a:rPr>
+              <a:t>所</a:t>
+            </a:r>
+            <a:r>
+              <a:rPr lang="zh-CN" altLang="en-US" dirty="0">
+                <a:latin typeface="Roboto" charset="0"/>
+              </a:rPr>
+              <a:t>关心的是 </a:t>
+            </a:r>
+            <a:r>
+              <a:rPr lang="en-US" altLang="zh-CN" dirty="0">
+                <a:latin typeface="Roboto" charset="0"/>
+                <a:hlinkClick r:id="rId7"/>
+              </a:rPr>
+              <a:t>ContentChildren</a:t>
+            </a:r>
+            <a:r>
+              <a:rPr lang="zh-CN" altLang="en-US" dirty="0">
+                <a:latin typeface="Roboto" charset="0"/>
+              </a:rPr>
+              <a:t>，这些子组件被 </a:t>
+            </a:r>
+            <a:r>
+              <a:rPr lang="en-US" altLang="zh-CN" dirty="0">
+                <a:latin typeface="Roboto" charset="0"/>
+              </a:rPr>
+              <a:t>Angular </a:t>
+            </a:r>
+            <a:r>
+              <a:rPr lang="zh-CN" altLang="en-US" dirty="0">
+                <a:latin typeface="Roboto" charset="0"/>
+              </a:rPr>
+              <a:t>投影进该组件中。</a:t>
+            </a:r>
+            <a:endParaRPr lang="zh-CN" altLang="en-US" b="0" i="0" dirty="0">
+              <a:effectLst/>
+              <a:latin typeface="Roboto" charset="0"/>
+            </a:endParaRPr>
+          </a:p>
+        </p:txBody>
+      </p:sp>
+      <p:sp>
+        <p:nvSpPr>
+          <p:cNvPr id="22" name="矩形 21"/>
+          <p:cNvSpPr/>
+          <p:nvPr/>
+        </p:nvSpPr>
+        <p:spPr>
+          <a:xfrm>
+            <a:off x="1858214" y="6338158"/>
+            <a:ext cx="4968155" cy="369332"/>
+          </a:xfrm>
+          <a:prstGeom prst="rect">
+            <a:avLst/>
+          </a:prstGeom>
+        </p:spPr>
+        <p:txBody>
+          <a:bodyPr wrap="none">
+            <a:spAutoFit/>
+          </a:bodyPr>
+          <a:lstStyle/>
+          <a:p>
+            <a:r>
+              <a:rPr lang="zh-CN" altLang="en-US" dirty="0">
+                <a:latin typeface="Roboto" charset="0"/>
+              </a:rPr>
+              <a:t>使用 </a:t>
+            </a:r>
+            <a:r>
+              <a:rPr lang="en-US" altLang="zh-CN" dirty="0" err="1">
+                <a:latin typeface="Roboto" charset="0"/>
+              </a:rPr>
+              <a:t>AfterContent</a:t>
+            </a:r>
+            <a:r>
+              <a:rPr lang="en-US" altLang="zh-CN" dirty="0">
+                <a:latin typeface="Roboto" charset="0"/>
+              </a:rPr>
+              <a:t> </a:t>
+            </a:r>
+            <a:r>
+              <a:rPr lang="zh-CN" altLang="en-US" dirty="0">
+                <a:latin typeface="Roboto" charset="0"/>
+              </a:rPr>
+              <a:t>时，无需担心单向数据流规则</a:t>
+            </a:r>
+            <a:endParaRPr lang="zh-CN" altLang="en-US" b="0" i="0" dirty="0">
+              <a:effectLst/>
+              <a:latin typeface="Roboto" charset="0"/>
+            </a:endParaRPr>
+          </a:p>
+        </p:txBody>
+      </p:sp>
+    </p:spTree>
+    <p:extLst>
+      <p:ext uri="{BB962C8B-B14F-4D97-AF65-F5344CB8AC3E}">
+        <p14:creationId xmlns:p14="http://schemas.microsoft.com/office/powerpoint/2010/main" val="1354444749"/>
+      </p:ext>
+    </p:extLst>
+  </p:cSld>
+  <p:clrMapOvr>
+    <a:masterClrMapping/>
+  </p:clrMapOvr>
+</p:sld>
+</file>
+
+<file path=ppt/slides/slide13.xml><?xml version="1.0" encoding="utf-8"?>
+<p:sld xmlns:a="http://schemas.openxmlformats.org/drawingml/2006/main" xmlns:r="http://schemas.openxmlformats.org/officeDocument/2006/relationships" xmlns:p="http://schemas.openxmlformats.org/presentationml/2006/main">
+  <p:cSld>
+    <p:spTree>
+      <p:nvGrpSpPr>
+        <p:cNvPr id="1" name=""/>
+        <p:cNvGrpSpPr/>
+        <p:nvPr/>
+      </p:nvGrpSpPr>
+      <p:grpSpPr>
+        <a:xfrm>
+          <a:off x="0" y="0"/>
+          <a:ext cx="0" cy="0"/>
+          <a:chOff x="0" y="0"/>
+          <a:chExt cx="0" cy="0"/>
+        </a:xfrm>
+      </p:grpSpPr>
+      <p:sp>
+        <p:nvSpPr>
           <p:cNvPr id="4" name="矩形 3"/>
           <p:cNvSpPr/>
           <p:nvPr/>
@@ -5080,7 +5180,7 @@
 </p:sld>
 </file>
 
-<file path=ppt/slides/slide13.xml><?xml version="1.0" encoding="utf-8"?>
+<file path=ppt/slides/slide14.xml><?xml version="1.0" encoding="utf-8"?>
 <p:sld xmlns:a="http://schemas.openxmlformats.org/drawingml/2006/main" xmlns:r="http://schemas.openxmlformats.org/officeDocument/2006/relationships" xmlns:p="http://schemas.openxmlformats.org/presentationml/2006/main">
   <p:cSld>
     <p:spTree>
@@ -6719,6 +6819,70 @@
         <p:spPr>
           <a:xfrm>
             <a:off x="4572684" y="243952"/>
+            <a:ext cx="2441694" cy="769441"/>
+          </a:xfrm>
+          <a:prstGeom prst="rect">
+            <a:avLst/>
+          </a:prstGeom>
+        </p:spPr>
+        <p:txBody>
+          <a:bodyPr wrap="none">
+            <a:spAutoFit/>
+          </a:bodyPr>
+          <a:lstStyle/>
+          <a:p>
+            <a:r>
+              <a:rPr lang="zh-CN" altLang="en-US" sz="4400" dirty="0" smtClean="0">
+                <a:latin typeface="Roboto" charset="0"/>
+              </a:rPr>
+              <a:t>动态组件</a:t>
+            </a:r>
+            <a:endParaRPr lang="zh-CN" altLang="en-US" sz="4400" b="0" i="0" dirty="0">
+              <a:effectLst/>
+              <a:latin typeface="Roboto" charset="0"/>
+            </a:endParaRPr>
+          </a:p>
+        </p:txBody>
+      </p:sp>
+    </p:spTree>
+    <p:extLst>
+      <p:ext uri="{BB962C8B-B14F-4D97-AF65-F5344CB8AC3E}">
+        <p14:creationId xmlns:p14="http://schemas.microsoft.com/office/powerpoint/2010/main" val="1049291391"/>
+      </p:ext>
+    </p:extLst>
+  </p:cSld>
+  <p:clrMapOvr>
+    <a:masterClrMapping/>
+  </p:clrMapOvr>
+</p:sld>
+</file>
+
+<file path=ppt/slides/slide7.xml><?xml version="1.0" encoding="utf-8"?>
+<p:sld xmlns:a="http://schemas.openxmlformats.org/drawingml/2006/main" xmlns:r="http://schemas.openxmlformats.org/officeDocument/2006/relationships" xmlns:p="http://schemas.openxmlformats.org/presentationml/2006/main">
+  <p:cSld>
+    <p:spTree>
+      <p:nvGrpSpPr>
+        <p:cNvPr id="1" name=""/>
+        <p:cNvGrpSpPr/>
+        <p:nvPr/>
+      </p:nvGrpSpPr>
+      <p:grpSpPr>
+        <a:xfrm>
+          <a:off x="0" y="0"/>
+          <a:ext cx="0" cy="0"/>
+          <a:chOff x="0" y="0"/>
+          <a:chExt cx="0" cy="0"/>
+        </a:xfrm>
+      </p:grpSpPr>
+      <p:sp>
+        <p:nvSpPr>
+          <p:cNvPr id="2" name="矩形 1"/>
+          <p:cNvSpPr/>
+          <p:nvPr/>
+        </p:nvSpPr>
+        <p:spPr>
+          <a:xfrm>
+            <a:off x="4572684" y="243952"/>
             <a:ext cx="3005951" cy="769441"/>
           </a:xfrm>
           <a:prstGeom prst="rect">
@@ -6855,7 +7019,7 @@
     </p:spTree>
     <p:extLst>
       <p:ext uri="{BB962C8B-B14F-4D97-AF65-F5344CB8AC3E}">
-        <p14:creationId xmlns:p14="http://schemas.microsoft.com/office/powerpoint/2010/main" val="1049291391"/>
+        <p14:creationId xmlns:p14="http://schemas.microsoft.com/office/powerpoint/2010/main" val="3750961137"/>
       </p:ext>
     </p:extLst>
   </p:cSld>
@@ -6865,7 +7029,7 @@
 </p:sld>
 </file>
 
-<file path=ppt/slides/slide7.xml><?xml version="1.0" encoding="utf-8"?>
+<file path=ppt/slides/slide8.xml><?xml version="1.0" encoding="utf-8"?>
 <p:sld xmlns:a="http://schemas.openxmlformats.org/drawingml/2006/main" xmlns:r="http://schemas.openxmlformats.org/officeDocument/2006/relationships" xmlns:p="http://schemas.openxmlformats.org/presentationml/2006/main">
   <p:cSld>
     <p:spTree>
@@ -6936,284 +7100,6 @@
 </p:sld>
 </file>
 
-<file path=ppt/slides/slide8.xml><?xml version="1.0" encoding="utf-8"?>
-<p:sld xmlns:a="http://schemas.openxmlformats.org/drawingml/2006/main" xmlns:r="http://schemas.openxmlformats.org/officeDocument/2006/relationships" xmlns:p="http://schemas.openxmlformats.org/presentationml/2006/main">
-  <p:cSld>
-    <p:spTree>
-      <p:nvGrpSpPr>
-        <p:cNvPr id="1" name=""/>
-        <p:cNvGrpSpPr/>
-        <p:nvPr/>
-      </p:nvGrpSpPr>
-      <p:grpSpPr>
-        <a:xfrm>
-          <a:off x="0" y="0"/>
-          <a:ext cx="0" cy="0"/>
-          <a:chOff x="0" y="0"/>
-          <a:chExt cx="0" cy="0"/>
-        </a:xfrm>
-      </p:grpSpPr>
-      <p:sp>
-        <p:nvSpPr>
-          <p:cNvPr id="2" name="矩形 1"/>
-          <p:cNvSpPr/>
-          <p:nvPr/>
-        </p:nvSpPr>
-        <p:spPr>
-          <a:xfrm>
-            <a:off x="4872720" y="401122"/>
-            <a:ext cx="2441694" cy="769441"/>
-          </a:xfrm>
-          <a:prstGeom prst="rect">
-            <a:avLst/>
-          </a:prstGeom>
-        </p:spPr>
-        <p:txBody>
-          <a:bodyPr wrap="none">
-            <a:spAutoFit/>
-          </a:bodyPr>
-          <a:lstStyle/>
-          <a:p>
-            <a:r>
-              <a:rPr lang="zh-CN" altLang="en-US" sz="4400">
-                <a:latin typeface="Roboto" charset="0"/>
-              </a:rPr>
-              <a:t>模板</a:t>
-            </a:r>
-            <a:r>
-              <a:rPr lang="zh-CN" altLang="en-US" sz="4400" smtClean="0">
-                <a:latin typeface="Roboto" charset="0"/>
-              </a:rPr>
-              <a:t>语法</a:t>
-            </a:r>
-            <a:endParaRPr lang="zh-CN" altLang="en-US" sz="4400">
-              <a:latin typeface="Roboto" charset="0"/>
-            </a:endParaRPr>
-          </a:p>
-        </p:txBody>
-      </p:sp>
-      <p:sp>
-        <p:nvSpPr>
-          <p:cNvPr id="4" name="矩形 3"/>
-          <p:cNvSpPr/>
-          <p:nvPr/>
-        </p:nvSpPr>
-        <p:spPr>
-          <a:xfrm>
-            <a:off x="1961217" y="1344096"/>
-            <a:ext cx="4132350" cy="369332"/>
-          </a:xfrm>
-          <a:prstGeom prst="rect">
-            <a:avLst/>
-          </a:prstGeom>
-        </p:spPr>
-        <p:txBody>
-          <a:bodyPr wrap="none">
-            <a:spAutoFit/>
-          </a:bodyPr>
-          <a:lstStyle/>
-          <a:p>
-            <a:r>
-              <a:rPr lang="en-US" altLang="zh-CN">
-                <a:solidFill>
-                  <a:srgbClr val="1976D2"/>
-                </a:solidFill>
-                <a:latin typeface="Roboto" charset="0"/>
-              </a:rPr>
-              <a:t>HTML attribute </a:t>
-            </a:r>
-            <a:r>
-              <a:rPr lang="zh-CN" altLang="en-US" dirty="0">
-                <a:solidFill>
-                  <a:srgbClr val="1976D2"/>
-                </a:solidFill>
-                <a:latin typeface="Roboto" charset="0"/>
-              </a:rPr>
-              <a:t>与 </a:t>
-            </a:r>
-            <a:r>
-              <a:rPr lang="en-US" altLang="zh-CN" dirty="0">
-                <a:solidFill>
-                  <a:srgbClr val="1976D2"/>
-                </a:solidFill>
-                <a:latin typeface="Roboto" charset="0"/>
-              </a:rPr>
-              <a:t>DOM property </a:t>
-            </a:r>
-            <a:r>
-              <a:rPr lang="zh-CN" altLang="en-US" dirty="0">
-                <a:solidFill>
-                  <a:srgbClr val="1976D2"/>
-                </a:solidFill>
-                <a:latin typeface="Roboto" charset="0"/>
-              </a:rPr>
-              <a:t>的对比</a:t>
-            </a:r>
-            <a:endParaRPr lang="zh-CN" altLang="en-US" b="0" i="0" dirty="0">
-              <a:solidFill>
-                <a:srgbClr val="1976D2"/>
-              </a:solidFill>
-              <a:effectLst/>
-              <a:latin typeface="Roboto" charset="0"/>
-            </a:endParaRPr>
-          </a:p>
-        </p:txBody>
-      </p:sp>
-      <p:sp>
-        <p:nvSpPr>
-          <p:cNvPr id="3" name="矩形 2"/>
-          <p:cNvSpPr/>
-          <p:nvPr/>
-        </p:nvSpPr>
-        <p:spPr>
-          <a:xfrm>
-            <a:off x="1961217" y="1886961"/>
-            <a:ext cx="9625946" cy="646331"/>
-          </a:xfrm>
-          <a:prstGeom prst="rect">
-            <a:avLst/>
-          </a:prstGeom>
-        </p:spPr>
-        <p:txBody>
-          <a:bodyPr wrap="square">
-            <a:spAutoFit/>
-          </a:bodyPr>
-          <a:lstStyle/>
-          <a:p>
-            <a:r>
-              <a:rPr lang="en-US" altLang="zh-CN" dirty="0">
-                <a:solidFill>
-                  <a:srgbClr val="333333"/>
-                </a:solidFill>
-                <a:latin typeface="Roboto" charset="0"/>
-              </a:rPr>
-              <a:t>attribute </a:t>
-            </a:r>
-            <a:r>
-              <a:rPr lang="zh-CN" altLang="en-US" b="1" dirty="0">
-                <a:solidFill>
-                  <a:srgbClr val="333333"/>
-                </a:solidFill>
-                <a:latin typeface="Roboto" charset="0"/>
-              </a:rPr>
-              <a:t>初始化</a:t>
-            </a:r>
-            <a:r>
-              <a:rPr lang="zh-CN" altLang="en-US" dirty="0">
-                <a:solidFill>
-                  <a:srgbClr val="333333"/>
-                </a:solidFill>
-                <a:latin typeface="Roboto" charset="0"/>
-              </a:rPr>
-              <a:t> </a:t>
-            </a:r>
-            <a:r>
-              <a:rPr lang="en-US" altLang="zh-CN" dirty="0">
-                <a:solidFill>
-                  <a:srgbClr val="333333"/>
-                </a:solidFill>
-                <a:latin typeface="Roboto" charset="0"/>
-              </a:rPr>
-              <a:t>DOM property</a:t>
-            </a:r>
-            <a:r>
-              <a:rPr lang="zh-CN" altLang="en-US" dirty="0">
-                <a:solidFill>
-                  <a:srgbClr val="333333"/>
-                </a:solidFill>
-                <a:latin typeface="Roboto" charset="0"/>
-              </a:rPr>
-              <a:t>，然后它们的任务就完成了。</a:t>
-            </a:r>
-            <a:r>
-              <a:rPr lang="en-US" altLang="zh-CN" dirty="0">
-                <a:solidFill>
-                  <a:srgbClr val="333333"/>
-                </a:solidFill>
-                <a:latin typeface="Roboto" charset="0"/>
-              </a:rPr>
-              <a:t>property </a:t>
-            </a:r>
-            <a:r>
-              <a:rPr lang="zh-CN" altLang="en-US" dirty="0">
-                <a:solidFill>
-                  <a:srgbClr val="333333"/>
-                </a:solidFill>
-                <a:latin typeface="Roboto" charset="0"/>
-              </a:rPr>
-              <a:t>的值可以改变；</a:t>
-            </a:r>
-            <a:r>
-              <a:rPr lang="en-US" altLang="zh-CN" dirty="0">
-                <a:solidFill>
-                  <a:srgbClr val="333333"/>
-                </a:solidFill>
-                <a:latin typeface="Roboto" charset="0"/>
-              </a:rPr>
-              <a:t>attribute </a:t>
-            </a:r>
-            <a:r>
-              <a:rPr lang="zh-CN" altLang="en-US" dirty="0">
-                <a:solidFill>
-                  <a:srgbClr val="333333"/>
-                </a:solidFill>
-                <a:latin typeface="Roboto" charset="0"/>
-              </a:rPr>
-              <a:t>的值不能改变</a:t>
-            </a:r>
-            <a:r>
-              <a:rPr lang="zh-CN" altLang="en-US" dirty="0" smtClean="0">
-                <a:solidFill>
-                  <a:srgbClr val="333333"/>
-                </a:solidFill>
-                <a:latin typeface="Roboto" charset="0"/>
-              </a:rPr>
-              <a:t>。</a:t>
-            </a:r>
-            <a:r>
-              <a:rPr lang="zh-CN" altLang="en-US" dirty="0"/>
-              <a:t>模板绑定是通过 </a:t>
-            </a:r>
-            <a:r>
-              <a:rPr lang="en-US" altLang="zh-CN" b="1" dirty="0"/>
-              <a:t>property</a:t>
-            </a:r>
-            <a:r>
-              <a:rPr lang="zh-CN" altLang="en-US" dirty="0"/>
-              <a:t> 和</a:t>
-            </a:r>
-            <a:r>
-              <a:rPr lang="zh-CN" altLang="en-US" b="1" dirty="0"/>
-              <a:t>事件</a:t>
-            </a:r>
-            <a:r>
-              <a:rPr lang="zh-CN" altLang="en-US" dirty="0"/>
-              <a:t>来工作的，而不是 </a:t>
-            </a:r>
-            <a:r>
-              <a:rPr lang="en-US" altLang="zh-CN" b="1" dirty="0"/>
-              <a:t>attribute</a:t>
-            </a:r>
-            <a:r>
-              <a:rPr lang="zh-CN" altLang="en-US" dirty="0"/>
-              <a:t>。</a:t>
-            </a:r>
-          </a:p>
-        </p:txBody>
-      </p:sp>
-    </p:spTree>
-    <p:extLst>
-      <p:ext uri="{BB962C8B-B14F-4D97-AF65-F5344CB8AC3E}">
-        <p14:creationId xmlns:p14="http://schemas.microsoft.com/office/powerpoint/2010/main" val="421270790"/>
-      </p:ext>
-    </p:extLst>
-  </p:cSld>
-  <p:clrMapOvr>
-    <a:masterClrMapping/>
-  </p:clrMapOvr>
-</p:sld>
-</file>
-
 <file path=ppt/slides/slide9.xml><?xml version="1.0" encoding="utf-8"?>
 <p:sld xmlns:a="http://schemas.openxmlformats.org/drawingml/2006/main" xmlns:r="http://schemas.openxmlformats.org/officeDocument/2006/relationships" xmlns:p="http://schemas.openxmlformats.org/presentationml/2006/main">
   <p:cSld>
@@ -7233,77 +7119,256 @@
       </p:grpSpPr>
       <p:sp>
         <p:nvSpPr>
-          <p:cNvPr id="7" name="AutoShape 2" descr="https://wx2.qq.com/cgi-bin/mmwebwx-bin/webwxgetmsgimg?&amp;MsgID=3143122728154941177&amp;skey=%40crypt_37a45a30_a1f760e2ba102232eee5cec6e1ee7648"/>
-          <p:cNvSpPr>
-            <a:spLocks noChangeAspect="1" noChangeArrowheads="1"/>
-          </p:cNvSpPr>
+          <p:cNvPr id="2" name="矩形 1"/>
+          <p:cNvSpPr/>
           <p:nvPr/>
         </p:nvSpPr>
-        <p:spPr bwMode="auto">
-          <a:xfrm>
-            <a:off x="0" y="0"/>
-            <a:ext cx="3900488" cy="3900488"/>
+        <p:spPr>
+          <a:xfrm>
+            <a:off x="4872720" y="401122"/>
+            <a:ext cx="2441694" cy="769441"/>
           </a:xfrm>
           <a:prstGeom prst="rect">
             <a:avLst/>
           </a:prstGeom>
-          <a:noFill/>
-          <a:extLst>
-            <a:ext uri="{909E8E84-426E-40DD-AFC4-6F175D3DCCD1}">
-              <a14:hiddenFill xmlns:a14="http://schemas.microsoft.com/office/drawing/2010/main">
-                <a:solidFill>
-                  <a:srgbClr val="FFFFFF"/>
-                </a:solidFill>
-              </a14:hiddenFill>
-            </a:ext>
-          </a:extLst>
-        </p:spPr>
-        <p:txBody>
-          <a:bodyPr vert="horz" wrap="square" lIns="91440" tIns="45720" rIns="91440" bIns="45720" numCol="1" anchor="t" anchorCtr="0" compatLnSpc="1">
-            <a:prstTxWarp prst="textNoShape">
-              <a:avLst/>
-            </a:prstTxWarp>
+        </p:spPr>
+        <p:txBody>
+          <a:bodyPr wrap="none">
+            <a:spAutoFit/>
           </a:bodyPr>
           <a:lstStyle/>
           <a:p>
-            <a:endParaRPr lang="zh-CN" altLang="en-US"/>
-          </a:p>
-        </p:txBody>
-      </p:sp>
-      <p:pic>
-        <p:nvPicPr>
-          <p:cNvPr id="10" name="图片 9"/>
-          <p:cNvPicPr>
-            <a:picLocks noChangeAspect="1"/>
-          </p:cNvPicPr>
+            <a:r>
+              <a:rPr lang="zh-CN" altLang="en-US" sz="4400">
+                <a:latin typeface="Roboto" charset="0"/>
+              </a:rPr>
+              <a:t>模板</a:t>
+            </a:r>
+            <a:r>
+              <a:rPr lang="zh-CN" altLang="en-US" sz="4400" smtClean="0">
+                <a:latin typeface="Roboto" charset="0"/>
+              </a:rPr>
+              <a:t>语法</a:t>
+            </a:r>
+            <a:endParaRPr lang="zh-CN" altLang="en-US" sz="4400">
+              <a:latin typeface="Roboto" charset="0"/>
+            </a:endParaRPr>
+          </a:p>
+        </p:txBody>
+      </p:sp>
+      <p:sp>
+        <p:nvSpPr>
+          <p:cNvPr id="4" name="矩形 3"/>
+          <p:cNvSpPr/>
           <p:nvPr/>
-        </p:nvPicPr>
-        <p:blipFill>
-          <a:blip r:embed="rId2">
-            <a:extLst>
-              <a:ext uri="{28A0092B-C50C-407E-A947-70E740481C1C}">
-                <a14:useLocalDpi xmlns:a14="http://schemas.microsoft.com/office/drawing/2010/main" val="0"/>
-              </a:ext>
-            </a:extLst>
-          </a:blip>
-          <a:stretch>
-            <a:fillRect/>
-          </a:stretch>
-        </p:blipFill>
-        <p:spPr>
-          <a:xfrm>
-            <a:off x="800101" y="559276"/>
-            <a:ext cx="10448558" cy="5884387"/>
+        </p:nvSpPr>
+        <p:spPr>
+          <a:xfrm>
+            <a:off x="1961217" y="1344096"/>
+            <a:ext cx="4132350" cy="369332"/>
           </a:xfrm>
           <a:prstGeom prst="rect">
             <a:avLst/>
           </a:prstGeom>
         </p:spPr>
-      </p:pic>
+        <p:txBody>
+          <a:bodyPr wrap="none">
+            <a:spAutoFit/>
+          </a:bodyPr>
+          <a:lstStyle/>
+          <a:p>
+            <a:r>
+              <a:rPr lang="en-US" altLang="zh-CN">
+                <a:solidFill>
+                  <a:srgbClr val="1976D2"/>
+                </a:solidFill>
+                <a:latin typeface="Roboto" charset="0"/>
+              </a:rPr>
+              <a:t>HTML attribute </a:t>
+            </a:r>
+            <a:r>
+              <a:rPr lang="zh-CN" altLang="en-US" dirty="0">
+                <a:solidFill>
+                  <a:srgbClr val="1976D2"/>
+                </a:solidFill>
+                <a:latin typeface="Roboto" charset="0"/>
+              </a:rPr>
+              <a:t>与 </a:t>
+            </a:r>
+            <a:r>
+              <a:rPr lang="en-US" altLang="zh-CN" dirty="0">
+                <a:solidFill>
+                  <a:srgbClr val="1976D2"/>
+                </a:solidFill>
+                <a:latin typeface="Roboto" charset="0"/>
+              </a:rPr>
+              <a:t>DOM property </a:t>
+            </a:r>
+            <a:r>
+              <a:rPr lang="zh-CN" altLang="en-US" dirty="0">
+                <a:solidFill>
+                  <a:srgbClr val="1976D2"/>
+                </a:solidFill>
+                <a:latin typeface="Roboto" charset="0"/>
+              </a:rPr>
+              <a:t>的对比</a:t>
+            </a:r>
+            <a:endParaRPr lang="zh-CN" altLang="en-US" b="0" i="0" dirty="0">
+              <a:solidFill>
+                <a:srgbClr val="1976D2"/>
+              </a:solidFill>
+              <a:effectLst/>
+              <a:latin typeface="Roboto" charset="0"/>
+            </a:endParaRPr>
+          </a:p>
+        </p:txBody>
+      </p:sp>
+      <p:sp>
+        <p:nvSpPr>
+          <p:cNvPr id="3" name="矩形 2"/>
+          <p:cNvSpPr/>
+          <p:nvPr/>
+        </p:nvSpPr>
+        <p:spPr>
+          <a:xfrm>
+            <a:off x="1961217" y="1886961"/>
+            <a:ext cx="9625946" cy="646331"/>
+          </a:xfrm>
+          <a:prstGeom prst="rect">
+            <a:avLst/>
+          </a:prstGeom>
+        </p:spPr>
+        <p:txBody>
+          <a:bodyPr wrap="square">
+            <a:spAutoFit/>
+          </a:bodyPr>
+          <a:lstStyle/>
+          <a:p>
+            <a:r>
+              <a:rPr lang="en-US" altLang="zh-CN" dirty="0">
+                <a:solidFill>
+                  <a:srgbClr val="333333"/>
+                </a:solidFill>
+                <a:latin typeface="Roboto" charset="0"/>
+              </a:rPr>
+              <a:t>attribute </a:t>
+            </a:r>
+            <a:r>
+              <a:rPr lang="zh-CN" altLang="en-US" b="1" dirty="0">
+                <a:solidFill>
+                  <a:srgbClr val="333333"/>
+                </a:solidFill>
+                <a:latin typeface="Roboto" charset="0"/>
+              </a:rPr>
+              <a:t>初始化</a:t>
+            </a:r>
+            <a:r>
+              <a:rPr lang="zh-CN" altLang="en-US" dirty="0">
+                <a:solidFill>
+                  <a:srgbClr val="333333"/>
+                </a:solidFill>
+                <a:latin typeface="Roboto" charset="0"/>
+              </a:rPr>
+              <a:t> </a:t>
+            </a:r>
+            <a:r>
+              <a:rPr lang="en-US" altLang="zh-CN" dirty="0">
+                <a:solidFill>
+                  <a:srgbClr val="333333"/>
+                </a:solidFill>
+                <a:latin typeface="Roboto" charset="0"/>
+              </a:rPr>
+              <a:t>DOM property</a:t>
+            </a:r>
+            <a:r>
+              <a:rPr lang="zh-CN" altLang="en-US" dirty="0">
+                <a:solidFill>
+                  <a:srgbClr val="333333"/>
+                </a:solidFill>
+                <a:latin typeface="Roboto" charset="0"/>
+              </a:rPr>
+              <a:t>，然后它们的任务就完成了。</a:t>
+            </a:r>
+            <a:r>
+              <a:rPr lang="en-US" altLang="zh-CN" dirty="0">
+                <a:solidFill>
+                  <a:srgbClr val="333333"/>
+                </a:solidFill>
+                <a:latin typeface="Roboto" charset="0"/>
+              </a:rPr>
+              <a:t>property </a:t>
+            </a:r>
+            <a:r>
+              <a:rPr lang="zh-CN" altLang="en-US" dirty="0">
+                <a:solidFill>
+                  <a:srgbClr val="333333"/>
+                </a:solidFill>
+                <a:latin typeface="Roboto" charset="0"/>
+              </a:rPr>
+              <a:t>的值可以改变；</a:t>
+            </a:r>
+            <a:r>
+              <a:rPr lang="en-US" altLang="zh-CN" dirty="0">
+                <a:solidFill>
+                  <a:srgbClr val="333333"/>
+                </a:solidFill>
+                <a:latin typeface="Roboto" charset="0"/>
+              </a:rPr>
+              <a:t>attribute </a:t>
+            </a:r>
+            <a:r>
+              <a:rPr lang="zh-CN" altLang="en-US" dirty="0">
+                <a:solidFill>
+                  <a:srgbClr val="333333"/>
+                </a:solidFill>
+                <a:latin typeface="Roboto" charset="0"/>
+              </a:rPr>
+              <a:t>的值不能改变</a:t>
+            </a:r>
+            <a:r>
+              <a:rPr lang="zh-CN" altLang="en-US" dirty="0" smtClean="0">
+                <a:solidFill>
+                  <a:srgbClr val="333333"/>
+                </a:solidFill>
+                <a:latin typeface="Roboto" charset="0"/>
+              </a:rPr>
+              <a:t>。</a:t>
+            </a:r>
+            <a:r>
+              <a:rPr lang="zh-CN" altLang="en-US" dirty="0"/>
+              <a:t>模板绑定是通过 </a:t>
+            </a:r>
+            <a:r>
+              <a:rPr lang="en-US" altLang="zh-CN" b="1" dirty="0"/>
+              <a:t>property</a:t>
+            </a:r>
+            <a:r>
+              <a:rPr lang="zh-CN" altLang="en-US" dirty="0"/>
+              <a:t> 和</a:t>
+            </a:r>
+            <a:r>
+              <a:rPr lang="zh-CN" altLang="en-US" b="1" dirty="0"/>
+              <a:t>事件</a:t>
+            </a:r>
+            <a:r>
+              <a:rPr lang="zh-CN" altLang="en-US" dirty="0"/>
+              <a:t>来工作的，而不是 </a:t>
+            </a:r>
+            <a:r>
+              <a:rPr lang="en-US" altLang="zh-CN" b="1" dirty="0"/>
+              <a:t>attribute</a:t>
+            </a:r>
+            <a:r>
+              <a:rPr lang="zh-CN" altLang="en-US" dirty="0"/>
+              <a:t>。</a:t>
+            </a:r>
+          </a:p>
+        </p:txBody>
+      </p:sp>
     </p:spTree>
     <p:extLst>
       <p:ext uri="{BB962C8B-B14F-4D97-AF65-F5344CB8AC3E}">
-        <p14:creationId xmlns:p14="http://schemas.microsoft.com/office/powerpoint/2010/main" val="4041576950"/>
+        <p14:creationId xmlns:p14="http://schemas.microsoft.com/office/powerpoint/2010/main" val="421270790"/>
       </p:ext>
     </p:extLst>
   </p:cSld>

--- a/Documents/angular.pptx
+++ b/Documents/angular.pptx
@@ -5,7 +5,7 @@
     <p:sldMasterId id="2147483648" r:id="rId1"/>
   </p:sldMasterIdLst>
   <p:notesMasterIdLst>
-    <p:notesMasterId r:id="rId16"/>
+    <p:notesMasterId r:id="rId19"/>
   </p:notesMasterIdLst>
   <p:sldIdLst>
     <p:sldId id="256" r:id="rId2"/>
@@ -17,11 +17,14 @@
     <p:sldId id="271" r:id="rId8"/>
     <p:sldId id="270" r:id="rId9"/>
     <p:sldId id="263" r:id="rId10"/>
-    <p:sldId id="264" r:id="rId11"/>
-    <p:sldId id="265" r:id="rId12"/>
-    <p:sldId id="266" r:id="rId13"/>
-    <p:sldId id="259" r:id="rId14"/>
-    <p:sldId id="261" r:id="rId15"/>
+    <p:sldId id="273" r:id="rId11"/>
+    <p:sldId id="274" r:id="rId12"/>
+    <p:sldId id="272" r:id="rId13"/>
+    <p:sldId id="264" r:id="rId14"/>
+    <p:sldId id="265" r:id="rId15"/>
+    <p:sldId id="266" r:id="rId16"/>
+    <p:sldId id="259" r:id="rId17"/>
+    <p:sldId id="261" r:id="rId18"/>
   </p:sldIdLst>
   <p:sldSz cx="12192000" cy="6858000"/>
   <p:notesSz cx="6858000" cy="9144000"/>
@@ -210,7 +213,7 @@
           <a:p>
             <a:fld id="{008404EF-794E-2447-8DCF-3FC8505CDB40}" type="datetimeFigureOut">
               <a:rPr kumimoji="1" lang="zh-CN" altLang="en-US" smtClean="0"/>
-              <a:t>2018/9/14</a:t>
+              <a:t>2018/9/17</a:t>
             </a:fld>
             <a:endParaRPr kumimoji="1" lang="zh-CN" altLang="en-US"/>
           </a:p>
@@ -609,7 +612,7 @@
           <a:p>
             <a:fld id="{7CA3032E-00E9-4729-A89B-323F05814971}" type="datetimeFigureOut">
               <a:rPr lang="zh-CN" altLang="en-US" smtClean="0"/>
-              <a:t>2018/9/14</a:t>
+              <a:t>2018/9/17</a:t>
             </a:fld>
             <a:endParaRPr lang="zh-CN" altLang="en-US"/>
           </a:p>
@@ -779,7 +782,7 @@
           <a:p>
             <a:fld id="{7CA3032E-00E9-4729-A89B-323F05814971}" type="datetimeFigureOut">
               <a:rPr lang="zh-CN" altLang="en-US" smtClean="0"/>
-              <a:t>2018/9/14</a:t>
+              <a:t>2018/9/17</a:t>
             </a:fld>
             <a:endParaRPr lang="zh-CN" altLang="en-US"/>
           </a:p>
@@ -959,7 +962,7 @@
           <a:p>
             <a:fld id="{7CA3032E-00E9-4729-A89B-323F05814971}" type="datetimeFigureOut">
               <a:rPr lang="zh-CN" altLang="en-US" smtClean="0"/>
-              <a:t>2018/9/14</a:t>
+              <a:t>2018/9/17</a:t>
             </a:fld>
             <a:endParaRPr lang="zh-CN" altLang="en-US"/>
           </a:p>
@@ -1129,7 +1132,7 @@
           <a:p>
             <a:fld id="{7CA3032E-00E9-4729-A89B-323F05814971}" type="datetimeFigureOut">
               <a:rPr lang="zh-CN" altLang="en-US" smtClean="0"/>
-              <a:t>2018/9/14</a:t>
+              <a:t>2018/9/17</a:t>
             </a:fld>
             <a:endParaRPr lang="zh-CN" altLang="en-US"/>
           </a:p>
@@ -1375,7 +1378,7 @@
           <a:p>
             <a:fld id="{7CA3032E-00E9-4729-A89B-323F05814971}" type="datetimeFigureOut">
               <a:rPr lang="zh-CN" altLang="en-US" smtClean="0"/>
-              <a:t>2018/9/14</a:t>
+              <a:t>2018/9/17</a:t>
             </a:fld>
             <a:endParaRPr lang="zh-CN" altLang="en-US"/>
           </a:p>
@@ -1607,7 +1610,7 @@
           <a:p>
             <a:fld id="{7CA3032E-00E9-4729-A89B-323F05814971}" type="datetimeFigureOut">
               <a:rPr lang="zh-CN" altLang="en-US" smtClean="0"/>
-              <a:t>2018/9/14</a:t>
+              <a:t>2018/9/17</a:t>
             </a:fld>
             <a:endParaRPr lang="zh-CN" altLang="en-US"/>
           </a:p>
@@ -1974,7 +1977,7 @@
           <a:p>
             <a:fld id="{7CA3032E-00E9-4729-A89B-323F05814971}" type="datetimeFigureOut">
               <a:rPr lang="zh-CN" altLang="en-US" smtClean="0"/>
-              <a:t>2018/9/14</a:t>
+              <a:t>2018/9/17</a:t>
             </a:fld>
             <a:endParaRPr lang="zh-CN" altLang="en-US"/>
           </a:p>
@@ -2092,7 +2095,7 @@
           <a:p>
             <a:fld id="{7CA3032E-00E9-4729-A89B-323F05814971}" type="datetimeFigureOut">
               <a:rPr lang="zh-CN" altLang="en-US" smtClean="0"/>
-              <a:t>2018/9/14</a:t>
+              <a:t>2018/9/17</a:t>
             </a:fld>
             <a:endParaRPr lang="zh-CN" altLang="en-US"/>
           </a:p>
@@ -2187,7 +2190,7 @@
           <a:p>
             <a:fld id="{7CA3032E-00E9-4729-A89B-323F05814971}" type="datetimeFigureOut">
               <a:rPr lang="zh-CN" altLang="en-US" smtClean="0"/>
-              <a:t>2018/9/14</a:t>
+              <a:t>2018/9/17</a:t>
             </a:fld>
             <a:endParaRPr lang="zh-CN" altLang="en-US"/>
           </a:p>
@@ -2464,7 +2467,7 @@
           <a:p>
             <a:fld id="{7CA3032E-00E9-4729-A89B-323F05814971}" type="datetimeFigureOut">
               <a:rPr lang="zh-CN" altLang="en-US" smtClean="0"/>
-              <a:t>2018/9/14</a:t>
+              <a:t>2018/9/17</a:t>
             </a:fld>
             <a:endParaRPr lang="zh-CN" altLang="en-US"/>
           </a:p>
@@ -2717,7 +2720,7 @@
           <a:p>
             <a:fld id="{7CA3032E-00E9-4729-A89B-323F05814971}" type="datetimeFigureOut">
               <a:rPr lang="zh-CN" altLang="en-US" smtClean="0"/>
-              <a:t>2018/9/14</a:t>
+              <a:t>2018/9/17</a:t>
             </a:fld>
             <a:endParaRPr lang="zh-CN" altLang="en-US"/>
           </a:p>
@@ -2930,7 +2933,7 @@
           <a:p>
             <a:fld id="{7CA3032E-00E9-4729-A89B-323F05814971}" type="datetimeFigureOut">
               <a:rPr lang="zh-CN" altLang="en-US" smtClean="0"/>
-              <a:t>2018/9/14</a:t>
+              <a:t>2018/9/17</a:t>
             </a:fld>
             <a:endParaRPr lang="zh-CN" altLang="en-US"/>
           </a:p>
@@ -3583,77 +3586,374 @@
       </p:grpSpPr>
       <p:sp>
         <p:nvSpPr>
-          <p:cNvPr id="7" name="AutoShape 2" descr="https://wx2.qq.com/cgi-bin/mmwebwx-bin/webwxgetmsgimg?&amp;MsgID=3143122728154941177&amp;skey=%40crypt_37a45a30_a1f760e2ba102232eee5cec6e1ee7648"/>
-          <p:cNvSpPr>
-            <a:spLocks noChangeAspect="1" noChangeArrowheads="1"/>
-          </p:cNvSpPr>
+          <p:cNvPr id="2" name="矩形 1"/>
+          <p:cNvSpPr/>
           <p:nvPr/>
         </p:nvSpPr>
-        <p:spPr bwMode="auto">
-          <a:xfrm>
-            <a:off x="0" y="0"/>
-            <a:ext cx="3900488" cy="3900488"/>
+        <p:spPr>
+          <a:xfrm>
+            <a:off x="4872720" y="401122"/>
+            <a:ext cx="2171018" cy="769441"/>
           </a:xfrm>
           <a:prstGeom prst="rect">
             <a:avLst/>
           </a:prstGeom>
-          <a:noFill/>
-          <a:extLst>
-            <a:ext uri="{909E8E84-426E-40DD-AFC4-6F175D3DCCD1}">
-              <a14:hiddenFill xmlns:a14="http://schemas.microsoft.com/office/drawing/2010/main">
-                <a:solidFill>
-                  <a:srgbClr val="FFFFFF"/>
-                </a:solidFill>
-              </a14:hiddenFill>
-            </a:ext>
-          </a:extLst>
-        </p:spPr>
-        <p:txBody>
-          <a:bodyPr vert="horz" wrap="square" lIns="91440" tIns="45720" rIns="91440" bIns="45720" numCol="1" anchor="t" anchorCtr="0" compatLnSpc="1">
-            <a:prstTxWarp prst="textNoShape">
-              <a:avLst/>
-            </a:prstTxWarp>
+        </p:spPr>
+        <p:txBody>
+          <a:bodyPr wrap="square">
+            <a:spAutoFit/>
           </a:bodyPr>
           <a:lstStyle/>
           <a:p>
-            <a:endParaRPr lang="zh-CN" altLang="en-US"/>
-          </a:p>
-        </p:txBody>
-      </p:sp>
-      <p:pic>
-        <p:nvPicPr>
-          <p:cNvPr id="10" name="图片 9"/>
-          <p:cNvPicPr>
-            <a:picLocks noChangeAspect="1"/>
-          </p:cNvPicPr>
+            <a:pPr lvl="1"/>
+            <a:r>
+              <a:rPr lang="zh-CN" altLang="en-US" sz="4400" dirty="0" smtClean="0">
+                <a:latin typeface="Roboto" charset="0"/>
+              </a:rPr>
+              <a:t>表单</a:t>
+            </a:r>
+            <a:endParaRPr lang="zh-CN" altLang="en-US" sz="4400" dirty="0">
+              <a:latin typeface="Roboto" charset="0"/>
+            </a:endParaRPr>
+          </a:p>
+        </p:txBody>
+      </p:sp>
+      <p:sp>
+        <p:nvSpPr>
+          <p:cNvPr id="3" name="矩形 2"/>
+          <p:cNvSpPr/>
           <p:nvPr/>
-        </p:nvPicPr>
-        <p:blipFill>
-          <a:blip r:embed="rId2">
-            <a:extLst>
-              <a:ext uri="{28A0092B-C50C-407E-A947-70E740481C1C}">
-                <a14:useLocalDpi xmlns:a14="http://schemas.microsoft.com/office/drawing/2010/main" val="0"/>
-              </a:ext>
-            </a:extLst>
-          </a:blip>
-          <a:stretch>
-            <a:fillRect/>
-          </a:stretch>
-        </p:blipFill>
-        <p:spPr>
-          <a:xfrm>
-            <a:off x="800101" y="559276"/>
-            <a:ext cx="10448558" cy="5884387"/>
+        </p:nvSpPr>
+        <p:spPr>
+          <a:xfrm>
+            <a:off x="1772726" y="1170563"/>
+            <a:ext cx="3866828" cy="369332"/>
           </a:xfrm>
           <a:prstGeom prst="rect">
             <a:avLst/>
           </a:prstGeom>
         </p:spPr>
-      </p:pic>
+        <p:txBody>
+          <a:bodyPr wrap="none">
+            <a:spAutoFit/>
+          </a:bodyPr>
+          <a:lstStyle/>
+          <a:p>
+            <a:r>
+              <a:rPr lang="zh-CN" altLang="en-US" dirty="0">
+                <a:latin typeface="Roboto" charset="0"/>
+              </a:rPr>
+              <a:t>按键事件过滤（通过 </a:t>
+            </a:r>
+            <a:r>
+              <a:rPr lang="en-US" altLang="zh-CN" dirty="0" err="1" smtClean="0">
+                <a:latin typeface="Roboto" charset="0"/>
+              </a:rPr>
+              <a:t>key.enter</a:t>
+            </a:r>
+            <a:r>
+              <a:rPr lang="en-US" altLang="zh-CN" dirty="0" smtClean="0">
+                <a:latin typeface="Roboto" charset="0"/>
+              </a:rPr>
+              <a:t>, blur</a:t>
+            </a:r>
+            <a:r>
+              <a:rPr lang="zh-CN" altLang="en-US" dirty="0" smtClean="0">
+                <a:latin typeface="Roboto" charset="0"/>
+              </a:rPr>
+              <a:t>）</a:t>
+            </a:r>
+            <a:endParaRPr lang="zh-CN" altLang="en-US" b="0" i="0" dirty="0">
+              <a:effectLst/>
+              <a:latin typeface="Roboto" charset="0"/>
+            </a:endParaRPr>
+          </a:p>
+        </p:txBody>
+      </p:sp>
+      <p:sp>
+        <p:nvSpPr>
+          <p:cNvPr id="5" name="矩形 4"/>
+          <p:cNvSpPr/>
+          <p:nvPr/>
+        </p:nvSpPr>
+        <p:spPr>
+          <a:xfrm>
+            <a:off x="2433638" y="1663005"/>
+            <a:ext cx="6096000" cy="646331"/>
+          </a:xfrm>
+          <a:prstGeom prst="rect">
+            <a:avLst/>
+          </a:prstGeom>
+        </p:spPr>
+        <p:txBody>
+          <a:bodyPr>
+            <a:spAutoFit/>
+          </a:bodyPr>
+          <a:lstStyle/>
+          <a:p>
+            <a:r>
+              <a:rPr lang="en-US" altLang="zh-CN">
+                <a:solidFill>
+                  <a:srgbClr val="880000"/>
+                </a:solidFill>
+                <a:latin typeface="Droid Sans Mono" charset="0"/>
+              </a:rPr>
+              <a:t>&lt;input #</a:t>
+            </a:r>
+            <a:r>
+              <a:rPr lang="en-US" altLang="zh-CN" dirty="0" err="1">
+                <a:solidFill>
+                  <a:srgbClr val="880000"/>
+                </a:solidFill>
+                <a:latin typeface="Droid Sans Mono" charset="0"/>
+              </a:rPr>
+              <a:t>newHero</a:t>
+            </a:r>
+            <a:r>
+              <a:rPr lang="en-US" altLang="zh-CN" dirty="0">
+                <a:solidFill>
+                  <a:srgbClr val="880000"/>
+                </a:solidFill>
+                <a:latin typeface="Droid Sans Mono" charset="0"/>
+              </a:rPr>
+              <a:t> (</a:t>
+            </a:r>
+            <a:r>
+              <a:rPr lang="en-US" altLang="zh-CN" dirty="0" err="1">
+                <a:solidFill>
+                  <a:srgbClr val="880000"/>
+                </a:solidFill>
+                <a:latin typeface="Droid Sans Mono" charset="0"/>
+              </a:rPr>
+              <a:t>keyup.enter</a:t>
+            </a:r>
+            <a:r>
+              <a:rPr lang="en-US" altLang="zh-CN" dirty="0">
+                <a:solidFill>
+                  <a:srgbClr val="880000"/>
+                </a:solidFill>
+                <a:latin typeface="Droid Sans Mono" charset="0"/>
+              </a:rPr>
+              <a:t>)="</a:t>
+            </a:r>
+            <a:r>
+              <a:rPr lang="en-US" altLang="zh-CN" dirty="0" err="1">
+                <a:solidFill>
+                  <a:srgbClr val="880000"/>
+                </a:solidFill>
+                <a:latin typeface="Droid Sans Mono" charset="0"/>
+              </a:rPr>
+              <a:t>addHero</a:t>
+            </a:r>
+            <a:r>
+              <a:rPr lang="en-US" altLang="zh-CN" dirty="0">
+                <a:solidFill>
+                  <a:srgbClr val="880000"/>
+                </a:solidFill>
+                <a:latin typeface="Droid Sans Mono" charset="0"/>
+              </a:rPr>
+              <a:t>(</a:t>
+            </a:r>
+            <a:r>
+              <a:rPr lang="en-US" altLang="zh-CN" dirty="0" err="1">
+                <a:solidFill>
+                  <a:srgbClr val="880000"/>
+                </a:solidFill>
+                <a:latin typeface="Droid Sans Mono" charset="0"/>
+              </a:rPr>
+              <a:t>newHero.value</a:t>
+            </a:r>
+            <a:r>
+              <a:rPr lang="en-US" altLang="zh-CN" dirty="0">
+                <a:solidFill>
+                  <a:srgbClr val="880000"/>
+                </a:solidFill>
+                <a:latin typeface="Droid Sans Mono" charset="0"/>
+              </a:rPr>
+              <a:t>)" (blur)="</a:t>
+            </a:r>
+            <a:r>
+              <a:rPr lang="en-US" altLang="zh-CN" dirty="0" err="1">
+                <a:solidFill>
+                  <a:srgbClr val="880000"/>
+                </a:solidFill>
+                <a:latin typeface="Droid Sans Mono" charset="0"/>
+              </a:rPr>
+              <a:t>addHero</a:t>
+            </a:r>
+            <a:r>
+              <a:rPr lang="en-US" altLang="zh-CN" dirty="0">
+                <a:solidFill>
+                  <a:srgbClr val="880000"/>
+                </a:solidFill>
+                <a:latin typeface="Droid Sans Mono" charset="0"/>
+              </a:rPr>
+              <a:t>(</a:t>
+            </a:r>
+            <a:r>
+              <a:rPr lang="en-US" altLang="zh-CN" dirty="0" err="1">
+                <a:solidFill>
+                  <a:srgbClr val="880000"/>
+                </a:solidFill>
+                <a:latin typeface="Droid Sans Mono" charset="0"/>
+              </a:rPr>
+              <a:t>newHero.value</a:t>
+            </a:r>
+            <a:r>
+              <a:rPr lang="en-US" altLang="zh-CN" dirty="0">
+                <a:solidFill>
+                  <a:srgbClr val="880000"/>
+                </a:solidFill>
+                <a:latin typeface="Droid Sans Mono" charset="0"/>
+              </a:rPr>
+              <a:t>); </a:t>
+            </a:r>
+            <a:r>
+              <a:rPr lang="en-US" altLang="zh-CN" dirty="0" err="1">
+                <a:solidFill>
+                  <a:srgbClr val="880000"/>
+                </a:solidFill>
+                <a:latin typeface="Droid Sans Mono" charset="0"/>
+              </a:rPr>
+              <a:t>newHero.value</a:t>
+            </a:r>
+            <a:r>
+              <a:rPr lang="en-US" altLang="zh-CN" dirty="0">
+                <a:solidFill>
+                  <a:srgbClr val="880000"/>
+                </a:solidFill>
+                <a:latin typeface="Droid Sans Mono" charset="0"/>
+              </a:rPr>
+              <a:t>='' "&gt;</a:t>
+            </a:r>
+            <a:endParaRPr lang="zh-CN" altLang="en-US" dirty="0"/>
+          </a:p>
+        </p:txBody>
+      </p:sp>
+      <p:sp>
+        <p:nvSpPr>
+          <p:cNvPr id="7" name="矩形 6"/>
+          <p:cNvSpPr/>
+          <p:nvPr/>
+        </p:nvSpPr>
+        <p:spPr>
+          <a:xfrm>
+            <a:off x="1902658" y="2617112"/>
+            <a:ext cx="1569660" cy="369332"/>
+          </a:xfrm>
+          <a:prstGeom prst="rect">
+            <a:avLst/>
+          </a:prstGeom>
+        </p:spPr>
+        <p:txBody>
+          <a:bodyPr wrap="none">
+            <a:spAutoFit/>
+          </a:bodyPr>
+          <a:lstStyle/>
+          <a:p>
+            <a:r>
+              <a:rPr lang="zh-CN" altLang="en-US" dirty="0">
+                <a:latin typeface="Roboto" charset="0"/>
+              </a:rPr>
+              <a:t>部分模型</a:t>
+            </a:r>
+            <a:r>
+              <a:rPr lang="zh-CN" altLang="en-US" dirty="0" smtClean="0">
+                <a:latin typeface="Roboto" charset="0"/>
+              </a:rPr>
+              <a:t>更新</a:t>
+            </a:r>
+            <a:endParaRPr lang="zh-CN" altLang="en-US" b="0" i="0" dirty="0">
+              <a:effectLst/>
+              <a:latin typeface="Roboto" charset="0"/>
+            </a:endParaRPr>
+          </a:p>
+        </p:txBody>
+      </p:sp>
+      <p:sp>
+        <p:nvSpPr>
+          <p:cNvPr id="15" name="矩形 14"/>
+          <p:cNvSpPr/>
+          <p:nvPr/>
+        </p:nvSpPr>
+        <p:spPr>
+          <a:xfrm>
+            <a:off x="2433638" y="3109554"/>
+            <a:ext cx="2313454" cy="369332"/>
+          </a:xfrm>
+          <a:prstGeom prst="rect">
+            <a:avLst/>
+          </a:prstGeom>
+        </p:spPr>
+        <p:txBody>
+          <a:bodyPr wrap="none">
+            <a:spAutoFit/>
+          </a:bodyPr>
+          <a:lstStyle/>
+          <a:p>
+            <a:r>
+              <a:rPr lang="zh-CN" altLang="en-US">
+                <a:latin typeface="Roboto" charset="0"/>
+              </a:rPr>
+              <a:t>修补（</a:t>
+            </a:r>
+            <a:r>
+              <a:rPr lang="en-US" altLang="zh-CN" dirty="0">
+                <a:latin typeface="Roboto" charset="0"/>
+              </a:rPr>
+              <a:t>Patch</a:t>
+            </a:r>
+            <a:r>
+              <a:rPr lang="zh-CN" altLang="en-US" dirty="0">
+                <a:latin typeface="Roboto" charset="0"/>
+              </a:rPr>
+              <a:t>）模型值</a:t>
+            </a:r>
+            <a:endParaRPr lang="zh-CN" altLang="en-US" b="0" i="0" dirty="0">
+              <a:effectLst/>
+              <a:latin typeface="Roboto" charset="0"/>
+            </a:endParaRPr>
+          </a:p>
+        </p:txBody>
+      </p:sp>
+      <p:sp>
+        <p:nvSpPr>
+          <p:cNvPr id="16" name="矩形 15"/>
+          <p:cNvSpPr/>
+          <p:nvPr/>
+        </p:nvSpPr>
+        <p:spPr>
+          <a:xfrm>
+            <a:off x="1917287" y="3694329"/>
+            <a:ext cx="1107996" cy="369332"/>
+          </a:xfrm>
+          <a:prstGeom prst="rect">
+            <a:avLst/>
+          </a:prstGeom>
+        </p:spPr>
+        <p:txBody>
+          <a:bodyPr wrap="none">
+            <a:spAutoFit/>
+          </a:bodyPr>
+          <a:lstStyle/>
+          <a:p>
+            <a:r>
+              <a:rPr lang="zh-CN" altLang="en-US">
+                <a:latin typeface="Roboto" charset="0"/>
+              </a:rPr>
+              <a:t>动态表单</a:t>
+            </a:r>
+            <a:endParaRPr lang="zh-CN" altLang="en-US" b="0" i="0">
+              <a:effectLst/>
+              <a:latin typeface="Roboto" charset="0"/>
+            </a:endParaRPr>
+          </a:p>
+        </p:txBody>
+      </p:sp>
     </p:spTree>
     <p:extLst>
       <p:ext uri="{BB962C8B-B14F-4D97-AF65-F5344CB8AC3E}">
-        <p14:creationId xmlns:p14="http://schemas.microsoft.com/office/powerpoint/2010/main" val="4041576950"/>
+        <p14:creationId xmlns:p14="http://schemas.microsoft.com/office/powerpoint/2010/main" val="1813603899"/>
       </p:ext>
     </p:extLst>
   </p:cSld>
@@ -3688,506 +3988,78 @@
         </p:nvSpPr>
         <p:spPr>
           <a:xfrm>
-            <a:off x="4308463" y="440411"/>
-            <a:ext cx="3570208" cy="769441"/>
+            <a:off x="3286126" y="401122"/>
+            <a:ext cx="5472112" cy="769441"/>
           </a:xfrm>
           <a:prstGeom prst="rect">
             <a:avLst/>
           </a:prstGeom>
         </p:spPr>
         <p:txBody>
+          <a:bodyPr wrap="square">
+            <a:spAutoFit/>
+          </a:bodyPr>
+          <a:lstStyle/>
+          <a:p>
+            <a:pPr lvl="1"/>
+            <a:r>
+              <a:rPr lang="fr-FR" altLang="zh-CN" sz="4400" dirty="0"/>
+              <a:t>Observable </a:t>
+            </a:r>
+            <a:r>
+              <a:rPr lang="zh-CN" altLang="fr-FR" sz="4400" dirty="0"/>
+              <a:t>与 </a:t>
+            </a:r>
+            <a:r>
+              <a:rPr lang="fr-FR" altLang="zh-CN" sz="4400" dirty="0" err="1"/>
+              <a:t>RxJS</a:t>
+            </a:r>
+            <a:endParaRPr lang="zh-CN" altLang="en-US" sz="4400" dirty="0">
+              <a:latin typeface="Roboto" charset="0"/>
+            </a:endParaRPr>
+          </a:p>
+        </p:txBody>
+      </p:sp>
+      <p:sp>
+        <p:nvSpPr>
+          <p:cNvPr id="4" name="矩形 3"/>
+          <p:cNvSpPr/>
+          <p:nvPr/>
+        </p:nvSpPr>
+        <p:spPr>
+          <a:xfrm>
+            <a:off x="1816791" y="1401246"/>
+            <a:ext cx="2614818" cy="369332"/>
+          </a:xfrm>
+          <a:prstGeom prst="rect">
+            <a:avLst/>
+          </a:prstGeom>
+        </p:spPr>
+        <p:txBody>
           <a:bodyPr wrap="none">
             <a:spAutoFit/>
           </a:bodyPr>
           <a:lstStyle/>
           <a:p>
             <a:r>
-              <a:rPr lang="zh-CN" altLang="en-US" sz="4400" dirty="0" smtClean="0"/>
-              <a:t>生命周期钩子</a:t>
-            </a:r>
-            <a:endParaRPr lang="zh-CN" altLang="en-US" sz="4400" dirty="0"/>
-          </a:p>
-        </p:txBody>
-      </p:sp>
-      <p:sp>
-        <p:nvSpPr>
-          <p:cNvPr id="5" name="矩形 4"/>
-          <p:cNvSpPr/>
-          <p:nvPr/>
-        </p:nvSpPr>
-        <p:spPr>
-          <a:xfrm>
-            <a:off x="1851263" y="1209852"/>
-            <a:ext cx="1005403" cy="369332"/>
-          </a:xfrm>
-          <a:prstGeom prst="rect">
-            <a:avLst/>
-          </a:prstGeom>
-        </p:spPr>
-        <p:txBody>
-          <a:bodyPr wrap="none">
-            <a:spAutoFit/>
-          </a:bodyPr>
-          <a:lstStyle/>
-          <a:p>
-            <a:r>
-              <a:rPr lang="en-US" altLang="zh-CN" b="1" dirty="0" err="1">
-                <a:latin typeface="Roboto" panose="02000000000000000000" pitchFamily="2" charset="0"/>
-              </a:rPr>
-              <a:t>OnInit</a:t>
-            </a:r>
-            <a:r>
-              <a:rPr lang="en-US" altLang="zh-CN" b="1" dirty="0" smtClean="0">
-                <a:latin typeface="Roboto" panose="02000000000000000000" pitchFamily="2" charset="0"/>
-              </a:rPr>
-              <a:t>()</a:t>
-            </a:r>
-            <a:endParaRPr lang="zh-CN" altLang="en-US" b="0" i="0" dirty="0">
-              <a:effectLst/>
-              <a:latin typeface="Roboto" panose="02000000000000000000" pitchFamily="2" charset="0"/>
-            </a:endParaRPr>
-          </a:p>
-        </p:txBody>
-      </p:sp>
-      <p:sp>
-        <p:nvSpPr>
-          <p:cNvPr id="6" name="矩形 5"/>
-          <p:cNvSpPr/>
-          <p:nvPr/>
-        </p:nvSpPr>
-        <p:spPr>
-          <a:xfrm>
-            <a:off x="2551134" y="1690394"/>
-            <a:ext cx="6096000" cy="646331"/>
-          </a:xfrm>
-          <a:prstGeom prst="rect">
-            <a:avLst/>
-          </a:prstGeom>
-        </p:spPr>
-        <p:txBody>
-          <a:bodyPr>
-            <a:spAutoFit/>
-          </a:bodyPr>
-          <a:lstStyle/>
-          <a:p>
-            <a:pPr>
-              <a:buFont typeface="+mj-lt"/>
-              <a:buAutoNum type="arabicPeriod"/>
-            </a:pPr>
-            <a:r>
-              <a:rPr lang="zh-CN" altLang="en-US" dirty="0">
-                <a:latin typeface="Roboto" panose="02000000000000000000" pitchFamily="2" charset="0"/>
-              </a:rPr>
-              <a:t>在构造函数之后马上执行复杂的初始化逻辑</a:t>
-            </a:r>
-          </a:p>
-          <a:p>
-            <a:pPr>
-              <a:buFont typeface="+mj-lt"/>
-              <a:buAutoNum type="arabicPeriod"/>
-            </a:pPr>
-            <a:r>
-              <a:rPr lang="zh-CN" altLang="en-US" dirty="0">
-                <a:latin typeface="Roboto" panose="02000000000000000000" pitchFamily="2" charset="0"/>
-              </a:rPr>
-              <a:t>在 </a:t>
-            </a:r>
-            <a:r>
-              <a:rPr lang="en-US" altLang="zh-CN" dirty="0">
-                <a:latin typeface="Roboto" panose="02000000000000000000" pitchFamily="2" charset="0"/>
+              <a:rPr lang="en-US" altLang="zh-CN">
+                <a:solidFill>
+                  <a:srgbClr val="1E88E5"/>
+                </a:solidFill>
+                <a:latin typeface="Roboto" charset="0"/>
+                <a:hlinkClick r:id="rId2"/>
               </a:rPr>
               <a:t>Angular </a:t>
             </a:r>
             <a:r>
               <a:rPr lang="zh-CN" altLang="en-US" dirty="0">
-                <a:latin typeface="Roboto" panose="02000000000000000000" pitchFamily="2" charset="0"/>
-              </a:rPr>
-              <a:t>设置完输入属性之后，对该组件进行准备。</a:t>
-            </a:r>
-            <a:endParaRPr lang="zh-CN" altLang="en-US" b="0" i="0" dirty="0">
-              <a:effectLst/>
-              <a:latin typeface="Roboto" panose="02000000000000000000" pitchFamily="2" charset="0"/>
-            </a:endParaRPr>
-          </a:p>
-        </p:txBody>
-      </p:sp>
-      <p:sp>
-        <p:nvSpPr>
-          <p:cNvPr id="3" name="矩形 2"/>
-          <p:cNvSpPr/>
-          <p:nvPr/>
-        </p:nvSpPr>
-        <p:spPr>
-          <a:xfrm>
-            <a:off x="1851263" y="2817267"/>
-            <a:ext cx="1418017" cy="369332"/>
-          </a:xfrm>
-          <a:prstGeom prst="rect">
-            <a:avLst/>
-          </a:prstGeom>
-        </p:spPr>
-        <p:txBody>
-          <a:bodyPr wrap="none">
-            <a:spAutoFit/>
-          </a:bodyPr>
-          <a:lstStyle/>
-          <a:p>
-            <a:r>
-              <a:rPr lang="mr-IN" altLang="zh-CN" b="1" dirty="0" err="1">
-                <a:latin typeface="Roboto" charset="0"/>
-              </a:rPr>
-              <a:t>OnDestroy</a:t>
-            </a:r>
-            <a:r>
-              <a:rPr lang="mr-IN" altLang="zh-CN" b="1" dirty="0" smtClean="0">
-                <a:latin typeface="Roboto" charset="0"/>
-              </a:rPr>
-              <a:t>()</a:t>
-            </a:r>
-            <a:endParaRPr lang="mr-IN" altLang="zh-CN" b="0" i="0" dirty="0">
-              <a:effectLst/>
-              <a:latin typeface="Roboto" charset="0"/>
-            </a:endParaRPr>
-          </a:p>
-        </p:txBody>
-      </p:sp>
-      <p:sp>
-        <p:nvSpPr>
-          <p:cNvPr id="4" name="矩形 3"/>
-          <p:cNvSpPr/>
-          <p:nvPr/>
-        </p:nvSpPr>
-        <p:spPr>
-          <a:xfrm>
-            <a:off x="2551134" y="2447935"/>
-            <a:ext cx="3967753" cy="369332"/>
-          </a:xfrm>
-          <a:prstGeom prst="rect">
-            <a:avLst/>
-          </a:prstGeom>
-        </p:spPr>
-        <p:txBody>
-          <a:bodyPr wrap="none">
-            <a:spAutoFit/>
-          </a:bodyPr>
-          <a:lstStyle/>
-          <a:p>
-            <a:r>
-              <a:rPr lang="zh-CN" altLang="en-US" dirty="0" smtClean="0">
-                <a:latin typeface="Roboto" charset="0"/>
-              </a:rPr>
-              <a:t>这里</a:t>
-            </a:r>
-            <a:r>
-              <a:rPr lang="zh-CN" altLang="en-US" dirty="0">
-                <a:latin typeface="Roboto" charset="0"/>
-              </a:rPr>
-              <a:t>是放置复杂</a:t>
-            </a:r>
-            <a:r>
-              <a:rPr lang="zh-CN" altLang="en-US" dirty="0">
                 <a:solidFill>
-                  <a:srgbClr val="FF0000"/>
+                  <a:srgbClr val="1E88E5"/>
                 </a:solidFill>
                 <a:latin typeface="Roboto" charset="0"/>
-              </a:rPr>
-              <a:t>初始化逻辑</a:t>
-            </a:r>
-            <a:r>
-              <a:rPr lang="zh-CN" altLang="en-US" dirty="0">
-                <a:latin typeface="Roboto" charset="0"/>
-              </a:rPr>
-              <a:t>的好地方</a:t>
-            </a:r>
-            <a:endParaRPr lang="zh-CN" altLang="en-US" dirty="0"/>
-          </a:p>
-        </p:txBody>
-      </p:sp>
-      <p:sp>
-        <p:nvSpPr>
-          <p:cNvPr id="7" name="矩形 6"/>
-          <p:cNvSpPr/>
-          <p:nvPr/>
-        </p:nvSpPr>
-        <p:spPr>
-          <a:xfrm>
-            <a:off x="2662237" y="3409019"/>
-            <a:ext cx="9196388" cy="369332"/>
-          </a:xfrm>
-          <a:prstGeom prst="rect">
-            <a:avLst/>
-          </a:prstGeom>
-        </p:spPr>
-        <p:txBody>
-          <a:bodyPr wrap="square">
-            <a:spAutoFit/>
-          </a:bodyPr>
-          <a:lstStyle/>
-          <a:p>
-            <a:r>
-              <a:rPr lang="zh-CN" altLang="en-US" dirty="0">
-                <a:latin typeface="Roboto" charset="0"/>
-              </a:rPr>
-              <a:t>一些清理逻辑</a:t>
-            </a:r>
-            <a:r>
-              <a:rPr lang="zh-CN" altLang="en-US" b="1" dirty="0">
-                <a:latin typeface="Roboto" charset="0"/>
-              </a:rPr>
-              <a:t>必须</a:t>
-            </a:r>
-            <a:r>
-              <a:rPr lang="zh-CN" altLang="en-US" dirty="0">
-                <a:latin typeface="Roboto" charset="0"/>
-              </a:rPr>
-              <a:t>在 </a:t>
-            </a:r>
-            <a:r>
-              <a:rPr lang="en-US" altLang="zh-CN" dirty="0">
-                <a:latin typeface="Roboto" charset="0"/>
-              </a:rPr>
-              <a:t>Angular </a:t>
-            </a:r>
-            <a:r>
-              <a:rPr lang="zh-CN" altLang="en-US" dirty="0">
-                <a:latin typeface="Roboto" charset="0"/>
-              </a:rPr>
-              <a:t>销毁指令之前运行，把它们放在 </a:t>
-            </a:r>
-            <a:r>
-              <a:rPr lang="en-US" altLang="zh-CN" dirty="0" err="1"/>
-              <a:t>ngOnDestroy</a:t>
-            </a:r>
-            <a:r>
-              <a:rPr lang="en-US" altLang="zh-CN" dirty="0"/>
-              <a:t>()</a:t>
-            </a:r>
-            <a:r>
-              <a:rPr lang="zh-CN" altLang="en-US" dirty="0">
-                <a:latin typeface="Roboto" charset="0"/>
-              </a:rPr>
-              <a:t> 中。</a:t>
-            </a:r>
-            <a:endParaRPr lang="zh-CN" altLang="en-US" dirty="0"/>
-          </a:p>
-        </p:txBody>
-      </p:sp>
-      <p:sp>
-        <p:nvSpPr>
-          <p:cNvPr id="8" name="矩形 7"/>
-          <p:cNvSpPr/>
-          <p:nvPr/>
-        </p:nvSpPr>
-        <p:spPr>
-          <a:xfrm>
-            <a:off x="1898103" y="4240016"/>
-            <a:ext cx="1608133" cy="369332"/>
-          </a:xfrm>
-          <a:prstGeom prst="rect">
-            <a:avLst/>
-          </a:prstGeom>
-        </p:spPr>
-        <p:txBody>
-          <a:bodyPr wrap="none">
-            <a:spAutoFit/>
-          </a:bodyPr>
-          <a:lstStyle/>
-          <a:p>
-            <a:r>
-              <a:rPr lang="mr-IN" altLang="zh-CN" b="1" dirty="0" err="1">
-                <a:latin typeface="Roboto" charset="0"/>
-              </a:rPr>
-              <a:t>OnChanges</a:t>
-            </a:r>
-            <a:r>
-              <a:rPr lang="mr-IN" altLang="zh-CN" b="1" dirty="0">
-                <a:latin typeface="Roboto" charset="0"/>
-              </a:rPr>
-              <a:t>()</a:t>
-            </a:r>
-            <a:r>
-              <a:rPr lang="mr-IN" altLang="zh-CN" dirty="0">
-                <a:latin typeface="Roboto" charset="0"/>
-              </a:rPr>
-              <a:t> </a:t>
-            </a:r>
-            <a:endParaRPr lang="mr-IN" altLang="zh-CN" b="0" i="0" dirty="0">
-              <a:effectLst/>
-              <a:latin typeface="Roboto" charset="0"/>
-            </a:endParaRPr>
-          </a:p>
-        </p:txBody>
-      </p:sp>
-      <p:sp>
-        <p:nvSpPr>
-          <p:cNvPr id="9" name="矩形 8"/>
-          <p:cNvSpPr/>
-          <p:nvPr/>
-        </p:nvSpPr>
-        <p:spPr>
-          <a:xfrm>
-            <a:off x="2551134" y="4647102"/>
-            <a:ext cx="9507516" cy="646331"/>
-          </a:xfrm>
-          <a:prstGeom prst="rect">
-            <a:avLst/>
-          </a:prstGeom>
-        </p:spPr>
-        <p:txBody>
-          <a:bodyPr wrap="square">
-            <a:spAutoFit/>
-          </a:bodyPr>
-          <a:lstStyle/>
-          <a:p>
-            <a:r>
-              <a:rPr lang="zh-CN" altLang="en-US" dirty="0">
-                <a:latin typeface="Roboto" charset="0"/>
-              </a:rPr>
-              <a:t>一旦检测到该组件</a:t>
-            </a:r>
-            <a:r>
-              <a:rPr lang="en-US" altLang="zh-CN" dirty="0">
-                <a:latin typeface="Roboto" charset="0"/>
-              </a:rPr>
-              <a:t>(</a:t>
-            </a:r>
-            <a:r>
-              <a:rPr lang="zh-CN" altLang="en-US" dirty="0">
-                <a:latin typeface="Roboto" charset="0"/>
-              </a:rPr>
-              <a:t>或指令</a:t>
-            </a:r>
-            <a:r>
-              <a:rPr lang="en-US" altLang="zh-CN" dirty="0">
-                <a:latin typeface="Roboto" charset="0"/>
-              </a:rPr>
-              <a:t>)</a:t>
-            </a:r>
-            <a:r>
-              <a:rPr lang="zh-CN" altLang="en-US" dirty="0">
-                <a:latin typeface="Roboto" charset="0"/>
-              </a:rPr>
-              <a:t>的</a:t>
-            </a:r>
-            <a:r>
-              <a:rPr lang="zh-CN" altLang="en-US" b="1" dirty="0">
-                <a:solidFill>
-                  <a:srgbClr val="FF0000"/>
-                </a:solidFill>
-                <a:latin typeface="Roboto" charset="0"/>
-              </a:rPr>
-              <a:t>输入属性</a:t>
-            </a:r>
-            <a:r>
-              <a:rPr lang="zh-CN" altLang="en-US" dirty="0">
-                <a:latin typeface="Roboto" charset="0"/>
-              </a:rPr>
-              <a:t>发生了变化，</a:t>
-            </a:r>
-            <a:r>
-              <a:rPr lang="en-US" altLang="zh-CN" dirty="0">
-                <a:latin typeface="Roboto" charset="0"/>
-              </a:rPr>
-              <a:t>Angular </a:t>
-            </a:r>
-            <a:r>
-              <a:rPr lang="zh-CN" altLang="en-US" dirty="0">
-                <a:latin typeface="Roboto" charset="0"/>
-              </a:rPr>
-              <a:t>就会调用它的 </a:t>
-            </a:r>
-            <a:r>
-              <a:rPr lang="en-US" altLang="zh-CN" dirty="0" err="1"/>
-              <a:t>ngOnChanges</a:t>
-            </a:r>
-            <a:r>
-              <a:rPr lang="en-US" altLang="zh-CN" dirty="0"/>
-              <a:t>()</a:t>
-            </a:r>
-            <a:r>
-              <a:rPr lang="zh-CN" altLang="en-US" dirty="0">
-                <a:latin typeface="Roboto" charset="0"/>
-              </a:rPr>
-              <a:t> 方法。</a:t>
-            </a:r>
-            <a:endParaRPr lang="zh-CN" altLang="en-US" dirty="0"/>
-          </a:p>
-        </p:txBody>
-      </p:sp>
-      <p:sp>
-        <p:nvSpPr>
-          <p:cNvPr id="10" name="矩形 9"/>
-          <p:cNvSpPr/>
-          <p:nvPr/>
-        </p:nvSpPr>
-        <p:spPr>
-          <a:xfrm>
-            <a:off x="2506673" y="5478099"/>
-            <a:ext cx="9507516" cy="646331"/>
-          </a:xfrm>
-          <a:prstGeom prst="rect">
-            <a:avLst/>
-          </a:prstGeom>
-        </p:spPr>
-        <p:txBody>
-          <a:bodyPr wrap="square">
-            <a:spAutoFit/>
-          </a:bodyPr>
-          <a:lstStyle/>
-          <a:p>
-            <a:r>
-              <a:rPr lang="zh-CN" altLang="en-US" dirty="0" smtClean="0">
-                <a:latin typeface="Roboto" charset="0"/>
-              </a:rPr>
-              <a:t>如果输入属性是对象</a:t>
-            </a:r>
-            <a:r>
-              <a:rPr lang="en-US" altLang="zh-CN" dirty="0" smtClean="0">
-                <a:latin typeface="Roboto" charset="0"/>
-              </a:rPr>
-              <a:t>hero</a:t>
-            </a:r>
-            <a:r>
-              <a:rPr lang="zh-CN" altLang="en-US" dirty="0" smtClean="0">
-                <a:latin typeface="Roboto" charset="0"/>
-              </a:rPr>
-              <a:t>，当他的值</a:t>
-            </a:r>
-            <a:r>
-              <a:rPr lang="en-US" altLang="zh-CN" dirty="0" err="1" smtClean="0">
-                <a:latin typeface="Roboto" charset="0"/>
-              </a:rPr>
-              <a:t>hero.name</a:t>
-            </a:r>
-            <a:r>
-              <a:rPr lang="zh-CN" altLang="en-US" dirty="0" smtClean="0">
-                <a:latin typeface="Roboto" charset="0"/>
-              </a:rPr>
-              <a:t>发生变化时，不会被</a:t>
-            </a:r>
-            <a:r>
-              <a:rPr lang="en-US" altLang="zh-CN" dirty="0" err="1" smtClean="0">
-                <a:latin typeface="Roboto" charset="0"/>
-              </a:rPr>
-              <a:t>OnChanges</a:t>
-            </a:r>
-            <a:r>
-              <a:rPr lang="zh-CN" altLang="en-US" dirty="0" smtClean="0">
-                <a:latin typeface="Roboto" charset="0"/>
-              </a:rPr>
-              <a:t>捕捉到，因为</a:t>
-            </a:r>
-            <a:r>
-              <a:rPr lang="en-US" altLang="zh-CN" dirty="0" smtClean="0">
-                <a:latin typeface="Roboto" charset="0"/>
-              </a:rPr>
-              <a:t>hero</a:t>
-            </a:r>
-            <a:r>
-              <a:rPr lang="zh-CN" altLang="en-US" dirty="0" smtClean="0">
-                <a:latin typeface="Roboto" charset="0"/>
-              </a:rPr>
-              <a:t>的引用没有变化</a:t>
+                <a:hlinkClick r:id="rId2"/>
+              </a:rPr>
+              <a:t>中的可观察对象</a:t>
             </a:r>
             <a:endParaRPr lang="zh-CN" altLang="en-US" dirty="0"/>
           </a:p>
@@ -4196,7 +4068,7 @@
     </p:spTree>
     <p:extLst>
       <p:ext uri="{BB962C8B-B14F-4D97-AF65-F5344CB8AC3E}">
-        <p14:creationId xmlns:p14="http://schemas.microsoft.com/office/powerpoint/2010/main" val="1912361220"/>
+        <p14:creationId xmlns:p14="http://schemas.microsoft.com/office/powerpoint/2010/main" val="42274633"/>
       </p:ext>
     </p:extLst>
   </p:cSld>
@@ -4225,14 +4097,14 @@
       </p:grpSpPr>
       <p:sp>
         <p:nvSpPr>
-          <p:cNvPr id="5" name="矩形 4"/>
+          <p:cNvPr id="2" name="矩形 1"/>
           <p:cNvSpPr/>
           <p:nvPr/>
         </p:nvSpPr>
         <p:spPr>
           <a:xfrm>
-            <a:off x="1851263" y="238295"/>
-            <a:ext cx="1181734" cy="369332"/>
+            <a:off x="4872720" y="401122"/>
+            <a:ext cx="2441694" cy="769441"/>
           </a:xfrm>
           <a:prstGeom prst="rect">
             <a:avLst/>
@@ -4245,14 +4117,87 @@
           <a:lstStyle/>
           <a:p>
             <a:r>
-              <a:rPr lang="mr-IN" altLang="zh-CN" b="1" dirty="0" err="1"/>
-              <a:t>DoCheck</a:t>
-            </a:r>
-            <a:r>
-              <a:rPr lang="mr-IN" altLang="zh-CN" b="1" dirty="0" smtClean="0"/>
-              <a:t>()</a:t>
-            </a:r>
-            <a:endParaRPr lang="mr-IN" altLang="zh-CN" dirty="0"/>
+              <a:rPr lang="zh-CN" altLang="en-US" sz="4400">
+                <a:latin typeface="Roboto" charset="0"/>
+              </a:rPr>
+              <a:t>模板</a:t>
+            </a:r>
+            <a:r>
+              <a:rPr lang="zh-CN" altLang="en-US" sz="4400" smtClean="0">
+                <a:latin typeface="Roboto" charset="0"/>
+              </a:rPr>
+              <a:t>语法</a:t>
+            </a:r>
+            <a:endParaRPr lang="zh-CN" altLang="en-US" sz="4400">
+              <a:latin typeface="Roboto" charset="0"/>
+            </a:endParaRPr>
+          </a:p>
+        </p:txBody>
+      </p:sp>
+      <p:sp>
+        <p:nvSpPr>
+          <p:cNvPr id="4" name="矩形 3"/>
+          <p:cNvSpPr/>
+          <p:nvPr/>
+        </p:nvSpPr>
+        <p:spPr>
+          <a:xfrm>
+            <a:off x="1961217" y="1344096"/>
+            <a:ext cx="4132350" cy="369332"/>
+          </a:xfrm>
+          <a:prstGeom prst="rect">
+            <a:avLst/>
+          </a:prstGeom>
+        </p:spPr>
+        <p:txBody>
+          <a:bodyPr wrap="none">
+            <a:spAutoFit/>
+          </a:bodyPr>
+          <a:lstStyle/>
+          <a:p>
+            <a:r>
+              <a:rPr lang="en-US" altLang="zh-CN">
+                <a:solidFill>
+                  <a:srgbClr val="1976D2"/>
+                </a:solidFill>
+                <a:latin typeface="Roboto" charset="0"/>
+              </a:rPr>
+              <a:t>HTML attribute </a:t>
+            </a:r>
+            <a:r>
+              <a:rPr lang="zh-CN" altLang="en-US" dirty="0">
+                <a:solidFill>
+                  <a:srgbClr val="1976D2"/>
+                </a:solidFill>
+                <a:latin typeface="Roboto" charset="0"/>
+              </a:rPr>
+              <a:t>与 </a:t>
+            </a:r>
+            <a:r>
+              <a:rPr lang="en-US" altLang="zh-CN" dirty="0">
+                <a:solidFill>
+                  <a:srgbClr val="1976D2"/>
+                </a:solidFill>
+                <a:latin typeface="Roboto" charset="0"/>
+              </a:rPr>
+              <a:t>DOM property </a:t>
+            </a:r>
+            <a:r>
+              <a:rPr lang="zh-CN" altLang="en-US" dirty="0">
+                <a:solidFill>
+                  <a:srgbClr val="1976D2"/>
+                </a:solidFill>
+                <a:latin typeface="Roboto" charset="0"/>
+              </a:rPr>
+              <a:t>的对比</a:t>
+            </a:r>
+            <a:endParaRPr lang="zh-CN" altLang="en-US" b="0" i="0" dirty="0">
+              <a:solidFill>
+                <a:srgbClr val="1976D2"/>
+              </a:solidFill>
+              <a:effectLst/>
+              <a:latin typeface="Roboto" charset="0"/>
+            </a:endParaRPr>
           </a:p>
         </p:txBody>
       </p:sp>
@@ -4264,768 +4209,144 @@
         </p:nvSpPr>
         <p:spPr>
           <a:xfrm>
-            <a:off x="1851263" y="1463331"/>
-            <a:ext cx="1355949" cy="369332"/>
+            <a:off x="1961217" y="1886961"/>
+            <a:ext cx="9625946" cy="646331"/>
           </a:xfrm>
           <a:prstGeom prst="rect">
             <a:avLst/>
           </a:prstGeom>
         </p:spPr>
         <p:txBody>
-          <a:bodyPr wrap="none">
-            <a:spAutoFit/>
-          </a:bodyPr>
-          <a:lstStyle/>
-          <a:p>
-            <a:r>
-              <a:rPr lang="en-US" altLang="zh-CN" b="1" dirty="0" err="1" smtClean="0">
-                <a:latin typeface="Roboto" charset="0"/>
-              </a:rPr>
-              <a:t>AfterView</a:t>
-            </a:r>
-            <a:r>
-              <a:rPr lang="en-US" altLang="zh-CN" dirty="0" smtClean="0">
-                <a:latin typeface="Roboto" charset="0"/>
-              </a:rPr>
-              <a:t>()</a:t>
-            </a:r>
-            <a:endParaRPr lang="en-US" altLang="zh-CN" b="1" dirty="0">
-              <a:latin typeface="Roboto" charset="0"/>
-            </a:endParaRPr>
-          </a:p>
-        </p:txBody>
-      </p:sp>
-      <p:sp>
-        <p:nvSpPr>
-          <p:cNvPr id="4" name="矩形 3"/>
-          <p:cNvSpPr/>
-          <p:nvPr/>
-        </p:nvSpPr>
-        <p:spPr>
-          <a:xfrm>
-            <a:off x="2479695" y="647695"/>
-            <a:ext cx="4326826" cy="369332"/>
-          </a:xfrm>
-          <a:prstGeom prst="rect">
-            <a:avLst/>
-          </a:prstGeom>
-        </p:spPr>
-        <p:txBody>
-          <a:bodyPr wrap="none">
-            <a:spAutoFit/>
-          </a:bodyPr>
-          <a:lstStyle/>
-          <a:p>
-            <a:r>
-              <a:rPr lang="zh-CN" altLang="en-US" dirty="0" smtClean="0">
-                <a:latin typeface="Roboto" charset="0"/>
-              </a:rPr>
-              <a:t>可以检测到 </a:t>
-            </a:r>
-            <a:r>
-              <a:rPr lang="en-US" altLang="zh-CN" dirty="0" err="1" smtClean="0">
-                <a:latin typeface="Roboto" charset="0"/>
-              </a:rPr>
-              <a:t>hero.name</a:t>
-            </a:r>
-            <a:r>
-              <a:rPr lang="en-US" altLang="zh-CN" dirty="0" smtClean="0">
-                <a:latin typeface="Roboto" charset="0"/>
-              </a:rPr>
-              <a:t> </a:t>
-            </a:r>
-            <a:r>
-              <a:rPr lang="zh-CN" altLang="en-US" dirty="0" smtClean="0">
-                <a:latin typeface="Roboto" charset="0"/>
-              </a:rPr>
-              <a:t>的变化 （见官网）</a:t>
-            </a:r>
-            <a:endParaRPr lang="zh-CN" altLang="en-US" dirty="0"/>
-          </a:p>
-        </p:txBody>
-      </p:sp>
-      <p:sp>
-        <p:nvSpPr>
-          <p:cNvPr id="8" name="矩形 7"/>
-          <p:cNvSpPr/>
-          <p:nvPr/>
-        </p:nvSpPr>
-        <p:spPr>
-          <a:xfrm>
-            <a:off x="2514949" y="2446739"/>
-            <a:ext cx="2262158" cy="369332"/>
-          </a:xfrm>
-          <a:prstGeom prst="rect">
-            <a:avLst/>
-          </a:prstGeom>
-        </p:spPr>
-        <p:txBody>
-          <a:bodyPr wrap="none">
-            <a:spAutoFit/>
-          </a:bodyPr>
-          <a:lstStyle/>
-          <a:p>
-            <a:r>
-              <a:rPr lang="zh-CN" altLang="en-US">
-                <a:latin typeface="Roboto" charset="0"/>
-              </a:rPr>
-              <a:t>遵循单向数据流规则</a:t>
-            </a:r>
-          </a:p>
-        </p:txBody>
-      </p:sp>
-      <p:sp>
-        <p:nvSpPr>
-          <p:cNvPr id="11" name="矩形 10"/>
-          <p:cNvSpPr/>
-          <p:nvPr/>
-        </p:nvSpPr>
-        <p:spPr>
-          <a:xfrm>
-            <a:off x="2488832" y="1037920"/>
-            <a:ext cx="3166251" cy="369332"/>
-          </a:xfrm>
-          <a:prstGeom prst="rect">
-            <a:avLst/>
-          </a:prstGeom>
-        </p:spPr>
-        <p:txBody>
-          <a:bodyPr wrap="none">
-            <a:spAutoFit/>
-          </a:bodyPr>
-          <a:lstStyle/>
-          <a:p>
-            <a:r>
-              <a:rPr lang="zh-CN" altLang="en-US" dirty="0" smtClean="0">
-                <a:latin typeface="Roboto" charset="0"/>
-              </a:rPr>
-              <a:t>出发非常频繁，需要小心使用</a:t>
-            </a:r>
-            <a:endParaRPr lang="zh-CN" altLang="en-US" dirty="0"/>
-          </a:p>
-        </p:txBody>
-      </p:sp>
-      <p:sp>
-        <p:nvSpPr>
-          <p:cNvPr id="14" name="矩形 13"/>
-          <p:cNvSpPr/>
-          <p:nvPr/>
-        </p:nvSpPr>
-        <p:spPr>
-          <a:xfrm>
-            <a:off x="2435235" y="1961652"/>
-            <a:ext cx="9739313" cy="369332"/>
-          </a:xfrm>
-          <a:prstGeom prst="rect">
-            <a:avLst/>
-          </a:prstGeom>
-        </p:spPr>
-        <p:txBody>
           <a:bodyPr wrap="square">
             <a:spAutoFit/>
           </a:bodyPr>
           <a:lstStyle/>
           <a:p>
             <a:r>
-              <a:rPr lang="zh-CN" altLang="en-US" dirty="0">
-                <a:latin typeface="Roboto" charset="0"/>
-              </a:rPr>
-              <a:t> </a:t>
-            </a:r>
-            <a:r>
               <a:rPr lang="en-US" altLang="zh-CN" dirty="0">
-                <a:hlinkClick r:id="rId2"/>
-              </a:rPr>
-              <a:t>AfterViewInit</a:t>
-            </a:r>
-            <a:r>
-              <a:rPr lang="en-US" altLang="zh-CN" dirty="0"/>
-              <a:t>()</a:t>
-            </a:r>
-            <a:r>
-              <a:rPr lang="zh-CN" altLang="en-US" dirty="0">
-                <a:latin typeface="Roboto" charset="0"/>
-              </a:rPr>
-              <a:t> 和 </a:t>
-            </a:r>
-            <a:r>
-              <a:rPr lang="en-US" altLang="zh-CN" dirty="0">
-                <a:hlinkClick r:id="rId3"/>
-              </a:rPr>
-              <a:t>AfterViewChecked</a:t>
-            </a:r>
-            <a:r>
-              <a:rPr lang="en-US" altLang="zh-CN" dirty="0"/>
-              <a:t>()</a:t>
-            </a:r>
-            <a:r>
-              <a:rPr lang="zh-CN" altLang="en-US" dirty="0">
-                <a:latin typeface="Roboto" charset="0"/>
-              </a:rPr>
-              <a:t> 钩子，</a:t>
-            </a:r>
-            <a:r>
-              <a:rPr lang="en-US" altLang="zh-CN" dirty="0">
-                <a:latin typeface="Roboto" charset="0"/>
-              </a:rPr>
-              <a:t>Angular </a:t>
-            </a:r>
-            <a:r>
-              <a:rPr lang="zh-CN" altLang="en-US" dirty="0">
-                <a:latin typeface="Roboto" charset="0"/>
-              </a:rPr>
-              <a:t>会在每次创建了组件的子视图后调用它们</a:t>
-            </a:r>
-            <a:endParaRPr lang="zh-CN" altLang="en-US" dirty="0"/>
-          </a:p>
-        </p:txBody>
-      </p:sp>
-      <p:sp>
-        <p:nvSpPr>
-          <p:cNvPr id="15" name="矩形 14"/>
-          <p:cNvSpPr/>
-          <p:nvPr/>
-        </p:nvSpPr>
-        <p:spPr>
-          <a:xfrm>
-            <a:off x="3207211" y="2888945"/>
-            <a:ext cx="8722851" cy="646331"/>
-          </a:xfrm>
-          <a:prstGeom prst="rect">
-            <a:avLst/>
-          </a:prstGeom>
-        </p:spPr>
-        <p:txBody>
-          <a:bodyPr wrap="square">
-            <a:spAutoFit/>
-          </a:bodyPr>
-          <a:lstStyle/>
-          <a:p>
-            <a:r>
-              <a:rPr lang="en-US" altLang="zh-CN" dirty="0">
-                <a:latin typeface="Roboto" charset="0"/>
-              </a:rPr>
-              <a:t>Angular </a:t>
-            </a:r>
-            <a:r>
-              <a:rPr lang="zh-CN" altLang="en-US" dirty="0">
-                <a:latin typeface="Roboto" charset="0"/>
-              </a:rPr>
-              <a:t>的“单向数据流”规则</a:t>
-            </a:r>
-            <a:r>
-              <a:rPr lang="zh-CN" altLang="en-US" dirty="0">
                 <a:solidFill>
-                  <a:srgbClr val="FF0000"/>
+                  <a:srgbClr val="333333"/>
                 </a:solidFill>
                 <a:latin typeface="Roboto" charset="0"/>
               </a:rPr>
-              <a:t>禁止在一个视图已经被组合好</a:t>
+              <a:t>attribute </a:t>
             </a:r>
             <a:r>
               <a:rPr lang="zh-CN" altLang="en-US" b="1" dirty="0">
                 <a:solidFill>
-                  <a:srgbClr val="FF0000"/>
+                  <a:srgbClr val="333333"/>
                 </a:solidFill>
                 <a:latin typeface="Roboto" charset="0"/>
               </a:rPr>
-              <a:t>之后</a:t>
+              <a:t>初始化</a:t>
             </a:r>
             <a:r>
               <a:rPr lang="zh-CN" altLang="en-US" dirty="0">
                 <a:solidFill>
-                  <a:srgbClr val="FF0000"/>
+                  <a:srgbClr val="333333"/>
                 </a:solidFill>
                 <a:latin typeface="Roboto" charset="0"/>
               </a:rPr>
-              <a:t>再更新视图</a:t>
-            </a:r>
-            <a:r>
-              <a:rPr lang="zh-CN" altLang="en-US" dirty="0">
-                <a:latin typeface="Roboto" charset="0"/>
-              </a:rPr>
-              <a:t>。 而这两个钩子都是在组件的视图已经被组合好之后触发的。</a:t>
-            </a:r>
-            <a:endParaRPr lang="zh-CN" altLang="en-US" dirty="0"/>
-          </a:p>
-        </p:txBody>
-      </p:sp>
-      <p:sp>
-        <p:nvSpPr>
-          <p:cNvPr id="16" name="矩形 15"/>
-          <p:cNvSpPr/>
-          <p:nvPr/>
-        </p:nvSpPr>
-        <p:spPr>
-          <a:xfrm>
-            <a:off x="1851263" y="3508137"/>
-            <a:ext cx="1659429" cy="369332"/>
-          </a:xfrm>
-          <a:prstGeom prst="rect">
-            <a:avLst/>
-          </a:prstGeom>
-        </p:spPr>
-        <p:txBody>
-          <a:bodyPr wrap="none">
-            <a:spAutoFit/>
-          </a:bodyPr>
-          <a:lstStyle/>
-          <a:p>
-            <a:r>
-              <a:rPr lang="en-US" altLang="zh-CN" b="1" dirty="0" err="1" smtClean="0">
-                <a:latin typeface="Roboto" charset="0"/>
-              </a:rPr>
-              <a:t>AfterContent</a:t>
-            </a:r>
-            <a:r>
-              <a:rPr lang="en-US" altLang="zh-CN" b="1" dirty="0" smtClean="0">
-                <a:latin typeface="Roboto" charset="0"/>
-              </a:rPr>
-              <a:t>()</a:t>
-            </a:r>
-            <a:endParaRPr lang="en-US" altLang="zh-CN" b="1" dirty="0">
-              <a:latin typeface="Roboto" charset="0"/>
-            </a:endParaRPr>
-          </a:p>
-        </p:txBody>
-      </p:sp>
-      <p:sp>
-        <p:nvSpPr>
-          <p:cNvPr id="17" name="矩形 16"/>
-          <p:cNvSpPr/>
-          <p:nvPr/>
-        </p:nvSpPr>
-        <p:spPr>
-          <a:xfrm>
-            <a:off x="2607082" y="3993224"/>
-            <a:ext cx="9322980" cy="369332"/>
-          </a:xfrm>
-          <a:prstGeom prst="rect">
-            <a:avLst/>
-          </a:prstGeom>
-        </p:spPr>
-        <p:txBody>
-          <a:bodyPr wrap="square">
-            <a:spAutoFit/>
-          </a:bodyPr>
-          <a:lstStyle/>
-          <a:p>
+              <a:t> </a:t>
+            </a:r>
             <a:r>
               <a:rPr lang="en-US" altLang="zh-CN" dirty="0">
-                <a:hlinkClick r:id="rId4"/>
-              </a:rPr>
-              <a:t>AfterContentInit</a:t>
-            </a:r>
-            <a:r>
-              <a:rPr lang="en-US" altLang="zh-CN" dirty="0"/>
-              <a:t>()</a:t>
-            </a:r>
-            <a:r>
-              <a:rPr lang="zh-CN" altLang="en-US" dirty="0">
-                <a:latin typeface="Roboto" charset="0"/>
-              </a:rPr>
-              <a:t> 和 </a:t>
+                <a:solidFill>
+                  <a:srgbClr val="333333"/>
+                </a:solidFill>
+                <a:latin typeface="Roboto" charset="0"/>
+              </a:rPr>
+              <a:t>DOM property</a:t>
+            </a:r>
+            <a:r>
+              <a:rPr lang="zh-CN" altLang="en-US" dirty="0">
+                <a:solidFill>
+                  <a:srgbClr val="333333"/>
+                </a:solidFill>
+                <a:latin typeface="Roboto" charset="0"/>
+              </a:rPr>
+              <a:t>，然后它们的任务就完成了。</a:t>
             </a:r>
             <a:r>
               <a:rPr lang="en-US" altLang="zh-CN" dirty="0">
-                <a:hlinkClick r:id="rId5"/>
-              </a:rPr>
-              <a:t>AfterContentChecked</a:t>
-            </a:r>
-            <a:r>
-              <a:rPr lang="en-US" altLang="zh-CN" dirty="0"/>
-              <a:t>()</a:t>
-            </a:r>
-            <a:r>
-              <a:rPr lang="zh-CN" altLang="en-US" dirty="0">
-                <a:latin typeface="Roboto" charset="0"/>
-              </a:rPr>
-              <a:t> 钩子</a:t>
+                <a:solidFill>
+                  <a:srgbClr val="333333"/>
+                </a:solidFill>
+                <a:latin typeface="Roboto" charset="0"/>
+              </a:rPr>
+              <a:t>property </a:t>
+            </a:r>
+            <a:r>
+              <a:rPr lang="zh-CN" altLang="en-US" dirty="0">
+                <a:solidFill>
+                  <a:srgbClr val="333333"/>
+                </a:solidFill>
+                <a:latin typeface="Roboto" charset="0"/>
+              </a:rPr>
+              <a:t>的值可以改变；</a:t>
+            </a:r>
+            <a:r>
+              <a:rPr lang="en-US" altLang="zh-CN" dirty="0">
+                <a:solidFill>
+                  <a:srgbClr val="333333"/>
+                </a:solidFill>
+                <a:latin typeface="Roboto" charset="0"/>
+              </a:rPr>
+              <a:t>attribute </a:t>
+            </a:r>
+            <a:r>
+              <a:rPr lang="zh-CN" altLang="en-US" dirty="0">
+                <a:solidFill>
+                  <a:srgbClr val="333333"/>
+                </a:solidFill>
+                <a:latin typeface="Roboto" charset="0"/>
+              </a:rPr>
+              <a:t>的值不能改变</a:t>
             </a:r>
             <a:r>
               <a:rPr lang="zh-CN" altLang="en-US" dirty="0" smtClean="0">
-                <a:latin typeface="Roboto" charset="0"/>
-              </a:rPr>
-              <a:t>，在</a:t>
-            </a:r>
-            <a:r>
-              <a:rPr lang="zh-CN" altLang="en-US" dirty="0">
-                <a:latin typeface="Roboto" charset="0"/>
-              </a:rPr>
-              <a:t>外来内容被投影到组件中</a:t>
-            </a:r>
-            <a:r>
-              <a:rPr lang="zh-CN" altLang="en-US" b="1" dirty="0">
-                <a:latin typeface="Roboto" charset="0"/>
-              </a:rPr>
-              <a:t>之后</a:t>
-            </a:r>
-            <a:r>
-              <a:rPr lang="zh-CN" altLang="en-US" dirty="0">
-                <a:latin typeface="Roboto" charset="0"/>
-              </a:rPr>
-              <a:t>调用它们。</a:t>
-            </a:r>
-            <a:endParaRPr lang="zh-CN" altLang="en-US" dirty="0"/>
-          </a:p>
-        </p:txBody>
-      </p:sp>
-      <p:sp>
-        <p:nvSpPr>
-          <p:cNvPr id="18" name="矩形 17"/>
-          <p:cNvSpPr/>
-          <p:nvPr/>
-        </p:nvSpPr>
-        <p:spPr>
-          <a:xfrm>
-            <a:off x="2607082" y="4406854"/>
-            <a:ext cx="1107996" cy="369332"/>
-          </a:xfrm>
-          <a:prstGeom prst="rect">
-            <a:avLst/>
-          </a:prstGeom>
-        </p:spPr>
-        <p:txBody>
-          <a:bodyPr wrap="none">
-            <a:spAutoFit/>
-          </a:bodyPr>
-          <a:lstStyle/>
-          <a:p>
-            <a:r>
-              <a:rPr lang="zh-CN" altLang="en-US" dirty="0">
-                <a:latin typeface="Roboto" charset="0"/>
-              </a:rPr>
-              <a:t>内容投影</a:t>
-            </a:r>
-            <a:endParaRPr lang="zh-CN" altLang="en-US" b="0" i="0" dirty="0">
-              <a:effectLst/>
-              <a:latin typeface="Roboto" charset="0"/>
-            </a:endParaRPr>
-          </a:p>
-        </p:txBody>
-      </p:sp>
-      <p:sp>
-        <p:nvSpPr>
-          <p:cNvPr id="19" name="矩形 18"/>
-          <p:cNvSpPr/>
-          <p:nvPr/>
-        </p:nvSpPr>
-        <p:spPr>
-          <a:xfrm>
-            <a:off x="3829378" y="4425325"/>
-            <a:ext cx="8214984" cy="369332"/>
-          </a:xfrm>
-          <a:prstGeom prst="rect">
-            <a:avLst/>
-          </a:prstGeom>
-        </p:spPr>
-        <p:txBody>
-          <a:bodyPr wrap="square">
-            <a:spAutoFit/>
-          </a:bodyPr>
-          <a:lstStyle/>
-          <a:p>
-            <a:r>
-              <a:rPr lang="zh-CN" altLang="en-US" dirty="0">
-                <a:latin typeface="Roboto" charset="0"/>
-              </a:rPr>
-              <a:t>从组件外部导入 </a:t>
-            </a:r>
-            <a:r>
-              <a:rPr lang="en-US" altLang="zh-CN" dirty="0">
-                <a:latin typeface="Roboto" charset="0"/>
-              </a:rPr>
-              <a:t>HTML </a:t>
-            </a:r>
-            <a:r>
-              <a:rPr lang="zh-CN" altLang="en-US" dirty="0">
-                <a:latin typeface="Roboto" charset="0"/>
-              </a:rPr>
-              <a:t>内容，并把它插入在组件模板中指定位置上的一种途径。</a:t>
-            </a:r>
-            <a:endParaRPr lang="zh-CN" altLang="en-US" dirty="0"/>
-          </a:p>
-        </p:txBody>
-      </p:sp>
-      <p:sp>
-        <p:nvSpPr>
-          <p:cNvPr id="20" name="矩形 19"/>
-          <p:cNvSpPr/>
-          <p:nvPr/>
-        </p:nvSpPr>
-        <p:spPr>
-          <a:xfrm>
-            <a:off x="2607082" y="4838955"/>
-            <a:ext cx="9194393" cy="369332"/>
-          </a:xfrm>
-          <a:prstGeom prst="rect">
-            <a:avLst/>
-          </a:prstGeom>
-        </p:spPr>
-        <p:txBody>
-          <a:bodyPr wrap="square">
-            <a:spAutoFit/>
-          </a:bodyPr>
-          <a:lstStyle/>
-          <a:p>
-            <a:r>
-              <a:rPr lang="zh-CN" altLang="en-US" dirty="0">
-                <a:latin typeface="Roboto" charset="0"/>
-              </a:rPr>
-              <a:t>永远不要在组件标签的内部放任何内容 </a:t>
-            </a:r>
-            <a:r>
-              <a:rPr lang="en-US" altLang="zh-CN" dirty="0">
-                <a:latin typeface="Roboto" charset="0"/>
-              </a:rPr>
-              <a:t>—— </a:t>
-            </a:r>
-            <a:r>
-              <a:rPr lang="zh-CN" altLang="en-US" b="1" dirty="0">
-                <a:latin typeface="Roboto" charset="0"/>
-              </a:rPr>
-              <a:t>除非你想把这些内容投影进这个组件中</a:t>
-            </a:r>
-            <a:r>
-              <a:rPr lang="zh-CN" altLang="en-US" dirty="0">
+                <a:solidFill>
+                  <a:srgbClr val="333333"/>
+                </a:solidFill>
                 <a:latin typeface="Roboto" charset="0"/>
               </a:rPr>
               <a:t>。</a:t>
             </a:r>
-            <a:endParaRPr lang="zh-CN" altLang="en-US" dirty="0"/>
-          </a:p>
-        </p:txBody>
-      </p:sp>
-      <p:sp>
-        <p:nvSpPr>
-          <p:cNvPr id="21" name="矩形 20"/>
-          <p:cNvSpPr/>
-          <p:nvPr/>
-        </p:nvSpPr>
-        <p:spPr>
-          <a:xfrm>
-            <a:off x="1851263" y="5280173"/>
-            <a:ext cx="9950212" cy="923330"/>
-          </a:xfrm>
-          <a:prstGeom prst="rect">
-            <a:avLst/>
-          </a:prstGeom>
-        </p:spPr>
-        <p:txBody>
-          <a:bodyPr wrap="square">
-            <a:spAutoFit/>
-          </a:bodyPr>
-          <a:lstStyle/>
-          <a:p>
-            <a:r>
-              <a:rPr lang="en-US" altLang="zh-CN" b="1" dirty="0" err="1">
-                <a:latin typeface="Roboto" charset="0"/>
-              </a:rPr>
-              <a:t>AfterContent</a:t>
-            </a:r>
-            <a:r>
-              <a:rPr lang="zh-CN" altLang="en-US" dirty="0">
-                <a:latin typeface="Roboto" charset="0"/>
-              </a:rPr>
-              <a:t> </a:t>
-            </a:r>
-            <a:r>
-              <a:rPr lang="zh-CN" altLang="en-US" dirty="0" smtClean="0">
-                <a:latin typeface="Roboto" charset="0"/>
-              </a:rPr>
-              <a:t>和</a:t>
-            </a:r>
-            <a:r>
-              <a:rPr lang="zh-CN" altLang="en-US" dirty="0">
-                <a:latin typeface="Roboto" charset="0"/>
-              </a:rPr>
-              <a:t> </a:t>
-            </a:r>
-            <a:r>
-              <a:rPr lang="en-US" altLang="zh-CN" b="1" dirty="0" err="1">
-                <a:latin typeface="Roboto" charset="0"/>
-              </a:rPr>
-              <a:t>AfterView</a:t>
-            </a:r>
-            <a:r>
-              <a:rPr lang="zh-CN" altLang="en-US" dirty="0">
-                <a:latin typeface="Roboto" charset="0"/>
-              </a:rPr>
-              <a:t> 相似。关键的不同点是子组件的类型不同。</a:t>
-            </a:r>
-          </a:p>
-          <a:p>
-            <a:pPr>
-              <a:buFont typeface="Arial" charset="0"/>
-              <a:buChar char="•"/>
-            </a:pPr>
-            <a:r>
-              <a:rPr lang="en-US" altLang="zh-CN" b="1" dirty="0" err="1">
-                <a:latin typeface="Roboto" charset="0"/>
-              </a:rPr>
-              <a:t>AfterView</a:t>
-            </a:r>
-            <a:r>
-              <a:rPr lang="zh-CN" altLang="en-US" dirty="0">
-                <a:latin typeface="Roboto" charset="0"/>
-              </a:rPr>
-              <a:t> </a:t>
-            </a:r>
-            <a:r>
-              <a:rPr lang="zh-CN" altLang="en-US" dirty="0" smtClean="0">
-                <a:latin typeface="Roboto" charset="0"/>
-              </a:rPr>
-              <a:t>所</a:t>
-            </a:r>
-            <a:r>
-              <a:rPr lang="zh-CN" altLang="en-US" dirty="0">
-                <a:latin typeface="Roboto" charset="0"/>
-              </a:rPr>
-              <a:t>关心的是 </a:t>
-            </a:r>
-            <a:r>
-              <a:rPr lang="en-US" altLang="zh-CN" dirty="0">
-                <a:latin typeface="Roboto" charset="0"/>
-                <a:hlinkClick r:id="rId6"/>
-              </a:rPr>
-              <a:t>ViewChildren</a:t>
-            </a:r>
-            <a:r>
-              <a:rPr lang="zh-CN" altLang="en-US" dirty="0">
-                <a:latin typeface="Roboto" charset="0"/>
-              </a:rPr>
-              <a:t>，这些子组件的元素标签会出现在该组件的模板</a:t>
-            </a:r>
-            <a:r>
-              <a:rPr lang="zh-CN" altLang="en-US" b="1" dirty="0">
-                <a:latin typeface="Roboto" charset="0"/>
-              </a:rPr>
-              <a:t>里面</a:t>
-            </a:r>
-            <a:r>
-              <a:rPr lang="zh-CN" altLang="en-US" dirty="0">
-                <a:latin typeface="Roboto" charset="0"/>
-              </a:rPr>
+            <a:r>
+              <a:rPr lang="zh-CN" altLang="en-US" dirty="0"/>
+              <a:t>模板绑定是通过 </a:t>
+            </a:r>
+            <a:r>
+              <a:rPr lang="en-US" altLang="zh-CN" b="1" dirty="0"/>
+              <a:t>property</a:t>
+            </a:r>
+            <a:r>
+              <a:rPr lang="zh-CN" altLang="en-US" dirty="0"/>
+              <a:t> 和</a:t>
+            </a:r>
+            <a:r>
+              <a:rPr lang="zh-CN" altLang="en-US" b="1" dirty="0"/>
+              <a:t>事件</a:t>
+            </a:r>
+            <a:r>
+              <a:rPr lang="zh-CN" altLang="en-US" dirty="0"/>
+              <a:t>来工作的，而不是 </a:t>
+            </a:r>
+            <a:r>
+              <a:rPr lang="en-US" altLang="zh-CN" b="1" dirty="0"/>
+              <a:t>attribute</a:t>
+            </a:r>
+            <a:r>
+              <a:rPr lang="zh-CN" altLang="en-US" dirty="0"/>
               <a:t>。</a:t>
             </a:r>
-          </a:p>
-          <a:p>
-            <a:pPr>
-              <a:buFont typeface="Arial" charset="0"/>
-              <a:buChar char="•"/>
-            </a:pPr>
-            <a:r>
-              <a:rPr lang="en-US" altLang="zh-CN" b="1" dirty="0" err="1">
-                <a:latin typeface="Roboto" charset="0"/>
-              </a:rPr>
-              <a:t>AfterContent</a:t>
-            </a:r>
-            <a:r>
-              <a:rPr lang="zh-CN" altLang="en-US" dirty="0">
-                <a:latin typeface="Roboto" charset="0"/>
-              </a:rPr>
-              <a:t> </a:t>
-            </a:r>
-            <a:r>
-              <a:rPr lang="zh-CN" altLang="en-US" dirty="0" smtClean="0">
-                <a:latin typeface="Roboto" charset="0"/>
-              </a:rPr>
-              <a:t>所</a:t>
-            </a:r>
-            <a:r>
-              <a:rPr lang="zh-CN" altLang="en-US" dirty="0">
-                <a:latin typeface="Roboto" charset="0"/>
-              </a:rPr>
-              <a:t>关心的是 </a:t>
-            </a:r>
-            <a:r>
-              <a:rPr lang="en-US" altLang="zh-CN" dirty="0">
-                <a:latin typeface="Roboto" charset="0"/>
-                <a:hlinkClick r:id="rId7"/>
-              </a:rPr>
-              <a:t>ContentChildren</a:t>
-            </a:r>
-            <a:r>
-              <a:rPr lang="zh-CN" altLang="en-US" dirty="0">
-                <a:latin typeface="Roboto" charset="0"/>
-              </a:rPr>
-              <a:t>，这些子组件被 </a:t>
-            </a:r>
-            <a:r>
-              <a:rPr lang="en-US" altLang="zh-CN" dirty="0">
-                <a:latin typeface="Roboto" charset="0"/>
-              </a:rPr>
-              <a:t>Angular </a:t>
-            </a:r>
-            <a:r>
-              <a:rPr lang="zh-CN" altLang="en-US" dirty="0">
-                <a:latin typeface="Roboto" charset="0"/>
-              </a:rPr>
-              <a:t>投影进该组件中。</a:t>
-            </a:r>
-            <a:endParaRPr lang="zh-CN" altLang="en-US" b="0" i="0" dirty="0">
-              <a:effectLst/>
-              <a:latin typeface="Roboto" charset="0"/>
-            </a:endParaRPr>
-          </a:p>
-        </p:txBody>
-      </p:sp>
-      <p:sp>
-        <p:nvSpPr>
-          <p:cNvPr id="22" name="矩形 21"/>
-          <p:cNvSpPr/>
-          <p:nvPr/>
-        </p:nvSpPr>
-        <p:spPr>
-          <a:xfrm>
-            <a:off x="1858214" y="6338158"/>
-            <a:ext cx="4968155" cy="369332"/>
-          </a:xfrm>
-          <a:prstGeom prst="rect">
-            <a:avLst/>
-          </a:prstGeom>
-        </p:spPr>
-        <p:txBody>
-          <a:bodyPr wrap="none">
-            <a:spAutoFit/>
-          </a:bodyPr>
-          <a:lstStyle/>
-          <a:p>
-            <a:r>
-              <a:rPr lang="zh-CN" altLang="en-US" dirty="0">
-                <a:latin typeface="Roboto" charset="0"/>
-              </a:rPr>
-              <a:t>使用 </a:t>
-            </a:r>
-            <a:r>
-              <a:rPr lang="en-US" altLang="zh-CN" dirty="0" err="1">
-                <a:latin typeface="Roboto" charset="0"/>
-              </a:rPr>
-              <a:t>AfterContent</a:t>
-            </a:r>
-            <a:r>
-              <a:rPr lang="en-US" altLang="zh-CN" dirty="0">
-                <a:latin typeface="Roboto" charset="0"/>
-              </a:rPr>
-              <a:t> </a:t>
-            </a:r>
-            <a:r>
-              <a:rPr lang="zh-CN" altLang="en-US" dirty="0">
-                <a:latin typeface="Roboto" charset="0"/>
-              </a:rPr>
-              <a:t>时，无需担心单向数据流规则</a:t>
-            </a:r>
-            <a:endParaRPr lang="zh-CN" altLang="en-US" b="0" i="0" dirty="0">
-              <a:effectLst/>
-              <a:latin typeface="Roboto" charset="0"/>
-            </a:endParaRPr>
           </a:p>
         </p:txBody>
       </p:sp>
     </p:spTree>
     <p:extLst>
       <p:ext uri="{BB962C8B-B14F-4D97-AF65-F5344CB8AC3E}">
-        <p14:creationId xmlns:p14="http://schemas.microsoft.com/office/powerpoint/2010/main" val="1354444749"/>
+        <p14:creationId xmlns:p14="http://schemas.microsoft.com/office/powerpoint/2010/main" val="1230455625"/>
       </p:ext>
     </p:extLst>
   </p:cSld>
@@ -5054,6 +4375,1477 @@
       </p:grpSpPr>
       <p:sp>
         <p:nvSpPr>
+          <p:cNvPr id="7" name="AutoShape 2" descr="https://wx2.qq.com/cgi-bin/mmwebwx-bin/webwxgetmsgimg?&amp;MsgID=3143122728154941177&amp;skey=%40crypt_37a45a30_a1f760e2ba102232eee5cec6e1ee7648"/>
+          <p:cNvSpPr>
+            <a:spLocks noChangeAspect="1" noChangeArrowheads="1"/>
+          </p:cNvSpPr>
+          <p:nvPr/>
+        </p:nvSpPr>
+        <p:spPr bwMode="auto">
+          <a:xfrm>
+            <a:off x="0" y="0"/>
+            <a:ext cx="3900488" cy="3900488"/>
+          </a:xfrm>
+          <a:prstGeom prst="rect">
+            <a:avLst/>
+          </a:prstGeom>
+          <a:noFill/>
+          <a:extLst>
+            <a:ext uri="{909E8E84-426E-40DD-AFC4-6F175D3DCCD1}">
+              <a14:hiddenFill xmlns:a14="http://schemas.microsoft.com/office/drawing/2010/main">
+                <a:solidFill>
+                  <a:srgbClr val="FFFFFF"/>
+                </a:solidFill>
+              </a14:hiddenFill>
+            </a:ext>
+          </a:extLst>
+        </p:spPr>
+        <p:txBody>
+          <a:bodyPr vert="horz" wrap="square" lIns="91440" tIns="45720" rIns="91440" bIns="45720" numCol="1" anchor="t" anchorCtr="0" compatLnSpc="1">
+            <a:prstTxWarp prst="textNoShape">
+              <a:avLst/>
+            </a:prstTxWarp>
+          </a:bodyPr>
+          <a:lstStyle/>
+          <a:p>
+            <a:endParaRPr lang="zh-CN" altLang="en-US"/>
+          </a:p>
+        </p:txBody>
+      </p:sp>
+      <p:pic>
+        <p:nvPicPr>
+          <p:cNvPr id="10" name="图片 9"/>
+          <p:cNvPicPr>
+            <a:picLocks noChangeAspect="1"/>
+          </p:cNvPicPr>
+          <p:nvPr/>
+        </p:nvPicPr>
+        <p:blipFill>
+          <a:blip r:embed="rId2">
+            <a:extLst>
+              <a:ext uri="{28A0092B-C50C-407E-A947-70E740481C1C}">
+                <a14:useLocalDpi xmlns:a14="http://schemas.microsoft.com/office/drawing/2010/main" val="0"/>
+              </a:ext>
+            </a:extLst>
+          </a:blip>
+          <a:stretch>
+            <a:fillRect/>
+          </a:stretch>
+        </p:blipFill>
+        <p:spPr>
+          <a:xfrm>
+            <a:off x="800101" y="559276"/>
+            <a:ext cx="10448558" cy="5884387"/>
+          </a:xfrm>
+          <a:prstGeom prst="rect">
+            <a:avLst/>
+          </a:prstGeom>
+        </p:spPr>
+      </p:pic>
+    </p:spTree>
+    <p:extLst>
+      <p:ext uri="{BB962C8B-B14F-4D97-AF65-F5344CB8AC3E}">
+        <p14:creationId xmlns:p14="http://schemas.microsoft.com/office/powerpoint/2010/main" val="4041576950"/>
+      </p:ext>
+    </p:extLst>
+  </p:cSld>
+  <p:clrMapOvr>
+    <a:masterClrMapping/>
+  </p:clrMapOvr>
+</p:sld>
+</file>
+
+<file path=ppt/slides/slide14.xml><?xml version="1.0" encoding="utf-8"?>
+<p:sld xmlns:a="http://schemas.openxmlformats.org/drawingml/2006/main" xmlns:r="http://schemas.openxmlformats.org/officeDocument/2006/relationships" xmlns:p="http://schemas.openxmlformats.org/presentationml/2006/main">
+  <p:cSld>
+    <p:spTree>
+      <p:nvGrpSpPr>
+        <p:cNvPr id="1" name=""/>
+        <p:cNvGrpSpPr/>
+        <p:nvPr/>
+      </p:nvGrpSpPr>
+      <p:grpSpPr>
+        <a:xfrm>
+          <a:off x="0" y="0"/>
+          <a:ext cx="0" cy="0"/>
+          <a:chOff x="0" y="0"/>
+          <a:chExt cx="0" cy="0"/>
+        </a:xfrm>
+      </p:grpSpPr>
+      <p:sp>
+        <p:nvSpPr>
+          <p:cNvPr id="2" name="矩形 1"/>
+          <p:cNvSpPr/>
+          <p:nvPr/>
+        </p:nvSpPr>
+        <p:spPr>
+          <a:xfrm>
+            <a:off x="4308463" y="440411"/>
+            <a:ext cx="3570208" cy="769441"/>
+          </a:xfrm>
+          <a:prstGeom prst="rect">
+            <a:avLst/>
+          </a:prstGeom>
+        </p:spPr>
+        <p:txBody>
+          <a:bodyPr wrap="none">
+            <a:spAutoFit/>
+          </a:bodyPr>
+          <a:lstStyle/>
+          <a:p>
+            <a:r>
+              <a:rPr lang="zh-CN" altLang="en-US" sz="4400" dirty="0" smtClean="0"/>
+              <a:t>生命周期钩子</a:t>
+            </a:r>
+            <a:endParaRPr lang="zh-CN" altLang="en-US" sz="4400" dirty="0"/>
+          </a:p>
+        </p:txBody>
+      </p:sp>
+      <p:sp>
+        <p:nvSpPr>
+          <p:cNvPr id="5" name="矩形 4"/>
+          <p:cNvSpPr/>
+          <p:nvPr/>
+        </p:nvSpPr>
+        <p:spPr>
+          <a:xfrm>
+            <a:off x="1851263" y="1209852"/>
+            <a:ext cx="1005403" cy="369332"/>
+          </a:xfrm>
+          <a:prstGeom prst="rect">
+            <a:avLst/>
+          </a:prstGeom>
+        </p:spPr>
+        <p:txBody>
+          <a:bodyPr wrap="none">
+            <a:spAutoFit/>
+          </a:bodyPr>
+          <a:lstStyle/>
+          <a:p>
+            <a:r>
+              <a:rPr lang="en-US" altLang="zh-CN" b="1" dirty="0" err="1">
+                <a:latin typeface="Roboto" panose="02000000000000000000" pitchFamily="2" charset="0"/>
+              </a:rPr>
+              <a:t>OnInit</a:t>
+            </a:r>
+            <a:r>
+              <a:rPr lang="en-US" altLang="zh-CN" b="1" dirty="0" smtClean="0">
+                <a:latin typeface="Roboto" panose="02000000000000000000" pitchFamily="2" charset="0"/>
+              </a:rPr>
+              <a:t>()</a:t>
+            </a:r>
+            <a:endParaRPr lang="zh-CN" altLang="en-US" b="0" i="0" dirty="0">
+              <a:effectLst/>
+              <a:latin typeface="Roboto" panose="02000000000000000000" pitchFamily="2" charset="0"/>
+            </a:endParaRPr>
+          </a:p>
+        </p:txBody>
+      </p:sp>
+      <p:sp>
+        <p:nvSpPr>
+          <p:cNvPr id="6" name="矩形 5"/>
+          <p:cNvSpPr/>
+          <p:nvPr/>
+        </p:nvSpPr>
+        <p:spPr>
+          <a:xfrm>
+            <a:off x="2551134" y="1690394"/>
+            <a:ext cx="6096000" cy="646331"/>
+          </a:xfrm>
+          <a:prstGeom prst="rect">
+            <a:avLst/>
+          </a:prstGeom>
+        </p:spPr>
+        <p:txBody>
+          <a:bodyPr>
+            <a:spAutoFit/>
+          </a:bodyPr>
+          <a:lstStyle/>
+          <a:p>
+            <a:pPr>
+              <a:buFont typeface="+mj-lt"/>
+              <a:buAutoNum type="arabicPeriod"/>
+            </a:pPr>
+            <a:r>
+              <a:rPr lang="zh-CN" altLang="en-US" dirty="0">
+                <a:latin typeface="Roboto" panose="02000000000000000000" pitchFamily="2" charset="0"/>
+              </a:rPr>
+              <a:t>在构造函数之后马上执行复杂的初始化逻辑</a:t>
+            </a:r>
+          </a:p>
+          <a:p>
+            <a:pPr>
+              <a:buFont typeface="+mj-lt"/>
+              <a:buAutoNum type="arabicPeriod"/>
+            </a:pPr>
+            <a:r>
+              <a:rPr lang="zh-CN" altLang="en-US" dirty="0">
+                <a:latin typeface="Roboto" panose="02000000000000000000" pitchFamily="2" charset="0"/>
+              </a:rPr>
+              <a:t>在 </a:t>
+            </a:r>
+            <a:r>
+              <a:rPr lang="en-US" altLang="zh-CN" dirty="0">
+                <a:latin typeface="Roboto" panose="02000000000000000000" pitchFamily="2" charset="0"/>
+              </a:rPr>
+              <a:t>Angular </a:t>
+            </a:r>
+            <a:r>
+              <a:rPr lang="zh-CN" altLang="en-US" dirty="0">
+                <a:latin typeface="Roboto" panose="02000000000000000000" pitchFamily="2" charset="0"/>
+              </a:rPr>
+              <a:t>设置完输入属性之后，对该组件进行准备。</a:t>
+            </a:r>
+            <a:endParaRPr lang="zh-CN" altLang="en-US" b="0" i="0" dirty="0">
+              <a:effectLst/>
+              <a:latin typeface="Roboto" panose="02000000000000000000" pitchFamily="2" charset="0"/>
+            </a:endParaRPr>
+          </a:p>
+        </p:txBody>
+      </p:sp>
+      <p:sp>
+        <p:nvSpPr>
+          <p:cNvPr id="3" name="矩形 2"/>
+          <p:cNvSpPr/>
+          <p:nvPr/>
+        </p:nvSpPr>
+        <p:spPr>
+          <a:xfrm>
+            <a:off x="1851263" y="2817267"/>
+            <a:ext cx="1418017" cy="369332"/>
+          </a:xfrm>
+          <a:prstGeom prst="rect">
+            <a:avLst/>
+          </a:prstGeom>
+        </p:spPr>
+        <p:txBody>
+          <a:bodyPr wrap="none">
+            <a:spAutoFit/>
+          </a:bodyPr>
+          <a:lstStyle/>
+          <a:p>
+            <a:r>
+              <a:rPr lang="mr-IN" altLang="zh-CN" b="1" dirty="0" err="1">
+                <a:latin typeface="Roboto" charset="0"/>
+              </a:rPr>
+              <a:t>OnDestroy</a:t>
+            </a:r>
+            <a:r>
+              <a:rPr lang="mr-IN" altLang="zh-CN" b="1" dirty="0" smtClean="0">
+                <a:latin typeface="Roboto" charset="0"/>
+              </a:rPr>
+              <a:t>()</a:t>
+            </a:r>
+            <a:endParaRPr lang="mr-IN" altLang="zh-CN" b="0" i="0" dirty="0">
+              <a:effectLst/>
+              <a:latin typeface="Roboto" charset="0"/>
+            </a:endParaRPr>
+          </a:p>
+        </p:txBody>
+      </p:sp>
+      <p:sp>
+        <p:nvSpPr>
+          <p:cNvPr id="4" name="矩形 3"/>
+          <p:cNvSpPr/>
+          <p:nvPr/>
+        </p:nvSpPr>
+        <p:spPr>
+          <a:xfrm>
+            <a:off x="2551134" y="2447935"/>
+            <a:ext cx="3967753" cy="369332"/>
+          </a:xfrm>
+          <a:prstGeom prst="rect">
+            <a:avLst/>
+          </a:prstGeom>
+        </p:spPr>
+        <p:txBody>
+          <a:bodyPr wrap="none">
+            <a:spAutoFit/>
+          </a:bodyPr>
+          <a:lstStyle/>
+          <a:p>
+            <a:r>
+              <a:rPr lang="zh-CN" altLang="en-US" dirty="0" smtClean="0">
+                <a:latin typeface="Roboto" charset="0"/>
+              </a:rPr>
+              <a:t>这里</a:t>
+            </a:r>
+            <a:r>
+              <a:rPr lang="zh-CN" altLang="en-US" dirty="0">
+                <a:latin typeface="Roboto" charset="0"/>
+              </a:rPr>
+              <a:t>是放置复杂</a:t>
+            </a:r>
+            <a:r>
+              <a:rPr lang="zh-CN" altLang="en-US" dirty="0">
+                <a:solidFill>
+                  <a:srgbClr val="FF0000"/>
+                </a:solidFill>
+                <a:latin typeface="Roboto" charset="0"/>
+              </a:rPr>
+              <a:t>初始化逻辑</a:t>
+            </a:r>
+            <a:r>
+              <a:rPr lang="zh-CN" altLang="en-US" dirty="0">
+                <a:latin typeface="Roboto" charset="0"/>
+              </a:rPr>
+              <a:t>的好地方</a:t>
+            </a:r>
+            <a:endParaRPr lang="zh-CN" altLang="en-US" dirty="0"/>
+          </a:p>
+        </p:txBody>
+      </p:sp>
+      <p:sp>
+        <p:nvSpPr>
+          <p:cNvPr id="7" name="矩形 6"/>
+          <p:cNvSpPr/>
+          <p:nvPr/>
+        </p:nvSpPr>
+        <p:spPr>
+          <a:xfrm>
+            <a:off x="2662237" y="3409019"/>
+            <a:ext cx="9196388" cy="369332"/>
+          </a:xfrm>
+          <a:prstGeom prst="rect">
+            <a:avLst/>
+          </a:prstGeom>
+        </p:spPr>
+        <p:txBody>
+          <a:bodyPr wrap="square">
+            <a:spAutoFit/>
+          </a:bodyPr>
+          <a:lstStyle/>
+          <a:p>
+            <a:r>
+              <a:rPr lang="zh-CN" altLang="en-US" dirty="0">
+                <a:latin typeface="Roboto" charset="0"/>
+              </a:rPr>
+              <a:t>一些清理逻辑</a:t>
+            </a:r>
+            <a:r>
+              <a:rPr lang="zh-CN" altLang="en-US" b="1" dirty="0">
+                <a:latin typeface="Roboto" charset="0"/>
+              </a:rPr>
+              <a:t>必须</a:t>
+            </a:r>
+            <a:r>
+              <a:rPr lang="zh-CN" altLang="en-US" dirty="0">
+                <a:latin typeface="Roboto" charset="0"/>
+              </a:rPr>
+              <a:t>在 </a:t>
+            </a:r>
+            <a:r>
+              <a:rPr lang="en-US" altLang="zh-CN" dirty="0">
+                <a:latin typeface="Roboto" charset="0"/>
+              </a:rPr>
+              <a:t>Angular </a:t>
+            </a:r>
+            <a:r>
+              <a:rPr lang="zh-CN" altLang="en-US" dirty="0">
+                <a:latin typeface="Roboto" charset="0"/>
+              </a:rPr>
+              <a:t>销毁指令之前运行，把它们放在 </a:t>
+            </a:r>
+            <a:r>
+              <a:rPr lang="en-US" altLang="zh-CN" dirty="0" err="1"/>
+              <a:t>ngOnDestroy</a:t>
+            </a:r>
+            <a:r>
+              <a:rPr lang="en-US" altLang="zh-CN" dirty="0"/>
+              <a:t>()</a:t>
+            </a:r>
+            <a:r>
+              <a:rPr lang="zh-CN" altLang="en-US" dirty="0">
+                <a:latin typeface="Roboto" charset="0"/>
+              </a:rPr>
+              <a:t> 中。</a:t>
+            </a:r>
+            <a:endParaRPr lang="zh-CN" altLang="en-US" dirty="0"/>
+          </a:p>
+        </p:txBody>
+      </p:sp>
+      <p:sp>
+        <p:nvSpPr>
+          <p:cNvPr id="8" name="矩形 7"/>
+          <p:cNvSpPr/>
+          <p:nvPr/>
+        </p:nvSpPr>
+        <p:spPr>
+          <a:xfrm>
+            <a:off x="1898103" y="4240016"/>
+            <a:ext cx="1608133" cy="369332"/>
+          </a:xfrm>
+          <a:prstGeom prst="rect">
+            <a:avLst/>
+          </a:prstGeom>
+        </p:spPr>
+        <p:txBody>
+          <a:bodyPr wrap="none">
+            <a:spAutoFit/>
+          </a:bodyPr>
+          <a:lstStyle/>
+          <a:p>
+            <a:r>
+              <a:rPr lang="mr-IN" altLang="zh-CN" b="1" dirty="0" err="1">
+                <a:latin typeface="Roboto" charset="0"/>
+              </a:rPr>
+              <a:t>OnChanges</a:t>
+            </a:r>
+            <a:r>
+              <a:rPr lang="mr-IN" altLang="zh-CN" b="1" dirty="0">
+                <a:latin typeface="Roboto" charset="0"/>
+              </a:rPr>
+              <a:t>()</a:t>
+            </a:r>
+            <a:r>
+              <a:rPr lang="mr-IN" altLang="zh-CN" dirty="0">
+                <a:latin typeface="Roboto" charset="0"/>
+              </a:rPr>
+              <a:t> </a:t>
+            </a:r>
+            <a:endParaRPr lang="mr-IN" altLang="zh-CN" b="0" i="0" dirty="0">
+              <a:effectLst/>
+              <a:latin typeface="Roboto" charset="0"/>
+            </a:endParaRPr>
+          </a:p>
+        </p:txBody>
+      </p:sp>
+      <p:sp>
+        <p:nvSpPr>
+          <p:cNvPr id="9" name="矩形 8"/>
+          <p:cNvSpPr/>
+          <p:nvPr/>
+        </p:nvSpPr>
+        <p:spPr>
+          <a:xfrm>
+            <a:off x="2551134" y="4647102"/>
+            <a:ext cx="9507516" cy="646331"/>
+          </a:xfrm>
+          <a:prstGeom prst="rect">
+            <a:avLst/>
+          </a:prstGeom>
+        </p:spPr>
+        <p:txBody>
+          <a:bodyPr wrap="square">
+            <a:spAutoFit/>
+          </a:bodyPr>
+          <a:lstStyle/>
+          <a:p>
+            <a:r>
+              <a:rPr lang="zh-CN" altLang="en-US" dirty="0">
+                <a:latin typeface="Roboto" charset="0"/>
+              </a:rPr>
+              <a:t>一旦检测到该组件</a:t>
+            </a:r>
+            <a:r>
+              <a:rPr lang="en-US" altLang="zh-CN" dirty="0">
+                <a:latin typeface="Roboto" charset="0"/>
+              </a:rPr>
+              <a:t>(</a:t>
+            </a:r>
+            <a:r>
+              <a:rPr lang="zh-CN" altLang="en-US" dirty="0">
+                <a:latin typeface="Roboto" charset="0"/>
+              </a:rPr>
+              <a:t>或指令</a:t>
+            </a:r>
+            <a:r>
+              <a:rPr lang="en-US" altLang="zh-CN" dirty="0">
+                <a:latin typeface="Roboto" charset="0"/>
+              </a:rPr>
+              <a:t>)</a:t>
+            </a:r>
+            <a:r>
+              <a:rPr lang="zh-CN" altLang="en-US" dirty="0">
+                <a:latin typeface="Roboto" charset="0"/>
+              </a:rPr>
+              <a:t>的</a:t>
+            </a:r>
+            <a:r>
+              <a:rPr lang="zh-CN" altLang="en-US" b="1" dirty="0">
+                <a:solidFill>
+                  <a:srgbClr val="FF0000"/>
+                </a:solidFill>
+                <a:latin typeface="Roboto" charset="0"/>
+              </a:rPr>
+              <a:t>输入属性</a:t>
+            </a:r>
+            <a:r>
+              <a:rPr lang="zh-CN" altLang="en-US" dirty="0">
+                <a:latin typeface="Roboto" charset="0"/>
+              </a:rPr>
+              <a:t>发生了变化，</a:t>
+            </a:r>
+            <a:r>
+              <a:rPr lang="en-US" altLang="zh-CN" dirty="0">
+                <a:latin typeface="Roboto" charset="0"/>
+              </a:rPr>
+              <a:t>Angular </a:t>
+            </a:r>
+            <a:r>
+              <a:rPr lang="zh-CN" altLang="en-US" dirty="0">
+                <a:latin typeface="Roboto" charset="0"/>
+              </a:rPr>
+              <a:t>就会调用它的 </a:t>
+            </a:r>
+            <a:r>
+              <a:rPr lang="en-US" altLang="zh-CN" dirty="0" err="1"/>
+              <a:t>ngOnChanges</a:t>
+            </a:r>
+            <a:r>
+              <a:rPr lang="en-US" altLang="zh-CN" dirty="0"/>
+              <a:t>()</a:t>
+            </a:r>
+            <a:r>
+              <a:rPr lang="zh-CN" altLang="en-US" dirty="0">
+                <a:latin typeface="Roboto" charset="0"/>
+              </a:rPr>
+              <a:t> 方法。</a:t>
+            </a:r>
+            <a:endParaRPr lang="zh-CN" altLang="en-US" dirty="0"/>
+          </a:p>
+        </p:txBody>
+      </p:sp>
+      <p:sp>
+        <p:nvSpPr>
+          <p:cNvPr id="10" name="矩形 9"/>
+          <p:cNvSpPr/>
+          <p:nvPr/>
+        </p:nvSpPr>
+        <p:spPr>
+          <a:xfrm>
+            <a:off x="2506673" y="5478099"/>
+            <a:ext cx="9507516" cy="646331"/>
+          </a:xfrm>
+          <a:prstGeom prst="rect">
+            <a:avLst/>
+          </a:prstGeom>
+        </p:spPr>
+        <p:txBody>
+          <a:bodyPr wrap="square">
+            <a:spAutoFit/>
+          </a:bodyPr>
+          <a:lstStyle/>
+          <a:p>
+            <a:r>
+              <a:rPr lang="zh-CN" altLang="en-US" dirty="0" smtClean="0">
+                <a:latin typeface="Roboto" charset="0"/>
+              </a:rPr>
+              <a:t>如果输入属性是对象</a:t>
+            </a:r>
+            <a:r>
+              <a:rPr lang="en-US" altLang="zh-CN" dirty="0" smtClean="0">
+                <a:latin typeface="Roboto" charset="0"/>
+              </a:rPr>
+              <a:t>hero</a:t>
+            </a:r>
+            <a:r>
+              <a:rPr lang="zh-CN" altLang="en-US" dirty="0" smtClean="0">
+                <a:latin typeface="Roboto" charset="0"/>
+              </a:rPr>
+              <a:t>，当他的值</a:t>
+            </a:r>
+            <a:r>
+              <a:rPr lang="en-US" altLang="zh-CN" dirty="0" err="1" smtClean="0">
+                <a:latin typeface="Roboto" charset="0"/>
+              </a:rPr>
+              <a:t>hero.name</a:t>
+            </a:r>
+            <a:r>
+              <a:rPr lang="zh-CN" altLang="en-US" dirty="0" smtClean="0">
+                <a:latin typeface="Roboto" charset="0"/>
+              </a:rPr>
+              <a:t>发生变化时，不会被</a:t>
+            </a:r>
+            <a:r>
+              <a:rPr lang="en-US" altLang="zh-CN" dirty="0" err="1" smtClean="0">
+                <a:latin typeface="Roboto" charset="0"/>
+              </a:rPr>
+              <a:t>OnChanges</a:t>
+            </a:r>
+            <a:r>
+              <a:rPr lang="zh-CN" altLang="en-US" dirty="0" smtClean="0">
+                <a:latin typeface="Roboto" charset="0"/>
+              </a:rPr>
+              <a:t>捕捉到，因为</a:t>
+            </a:r>
+            <a:r>
+              <a:rPr lang="en-US" altLang="zh-CN" dirty="0" smtClean="0">
+                <a:latin typeface="Roboto" charset="0"/>
+              </a:rPr>
+              <a:t>hero</a:t>
+            </a:r>
+            <a:r>
+              <a:rPr lang="zh-CN" altLang="en-US" dirty="0" smtClean="0">
+                <a:latin typeface="Roboto" charset="0"/>
+              </a:rPr>
+              <a:t>的引用没有变化</a:t>
+            </a:r>
+            <a:endParaRPr lang="zh-CN" altLang="en-US" dirty="0"/>
+          </a:p>
+        </p:txBody>
+      </p:sp>
+    </p:spTree>
+    <p:extLst>
+      <p:ext uri="{BB962C8B-B14F-4D97-AF65-F5344CB8AC3E}">
+        <p14:creationId xmlns:p14="http://schemas.microsoft.com/office/powerpoint/2010/main" val="1912361220"/>
+      </p:ext>
+    </p:extLst>
+  </p:cSld>
+  <p:clrMapOvr>
+    <a:masterClrMapping/>
+  </p:clrMapOvr>
+</p:sld>
+</file>
+
+<file path=ppt/slides/slide15.xml><?xml version="1.0" encoding="utf-8"?>
+<p:sld xmlns:a="http://schemas.openxmlformats.org/drawingml/2006/main" xmlns:r="http://schemas.openxmlformats.org/officeDocument/2006/relationships" xmlns:p="http://schemas.openxmlformats.org/presentationml/2006/main">
+  <p:cSld>
+    <p:spTree>
+      <p:nvGrpSpPr>
+        <p:cNvPr id="1" name=""/>
+        <p:cNvGrpSpPr/>
+        <p:nvPr/>
+      </p:nvGrpSpPr>
+      <p:grpSpPr>
+        <a:xfrm>
+          <a:off x="0" y="0"/>
+          <a:ext cx="0" cy="0"/>
+          <a:chOff x="0" y="0"/>
+          <a:chExt cx="0" cy="0"/>
+        </a:xfrm>
+      </p:grpSpPr>
+      <p:sp>
+        <p:nvSpPr>
+          <p:cNvPr id="5" name="矩形 4"/>
+          <p:cNvSpPr/>
+          <p:nvPr/>
+        </p:nvSpPr>
+        <p:spPr>
+          <a:xfrm>
+            <a:off x="1851263" y="238295"/>
+            <a:ext cx="1181734" cy="369332"/>
+          </a:xfrm>
+          <a:prstGeom prst="rect">
+            <a:avLst/>
+          </a:prstGeom>
+        </p:spPr>
+        <p:txBody>
+          <a:bodyPr wrap="none">
+            <a:spAutoFit/>
+          </a:bodyPr>
+          <a:lstStyle/>
+          <a:p>
+            <a:r>
+              <a:rPr lang="mr-IN" altLang="zh-CN" b="1" dirty="0" err="1"/>
+              <a:t>DoCheck</a:t>
+            </a:r>
+            <a:r>
+              <a:rPr lang="mr-IN" altLang="zh-CN" b="1" dirty="0" smtClean="0"/>
+              <a:t>()</a:t>
+            </a:r>
+            <a:endParaRPr lang="mr-IN" altLang="zh-CN" dirty="0"/>
+          </a:p>
+        </p:txBody>
+      </p:sp>
+      <p:sp>
+        <p:nvSpPr>
+          <p:cNvPr id="3" name="矩形 2"/>
+          <p:cNvSpPr/>
+          <p:nvPr/>
+        </p:nvSpPr>
+        <p:spPr>
+          <a:xfrm>
+            <a:off x="1851263" y="1463331"/>
+            <a:ext cx="1355949" cy="369332"/>
+          </a:xfrm>
+          <a:prstGeom prst="rect">
+            <a:avLst/>
+          </a:prstGeom>
+        </p:spPr>
+        <p:txBody>
+          <a:bodyPr wrap="none">
+            <a:spAutoFit/>
+          </a:bodyPr>
+          <a:lstStyle/>
+          <a:p>
+            <a:r>
+              <a:rPr lang="en-US" altLang="zh-CN" b="1" dirty="0" err="1" smtClean="0">
+                <a:latin typeface="Roboto" charset="0"/>
+              </a:rPr>
+              <a:t>AfterView</a:t>
+            </a:r>
+            <a:r>
+              <a:rPr lang="en-US" altLang="zh-CN" dirty="0" smtClean="0">
+                <a:latin typeface="Roboto" charset="0"/>
+              </a:rPr>
+              <a:t>()</a:t>
+            </a:r>
+            <a:endParaRPr lang="en-US" altLang="zh-CN" b="1" dirty="0">
+              <a:latin typeface="Roboto" charset="0"/>
+            </a:endParaRPr>
+          </a:p>
+        </p:txBody>
+      </p:sp>
+      <p:sp>
+        <p:nvSpPr>
+          <p:cNvPr id="4" name="矩形 3"/>
+          <p:cNvSpPr/>
+          <p:nvPr/>
+        </p:nvSpPr>
+        <p:spPr>
+          <a:xfrm>
+            <a:off x="2479695" y="647695"/>
+            <a:ext cx="4326826" cy="369332"/>
+          </a:xfrm>
+          <a:prstGeom prst="rect">
+            <a:avLst/>
+          </a:prstGeom>
+        </p:spPr>
+        <p:txBody>
+          <a:bodyPr wrap="none">
+            <a:spAutoFit/>
+          </a:bodyPr>
+          <a:lstStyle/>
+          <a:p>
+            <a:r>
+              <a:rPr lang="zh-CN" altLang="en-US" dirty="0" smtClean="0">
+                <a:latin typeface="Roboto" charset="0"/>
+              </a:rPr>
+              <a:t>可以检测到 </a:t>
+            </a:r>
+            <a:r>
+              <a:rPr lang="en-US" altLang="zh-CN" dirty="0" err="1" smtClean="0">
+                <a:latin typeface="Roboto" charset="0"/>
+              </a:rPr>
+              <a:t>hero.name</a:t>
+            </a:r>
+            <a:r>
+              <a:rPr lang="en-US" altLang="zh-CN" dirty="0" smtClean="0">
+                <a:latin typeface="Roboto" charset="0"/>
+              </a:rPr>
+              <a:t> </a:t>
+            </a:r>
+            <a:r>
+              <a:rPr lang="zh-CN" altLang="en-US" dirty="0" smtClean="0">
+                <a:latin typeface="Roboto" charset="0"/>
+              </a:rPr>
+              <a:t>的变化 （见官网）</a:t>
+            </a:r>
+            <a:endParaRPr lang="zh-CN" altLang="en-US" dirty="0"/>
+          </a:p>
+        </p:txBody>
+      </p:sp>
+      <p:sp>
+        <p:nvSpPr>
+          <p:cNvPr id="8" name="矩形 7"/>
+          <p:cNvSpPr/>
+          <p:nvPr/>
+        </p:nvSpPr>
+        <p:spPr>
+          <a:xfrm>
+            <a:off x="2514949" y="2446739"/>
+            <a:ext cx="2262158" cy="369332"/>
+          </a:xfrm>
+          <a:prstGeom prst="rect">
+            <a:avLst/>
+          </a:prstGeom>
+        </p:spPr>
+        <p:txBody>
+          <a:bodyPr wrap="none">
+            <a:spAutoFit/>
+          </a:bodyPr>
+          <a:lstStyle/>
+          <a:p>
+            <a:r>
+              <a:rPr lang="zh-CN" altLang="en-US">
+                <a:latin typeface="Roboto" charset="0"/>
+              </a:rPr>
+              <a:t>遵循单向数据流规则</a:t>
+            </a:r>
+          </a:p>
+        </p:txBody>
+      </p:sp>
+      <p:sp>
+        <p:nvSpPr>
+          <p:cNvPr id="11" name="矩形 10"/>
+          <p:cNvSpPr/>
+          <p:nvPr/>
+        </p:nvSpPr>
+        <p:spPr>
+          <a:xfrm>
+            <a:off x="2488832" y="1037920"/>
+            <a:ext cx="3166251" cy="369332"/>
+          </a:xfrm>
+          <a:prstGeom prst="rect">
+            <a:avLst/>
+          </a:prstGeom>
+        </p:spPr>
+        <p:txBody>
+          <a:bodyPr wrap="none">
+            <a:spAutoFit/>
+          </a:bodyPr>
+          <a:lstStyle/>
+          <a:p>
+            <a:r>
+              <a:rPr lang="zh-CN" altLang="en-US" dirty="0" smtClean="0">
+                <a:latin typeface="Roboto" charset="0"/>
+              </a:rPr>
+              <a:t>出发非常频繁，需要小心使用</a:t>
+            </a:r>
+            <a:endParaRPr lang="zh-CN" altLang="en-US" dirty="0"/>
+          </a:p>
+        </p:txBody>
+      </p:sp>
+      <p:sp>
+        <p:nvSpPr>
+          <p:cNvPr id="14" name="矩形 13"/>
+          <p:cNvSpPr/>
+          <p:nvPr/>
+        </p:nvSpPr>
+        <p:spPr>
+          <a:xfrm>
+            <a:off x="2435235" y="1961652"/>
+            <a:ext cx="9739313" cy="369332"/>
+          </a:xfrm>
+          <a:prstGeom prst="rect">
+            <a:avLst/>
+          </a:prstGeom>
+        </p:spPr>
+        <p:txBody>
+          <a:bodyPr wrap="square">
+            <a:spAutoFit/>
+          </a:bodyPr>
+          <a:lstStyle/>
+          <a:p>
+            <a:r>
+              <a:rPr lang="zh-CN" altLang="en-US" dirty="0">
+                <a:latin typeface="Roboto" charset="0"/>
+              </a:rPr>
+              <a:t> </a:t>
+            </a:r>
+            <a:r>
+              <a:rPr lang="en-US" altLang="zh-CN" dirty="0">
+                <a:hlinkClick r:id="rId2"/>
+              </a:rPr>
+              <a:t>AfterViewInit</a:t>
+            </a:r>
+            <a:r>
+              <a:rPr lang="en-US" altLang="zh-CN" dirty="0"/>
+              <a:t>()</a:t>
+            </a:r>
+            <a:r>
+              <a:rPr lang="zh-CN" altLang="en-US" dirty="0">
+                <a:latin typeface="Roboto" charset="0"/>
+              </a:rPr>
+              <a:t> 和 </a:t>
+            </a:r>
+            <a:r>
+              <a:rPr lang="en-US" altLang="zh-CN" dirty="0">
+                <a:hlinkClick r:id="rId3"/>
+              </a:rPr>
+              <a:t>AfterViewChecked</a:t>
+            </a:r>
+            <a:r>
+              <a:rPr lang="en-US" altLang="zh-CN" dirty="0"/>
+              <a:t>()</a:t>
+            </a:r>
+            <a:r>
+              <a:rPr lang="zh-CN" altLang="en-US" dirty="0">
+                <a:latin typeface="Roboto" charset="0"/>
+              </a:rPr>
+              <a:t> 钩子，</a:t>
+            </a:r>
+            <a:r>
+              <a:rPr lang="en-US" altLang="zh-CN" dirty="0">
+                <a:latin typeface="Roboto" charset="0"/>
+              </a:rPr>
+              <a:t>Angular </a:t>
+            </a:r>
+            <a:r>
+              <a:rPr lang="zh-CN" altLang="en-US" dirty="0">
+                <a:latin typeface="Roboto" charset="0"/>
+              </a:rPr>
+              <a:t>会在每次创建了组件的子视图后调用它们</a:t>
+            </a:r>
+            <a:endParaRPr lang="zh-CN" altLang="en-US" dirty="0"/>
+          </a:p>
+        </p:txBody>
+      </p:sp>
+      <p:sp>
+        <p:nvSpPr>
+          <p:cNvPr id="15" name="矩形 14"/>
+          <p:cNvSpPr/>
+          <p:nvPr/>
+        </p:nvSpPr>
+        <p:spPr>
+          <a:xfrm>
+            <a:off x="3207211" y="2888945"/>
+            <a:ext cx="8722851" cy="646331"/>
+          </a:xfrm>
+          <a:prstGeom prst="rect">
+            <a:avLst/>
+          </a:prstGeom>
+        </p:spPr>
+        <p:txBody>
+          <a:bodyPr wrap="square">
+            <a:spAutoFit/>
+          </a:bodyPr>
+          <a:lstStyle/>
+          <a:p>
+            <a:r>
+              <a:rPr lang="en-US" altLang="zh-CN" dirty="0">
+                <a:latin typeface="Roboto" charset="0"/>
+              </a:rPr>
+              <a:t>Angular </a:t>
+            </a:r>
+            <a:r>
+              <a:rPr lang="zh-CN" altLang="en-US" dirty="0">
+                <a:latin typeface="Roboto" charset="0"/>
+              </a:rPr>
+              <a:t>的“单向数据流”规则</a:t>
+            </a:r>
+            <a:r>
+              <a:rPr lang="zh-CN" altLang="en-US" dirty="0">
+                <a:solidFill>
+                  <a:srgbClr val="FF0000"/>
+                </a:solidFill>
+                <a:latin typeface="Roboto" charset="0"/>
+              </a:rPr>
+              <a:t>禁止在一个视图已经被组合好</a:t>
+            </a:r>
+            <a:r>
+              <a:rPr lang="zh-CN" altLang="en-US" b="1" dirty="0">
+                <a:solidFill>
+                  <a:srgbClr val="FF0000"/>
+                </a:solidFill>
+                <a:latin typeface="Roboto" charset="0"/>
+              </a:rPr>
+              <a:t>之后</a:t>
+            </a:r>
+            <a:r>
+              <a:rPr lang="zh-CN" altLang="en-US" dirty="0">
+                <a:solidFill>
+                  <a:srgbClr val="FF0000"/>
+                </a:solidFill>
+                <a:latin typeface="Roboto" charset="0"/>
+              </a:rPr>
+              <a:t>再更新视图</a:t>
+            </a:r>
+            <a:r>
+              <a:rPr lang="zh-CN" altLang="en-US" dirty="0">
+                <a:latin typeface="Roboto" charset="0"/>
+              </a:rPr>
+              <a:t>。 而这两个钩子都是在组件的视图已经被组合好之后触发的。</a:t>
+            </a:r>
+            <a:endParaRPr lang="zh-CN" altLang="en-US" dirty="0"/>
+          </a:p>
+        </p:txBody>
+      </p:sp>
+      <p:sp>
+        <p:nvSpPr>
+          <p:cNvPr id="16" name="矩形 15"/>
+          <p:cNvSpPr/>
+          <p:nvPr/>
+        </p:nvSpPr>
+        <p:spPr>
+          <a:xfrm>
+            <a:off x="1851263" y="3508137"/>
+            <a:ext cx="1659429" cy="369332"/>
+          </a:xfrm>
+          <a:prstGeom prst="rect">
+            <a:avLst/>
+          </a:prstGeom>
+        </p:spPr>
+        <p:txBody>
+          <a:bodyPr wrap="none">
+            <a:spAutoFit/>
+          </a:bodyPr>
+          <a:lstStyle/>
+          <a:p>
+            <a:r>
+              <a:rPr lang="en-US" altLang="zh-CN" b="1" dirty="0" err="1" smtClean="0">
+                <a:latin typeface="Roboto" charset="0"/>
+              </a:rPr>
+              <a:t>AfterContent</a:t>
+            </a:r>
+            <a:r>
+              <a:rPr lang="en-US" altLang="zh-CN" b="1" dirty="0" smtClean="0">
+                <a:latin typeface="Roboto" charset="0"/>
+              </a:rPr>
+              <a:t>()</a:t>
+            </a:r>
+            <a:endParaRPr lang="en-US" altLang="zh-CN" b="1" dirty="0">
+              <a:latin typeface="Roboto" charset="0"/>
+            </a:endParaRPr>
+          </a:p>
+        </p:txBody>
+      </p:sp>
+      <p:sp>
+        <p:nvSpPr>
+          <p:cNvPr id="17" name="矩形 16"/>
+          <p:cNvSpPr/>
+          <p:nvPr/>
+        </p:nvSpPr>
+        <p:spPr>
+          <a:xfrm>
+            <a:off x="2607082" y="3993224"/>
+            <a:ext cx="9322980" cy="369332"/>
+          </a:xfrm>
+          <a:prstGeom prst="rect">
+            <a:avLst/>
+          </a:prstGeom>
+        </p:spPr>
+        <p:txBody>
+          <a:bodyPr wrap="square">
+            <a:spAutoFit/>
+          </a:bodyPr>
+          <a:lstStyle/>
+          <a:p>
+            <a:r>
+              <a:rPr lang="en-US" altLang="zh-CN" dirty="0">
+                <a:hlinkClick r:id="rId4"/>
+              </a:rPr>
+              <a:t>AfterContentInit</a:t>
+            </a:r>
+            <a:r>
+              <a:rPr lang="en-US" altLang="zh-CN" dirty="0"/>
+              <a:t>()</a:t>
+            </a:r>
+            <a:r>
+              <a:rPr lang="zh-CN" altLang="en-US" dirty="0">
+                <a:latin typeface="Roboto" charset="0"/>
+              </a:rPr>
+              <a:t> 和 </a:t>
+            </a:r>
+            <a:r>
+              <a:rPr lang="en-US" altLang="zh-CN" dirty="0">
+                <a:hlinkClick r:id="rId5"/>
+              </a:rPr>
+              <a:t>AfterContentChecked</a:t>
+            </a:r>
+            <a:r>
+              <a:rPr lang="en-US" altLang="zh-CN" dirty="0"/>
+              <a:t>()</a:t>
+            </a:r>
+            <a:r>
+              <a:rPr lang="zh-CN" altLang="en-US" dirty="0">
+                <a:latin typeface="Roboto" charset="0"/>
+              </a:rPr>
+              <a:t> 钩子</a:t>
+            </a:r>
+            <a:r>
+              <a:rPr lang="zh-CN" altLang="en-US" dirty="0" smtClean="0">
+                <a:latin typeface="Roboto" charset="0"/>
+              </a:rPr>
+              <a:t>，在</a:t>
+            </a:r>
+            <a:r>
+              <a:rPr lang="zh-CN" altLang="en-US" dirty="0">
+                <a:latin typeface="Roboto" charset="0"/>
+              </a:rPr>
+              <a:t>外来内容被投影到组件中</a:t>
+            </a:r>
+            <a:r>
+              <a:rPr lang="zh-CN" altLang="en-US" b="1" dirty="0">
+                <a:latin typeface="Roboto" charset="0"/>
+              </a:rPr>
+              <a:t>之后</a:t>
+            </a:r>
+            <a:r>
+              <a:rPr lang="zh-CN" altLang="en-US" dirty="0">
+                <a:latin typeface="Roboto" charset="0"/>
+              </a:rPr>
+              <a:t>调用它们。</a:t>
+            </a:r>
+            <a:endParaRPr lang="zh-CN" altLang="en-US" dirty="0"/>
+          </a:p>
+        </p:txBody>
+      </p:sp>
+      <p:sp>
+        <p:nvSpPr>
+          <p:cNvPr id="18" name="矩形 17"/>
+          <p:cNvSpPr/>
+          <p:nvPr/>
+        </p:nvSpPr>
+        <p:spPr>
+          <a:xfrm>
+            <a:off x="2607082" y="4406854"/>
+            <a:ext cx="1107996" cy="369332"/>
+          </a:xfrm>
+          <a:prstGeom prst="rect">
+            <a:avLst/>
+          </a:prstGeom>
+        </p:spPr>
+        <p:txBody>
+          <a:bodyPr wrap="none">
+            <a:spAutoFit/>
+          </a:bodyPr>
+          <a:lstStyle/>
+          <a:p>
+            <a:r>
+              <a:rPr lang="zh-CN" altLang="en-US" dirty="0">
+                <a:latin typeface="Roboto" charset="0"/>
+              </a:rPr>
+              <a:t>内容投影</a:t>
+            </a:r>
+            <a:endParaRPr lang="zh-CN" altLang="en-US" b="0" i="0" dirty="0">
+              <a:effectLst/>
+              <a:latin typeface="Roboto" charset="0"/>
+            </a:endParaRPr>
+          </a:p>
+        </p:txBody>
+      </p:sp>
+      <p:sp>
+        <p:nvSpPr>
+          <p:cNvPr id="19" name="矩形 18"/>
+          <p:cNvSpPr/>
+          <p:nvPr/>
+        </p:nvSpPr>
+        <p:spPr>
+          <a:xfrm>
+            <a:off x="3829378" y="4425325"/>
+            <a:ext cx="8214984" cy="369332"/>
+          </a:xfrm>
+          <a:prstGeom prst="rect">
+            <a:avLst/>
+          </a:prstGeom>
+        </p:spPr>
+        <p:txBody>
+          <a:bodyPr wrap="square">
+            <a:spAutoFit/>
+          </a:bodyPr>
+          <a:lstStyle/>
+          <a:p>
+            <a:r>
+              <a:rPr lang="zh-CN" altLang="en-US" dirty="0">
+                <a:latin typeface="Roboto" charset="0"/>
+              </a:rPr>
+              <a:t>从组件外部导入 </a:t>
+            </a:r>
+            <a:r>
+              <a:rPr lang="en-US" altLang="zh-CN" dirty="0">
+                <a:latin typeface="Roboto" charset="0"/>
+              </a:rPr>
+              <a:t>HTML </a:t>
+            </a:r>
+            <a:r>
+              <a:rPr lang="zh-CN" altLang="en-US" dirty="0">
+                <a:latin typeface="Roboto" charset="0"/>
+              </a:rPr>
+              <a:t>内容，并把它插入在组件模板中指定位置上的一种途径。</a:t>
+            </a:r>
+            <a:endParaRPr lang="zh-CN" altLang="en-US" dirty="0"/>
+          </a:p>
+        </p:txBody>
+      </p:sp>
+      <p:sp>
+        <p:nvSpPr>
+          <p:cNvPr id="20" name="矩形 19"/>
+          <p:cNvSpPr/>
+          <p:nvPr/>
+        </p:nvSpPr>
+        <p:spPr>
+          <a:xfrm>
+            <a:off x="2607082" y="4838955"/>
+            <a:ext cx="9194393" cy="369332"/>
+          </a:xfrm>
+          <a:prstGeom prst="rect">
+            <a:avLst/>
+          </a:prstGeom>
+        </p:spPr>
+        <p:txBody>
+          <a:bodyPr wrap="square">
+            <a:spAutoFit/>
+          </a:bodyPr>
+          <a:lstStyle/>
+          <a:p>
+            <a:r>
+              <a:rPr lang="zh-CN" altLang="en-US" dirty="0">
+                <a:latin typeface="Roboto" charset="0"/>
+              </a:rPr>
+              <a:t>永远不要在组件标签的内部放任何内容 </a:t>
+            </a:r>
+            <a:r>
+              <a:rPr lang="en-US" altLang="zh-CN" dirty="0">
+                <a:latin typeface="Roboto" charset="0"/>
+              </a:rPr>
+              <a:t>—— </a:t>
+            </a:r>
+            <a:r>
+              <a:rPr lang="zh-CN" altLang="en-US" b="1" dirty="0">
+                <a:latin typeface="Roboto" charset="0"/>
+              </a:rPr>
+              <a:t>除非你想把这些内容投影进这个组件中</a:t>
+            </a:r>
+            <a:r>
+              <a:rPr lang="zh-CN" altLang="en-US" dirty="0">
+                <a:latin typeface="Roboto" charset="0"/>
+              </a:rPr>
+              <a:t>。</a:t>
+            </a:r>
+            <a:endParaRPr lang="zh-CN" altLang="en-US" dirty="0"/>
+          </a:p>
+        </p:txBody>
+      </p:sp>
+      <p:sp>
+        <p:nvSpPr>
+          <p:cNvPr id="21" name="矩形 20"/>
+          <p:cNvSpPr/>
+          <p:nvPr/>
+        </p:nvSpPr>
+        <p:spPr>
+          <a:xfrm>
+            <a:off x="1851263" y="5280173"/>
+            <a:ext cx="9950212" cy="923330"/>
+          </a:xfrm>
+          <a:prstGeom prst="rect">
+            <a:avLst/>
+          </a:prstGeom>
+        </p:spPr>
+        <p:txBody>
+          <a:bodyPr wrap="square">
+            <a:spAutoFit/>
+          </a:bodyPr>
+          <a:lstStyle/>
+          <a:p>
+            <a:r>
+              <a:rPr lang="en-US" altLang="zh-CN" b="1" dirty="0" err="1">
+                <a:latin typeface="Roboto" charset="0"/>
+              </a:rPr>
+              <a:t>AfterContent</a:t>
+            </a:r>
+            <a:r>
+              <a:rPr lang="zh-CN" altLang="en-US" dirty="0">
+                <a:latin typeface="Roboto" charset="0"/>
+              </a:rPr>
+              <a:t> </a:t>
+            </a:r>
+            <a:r>
+              <a:rPr lang="zh-CN" altLang="en-US" dirty="0" smtClean="0">
+                <a:latin typeface="Roboto" charset="0"/>
+              </a:rPr>
+              <a:t>和</a:t>
+            </a:r>
+            <a:r>
+              <a:rPr lang="zh-CN" altLang="en-US" dirty="0">
+                <a:latin typeface="Roboto" charset="0"/>
+              </a:rPr>
+              <a:t> </a:t>
+            </a:r>
+            <a:r>
+              <a:rPr lang="en-US" altLang="zh-CN" b="1" dirty="0" err="1">
+                <a:latin typeface="Roboto" charset="0"/>
+              </a:rPr>
+              <a:t>AfterView</a:t>
+            </a:r>
+            <a:r>
+              <a:rPr lang="zh-CN" altLang="en-US" dirty="0">
+                <a:latin typeface="Roboto" charset="0"/>
+              </a:rPr>
+              <a:t> 相似。关键的不同点是子组件的类型不同。</a:t>
+            </a:r>
+          </a:p>
+          <a:p>
+            <a:pPr>
+              <a:buFont typeface="Arial" charset="0"/>
+              <a:buChar char="•"/>
+            </a:pPr>
+            <a:r>
+              <a:rPr lang="en-US" altLang="zh-CN" b="1" dirty="0" err="1">
+                <a:latin typeface="Roboto" charset="0"/>
+              </a:rPr>
+              <a:t>AfterView</a:t>
+            </a:r>
+            <a:r>
+              <a:rPr lang="zh-CN" altLang="en-US" dirty="0">
+                <a:latin typeface="Roboto" charset="0"/>
+              </a:rPr>
+              <a:t> </a:t>
+            </a:r>
+            <a:r>
+              <a:rPr lang="zh-CN" altLang="en-US" dirty="0" smtClean="0">
+                <a:latin typeface="Roboto" charset="0"/>
+              </a:rPr>
+              <a:t>所</a:t>
+            </a:r>
+            <a:r>
+              <a:rPr lang="zh-CN" altLang="en-US" dirty="0">
+                <a:latin typeface="Roboto" charset="0"/>
+              </a:rPr>
+              <a:t>关心的是 </a:t>
+            </a:r>
+            <a:r>
+              <a:rPr lang="en-US" altLang="zh-CN" dirty="0">
+                <a:latin typeface="Roboto" charset="0"/>
+                <a:hlinkClick r:id="rId6"/>
+              </a:rPr>
+              <a:t>ViewChildren</a:t>
+            </a:r>
+            <a:r>
+              <a:rPr lang="zh-CN" altLang="en-US" dirty="0">
+                <a:latin typeface="Roboto" charset="0"/>
+              </a:rPr>
+              <a:t>，这些子组件的元素标签会出现在该组件的模板</a:t>
+            </a:r>
+            <a:r>
+              <a:rPr lang="zh-CN" altLang="en-US" b="1" dirty="0">
+                <a:latin typeface="Roboto" charset="0"/>
+              </a:rPr>
+              <a:t>里面</a:t>
+            </a:r>
+            <a:r>
+              <a:rPr lang="zh-CN" altLang="en-US" dirty="0">
+                <a:latin typeface="Roboto" charset="0"/>
+              </a:rPr>
+              <a:t>。</a:t>
+            </a:r>
+          </a:p>
+          <a:p>
+            <a:pPr>
+              <a:buFont typeface="Arial" charset="0"/>
+              <a:buChar char="•"/>
+            </a:pPr>
+            <a:r>
+              <a:rPr lang="en-US" altLang="zh-CN" b="1" dirty="0" err="1">
+                <a:latin typeface="Roboto" charset="0"/>
+              </a:rPr>
+              <a:t>AfterContent</a:t>
+            </a:r>
+            <a:r>
+              <a:rPr lang="zh-CN" altLang="en-US" dirty="0">
+                <a:latin typeface="Roboto" charset="0"/>
+              </a:rPr>
+              <a:t> </a:t>
+            </a:r>
+            <a:r>
+              <a:rPr lang="zh-CN" altLang="en-US" dirty="0" smtClean="0">
+                <a:latin typeface="Roboto" charset="0"/>
+              </a:rPr>
+              <a:t>所</a:t>
+            </a:r>
+            <a:r>
+              <a:rPr lang="zh-CN" altLang="en-US" dirty="0">
+                <a:latin typeface="Roboto" charset="0"/>
+              </a:rPr>
+              <a:t>关心的是 </a:t>
+            </a:r>
+            <a:r>
+              <a:rPr lang="en-US" altLang="zh-CN" dirty="0">
+                <a:latin typeface="Roboto" charset="0"/>
+                <a:hlinkClick r:id="rId7"/>
+              </a:rPr>
+              <a:t>ContentChildren</a:t>
+            </a:r>
+            <a:r>
+              <a:rPr lang="zh-CN" altLang="en-US" dirty="0">
+                <a:latin typeface="Roboto" charset="0"/>
+              </a:rPr>
+              <a:t>，这些子组件被 </a:t>
+            </a:r>
+            <a:r>
+              <a:rPr lang="en-US" altLang="zh-CN" dirty="0">
+                <a:latin typeface="Roboto" charset="0"/>
+              </a:rPr>
+              <a:t>Angular </a:t>
+            </a:r>
+            <a:r>
+              <a:rPr lang="zh-CN" altLang="en-US" dirty="0">
+                <a:latin typeface="Roboto" charset="0"/>
+              </a:rPr>
+              <a:t>投影进该组件中。</a:t>
+            </a:r>
+            <a:endParaRPr lang="zh-CN" altLang="en-US" b="0" i="0" dirty="0">
+              <a:effectLst/>
+              <a:latin typeface="Roboto" charset="0"/>
+            </a:endParaRPr>
+          </a:p>
+        </p:txBody>
+      </p:sp>
+      <p:sp>
+        <p:nvSpPr>
+          <p:cNvPr id="22" name="矩形 21"/>
+          <p:cNvSpPr/>
+          <p:nvPr/>
+        </p:nvSpPr>
+        <p:spPr>
+          <a:xfrm>
+            <a:off x="1858214" y="6338158"/>
+            <a:ext cx="4968155" cy="369332"/>
+          </a:xfrm>
+          <a:prstGeom prst="rect">
+            <a:avLst/>
+          </a:prstGeom>
+        </p:spPr>
+        <p:txBody>
+          <a:bodyPr wrap="none">
+            <a:spAutoFit/>
+          </a:bodyPr>
+          <a:lstStyle/>
+          <a:p>
+            <a:r>
+              <a:rPr lang="zh-CN" altLang="en-US" dirty="0">
+                <a:latin typeface="Roboto" charset="0"/>
+              </a:rPr>
+              <a:t>使用 </a:t>
+            </a:r>
+            <a:r>
+              <a:rPr lang="en-US" altLang="zh-CN" dirty="0" err="1">
+                <a:latin typeface="Roboto" charset="0"/>
+              </a:rPr>
+              <a:t>AfterContent</a:t>
+            </a:r>
+            <a:r>
+              <a:rPr lang="en-US" altLang="zh-CN" dirty="0">
+                <a:latin typeface="Roboto" charset="0"/>
+              </a:rPr>
+              <a:t> </a:t>
+            </a:r>
+            <a:r>
+              <a:rPr lang="zh-CN" altLang="en-US" dirty="0">
+                <a:latin typeface="Roboto" charset="0"/>
+              </a:rPr>
+              <a:t>时，无需担心单向数据流规则</a:t>
+            </a:r>
+            <a:endParaRPr lang="zh-CN" altLang="en-US" b="0" i="0" dirty="0">
+              <a:effectLst/>
+              <a:latin typeface="Roboto" charset="0"/>
+            </a:endParaRPr>
+          </a:p>
+        </p:txBody>
+      </p:sp>
+    </p:spTree>
+    <p:extLst>
+      <p:ext uri="{BB962C8B-B14F-4D97-AF65-F5344CB8AC3E}">
+        <p14:creationId xmlns:p14="http://schemas.microsoft.com/office/powerpoint/2010/main" val="1354444749"/>
+      </p:ext>
+    </p:extLst>
+  </p:cSld>
+  <p:clrMapOvr>
+    <a:masterClrMapping/>
+  </p:clrMapOvr>
+</p:sld>
+</file>
+
+<file path=ppt/slides/slide16.xml><?xml version="1.0" encoding="utf-8"?>
+<p:sld xmlns:a="http://schemas.openxmlformats.org/drawingml/2006/main" xmlns:r="http://schemas.openxmlformats.org/officeDocument/2006/relationships" xmlns:p="http://schemas.openxmlformats.org/presentationml/2006/main">
+  <p:cSld>
+    <p:spTree>
+      <p:nvGrpSpPr>
+        <p:cNvPr id="1" name=""/>
+        <p:cNvGrpSpPr/>
+        <p:nvPr/>
+      </p:nvGrpSpPr>
+      <p:grpSpPr>
+        <a:xfrm>
+          <a:off x="0" y="0"/>
+          <a:ext cx="0" cy="0"/>
+          <a:chOff x="0" y="0"/>
+          <a:chExt cx="0" cy="0"/>
+        </a:xfrm>
+      </p:grpSpPr>
+      <p:sp>
+        <p:nvSpPr>
           <p:cNvPr id="4" name="矩形 3"/>
           <p:cNvSpPr/>
           <p:nvPr/>
@@ -5180,7 +5972,7 @@
 </p:sld>
 </file>
 
-<file path=ppt/slides/slide14.xml><?xml version="1.0" encoding="utf-8"?>
+<file path=ppt/slides/slide17.xml><?xml version="1.0" encoding="utf-8"?>
 <p:sld xmlns:a="http://schemas.openxmlformats.org/drawingml/2006/main" xmlns:r="http://schemas.openxmlformats.org/officeDocument/2006/relationships" xmlns:p="http://schemas.openxmlformats.org/presentationml/2006/main">
   <p:cSld>
     <p:spTree>
@@ -7126,46 +7918,88 @@
         <p:spPr>
           <a:xfrm>
             <a:off x="4872720" y="401122"/>
-            <a:ext cx="2441694" cy="769441"/>
+            <a:ext cx="2171018" cy="769441"/>
           </a:xfrm>
           <a:prstGeom prst="rect">
             <a:avLst/>
           </a:prstGeom>
         </p:spPr>
         <p:txBody>
+          <a:bodyPr wrap="square">
+            <a:spAutoFit/>
+          </a:bodyPr>
+          <a:lstStyle/>
+          <a:p>
+            <a:pPr lvl="1"/>
+            <a:r>
+              <a:rPr lang="zh-CN" altLang="en-US" sz="4400" smtClean="0">
+                <a:latin typeface="Roboto" charset="0"/>
+              </a:rPr>
+              <a:t>动画</a:t>
+            </a:r>
+            <a:endParaRPr lang="zh-CN" altLang="en-US" sz="4400" dirty="0">
+              <a:latin typeface="Roboto" charset="0"/>
+            </a:endParaRPr>
+          </a:p>
+        </p:txBody>
+      </p:sp>
+      <p:sp>
+        <p:nvSpPr>
+          <p:cNvPr id="6" name="矩形 5"/>
+          <p:cNvSpPr/>
+          <p:nvPr/>
+        </p:nvSpPr>
+        <p:spPr>
+          <a:xfrm>
+            <a:off x="1304116" y="1329809"/>
+            <a:ext cx="1665841" cy="369332"/>
+          </a:xfrm>
+          <a:prstGeom prst="rect">
+            <a:avLst/>
+          </a:prstGeom>
+        </p:spPr>
+        <p:txBody>
           <a:bodyPr wrap="none">
             <a:spAutoFit/>
           </a:bodyPr>
           <a:lstStyle/>
           <a:p>
             <a:r>
-              <a:rPr lang="zh-CN" altLang="en-US" sz="4400">
-                <a:latin typeface="Roboto" charset="0"/>
-              </a:rPr>
-              <a:t>模板</a:t>
-            </a:r>
-            <a:r>
-              <a:rPr lang="zh-CN" altLang="en-US" sz="4400" smtClean="0">
-                <a:latin typeface="Roboto" charset="0"/>
-              </a:rPr>
-              <a:t>语法</a:t>
-            </a:r>
-            <a:endParaRPr lang="zh-CN" altLang="en-US" sz="4400">
-              <a:latin typeface="Roboto" charset="0"/>
-            </a:endParaRPr>
-          </a:p>
-        </p:txBody>
-      </p:sp>
-      <p:sp>
-        <p:nvSpPr>
-          <p:cNvPr id="4" name="矩形 3"/>
+              <a:rPr lang="en-US" altLang="zh-CN" dirty="0" smtClean="0">
+                <a:solidFill>
+                  <a:srgbClr val="333333"/>
+                </a:solidFill>
+                <a:latin typeface="Roboto" charset="0"/>
+              </a:rPr>
+              <a:t>trigger</a:t>
+            </a:r>
+            <a:r>
+              <a:rPr lang="zh-CN" altLang="en-US" dirty="0" smtClean="0">
+                <a:solidFill>
+                  <a:srgbClr val="333333"/>
+                </a:solidFill>
+                <a:latin typeface="Roboto" charset="0"/>
+              </a:rPr>
+              <a:t>   </a:t>
+            </a:r>
+            <a:r>
+              <a:rPr lang="zh-CN" altLang="en-US" b="1" dirty="0" smtClean="0"/>
+              <a:t>触发器</a:t>
+            </a:r>
+            <a:endParaRPr lang="zh-CN" altLang="en-US" dirty="0"/>
+          </a:p>
+        </p:txBody>
+      </p:sp>
+      <p:sp>
+        <p:nvSpPr>
+          <p:cNvPr id="8" name="矩形 7"/>
           <p:cNvSpPr/>
           <p:nvPr/>
         </p:nvSpPr>
         <p:spPr>
           <a:xfrm>
-            <a:off x="1961217" y="1344096"/>
-            <a:ext cx="4132350" cy="369332"/>
+            <a:off x="1293905" y="1699141"/>
+            <a:ext cx="1223412" cy="369332"/>
           </a:xfrm>
           <a:prstGeom prst="rect">
             <a:avLst/>
@@ -7178,68 +8012,44 @@
           <a:lstStyle/>
           <a:p>
             <a:r>
-              <a:rPr lang="en-US" altLang="zh-CN">
+              <a:rPr lang="en-US" altLang="zh-CN" dirty="0" smtClean="0">
                 <a:solidFill>
-                  <a:srgbClr val="1976D2"/>
+                  <a:srgbClr val="333333"/>
                 </a:solidFill>
                 <a:latin typeface="Roboto" charset="0"/>
               </a:rPr>
-              <a:t>HTML attribute </a:t>
-            </a:r>
-            <a:r>
-              <a:rPr lang="zh-CN" altLang="en-US" dirty="0">
+              <a:t>State</a:t>
+            </a:r>
+            <a:r>
+              <a:rPr lang="zh-CN" altLang="en-US" dirty="0" smtClean="0">
                 <a:solidFill>
-                  <a:srgbClr val="1976D2"/>
+                  <a:srgbClr val="333333"/>
                 </a:solidFill>
                 <a:latin typeface="Roboto" charset="0"/>
               </a:rPr>
-              <a:t>与 </a:t>
-            </a:r>
-            <a:r>
-              <a:rPr lang="en-US" altLang="zh-CN" dirty="0">
-                <a:solidFill>
-                  <a:srgbClr val="1976D2"/>
-                </a:solidFill>
-                <a:latin typeface="Roboto" charset="0"/>
-              </a:rPr>
-              <a:t>DOM property </a:t>
-            </a:r>
-            <a:r>
-              <a:rPr lang="zh-CN" altLang="en-US" dirty="0">
-                <a:solidFill>
-                  <a:srgbClr val="1976D2"/>
-                </a:solidFill>
-                <a:latin typeface="Roboto" charset="0"/>
-              </a:rPr>
-              <a:t>的对比</a:t>
-            </a:r>
-            <a:endParaRPr lang="zh-CN" altLang="en-US" b="0" i="0" dirty="0">
-              <a:solidFill>
-                <a:srgbClr val="1976D2"/>
-              </a:solidFill>
-              <a:effectLst/>
-              <a:latin typeface="Roboto" charset="0"/>
-            </a:endParaRPr>
-          </a:p>
-        </p:txBody>
-      </p:sp>
-      <p:sp>
-        <p:nvSpPr>
-          <p:cNvPr id="3" name="矩形 2"/>
+              <a:t>  状态</a:t>
+            </a:r>
+            <a:endParaRPr lang="zh-CN" altLang="en-US" dirty="0"/>
+          </a:p>
+        </p:txBody>
+      </p:sp>
+      <p:sp>
+        <p:nvSpPr>
+          <p:cNvPr id="9" name="矩形 8"/>
           <p:cNvSpPr/>
           <p:nvPr/>
         </p:nvSpPr>
         <p:spPr>
           <a:xfrm>
-            <a:off x="1961217" y="1886961"/>
-            <a:ext cx="9625946" cy="646331"/>
+            <a:off x="1304116" y="2068473"/>
+            <a:ext cx="2450158" cy="369332"/>
           </a:xfrm>
           <a:prstGeom prst="rect">
             <a:avLst/>
           </a:prstGeom>
         </p:spPr>
         <p:txBody>
-          <a:bodyPr wrap="square">
+          <a:bodyPr wrap="none">
             <a:spAutoFit/>
           </a:bodyPr>
           <a:lstStyle/>
@@ -7251,117 +8061,310 @@
                 </a:solidFill>
                 <a:latin typeface="Roboto" charset="0"/>
               </a:rPr>
-              <a:t>attribute </a:t>
-            </a:r>
-            <a:r>
-              <a:rPr lang="zh-CN" altLang="en-US" b="1" dirty="0">
+              <a:t>t</a:t>
+            </a:r>
+            <a:r>
+              <a:rPr lang="en-US" altLang="zh-CN" dirty="0" smtClean="0">
                 <a:solidFill>
                   <a:srgbClr val="333333"/>
                 </a:solidFill>
                 <a:latin typeface="Roboto" charset="0"/>
               </a:rPr>
-              <a:t>初始化</a:t>
-            </a:r>
-            <a:r>
-              <a:rPr lang="zh-CN" altLang="en-US" dirty="0">
-                <a:solidFill>
-                  <a:srgbClr val="333333"/>
-                </a:solidFill>
-                <a:latin typeface="Roboto" charset="0"/>
-              </a:rPr>
-              <a:t> </a:t>
-            </a:r>
+              <a:t>ransition </a:t>
+            </a:r>
+            <a:r>
+              <a:rPr lang="en-US" altLang="zh-CN" dirty="0" smtClean="0">
+                <a:hlinkClick r:id="rId2"/>
+              </a:rPr>
+              <a:t>animate</a:t>
+            </a:r>
+            <a:r>
+              <a:rPr lang="zh-CN" altLang="en-US" dirty="0" smtClean="0"/>
+              <a:t>  转场</a:t>
+            </a:r>
+            <a:endParaRPr lang="zh-CN" altLang="en-US" dirty="0"/>
+          </a:p>
+        </p:txBody>
+      </p:sp>
+      <p:sp>
+        <p:nvSpPr>
+          <p:cNvPr id="10" name="矩形 9"/>
+          <p:cNvSpPr/>
+          <p:nvPr/>
+        </p:nvSpPr>
+        <p:spPr>
+          <a:xfrm>
+            <a:off x="1293905" y="2437805"/>
+            <a:ext cx="1718740" cy="369332"/>
+          </a:xfrm>
+          <a:prstGeom prst="rect">
+            <a:avLst/>
+          </a:prstGeom>
+        </p:spPr>
+        <p:txBody>
+          <a:bodyPr wrap="none">
+            <a:spAutoFit/>
+          </a:bodyPr>
+          <a:lstStyle/>
+          <a:p>
             <a:r>
               <a:rPr lang="en-US" altLang="zh-CN" dirty="0">
                 <a:solidFill>
                   <a:srgbClr val="333333"/>
                 </a:solidFill>
-                <a:latin typeface="Roboto" charset="0"/>
-              </a:rPr>
-              <a:t>DOM property</a:t>
-            </a:r>
-            <a:r>
-              <a:rPr lang="zh-CN" altLang="en-US" dirty="0">
-                <a:solidFill>
-                  <a:srgbClr val="333333"/>
-                </a:solidFill>
-                <a:latin typeface="Roboto" charset="0"/>
-              </a:rPr>
-              <a:t>，然后它们的任务就完成了。</a:t>
+                <a:latin typeface="Droid Sans Mono" charset="0"/>
+              </a:rPr>
+              <a:t>[@</a:t>
+            </a:r>
+            <a:r>
+              <a:rPr lang="en-US" altLang="zh-CN" dirty="0">
+                <a:latin typeface="Droid Sans Mono" charset="0"/>
+                <a:hlinkClick r:id="rId3"/>
+              </a:rPr>
+              <a:t>triggerName</a:t>
             </a:r>
             <a:r>
               <a:rPr lang="en-US" altLang="zh-CN" dirty="0">
                 <a:solidFill>
                   <a:srgbClr val="333333"/>
                 </a:solidFill>
-                <a:latin typeface="Roboto" charset="0"/>
-              </a:rPr>
-              <a:t>property </a:t>
-            </a:r>
+                <a:latin typeface="Droid Sans Mono" charset="0"/>
+              </a:rPr>
+              <a:t>]</a:t>
+            </a:r>
+            <a:endParaRPr lang="zh-CN" altLang="en-US" dirty="0"/>
+          </a:p>
+        </p:txBody>
+      </p:sp>
+      <p:sp>
+        <p:nvSpPr>
+          <p:cNvPr id="11" name="矩形 10"/>
+          <p:cNvSpPr/>
+          <p:nvPr/>
+        </p:nvSpPr>
+        <p:spPr>
+          <a:xfrm>
+            <a:off x="1304116" y="2897506"/>
+            <a:ext cx="10240180" cy="646331"/>
+          </a:xfrm>
+          <a:prstGeom prst="rect">
+            <a:avLst/>
+          </a:prstGeom>
+        </p:spPr>
+        <p:txBody>
+          <a:bodyPr wrap="square">
+            <a:spAutoFit/>
+          </a:bodyPr>
+          <a:lstStyle/>
+          <a:p>
+            <a:r>
+              <a:rPr lang="zh-CN" altLang="en-US" dirty="0">
+                <a:latin typeface="Roboto" charset="0"/>
+              </a:rPr>
+              <a:t>对同一个转场的两个方向都使用相同</a:t>
+            </a:r>
+            <a:r>
+              <a:rPr lang="zh-CN" altLang="en-US" dirty="0" smtClean="0">
+                <a:latin typeface="Roboto" charset="0"/>
+              </a:rPr>
+              <a:t>的动画，</a:t>
+            </a:r>
+            <a:r>
+              <a:rPr lang="zh-CN" altLang="en-US" dirty="0">
+                <a:latin typeface="Roboto" charset="0"/>
+              </a:rPr>
+              <a:t>就可以使用 </a:t>
+            </a:r>
+            <a:r>
+              <a:rPr lang="en-US" altLang="zh-CN" dirty="0"/>
+              <a:t>&lt;=&gt;</a:t>
+            </a:r>
+            <a:r>
+              <a:rPr lang="zh-CN" altLang="en-US" dirty="0">
+                <a:latin typeface="Roboto" charset="0"/>
+              </a:rPr>
+              <a:t> 这种简写</a:t>
+            </a:r>
+            <a:r>
+              <a:rPr lang="zh-CN" altLang="en-US" dirty="0" smtClean="0">
+                <a:latin typeface="Roboto" charset="0"/>
+              </a:rPr>
+              <a:t>语法</a:t>
+            </a:r>
+            <a:endParaRPr lang="en-US" altLang="zh-CN" dirty="0" smtClean="0">
+              <a:latin typeface="Roboto" charset="0"/>
+            </a:endParaRPr>
+          </a:p>
+          <a:p>
+            <a:r>
+              <a:rPr lang="en-US" altLang="zh-CN" dirty="0"/>
+              <a:t>transition('inactive &lt;=&gt; active', animate('100ms ease-out'))</a:t>
+            </a:r>
+            <a:endParaRPr lang="zh-CN" altLang="en-US" dirty="0"/>
+          </a:p>
+        </p:txBody>
+      </p:sp>
+      <p:sp>
+        <p:nvSpPr>
+          <p:cNvPr id="12" name="矩形 11"/>
+          <p:cNvSpPr/>
+          <p:nvPr/>
+        </p:nvSpPr>
+        <p:spPr>
+          <a:xfrm>
+            <a:off x="1304115" y="3634206"/>
+            <a:ext cx="10473543" cy="369332"/>
+          </a:xfrm>
+          <a:prstGeom prst="rect">
+            <a:avLst/>
+          </a:prstGeom>
+        </p:spPr>
+        <p:txBody>
+          <a:bodyPr wrap="square">
+            <a:spAutoFit/>
+          </a:bodyPr>
+          <a:lstStyle/>
+          <a:p>
             <a:r>
               <a:rPr lang="zh-CN" altLang="en-US" dirty="0">
                 <a:solidFill>
-                  <a:srgbClr val="333333"/>
+                  <a:srgbClr val="FF0000"/>
                 </a:solidFill>
-                <a:latin typeface="Roboto" charset="0"/>
-              </a:rPr>
-              <a:t>的值可以改变；</a:t>
-            </a:r>
+              </a:rPr>
+              <a:t>*</a:t>
+            </a:r>
+            <a:r>
+              <a:rPr lang="en-US" altLang="zh-CN" dirty="0">
+                <a:latin typeface="Roboto" charset="0"/>
+              </a:rPr>
+              <a:t>(</a:t>
+            </a:r>
+            <a:r>
+              <a:rPr lang="zh-CN" altLang="en-US" dirty="0">
+                <a:latin typeface="Roboto" charset="0"/>
+              </a:rPr>
+              <a:t>通配符</a:t>
+            </a:r>
+            <a:r>
+              <a:rPr lang="en-US" altLang="zh-CN" dirty="0">
+                <a:latin typeface="Roboto" charset="0"/>
+              </a:rPr>
+              <a:t>)</a:t>
+            </a:r>
+            <a:r>
+              <a:rPr lang="zh-CN" altLang="en-US" dirty="0">
+                <a:latin typeface="Roboto" charset="0"/>
+              </a:rPr>
+              <a:t>状态匹配</a:t>
+            </a:r>
+            <a:r>
+              <a:rPr lang="zh-CN" altLang="en-US" b="1" dirty="0">
+                <a:latin typeface="Roboto" charset="0"/>
+              </a:rPr>
+              <a:t>任何</a:t>
+            </a:r>
+            <a:r>
+              <a:rPr lang="zh-CN" altLang="en-US" dirty="0">
+                <a:latin typeface="Roboto" charset="0"/>
+              </a:rPr>
+              <a:t>动画状态。当定义那些不需要管当前处于什么状态的样式及转场时，这很有用。</a:t>
+            </a:r>
+            <a:endParaRPr lang="zh-CN" altLang="en-US" dirty="0"/>
+          </a:p>
+        </p:txBody>
+      </p:sp>
+      <p:sp>
+        <p:nvSpPr>
+          <p:cNvPr id="13" name="矩形 12"/>
+          <p:cNvSpPr/>
+          <p:nvPr/>
+        </p:nvSpPr>
+        <p:spPr>
+          <a:xfrm>
+            <a:off x="1293904" y="4039795"/>
+            <a:ext cx="10483753" cy="646331"/>
+          </a:xfrm>
+          <a:prstGeom prst="rect">
+            <a:avLst/>
+          </a:prstGeom>
+        </p:spPr>
+        <p:txBody>
+          <a:bodyPr wrap="square">
+            <a:spAutoFit/>
+          </a:bodyPr>
+          <a:lstStyle/>
+          <a:p>
             <a:r>
               <a:rPr lang="en-US" altLang="zh-CN" dirty="0">
                 <a:solidFill>
-                  <a:srgbClr val="333333"/>
+                  <a:srgbClr val="FF0000"/>
                 </a:solidFill>
-                <a:latin typeface="Roboto" charset="0"/>
-              </a:rPr>
-              <a:t>attribute </a:t>
-            </a:r>
-            <a:r>
-              <a:rPr lang="zh-CN" altLang="en-US" dirty="0">
-                <a:solidFill>
-                  <a:srgbClr val="333333"/>
-                </a:solidFill>
-                <a:latin typeface="Roboto" charset="0"/>
-              </a:rPr>
-              <a:t>的值不能改变</a:t>
-            </a:r>
-            <a:r>
-              <a:rPr lang="zh-CN" altLang="en-US" dirty="0" smtClean="0">
-                <a:solidFill>
-                  <a:srgbClr val="333333"/>
-                </a:solidFill>
-                <a:latin typeface="Roboto" charset="0"/>
-              </a:rPr>
-              <a:t>。</a:t>
-            </a:r>
-            <a:r>
-              <a:rPr lang="zh-CN" altLang="en-US" dirty="0"/>
-              <a:t>模板绑定是通过 </a:t>
-            </a:r>
-            <a:r>
-              <a:rPr lang="en-US" altLang="zh-CN" b="1" dirty="0"/>
-              <a:t>property</a:t>
-            </a:r>
-            <a:r>
-              <a:rPr lang="zh-CN" altLang="en-US" dirty="0"/>
-              <a:t> 和</a:t>
-            </a:r>
-            <a:r>
-              <a:rPr lang="zh-CN" altLang="en-US" b="1" dirty="0"/>
-              <a:t>事件</a:t>
-            </a:r>
-            <a:r>
-              <a:rPr lang="zh-CN" altLang="en-US" dirty="0"/>
-              <a:t>来工作的，而不是 </a:t>
-            </a:r>
-            <a:r>
-              <a:rPr lang="en-US" altLang="zh-CN" b="1" dirty="0"/>
-              <a:t>attribute</a:t>
-            </a:r>
-            <a:r>
-              <a:rPr lang="zh-CN" altLang="en-US" dirty="0"/>
-              <a:t>。</a:t>
-            </a:r>
+              </a:rPr>
+              <a:t>void</a:t>
+            </a:r>
+            <a:r>
+              <a:rPr lang="zh-CN" altLang="en-US" dirty="0">
+                <a:latin typeface="Roboto" charset="0"/>
+              </a:rPr>
+              <a:t> 的特殊状态，它可以应用在任何动画中。它表示元素</a:t>
+            </a:r>
+            <a:r>
+              <a:rPr lang="zh-CN" altLang="en-US" b="1" dirty="0">
+                <a:latin typeface="Roboto" charset="0"/>
+              </a:rPr>
+              <a:t>没有</a:t>
+            </a:r>
+            <a:r>
+              <a:rPr lang="zh-CN" altLang="en-US" dirty="0">
+                <a:latin typeface="Roboto" charset="0"/>
+              </a:rPr>
+              <a:t>被附加到视图。这种情况可能是由于它尚未被添加进来或者已经被移除了。 </a:t>
+            </a:r>
+            <a:r>
+              <a:rPr lang="en-US" altLang="zh-CN" dirty="0"/>
+              <a:t>void</a:t>
+            </a:r>
+            <a:r>
+              <a:rPr lang="zh-CN" altLang="en-US" dirty="0">
+                <a:latin typeface="Roboto" charset="0"/>
+              </a:rPr>
+              <a:t> 状态在定义“进场”和“离场”的动画时会非常有用。</a:t>
+            </a:r>
+            <a:endParaRPr lang="zh-CN" altLang="en-US" dirty="0"/>
+          </a:p>
+        </p:txBody>
+      </p:sp>
+      <p:sp>
+        <p:nvSpPr>
+          <p:cNvPr id="14" name="矩形 13"/>
+          <p:cNvSpPr/>
+          <p:nvPr/>
+        </p:nvSpPr>
+        <p:spPr>
+          <a:xfrm>
+            <a:off x="1304115" y="4817933"/>
+            <a:ext cx="1800493" cy="369332"/>
+          </a:xfrm>
+          <a:prstGeom prst="rect">
+            <a:avLst/>
+          </a:prstGeom>
+        </p:spPr>
+        <p:txBody>
+          <a:bodyPr wrap="none">
+            <a:spAutoFit/>
+          </a:bodyPr>
+          <a:lstStyle/>
+          <a:p>
+            <a:r>
+              <a:rPr lang="zh-CN" altLang="en-US">
+                <a:latin typeface="Roboto" charset="0"/>
+              </a:rPr>
+              <a:t>自动属性值计算</a:t>
+            </a:r>
+            <a:endParaRPr lang="zh-CN" altLang="en-US" b="0" i="0">
+              <a:effectLst/>
+              <a:latin typeface="Roboto" charset="0"/>
+            </a:endParaRPr>
           </a:p>
         </p:txBody>
       </p:sp>

--- a/Documents/angular.pptx
+++ b/Documents/angular.pptx
@@ -5,7 +5,7 @@
     <p:sldMasterId id="2147483648" r:id="rId1"/>
   </p:sldMasterIdLst>
   <p:notesMasterIdLst>
-    <p:notesMasterId r:id="rId19"/>
+    <p:notesMasterId r:id="rId20"/>
   </p:notesMasterIdLst>
   <p:sldIdLst>
     <p:sldId id="256" r:id="rId2"/>
@@ -25,6 +25,7 @@
     <p:sldId id="266" r:id="rId16"/>
     <p:sldId id="259" r:id="rId17"/>
     <p:sldId id="261" r:id="rId18"/>
+    <p:sldId id="275" r:id="rId19"/>
   </p:sldIdLst>
   <p:sldSz cx="12192000" cy="6858000"/>
   <p:notesSz cx="6858000" cy="9144000"/>
@@ -4042,7 +4043,7 @@
           <a:lstStyle/>
           <a:p>
             <a:r>
-              <a:rPr lang="en-US" altLang="zh-CN">
+              <a:rPr lang="en-US" altLang="zh-CN" dirty="0">
                 <a:solidFill>
                   <a:srgbClr val="1E88E5"/>
                 </a:solidFill>
@@ -4062,6 +4063,340 @@
               <a:t>中的可观察对象</a:t>
             </a:r>
             <a:endParaRPr lang="zh-CN" altLang="en-US" dirty="0"/>
+          </a:p>
+        </p:txBody>
+      </p:sp>
+      <p:sp>
+        <p:nvSpPr>
+          <p:cNvPr id="6" name="矩形 5"/>
+          <p:cNvSpPr/>
+          <p:nvPr/>
+        </p:nvSpPr>
+        <p:spPr>
+          <a:xfrm>
+            <a:off x="1816791" y="1816595"/>
+            <a:ext cx="1338828" cy="369332"/>
+          </a:xfrm>
+          <a:prstGeom prst="rect">
+            <a:avLst/>
+          </a:prstGeom>
+        </p:spPr>
+        <p:txBody>
+          <a:bodyPr wrap="none">
+            <a:spAutoFit/>
+          </a:bodyPr>
+          <a:lstStyle/>
+          <a:p>
+            <a:r>
+              <a:rPr lang="zh-CN" altLang="en-US">
+                <a:latin typeface="Roboto" charset="0"/>
+              </a:rPr>
+              <a:t>指数化退避</a:t>
+            </a:r>
+            <a:endParaRPr lang="zh-CN" altLang="en-US" b="0" i="0">
+              <a:effectLst/>
+              <a:latin typeface="Roboto" charset="0"/>
+            </a:endParaRPr>
+          </a:p>
+        </p:txBody>
+      </p:sp>
+      <p:sp>
+        <p:nvSpPr>
+          <p:cNvPr id="8" name="矩形 7"/>
+          <p:cNvSpPr/>
+          <p:nvPr/>
+        </p:nvSpPr>
+        <p:spPr>
+          <a:xfrm>
+            <a:off x="1816791" y="2231944"/>
+            <a:ext cx="2381934" cy="369332"/>
+          </a:xfrm>
+          <a:prstGeom prst="rect">
+            <a:avLst/>
+          </a:prstGeom>
+        </p:spPr>
+        <p:txBody>
+          <a:bodyPr wrap="none">
+            <a:spAutoFit/>
+          </a:bodyPr>
+          <a:lstStyle/>
+          <a:p>
+            <a:r>
+              <a:rPr lang="fr-FR" altLang="zh-CN" dirty="0"/>
+              <a:t>Observable</a:t>
+            </a:r>
+            <a:r>
+              <a:rPr lang="zh-CN" altLang="en-US" dirty="0" smtClean="0">
+                <a:latin typeface="Roboto" charset="0"/>
+              </a:rPr>
+              <a:t> </a:t>
+            </a:r>
+            <a:r>
+              <a:rPr lang="en-US" altLang="zh-CN" dirty="0">
+                <a:latin typeface="Roboto" charset="0"/>
+              </a:rPr>
+              <a:t>vs. </a:t>
+            </a:r>
+            <a:r>
+              <a:rPr lang="en-US" altLang="zh-CN" dirty="0" smtClean="0">
+                <a:latin typeface="Roboto" charset="0"/>
+              </a:rPr>
+              <a:t>Promise</a:t>
+            </a:r>
+            <a:endParaRPr lang="zh-CN" altLang="en-US" b="0" i="0" dirty="0">
+              <a:effectLst/>
+              <a:latin typeface="Roboto" charset="0"/>
+            </a:endParaRPr>
+          </a:p>
+        </p:txBody>
+      </p:sp>
+      <p:sp>
+        <p:nvSpPr>
+          <p:cNvPr id="11" name="矩形 10"/>
+          <p:cNvSpPr/>
+          <p:nvPr/>
+        </p:nvSpPr>
+        <p:spPr>
+          <a:xfrm>
+            <a:off x="2095159" y="2669852"/>
+            <a:ext cx="2871299" cy="369332"/>
+          </a:xfrm>
+          <a:prstGeom prst="rect">
+            <a:avLst/>
+          </a:prstGeom>
+        </p:spPr>
+        <p:txBody>
+          <a:bodyPr wrap="none">
+            <a:spAutoFit/>
+          </a:bodyPr>
+          <a:lstStyle/>
+          <a:p>
+            <a:r>
+              <a:rPr lang="zh-CN" altLang="en-US" dirty="0" smtClean="0"/>
+              <a:t>订阅才执行</a:t>
+            </a:r>
+            <a:r>
+              <a:rPr lang="zh-CN" altLang="en-US" dirty="0" smtClean="0">
+                <a:latin typeface="Roboto" charset="0"/>
+              </a:rPr>
+              <a:t> </a:t>
+            </a:r>
+            <a:r>
+              <a:rPr lang="en-US" altLang="zh-CN" dirty="0">
+                <a:latin typeface="Roboto" charset="0"/>
+              </a:rPr>
+              <a:t>vs. </a:t>
+            </a:r>
+            <a:r>
+              <a:rPr lang="zh-CN" altLang="en-US" dirty="0" smtClean="0">
+                <a:latin typeface="Roboto" charset="0"/>
+              </a:rPr>
+              <a:t>创建就执行</a:t>
+            </a:r>
+            <a:endParaRPr lang="zh-CN" altLang="en-US" b="0" i="0" dirty="0">
+              <a:effectLst/>
+              <a:latin typeface="Roboto" charset="0"/>
+            </a:endParaRPr>
+          </a:p>
+        </p:txBody>
+      </p:sp>
+      <p:sp>
+        <p:nvSpPr>
+          <p:cNvPr id="12" name="矩形 11"/>
+          <p:cNvSpPr/>
+          <p:nvPr/>
+        </p:nvSpPr>
+        <p:spPr>
+          <a:xfrm>
+            <a:off x="2095159" y="3039184"/>
+            <a:ext cx="2922595" cy="369332"/>
+          </a:xfrm>
+          <a:prstGeom prst="rect">
+            <a:avLst/>
+          </a:prstGeom>
+        </p:spPr>
+        <p:txBody>
+          <a:bodyPr wrap="none">
+            <a:spAutoFit/>
+          </a:bodyPr>
+          <a:lstStyle/>
+          <a:p>
+            <a:r>
+              <a:rPr lang="zh-CN" altLang="en-US" dirty="0" smtClean="0">
+                <a:latin typeface="Roboto" charset="0"/>
+              </a:rPr>
+              <a:t>发送多个值 </a:t>
+            </a:r>
+            <a:r>
+              <a:rPr lang="en-US" altLang="zh-CN" dirty="0" smtClean="0">
+                <a:latin typeface="Roboto" charset="0"/>
+              </a:rPr>
+              <a:t>vs</a:t>
+            </a:r>
+            <a:r>
+              <a:rPr lang="en-US" altLang="zh-CN" dirty="0">
+                <a:latin typeface="Roboto" charset="0"/>
+              </a:rPr>
+              <a:t>. </a:t>
+            </a:r>
+            <a:r>
+              <a:rPr lang="zh-CN" altLang="en-US" dirty="0" smtClean="0">
+                <a:latin typeface="Roboto" charset="0"/>
+              </a:rPr>
+              <a:t>发送一个值</a:t>
+            </a:r>
+            <a:endParaRPr lang="zh-CN" altLang="en-US" b="0" i="0" dirty="0">
+              <a:effectLst/>
+              <a:latin typeface="Roboto" charset="0"/>
+            </a:endParaRPr>
+          </a:p>
+        </p:txBody>
+      </p:sp>
+      <p:sp>
+        <p:nvSpPr>
+          <p:cNvPr id="9" name="矩形 8"/>
+          <p:cNvSpPr/>
+          <p:nvPr/>
+        </p:nvSpPr>
+        <p:spPr>
+          <a:xfrm>
+            <a:off x="2095159" y="3454234"/>
+            <a:ext cx="8634754" cy="369332"/>
+          </a:xfrm>
+          <a:prstGeom prst="rect">
+            <a:avLst/>
+          </a:prstGeom>
+        </p:spPr>
+        <p:txBody>
+          <a:bodyPr wrap="square">
+            <a:spAutoFit/>
+          </a:bodyPr>
+          <a:lstStyle/>
+          <a:p>
+            <a:r>
+              <a:rPr lang="zh-CN" altLang="en-US" dirty="0">
+                <a:solidFill>
+                  <a:srgbClr val="FF0000"/>
+                </a:solidFill>
+                <a:latin typeface="Roboto" charset="0"/>
+              </a:rPr>
+              <a:t>可观察对象会区分串联处理和订阅语句。承诺只有 </a:t>
+            </a:r>
+            <a:r>
+              <a:rPr lang="en-US" altLang="zh-CN" dirty="0">
+                <a:solidFill>
+                  <a:srgbClr val="FF0000"/>
+                </a:solidFill>
+              </a:rPr>
+              <a:t>.then()</a:t>
+            </a:r>
+            <a:r>
+              <a:rPr lang="zh-CN" altLang="en-US" dirty="0">
+                <a:solidFill>
+                  <a:srgbClr val="FF0000"/>
+                </a:solidFill>
+                <a:latin typeface="Roboto" charset="0"/>
+              </a:rPr>
+              <a:t> 语句。</a:t>
+            </a:r>
+            <a:endParaRPr lang="zh-CN" altLang="en-US" dirty="0">
+              <a:solidFill>
+                <a:srgbClr val="FF0000"/>
+              </a:solidFill>
+            </a:endParaRPr>
+          </a:p>
+        </p:txBody>
+      </p:sp>
+      <p:sp>
+        <p:nvSpPr>
+          <p:cNvPr id="10" name="矩形 9"/>
+          <p:cNvSpPr/>
+          <p:nvPr/>
+        </p:nvSpPr>
+        <p:spPr>
+          <a:xfrm>
+            <a:off x="2095158" y="3869284"/>
+            <a:ext cx="9963491" cy="646331"/>
+          </a:xfrm>
+          <a:prstGeom prst="rect">
+            <a:avLst/>
+          </a:prstGeom>
+        </p:spPr>
+        <p:txBody>
+          <a:bodyPr wrap="square">
+            <a:spAutoFit/>
+          </a:bodyPr>
+          <a:lstStyle/>
+          <a:p>
+            <a:r>
+              <a:rPr lang="zh-CN" altLang="en-US">
+                <a:latin typeface="Roboto" charset="0"/>
+              </a:rPr>
+              <a:t>可观察对象的 </a:t>
+            </a:r>
+            <a:r>
+              <a:rPr lang="en-US" altLang="zh-CN" dirty="0"/>
+              <a:t>subscribe()</a:t>
+            </a:r>
+            <a:r>
+              <a:rPr lang="zh-CN" altLang="en-US" dirty="0">
+                <a:latin typeface="Roboto" charset="0"/>
+              </a:rPr>
+              <a:t> 会负责处理错误。承诺会把错误推送给它的子承诺。这让可观察对象可用于进行集中式、可预测的错误处理。</a:t>
+            </a:r>
+            <a:endParaRPr lang="zh-CN" altLang="en-US" dirty="0"/>
+          </a:p>
+        </p:txBody>
+      </p:sp>
+      <p:sp>
+        <p:nvSpPr>
+          <p:cNvPr id="13" name="矩形 12"/>
+          <p:cNvSpPr/>
+          <p:nvPr/>
+        </p:nvSpPr>
+        <p:spPr>
+          <a:xfrm>
+            <a:off x="2095158" y="4561333"/>
+            <a:ext cx="2121093" cy="369332"/>
+          </a:xfrm>
+          <a:prstGeom prst="rect">
+            <a:avLst/>
+          </a:prstGeom>
+        </p:spPr>
+        <p:txBody>
+          <a:bodyPr wrap="none">
+            <a:spAutoFit/>
+          </a:bodyPr>
+          <a:lstStyle/>
+          <a:p>
+            <a:r>
+              <a:rPr lang="zh-CN" altLang="en-US" dirty="0">
+                <a:latin typeface="Roboto" charset="0"/>
+              </a:rPr>
+              <a:t>可</a:t>
+            </a:r>
+            <a:r>
+              <a:rPr lang="zh-CN" altLang="en-US" dirty="0" smtClean="0">
+                <a:latin typeface="Roboto" charset="0"/>
+              </a:rPr>
+              <a:t>取消 </a:t>
+            </a:r>
+            <a:r>
+              <a:rPr lang="en-US" altLang="zh-CN" dirty="0" smtClean="0">
+                <a:latin typeface="Roboto" charset="0"/>
+              </a:rPr>
+              <a:t>vs</a:t>
+            </a:r>
+            <a:r>
+              <a:rPr lang="zh-CN" altLang="en-US" dirty="0" smtClean="0">
+                <a:latin typeface="Roboto" charset="0"/>
+              </a:rPr>
+              <a:t> 不可取消</a:t>
+            </a:r>
+            <a:endParaRPr lang="zh-CN" altLang="en-US" b="0" i="0" dirty="0">
+              <a:effectLst/>
+              <a:latin typeface="Roboto" charset="0"/>
+            </a:endParaRPr>
           </a:p>
         </p:txBody>
       </p:sp>
@@ -6126,6 +6461,340 @@
     <p:extLst>
       <p:ext uri="{BB962C8B-B14F-4D97-AF65-F5344CB8AC3E}">
         <p14:creationId xmlns:p14="http://schemas.microsoft.com/office/powerpoint/2010/main" val="1878691486"/>
+      </p:ext>
+    </p:extLst>
+  </p:cSld>
+  <p:clrMapOvr>
+    <a:masterClrMapping/>
+  </p:clrMapOvr>
+</p:sld>
+</file>
+
+<file path=ppt/slides/slide18.xml><?xml version="1.0" encoding="utf-8"?>
+<p:sld xmlns:a="http://schemas.openxmlformats.org/drawingml/2006/main" xmlns:r="http://schemas.openxmlformats.org/officeDocument/2006/relationships" xmlns:p="http://schemas.openxmlformats.org/presentationml/2006/main">
+  <p:cSld>
+    <p:spTree>
+      <p:nvGrpSpPr>
+        <p:cNvPr id="1" name=""/>
+        <p:cNvGrpSpPr/>
+        <p:nvPr/>
+      </p:nvGrpSpPr>
+      <p:grpSpPr>
+        <a:xfrm>
+          <a:off x="0" y="0"/>
+          <a:ext cx="0" cy="0"/>
+          <a:chOff x="0" y="0"/>
+          <a:chExt cx="0" cy="0"/>
+        </a:xfrm>
+      </p:grpSpPr>
+      <p:sp>
+        <p:nvSpPr>
+          <p:cNvPr id="2" name="矩形 1"/>
+          <p:cNvSpPr/>
+          <p:nvPr/>
+        </p:nvSpPr>
+        <p:spPr>
+          <a:xfrm>
+            <a:off x="4689415" y="472558"/>
+            <a:ext cx="2441694" cy="769441"/>
+          </a:xfrm>
+          <a:prstGeom prst="rect">
+            <a:avLst/>
+          </a:prstGeom>
+        </p:spPr>
+        <p:txBody>
+          <a:bodyPr wrap="none">
+            <a:spAutoFit/>
+          </a:bodyPr>
+          <a:lstStyle/>
+          <a:p>
+            <a:r>
+              <a:rPr lang="zh-CN" altLang="en-US" sz="4400"/>
+              <a:t>风格指南</a:t>
+            </a:r>
+          </a:p>
+        </p:txBody>
+      </p:sp>
+      <p:sp>
+        <p:nvSpPr>
+          <p:cNvPr id="3" name="矩形 2"/>
+          <p:cNvSpPr/>
+          <p:nvPr/>
+        </p:nvSpPr>
+        <p:spPr>
+          <a:xfrm>
+            <a:off x="2305213" y="1241999"/>
+            <a:ext cx="6186309" cy="369332"/>
+          </a:xfrm>
+          <a:prstGeom prst="rect">
+            <a:avLst/>
+          </a:prstGeom>
+        </p:spPr>
+        <p:txBody>
+          <a:bodyPr wrap="none">
+            <a:spAutoFit/>
+          </a:bodyPr>
+          <a:lstStyle/>
+          <a:p>
+            <a:r>
+              <a:rPr lang="zh-CN" altLang="en-US" dirty="0">
+                <a:latin typeface="Roboto" charset="0"/>
+              </a:rPr>
+              <a:t>每个文件只定义一样</a:t>
+            </a:r>
+            <a:r>
+              <a:rPr lang="zh-CN" altLang="en-US" dirty="0" smtClean="0">
+                <a:latin typeface="Roboto" charset="0"/>
+              </a:rPr>
+              <a:t>东西，</a:t>
+            </a:r>
+            <a:r>
+              <a:rPr lang="zh-CN" altLang="en-US" dirty="0"/>
+              <a:t>文件大小限制在 </a:t>
+            </a:r>
+            <a:r>
+              <a:rPr lang="en-US" altLang="zh-CN" dirty="0"/>
+              <a:t>400 </a:t>
+            </a:r>
+            <a:r>
+              <a:rPr lang="zh-CN" altLang="en-US" dirty="0"/>
+              <a:t>行代码以内</a:t>
+            </a:r>
+            <a:endParaRPr lang="zh-CN" altLang="en-US" dirty="0"/>
+          </a:p>
+        </p:txBody>
+      </p:sp>
+      <p:sp>
+        <p:nvSpPr>
+          <p:cNvPr id="5" name="矩形 4"/>
+          <p:cNvSpPr/>
+          <p:nvPr/>
+        </p:nvSpPr>
+        <p:spPr>
+          <a:xfrm>
+            <a:off x="2305213" y="1611331"/>
+            <a:ext cx="3531736" cy="369332"/>
+          </a:xfrm>
+          <a:prstGeom prst="rect">
+            <a:avLst/>
+          </a:prstGeom>
+        </p:spPr>
+        <p:txBody>
+          <a:bodyPr wrap="none">
+            <a:spAutoFit/>
+          </a:bodyPr>
+          <a:lstStyle/>
+          <a:p>
+            <a:r>
+              <a:rPr lang="zh-CN" altLang="en-US" dirty="0">
+                <a:latin typeface="Roboto" charset="0"/>
+              </a:rPr>
+              <a:t>定义简单</a:t>
+            </a:r>
+            <a:r>
+              <a:rPr lang="zh-CN" altLang="en-US" dirty="0" smtClean="0">
+                <a:latin typeface="Roboto" charset="0"/>
+              </a:rPr>
+              <a:t>函数，</a:t>
+            </a:r>
+            <a:r>
+              <a:rPr lang="zh-CN" altLang="en-US" dirty="0"/>
+              <a:t>限制在 </a:t>
+            </a:r>
+            <a:r>
+              <a:rPr lang="en-US" altLang="zh-CN" dirty="0"/>
+              <a:t>75 </a:t>
+            </a:r>
+            <a:r>
+              <a:rPr lang="zh-CN" altLang="en-US" dirty="0"/>
+              <a:t>行之内</a:t>
+            </a:r>
+            <a:endParaRPr lang="zh-CN" altLang="en-US" dirty="0"/>
+          </a:p>
+        </p:txBody>
+      </p:sp>
+      <p:sp>
+        <p:nvSpPr>
+          <p:cNvPr id="7" name="矩形 6"/>
+          <p:cNvSpPr/>
+          <p:nvPr/>
+        </p:nvSpPr>
+        <p:spPr>
+          <a:xfrm>
+            <a:off x="2305213" y="2011440"/>
+            <a:ext cx="7340471" cy="369332"/>
+          </a:xfrm>
+          <a:prstGeom prst="rect">
+            <a:avLst/>
+          </a:prstGeom>
+        </p:spPr>
+        <p:txBody>
+          <a:bodyPr wrap="none">
+            <a:spAutoFit/>
+          </a:bodyPr>
+          <a:lstStyle/>
+          <a:p>
+            <a:r>
+              <a:rPr lang="zh-CN" altLang="en-US" dirty="0">
+                <a:latin typeface="Roboto" charset="0"/>
+              </a:rPr>
+              <a:t>在描述性名字中，用</a:t>
+            </a:r>
+            <a:r>
+              <a:rPr lang="zh-CN" altLang="en-US" dirty="0">
+                <a:solidFill>
+                  <a:srgbClr val="FF0000"/>
+                </a:solidFill>
+                <a:latin typeface="Roboto" charset="0"/>
+              </a:rPr>
+              <a:t>横杠</a:t>
+            </a:r>
+            <a:r>
+              <a:rPr lang="zh-CN" altLang="en-US" dirty="0">
+                <a:latin typeface="Roboto" charset="0"/>
+              </a:rPr>
+              <a:t>来分隔</a:t>
+            </a:r>
+            <a:r>
+              <a:rPr lang="zh-CN" altLang="en-US" dirty="0" smtClean="0">
+                <a:latin typeface="Roboto" charset="0"/>
+              </a:rPr>
+              <a:t>单词，</a:t>
+            </a:r>
+            <a:r>
+              <a:rPr lang="zh-CN" altLang="en-US" dirty="0"/>
+              <a:t>使用</a:t>
+            </a:r>
+            <a:r>
+              <a:rPr lang="zh-CN" altLang="en-US" dirty="0">
+                <a:solidFill>
+                  <a:srgbClr val="FF0000"/>
+                </a:solidFill>
+              </a:rPr>
+              <a:t>点</a:t>
+            </a:r>
+            <a:r>
+              <a:rPr lang="zh-CN" altLang="en-US" dirty="0"/>
+              <a:t>来分隔描述性名字和类型</a:t>
+            </a:r>
+            <a:endParaRPr lang="zh-CN" altLang="en-US" dirty="0"/>
+          </a:p>
+        </p:txBody>
+      </p:sp>
+      <p:sp>
+        <p:nvSpPr>
+          <p:cNvPr id="9" name="矩形 8"/>
+          <p:cNvSpPr/>
+          <p:nvPr/>
+        </p:nvSpPr>
+        <p:spPr>
+          <a:xfrm>
+            <a:off x="2305213" y="2411549"/>
+            <a:ext cx="3416320" cy="369332"/>
+          </a:xfrm>
+          <a:prstGeom prst="rect">
+            <a:avLst/>
+          </a:prstGeom>
+        </p:spPr>
+        <p:txBody>
+          <a:bodyPr wrap="none">
+            <a:spAutoFit/>
+          </a:bodyPr>
+          <a:lstStyle/>
+          <a:p>
+            <a:r>
+              <a:rPr lang="zh-CN" altLang="en-US">
+                <a:latin typeface="Roboto" charset="0"/>
+              </a:rPr>
+              <a:t>使用大写驼峰命名法来命名类。</a:t>
+            </a:r>
+            <a:endParaRPr lang="zh-CN" altLang="en-US"/>
+          </a:p>
+        </p:txBody>
+      </p:sp>
+      <p:sp>
+        <p:nvSpPr>
+          <p:cNvPr id="10" name="矩形 9"/>
+          <p:cNvSpPr/>
+          <p:nvPr/>
+        </p:nvSpPr>
+        <p:spPr>
+          <a:xfrm>
+            <a:off x="2305212" y="2811658"/>
+            <a:ext cx="9886787" cy="369332"/>
+          </a:xfrm>
+          <a:prstGeom prst="rect">
+            <a:avLst/>
+          </a:prstGeom>
+        </p:spPr>
+        <p:txBody>
+          <a:bodyPr wrap="square">
+            <a:spAutoFit/>
+          </a:bodyPr>
+          <a:lstStyle/>
+          <a:p>
+            <a:r>
+              <a:rPr lang="zh-CN" altLang="en-US" dirty="0">
+                <a:latin typeface="Roboto" charset="0"/>
+              </a:rPr>
+              <a:t>坚持使用</a:t>
+            </a:r>
+            <a:r>
+              <a:rPr lang="zh-CN" altLang="en-US" b="1" dirty="0">
+                <a:latin typeface="Roboto" charset="0"/>
+              </a:rPr>
+              <a:t>中线命名法（</a:t>
+            </a:r>
+            <a:r>
+              <a:rPr lang="en-US" altLang="zh-CN" b="1" dirty="0">
+                <a:latin typeface="Roboto" charset="0"/>
+              </a:rPr>
+              <a:t>dashed-case</a:t>
+            </a:r>
+            <a:r>
+              <a:rPr lang="zh-CN" altLang="en-US" b="1" dirty="0">
+                <a:latin typeface="Roboto" charset="0"/>
+              </a:rPr>
+              <a:t>）</a:t>
+            </a:r>
+            <a:r>
+              <a:rPr lang="zh-CN" altLang="en-US" dirty="0">
+                <a:latin typeface="Roboto" charset="0"/>
+              </a:rPr>
+              <a:t>或叫</a:t>
+            </a:r>
+            <a:r>
+              <a:rPr lang="zh-CN" altLang="en-US" b="1" dirty="0">
+                <a:latin typeface="Roboto" charset="0"/>
+              </a:rPr>
+              <a:t>烤串命名法（</a:t>
+            </a:r>
+            <a:r>
+              <a:rPr lang="en-US" altLang="zh-CN" b="1" dirty="0">
+                <a:latin typeface="Roboto" charset="0"/>
+              </a:rPr>
+              <a:t>kebab-case</a:t>
+            </a:r>
+            <a:r>
+              <a:rPr lang="zh-CN" altLang="en-US" b="1" dirty="0">
+                <a:latin typeface="Roboto" charset="0"/>
+              </a:rPr>
+              <a:t>）</a:t>
+            </a:r>
+            <a:r>
+              <a:rPr lang="zh-CN" altLang="en-US" dirty="0">
+                <a:latin typeface="Roboto" charset="0"/>
+              </a:rPr>
+              <a:t>来命名组件的元素选择器</a:t>
+            </a:r>
+            <a:endParaRPr lang="zh-CN" altLang="en-US" dirty="0"/>
+          </a:p>
+        </p:txBody>
+      </p:sp>
+    </p:spTree>
+    <p:extLst>
+      <p:ext uri="{BB962C8B-B14F-4D97-AF65-F5344CB8AC3E}">
+        <p14:creationId xmlns:p14="http://schemas.microsoft.com/office/powerpoint/2010/main" val="1773931592"/>
       </p:ext>
     </p:extLst>
   </p:cSld>

--- a/Documents/angular.pptx
+++ b/Documents/angular.pptx
@@ -5,7 +5,7 @@
     <p:sldMasterId id="2147483648" r:id="rId1"/>
   </p:sldMasterIdLst>
   <p:notesMasterIdLst>
-    <p:notesMasterId r:id="rId20"/>
+    <p:notesMasterId r:id="rId25"/>
   </p:notesMasterIdLst>
   <p:sldIdLst>
     <p:sldId id="256" r:id="rId2"/>
@@ -20,12 +20,17 @@
     <p:sldId id="273" r:id="rId11"/>
     <p:sldId id="274" r:id="rId12"/>
     <p:sldId id="272" r:id="rId13"/>
-    <p:sldId id="264" r:id="rId14"/>
-    <p:sldId id="265" r:id="rId15"/>
-    <p:sldId id="266" r:id="rId16"/>
-    <p:sldId id="259" r:id="rId17"/>
-    <p:sldId id="261" r:id="rId18"/>
-    <p:sldId id="275" r:id="rId19"/>
+    <p:sldId id="277" r:id="rId14"/>
+    <p:sldId id="278" r:id="rId15"/>
+    <p:sldId id="276" r:id="rId16"/>
+    <p:sldId id="279" r:id="rId17"/>
+    <p:sldId id="280" r:id="rId18"/>
+    <p:sldId id="264" r:id="rId19"/>
+    <p:sldId id="265" r:id="rId20"/>
+    <p:sldId id="266" r:id="rId21"/>
+    <p:sldId id="259" r:id="rId22"/>
+    <p:sldId id="261" r:id="rId23"/>
+    <p:sldId id="275" r:id="rId24"/>
   </p:sldIdLst>
   <p:sldSz cx="12192000" cy="6858000"/>
   <p:notesSz cx="6858000" cy="9144000"/>
@@ -214,7 +219,7 @@
           <a:p>
             <a:fld id="{008404EF-794E-2447-8DCF-3FC8505CDB40}" type="datetimeFigureOut">
               <a:rPr kumimoji="1" lang="zh-CN" altLang="en-US" smtClean="0"/>
-              <a:t>2018/9/17</a:t>
+              <a:t>2018/9/18</a:t>
             </a:fld>
             <a:endParaRPr kumimoji="1" lang="zh-CN" altLang="en-US"/>
           </a:p>
@@ -613,7 +618,7 @@
           <a:p>
             <a:fld id="{7CA3032E-00E9-4729-A89B-323F05814971}" type="datetimeFigureOut">
               <a:rPr lang="zh-CN" altLang="en-US" smtClean="0"/>
-              <a:t>2018/9/17</a:t>
+              <a:t>2018/9/18</a:t>
             </a:fld>
             <a:endParaRPr lang="zh-CN" altLang="en-US"/>
           </a:p>
@@ -783,7 +788,7 @@
           <a:p>
             <a:fld id="{7CA3032E-00E9-4729-A89B-323F05814971}" type="datetimeFigureOut">
               <a:rPr lang="zh-CN" altLang="en-US" smtClean="0"/>
-              <a:t>2018/9/17</a:t>
+              <a:t>2018/9/18</a:t>
             </a:fld>
             <a:endParaRPr lang="zh-CN" altLang="en-US"/>
           </a:p>
@@ -963,7 +968,7 @@
           <a:p>
             <a:fld id="{7CA3032E-00E9-4729-A89B-323F05814971}" type="datetimeFigureOut">
               <a:rPr lang="zh-CN" altLang="en-US" smtClean="0"/>
-              <a:t>2018/9/17</a:t>
+              <a:t>2018/9/18</a:t>
             </a:fld>
             <a:endParaRPr lang="zh-CN" altLang="en-US"/>
           </a:p>
@@ -1133,7 +1138,7 @@
           <a:p>
             <a:fld id="{7CA3032E-00E9-4729-A89B-323F05814971}" type="datetimeFigureOut">
               <a:rPr lang="zh-CN" altLang="en-US" smtClean="0"/>
-              <a:t>2018/9/17</a:t>
+              <a:t>2018/9/18</a:t>
             </a:fld>
             <a:endParaRPr lang="zh-CN" altLang="en-US"/>
           </a:p>
@@ -1379,7 +1384,7 @@
           <a:p>
             <a:fld id="{7CA3032E-00E9-4729-A89B-323F05814971}" type="datetimeFigureOut">
               <a:rPr lang="zh-CN" altLang="en-US" smtClean="0"/>
-              <a:t>2018/9/17</a:t>
+              <a:t>2018/9/18</a:t>
             </a:fld>
             <a:endParaRPr lang="zh-CN" altLang="en-US"/>
           </a:p>
@@ -1611,7 +1616,7 @@
           <a:p>
             <a:fld id="{7CA3032E-00E9-4729-A89B-323F05814971}" type="datetimeFigureOut">
               <a:rPr lang="zh-CN" altLang="en-US" smtClean="0"/>
-              <a:t>2018/9/17</a:t>
+              <a:t>2018/9/18</a:t>
             </a:fld>
             <a:endParaRPr lang="zh-CN" altLang="en-US"/>
           </a:p>
@@ -1978,7 +1983,7 @@
           <a:p>
             <a:fld id="{7CA3032E-00E9-4729-A89B-323F05814971}" type="datetimeFigureOut">
               <a:rPr lang="zh-CN" altLang="en-US" smtClean="0"/>
-              <a:t>2018/9/17</a:t>
+              <a:t>2018/9/18</a:t>
             </a:fld>
             <a:endParaRPr lang="zh-CN" altLang="en-US"/>
           </a:p>
@@ -2096,7 +2101,7 @@
           <a:p>
             <a:fld id="{7CA3032E-00E9-4729-A89B-323F05814971}" type="datetimeFigureOut">
               <a:rPr lang="zh-CN" altLang="en-US" smtClean="0"/>
-              <a:t>2018/9/17</a:t>
+              <a:t>2018/9/18</a:t>
             </a:fld>
             <a:endParaRPr lang="zh-CN" altLang="en-US"/>
           </a:p>
@@ -2191,7 +2196,7 @@
           <a:p>
             <a:fld id="{7CA3032E-00E9-4729-A89B-323F05814971}" type="datetimeFigureOut">
               <a:rPr lang="zh-CN" altLang="en-US" smtClean="0"/>
-              <a:t>2018/9/17</a:t>
+              <a:t>2018/9/18</a:t>
             </a:fld>
             <a:endParaRPr lang="zh-CN" altLang="en-US"/>
           </a:p>
@@ -2468,7 +2473,7 @@
           <a:p>
             <a:fld id="{7CA3032E-00E9-4729-A89B-323F05814971}" type="datetimeFigureOut">
               <a:rPr lang="zh-CN" altLang="en-US" smtClean="0"/>
-              <a:t>2018/9/17</a:t>
+              <a:t>2018/9/18</a:t>
             </a:fld>
             <a:endParaRPr lang="zh-CN" altLang="en-US"/>
           </a:p>
@@ -2721,7 +2726,7 @@
           <a:p>
             <a:fld id="{7CA3032E-00E9-4729-A89B-323F05814971}" type="datetimeFigureOut">
               <a:rPr lang="zh-CN" altLang="en-US" smtClean="0"/>
-              <a:t>2018/9/17</a:t>
+              <a:t>2018/9/18</a:t>
             </a:fld>
             <a:endParaRPr lang="zh-CN" altLang="en-US"/>
           </a:p>
@@ -2934,7 +2939,7 @@
           <a:p>
             <a:fld id="{7CA3032E-00E9-4729-A89B-323F05814971}" type="datetimeFigureOut">
               <a:rPr lang="zh-CN" altLang="en-US" smtClean="0"/>
-              <a:t>2018/9/17</a:t>
+              <a:t>2018/9/18</a:t>
             </a:fld>
             <a:endParaRPr lang="zh-CN" altLang="en-US"/>
           </a:p>
@@ -4452,18 +4457,12 @@
           <a:lstStyle/>
           <a:p>
             <a:r>
-              <a:rPr lang="zh-CN" altLang="en-US" sz="4400">
-                <a:latin typeface="Roboto" charset="0"/>
-              </a:rPr>
-              <a:t>模板</a:t>
-            </a:r>
-            <a:r>
-              <a:rPr lang="zh-CN" altLang="en-US" sz="4400" smtClean="0">
-                <a:latin typeface="Roboto" charset="0"/>
-              </a:rPr>
-              <a:t>语法</a:t>
-            </a:r>
-            <a:endParaRPr lang="zh-CN" altLang="en-US" sz="4400">
+              <a:rPr lang="zh-CN" altLang="en-US" sz="4400" dirty="0" smtClean="0">
+                <a:latin typeface="Roboto" charset="0"/>
+              </a:rPr>
+              <a:t>启动过程</a:t>
+            </a:r>
+            <a:endParaRPr lang="zh-CN" altLang="en-US" sz="4400" dirty="0">
               <a:latin typeface="Roboto" charset="0"/>
             </a:endParaRPr>
           </a:p>
@@ -4471,210 +4470,954 @@
       </p:sp>
       <p:sp>
         <p:nvSpPr>
-          <p:cNvPr id="4" name="矩形 3"/>
-          <p:cNvSpPr/>
+          <p:cNvPr id="5" name="Rectangle 1"/>
+          <p:cNvSpPr>
+            <a:spLocks noChangeArrowheads="1"/>
+          </p:cNvSpPr>
           <p:nvPr/>
         </p:nvSpPr>
-        <p:spPr>
-          <a:xfrm>
-            <a:off x="1961217" y="1344096"/>
-            <a:ext cx="4132350" cy="369332"/>
+        <p:spPr bwMode="auto">
+          <a:xfrm>
+            <a:off x="647961" y="1170563"/>
+            <a:ext cx="11296390" cy="1231106"/>
           </a:xfrm>
           <a:prstGeom prst="rect">
             <a:avLst/>
           </a:prstGeom>
-        </p:spPr>
-        <p:txBody>
-          <a:bodyPr wrap="none">
+          <a:solidFill>
+            <a:srgbClr val="F1F1F1"/>
+          </a:solidFill>
+          <a:ln>
+            <a:noFill/>
+          </a:ln>
+          <a:effectLst/>
+          <a:extLst>
+            <a:ext uri="{91240B29-F687-4F45-9708-019B960494DF}">
+              <a14:hiddenLine xmlns:a14="http://schemas.microsoft.com/office/drawing/2010/main" w="9525">
+                <a:solidFill>
+                  <a:schemeClr val="tx1"/>
+                </a:solidFill>
+                <a:miter lim="800000"/>
+                <a:headEnd/>
+                <a:tailEnd/>
+              </a14:hiddenLine>
+            </a:ext>
+            <a:ext uri="{AF507438-7753-43E0-B8FC-AC1667EBCBE1}">
+              <a14:hiddenEffects xmlns:a14="http://schemas.microsoft.com/office/drawing/2010/main">
+                <a:effectLst>
+                  <a:outerShdw dist="35921" dir="2700000" algn="ctr" rotWithShape="0">
+                    <a:schemeClr val="bg2"/>
+                  </a:outerShdw>
+                </a:effectLst>
+              </a14:hiddenEffects>
+            </a:ext>
+          </a:extLst>
+        </p:spPr>
+        <p:txBody>
+          <a:bodyPr vert="horz" wrap="square" lIns="91440" tIns="45720" rIns="91440" bIns="45720" numCol="1" anchor="ctr" anchorCtr="0" compatLnSpc="1">
+            <a:prstTxWarp prst="textNoShape">
+              <a:avLst/>
+            </a:prstTxWarp>
             <a:spAutoFit/>
           </a:bodyPr>
           <a:lstStyle/>
           <a:p>
-            <a:r>
-              <a:rPr lang="en-US" altLang="zh-CN">
-                <a:solidFill>
-                  <a:srgbClr val="1976D2"/>
-                </a:solidFill>
-                <a:latin typeface="Roboto" charset="0"/>
-              </a:rPr>
-              <a:t>HTML attribute </a:t>
-            </a:r>
-            <a:r>
-              <a:rPr lang="zh-CN" altLang="en-US" dirty="0">
-                <a:solidFill>
-                  <a:srgbClr val="1976D2"/>
-                </a:solidFill>
-                <a:latin typeface="Roboto" charset="0"/>
-              </a:rPr>
-              <a:t>与 </a:t>
-            </a:r>
-            <a:r>
-              <a:rPr lang="en-US" altLang="zh-CN" dirty="0">
-                <a:solidFill>
-                  <a:srgbClr val="1976D2"/>
-                </a:solidFill>
-                <a:latin typeface="Roboto" charset="0"/>
-              </a:rPr>
-              <a:t>DOM property </a:t>
-            </a:r>
-            <a:r>
-              <a:rPr lang="zh-CN" altLang="en-US" dirty="0">
-                <a:solidFill>
-                  <a:srgbClr val="1976D2"/>
-                </a:solidFill>
-                <a:latin typeface="Roboto" charset="0"/>
-              </a:rPr>
-              <a:t>的对比</a:t>
-            </a:r>
-            <a:endParaRPr lang="zh-CN" altLang="en-US" b="0" i="0" dirty="0">
-              <a:solidFill>
-                <a:srgbClr val="1976D2"/>
-              </a:solidFill>
-              <a:effectLst/>
-              <a:latin typeface="Roboto" charset="0"/>
-            </a:endParaRPr>
-          </a:p>
-        </p:txBody>
-      </p:sp>
-      <p:sp>
-        <p:nvSpPr>
-          <p:cNvPr id="3" name="矩形 2"/>
-          <p:cNvSpPr/>
+            <a:pPr marL="0" marR="0" lvl="0" indent="0" algn="l" defTabSz="914400" rtl="0" eaLnBrk="0" fontAlgn="base" latinLnBrk="0" hangingPunct="0">
+              <a:lnSpc>
+                <a:spcPct val="100000"/>
+              </a:lnSpc>
+              <a:spcBef>
+                <a:spcPct val="0"/>
+              </a:spcBef>
+              <a:spcAft>
+                <a:spcPct val="0"/>
+              </a:spcAft>
+              <a:buClrTx/>
+              <a:buSzTx/>
+              <a:buFontTx/>
+              <a:buChar char="•"/>
+              <a:tabLst/>
+            </a:pPr>
+            <a:r>
+              <a:rPr kumimoji="0" lang="en-US" altLang="en-US" b="1" i="0" u="none" strike="noStrike" cap="none" normalizeH="0" baseline="0" dirty="0" smtClean="0">
+                <a:ln>
+                  <a:noFill/>
+                </a:ln>
+                <a:solidFill>
+                  <a:schemeClr val="tx1"/>
+                </a:solidFill>
+                <a:effectLst/>
+                <a:latin typeface="Roboto" panose="02000000000000000000" pitchFamily="2" charset="0"/>
+              </a:rPr>
+              <a:t>declarations</a:t>
+            </a:r>
+            <a:r>
+              <a:rPr kumimoji="0" lang="en-US" altLang="en-US" b="0" i="0" u="none" strike="noStrike" cap="none" normalizeH="0" baseline="0" dirty="0" smtClean="0">
+                <a:ln>
+                  <a:noFill/>
+                </a:ln>
+                <a:solidFill>
+                  <a:schemeClr val="tx1"/>
+                </a:solidFill>
+                <a:effectLst/>
+                <a:latin typeface="Roboto" panose="02000000000000000000" pitchFamily="2" charset="0"/>
+              </a:rPr>
+              <a:t> ——</a:t>
+            </a:r>
+            <a:r>
+              <a:rPr kumimoji="0" lang="en-US" altLang="en-US" b="0" i="0" u="none" strike="noStrike" cap="none" normalizeH="0" baseline="0" dirty="0" err="1" smtClean="0">
+                <a:ln>
+                  <a:noFill/>
+                </a:ln>
+                <a:solidFill>
+                  <a:schemeClr val="tx1"/>
+                </a:solidFill>
+                <a:effectLst/>
+                <a:latin typeface="Roboto" panose="02000000000000000000" pitchFamily="2" charset="0"/>
+              </a:rPr>
+              <a:t>组件</a:t>
+            </a:r>
+            <a:r>
+              <a:rPr kumimoji="0" lang="zh-CN" altLang="en-US" b="0" i="0" u="none" strike="noStrike" cap="none" normalizeH="0" baseline="0" dirty="0" smtClean="0">
+                <a:ln>
+                  <a:noFill/>
+                </a:ln>
+                <a:solidFill>
+                  <a:schemeClr val="tx1"/>
+                </a:solidFill>
+                <a:effectLst/>
+                <a:latin typeface="Roboto" panose="02000000000000000000" pitchFamily="2" charset="0"/>
+              </a:rPr>
+              <a:t>、指令、管道</a:t>
+            </a:r>
+            <a:r>
+              <a:rPr kumimoji="0" lang="en-US" altLang="en-US" b="0" i="0" u="none" strike="noStrike" cap="none" normalizeH="0" baseline="0" dirty="0" smtClean="0">
+                <a:ln>
+                  <a:noFill/>
+                </a:ln>
+                <a:solidFill>
+                  <a:schemeClr val="tx1"/>
+                </a:solidFill>
+                <a:effectLst/>
+                <a:latin typeface="Roboto" panose="02000000000000000000" pitchFamily="2" charset="0"/>
+              </a:rPr>
+              <a:t>。</a:t>
+            </a:r>
+          </a:p>
+          <a:p>
+            <a:pPr marL="0" marR="0" lvl="0" indent="0" algn="l" defTabSz="914400" rtl="0" eaLnBrk="0" fontAlgn="base" latinLnBrk="0" hangingPunct="0">
+              <a:lnSpc>
+                <a:spcPct val="100000"/>
+              </a:lnSpc>
+              <a:spcBef>
+                <a:spcPct val="0"/>
+              </a:spcBef>
+              <a:spcAft>
+                <a:spcPct val="0"/>
+              </a:spcAft>
+              <a:buClrTx/>
+              <a:buSzTx/>
+              <a:buFontTx/>
+              <a:buChar char="•"/>
+              <a:tabLst/>
+            </a:pPr>
+            <a:r>
+              <a:rPr kumimoji="0" lang="en-US" altLang="en-US" b="1" i="0" u="none" strike="noStrike" cap="none" normalizeH="0" baseline="0" dirty="0" smtClean="0">
+                <a:ln>
+                  <a:noFill/>
+                </a:ln>
+                <a:solidFill>
+                  <a:schemeClr val="tx1"/>
+                </a:solidFill>
+                <a:effectLst/>
+                <a:latin typeface="Roboto" panose="02000000000000000000" pitchFamily="2" charset="0"/>
+              </a:rPr>
+              <a:t>imports</a:t>
+            </a:r>
+            <a:r>
+              <a:rPr kumimoji="0" lang="en-US" altLang="en-US" b="0" i="0" u="none" strike="noStrike" cap="none" normalizeH="0" baseline="0" dirty="0" smtClean="0">
+                <a:ln>
+                  <a:noFill/>
+                </a:ln>
+                <a:solidFill>
+                  <a:schemeClr val="tx1"/>
+                </a:solidFill>
+                <a:effectLst/>
+                <a:latin typeface="Roboto" panose="02000000000000000000" pitchFamily="2" charset="0"/>
+              </a:rPr>
+              <a:t> ——  </a:t>
+            </a:r>
+            <a:r>
+              <a:rPr kumimoji="0" lang="en-US" altLang="zh-CN" b="0" i="0" u="none" strike="noStrike" cap="none" normalizeH="0" baseline="0" dirty="0" smtClean="0">
+                <a:ln>
+                  <a:noFill/>
+                </a:ln>
+                <a:solidFill>
+                  <a:schemeClr val="tx1"/>
+                </a:solidFill>
+                <a:effectLst/>
+                <a:latin typeface="Roboto" panose="02000000000000000000" pitchFamily="2" charset="0"/>
+              </a:rPr>
+              <a:t>Module</a:t>
+            </a:r>
+            <a:r>
+              <a:rPr kumimoji="0" lang="en-US" altLang="en-US" b="0" i="0" u="none" strike="noStrike" cap="none" normalizeH="0" baseline="0" dirty="0" smtClean="0">
+                <a:ln>
+                  <a:noFill/>
+                </a:ln>
+                <a:solidFill>
+                  <a:schemeClr val="tx1"/>
+                </a:solidFill>
+                <a:effectLst/>
+                <a:latin typeface="Roboto" panose="02000000000000000000" pitchFamily="2" charset="0"/>
+              </a:rPr>
+              <a:t>。</a:t>
+            </a:r>
+          </a:p>
+          <a:p>
+            <a:pPr marL="0" marR="0" lvl="0" indent="0" algn="l" defTabSz="914400" rtl="0" eaLnBrk="0" fontAlgn="base" latinLnBrk="0" hangingPunct="0">
+              <a:lnSpc>
+                <a:spcPct val="100000"/>
+              </a:lnSpc>
+              <a:spcBef>
+                <a:spcPct val="0"/>
+              </a:spcBef>
+              <a:spcAft>
+                <a:spcPct val="0"/>
+              </a:spcAft>
+              <a:buClrTx/>
+              <a:buSzTx/>
+              <a:buFontTx/>
+              <a:buChar char="•"/>
+              <a:tabLst/>
+            </a:pPr>
+            <a:r>
+              <a:rPr kumimoji="0" lang="en-US" altLang="en-US" b="1" i="0" u="none" strike="noStrike" cap="none" normalizeH="0" baseline="0" dirty="0" smtClean="0">
+                <a:ln>
+                  <a:noFill/>
+                </a:ln>
+                <a:solidFill>
+                  <a:schemeClr val="tx1"/>
+                </a:solidFill>
+                <a:effectLst/>
+                <a:latin typeface="Roboto" panose="02000000000000000000" pitchFamily="2" charset="0"/>
+              </a:rPr>
+              <a:t>providers</a:t>
+            </a:r>
+            <a:r>
+              <a:rPr kumimoji="0" lang="en-US" altLang="en-US" b="0" i="0" u="none" strike="noStrike" cap="none" normalizeH="0" baseline="0" dirty="0" smtClean="0">
+                <a:ln>
+                  <a:noFill/>
+                </a:ln>
+                <a:solidFill>
+                  <a:schemeClr val="tx1"/>
+                </a:solidFill>
+                <a:effectLst/>
+                <a:latin typeface="Roboto" panose="02000000000000000000" pitchFamily="2" charset="0"/>
+              </a:rPr>
+              <a:t> ——S</a:t>
+            </a:r>
+            <a:r>
+              <a:rPr kumimoji="0" lang="en-US" altLang="zh-CN" b="0" i="0" u="none" strike="noStrike" cap="none" normalizeH="0" baseline="0" dirty="0" smtClean="0">
+                <a:ln>
+                  <a:noFill/>
+                </a:ln>
+                <a:solidFill>
+                  <a:schemeClr val="tx1"/>
+                </a:solidFill>
+                <a:effectLst/>
+                <a:latin typeface="Roboto" panose="02000000000000000000" pitchFamily="2" charset="0"/>
+              </a:rPr>
+              <a:t>ervice</a:t>
+            </a:r>
+            <a:r>
+              <a:rPr kumimoji="0" lang="en-US" altLang="en-US" b="0" i="0" u="none" strike="noStrike" cap="none" normalizeH="0" baseline="0" dirty="0" smtClean="0">
+                <a:ln>
+                  <a:noFill/>
+                </a:ln>
+                <a:solidFill>
+                  <a:schemeClr val="tx1"/>
+                </a:solidFill>
+                <a:effectLst/>
+                <a:latin typeface="Roboto" panose="02000000000000000000" pitchFamily="2" charset="0"/>
+              </a:rPr>
+              <a:t>。</a:t>
+            </a:r>
+          </a:p>
+          <a:p>
+            <a:pPr marL="0" marR="0" lvl="0" indent="0" algn="l" defTabSz="914400" rtl="0" eaLnBrk="0" fontAlgn="base" latinLnBrk="0" hangingPunct="0">
+              <a:lnSpc>
+                <a:spcPct val="100000"/>
+              </a:lnSpc>
+              <a:spcBef>
+                <a:spcPct val="0"/>
+              </a:spcBef>
+              <a:spcAft>
+                <a:spcPct val="0"/>
+              </a:spcAft>
+              <a:buClrTx/>
+              <a:buSzTx/>
+              <a:buFontTx/>
+              <a:buChar char="•"/>
+              <a:tabLst/>
+            </a:pPr>
+            <a:r>
+              <a:rPr kumimoji="0" lang="en-US" altLang="en-US" b="1" i="0" u="none" strike="noStrike" cap="none" normalizeH="0" baseline="0" dirty="0" smtClean="0">
+                <a:ln>
+                  <a:noFill/>
+                </a:ln>
+                <a:solidFill>
+                  <a:schemeClr val="tx1"/>
+                </a:solidFill>
+                <a:effectLst/>
+                <a:latin typeface="Roboto" panose="02000000000000000000" pitchFamily="2" charset="0"/>
+              </a:rPr>
+              <a:t>bootstrap</a:t>
+            </a:r>
+            <a:r>
+              <a:rPr kumimoji="0" lang="en-US" altLang="en-US" b="0" i="0" u="none" strike="noStrike" cap="none" normalizeH="0" baseline="0" dirty="0" smtClean="0">
+                <a:ln>
+                  <a:noFill/>
+                </a:ln>
+                <a:solidFill>
+                  <a:schemeClr val="tx1"/>
+                </a:solidFill>
+                <a:effectLst/>
+                <a:latin typeface="Roboto" panose="02000000000000000000" pitchFamily="2" charset="0"/>
+              </a:rPr>
+              <a:t> —— </a:t>
+            </a:r>
+            <a:r>
+              <a:rPr kumimoji="0" lang="en-US" altLang="en-US" b="1" i="0" u="none" strike="noStrike" cap="none" normalizeH="0" baseline="0" dirty="0" err="1" smtClean="0">
+                <a:ln>
+                  <a:noFill/>
+                </a:ln>
+                <a:solidFill>
+                  <a:schemeClr val="tx1"/>
+                </a:solidFill>
+                <a:effectLst/>
+                <a:latin typeface="Roboto" panose="02000000000000000000" pitchFamily="2" charset="0"/>
+              </a:rPr>
+              <a:t>根</a:t>
+            </a:r>
+            <a:r>
+              <a:rPr kumimoji="0" lang="en-US" altLang="en-US" b="0" i="0" u="none" strike="noStrike" cap="none" normalizeH="0" baseline="0" dirty="0" err="1" smtClean="0">
+                <a:ln>
+                  <a:noFill/>
+                </a:ln>
+                <a:solidFill>
+                  <a:schemeClr val="tx1"/>
+                </a:solidFill>
+                <a:effectLst/>
+                <a:latin typeface="Roboto" panose="02000000000000000000" pitchFamily="2" charset="0"/>
+              </a:rPr>
+              <a:t>组件，Angular</a:t>
+            </a:r>
+            <a:r>
+              <a:rPr kumimoji="0" lang="en-US" altLang="en-US" b="0" i="0" u="none" strike="noStrike" cap="none" normalizeH="0" baseline="0" dirty="0" smtClean="0">
+                <a:ln>
+                  <a:noFill/>
+                </a:ln>
+                <a:solidFill>
+                  <a:schemeClr val="tx1"/>
+                </a:solidFill>
+                <a:effectLst/>
+                <a:latin typeface="Roboto" panose="02000000000000000000" pitchFamily="2" charset="0"/>
+              </a:rPr>
+              <a:t> </a:t>
+            </a:r>
+            <a:r>
+              <a:rPr kumimoji="0" lang="en-US" altLang="en-US" b="0" i="0" u="none" strike="noStrike" cap="none" normalizeH="0" baseline="0" dirty="0" err="1" smtClean="0">
+                <a:ln>
+                  <a:noFill/>
+                </a:ln>
+                <a:solidFill>
+                  <a:schemeClr val="tx1"/>
+                </a:solidFill>
+                <a:effectLst/>
+                <a:latin typeface="Roboto" panose="02000000000000000000" pitchFamily="2" charset="0"/>
+              </a:rPr>
+              <a:t>创建它并插入</a:t>
+            </a:r>
+            <a:r>
+              <a:rPr kumimoji="0" lang="en-US" altLang="en-US" b="0" i="0" u="none" strike="noStrike" cap="none" normalizeH="0" baseline="0" dirty="0" smtClean="0">
+                <a:ln>
+                  <a:noFill/>
+                </a:ln>
+                <a:solidFill>
+                  <a:schemeClr val="tx1"/>
+                </a:solidFill>
+                <a:effectLst/>
+                <a:latin typeface="Roboto" panose="02000000000000000000" pitchFamily="2" charset="0"/>
+              </a:rPr>
+              <a:t> </a:t>
+            </a:r>
+            <a:r>
+              <a:rPr kumimoji="0" lang="en-US" altLang="en-US" sz="1400" b="0" i="0" u="none" strike="noStrike" cap="none" normalizeH="0" baseline="0" dirty="0" smtClean="0">
+                <a:ln>
+                  <a:noFill/>
+                </a:ln>
+                <a:solidFill>
+                  <a:srgbClr val="333333"/>
+                </a:solidFill>
+                <a:effectLst/>
+                <a:latin typeface="Arial Unicode MS" panose="020B0604020202020204" pitchFamily="34" charset="-128"/>
+                <a:ea typeface="Droid Sans Mono"/>
+              </a:rPr>
+              <a:t>index.html</a:t>
+            </a:r>
+            <a:r>
+              <a:rPr kumimoji="0" lang="en-US" altLang="en-US" b="0" i="0" u="none" strike="noStrike" cap="none" normalizeH="0" baseline="0" dirty="0" smtClean="0">
+                <a:ln>
+                  <a:noFill/>
+                </a:ln>
+                <a:solidFill>
+                  <a:schemeClr val="tx1"/>
+                </a:solidFill>
+                <a:effectLst/>
+                <a:latin typeface="Roboto" panose="02000000000000000000" pitchFamily="2" charset="0"/>
+              </a:rPr>
+              <a:t> </a:t>
+            </a:r>
+            <a:r>
+              <a:rPr kumimoji="0" lang="en-US" altLang="en-US" b="0" i="0" u="none" strike="noStrike" cap="none" normalizeH="0" baseline="0" dirty="0" err="1" smtClean="0">
+                <a:ln>
+                  <a:noFill/>
+                </a:ln>
+                <a:solidFill>
+                  <a:schemeClr val="tx1"/>
+                </a:solidFill>
+                <a:effectLst/>
+                <a:latin typeface="Roboto" panose="02000000000000000000" pitchFamily="2" charset="0"/>
+              </a:rPr>
+              <a:t>宿主页面</a:t>
+            </a:r>
+            <a:r>
+              <a:rPr kumimoji="0" lang="en-US" altLang="en-US" b="0" i="0" u="none" strike="noStrike" cap="none" normalizeH="0" baseline="0" dirty="0" smtClean="0">
+                <a:ln>
+                  <a:noFill/>
+                </a:ln>
+                <a:solidFill>
+                  <a:schemeClr val="tx1"/>
+                </a:solidFill>
+                <a:effectLst/>
+                <a:latin typeface="Roboto" panose="02000000000000000000" pitchFamily="2" charset="0"/>
+              </a:rPr>
+              <a:t>。</a:t>
+            </a:r>
+          </a:p>
+        </p:txBody>
+      </p:sp>
+      <p:sp>
+        <p:nvSpPr>
+          <p:cNvPr id="6" name="Rectangle 2"/>
+          <p:cNvSpPr>
+            <a:spLocks noChangeArrowheads="1"/>
+          </p:cNvSpPr>
           <p:nvPr/>
         </p:nvSpPr>
-        <p:spPr>
-          <a:xfrm>
-            <a:off x="1961217" y="1886961"/>
-            <a:ext cx="9625946" cy="646331"/>
+        <p:spPr bwMode="auto">
+          <a:xfrm>
+            <a:off x="647961" y="2506146"/>
+            <a:ext cx="6952989" cy="430887"/>
           </a:xfrm>
           <a:prstGeom prst="rect">
             <a:avLst/>
           </a:prstGeom>
-        </p:spPr>
-        <p:txBody>
-          <a:bodyPr wrap="square">
+          <a:solidFill>
+            <a:srgbClr val="FAFAFA"/>
+          </a:solidFill>
+          <a:ln>
+            <a:noFill/>
+          </a:ln>
+          <a:effectLst/>
+          <a:extLst>
+            <a:ext uri="{91240B29-F687-4F45-9708-019B960494DF}">
+              <a14:hiddenLine xmlns:a14="http://schemas.microsoft.com/office/drawing/2010/main" w="9525">
+                <a:solidFill>
+                  <a:schemeClr val="tx1"/>
+                </a:solidFill>
+                <a:miter lim="800000"/>
+                <a:headEnd/>
+                <a:tailEnd/>
+              </a14:hiddenLine>
+            </a:ext>
+            <a:ext uri="{AF507438-7753-43E0-B8FC-AC1667EBCBE1}">
+              <a14:hiddenEffects xmlns:a14="http://schemas.microsoft.com/office/drawing/2010/main">
+                <a:effectLst>
+                  <a:outerShdw dist="35921" dir="2700000" algn="ctr" rotWithShape="0">
+                    <a:schemeClr val="bg2"/>
+                  </a:outerShdw>
+                </a:effectLst>
+              </a14:hiddenEffects>
+            </a:ext>
+          </a:extLst>
+        </p:spPr>
+        <p:txBody>
+          <a:bodyPr vert="horz" wrap="square" lIns="25392" tIns="0" rIns="25392" bIns="0" numCol="1" anchor="ctr" anchorCtr="0" compatLnSpc="1">
+            <a:prstTxWarp prst="textNoShape">
+              <a:avLst/>
+            </a:prstTxWarp>
             <a:spAutoFit/>
           </a:bodyPr>
           <a:lstStyle/>
           <a:p>
-            <a:r>
-              <a:rPr lang="en-US" altLang="zh-CN" dirty="0">
+            <a:pPr marL="0" marR="0" lvl="0" indent="0" algn="l" defTabSz="914400" rtl="0" eaLnBrk="0" fontAlgn="base" latinLnBrk="0" hangingPunct="0">
+              <a:lnSpc>
+                <a:spcPct val="100000"/>
+              </a:lnSpc>
+              <a:spcBef>
+                <a:spcPct val="0"/>
+              </a:spcBef>
+              <a:spcAft>
+                <a:spcPct val="0"/>
+              </a:spcAft>
+              <a:buClrTx/>
+              <a:buSzTx/>
+              <a:buFontTx/>
+              <a:buNone/>
+              <a:tabLst/>
+            </a:pPr>
+            <a:r>
+              <a:rPr kumimoji="0" lang="en-US" altLang="en-US" sz="2400" b="0" i="0" u="none" strike="noStrike" cap="none" normalizeH="0" baseline="0" dirty="0" smtClean="0">
+                <a:ln>
+                  <a:noFill/>
+                </a:ln>
+                <a:solidFill>
+                  <a:schemeClr val="tx1"/>
+                </a:solidFill>
+                <a:effectLst/>
+                <a:latin typeface="Arial Unicode MS" panose="020B0604020202020204" pitchFamily="34" charset="-128"/>
+                <a:ea typeface="Droid Sans Mono"/>
+                <a:hlinkClick r:id="rId2"/>
+              </a:rPr>
+              <a:t>declarations</a:t>
+            </a:r>
+            <a:r>
+              <a:rPr kumimoji="0" lang="en-US" altLang="en-US" sz="2800" b="0" i="0" u="none" strike="noStrike" cap="none" normalizeH="0" baseline="0" dirty="0" smtClean="0">
+                <a:ln>
+                  <a:noFill/>
+                </a:ln>
+                <a:solidFill>
+                  <a:schemeClr val="tx1"/>
+                </a:solidFill>
+                <a:effectLst/>
+                <a:latin typeface="Roboto" panose="02000000000000000000" pitchFamily="2" charset="0"/>
+              </a:rPr>
+              <a:t> </a:t>
+            </a:r>
+            <a:r>
+              <a:rPr kumimoji="0" lang="en-US" altLang="en-US" sz="2800" b="0" i="0" u="none" strike="noStrike" cap="none" normalizeH="0" baseline="0" dirty="0" err="1" smtClean="0">
+                <a:ln>
+                  <a:noFill/>
+                </a:ln>
+                <a:solidFill>
+                  <a:schemeClr val="tx1"/>
+                </a:solidFill>
+                <a:effectLst/>
+                <a:latin typeface="Roboto" panose="02000000000000000000" pitchFamily="2" charset="0"/>
+              </a:rPr>
+              <a:t>数组</a:t>
+            </a:r>
+            <a:endParaRPr kumimoji="0" lang="en-US" altLang="en-US" sz="2800" b="0" i="0" u="none" strike="noStrike" cap="none" normalizeH="0" baseline="0" dirty="0" smtClean="0">
+              <a:ln>
+                <a:noFill/>
+              </a:ln>
+              <a:solidFill>
+                <a:schemeClr val="tx1"/>
+              </a:solidFill>
+              <a:effectLst/>
+              <a:latin typeface="Roboto" panose="02000000000000000000" pitchFamily="2" charset="0"/>
+            </a:endParaRPr>
+          </a:p>
+        </p:txBody>
+      </p:sp>
+      <p:sp>
+        <p:nvSpPr>
+          <p:cNvPr id="7" name="Rectangle 3"/>
+          <p:cNvSpPr>
+            <a:spLocks noChangeArrowheads="1"/>
+          </p:cNvSpPr>
+          <p:nvPr/>
+        </p:nvSpPr>
+        <p:spPr bwMode="auto">
+          <a:xfrm>
+            <a:off x="647961" y="3025020"/>
+            <a:ext cx="7427033" cy="338554"/>
+          </a:xfrm>
+          <a:prstGeom prst="rect">
+            <a:avLst/>
+          </a:prstGeom>
+          <a:solidFill>
+            <a:srgbClr val="F1F1F1"/>
+          </a:solidFill>
+          <a:ln>
+            <a:noFill/>
+          </a:ln>
+          <a:effectLst/>
+          <a:extLst>
+            <a:ext uri="{91240B29-F687-4F45-9708-019B960494DF}">
+              <a14:hiddenLine xmlns:a14="http://schemas.microsoft.com/office/drawing/2010/main" w="9525">
+                <a:solidFill>
+                  <a:schemeClr val="tx1"/>
+                </a:solidFill>
+                <a:miter lim="800000"/>
+                <a:headEnd/>
+                <a:tailEnd/>
+              </a14:hiddenLine>
+            </a:ext>
+            <a:ext uri="{AF507438-7753-43E0-B8FC-AC1667EBCBE1}">
+              <a14:hiddenEffects xmlns:a14="http://schemas.microsoft.com/office/drawing/2010/main">
+                <a:effectLst>
+                  <a:outerShdw dist="35921" dir="2700000" algn="ctr" rotWithShape="0">
+                    <a:schemeClr val="bg2"/>
+                  </a:outerShdw>
+                </a:effectLst>
+              </a14:hiddenEffects>
+            </a:ext>
+          </a:extLst>
+        </p:spPr>
+        <p:txBody>
+          <a:bodyPr vert="horz" wrap="none" lIns="91440" tIns="45720" rIns="91440" bIns="45720" numCol="1" anchor="ctr" anchorCtr="0" compatLnSpc="1">
+            <a:prstTxWarp prst="textNoShape">
+              <a:avLst/>
+            </a:prstTxWarp>
+            <a:spAutoFit/>
+          </a:bodyPr>
+          <a:lstStyle>
+            <a:lvl1pPr eaLnBrk="0" fontAlgn="base" hangingPunct="0">
+              <a:spcBef>
+                <a:spcPct val="0"/>
+              </a:spcBef>
+              <a:spcAft>
+                <a:spcPct val="0"/>
+              </a:spcAft>
+              <a:defRPr>
+                <a:solidFill>
+                  <a:schemeClr val="tx1"/>
+                </a:solidFill>
+                <a:latin typeface="Arial" panose="020B0604020202020204" pitchFamily="34" charset="0"/>
+              </a:defRPr>
+            </a:lvl1pPr>
+            <a:lvl2pPr eaLnBrk="0" fontAlgn="base" hangingPunct="0">
+              <a:spcBef>
+                <a:spcPct val="0"/>
+              </a:spcBef>
+              <a:spcAft>
+                <a:spcPct val="0"/>
+              </a:spcAft>
+              <a:defRPr>
+                <a:solidFill>
+                  <a:schemeClr val="tx1"/>
+                </a:solidFill>
+                <a:latin typeface="Arial" panose="020B0604020202020204" pitchFamily="34" charset="0"/>
+              </a:defRPr>
+            </a:lvl2pPr>
+            <a:lvl3pPr eaLnBrk="0" fontAlgn="base" hangingPunct="0">
+              <a:spcBef>
+                <a:spcPct val="0"/>
+              </a:spcBef>
+              <a:spcAft>
+                <a:spcPct val="0"/>
+              </a:spcAft>
+              <a:defRPr>
+                <a:solidFill>
+                  <a:schemeClr val="tx1"/>
+                </a:solidFill>
+                <a:latin typeface="Arial" panose="020B0604020202020204" pitchFamily="34" charset="0"/>
+              </a:defRPr>
+            </a:lvl3pPr>
+            <a:lvl4pPr eaLnBrk="0" fontAlgn="base" hangingPunct="0">
+              <a:spcBef>
+                <a:spcPct val="0"/>
+              </a:spcBef>
+              <a:spcAft>
+                <a:spcPct val="0"/>
+              </a:spcAft>
+              <a:defRPr>
+                <a:solidFill>
+                  <a:schemeClr val="tx1"/>
+                </a:solidFill>
+                <a:latin typeface="Arial" panose="020B0604020202020204" pitchFamily="34" charset="0"/>
+              </a:defRPr>
+            </a:lvl4pPr>
+            <a:lvl5pPr eaLnBrk="0" fontAlgn="base" hangingPunct="0">
+              <a:spcBef>
+                <a:spcPct val="0"/>
+              </a:spcBef>
+              <a:spcAft>
+                <a:spcPct val="0"/>
+              </a:spcAft>
+              <a:defRPr>
+                <a:solidFill>
+                  <a:schemeClr val="tx1"/>
+                </a:solidFill>
+                <a:latin typeface="Arial" panose="020B0604020202020204" pitchFamily="34" charset="0"/>
+              </a:defRPr>
+            </a:lvl5pPr>
+            <a:lvl6pPr eaLnBrk="0" fontAlgn="base" hangingPunct="0">
+              <a:spcBef>
+                <a:spcPct val="0"/>
+              </a:spcBef>
+              <a:spcAft>
+                <a:spcPct val="0"/>
+              </a:spcAft>
+              <a:defRPr>
+                <a:solidFill>
+                  <a:schemeClr val="tx1"/>
+                </a:solidFill>
+                <a:latin typeface="Arial" panose="020B0604020202020204" pitchFamily="34" charset="0"/>
+              </a:defRPr>
+            </a:lvl6pPr>
+            <a:lvl7pPr eaLnBrk="0" fontAlgn="base" hangingPunct="0">
+              <a:spcBef>
+                <a:spcPct val="0"/>
+              </a:spcBef>
+              <a:spcAft>
+                <a:spcPct val="0"/>
+              </a:spcAft>
+              <a:defRPr>
+                <a:solidFill>
+                  <a:schemeClr val="tx1"/>
+                </a:solidFill>
+                <a:latin typeface="Arial" panose="020B0604020202020204" pitchFamily="34" charset="0"/>
+              </a:defRPr>
+            </a:lvl7pPr>
+            <a:lvl8pPr eaLnBrk="0" fontAlgn="base" hangingPunct="0">
+              <a:spcBef>
+                <a:spcPct val="0"/>
+              </a:spcBef>
+              <a:spcAft>
+                <a:spcPct val="0"/>
+              </a:spcAft>
+              <a:defRPr>
+                <a:solidFill>
+                  <a:schemeClr val="tx1"/>
+                </a:solidFill>
+                <a:latin typeface="Arial" panose="020B0604020202020204" pitchFamily="34" charset="0"/>
+              </a:defRPr>
+            </a:lvl8pPr>
+            <a:lvl9pPr eaLnBrk="0" fontAlgn="base" hangingPunct="0">
+              <a:spcBef>
+                <a:spcPct val="0"/>
+              </a:spcBef>
+              <a:spcAft>
+                <a:spcPct val="0"/>
+              </a:spcAft>
+              <a:defRPr>
+                <a:solidFill>
+                  <a:schemeClr val="tx1"/>
+                </a:solidFill>
+                <a:latin typeface="Arial" panose="020B0604020202020204" pitchFamily="34" charset="0"/>
+              </a:defRPr>
+            </a:lvl9pPr>
+          </a:lstStyle>
+          <a:p>
+            <a:pPr marL="0" marR="0" lvl="0" indent="0" algn="l" defTabSz="914400" rtl="0" eaLnBrk="0" fontAlgn="base" latinLnBrk="0" hangingPunct="0">
+              <a:lnSpc>
+                <a:spcPct val="100000"/>
+              </a:lnSpc>
+              <a:spcBef>
+                <a:spcPct val="0"/>
+              </a:spcBef>
+              <a:spcAft>
+                <a:spcPct val="0"/>
+              </a:spcAft>
+              <a:buClrTx/>
+              <a:buSzTx/>
+              <a:buFontTx/>
+              <a:buNone/>
+              <a:tabLst/>
+            </a:pPr>
+            <a:r>
+              <a:rPr kumimoji="0" lang="en-US" altLang="en-US" sz="1600" b="0" i="0" u="none" strike="noStrike" cap="none" normalizeH="0" baseline="0" dirty="0" err="1" smtClean="0">
+                <a:ln>
+                  <a:noFill/>
+                </a:ln>
+                <a:solidFill>
+                  <a:schemeClr val="tx1"/>
+                </a:solidFill>
+                <a:effectLst/>
+                <a:latin typeface="Roboto" panose="02000000000000000000" pitchFamily="2" charset="0"/>
+              </a:rPr>
+              <a:t>每个</a:t>
+            </a:r>
+            <a:r>
+              <a:rPr kumimoji="0" lang="en-US" altLang="en-US" sz="1600" b="0" i="0" u="none" strike="noStrike" cap="none" normalizeH="0" baseline="0" dirty="0" smtClean="0">
+                <a:ln>
+                  <a:noFill/>
+                </a:ln>
+                <a:solidFill>
+                  <a:schemeClr val="tx1"/>
+                </a:solidFill>
+                <a:effectLst/>
+                <a:latin typeface="Roboto" panose="02000000000000000000" pitchFamily="2" charset="0"/>
+              </a:rPr>
+              <a:t> </a:t>
+            </a:r>
+            <a:r>
+              <a:rPr kumimoji="0" lang="en-US" altLang="en-US" sz="1600" b="0" i="0" u="none" strike="noStrike" cap="none" normalizeH="0" baseline="0" dirty="0" err="1" smtClean="0">
+                <a:ln>
+                  <a:noFill/>
+                </a:ln>
+                <a:solidFill>
+                  <a:srgbClr val="FF0000"/>
+                </a:solidFill>
+                <a:effectLst/>
+                <a:latin typeface="Roboto" panose="02000000000000000000" pitchFamily="2" charset="0"/>
+              </a:rPr>
+              <a:t>组件</a:t>
+            </a:r>
+            <a:r>
+              <a:rPr kumimoji="0" lang="en-US" altLang="en-US" sz="1600" b="0" i="0" u="none" strike="noStrike" cap="none" normalizeH="0" baseline="0" dirty="0" smtClean="0">
+                <a:ln>
+                  <a:noFill/>
+                </a:ln>
+                <a:solidFill>
+                  <a:srgbClr val="FF0000"/>
+                </a:solidFill>
+                <a:effectLst/>
+                <a:latin typeface="Roboto" panose="02000000000000000000" pitchFamily="2" charset="0"/>
+              </a:rPr>
+              <a:t>/</a:t>
+            </a:r>
+            <a:r>
+              <a:rPr kumimoji="0" lang="zh-CN" altLang="en-US" sz="1600" b="0" i="0" u="none" strike="noStrike" cap="none" normalizeH="0" baseline="0" dirty="0" smtClean="0">
+                <a:ln>
+                  <a:noFill/>
+                </a:ln>
+                <a:solidFill>
+                  <a:srgbClr val="FF0000"/>
+                </a:solidFill>
+                <a:effectLst/>
+                <a:latin typeface="Roboto" panose="02000000000000000000" pitchFamily="2" charset="0"/>
+              </a:rPr>
+              <a:t>指令</a:t>
+            </a:r>
+            <a:r>
+              <a:rPr lang="en-US" altLang="zh-CN" sz="1600" dirty="0">
+                <a:solidFill>
+                  <a:srgbClr val="FF0000"/>
+                </a:solidFill>
+                <a:latin typeface="Roboto" panose="02000000000000000000" pitchFamily="2" charset="0"/>
+              </a:rPr>
+              <a:t>/</a:t>
+            </a:r>
+            <a:r>
+              <a:rPr kumimoji="0" lang="zh-CN" altLang="en-US" sz="1600" b="0" i="0" u="none" strike="noStrike" cap="none" normalizeH="0" baseline="0" dirty="0" smtClean="0">
+                <a:ln>
+                  <a:noFill/>
+                </a:ln>
+                <a:solidFill>
+                  <a:srgbClr val="FF0000"/>
+                </a:solidFill>
+                <a:effectLst/>
+                <a:latin typeface="Roboto" panose="02000000000000000000" pitchFamily="2" charset="0"/>
+              </a:rPr>
+              <a:t>管道 </a:t>
+            </a:r>
+            <a:r>
+              <a:rPr kumimoji="0" lang="en-US" altLang="en-US" sz="1600" b="0" i="0" u="none" strike="noStrike" cap="none" normalizeH="0" baseline="0" dirty="0" err="1" smtClean="0">
+                <a:ln>
+                  <a:noFill/>
+                </a:ln>
+                <a:solidFill>
+                  <a:schemeClr val="tx1"/>
+                </a:solidFill>
+                <a:effectLst/>
+                <a:latin typeface="Roboto" panose="02000000000000000000" pitchFamily="2" charset="0"/>
+              </a:rPr>
+              <a:t>都应该（且只能）声明（declare）在一个</a:t>
+            </a:r>
+            <a:r>
+              <a:rPr kumimoji="0" lang="en-US" altLang="en-US" sz="1600" b="0" i="0" u="none" strike="noStrike" cap="none" normalizeH="0" baseline="0" dirty="0" smtClean="0">
+                <a:ln>
+                  <a:noFill/>
+                </a:ln>
+                <a:solidFill>
+                  <a:schemeClr val="tx1"/>
+                </a:solidFill>
+                <a:effectLst/>
+                <a:latin typeface="Roboto" panose="02000000000000000000" pitchFamily="2" charset="0"/>
+              </a:rPr>
+              <a:t> </a:t>
+            </a:r>
+            <a:r>
+              <a:rPr kumimoji="0" lang="en-US" altLang="en-US" sz="1200" b="0" i="0" u="none" strike="noStrike" cap="none" normalizeH="0" baseline="0" dirty="0" err="1" smtClean="0">
+                <a:ln>
+                  <a:noFill/>
+                </a:ln>
                 <a:solidFill>
                   <a:srgbClr val="333333"/>
                 </a:solidFill>
-                <a:latin typeface="Roboto" charset="0"/>
-              </a:rPr>
-              <a:t>attribute </a:t>
-            </a:r>
-            <a:r>
-              <a:rPr lang="zh-CN" altLang="en-US" b="1" dirty="0">
-                <a:solidFill>
-                  <a:srgbClr val="333333"/>
-                </a:solidFill>
-                <a:latin typeface="Roboto" charset="0"/>
-              </a:rPr>
-              <a:t>初始化</a:t>
-            </a:r>
-            <a:r>
-              <a:rPr lang="zh-CN" altLang="en-US" dirty="0">
-                <a:solidFill>
-                  <a:srgbClr val="333333"/>
-                </a:solidFill>
-                <a:latin typeface="Roboto" charset="0"/>
+                <a:effectLst/>
+                <a:latin typeface="Arial Unicode MS" panose="020B0604020202020204" pitchFamily="34" charset="-128"/>
+                <a:ea typeface="Droid Sans Mono"/>
+                <a:hlinkClick r:id="rId3"/>
+              </a:rPr>
+              <a:t>NgModule</a:t>
+            </a:r>
+            <a:r>
+              <a:rPr kumimoji="0" lang="en-US" altLang="en-US" sz="1600" b="0" i="0" u="none" strike="noStrike" cap="none" normalizeH="0" baseline="0" dirty="0" smtClean="0">
+                <a:ln>
+                  <a:noFill/>
+                </a:ln>
+                <a:solidFill>
+                  <a:schemeClr val="tx1"/>
+                </a:solidFill>
+                <a:effectLst/>
+                <a:latin typeface="Roboto" panose="02000000000000000000" pitchFamily="2" charset="0"/>
               </a:rPr>
               <a:t> </a:t>
             </a:r>
             <a:r>
-              <a:rPr lang="en-US" altLang="zh-CN" dirty="0">
-                <a:solidFill>
-                  <a:srgbClr val="333333"/>
-                </a:solidFill>
-                <a:latin typeface="Roboto" charset="0"/>
-              </a:rPr>
-              <a:t>DOM property</a:t>
-            </a:r>
-            <a:r>
-              <a:rPr lang="zh-CN" altLang="en-US" dirty="0">
-                <a:solidFill>
-                  <a:srgbClr val="333333"/>
-                </a:solidFill>
-                <a:latin typeface="Roboto" charset="0"/>
-              </a:rPr>
-              <a:t>，然后它们的任务就完成了。</a:t>
-            </a:r>
-            <a:r>
-              <a:rPr lang="en-US" altLang="zh-CN" dirty="0">
-                <a:solidFill>
-                  <a:srgbClr val="333333"/>
-                </a:solidFill>
-                <a:latin typeface="Roboto" charset="0"/>
-              </a:rPr>
-              <a:t>property </a:t>
-            </a:r>
-            <a:r>
-              <a:rPr lang="zh-CN" altLang="en-US" dirty="0">
-                <a:solidFill>
-                  <a:srgbClr val="333333"/>
-                </a:solidFill>
-                <a:latin typeface="Roboto" charset="0"/>
-              </a:rPr>
-              <a:t>的值可以改变；</a:t>
-            </a:r>
-            <a:r>
-              <a:rPr lang="en-US" altLang="zh-CN" dirty="0">
-                <a:solidFill>
-                  <a:srgbClr val="333333"/>
-                </a:solidFill>
-                <a:latin typeface="Roboto" charset="0"/>
-              </a:rPr>
-              <a:t>attribute </a:t>
-            </a:r>
-            <a:r>
-              <a:rPr lang="zh-CN" altLang="en-US" dirty="0">
-                <a:solidFill>
-                  <a:srgbClr val="333333"/>
-                </a:solidFill>
-                <a:latin typeface="Roboto" charset="0"/>
-              </a:rPr>
-              <a:t>的值不能改变</a:t>
-            </a:r>
-            <a:r>
-              <a:rPr lang="zh-CN" altLang="en-US" dirty="0" smtClean="0">
-                <a:solidFill>
-                  <a:srgbClr val="333333"/>
-                </a:solidFill>
-                <a:latin typeface="Roboto" charset="0"/>
+              <a:rPr kumimoji="0" lang="en-US" altLang="en-US" sz="1600" b="0" i="0" u="none" strike="noStrike" cap="none" normalizeH="0" baseline="0" dirty="0" err="1" smtClean="0">
+                <a:ln>
+                  <a:noFill/>
+                </a:ln>
+                <a:solidFill>
+                  <a:schemeClr val="tx1"/>
+                </a:solidFill>
+                <a:effectLst/>
+                <a:latin typeface="Roboto" panose="02000000000000000000" pitchFamily="2" charset="0"/>
+              </a:rPr>
+              <a:t>类中</a:t>
+            </a:r>
+            <a:r>
+              <a:rPr kumimoji="0" lang="en-US" altLang="en-US" sz="1600" b="0" i="0" u="none" strike="noStrike" cap="none" normalizeH="0" baseline="0" dirty="0" smtClean="0">
+                <a:ln>
+                  <a:noFill/>
+                </a:ln>
+                <a:solidFill>
+                  <a:schemeClr val="tx1"/>
+                </a:solidFill>
+                <a:effectLst/>
+                <a:latin typeface="Roboto" panose="02000000000000000000" pitchFamily="2" charset="0"/>
               </a:rPr>
               <a:t>。</a:t>
             </a:r>
             <a:r>
-              <a:rPr lang="zh-CN" altLang="en-US" dirty="0"/>
-              <a:t>模板绑定是通过 </a:t>
-            </a:r>
-            <a:r>
-              <a:rPr lang="en-US" altLang="zh-CN" b="1" dirty="0"/>
-              <a:t>property</a:t>
-            </a:r>
-            <a:r>
-              <a:rPr lang="zh-CN" altLang="en-US" dirty="0"/>
-              <a:t> 和</a:t>
-            </a:r>
-            <a:r>
-              <a:rPr lang="zh-CN" altLang="en-US" b="1" dirty="0"/>
-              <a:t>事件</a:t>
-            </a:r>
-            <a:r>
-              <a:rPr lang="zh-CN" altLang="en-US" dirty="0"/>
-              <a:t>来工作的，而不是 </a:t>
-            </a:r>
-            <a:r>
-              <a:rPr lang="en-US" altLang="zh-CN" b="1" dirty="0"/>
-              <a:t>attribute</a:t>
-            </a:r>
-            <a:r>
-              <a:rPr lang="zh-CN" altLang="en-US" dirty="0"/>
-              <a:t>。</a:t>
-            </a:r>
+              <a:rPr kumimoji="0" lang="en-US" altLang="en-US" sz="1200" b="0" i="0" u="none" strike="noStrike" cap="none" normalizeH="0" baseline="0" dirty="0" smtClean="0">
+                <a:ln>
+                  <a:noFill/>
+                </a:ln>
+                <a:solidFill>
+                  <a:schemeClr val="tx1"/>
+                </a:solidFill>
+                <a:effectLst/>
+              </a:rPr>
+              <a:t> </a:t>
+            </a:r>
+            <a:endParaRPr kumimoji="0" lang="en-US" altLang="en-US" sz="3600" b="0" i="0" u="none" strike="noStrike" cap="none" normalizeH="0" baseline="0" dirty="0" smtClean="0">
+              <a:ln>
+                <a:noFill/>
+              </a:ln>
+              <a:solidFill>
+                <a:schemeClr val="tx1"/>
+              </a:solidFill>
+              <a:effectLst/>
+              <a:latin typeface="Arial" panose="020B0604020202020204" pitchFamily="34" charset="0"/>
+            </a:endParaRPr>
           </a:p>
         </p:txBody>
       </p:sp>
@@ -4708,79 +5451,1097 @@
           <a:chExt cx="0" cy="0"/>
         </a:xfrm>
       </p:grpSpPr>
-      <p:sp>
-        <p:nvSpPr>
-          <p:cNvPr id="7" name="AutoShape 2" descr="https://wx2.qq.com/cgi-bin/mmwebwx-bin/webwxgetmsgimg?&amp;MsgID=3143122728154941177&amp;skey=%40crypt_37a45a30_a1f760e2ba102232eee5cec6e1ee7648"/>
-          <p:cNvSpPr>
-            <a:spLocks noChangeAspect="1" noChangeArrowheads="1"/>
-          </p:cNvSpPr>
-          <p:nvPr/>
-        </p:nvSpPr>
-        <p:spPr bwMode="auto">
-          <a:xfrm>
-            <a:off x="0" y="0"/>
-            <a:ext cx="3900488" cy="3900488"/>
-          </a:xfrm>
-          <a:prstGeom prst="rect">
-            <a:avLst/>
-          </a:prstGeom>
-          <a:noFill/>
-          <a:extLst>
-            <a:ext uri="{909E8E84-426E-40DD-AFC4-6F175D3DCCD1}">
-              <a14:hiddenFill xmlns:a14="http://schemas.microsoft.com/office/drawing/2010/main">
-                <a:solidFill>
-                  <a:srgbClr val="FFFFFF"/>
-                </a:solidFill>
-              </a14:hiddenFill>
-            </a:ext>
-          </a:extLst>
-        </p:spPr>
-        <p:txBody>
-          <a:bodyPr vert="horz" wrap="square" lIns="91440" tIns="45720" rIns="91440" bIns="45720" numCol="1" anchor="t" anchorCtr="0" compatLnSpc="1">
-            <a:prstTxWarp prst="textNoShape">
-              <a:avLst/>
-            </a:prstTxWarp>
-          </a:bodyPr>
-          <a:lstStyle/>
-          <a:p>
-            <a:endParaRPr lang="zh-CN" altLang="en-US"/>
-          </a:p>
-        </p:txBody>
-      </p:sp>
-      <p:pic>
-        <p:nvPicPr>
-          <p:cNvPr id="10" name="图片 9"/>
-          <p:cNvPicPr>
-            <a:picLocks noChangeAspect="1"/>
-          </p:cNvPicPr>
-          <p:nvPr/>
-        </p:nvPicPr>
-        <p:blipFill>
-          <a:blip r:embed="rId2">
-            <a:extLst>
-              <a:ext uri="{28A0092B-C50C-407E-A947-70E740481C1C}">
-                <a14:useLocalDpi xmlns:a14="http://schemas.microsoft.com/office/drawing/2010/main" val="0"/>
-              </a:ext>
-            </a:extLst>
-          </a:blip>
-          <a:stretch>
-            <a:fillRect/>
-          </a:stretch>
-        </p:blipFill>
-        <p:spPr>
-          <a:xfrm>
-            <a:off x="800101" y="559276"/>
-            <a:ext cx="10448558" cy="5884387"/>
-          </a:xfrm>
-          <a:prstGeom prst="rect">
-            <a:avLst/>
-          </a:prstGeom>
-        </p:spPr>
-      </p:pic>
+      <p:graphicFrame>
+        <p:nvGraphicFramePr>
+          <p:cNvPr id="3" name="表格 2"/>
+          <p:cNvGraphicFramePr>
+            <a:graphicFrameLocks noGrp="1"/>
+          </p:cNvGraphicFramePr>
+          <p:nvPr>
+            <p:extLst>
+              <p:ext uri="{D42A27DB-BD31-4B8C-83A1-F6EECF244321}">
+                <p14:modId xmlns:p14="http://schemas.microsoft.com/office/powerpoint/2010/main" val="578096510"/>
+              </p:ext>
+            </p:extLst>
+          </p:nvPr>
+        </p:nvGraphicFramePr>
+        <p:xfrm>
+          <a:off x="353278" y="178878"/>
+          <a:ext cx="11648223" cy="6564823"/>
+        </p:xfrm>
+        <a:graphic>
+          <a:graphicData uri="http://schemas.openxmlformats.org/drawingml/2006/table">
+            <a:tbl>
+              <a:tblPr/>
+              <a:tblGrid>
+                <a:gridCol w="3882741"/>
+                <a:gridCol w="3882741"/>
+                <a:gridCol w="3882741"/>
+              </a:tblGrid>
+              <a:tr h="634386">
+                <a:tc>
+                  <a:txBody>
+                    <a:bodyPr/>
+                    <a:lstStyle/>
+                    <a:p>
+                      <a:pPr algn="l" fontAlgn="t"/>
+                      <a:r>
+                        <a:rPr lang="en-US" sz="1400" b="0">
+                          <a:effectLst/>
+                        </a:rPr>
+                        <a:t>NgModule</a:t>
+                      </a:r>
+                    </a:p>
+                  </a:txBody>
+                  <a:tcPr marL="116346" marR="116346" marT="116346" marB="116346">
+                    <a:lnL>
+                      <a:noFill/>
+                    </a:lnL>
+                    <a:lnR w="9525" cap="flat" cmpd="sng" algn="ctr">
+                      <a:solidFill>
+                        <a:srgbClr val="DBDBDB"/>
+                      </a:solidFill>
+                      <a:prstDash val="solid"/>
+                      <a:round/>
+                      <a:headEnd type="none" w="med" len="med"/>
+                      <a:tailEnd type="none" w="med" len="med"/>
+                    </a:lnR>
+                    <a:lnT>
+                      <a:noFill/>
+                    </a:lnT>
+                    <a:lnB w="9525" cap="flat" cmpd="sng" algn="ctr">
+                      <a:solidFill>
+                        <a:srgbClr val="DBDBDB"/>
+                      </a:solidFill>
+                      <a:prstDash val="solid"/>
+                      <a:round/>
+                      <a:headEnd type="none" w="med" len="med"/>
+                      <a:tailEnd type="none" w="med" len="med"/>
+                    </a:lnB>
+                    <a:solidFill>
+                      <a:srgbClr val="FAFAFA"/>
+                    </a:solidFill>
+                  </a:tcPr>
+                </a:tc>
+                <a:tc>
+                  <a:txBody>
+                    <a:bodyPr/>
+                    <a:lstStyle/>
+                    <a:p>
+                      <a:pPr algn="l" fontAlgn="t"/>
+                      <a:r>
+                        <a:rPr lang="zh-CN" altLang="en-US" sz="1400" b="0">
+                          <a:effectLst/>
+                        </a:rPr>
+                        <a:t>导入自</a:t>
+                      </a:r>
+                    </a:p>
+                  </a:txBody>
+                  <a:tcPr marL="116346" marR="116346" marT="116346" marB="116346">
+                    <a:lnL w="9525" cap="flat" cmpd="sng" algn="ctr">
+                      <a:solidFill>
+                        <a:srgbClr val="DBDBDB"/>
+                      </a:solidFill>
+                      <a:prstDash val="solid"/>
+                      <a:round/>
+                      <a:headEnd type="none" w="med" len="med"/>
+                      <a:tailEnd type="none" w="med" len="med"/>
+                    </a:lnL>
+                    <a:lnR w="9525" cap="flat" cmpd="sng" algn="ctr">
+                      <a:solidFill>
+                        <a:srgbClr val="DBDBDB"/>
+                      </a:solidFill>
+                      <a:prstDash val="solid"/>
+                      <a:round/>
+                      <a:headEnd type="none" w="med" len="med"/>
+                      <a:tailEnd type="none" w="med" len="med"/>
+                    </a:lnR>
+                    <a:lnT>
+                      <a:noFill/>
+                    </a:lnT>
+                    <a:lnB w="9525" cap="flat" cmpd="sng" algn="ctr">
+                      <a:solidFill>
+                        <a:srgbClr val="DBDBDB"/>
+                      </a:solidFill>
+                      <a:prstDash val="solid"/>
+                      <a:round/>
+                      <a:headEnd type="none" w="med" len="med"/>
+                      <a:tailEnd type="none" w="med" len="med"/>
+                    </a:lnB>
+                    <a:solidFill>
+                      <a:srgbClr val="FAFAFA"/>
+                    </a:solidFill>
+                  </a:tcPr>
+                </a:tc>
+                <a:tc>
+                  <a:txBody>
+                    <a:bodyPr/>
+                    <a:lstStyle/>
+                    <a:p>
+                      <a:pPr algn="l" fontAlgn="t"/>
+                      <a:r>
+                        <a:rPr lang="zh-CN" altLang="en-US" sz="1400" b="0">
+                          <a:effectLst/>
+                        </a:rPr>
+                        <a:t>为何使用</a:t>
+                      </a:r>
+                    </a:p>
+                  </a:txBody>
+                  <a:tcPr marL="116346" marR="116346" marT="116346" marB="116346">
+                    <a:lnL w="9525" cap="flat" cmpd="sng" algn="ctr">
+                      <a:solidFill>
+                        <a:srgbClr val="DBDBDB"/>
+                      </a:solidFill>
+                      <a:prstDash val="solid"/>
+                      <a:round/>
+                      <a:headEnd type="none" w="med" len="med"/>
+                      <a:tailEnd type="none" w="med" len="med"/>
+                    </a:lnL>
+                    <a:lnR w="9525" cap="flat" cmpd="sng" algn="ctr">
+                      <a:solidFill>
+                        <a:srgbClr val="DBDBDB"/>
+                      </a:solidFill>
+                      <a:prstDash val="solid"/>
+                      <a:round/>
+                      <a:headEnd type="none" w="med" len="med"/>
+                      <a:tailEnd type="none" w="med" len="med"/>
+                    </a:lnR>
+                    <a:lnT>
+                      <a:noFill/>
+                    </a:lnT>
+                    <a:lnB w="9525" cap="flat" cmpd="sng" algn="ctr">
+                      <a:solidFill>
+                        <a:srgbClr val="DBDBDB"/>
+                      </a:solidFill>
+                      <a:prstDash val="solid"/>
+                      <a:round/>
+                      <a:headEnd type="none" w="med" len="med"/>
+                      <a:tailEnd type="none" w="med" len="med"/>
+                    </a:lnB>
+                    <a:solidFill>
+                      <a:srgbClr val="FAFAFA"/>
+                    </a:solidFill>
+                  </a:tcPr>
+                </a:tc>
+              </a:tr>
+              <a:tr h="937832">
+                <a:tc>
+                  <a:txBody>
+                    <a:bodyPr/>
+                    <a:lstStyle/>
+                    <a:p>
+                      <a:pPr algn="l" fontAlgn="t"/>
+                      <a:r>
+                        <a:rPr lang="en-US" sz="1400" b="0" u="none" strike="noStrike">
+                          <a:effectLst/>
+                          <a:hlinkClick r:id="rId2"/>
+                        </a:rPr>
+                        <a:t>BrowserModule</a:t>
+                      </a:r>
+                      <a:endParaRPr lang="en-US" sz="1400" b="0">
+                        <a:effectLst/>
+                      </a:endParaRPr>
+                    </a:p>
+                  </a:txBody>
+                  <a:tcPr marL="116346" marR="116346" marT="116346" marB="116346">
+                    <a:lnL>
+                      <a:noFill/>
+                    </a:lnL>
+                    <a:lnR>
+                      <a:noFill/>
+                    </a:lnR>
+                    <a:lnT w="9525" cap="flat" cmpd="sng" algn="ctr">
+                      <a:solidFill>
+                        <a:srgbClr val="DBDBDB"/>
+                      </a:solidFill>
+                      <a:prstDash val="solid"/>
+                      <a:round/>
+                      <a:headEnd type="none" w="med" len="med"/>
+                      <a:tailEnd type="none" w="med" len="med"/>
+                    </a:lnT>
+                    <a:lnB w="9525" cap="flat" cmpd="sng" algn="ctr">
+                      <a:solidFill>
+                        <a:srgbClr val="DBDBDB"/>
+                      </a:solidFill>
+                      <a:prstDash val="solid"/>
+                      <a:round/>
+                      <a:headEnd type="none" w="med" len="med"/>
+                      <a:tailEnd type="none" w="med" len="med"/>
+                    </a:lnB>
+                    <a:solidFill>
+                      <a:srgbClr val="FAFAFA"/>
+                    </a:solidFill>
+                  </a:tcPr>
+                </a:tc>
+                <a:tc>
+                  <a:txBody>
+                    <a:bodyPr/>
+                    <a:lstStyle/>
+                    <a:p>
+                      <a:pPr algn="l" fontAlgn="t"/>
+                      <a:r>
+                        <a:rPr lang="en-US" sz="1400" b="0">
+                          <a:effectLst/>
+                        </a:rPr>
+                        <a:t>@angular/platform-browser</a:t>
+                      </a:r>
+                    </a:p>
+                  </a:txBody>
+                  <a:tcPr marL="116346" marR="116346" marT="116346" marB="116346">
+                    <a:lnL>
+                      <a:noFill/>
+                    </a:lnL>
+                    <a:lnR>
+                      <a:noFill/>
+                    </a:lnR>
+                    <a:lnT w="9525" cap="flat" cmpd="sng" algn="ctr">
+                      <a:solidFill>
+                        <a:srgbClr val="DBDBDB"/>
+                      </a:solidFill>
+                      <a:prstDash val="solid"/>
+                      <a:round/>
+                      <a:headEnd type="none" w="med" len="med"/>
+                      <a:tailEnd type="none" w="med" len="med"/>
+                    </a:lnT>
+                    <a:lnB w="9525" cap="flat" cmpd="sng" algn="ctr">
+                      <a:solidFill>
+                        <a:srgbClr val="DBDBDB"/>
+                      </a:solidFill>
+                      <a:prstDash val="solid"/>
+                      <a:round/>
+                      <a:headEnd type="none" w="med" len="med"/>
+                      <a:tailEnd type="none" w="med" len="med"/>
+                    </a:lnB>
+                    <a:solidFill>
+                      <a:srgbClr val="FAFAFA"/>
+                    </a:solidFill>
+                  </a:tcPr>
+                </a:tc>
+                <a:tc>
+                  <a:txBody>
+                    <a:bodyPr/>
+                    <a:lstStyle/>
+                    <a:p>
+                      <a:pPr algn="l" fontAlgn="t"/>
+                      <a:r>
+                        <a:rPr lang="zh-CN" altLang="en-US" sz="1400" b="0">
+                          <a:effectLst/>
+                        </a:rPr>
+                        <a:t>当你想要在浏览器中运行应用时</a:t>
+                      </a:r>
+                    </a:p>
+                  </a:txBody>
+                  <a:tcPr marL="116346" marR="116346" marT="116346" marB="116346">
+                    <a:lnL>
+                      <a:noFill/>
+                    </a:lnL>
+                    <a:lnR>
+                      <a:noFill/>
+                    </a:lnR>
+                    <a:lnT w="9525" cap="flat" cmpd="sng" algn="ctr">
+                      <a:solidFill>
+                        <a:srgbClr val="DBDBDB"/>
+                      </a:solidFill>
+                      <a:prstDash val="solid"/>
+                      <a:round/>
+                      <a:headEnd type="none" w="med" len="med"/>
+                      <a:tailEnd type="none" w="med" len="med"/>
+                    </a:lnT>
+                    <a:lnB w="9525" cap="flat" cmpd="sng" algn="ctr">
+                      <a:solidFill>
+                        <a:srgbClr val="DBDBDB"/>
+                      </a:solidFill>
+                      <a:prstDash val="solid"/>
+                      <a:round/>
+                      <a:headEnd type="none" w="med" len="med"/>
+                      <a:tailEnd type="none" w="med" len="med"/>
+                    </a:lnB>
+                    <a:solidFill>
+                      <a:srgbClr val="FAFAFA"/>
+                    </a:solidFill>
+                  </a:tcPr>
+                </a:tc>
+              </a:tr>
+              <a:tr h="634386">
+                <a:tc>
+                  <a:txBody>
+                    <a:bodyPr/>
+                    <a:lstStyle/>
+                    <a:p>
+                      <a:pPr algn="l" fontAlgn="t"/>
+                      <a:r>
+                        <a:rPr lang="en-US" sz="1400" b="0" u="none" strike="noStrike">
+                          <a:effectLst/>
+                          <a:hlinkClick r:id="rId3"/>
+                        </a:rPr>
+                        <a:t>CommonModule</a:t>
+                      </a:r>
+                      <a:endParaRPr lang="en-US" sz="1400" b="0">
+                        <a:effectLst/>
+                      </a:endParaRPr>
+                    </a:p>
+                  </a:txBody>
+                  <a:tcPr marL="116346" marR="116346" marT="116346" marB="116346">
+                    <a:lnL>
+                      <a:noFill/>
+                    </a:lnL>
+                    <a:lnR>
+                      <a:noFill/>
+                    </a:lnR>
+                    <a:lnT w="9525" cap="flat" cmpd="sng" algn="ctr">
+                      <a:solidFill>
+                        <a:srgbClr val="DBDBDB"/>
+                      </a:solidFill>
+                      <a:prstDash val="solid"/>
+                      <a:round/>
+                      <a:headEnd type="none" w="med" len="med"/>
+                      <a:tailEnd type="none" w="med" len="med"/>
+                    </a:lnT>
+                    <a:lnB w="9525" cap="flat" cmpd="sng" algn="ctr">
+                      <a:solidFill>
+                        <a:srgbClr val="DBDBDB"/>
+                      </a:solidFill>
+                      <a:prstDash val="solid"/>
+                      <a:round/>
+                      <a:headEnd type="none" w="med" len="med"/>
+                      <a:tailEnd type="none" w="med" len="med"/>
+                    </a:lnB>
+                    <a:solidFill>
+                      <a:srgbClr val="FAFAFA"/>
+                    </a:solidFill>
+                  </a:tcPr>
+                </a:tc>
+                <a:tc>
+                  <a:txBody>
+                    <a:bodyPr/>
+                    <a:lstStyle/>
+                    <a:p>
+                      <a:pPr algn="l" fontAlgn="t"/>
+                      <a:r>
+                        <a:rPr lang="en-US" sz="1400" b="0">
+                          <a:effectLst/>
+                        </a:rPr>
+                        <a:t>@angular/common</a:t>
+                      </a:r>
+                    </a:p>
+                  </a:txBody>
+                  <a:tcPr marL="116346" marR="116346" marT="116346" marB="116346">
+                    <a:lnL>
+                      <a:noFill/>
+                    </a:lnL>
+                    <a:lnR>
+                      <a:noFill/>
+                    </a:lnR>
+                    <a:lnT w="9525" cap="flat" cmpd="sng" algn="ctr">
+                      <a:solidFill>
+                        <a:srgbClr val="DBDBDB"/>
+                      </a:solidFill>
+                      <a:prstDash val="solid"/>
+                      <a:round/>
+                      <a:headEnd type="none" w="med" len="med"/>
+                      <a:tailEnd type="none" w="med" len="med"/>
+                    </a:lnT>
+                    <a:lnB w="9525" cap="flat" cmpd="sng" algn="ctr">
+                      <a:solidFill>
+                        <a:srgbClr val="DBDBDB"/>
+                      </a:solidFill>
+                      <a:prstDash val="solid"/>
+                      <a:round/>
+                      <a:headEnd type="none" w="med" len="med"/>
+                      <a:tailEnd type="none" w="med" len="med"/>
+                    </a:lnB>
+                    <a:solidFill>
+                      <a:srgbClr val="FAFAFA"/>
+                    </a:solidFill>
+                  </a:tcPr>
+                </a:tc>
+                <a:tc>
+                  <a:txBody>
+                    <a:bodyPr/>
+                    <a:lstStyle/>
+                    <a:p>
+                      <a:pPr algn="l" fontAlgn="t"/>
+                      <a:r>
+                        <a:rPr lang="zh-CN" altLang="en-US" sz="1400" b="0">
+                          <a:effectLst/>
+                        </a:rPr>
+                        <a:t>当你想要使用 </a:t>
+                      </a:r>
+                      <a:r>
+                        <a:rPr lang="en-US" sz="1400" b="0" u="none" strike="noStrike">
+                          <a:effectLst/>
+                          <a:hlinkClick r:id="rId4"/>
+                        </a:rPr>
+                        <a:t>NgIf</a:t>
+                      </a:r>
+                      <a:r>
+                        <a:rPr lang="en-US" sz="1400" b="0">
+                          <a:effectLst/>
+                        </a:rPr>
+                        <a:t> </a:t>
+                      </a:r>
+                      <a:r>
+                        <a:rPr lang="zh-CN" altLang="en-US" sz="1400" b="0">
+                          <a:effectLst/>
+                        </a:rPr>
+                        <a:t>和 </a:t>
+                      </a:r>
+                      <a:r>
+                        <a:rPr lang="en-US" sz="1400" b="0">
+                          <a:effectLst/>
+                        </a:rPr>
+                        <a:t>NgFor </a:t>
+                      </a:r>
+                      <a:r>
+                        <a:rPr lang="zh-CN" altLang="en-US" sz="1400" b="0">
+                          <a:effectLst/>
+                        </a:rPr>
+                        <a:t>时</a:t>
+                      </a:r>
+                    </a:p>
+                  </a:txBody>
+                  <a:tcPr marL="116346" marR="116346" marT="116346" marB="116346">
+                    <a:lnL>
+                      <a:noFill/>
+                    </a:lnL>
+                    <a:lnR>
+                      <a:noFill/>
+                    </a:lnR>
+                    <a:lnT w="9525" cap="flat" cmpd="sng" algn="ctr">
+                      <a:solidFill>
+                        <a:srgbClr val="DBDBDB"/>
+                      </a:solidFill>
+                      <a:prstDash val="solid"/>
+                      <a:round/>
+                      <a:headEnd type="none" w="med" len="med"/>
+                      <a:tailEnd type="none" w="med" len="med"/>
+                    </a:lnT>
+                    <a:lnB w="9525" cap="flat" cmpd="sng" algn="ctr">
+                      <a:solidFill>
+                        <a:srgbClr val="DBDBDB"/>
+                      </a:solidFill>
+                      <a:prstDash val="solid"/>
+                      <a:round/>
+                      <a:headEnd type="none" w="med" len="med"/>
+                      <a:tailEnd type="none" w="med" len="med"/>
+                    </a:lnB>
+                    <a:solidFill>
+                      <a:srgbClr val="FAFAFA"/>
+                    </a:solidFill>
+                  </a:tcPr>
+                </a:tc>
+              </a:tr>
+              <a:tr h="937832">
+                <a:tc>
+                  <a:txBody>
+                    <a:bodyPr/>
+                    <a:lstStyle/>
+                    <a:p>
+                      <a:pPr algn="l" fontAlgn="t"/>
+                      <a:r>
+                        <a:rPr lang="en-US" sz="1400" b="0" u="none" strike="noStrike">
+                          <a:effectLst/>
+                          <a:hlinkClick r:id="rId5"/>
+                        </a:rPr>
+                        <a:t>FormsModule</a:t>
+                      </a:r>
+                      <a:endParaRPr lang="en-US" sz="1400" b="0">
+                        <a:effectLst/>
+                      </a:endParaRPr>
+                    </a:p>
+                  </a:txBody>
+                  <a:tcPr marL="116346" marR="116346" marT="116346" marB="116346">
+                    <a:lnL>
+                      <a:noFill/>
+                    </a:lnL>
+                    <a:lnR>
+                      <a:noFill/>
+                    </a:lnR>
+                    <a:lnT w="9525" cap="flat" cmpd="sng" algn="ctr">
+                      <a:solidFill>
+                        <a:srgbClr val="DBDBDB"/>
+                      </a:solidFill>
+                      <a:prstDash val="solid"/>
+                      <a:round/>
+                      <a:headEnd type="none" w="med" len="med"/>
+                      <a:tailEnd type="none" w="med" len="med"/>
+                    </a:lnT>
+                    <a:lnB w="9525" cap="flat" cmpd="sng" algn="ctr">
+                      <a:solidFill>
+                        <a:srgbClr val="DBDBDB"/>
+                      </a:solidFill>
+                      <a:prstDash val="solid"/>
+                      <a:round/>
+                      <a:headEnd type="none" w="med" len="med"/>
+                      <a:tailEnd type="none" w="med" len="med"/>
+                    </a:lnB>
+                    <a:solidFill>
+                      <a:srgbClr val="FAFAFA"/>
+                    </a:solidFill>
+                  </a:tcPr>
+                </a:tc>
+                <a:tc>
+                  <a:txBody>
+                    <a:bodyPr/>
+                    <a:lstStyle/>
+                    <a:p>
+                      <a:pPr algn="l" fontAlgn="t"/>
+                      <a:r>
+                        <a:rPr lang="en-US" sz="1400" b="0">
+                          <a:effectLst/>
+                        </a:rPr>
+                        <a:t>@angular/forms</a:t>
+                      </a:r>
+                    </a:p>
+                  </a:txBody>
+                  <a:tcPr marL="116346" marR="116346" marT="116346" marB="116346">
+                    <a:lnL>
+                      <a:noFill/>
+                    </a:lnL>
+                    <a:lnR>
+                      <a:noFill/>
+                    </a:lnR>
+                    <a:lnT w="9525" cap="flat" cmpd="sng" algn="ctr">
+                      <a:solidFill>
+                        <a:srgbClr val="DBDBDB"/>
+                      </a:solidFill>
+                      <a:prstDash val="solid"/>
+                      <a:round/>
+                      <a:headEnd type="none" w="med" len="med"/>
+                      <a:tailEnd type="none" w="med" len="med"/>
+                    </a:lnT>
+                    <a:lnB w="9525" cap="flat" cmpd="sng" algn="ctr">
+                      <a:solidFill>
+                        <a:srgbClr val="DBDBDB"/>
+                      </a:solidFill>
+                      <a:prstDash val="solid"/>
+                      <a:round/>
+                      <a:headEnd type="none" w="med" len="med"/>
+                      <a:tailEnd type="none" w="med" len="med"/>
+                    </a:lnB>
+                    <a:solidFill>
+                      <a:srgbClr val="FAFAFA"/>
+                    </a:solidFill>
+                  </a:tcPr>
+                </a:tc>
+                <a:tc>
+                  <a:txBody>
+                    <a:bodyPr/>
+                    <a:lstStyle/>
+                    <a:p>
+                      <a:pPr algn="l" fontAlgn="t"/>
+                      <a:r>
+                        <a:rPr lang="zh-CN" altLang="en-US" sz="1400" b="0">
+                          <a:effectLst/>
+                        </a:rPr>
+                        <a:t>当要构建模板驱动表单时（它包含 </a:t>
+                      </a:r>
+                      <a:r>
+                        <a:rPr lang="en-US" altLang="zh-CN" sz="1400" b="0" u="none" strike="noStrike">
+                          <a:effectLst/>
+                          <a:hlinkClick r:id="rId6"/>
+                        </a:rPr>
+                        <a:t>NgModel</a:t>
+                      </a:r>
+                      <a:r>
+                        <a:rPr lang="zh-CN" altLang="en-US" sz="1400" b="0">
+                          <a:effectLst/>
+                        </a:rPr>
+                        <a:t> ）</a:t>
+                      </a:r>
+                    </a:p>
+                  </a:txBody>
+                  <a:tcPr marL="116346" marR="116346" marT="116346" marB="116346">
+                    <a:lnL>
+                      <a:noFill/>
+                    </a:lnL>
+                    <a:lnR>
+                      <a:noFill/>
+                    </a:lnR>
+                    <a:lnT w="9525" cap="flat" cmpd="sng" algn="ctr">
+                      <a:solidFill>
+                        <a:srgbClr val="DBDBDB"/>
+                      </a:solidFill>
+                      <a:prstDash val="solid"/>
+                      <a:round/>
+                      <a:headEnd type="none" w="med" len="med"/>
+                      <a:tailEnd type="none" w="med" len="med"/>
+                    </a:lnT>
+                    <a:lnB w="9525" cap="flat" cmpd="sng" algn="ctr">
+                      <a:solidFill>
+                        <a:srgbClr val="DBDBDB"/>
+                      </a:solidFill>
+                      <a:prstDash val="solid"/>
+                      <a:round/>
+                      <a:headEnd type="none" w="med" len="med"/>
+                      <a:tailEnd type="none" w="med" len="med"/>
+                    </a:lnB>
+                    <a:solidFill>
+                      <a:srgbClr val="FAFAFA"/>
+                    </a:solidFill>
+                  </a:tcPr>
+                </a:tc>
+              </a:tr>
+              <a:tr h="634386">
+                <a:tc>
+                  <a:txBody>
+                    <a:bodyPr/>
+                    <a:lstStyle/>
+                    <a:p>
+                      <a:pPr algn="l" fontAlgn="t"/>
+                      <a:r>
+                        <a:rPr lang="en-US" sz="1400" b="0" u="none" strike="noStrike">
+                          <a:effectLst/>
+                          <a:hlinkClick r:id="rId7"/>
+                        </a:rPr>
+                        <a:t>ReactiveFormsModule</a:t>
+                      </a:r>
+                      <a:endParaRPr lang="en-US" sz="1400" b="0">
+                        <a:effectLst/>
+                      </a:endParaRPr>
+                    </a:p>
+                  </a:txBody>
+                  <a:tcPr marL="116346" marR="116346" marT="116346" marB="116346">
+                    <a:lnL>
+                      <a:noFill/>
+                    </a:lnL>
+                    <a:lnR>
+                      <a:noFill/>
+                    </a:lnR>
+                    <a:lnT w="9525" cap="flat" cmpd="sng" algn="ctr">
+                      <a:solidFill>
+                        <a:srgbClr val="DBDBDB"/>
+                      </a:solidFill>
+                      <a:prstDash val="solid"/>
+                      <a:round/>
+                      <a:headEnd type="none" w="med" len="med"/>
+                      <a:tailEnd type="none" w="med" len="med"/>
+                    </a:lnT>
+                    <a:lnB w="9525" cap="flat" cmpd="sng" algn="ctr">
+                      <a:solidFill>
+                        <a:srgbClr val="DBDBDB"/>
+                      </a:solidFill>
+                      <a:prstDash val="solid"/>
+                      <a:round/>
+                      <a:headEnd type="none" w="med" len="med"/>
+                      <a:tailEnd type="none" w="med" len="med"/>
+                    </a:lnB>
+                    <a:solidFill>
+                      <a:srgbClr val="FAFAFA"/>
+                    </a:solidFill>
+                  </a:tcPr>
+                </a:tc>
+                <a:tc>
+                  <a:txBody>
+                    <a:bodyPr/>
+                    <a:lstStyle/>
+                    <a:p>
+                      <a:pPr algn="l" fontAlgn="t"/>
+                      <a:r>
+                        <a:rPr lang="en-US" sz="1400" b="0">
+                          <a:effectLst/>
+                        </a:rPr>
+                        <a:t>@angular/forms</a:t>
+                      </a:r>
+                    </a:p>
+                  </a:txBody>
+                  <a:tcPr marL="116346" marR="116346" marT="116346" marB="116346">
+                    <a:lnL>
+                      <a:noFill/>
+                    </a:lnL>
+                    <a:lnR>
+                      <a:noFill/>
+                    </a:lnR>
+                    <a:lnT w="9525" cap="flat" cmpd="sng" algn="ctr">
+                      <a:solidFill>
+                        <a:srgbClr val="DBDBDB"/>
+                      </a:solidFill>
+                      <a:prstDash val="solid"/>
+                      <a:round/>
+                      <a:headEnd type="none" w="med" len="med"/>
+                      <a:tailEnd type="none" w="med" len="med"/>
+                    </a:lnT>
+                    <a:lnB w="9525" cap="flat" cmpd="sng" algn="ctr">
+                      <a:solidFill>
+                        <a:srgbClr val="DBDBDB"/>
+                      </a:solidFill>
+                      <a:prstDash val="solid"/>
+                      <a:round/>
+                      <a:headEnd type="none" w="med" len="med"/>
+                      <a:tailEnd type="none" w="med" len="med"/>
+                    </a:lnB>
+                    <a:solidFill>
+                      <a:srgbClr val="FAFAFA"/>
+                    </a:solidFill>
+                  </a:tcPr>
+                </a:tc>
+                <a:tc>
+                  <a:txBody>
+                    <a:bodyPr/>
+                    <a:lstStyle/>
+                    <a:p>
+                      <a:pPr algn="l" fontAlgn="t"/>
+                      <a:r>
+                        <a:rPr lang="zh-CN" altLang="en-US" sz="1400" b="0">
+                          <a:effectLst/>
+                        </a:rPr>
+                        <a:t>当要构建响应式表单时</a:t>
+                      </a:r>
+                    </a:p>
+                  </a:txBody>
+                  <a:tcPr marL="116346" marR="116346" marT="116346" marB="116346">
+                    <a:lnL>
+                      <a:noFill/>
+                    </a:lnL>
+                    <a:lnR>
+                      <a:noFill/>
+                    </a:lnR>
+                    <a:lnT w="9525" cap="flat" cmpd="sng" algn="ctr">
+                      <a:solidFill>
+                        <a:srgbClr val="DBDBDB"/>
+                      </a:solidFill>
+                      <a:prstDash val="solid"/>
+                      <a:round/>
+                      <a:headEnd type="none" w="med" len="med"/>
+                      <a:tailEnd type="none" w="med" len="med"/>
+                    </a:lnT>
+                    <a:lnB w="9525" cap="flat" cmpd="sng" algn="ctr">
+                      <a:solidFill>
+                        <a:srgbClr val="DBDBDB"/>
+                      </a:solidFill>
+                      <a:prstDash val="solid"/>
+                      <a:round/>
+                      <a:headEnd type="none" w="med" len="med"/>
+                      <a:tailEnd type="none" w="med" len="med"/>
+                    </a:lnB>
+                    <a:solidFill>
+                      <a:srgbClr val="FAFAFA"/>
+                    </a:solidFill>
+                  </a:tcPr>
+                </a:tc>
+              </a:tr>
+              <a:tr h="2151615">
+                <a:tc>
+                  <a:txBody>
+                    <a:bodyPr/>
+                    <a:lstStyle/>
+                    <a:p>
+                      <a:pPr algn="l" fontAlgn="t"/>
+                      <a:r>
+                        <a:rPr lang="en-US" sz="1400" b="0" u="none" strike="noStrike">
+                          <a:effectLst/>
+                          <a:hlinkClick r:id="rId8"/>
+                        </a:rPr>
+                        <a:t>RouterModule</a:t>
+                      </a:r>
+                      <a:endParaRPr lang="en-US" sz="1400" b="0">
+                        <a:effectLst/>
+                      </a:endParaRPr>
+                    </a:p>
+                  </a:txBody>
+                  <a:tcPr marL="116346" marR="116346" marT="116346" marB="116346">
+                    <a:lnL>
+                      <a:noFill/>
+                    </a:lnL>
+                    <a:lnR>
+                      <a:noFill/>
+                    </a:lnR>
+                    <a:lnT w="9525" cap="flat" cmpd="sng" algn="ctr">
+                      <a:solidFill>
+                        <a:srgbClr val="DBDBDB"/>
+                      </a:solidFill>
+                      <a:prstDash val="solid"/>
+                      <a:round/>
+                      <a:headEnd type="none" w="med" len="med"/>
+                      <a:tailEnd type="none" w="med" len="med"/>
+                    </a:lnT>
+                    <a:lnB w="9525" cap="flat" cmpd="sng" algn="ctr">
+                      <a:solidFill>
+                        <a:srgbClr val="DBDBDB"/>
+                      </a:solidFill>
+                      <a:prstDash val="solid"/>
+                      <a:round/>
+                      <a:headEnd type="none" w="med" len="med"/>
+                      <a:tailEnd type="none" w="med" len="med"/>
+                    </a:lnB>
+                    <a:solidFill>
+                      <a:srgbClr val="FAFAFA"/>
+                    </a:solidFill>
+                  </a:tcPr>
+                </a:tc>
+                <a:tc>
+                  <a:txBody>
+                    <a:bodyPr/>
+                    <a:lstStyle/>
+                    <a:p>
+                      <a:pPr algn="l" fontAlgn="t"/>
+                      <a:r>
+                        <a:rPr lang="en-US" sz="1400" b="0">
+                          <a:effectLst/>
+                        </a:rPr>
+                        <a:t>@angular/router</a:t>
+                      </a:r>
+                    </a:p>
+                  </a:txBody>
+                  <a:tcPr marL="116346" marR="116346" marT="116346" marB="116346">
+                    <a:lnL>
+                      <a:noFill/>
+                    </a:lnL>
+                    <a:lnR>
+                      <a:noFill/>
+                    </a:lnR>
+                    <a:lnT w="9525" cap="flat" cmpd="sng" algn="ctr">
+                      <a:solidFill>
+                        <a:srgbClr val="DBDBDB"/>
+                      </a:solidFill>
+                      <a:prstDash val="solid"/>
+                      <a:round/>
+                      <a:headEnd type="none" w="med" len="med"/>
+                      <a:tailEnd type="none" w="med" len="med"/>
+                    </a:lnT>
+                    <a:lnB w="9525" cap="flat" cmpd="sng" algn="ctr">
+                      <a:solidFill>
+                        <a:srgbClr val="DBDBDB"/>
+                      </a:solidFill>
+                      <a:prstDash val="solid"/>
+                      <a:round/>
+                      <a:headEnd type="none" w="med" len="med"/>
+                      <a:tailEnd type="none" w="med" len="med"/>
+                    </a:lnB>
+                    <a:solidFill>
+                      <a:srgbClr val="FAFAFA"/>
+                    </a:solidFill>
+                  </a:tcPr>
+                </a:tc>
+                <a:tc>
+                  <a:txBody>
+                    <a:bodyPr/>
+                    <a:lstStyle/>
+                    <a:p>
+                      <a:pPr algn="l" fontAlgn="t"/>
+                      <a:r>
+                        <a:rPr lang="en-US" sz="1400" b="0">
+                          <a:effectLst/>
+                        </a:rPr>
+                        <a:t>When you want to use </a:t>
+                      </a:r>
+                      <a:r>
+                        <a:rPr lang="en-US" sz="1400" b="0" u="none" strike="noStrike">
+                          <a:effectLst/>
+                          <a:hlinkClick r:id="rId9"/>
+                        </a:rPr>
+                        <a:t>RouterLink</a:t>
+                      </a:r>
+                      <a:r>
+                        <a:rPr lang="en-US" sz="1400" b="0">
+                          <a:effectLst/>
+                        </a:rPr>
+                        <a:t>,.forRoot(), and .forChild() </a:t>
+                      </a:r>
+                      <a:r>
+                        <a:rPr lang="zh-CN" altLang="en-US" sz="1400" b="0">
+                          <a:effectLst/>
+                        </a:rPr>
+                        <a:t>要使用路由功能，并且你要用到 </a:t>
+                      </a:r>
+                      <a:r>
+                        <a:rPr lang="en-US" sz="1400" b="0" u="none" strike="noStrike">
+                          <a:effectLst/>
+                          <a:hlinkClick r:id="rId9"/>
+                        </a:rPr>
+                        <a:t>RouterLink</a:t>
+                      </a:r>
+                      <a:r>
+                        <a:rPr lang="en-US" sz="1400" b="0">
+                          <a:effectLst/>
+                        </a:rPr>
+                        <a:t>,.forRoot() </a:t>
+                      </a:r>
+                      <a:r>
+                        <a:rPr lang="zh-CN" altLang="en-US" sz="1400" b="0">
+                          <a:effectLst/>
+                        </a:rPr>
+                        <a:t>和 </a:t>
+                      </a:r>
+                      <a:r>
+                        <a:rPr lang="en-US" altLang="zh-CN" sz="1400" b="0">
+                          <a:effectLst/>
+                        </a:rPr>
+                        <a:t>.</a:t>
+                      </a:r>
+                      <a:r>
+                        <a:rPr lang="en-US" sz="1400" b="0">
+                          <a:effectLst/>
+                        </a:rPr>
+                        <a:t>forChild() </a:t>
+                      </a:r>
+                      <a:r>
+                        <a:rPr lang="zh-CN" altLang="en-US" sz="1400" b="0">
+                          <a:effectLst/>
+                        </a:rPr>
+                        <a:t>时</a:t>
+                      </a:r>
+                    </a:p>
+                  </a:txBody>
+                  <a:tcPr marL="116346" marR="116346" marT="116346" marB="116346">
+                    <a:lnL>
+                      <a:noFill/>
+                    </a:lnL>
+                    <a:lnR>
+                      <a:noFill/>
+                    </a:lnR>
+                    <a:lnT w="9525" cap="flat" cmpd="sng" algn="ctr">
+                      <a:solidFill>
+                        <a:srgbClr val="DBDBDB"/>
+                      </a:solidFill>
+                      <a:prstDash val="solid"/>
+                      <a:round/>
+                      <a:headEnd type="none" w="med" len="med"/>
+                      <a:tailEnd type="none" w="med" len="med"/>
+                    </a:lnT>
+                    <a:lnB w="9525" cap="flat" cmpd="sng" algn="ctr">
+                      <a:solidFill>
+                        <a:srgbClr val="DBDBDB"/>
+                      </a:solidFill>
+                      <a:prstDash val="solid"/>
+                      <a:round/>
+                      <a:headEnd type="none" w="med" len="med"/>
+                      <a:tailEnd type="none" w="med" len="med"/>
+                    </a:lnB>
+                    <a:solidFill>
+                      <a:srgbClr val="FAFAFA"/>
+                    </a:solidFill>
+                  </a:tcPr>
+                </a:tc>
+              </a:tr>
+              <a:tr h="634386">
+                <a:tc>
+                  <a:txBody>
+                    <a:bodyPr/>
+                    <a:lstStyle/>
+                    <a:p>
+                      <a:pPr algn="l" fontAlgn="t"/>
+                      <a:r>
+                        <a:rPr lang="en-US" sz="1400" b="0" u="none" strike="noStrike">
+                          <a:effectLst/>
+                          <a:hlinkClick r:id="rId10"/>
+                        </a:rPr>
+                        <a:t>HttpClientModule</a:t>
+                      </a:r>
+                      <a:endParaRPr lang="en-US" sz="1400" b="0">
+                        <a:effectLst/>
+                      </a:endParaRPr>
+                    </a:p>
+                  </a:txBody>
+                  <a:tcPr marL="116346" marR="116346" marT="116346" marB="116346">
+                    <a:lnL>
+                      <a:noFill/>
+                    </a:lnL>
+                    <a:lnR>
+                      <a:noFill/>
+                    </a:lnR>
+                    <a:lnT w="9525" cap="flat" cmpd="sng" algn="ctr">
+                      <a:solidFill>
+                        <a:srgbClr val="DBDBDB"/>
+                      </a:solidFill>
+                      <a:prstDash val="solid"/>
+                      <a:round/>
+                      <a:headEnd type="none" w="med" len="med"/>
+                      <a:tailEnd type="none" w="med" len="med"/>
+                    </a:lnT>
+                    <a:lnB>
+                      <a:noFill/>
+                    </a:lnB>
+                    <a:solidFill>
+                      <a:srgbClr val="FAFAFA"/>
+                    </a:solidFill>
+                  </a:tcPr>
+                </a:tc>
+                <a:tc>
+                  <a:txBody>
+                    <a:bodyPr/>
+                    <a:lstStyle/>
+                    <a:p>
+                      <a:pPr algn="l" fontAlgn="t"/>
+                      <a:r>
+                        <a:rPr lang="en-US" sz="1400" b="0">
+                          <a:effectLst/>
+                        </a:rPr>
+                        <a:t>@angular/common/http</a:t>
+                      </a:r>
+                    </a:p>
+                  </a:txBody>
+                  <a:tcPr marL="116346" marR="116346" marT="116346" marB="116346">
+                    <a:lnL>
+                      <a:noFill/>
+                    </a:lnL>
+                    <a:lnR>
+                      <a:noFill/>
+                    </a:lnR>
+                    <a:lnT w="9525" cap="flat" cmpd="sng" algn="ctr">
+                      <a:solidFill>
+                        <a:srgbClr val="DBDBDB"/>
+                      </a:solidFill>
+                      <a:prstDash val="solid"/>
+                      <a:round/>
+                      <a:headEnd type="none" w="med" len="med"/>
+                      <a:tailEnd type="none" w="med" len="med"/>
+                    </a:lnT>
+                    <a:lnB>
+                      <a:noFill/>
+                    </a:lnB>
+                    <a:solidFill>
+                      <a:srgbClr val="FAFAFA"/>
+                    </a:solidFill>
+                  </a:tcPr>
+                </a:tc>
+                <a:tc>
+                  <a:txBody>
+                    <a:bodyPr/>
+                    <a:lstStyle/>
+                    <a:p>
+                      <a:pPr algn="l" fontAlgn="t"/>
+                      <a:r>
+                        <a:rPr lang="zh-CN" altLang="en-US" sz="1400" b="0" dirty="0">
+                          <a:effectLst/>
+                        </a:rPr>
+                        <a:t>当你要和服务器对话时</a:t>
+                      </a:r>
+                    </a:p>
+                  </a:txBody>
+                  <a:tcPr marL="116346" marR="116346" marT="116346" marB="116346">
+                    <a:lnL>
+                      <a:noFill/>
+                    </a:lnL>
+                    <a:lnR>
+                      <a:noFill/>
+                    </a:lnR>
+                    <a:lnT w="9525" cap="flat" cmpd="sng" algn="ctr">
+                      <a:solidFill>
+                        <a:srgbClr val="DBDBDB"/>
+                      </a:solidFill>
+                      <a:prstDash val="solid"/>
+                      <a:round/>
+                      <a:headEnd type="none" w="med" len="med"/>
+                      <a:tailEnd type="none" w="med" len="med"/>
+                    </a:lnT>
+                    <a:lnB>
+                      <a:noFill/>
+                    </a:lnB>
+                    <a:solidFill>
+                      <a:srgbClr val="FAFAFA"/>
+                    </a:solidFill>
+                  </a:tcPr>
+                </a:tc>
+              </a:tr>
+            </a:tbl>
+          </a:graphicData>
+        </a:graphic>
+      </p:graphicFrame>
     </p:spTree>
     <p:extLst>
       <p:ext uri="{BB962C8B-B14F-4D97-AF65-F5344CB8AC3E}">
-        <p14:creationId xmlns:p14="http://schemas.microsoft.com/office/powerpoint/2010/main" val="4041576950"/>
+        <p14:creationId xmlns:p14="http://schemas.microsoft.com/office/powerpoint/2010/main" val="2747930222"/>
       </p:ext>
     </p:extLst>
   </p:cSld>
@@ -4809,521 +6570,498 @@
       </p:grpSpPr>
       <p:sp>
         <p:nvSpPr>
-          <p:cNvPr id="2" name="矩形 1"/>
-          <p:cNvSpPr/>
+          <p:cNvPr id="2" name="Rectangle 1"/>
+          <p:cNvSpPr>
+            <a:spLocks noChangeArrowheads="1"/>
+          </p:cNvSpPr>
           <p:nvPr/>
         </p:nvSpPr>
-        <p:spPr>
-          <a:xfrm>
-            <a:off x="4308463" y="440411"/>
-            <a:ext cx="3570208" cy="769441"/>
+        <p:spPr bwMode="auto">
+          <a:xfrm>
+            <a:off x="314325" y="258247"/>
+            <a:ext cx="4177409" cy="369332"/>
           </a:xfrm>
           <a:prstGeom prst="rect">
             <a:avLst/>
           </a:prstGeom>
-        </p:spPr>
-        <p:txBody>
-          <a:bodyPr wrap="none">
+          <a:solidFill>
+            <a:srgbClr val="FAFAFA"/>
+          </a:solidFill>
+          <a:ln>
+            <a:noFill/>
+          </a:ln>
+          <a:effectLst/>
+          <a:extLst>
+            <a:ext uri="{91240B29-F687-4F45-9708-019B960494DF}">
+              <a14:hiddenLine xmlns:a14="http://schemas.microsoft.com/office/drawing/2010/main" w="9525">
+                <a:solidFill>
+                  <a:schemeClr val="tx1"/>
+                </a:solidFill>
+                <a:miter lim="800000"/>
+                <a:headEnd/>
+                <a:tailEnd/>
+              </a14:hiddenLine>
+            </a:ext>
+            <a:ext uri="{AF507438-7753-43E0-B8FC-AC1667EBCBE1}">
+              <a14:hiddenEffects xmlns:a14="http://schemas.microsoft.com/office/drawing/2010/main">
+                <a:effectLst>
+                  <a:outerShdw dist="35921" dir="2700000" algn="ctr" rotWithShape="0">
+                    <a:schemeClr val="bg2"/>
+                  </a:outerShdw>
+                </a:effectLst>
+              </a14:hiddenEffects>
+            </a:ext>
+          </a:extLst>
+        </p:spPr>
+        <p:txBody>
+          <a:bodyPr vert="horz" wrap="none" lIns="25392" tIns="0" rIns="25392" bIns="0" numCol="1" anchor="ctr" anchorCtr="0" compatLnSpc="1">
+            <a:prstTxWarp prst="textNoShape">
+              <a:avLst/>
+            </a:prstTxWarp>
             <a:spAutoFit/>
           </a:bodyPr>
           <a:lstStyle/>
           <a:p>
-            <a:r>
-              <a:rPr lang="zh-CN" altLang="en-US" sz="4400" dirty="0" smtClean="0"/>
-              <a:t>生命周期钩子</a:t>
-            </a:r>
-            <a:endParaRPr lang="zh-CN" altLang="en-US" sz="4400" dirty="0"/>
-          </a:p>
-        </p:txBody>
-      </p:sp>
-      <p:sp>
-        <p:nvSpPr>
-          <p:cNvPr id="5" name="矩形 4"/>
-          <p:cNvSpPr/>
+            <a:pPr marL="0" marR="0" lvl="0" indent="0" algn="l" defTabSz="914400" rtl="0" eaLnBrk="0" fontAlgn="base" latinLnBrk="0" hangingPunct="0">
+              <a:lnSpc>
+                <a:spcPct val="100000"/>
+              </a:lnSpc>
+              <a:spcBef>
+                <a:spcPct val="0"/>
+              </a:spcBef>
+              <a:spcAft>
+                <a:spcPct val="0"/>
+              </a:spcAft>
+              <a:buClrTx/>
+              <a:buSzTx/>
+              <a:buFontTx/>
+              <a:buNone/>
+              <a:tabLst/>
+            </a:pPr>
+            <a:r>
+              <a:rPr kumimoji="0" lang="en-US" altLang="en-US" sz="2000" b="0" i="0" u="none" strike="noStrike" cap="none" normalizeH="0" baseline="0" dirty="0" err="1" smtClean="0">
+                <a:ln>
+                  <a:noFill/>
+                </a:ln>
+                <a:solidFill>
+                  <a:schemeClr val="tx1"/>
+                </a:solidFill>
+                <a:effectLst/>
+                <a:latin typeface="Arial Unicode MS" panose="020B0604020202020204" pitchFamily="34" charset="-128"/>
+                <a:ea typeface="Droid Sans Mono"/>
+                <a:hlinkClick r:id="rId2"/>
+              </a:rPr>
+              <a:t>BrowserModule</a:t>
+            </a:r>
+            <a:r>
+              <a:rPr kumimoji="0" lang="en-US" altLang="en-US" sz="2400" b="0" i="0" u="none" strike="noStrike" cap="none" normalizeH="0" baseline="0" dirty="0" smtClean="0">
+                <a:ln>
+                  <a:noFill/>
+                </a:ln>
+                <a:solidFill>
+                  <a:schemeClr val="tx1"/>
+                </a:solidFill>
+                <a:effectLst/>
+                <a:latin typeface="Roboto" panose="02000000000000000000" pitchFamily="2" charset="0"/>
+              </a:rPr>
+              <a:t> 和 </a:t>
+            </a:r>
+            <a:r>
+              <a:rPr kumimoji="0" lang="en-US" altLang="en-US" sz="2000" b="0" i="0" u="none" strike="noStrike" cap="none" normalizeH="0" baseline="0" dirty="0" err="1" smtClean="0">
+                <a:ln>
+                  <a:noFill/>
+                </a:ln>
+                <a:solidFill>
+                  <a:schemeClr val="tx1"/>
+                </a:solidFill>
+                <a:effectLst/>
+                <a:latin typeface="Arial Unicode MS" panose="020B0604020202020204" pitchFamily="34" charset="-128"/>
+                <a:ea typeface="Droid Sans Mono"/>
+                <a:hlinkClick r:id="rId3"/>
+              </a:rPr>
+              <a:t>CommonModule</a:t>
+            </a:r>
+            <a:endParaRPr kumimoji="0" lang="en-US" altLang="en-US" sz="2400" b="0" i="0" u="none" strike="noStrike" cap="none" normalizeH="0" baseline="0" dirty="0" smtClean="0">
+              <a:ln>
+                <a:noFill/>
+              </a:ln>
+              <a:solidFill>
+                <a:schemeClr val="tx1"/>
+              </a:solidFill>
+              <a:effectLst/>
+              <a:latin typeface="Roboto" panose="02000000000000000000" pitchFamily="2" charset="0"/>
+            </a:endParaRPr>
+          </a:p>
+        </p:txBody>
+      </p:sp>
+      <p:sp>
+        <p:nvSpPr>
+          <p:cNvPr id="4" name="Rectangle 2"/>
+          <p:cNvSpPr>
+            <a:spLocks noChangeArrowheads="1"/>
+          </p:cNvSpPr>
           <p:nvPr/>
         </p:nvSpPr>
-        <p:spPr>
-          <a:xfrm>
-            <a:off x="1851263" y="1209852"/>
-            <a:ext cx="1005403" cy="369332"/>
+        <p:spPr bwMode="auto">
+          <a:xfrm>
+            <a:off x="314325" y="762074"/>
+            <a:ext cx="11644313" cy="954107"/>
           </a:xfrm>
           <a:prstGeom prst="rect">
             <a:avLst/>
           </a:prstGeom>
-        </p:spPr>
-        <p:txBody>
-          <a:bodyPr wrap="none">
+          <a:solidFill>
+            <a:srgbClr val="F1F1F1"/>
+          </a:solidFill>
+          <a:ln>
+            <a:noFill/>
+          </a:ln>
+          <a:effectLst/>
+          <a:extLst>
+            <a:ext uri="{91240B29-F687-4F45-9708-019B960494DF}">
+              <a14:hiddenLine xmlns:a14="http://schemas.microsoft.com/office/drawing/2010/main" w="9525">
+                <a:solidFill>
+                  <a:schemeClr val="tx1"/>
+                </a:solidFill>
+                <a:miter lim="800000"/>
+                <a:headEnd/>
+                <a:tailEnd/>
+              </a14:hiddenLine>
+            </a:ext>
+            <a:ext uri="{AF507438-7753-43E0-B8FC-AC1667EBCBE1}">
+              <a14:hiddenEffects xmlns:a14="http://schemas.microsoft.com/office/drawing/2010/main">
+                <a:effectLst>
+                  <a:outerShdw dist="35921" dir="2700000" algn="ctr" rotWithShape="0">
+                    <a:schemeClr val="bg2"/>
+                  </a:outerShdw>
+                </a:effectLst>
+              </a14:hiddenEffects>
+            </a:ext>
+          </a:extLst>
+        </p:spPr>
+        <p:txBody>
+          <a:bodyPr vert="horz" wrap="square" lIns="91440" tIns="45720" rIns="91440" bIns="45720" numCol="1" anchor="ctr" anchorCtr="0" compatLnSpc="1">
+            <a:prstTxWarp prst="textNoShape">
+              <a:avLst/>
+            </a:prstTxWarp>
             <a:spAutoFit/>
           </a:bodyPr>
-          <a:lstStyle/>
-          <a:p>
-            <a:r>
-              <a:rPr lang="en-US" altLang="zh-CN" b="1" dirty="0" err="1">
+          <a:lstStyle>
+            <a:lvl1pPr eaLnBrk="0" fontAlgn="base" hangingPunct="0">
+              <a:spcBef>
+                <a:spcPct val="0"/>
+              </a:spcBef>
+              <a:spcAft>
+                <a:spcPct val="0"/>
+              </a:spcAft>
+              <a:defRPr>
+                <a:solidFill>
+                  <a:schemeClr val="tx1"/>
+                </a:solidFill>
+                <a:latin typeface="Arial" panose="020B0604020202020204" pitchFamily="34" charset="0"/>
+              </a:defRPr>
+            </a:lvl1pPr>
+            <a:lvl2pPr eaLnBrk="0" fontAlgn="base" hangingPunct="0">
+              <a:spcBef>
+                <a:spcPct val="0"/>
+              </a:spcBef>
+              <a:spcAft>
+                <a:spcPct val="0"/>
+              </a:spcAft>
+              <a:defRPr>
+                <a:solidFill>
+                  <a:schemeClr val="tx1"/>
+                </a:solidFill>
+                <a:latin typeface="Arial" panose="020B0604020202020204" pitchFamily="34" charset="0"/>
+              </a:defRPr>
+            </a:lvl2pPr>
+            <a:lvl3pPr eaLnBrk="0" fontAlgn="base" hangingPunct="0">
+              <a:spcBef>
+                <a:spcPct val="0"/>
+              </a:spcBef>
+              <a:spcAft>
+                <a:spcPct val="0"/>
+              </a:spcAft>
+              <a:defRPr>
+                <a:solidFill>
+                  <a:schemeClr val="tx1"/>
+                </a:solidFill>
+                <a:latin typeface="Arial" panose="020B0604020202020204" pitchFamily="34" charset="0"/>
+              </a:defRPr>
+            </a:lvl3pPr>
+            <a:lvl4pPr eaLnBrk="0" fontAlgn="base" hangingPunct="0">
+              <a:spcBef>
+                <a:spcPct val="0"/>
+              </a:spcBef>
+              <a:spcAft>
+                <a:spcPct val="0"/>
+              </a:spcAft>
+              <a:defRPr>
+                <a:solidFill>
+                  <a:schemeClr val="tx1"/>
+                </a:solidFill>
+                <a:latin typeface="Arial" panose="020B0604020202020204" pitchFamily="34" charset="0"/>
+              </a:defRPr>
+            </a:lvl4pPr>
+            <a:lvl5pPr eaLnBrk="0" fontAlgn="base" hangingPunct="0">
+              <a:spcBef>
+                <a:spcPct val="0"/>
+              </a:spcBef>
+              <a:spcAft>
+                <a:spcPct val="0"/>
+              </a:spcAft>
+              <a:defRPr>
+                <a:solidFill>
+                  <a:schemeClr val="tx1"/>
+                </a:solidFill>
+                <a:latin typeface="Arial" panose="020B0604020202020204" pitchFamily="34" charset="0"/>
+              </a:defRPr>
+            </a:lvl5pPr>
+            <a:lvl6pPr eaLnBrk="0" fontAlgn="base" hangingPunct="0">
+              <a:spcBef>
+                <a:spcPct val="0"/>
+              </a:spcBef>
+              <a:spcAft>
+                <a:spcPct val="0"/>
+              </a:spcAft>
+              <a:defRPr>
+                <a:solidFill>
+                  <a:schemeClr val="tx1"/>
+                </a:solidFill>
+                <a:latin typeface="Arial" panose="020B0604020202020204" pitchFamily="34" charset="0"/>
+              </a:defRPr>
+            </a:lvl6pPr>
+            <a:lvl7pPr eaLnBrk="0" fontAlgn="base" hangingPunct="0">
+              <a:spcBef>
+                <a:spcPct val="0"/>
+              </a:spcBef>
+              <a:spcAft>
+                <a:spcPct val="0"/>
+              </a:spcAft>
+              <a:defRPr>
+                <a:solidFill>
+                  <a:schemeClr val="tx1"/>
+                </a:solidFill>
+                <a:latin typeface="Arial" panose="020B0604020202020204" pitchFamily="34" charset="0"/>
+              </a:defRPr>
+            </a:lvl7pPr>
+            <a:lvl8pPr eaLnBrk="0" fontAlgn="base" hangingPunct="0">
+              <a:spcBef>
+                <a:spcPct val="0"/>
+              </a:spcBef>
+              <a:spcAft>
+                <a:spcPct val="0"/>
+              </a:spcAft>
+              <a:defRPr>
+                <a:solidFill>
+                  <a:schemeClr val="tx1"/>
+                </a:solidFill>
+                <a:latin typeface="Arial" panose="020B0604020202020204" pitchFamily="34" charset="0"/>
+              </a:defRPr>
+            </a:lvl8pPr>
+            <a:lvl9pPr eaLnBrk="0" fontAlgn="base" hangingPunct="0">
+              <a:spcBef>
+                <a:spcPct val="0"/>
+              </a:spcBef>
+              <a:spcAft>
+                <a:spcPct val="0"/>
+              </a:spcAft>
+              <a:defRPr>
+                <a:solidFill>
+                  <a:schemeClr val="tx1"/>
+                </a:solidFill>
+                <a:latin typeface="Arial" panose="020B0604020202020204" pitchFamily="34" charset="0"/>
+              </a:defRPr>
+            </a:lvl9pPr>
+          </a:lstStyle>
+          <a:p>
+            <a:r>
+              <a:rPr lang="en-US" altLang="en-US" dirty="0" err="1">
                 <a:latin typeface="Roboto" panose="02000000000000000000" pitchFamily="2" charset="0"/>
               </a:rPr>
-              <a:t>OnInit</a:t>
-            </a:r>
-            <a:r>
-              <a:rPr lang="en-US" altLang="zh-CN" b="1" dirty="0" smtClean="0">
+              <a:t>对于运行在浏览器中的应用来说，都必须在根模块中</a:t>
+            </a:r>
+            <a:r>
+              <a:rPr lang="en-US" altLang="en-US" dirty="0">
                 <a:latin typeface="Roboto" panose="02000000000000000000" pitchFamily="2" charset="0"/>
               </a:rPr>
-              <a:t>()</a:t>
-            </a:r>
-            <a:endParaRPr lang="zh-CN" altLang="en-US" b="0" i="0" dirty="0">
-              <a:effectLst/>
+              <a:t> </a:t>
+            </a:r>
+            <a:r>
+              <a:rPr lang="en-US" altLang="en-US" dirty="0" err="1">
+                <a:latin typeface="Roboto" panose="02000000000000000000" pitchFamily="2" charset="0"/>
+              </a:rPr>
+              <a:t>AppModule</a:t>
+            </a:r>
+            <a:r>
+              <a:rPr lang="en-US" altLang="en-US" dirty="0">
+                <a:latin typeface="Roboto" panose="02000000000000000000" pitchFamily="2" charset="0"/>
+              </a:rPr>
+              <a:t> </a:t>
+            </a:r>
+            <a:r>
+              <a:rPr lang="en-US" altLang="en-US" dirty="0" err="1">
+                <a:latin typeface="Roboto" panose="02000000000000000000" pitchFamily="2" charset="0"/>
+              </a:rPr>
+              <a:t>导入</a:t>
+            </a:r>
+            <a:r>
+              <a:rPr lang="en-US" altLang="en-US" dirty="0">
+                <a:latin typeface="Roboto" panose="02000000000000000000" pitchFamily="2" charset="0"/>
+              </a:rPr>
+              <a:t> </a:t>
+            </a:r>
+            <a:r>
+              <a:rPr lang="en-US" altLang="en-US" dirty="0" err="1" smtClean="0">
+                <a:latin typeface="Roboto" panose="02000000000000000000" pitchFamily="2" charset="0"/>
+                <a:hlinkClick r:id="rId2"/>
+              </a:rPr>
+              <a:t>BrowserModule</a:t>
+            </a:r>
+            <a:r>
+              <a:rPr lang="en-US" altLang="en-US" dirty="0" smtClean="0">
+                <a:latin typeface="Roboto" panose="02000000000000000000" pitchFamily="2" charset="0"/>
+              </a:rPr>
+              <a:t> </a:t>
+            </a:r>
+            <a:r>
+              <a:rPr lang="zh-CN" altLang="en-US" dirty="0" smtClean="0">
+                <a:latin typeface="Roboto" panose="02000000000000000000" pitchFamily="2" charset="0"/>
+              </a:rPr>
+              <a:t>一次</a:t>
+            </a:r>
+            <a:r>
+              <a:rPr lang="en-US" altLang="en-US" dirty="0">
+                <a:latin typeface="Roboto" panose="02000000000000000000" pitchFamily="2" charset="0"/>
+              </a:rPr>
+              <a:t> </a:t>
+            </a:r>
+            <a:r>
+              <a:rPr lang="zh-CN" altLang="en-US" dirty="0">
+                <a:latin typeface="Roboto" panose="02000000000000000000" pitchFamily="2" charset="0"/>
+              </a:rPr>
+              <a:t>。</a:t>
+            </a:r>
+            <a:endParaRPr lang="en-US" altLang="zh-CN" dirty="0">
               <a:latin typeface="Roboto" panose="02000000000000000000" pitchFamily="2" charset="0"/>
             </a:endParaRPr>
           </a:p>
-        </p:txBody>
-      </p:sp>
-      <p:sp>
-        <p:nvSpPr>
-          <p:cNvPr id="6" name="矩形 5"/>
-          <p:cNvSpPr/>
+          <a:p>
+            <a:r>
+              <a:rPr lang="en-US" altLang="en-US" dirty="0" err="1" smtClean="0">
+                <a:latin typeface="Roboto" panose="02000000000000000000" pitchFamily="2" charset="0"/>
+              </a:rPr>
+              <a:t>如果你把</a:t>
+            </a:r>
+            <a:r>
+              <a:rPr lang="en-US" altLang="en-US" dirty="0">
+                <a:latin typeface="Roboto" panose="02000000000000000000" pitchFamily="2" charset="0"/>
+              </a:rPr>
+              <a:t> </a:t>
+            </a:r>
+            <a:r>
+              <a:rPr lang="en-US" altLang="en-US" dirty="0" err="1">
+                <a:latin typeface="Roboto" panose="02000000000000000000" pitchFamily="2" charset="0"/>
+                <a:hlinkClick r:id="rId2"/>
+              </a:rPr>
+              <a:t>BrowserModule</a:t>
+            </a:r>
+            <a:r>
+              <a:rPr lang="en-US" altLang="en-US" dirty="0">
+                <a:latin typeface="Roboto" panose="02000000000000000000" pitchFamily="2" charset="0"/>
+              </a:rPr>
+              <a:t> </a:t>
+            </a:r>
+            <a:r>
+              <a:rPr lang="en-US" altLang="en-US" dirty="0" err="1">
+                <a:latin typeface="Roboto" panose="02000000000000000000" pitchFamily="2" charset="0"/>
+              </a:rPr>
+              <a:t>导入了惰性加载的特性模块中，Angular</a:t>
+            </a:r>
+            <a:r>
+              <a:rPr lang="en-US" altLang="en-US" dirty="0">
+                <a:latin typeface="Roboto" panose="02000000000000000000" pitchFamily="2" charset="0"/>
+              </a:rPr>
+              <a:t> </a:t>
+            </a:r>
+            <a:r>
+              <a:rPr lang="en-US" altLang="en-US" dirty="0" err="1">
+                <a:latin typeface="Roboto" panose="02000000000000000000" pitchFamily="2" charset="0"/>
+              </a:rPr>
+              <a:t>就会返回一个错误，并告诉你应该改用</a:t>
+            </a:r>
+            <a:r>
+              <a:rPr lang="en-US" altLang="en-US" dirty="0">
+                <a:latin typeface="Roboto" panose="02000000000000000000" pitchFamily="2" charset="0"/>
+              </a:rPr>
+              <a:t> </a:t>
+            </a:r>
+            <a:r>
+              <a:rPr lang="en-US" altLang="en-US" dirty="0" err="1">
+                <a:latin typeface="Roboto" panose="02000000000000000000" pitchFamily="2" charset="0"/>
+                <a:hlinkClick r:id="rId3"/>
+              </a:rPr>
+              <a:t>CommonModule</a:t>
+            </a:r>
+            <a:r>
+              <a:rPr lang="en-US" altLang="en-US" dirty="0">
+                <a:latin typeface="Roboto" panose="02000000000000000000" pitchFamily="2" charset="0"/>
+              </a:rPr>
+              <a:t>。</a:t>
+            </a:r>
+            <a:r>
+              <a:rPr lang="en-US" altLang="en-US" sz="1400" dirty="0"/>
+              <a:t> </a:t>
+            </a:r>
+            <a:endParaRPr lang="en-US" altLang="en-US" sz="4000" dirty="0"/>
+          </a:p>
+        </p:txBody>
+      </p:sp>
+      <p:pic>
+        <p:nvPicPr>
+          <p:cNvPr id="3077" name="Picture 5" descr="BrowserModule error"/>
+          <p:cNvPicPr>
+            <a:picLocks noChangeAspect="1" noChangeArrowheads="1"/>
+          </p:cNvPicPr>
           <p:nvPr/>
-        </p:nvSpPr>
-        <p:spPr>
-          <a:xfrm>
-            <a:off x="2551134" y="1690394"/>
-            <a:ext cx="6096000" cy="646331"/>
+        </p:nvPicPr>
+        <p:blipFill>
+          <a:blip r:embed="rId4">
+            <a:extLst>
+              <a:ext uri="{28A0092B-C50C-407E-A947-70E740481C1C}">
+                <a14:useLocalDpi xmlns:a14="http://schemas.microsoft.com/office/drawing/2010/main" val="0"/>
+              </a:ext>
+            </a:extLst>
+          </a:blip>
+          <a:srcRect/>
+          <a:stretch>
+            <a:fillRect/>
+          </a:stretch>
+        </p:blipFill>
+        <p:spPr bwMode="auto">
+          <a:xfrm>
+            <a:off x="314324" y="1864963"/>
+            <a:ext cx="11713281" cy="749650"/>
           </a:xfrm>
           <a:prstGeom prst="rect">
             <a:avLst/>
           </a:prstGeom>
-        </p:spPr>
-        <p:txBody>
-          <a:bodyPr>
-            <a:spAutoFit/>
-          </a:bodyPr>
-          <a:lstStyle/>
-          <a:p>
-            <a:pPr>
-              <a:buFont typeface="+mj-lt"/>
-              <a:buAutoNum type="arabicPeriod"/>
-            </a:pPr>
-            <a:r>
-              <a:rPr lang="zh-CN" altLang="en-US" dirty="0">
-                <a:latin typeface="Roboto" panose="02000000000000000000" pitchFamily="2" charset="0"/>
-              </a:rPr>
-              <a:t>在构造函数之后马上执行复杂的初始化逻辑</a:t>
-            </a:r>
-          </a:p>
-          <a:p>
-            <a:pPr>
-              <a:buFont typeface="+mj-lt"/>
-              <a:buAutoNum type="arabicPeriod"/>
-            </a:pPr>
-            <a:r>
-              <a:rPr lang="zh-CN" altLang="en-US" dirty="0">
-                <a:latin typeface="Roboto" panose="02000000000000000000" pitchFamily="2" charset="0"/>
-              </a:rPr>
-              <a:t>在 </a:t>
-            </a:r>
-            <a:r>
-              <a:rPr lang="en-US" altLang="zh-CN" dirty="0">
-                <a:latin typeface="Roboto" panose="02000000000000000000" pitchFamily="2" charset="0"/>
-              </a:rPr>
-              <a:t>Angular </a:t>
-            </a:r>
-            <a:r>
-              <a:rPr lang="zh-CN" altLang="en-US" dirty="0">
-                <a:latin typeface="Roboto" panose="02000000000000000000" pitchFamily="2" charset="0"/>
-              </a:rPr>
-              <a:t>设置完输入属性之后，对该组件进行准备。</a:t>
-            </a:r>
-            <a:endParaRPr lang="zh-CN" altLang="en-US" b="0" i="0" dirty="0">
-              <a:effectLst/>
-              <a:latin typeface="Roboto" panose="02000000000000000000" pitchFamily="2" charset="0"/>
-            </a:endParaRPr>
-          </a:p>
-        </p:txBody>
-      </p:sp>
-      <p:sp>
-        <p:nvSpPr>
-          <p:cNvPr id="3" name="矩形 2"/>
-          <p:cNvSpPr/>
-          <p:nvPr/>
-        </p:nvSpPr>
-        <p:spPr>
-          <a:xfrm>
-            <a:off x="1851263" y="2817267"/>
-            <a:ext cx="1418017" cy="369332"/>
-          </a:xfrm>
-          <a:prstGeom prst="rect">
-            <a:avLst/>
-          </a:prstGeom>
-        </p:spPr>
-        <p:txBody>
-          <a:bodyPr wrap="none">
-            <a:spAutoFit/>
-          </a:bodyPr>
-          <a:lstStyle/>
-          <a:p>
-            <a:r>
-              <a:rPr lang="mr-IN" altLang="zh-CN" b="1" dirty="0" err="1">
-                <a:latin typeface="Roboto" charset="0"/>
-              </a:rPr>
-              <a:t>OnDestroy</a:t>
-            </a:r>
-            <a:r>
-              <a:rPr lang="mr-IN" altLang="zh-CN" b="1" dirty="0" smtClean="0">
-                <a:latin typeface="Roboto" charset="0"/>
-              </a:rPr>
-              <a:t>()</a:t>
-            </a:r>
-            <a:endParaRPr lang="mr-IN" altLang="zh-CN" b="0" i="0" dirty="0">
-              <a:effectLst/>
-              <a:latin typeface="Roboto" charset="0"/>
-            </a:endParaRPr>
-          </a:p>
-        </p:txBody>
-      </p:sp>
-      <p:sp>
-        <p:nvSpPr>
-          <p:cNvPr id="4" name="矩形 3"/>
-          <p:cNvSpPr/>
-          <p:nvPr/>
-        </p:nvSpPr>
-        <p:spPr>
-          <a:xfrm>
-            <a:off x="2551134" y="2447935"/>
-            <a:ext cx="3967753" cy="369332"/>
-          </a:xfrm>
-          <a:prstGeom prst="rect">
-            <a:avLst/>
-          </a:prstGeom>
-        </p:spPr>
-        <p:txBody>
-          <a:bodyPr wrap="none">
-            <a:spAutoFit/>
-          </a:bodyPr>
-          <a:lstStyle/>
-          <a:p>
-            <a:r>
-              <a:rPr lang="zh-CN" altLang="en-US" dirty="0" smtClean="0">
-                <a:latin typeface="Roboto" charset="0"/>
-              </a:rPr>
-              <a:t>这里</a:t>
-            </a:r>
-            <a:r>
-              <a:rPr lang="zh-CN" altLang="en-US" dirty="0">
-                <a:latin typeface="Roboto" charset="0"/>
-              </a:rPr>
-              <a:t>是放置复杂</a:t>
-            </a:r>
-            <a:r>
-              <a:rPr lang="zh-CN" altLang="en-US" dirty="0">
-                <a:solidFill>
-                  <a:srgbClr val="FF0000"/>
-                </a:solidFill>
-                <a:latin typeface="Roboto" charset="0"/>
-              </a:rPr>
-              <a:t>初始化逻辑</a:t>
-            </a:r>
-            <a:r>
-              <a:rPr lang="zh-CN" altLang="en-US" dirty="0">
-                <a:latin typeface="Roboto" charset="0"/>
-              </a:rPr>
-              <a:t>的好地方</a:t>
-            </a:r>
-            <a:endParaRPr lang="zh-CN" altLang="en-US" dirty="0"/>
-          </a:p>
-        </p:txBody>
-      </p:sp>
-      <p:sp>
-        <p:nvSpPr>
-          <p:cNvPr id="7" name="矩形 6"/>
-          <p:cNvSpPr/>
-          <p:nvPr/>
-        </p:nvSpPr>
-        <p:spPr>
-          <a:xfrm>
-            <a:off x="2662237" y="3409019"/>
-            <a:ext cx="9196388" cy="369332"/>
-          </a:xfrm>
-          <a:prstGeom prst="rect">
-            <a:avLst/>
-          </a:prstGeom>
-        </p:spPr>
-        <p:txBody>
-          <a:bodyPr wrap="square">
-            <a:spAutoFit/>
-          </a:bodyPr>
-          <a:lstStyle/>
-          <a:p>
-            <a:r>
-              <a:rPr lang="zh-CN" altLang="en-US" dirty="0">
-                <a:latin typeface="Roboto" charset="0"/>
-              </a:rPr>
-              <a:t>一些清理逻辑</a:t>
-            </a:r>
-            <a:r>
-              <a:rPr lang="zh-CN" altLang="en-US" b="1" dirty="0">
-                <a:latin typeface="Roboto" charset="0"/>
-              </a:rPr>
-              <a:t>必须</a:t>
-            </a:r>
-            <a:r>
-              <a:rPr lang="zh-CN" altLang="en-US" dirty="0">
-                <a:latin typeface="Roboto" charset="0"/>
-              </a:rPr>
-              <a:t>在 </a:t>
-            </a:r>
-            <a:r>
-              <a:rPr lang="en-US" altLang="zh-CN" dirty="0">
-                <a:latin typeface="Roboto" charset="0"/>
-              </a:rPr>
-              <a:t>Angular </a:t>
-            </a:r>
-            <a:r>
-              <a:rPr lang="zh-CN" altLang="en-US" dirty="0">
-                <a:latin typeface="Roboto" charset="0"/>
-              </a:rPr>
-              <a:t>销毁指令之前运行，把它们放在 </a:t>
-            </a:r>
-            <a:r>
-              <a:rPr lang="en-US" altLang="zh-CN" dirty="0" err="1"/>
-              <a:t>ngOnDestroy</a:t>
-            </a:r>
-            <a:r>
-              <a:rPr lang="en-US" altLang="zh-CN" dirty="0"/>
-              <a:t>()</a:t>
-            </a:r>
-            <a:r>
-              <a:rPr lang="zh-CN" altLang="en-US" dirty="0">
-                <a:latin typeface="Roboto" charset="0"/>
-              </a:rPr>
-              <a:t> 中。</a:t>
-            </a:r>
-            <a:endParaRPr lang="zh-CN" altLang="en-US" dirty="0"/>
-          </a:p>
-        </p:txBody>
-      </p:sp>
-      <p:sp>
-        <p:nvSpPr>
-          <p:cNvPr id="8" name="矩形 7"/>
-          <p:cNvSpPr/>
-          <p:nvPr/>
-        </p:nvSpPr>
-        <p:spPr>
-          <a:xfrm>
-            <a:off x="1898103" y="4240016"/>
-            <a:ext cx="1608133" cy="369332"/>
-          </a:xfrm>
-          <a:prstGeom prst="rect">
-            <a:avLst/>
-          </a:prstGeom>
-        </p:spPr>
-        <p:txBody>
-          <a:bodyPr wrap="none">
-            <a:spAutoFit/>
-          </a:bodyPr>
-          <a:lstStyle/>
-          <a:p>
-            <a:r>
-              <a:rPr lang="mr-IN" altLang="zh-CN" b="1" dirty="0" err="1">
-                <a:latin typeface="Roboto" charset="0"/>
-              </a:rPr>
-              <a:t>OnChanges</a:t>
-            </a:r>
-            <a:r>
-              <a:rPr lang="mr-IN" altLang="zh-CN" b="1" dirty="0">
-                <a:latin typeface="Roboto" charset="0"/>
-              </a:rPr>
-              <a:t>()</a:t>
-            </a:r>
-            <a:r>
-              <a:rPr lang="mr-IN" altLang="zh-CN" dirty="0">
-                <a:latin typeface="Roboto" charset="0"/>
-              </a:rPr>
-              <a:t> </a:t>
-            </a:r>
-            <a:endParaRPr lang="mr-IN" altLang="zh-CN" b="0" i="0" dirty="0">
-              <a:effectLst/>
-              <a:latin typeface="Roboto" charset="0"/>
-            </a:endParaRPr>
-          </a:p>
-        </p:txBody>
-      </p:sp>
-      <p:sp>
-        <p:nvSpPr>
-          <p:cNvPr id="9" name="矩形 8"/>
-          <p:cNvSpPr/>
-          <p:nvPr/>
-        </p:nvSpPr>
-        <p:spPr>
-          <a:xfrm>
-            <a:off x="2551134" y="4647102"/>
-            <a:ext cx="9507516" cy="646331"/>
-          </a:xfrm>
-          <a:prstGeom prst="rect">
-            <a:avLst/>
-          </a:prstGeom>
-        </p:spPr>
-        <p:txBody>
-          <a:bodyPr wrap="square">
-            <a:spAutoFit/>
-          </a:bodyPr>
-          <a:lstStyle/>
-          <a:p>
-            <a:r>
-              <a:rPr lang="zh-CN" altLang="en-US" dirty="0">
-                <a:latin typeface="Roboto" charset="0"/>
-              </a:rPr>
-              <a:t>一旦检测到该组件</a:t>
-            </a:r>
-            <a:r>
-              <a:rPr lang="en-US" altLang="zh-CN" dirty="0">
-                <a:latin typeface="Roboto" charset="0"/>
-              </a:rPr>
-              <a:t>(</a:t>
-            </a:r>
-            <a:r>
-              <a:rPr lang="zh-CN" altLang="en-US" dirty="0">
-                <a:latin typeface="Roboto" charset="0"/>
-              </a:rPr>
-              <a:t>或指令</a:t>
-            </a:r>
-            <a:r>
-              <a:rPr lang="en-US" altLang="zh-CN" dirty="0">
-                <a:latin typeface="Roboto" charset="0"/>
-              </a:rPr>
-              <a:t>)</a:t>
-            </a:r>
-            <a:r>
-              <a:rPr lang="zh-CN" altLang="en-US" dirty="0">
-                <a:latin typeface="Roboto" charset="0"/>
-              </a:rPr>
-              <a:t>的</a:t>
-            </a:r>
-            <a:r>
-              <a:rPr lang="zh-CN" altLang="en-US" b="1" dirty="0">
-                <a:solidFill>
-                  <a:srgbClr val="FF0000"/>
-                </a:solidFill>
-                <a:latin typeface="Roboto" charset="0"/>
-              </a:rPr>
-              <a:t>输入属性</a:t>
-            </a:r>
-            <a:r>
-              <a:rPr lang="zh-CN" altLang="en-US" dirty="0">
-                <a:latin typeface="Roboto" charset="0"/>
-              </a:rPr>
-              <a:t>发生了变化，</a:t>
-            </a:r>
-            <a:r>
-              <a:rPr lang="en-US" altLang="zh-CN" dirty="0">
-                <a:latin typeface="Roboto" charset="0"/>
-              </a:rPr>
-              <a:t>Angular </a:t>
-            </a:r>
-            <a:r>
-              <a:rPr lang="zh-CN" altLang="en-US" dirty="0">
-                <a:latin typeface="Roboto" charset="0"/>
-              </a:rPr>
-              <a:t>就会调用它的 </a:t>
-            </a:r>
-            <a:r>
-              <a:rPr lang="en-US" altLang="zh-CN" dirty="0" err="1"/>
-              <a:t>ngOnChanges</a:t>
-            </a:r>
-            <a:r>
-              <a:rPr lang="en-US" altLang="zh-CN" dirty="0"/>
-              <a:t>()</a:t>
-            </a:r>
-            <a:r>
-              <a:rPr lang="zh-CN" altLang="en-US" dirty="0">
-                <a:latin typeface="Roboto" charset="0"/>
-              </a:rPr>
-              <a:t> 方法。</a:t>
-            </a:r>
-            <a:endParaRPr lang="zh-CN" altLang="en-US" dirty="0"/>
-          </a:p>
-        </p:txBody>
-      </p:sp>
-      <p:sp>
-        <p:nvSpPr>
-          <p:cNvPr id="10" name="矩形 9"/>
-          <p:cNvSpPr/>
-          <p:nvPr/>
-        </p:nvSpPr>
-        <p:spPr>
-          <a:xfrm>
-            <a:off x="2506673" y="5478099"/>
-            <a:ext cx="9507516" cy="646331"/>
-          </a:xfrm>
-          <a:prstGeom prst="rect">
-            <a:avLst/>
-          </a:prstGeom>
-        </p:spPr>
-        <p:txBody>
-          <a:bodyPr wrap="square">
-            <a:spAutoFit/>
-          </a:bodyPr>
-          <a:lstStyle/>
-          <a:p>
-            <a:r>
-              <a:rPr lang="zh-CN" altLang="en-US" dirty="0" smtClean="0">
-                <a:latin typeface="Roboto" charset="0"/>
-              </a:rPr>
-              <a:t>如果输入属性是对象</a:t>
-            </a:r>
-            <a:r>
-              <a:rPr lang="en-US" altLang="zh-CN" dirty="0" smtClean="0">
-                <a:latin typeface="Roboto" charset="0"/>
-              </a:rPr>
-              <a:t>hero</a:t>
-            </a:r>
-            <a:r>
-              <a:rPr lang="zh-CN" altLang="en-US" dirty="0" smtClean="0">
-                <a:latin typeface="Roboto" charset="0"/>
-              </a:rPr>
-              <a:t>，当他的值</a:t>
-            </a:r>
-            <a:r>
-              <a:rPr lang="en-US" altLang="zh-CN" dirty="0" err="1" smtClean="0">
-                <a:latin typeface="Roboto" charset="0"/>
-              </a:rPr>
-              <a:t>hero.name</a:t>
-            </a:r>
-            <a:r>
-              <a:rPr lang="zh-CN" altLang="en-US" dirty="0" smtClean="0">
-                <a:latin typeface="Roboto" charset="0"/>
-              </a:rPr>
-              <a:t>发生变化时，不会被</a:t>
-            </a:r>
-            <a:r>
-              <a:rPr lang="en-US" altLang="zh-CN" dirty="0" err="1" smtClean="0">
-                <a:latin typeface="Roboto" charset="0"/>
-              </a:rPr>
-              <a:t>OnChanges</a:t>
-            </a:r>
-            <a:r>
-              <a:rPr lang="zh-CN" altLang="en-US" dirty="0" smtClean="0">
-                <a:latin typeface="Roboto" charset="0"/>
-              </a:rPr>
-              <a:t>捕捉到，因为</a:t>
-            </a:r>
-            <a:r>
-              <a:rPr lang="en-US" altLang="zh-CN" dirty="0" smtClean="0">
-                <a:latin typeface="Roboto" charset="0"/>
-              </a:rPr>
-              <a:t>hero</a:t>
-            </a:r>
-            <a:r>
-              <a:rPr lang="zh-CN" altLang="en-US" dirty="0" smtClean="0">
-                <a:latin typeface="Roboto" charset="0"/>
-              </a:rPr>
-              <a:t>的引用没有变化</a:t>
-            </a:r>
-            <a:endParaRPr lang="zh-CN" altLang="en-US" dirty="0"/>
-          </a:p>
-        </p:txBody>
-      </p:sp>
+          <a:noFill/>
+          <a:extLst>
+            <a:ext uri="{909E8E84-426E-40DD-AFC4-6F175D3DCCD1}">
+              <a14:hiddenFill xmlns:a14="http://schemas.microsoft.com/office/drawing/2010/main">
+                <a:solidFill>
+                  <a:srgbClr val="FFFFFF"/>
+                </a:solidFill>
+              </a14:hiddenFill>
+            </a:ext>
+          </a:extLst>
+        </p:spPr>
+      </p:pic>
     </p:spTree>
     <p:extLst>
       <p:ext uri="{BB962C8B-B14F-4D97-AF65-F5344CB8AC3E}">
-        <p14:creationId xmlns:p14="http://schemas.microsoft.com/office/powerpoint/2010/main" val="1912361220"/>
+        <p14:creationId xmlns:p14="http://schemas.microsoft.com/office/powerpoint/2010/main" val="2836167580"/>
       </p:ext>
     </p:extLst>
   </p:cSld>
@@ -5352,14 +7090,45 @@
       </p:grpSpPr>
       <p:sp>
         <p:nvSpPr>
+          <p:cNvPr id="2" name="矩形 1"/>
+          <p:cNvSpPr/>
+          <p:nvPr/>
+        </p:nvSpPr>
+        <p:spPr>
+          <a:xfrm>
+            <a:off x="4015470" y="272534"/>
+            <a:ext cx="4291944" cy="769441"/>
+          </a:xfrm>
+          <a:prstGeom prst="rect">
+            <a:avLst/>
+          </a:prstGeom>
+        </p:spPr>
+        <p:txBody>
+          <a:bodyPr wrap="none">
+            <a:spAutoFit/>
+          </a:bodyPr>
+          <a:lstStyle/>
+          <a:p>
+            <a:r>
+              <a:rPr lang="en-US" sz="4400" dirty="0"/>
+              <a:t>entry component </a:t>
+            </a:r>
+            <a:endParaRPr lang="zh-CN" altLang="en-US" sz="4400" dirty="0">
+              <a:latin typeface="Roboto" charset="0"/>
+            </a:endParaRPr>
+          </a:p>
+        </p:txBody>
+      </p:sp>
+      <p:sp>
+        <p:nvSpPr>
           <p:cNvPr id="5" name="矩形 4"/>
           <p:cNvSpPr/>
           <p:nvPr/>
         </p:nvSpPr>
         <p:spPr>
           <a:xfrm>
-            <a:off x="1851263" y="238295"/>
-            <a:ext cx="1181734" cy="369332"/>
+            <a:off x="1671716" y="1041975"/>
+            <a:ext cx="5857694" cy="369332"/>
           </a:xfrm>
           <a:prstGeom prst="rect">
             <a:avLst/>
@@ -5372,779 +7141,72 @@
           <a:lstStyle/>
           <a:p>
             <a:r>
-              <a:rPr lang="mr-IN" altLang="zh-CN" b="1" dirty="0" err="1"/>
-              <a:t>DoCheck</a:t>
-            </a:r>
-            <a:r>
-              <a:rPr lang="mr-IN" altLang="zh-CN" b="1" dirty="0" smtClean="0"/>
-              <a:t>()</a:t>
-            </a:r>
-            <a:endParaRPr lang="mr-IN" altLang="zh-CN" dirty="0"/>
-          </a:p>
-        </p:txBody>
-      </p:sp>
-      <p:sp>
-        <p:nvSpPr>
-          <p:cNvPr id="3" name="矩形 2"/>
+              <a:rPr lang="en-US" dirty="0">
+                <a:latin typeface="Roboto" panose="02000000000000000000" pitchFamily="2" charset="0"/>
+              </a:rPr>
+              <a:t>A bootstrapped entry </a:t>
+            </a:r>
+            <a:r>
+              <a:rPr lang="en-US" dirty="0" smtClean="0">
+                <a:latin typeface="Roboto" panose="02000000000000000000" pitchFamily="2" charset="0"/>
+              </a:rPr>
+              <a:t>component            </a:t>
+            </a:r>
+            <a:r>
+              <a:rPr lang="en-US" dirty="0" err="1"/>
+              <a:t>AppComponent</a:t>
+            </a:r>
+            <a:endParaRPr lang="en-US" b="0" i="0" dirty="0">
+              <a:effectLst/>
+              <a:latin typeface="Roboto" panose="02000000000000000000" pitchFamily="2" charset="0"/>
+            </a:endParaRPr>
+          </a:p>
+        </p:txBody>
+      </p:sp>
+      <p:sp>
+        <p:nvSpPr>
+          <p:cNvPr id="6" name="矩形 5"/>
           <p:cNvSpPr/>
           <p:nvPr/>
         </p:nvSpPr>
         <p:spPr>
           <a:xfrm>
-            <a:off x="1851263" y="1463331"/>
-            <a:ext cx="1355949" cy="369332"/>
+            <a:off x="1671716" y="1442084"/>
+            <a:ext cx="10272634" cy="369332"/>
           </a:xfrm>
           <a:prstGeom prst="rect">
             <a:avLst/>
           </a:prstGeom>
         </p:spPr>
         <p:txBody>
-          <a:bodyPr wrap="none">
-            <a:spAutoFit/>
-          </a:bodyPr>
-          <a:lstStyle/>
-          <a:p>
-            <a:r>
-              <a:rPr lang="en-US" altLang="zh-CN" b="1" dirty="0" err="1" smtClean="0">
-                <a:latin typeface="Roboto" charset="0"/>
-              </a:rPr>
-              <a:t>AfterView</a:t>
-            </a:r>
-            <a:r>
-              <a:rPr lang="en-US" altLang="zh-CN" dirty="0" smtClean="0">
-                <a:latin typeface="Roboto" charset="0"/>
-              </a:rPr>
-              <a:t>()</a:t>
-            </a:r>
-            <a:endParaRPr lang="en-US" altLang="zh-CN" b="1" dirty="0">
-              <a:latin typeface="Roboto" charset="0"/>
-            </a:endParaRPr>
-          </a:p>
-        </p:txBody>
-      </p:sp>
-      <p:sp>
-        <p:nvSpPr>
-          <p:cNvPr id="4" name="矩形 3"/>
-          <p:cNvSpPr/>
-          <p:nvPr/>
-        </p:nvSpPr>
-        <p:spPr>
-          <a:xfrm>
-            <a:off x="2479695" y="647695"/>
-            <a:ext cx="4326826" cy="369332"/>
-          </a:xfrm>
-          <a:prstGeom prst="rect">
-            <a:avLst/>
-          </a:prstGeom>
-        </p:spPr>
-        <p:txBody>
-          <a:bodyPr wrap="none">
-            <a:spAutoFit/>
-          </a:bodyPr>
-          <a:lstStyle/>
-          <a:p>
-            <a:r>
-              <a:rPr lang="zh-CN" altLang="en-US" dirty="0" smtClean="0">
-                <a:latin typeface="Roboto" charset="0"/>
-              </a:rPr>
-              <a:t>可以检测到 </a:t>
-            </a:r>
-            <a:r>
-              <a:rPr lang="en-US" altLang="zh-CN" dirty="0" err="1" smtClean="0">
-                <a:latin typeface="Roboto" charset="0"/>
-              </a:rPr>
-              <a:t>hero.name</a:t>
-            </a:r>
-            <a:r>
-              <a:rPr lang="en-US" altLang="zh-CN" dirty="0" smtClean="0">
-                <a:latin typeface="Roboto" charset="0"/>
-              </a:rPr>
-              <a:t> </a:t>
-            </a:r>
-            <a:r>
-              <a:rPr lang="zh-CN" altLang="en-US" dirty="0" smtClean="0">
-                <a:latin typeface="Roboto" charset="0"/>
-              </a:rPr>
-              <a:t>的变化 （见官网）</a:t>
-            </a:r>
-            <a:endParaRPr lang="zh-CN" altLang="en-US" dirty="0"/>
-          </a:p>
-        </p:txBody>
-      </p:sp>
-      <p:sp>
-        <p:nvSpPr>
-          <p:cNvPr id="8" name="矩形 7"/>
-          <p:cNvSpPr/>
-          <p:nvPr/>
-        </p:nvSpPr>
-        <p:spPr>
-          <a:xfrm>
-            <a:off x="2514949" y="2446739"/>
-            <a:ext cx="2262158" cy="369332"/>
-          </a:xfrm>
-          <a:prstGeom prst="rect">
-            <a:avLst/>
-          </a:prstGeom>
-        </p:spPr>
-        <p:txBody>
-          <a:bodyPr wrap="none">
-            <a:spAutoFit/>
-          </a:bodyPr>
-          <a:lstStyle/>
-          <a:p>
-            <a:r>
-              <a:rPr lang="zh-CN" altLang="en-US">
-                <a:latin typeface="Roboto" charset="0"/>
-              </a:rPr>
-              <a:t>遵循单向数据流规则</a:t>
-            </a:r>
-          </a:p>
-        </p:txBody>
-      </p:sp>
-      <p:sp>
-        <p:nvSpPr>
-          <p:cNvPr id="11" name="矩形 10"/>
-          <p:cNvSpPr/>
-          <p:nvPr/>
-        </p:nvSpPr>
-        <p:spPr>
-          <a:xfrm>
-            <a:off x="2488832" y="1037920"/>
-            <a:ext cx="3166251" cy="369332"/>
-          </a:xfrm>
-          <a:prstGeom prst="rect">
-            <a:avLst/>
-          </a:prstGeom>
-        </p:spPr>
-        <p:txBody>
-          <a:bodyPr wrap="none">
-            <a:spAutoFit/>
-          </a:bodyPr>
-          <a:lstStyle/>
-          <a:p>
-            <a:r>
-              <a:rPr lang="zh-CN" altLang="en-US" dirty="0" smtClean="0">
-                <a:latin typeface="Roboto" charset="0"/>
-              </a:rPr>
-              <a:t>出发非常频繁，需要小心使用</a:t>
-            </a:r>
-            <a:endParaRPr lang="zh-CN" altLang="en-US" dirty="0"/>
-          </a:p>
-        </p:txBody>
-      </p:sp>
-      <p:sp>
-        <p:nvSpPr>
-          <p:cNvPr id="14" name="矩形 13"/>
-          <p:cNvSpPr/>
-          <p:nvPr/>
-        </p:nvSpPr>
-        <p:spPr>
-          <a:xfrm>
-            <a:off x="2435235" y="1961652"/>
-            <a:ext cx="9739313" cy="369332"/>
-          </a:xfrm>
-          <a:prstGeom prst="rect">
-            <a:avLst/>
-          </a:prstGeom>
-        </p:spPr>
-        <p:txBody>
           <a:bodyPr wrap="square">
             <a:spAutoFit/>
           </a:bodyPr>
           <a:lstStyle/>
           <a:p>
             <a:r>
-              <a:rPr lang="zh-CN" altLang="en-US" dirty="0">
-                <a:latin typeface="Roboto" charset="0"/>
-              </a:rPr>
-              <a:t> </a:t>
-            </a:r>
-            <a:r>
-              <a:rPr lang="en-US" altLang="zh-CN" dirty="0">
-                <a:hlinkClick r:id="rId2"/>
-              </a:rPr>
-              <a:t>AfterViewInit</a:t>
-            </a:r>
-            <a:r>
-              <a:rPr lang="en-US" altLang="zh-CN" dirty="0"/>
-              <a:t>()</a:t>
-            </a:r>
-            <a:r>
-              <a:rPr lang="zh-CN" altLang="en-US" dirty="0">
-                <a:latin typeface="Roboto" charset="0"/>
-              </a:rPr>
-              <a:t> 和 </a:t>
-            </a:r>
-            <a:r>
-              <a:rPr lang="en-US" altLang="zh-CN" dirty="0">
-                <a:hlinkClick r:id="rId3"/>
-              </a:rPr>
-              <a:t>AfterViewChecked</a:t>
-            </a:r>
-            <a:r>
-              <a:rPr lang="en-US" altLang="zh-CN" dirty="0"/>
-              <a:t>()</a:t>
-            </a:r>
-            <a:r>
-              <a:rPr lang="zh-CN" altLang="en-US" dirty="0">
-                <a:latin typeface="Roboto" charset="0"/>
-              </a:rPr>
-              <a:t> 钩子，</a:t>
-            </a:r>
-            <a:r>
-              <a:rPr lang="en-US" altLang="zh-CN" dirty="0">
-                <a:latin typeface="Roboto" charset="0"/>
-              </a:rPr>
-              <a:t>Angular </a:t>
-            </a:r>
-            <a:r>
-              <a:rPr lang="zh-CN" altLang="en-US" dirty="0">
-                <a:latin typeface="Roboto" charset="0"/>
-              </a:rPr>
-              <a:t>会在每次创建了组件的子视图后调用它们</a:t>
-            </a:r>
-            <a:endParaRPr lang="zh-CN" altLang="en-US" dirty="0"/>
-          </a:p>
-        </p:txBody>
-      </p:sp>
-      <p:sp>
-        <p:nvSpPr>
-          <p:cNvPr id="15" name="矩形 14"/>
-          <p:cNvSpPr/>
-          <p:nvPr/>
-        </p:nvSpPr>
-        <p:spPr>
-          <a:xfrm>
-            <a:off x="3207211" y="2888945"/>
-            <a:ext cx="8722851" cy="646331"/>
-          </a:xfrm>
-          <a:prstGeom prst="rect">
-            <a:avLst/>
-          </a:prstGeom>
-        </p:spPr>
-        <p:txBody>
-          <a:bodyPr wrap="square">
-            <a:spAutoFit/>
-          </a:bodyPr>
-          <a:lstStyle/>
-          <a:p>
-            <a:r>
-              <a:rPr lang="en-US" altLang="zh-CN" dirty="0">
-                <a:latin typeface="Roboto" charset="0"/>
-              </a:rPr>
-              <a:t>Angular </a:t>
-            </a:r>
-            <a:r>
-              <a:rPr lang="zh-CN" altLang="en-US" dirty="0">
-                <a:latin typeface="Roboto" charset="0"/>
-              </a:rPr>
-              <a:t>的“单向数据流”规则</a:t>
-            </a:r>
-            <a:r>
-              <a:rPr lang="zh-CN" altLang="en-US" dirty="0">
-                <a:solidFill>
-                  <a:srgbClr val="FF0000"/>
-                </a:solidFill>
-                <a:latin typeface="Roboto" charset="0"/>
-              </a:rPr>
-              <a:t>禁止在一个视图已经被组合好</a:t>
-            </a:r>
-            <a:r>
-              <a:rPr lang="zh-CN" altLang="en-US" b="1" dirty="0">
-                <a:solidFill>
-                  <a:srgbClr val="FF0000"/>
-                </a:solidFill>
-                <a:latin typeface="Roboto" charset="0"/>
-              </a:rPr>
-              <a:t>之后</a:t>
-            </a:r>
-            <a:r>
-              <a:rPr lang="zh-CN" altLang="en-US" dirty="0">
-                <a:solidFill>
-                  <a:srgbClr val="FF0000"/>
-                </a:solidFill>
-                <a:latin typeface="Roboto" charset="0"/>
-              </a:rPr>
-              <a:t>再更新视图</a:t>
-            </a:r>
-            <a:r>
-              <a:rPr lang="zh-CN" altLang="en-US" dirty="0">
-                <a:latin typeface="Roboto" charset="0"/>
-              </a:rPr>
-              <a:t>。 而这两个钩子都是在组件的视图已经被组合好之后触发的。</a:t>
-            </a:r>
-            <a:endParaRPr lang="zh-CN" altLang="en-US" dirty="0"/>
-          </a:p>
-        </p:txBody>
-      </p:sp>
-      <p:sp>
-        <p:nvSpPr>
-          <p:cNvPr id="16" name="矩形 15"/>
-          <p:cNvSpPr/>
-          <p:nvPr/>
-        </p:nvSpPr>
-        <p:spPr>
-          <a:xfrm>
-            <a:off x="1851263" y="3508137"/>
-            <a:ext cx="1659429" cy="369332"/>
-          </a:xfrm>
-          <a:prstGeom prst="rect">
-            <a:avLst/>
-          </a:prstGeom>
-        </p:spPr>
-        <p:txBody>
-          <a:bodyPr wrap="none">
-            <a:spAutoFit/>
-          </a:bodyPr>
-          <a:lstStyle/>
-          <a:p>
-            <a:r>
-              <a:rPr lang="en-US" altLang="zh-CN" b="1" dirty="0" err="1" smtClean="0">
-                <a:latin typeface="Roboto" charset="0"/>
-              </a:rPr>
-              <a:t>AfterContent</a:t>
-            </a:r>
-            <a:r>
-              <a:rPr lang="en-US" altLang="zh-CN" b="1" dirty="0" smtClean="0">
-                <a:latin typeface="Roboto" charset="0"/>
-              </a:rPr>
-              <a:t>()</a:t>
-            </a:r>
-            <a:endParaRPr lang="en-US" altLang="zh-CN" b="1" dirty="0">
-              <a:latin typeface="Roboto" charset="0"/>
-            </a:endParaRPr>
-          </a:p>
-        </p:txBody>
-      </p:sp>
-      <p:sp>
-        <p:nvSpPr>
-          <p:cNvPr id="17" name="矩形 16"/>
-          <p:cNvSpPr/>
-          <p:nvPr/>
-        </p:nvSpPr>
-        <p:spPr>
-          <a:xfrm>
-            <a:off x="2607082" y="3993224"/>
-            <a:ext cx="9322980" cy="369332"/>
-          </a:xfrm>
-          <a:prstGeom prst="rect">
-            <a:avLst/>
-          </a:prstGeom>
-        </p:spPr>
-        <p:txBody>
-          <a:bodyPr wrap="square">
-            <a:spAutoFit/>
-          </a:bodyPr>
-          <a:lstStyle/>
-          <a:p>
-            <a:r>
-              <a:rPr lang="en-US" altLang="zh-CN" dirty="0">
-                <a:hlinkClick r:id="rId4"/>
-              </a:rPr>
-              <a:t>AfterContentInit</a:t>
-            </a:r>
-            <a:r>
-              <a:rPr lang="en-US" altLang="zh-CN" dirty="0"/>
-              <a:t>()</a:t>
-            </a:r>
-            <a:r>
-              <a:rPr lang="zh-CN" altLang="en-US" dirty="0">
-                <a:latin typeface="Roboto" charset="0"/>
-              </a:rPr>
-              <a:t> 和 </a:t>
-            </a:r>
-            <a:r>
-              <a:rPr lang="en-US" altLang="zh-CN" dirty="0">
-                <a:hlinkClick r:id="rId5"/>
-              </a:rPr>
-              <a:t>AfterContentChecked</a:t>
-            </a:r>
-            <a:r>
-              <a:rPr lang="en-US" altLang="zh-CN" dirty="0"/>
-              <a:t>()</a:t>
-            </a:r>
-            <a:r>
-              <a:rPr lang="zh-CN" altLang="en-US" dirty="0">
-                <a:latin typeface="Roboto" charset="0"/>
-              </a:rPr>
-              <a:t> 钩子</a:t>
-            </a:r>
-            <a:r>
-              <a:rPr lang="zh-CN" altLang="en-US" dirty="0" smtClean="0">
-                <a:latin typeface="Roboto" charset="0"/>
-              </a:rPr>
-              <a:t>，在</a:t>
-            </a:r>
-            <a:r>
-              <a:rPr lang="zh-CN" altLang="en-US" dirty="0">
-                <a:latin typeface="Roboto" charset="0"/>
-              </a:rPr>
-              <a:t>外来内容被投影到组件中</a:t>
-            </a:r>
-            <a:r>
-              <a:rPr lang="zh-CN" altLang="en-US" b="1" dirty="0">
-                <a:latin typeface="Roboto" charset="0"/>
-              </a:rPr>
-              <a:t>之后</a:t>
-            </a:r>
-            <a:r>
-              <a:rPr lang="zh-CN" altLang="en-US" dirty="0">
-                <a:latin typeface="Roboto" charset="0"/>
-              </a:rPr>
-              <a:t>调用它们。</a:t>
-            </a:r>
-            <a:endParaRPr lang="zh-CN" altLang="en-US" dirty="0"/>
-          </a:p>
-        </p:txBody>
-      </p:sp>
-      <p:sp>
-        <p:nvSpPr>
-          <p:cNvPr id="18" name="矩形 17"/>
-          <p:cNvSpPr/>
-          <p:nvPr/>
-        </p:nvSpPr>
-        <p:spPr>
-          <a:xfrm>
-            <a:off x="2607082" y="4406854"/>
-            <a:ext cx="1107996" cy="369332"/>
-          </a:xfrm>
-          <a:prstGeom prst="rect">
-            <a:avLst/>
-          </a:prstGeom>
-        </p:spPr>
-        <p:txBody>
-          <a:bodyPr wrap="none">
-            <a:spAutoFit/>
-          </a:bodyPr>
-          <a:lstStyle/>
-          <a:p>
-            <a:r>
-              <a:rPr lang="zh-CN" altLang="en-US" dirty="0">
-                <a:latin typeface="Roboto" charset="0"/>
-              </a:rPr>
-              <a:t>内容投影</a:t>
-            </a:r>
-            <a:endParaRPr lang="zh-CN" altLang="en-US" b="0" i="0" dirty="0">
+              <a:rPr lang="en-US" dirty="0">
+                <a:latin typeface="Roboto" panose="02000000000000000000" pitchFamily="2" charset="0"/>
+              </a:rPr>
+              <a:t>A routed entry </a:t>
+            </a:r>
+            <a:r>
+              <a:rPr lang="en-US" dirty="0" smtClean="0">
+                <a:latin typeface="Roboto" panose="02000000000000000000" pitchFamily="2" charset="0"/>
+              </a:rPr>
+              <a:t>component                        </a:t>
+            </a:r>
+            <a:r>
+              <a:rPr lang="en-US" dirty="0" smtClean="0"/>
+              <a:t>All </a:t>
+            </a:r>
+            <a:r>
+              <a:rPr lang="en-US" dirty="0"/>
+              <a:t>router components must be entry components. </a:t>
+            </a:r>
+            <a:endParaRPr lang="en-US" b="0" i="0" dirty="0">
               <a:effectLst/>
-              <a:latin typeface="Roboto" charset="0"/>
-            </a:endParaRPr>
-          </a:p>
-        </p:txBody>
-      </p:sp>
-      <p:sp>
-        <p:nvSpPr>
-          <p:cNvPr id="19" name="矩形 18"/>
-          <p:cNvSpPr/>
-          <p:nvPr/>
-        </p:nvSpPr>
-        <p:spPr>
-          <a:xfrm>
-            <a:off x="3829378" y="4425325"/>
-            <a:ext cx="8214984" cy="369332"/>
-          </a:xfrm>
-          <a:prstGeom prst="rect">
-            <a:avLst/>
-          </a:prstGeom>
-        </p:spPr>
-        <p:txBody>
-          <a:bodyPr wrap="square">
-            <a:spAutoFit/>
-          </a:bodyPr>
-          <a:lstStyle/>
-          <a:p>
-            <a:r>
-              <a:rPr lang="zh-CN" altLang="en-US" dirty="0">
-                <a:latin typeface="Roboto" charset="0"/>
-              </a:rPr>
-              <a:t>从组件外部导入 </a:t>
-            </a:r>
-            <a:r>
-              <a:rPr lang="en-US" altLang="zh-CN" dirty="0">
-                <a:latin typeface="Roboto" charset="0"/>
-              </a:rPr>
-              <a:t>HTML </a:t>
-            </a:r>
-            <a:r>
-              <a:rPr lang="zh-CN" altLang="en-US" dirty="0">
-                <a:latin typeface="Roboto" charset="0"/>
-              </a:rPr>
-              <a:t>内容，并把它插入在组件模板中指定位置上的一种途径。</a:t>
-            </a:r>
-            <a:endParaRPr lang="zh-CN" altLang="en-US" dirty="0"/>
-          </a:p>
-        </p:txBody>
-      </p:sp>
-      <p:sp>
-        <p:nvSpPr>
-          <p:cNvPr id="20" name="矩形 19"/>
-          <p:cNvSpPr/>
-          <p:nvPr/>
-        </p:nvSpPr>
-        <p:spPr>
-          <a:xfrm>
-            <a:off x="2607082" y="4838955"/>
-            <a:ext cx="9194393" cy="369332"/>
-          </a:xfrm>
-          <a:prstGeom prst="rect">
-            <a:avLst/>
-          </a:prstGeom>
-        </p:spPr>
-        <p:txBody>
-          <a:bodyPr wrap="square">
-            <a:spAutoFit/>
-          </a:bodyPr>
-          <a:lstStyle/>
-          <a:p>
-            <a:r>
-              <a:rPr lang="zh-CN" altLang="en-US" dirty="0">
-                <a:latin typeface="Roboto" charset="0"/>
-              </a:rPr>
-              <a:t>永远不要在组件标签的内部放任何内容 </a:t>
-            </a:r>
-            <a:r>
-              <a:rPr lang="en-US" altLang="zh-CN" dirty="0">
-                <a:latin typeface="Roboto" charset="0"/>
-              </a:rPr>
-              <a:t>—— </a:t>
-            </a:r>
-            <a:r>
-              <a:rPr lang="zh-CN" altLang="en-US" b="1" dirty="0">
-                <a:latin typeface="Roboto" charset="0"/>
-              </a:rPr>
-              <a:t>除非你想把这些内容投影进这个组件中</a:t>
-            </a:r>
-            <a:r>
-              <a:rPr lang="zh-CN" altLang="en-US" dirty="0">
-                <a:latin typeface="Roboto" charset="0"/>
-              </a:rPr>
-              <a:t>。</a:t>
-            </a:r>
-            <a:endParaRPr lang="zh-CN" altLang="en-US" dirty="0"/>
-          </a:p>
-        </p:txBody>
-      </p:sp>
-      <p:sp>
-        <p:nvSpPr>
-          <p:cNvPr id="21" name="矩形 20"/>
-          <p:cNvSpPr/>
-          <p:nvPr/>
-        </p:nvSpPr>
-        <p:spPr>
-          <a:xfrm>
-            <a:off x="1851263" y="5280173"/>
-            <a:ext cx="9950212" cy="923330"/>
-          </a:xfrm>
-          <a:prstGeom prst="rect">
-            <a:avLst/>
-          </a:prstGeom>
-        </p:spPr>
-        <p:txBody>
-          <a:bodyPr wrap="square">
-            <a:spAutoFit/>
-          </a:bodyPr>
-          <a:lstStyle/>
-          <a:p>
-            <a:r>
-              <a:rPr lang="en-US" altLang="zh-CN" b="1" dirty="0" err="1">
-                <a:latin typeface="Roboto" charset="0"/>
-              </a:rPr>
-              <a:t>AfterContent</a:t>
-            </a:r>
-            <a:r>
-              <a:rPr lang="zh-CN" altLang="en-US" dirty="0">
-                <a:latin typeface="Roboto" charset="0"/>
-              </a:rPr>
-              <a:t> </a:t>
-            </a:r>
-            <a:r>
-              <a:rPr lang="zh-CN" altLang="en-US" dirty="0" smtClean="0">
-                <a:latin typeface="Roboto" charset="0"/>
-              </a:rPr>
-              <a:t>和</a:t>
-            </a:r>
-            <a:r>
-              <a:rPr lang="zh-CN" altLang="en-US" dirty="0">
-                <a:latin typeface="Roboto" charset="0"/>
-              </a:rPr>
-              <a:t> </a:t>
-            </a:r>
-            <a:r>
-              <a:rPr lang="en-US" altLang="zh-CN" b="1" dirty="0" err="1">
-                <a:latin typeface="Roboto" charset="0"/>
-              </a:rPr>
-              <a:t>AfterView</a:t>
-            </a:r>
-            <a:r>
-              <a:rPr lang="zh-CN" altLang="en-US" dirty="0">
-                <a:latin typeface="Roboto" charset="0"/>
-              </a:rPr>
-              <a:t> 相似。关键的不同点是子组件的类型不同。</a:t>
-            </a:r>
-          </a:p>
-          <a:p>
-            <a:pPr>
-              <a:buFont typeface="Arial" charset="0"/>
-              <a:buChar char="•"/>
-            </a:pPr>
-            <a:r>
-              <a:rPr lang="en-US" altLang="zh-CN" b="1" dirty="0" err="1">
-                <a:latin typeface="Roboto" charset="0"/>
-              </a:rPr>
-              <a:t>AfterView</a:t>
-            </a:r>
-            <a:r>
-              <a:rPr lang="zh-CN" altLang="en-US" dirty="0">
-                <a:latin typeface="Roboto" charset="0"/>
-              </a:rPr>
-              <a:t> </a:t>
-            </a:r>
-            <a:r>
-              <a:rPr lang="zh-CN" altLang="en-US" dirty="0" smtClean="0">
-                <a:latin typeface="Roboto" charset="0"/>
-              </a:rPr>
-              <a:t>所</a:t>
-            </a:r>
-            <a:r>
-              <a:rPr lang="zh-CN" altLang="en-US" dirty="0">
-                <a:latin typeface="Roboto" charset="0"/>
-              </a:rPr>
-              <a:t>关心的是 </a:t>
-            </a:r>
-            <a:r>
-              <a:rPr lang="en-US" altLang="zh-CN" dirty="0">
-                <a:latin typeface="Roboto" charset="0"/>
-                <a:hlinkClick r:id="rId6"/>
-              </a:rPr>
-              <a:t>ViewChildren</a:t>
-            </a:r>
-            <a:r>
-              <a:rPr lang="zh-CN" altLang="en-US" dirty="0">
-                <a:latin typeface="Roboto" charset="0"/>
-              </a:rPr>
-              <a:t>，这些子组件的元素标签会出现在该组件的模板</a:t>
-            </a:r>
-            <a:r>
-              <a:rPr lang="zh-CN" altLang="en-US" b="1" dirty="0">
-                <a:latin typeface="Roboto" charset="0"/>
-              </a:rPr>
-              <a:t>里面</a:t>
-            </a:r>
-            <a:r>
-              <a:rPr lang="zh-CN" altLang="en-US" dirty="0">
-                <a:latin typeface="Roboto" charset="0"/>
-              </a:rPr>
-              <a:t>。</a:t>
-            </a:r>
-          </a:p>
-          <a:p>
-            <a:pPr>
-              <a:buFont typeface="Arial" charset="0"/>
-              <a:buChar char="•"/>
-            </a:pPr>
-            <a:r>
-              <a:rPr lang="en-US" altLang="zh-CN" b="1" dirty="0" err="1">
-                <a:latin typeface="Roboto" charset="0"/>
-              </a:rPr>
-              <a:t>AfterContent</a:t>
-            </a:r>
-            <a:r>
-              <a:rPr lang="zh-CN" altLang="en-US" dirty="0">
-                <a:latin typeface="Roboto" charset="0"/>
-              </a:rPr>
-              <a:t> </a:t>
-            </a:r>
-            <a:r>
-              <a:rPr lang="zh-CN" altLang="en-US" dirty="0" smtClean="0">
-                <a:latin typeface="Roboto" charset="0"/>
-              </a:rPr>
-              <a:t>所</a:t>
-            </a:r>
-            <a:r>
-              <a:rPr lang="zh-CN" altLang="en-US" dirty="0">
-                <a:latin typeface="Roboto" charset="0"/>
-              </a:rPr>
-              <a:t>关心的是 </a:t>
-            </a:r>
-            <a:r>
-              <a:rPr lang="en-US" altLang="zh-CN" dirty="0">
-                <a:latin typeface="Roboto" charset="0"/>
-                <a:hlinkClick r:id="rId7"/>
-              </a:rPr>
-              <a:t>ContentChildren</a:t>
-            </a:r>
-            <a:r>
-              <a:rPr lang="zh-CN" altLang="en-US" dirty="0">
-                <a:latin typeface="Roboto" charset="0"/>
-              </a:rPr>
-              <a:t>，这些子组件被 </a:t>
-            </a:r>
-            <a:r>
-              <a:rPr lang="en-US" altLang="zh-CN" dirty="0">
-                <a:latin typeface="Roboto" charset="0"/>
-              </a:rPr>
-              <a:t>Angular </a:t>
-            </a:r>
-            <a:r>
-              <a:rPr lang="zh-CN" altLang="en-US" dirty="0">
-                <a:latin typeface="Roboto" charset="0"/>
-              </a:rPr>
-              <a:t>投影进该组件中。</a:t>
-            </a:r>
-            <a:endParaRPr lang="zh-CN" altLang="en-US" b="0" i="0" dirty="0">
-              <a:effectLst/>
-              <a:latin typeface="Roboto" charset="0"/>
-            </a:endParaRPr>
-          </a:p>
-        </p:txBody>
-      </p:sp>
-      <p:sp>
-        <p:nvSpPr>
-          <p:cNvPr id="22" name="矩形 21"/>
-          <p:cNvSpPr/>
-          <p:nvPr/>
-        </p:nvSpPr>
-        <p:spPr>
-          <a:xfrm>
-            <a:off x="1858214" y="6338158"/>
-            <a:ext cx="4968155" cy="369332"/>
-          </a:xfrm>
-          <a:prstGeom prst="rect">
-            <a:avLst/>
-          </a:prstGeom>
-        </p:spPr>
-        <p:txBody>
-          <a:bodyPr wrap="none">
-            <a:spAutoFit/>
-          </a:bodyPr>
-          <a:lstStyle/>
-          <a:p>
-            <a:r>
-              <a:rPr lang="zh-CN" altLang="en-US" dirty="0">
-                <a:latin typeface="Roboto" charset="0"/>
-              </a:rPr>
-              <a:t>使用 </a:t>
-            </a:r>
-            <a:r>
-              <a:rPr lang="en-US" altLang="zh-CN" dirty="0" err="1">
-                <a:latin typeface="Roboto" charset="0"/>
-              </a:rPr>
-              <a:t>AfterContent</a:t>
-            </a:r>
-            <a:r>
-              <a:rPr lang="en-US" altLang="zh-CN" dirty="0">
-                <a:latin typeface="Roboto" charset="0"/>
-              </a:rPr>
-              <a:t> </a:t>
-            </a:r>
-            <a:r>
-              <a:rPr lang="zh-CN" altLang="en-US" dirty="0">
-                <a:latin typeface="Roboto" charset="0"/>
-              </a:rPr>
-              <a:t>时，无需担心单向数据流规则</a:t>
-            </a:r>
-            <a:endParaRPr lang="zh-CN" altLang="en-US" b="0" i="0" dirty="0">
-              <a:effectLst/>
-              <a:latin typeface="Roboto" charset="0"/>
+              <a:latin typeface="Roboto" panose="02000000000000000000" pitchFamily="2" charset="0"/>
             </a:endParaRPr>
           </a:p>
         </p:txBody>
@@ -6152,7 +7214,7 @@
     </p:spTree>
     <p:extLst>
       <p:ext uri="{BB962C8B-B14F-4D97-AF65-F5344CB8AC3E}">
-        <p14:creationId xmlns:p14="http://schemas.microsoft.com/office/powerpoint/2010/main" val="1354444749"/>
+        <p14:creationId xmlns:p14="http://schemas.microsoft.com/office/powerpoint/2010/main" val="4207102959"/>
       </p:ext>
     </p:extLst>
   </p:cSld>
@@ -6181,115 +7243,479 @@
       </p:grpSpPr>
       <p:sp>
         <p:nvSpPr>
-          <p:cNvPr id="4" name="矩形 3"/>
+          <p:cNvPr id="2" name="矩形 1"/>
           <p:cNvSpPr/>
           <p:nvPr/>
         </p:nvSpPr>
         <p:spPr>
           <a:xfrm>
-            <a:off x="642938" y="400051"/>
-            <a:ext cx="10958512" cy="2862322"/>
+            <a:off x="4872720" y="401122"/>
+            <a:ext cx="2441694" cy="769441"/>
           </a:xfrm>
           <a:prstGeom prst="rect">
             <a:avLst/>
           </a:prstGeom>
         </p:spPr>
         <p:txBody>
-          <a:bodyPr wrap="square">
+          <a:bodyPr wrap="none">
             <a:spAutoFit/>
           </a:bodyPr>
           <a:lstStyle/>
           <a:p>
             <a:r>
-              <a:rPr lang="zh-CN" altLang="en-US" dirty="0"/>
-              <a:t/>
-            </a:r>
-            <a:br>
-              <a:rPr lang="zh-CN" altLang="en-US" dirty="0"/>
-            </a:br>
-            <a:r>
-              <a:rPr lang="en-US" altLang="zh-CN" dirty="0">
+              <a:rPr lang="zh-CN" altLang="en-US" sz="4400" dirty="0">
                 <a:solidFill>
                   <a:srgbClr val="FF0000"/>
                 </a:solidFill>
-                <a:latin typeface="Roboto" charset="0"/>
-              </a:rPr>
-              <a:t>Angular </a:t>
-            </a:r>
-            <a:r>
-              <a:rPr lang="zh-CN" altLang="en-US" dirty="0">
-                <a:solidFill>
-                  <a:srgbClr val="FF0000"/>
-                </a:solidFill>
-                <a:latin typeface="Roboto" charset="0"/>
-              </a:rPr>
-              <a:t>把组件和服务区分开，以提高模块性和复用性</a:t>
-            </a:r>
-            <a:r>
-              <a:rPr lang="zh-CN" altLang="en-US" dirty="0" smtClean="0">
-                <a:solidFill>
-                  <a:srgbClr val="FF0000"/>
-                </a:solidFill>
-                <a:latin typeface="Roboto" charset="0"/>
-              </a:rPr>
-              <a:t>。</a:t>
-            </a:r>
-            <a:endParaRPr lang="en-US" altLang="zh-CN" dirty="0" smtClean="0">
+              </a:rPr>
+              <a:t>单例应用</a:t>
+            </a:r>
+          </a:p>
+        </p:txBody>
+      </p:sp>
+      <p:sp>
+        <p:nvSpPr>
+          <p:cNvPr id="5" name="Rectangle 1"/>
+          <p:cNvSpPr>
+            <a:spLocks noChangeArrowheads="1"/>
+          </p:cNvSpPr>
+          <p:nvPr/>
+        </p:nvSpPr>
+        <p:spPr bwMode="auto">
+          <a:xfrm>
+            <a:off x="514349" y="1323982"/>
+            <a:ext cx="11344275" cy="666736"/>
+          </a:xfrm>
+          <a:prstGeom prst="rect">
+            <a:avLst/>
+          </a:prstGeom>
+          <a:solidFill>
+            <a:srgbClr val="FAFAFA"/>
+          </a:solidFill>
+          <a:ln>
+            <a:noFill/>
+          </a:ln>
+          <a:effectLst/>
+          <a:extLst>
+            <a:ext uri="{91240B29-F687-4F45-9708-019B960494DF}">
+              <a14:hiddenLine xmlns:a14="http://schemas.microsoft.com/office/drawing/2010/main" w="9525">
+                <a:solidFill>
+                  <a:schemeClr val="tx1"/>
+                </a:solidFill>
+                <a:miter lim="800000"/>
+                <a:headEnd/>
+                <a:tailEnd/>
+              </a14:hiddenLine>
+            </a:ext>
+            <a:ext uri="{AF507438-7753-43E0-B8FC-AC1667EBCBE1}">
+              <a14:hiddenEffects xmlns:a14="http://schemas.microsoft.com/office/drawing/2010/main">
+                <a:effectLst>
+                  <a:outerShdw dist="35921" dir="2700000" algn="ctr" rotWithShape="0">
+                    <a:schemeClr val="bg2"/>
+                  </a:outerShdw>
+                </a:effectLst>
+              </a14:hiddenEffects>
+            </a:ext>
+          </a:extLst>
+        </p:spPr>
+        <p:txBody>
+          <a:bodyPr vert="horz" wrap="square" lIns="0" tIns="203136" rIns="0" bIns="152352" numCol="1" anchor="ctr" anchorCtr="0" compatLnSpc="1">
+            <a:prstTxWarp prst="textNoShape">
+              <a:avLst/>
+            </a:prstTxWarp>
+            <a:spAutoFit/>
+          </a:bodyPr>
+          <a:lstStyle/>
+          <a:p>
+            <a:pPr marL="0" marR="0" lvl="0" indent="0" algn="l" defTabSz="914400" rtl="0" eaLnBrk="0" fontAlgn="base" latinLnBrk="0" hangingPunct="0">
+              <a:lnSpc>
+                <a:spcPct val="100000"/>
+              </a:lnSpc>
+              <a:spcBef>
+                <a:spcPct val="0"/>
+              </a:spcBef>
+              <a:spcAft>
+                <a:spcPct val="0"/>
+              </a:spcAft>
+              <a:buClrTx/>
+              <a:buSzTx/>
+              <a:buFontTx/>
+              <a:buNone/>
+              <a:tabLst/>
+            </a:pPr>
+            <a:r>
+              <a:rPr kumimoji="0" lang="en-US" altLang="en-US" sz="2000" b="0" i="0" u="none" strike="noStrike" cap="none" normalizeH="0" baseline="0" dirty="0" err="1" smtClean="0">
+                <a:ln>
+                  <a:noFill/>
+                </a:ln>
+                <a:solidFill>
+                  <a:schemeClr val="tx1"/>
+                </a:solidFill>
+                <a:effectLst/>
+                <a:latin typeface="Arial Unicode MS" panose="020B0604020202020204" pitchFamily="34" charset="-128"/>
+                <a:ea typeface="Droid Sans Mono"/>
+                <a:hlinkClick r:id="rId2"/>
+              </a:rPr>
+              <a:t>forRoot</a:t>
+            </a:r>
+            <a:r>
+              <a:rPr kumimoji="0" lang="en-US" altLang="en-US" sz="2000" b="0" i="0" u="none" strike="noStrike" cap="none" normalizeH="0" baseline="0" dirty="0" smtClean="0">
+                <a:ln>
+                  <a:noFill/>
+                </a:ln>
+                <a:solidFill>
+                  <a:schemeClr val="tx1"/>
+                </a:solidFill>
+                <a:effectLst/>
+                <a:latin typeface="Arial Unicode MS" panose="020B0604020202020204" pitchFamily="34" charset="-128"/>
+                <a:ea typeface="Droid Sans Mono"/>
+                <a:hlinkClick r:id="rId2"/>
+              </a:rPr>
+              <a:t>()</a:t>
+            </a:r>
+            <a:endParaRPr kumimoji="0" lang="en-US" altLang="en-US" sz="2400" b="0" i="0" u="none" strike="noStrike" cap="none" normalizeH="0" baseline="0" dirty="0" smtClean="0">
+              <a:ln>
+                <a:noFill/>
+              </a:ln>
               <a:solidFill>
-                <a:srgbClr val="FF0000"/>
+                <a:schemeClr val="tx1"/>
               </a:solidFill>
-              <a:latin typeface="Roboto" charset="0"/>
+              <a:effectLst/>
+              <a:latin typeface="Roboto" panose="02000000000000000000" pitchFamily="2" charset="0"/>
             </a:endParaRPr>
           </a:p>
-          <a:p>
-            <a:endParaRPr lang="zh-CN" altLang="en-US" dirty="0">
-              <a:latin typeface="Roboto" charset="0"/>
-            </a:endParaRPr>
-          </a:p>
-          <a:p>
-            <a:pPr>
-              <a:buFont typeface="Arial" charset="0"/>
-              <a:buChar char="•"/>
+        </p:txBody>
+      </p:sp>
+      <p:sp>
+        <p:nvSpPr>
+          <p:cNvPr id="6" name="Rectangle 2"/>
+          <p:cNvSpPr>
+            <a:spLocks noChangeArrowheads="1"/>
+          </p:cNvSpPr>
+          <p:nvPr/>
+        </p:nvSpPr>
+        <p:spPr bwMode="auto">
+          <a:xfrm>
+            <a:off x="514349" y="2049573"/>
+            <a:ext cx="11472864" cy="646331"/>
+          </a:xfrm>
+          <a:prstGeom prst="rect">
+            <a:avLst/>
+          </a:prstGeom>
+          <a:solidFill>
+            <a:srgbClr val="F1F1F1"/>
+          </a:solidFill>
+          <a:ln>
+            <a:noFill/>
+          </a:ln>
+          <a:effectLst/>
+          <a:extLst>
+            <a:ext uri="{91240B29-F687-4F45-9708-019B960494DF}">
+              <a14:hiddenLine xmlns:a14="http://schemas.microsoft.com/office/drawing/2010/main" w="9525">
+                <a:solidFill>
+                  <a:schemeClr val="tx1"/>
+                </a:solidFill>
+                <a:miter lim="800000"/>
+                <a:headEnd/>
+                <a:tailEnd/>
+              </a14:hiddenLine>
+            </a:ext>
+            <a:ext uri="{AF507438-7753-43E0-B8FC-AC1667EBCBE1}">
+              <a14:hiddenEffects xmlns:a14="http://schemas.microsoft.com/office/drawing/2010/main">
+                <a:effectLst>
+                  <a:outerShdw dist="35921" dir="2700000" algn="ctr" rotWithShape="0">
+                    <a:schemeClr val="bg2"/>
+                  </a:outerShdw>
+                </a:effectLst>
+              </a14:hiddenEffects>
+            </a:ext>
+          </a:extLst>
+        </p:spPr>
+        <p:txBody>
+          <a:bodyPr vert="horz" wrap="square" lIns="91440" tIns="45720" rIns="91440" bIns="45720" numCol="1" anchor="ctr" anchorCtr="0" compatLnSpc="1">
+            <a:prstTxWarp prst="textNoShape">
+              <a:avLst/>
+            </a:prstTxWarp>
+            <a:spAutoFit/>
+          </a:bodyPr>
+          <a:lstStyle>
+            <a:lvl1pPr eaLnBrk="0" fontAlgn="base" hangingPunct="0">
+              <a:spcBef>
+                <a:spcPct val="0"/>
+              </a:spcBef>
+              <a:spcAft>
+                <a:spcPct val="0"/>
+              </a:spcAft>
+              <a:defRPr>
+                <a:solidFill>
+                  <a:schemeClr val="tx1"/>
+                </a:solidFill>
+                <a:latin typeface="Arial" panose="020B0604020202020204" pitchFamily="34" charset="0"/>
+              </a:defRPr>
+            </a:lvl1pPr>
+            <a:lvl2pPr eaLnBrk="0" fontAlgn="base" hangingPunct="0">
+              <a:spcBef>
+                <a:spcPct val="0"/>
+              </a:spcBef>
+              <a:spcAft>
+                <a:spcPct val="0"/>
+              </a:spcAft>
+              <a:defRPr>
+                <a:solidFill>
+                  <a:schemeClr val="tx1"/>
+                </a:solidFill>
+                <a:latin typeface="Arial" panose="020B0604020202020204" pitchFamily="34" charset="0"/>
+              </a:defRPr>
+            </a:lvl2pPr>
+            <a:lvl3pPr eaLnBrk="0" fontAlgn="base" hangingPunct="0">
+              <a:spcBef>
+                <a:spcPct val="0"/>
+              </a:spcBef>
+              <a:spcAft>
+                <a:spcPct val="0"/>
+              </a:spcAft>
+              <a:defRPr>
+                <a:solidFill>
+                  <a:schemeClr val="tx1"/>
+                </a:solidFill>
+                <a:latin typeface="Arial" panose="020B0604020202020204" pitchFamily="34" charset="0"/>
+              </a:defRPr>
+            </a:lvl3pPr>
+            <a:lvl4pPr eaLnBrk="0" fontAlgn="base" hangingPunct="0">
+              <a:spcBef>
+                <a:spcPct val="0"/>
+              </a:spcBef>
+              <a:spcAft>
+                <a:spcPct val="0"/>
+              </a:spcAft>
+              <a:defRPr>
+                <a:solidFill>
+                  <a:schemeClr val="tx1"/>
+                </a:solidFill>
+                <a:latin typeface="Arial" panose="020B0604020202020204" pitchFamily="34" charset="0"/>
+              </a:defRPr>
+            </a:lvl4pPr>
+            <a:lvl5pPr eaLnBrk="0" fontAlgn="base" hangingPunct="0">
+              <a:spcBef>
+                <a:spcPct val="0"/>
+              </a:spcBef>
+              <a:spcAft>
+                <a:spcPct val="0"/>
+              </a:spcAft>
+              <a:defRPr>
+                <a:solidFill>
+                  <a:schemeClr val="tx1"/>
+                </a:solidFill>
+                <a:latin typeface="Arial" panose="020B0604020202020204" pitchFamily="34" charset="0"/>
+              </a:defRPr>
+            </a:lvl5pPr>
+            <a:lvl6pPr eaLnBrk="0" fontAlgn="base" hangingPunct="0">
+              <a:spcBef>
+                <a:spcPct val="0"/>
+              </a:spcBef>
+              <a:spcAft>
+                <a:spcPct val="0"/>
+              </a:spcAft>
+              <a:defRPr>
+                <a:solidFill>
+                  <a:schemeClr val="tx1"/>
+                </a:solidFill>
+                <a:latin typeface="Arial" panose="020B0604020202020204" pitchFamily="34" charset="0"/>
+              </a:defRPr>
+            </a:lvl6pPr>
+            <a:lvl7pPr eaLnBrk="0" fontAlgn="base" hangingPunct="0">
+              <a:spcBef>
+                <a:spcPct val="0"/>
+              </a:spcBef>
+              <a:spcAft>
+                <a:spcPct val="0"/>
+              </a:spcAft>
+              <a:defRPr>
+                <a:solidFill>
+                  <a:schemeClr val="tx1"/>
+                </a:solidFill>
+                <a:latin typeface="Arial" panose="020B0604020202020204" pitchFamily="34" charset="0"/>
+              </a:defRPr>
+            </a:lvl7pPr>
+            <a:lvl8pPr eaLnBrk="0" fontAlgn="base" hangingPunct="0">
+              <a:spcBef>
+                <a:spcPct val="0"/>
+              </a:spcBef>
+              <a:spcAft>
+                <a:spcPct val="0"/>
+              </a:spcAft>
+              <a:defRPr>
+                <a:solidFill>
+                  <a:schemeClr val="tx1"/>
+                </a:solidFill>
+                <a:latin typeface="Arial" panose="020B0604020202020204" pitchFamily="34" charset="0"/>
+              </a:defRPr>
+            </a:lvl8pPr>
+            <a:lvl9pPr eaLnBrk="0" fontAlgn="base" hangingPunct="0">
+              <a:spcBef>
+                <a:spcPct val="0"/>
+              </a:spcBef>
+              <a:spcAft>
+                <a:spcPct val="0"/>
+              </a:spcAft>
+              <a:defRPr>
+                <a:solidFill>
+                  <a:schemeClr val="tx1"/>
+                </a:solidFill>
+                <a:latin typeface="Arial" panose="020B0604020202020204" pitchFamily="34" charset="0"/>
+              </a:defRPr>
+            </a:lvl9pPr>
+          </a:lstStyle>
+          <a:p>
+            <a:pPr marL="0" marR="0" lvl="0" indent="0" algn="l" defTabSz="914400" rtl="0" eaLnBrk="0" fontAlgn="base" latinLnBrk="0" hangingPunct="0">
+              <a:lnSpc>
+                <a:spcPct val="100000"/>
+              </a:lnSpc>
+              <a:spcBef>
+                <a:spcPct val="0"/>
+              </a:spcBef>
+              <a:spcAft>
+                <a:spcPct val="0"/>
+              </a:spcAft>
+              <a:buClrTx/>
+              <a:buSzTx/>
+              <a:buFontTx/>
+              <a:buNone/>
+              <a:tabLst/>
             </a:pPr>
             <a:r>
-              <a:rPr lang="zh-CN" altLang="en-US" dirty="0">
-                <a:latin typeface="Roboto" charset="0"/>
-              </a:rPr>
-              <a:t>通过把组件中和视图有关的功能与其他类型的处理分离开，你可以让组件类更加精简、高效。 理想情况下，组件的工作只管用户体验，而不用顾及其它。 它应该提供用于数据绑定的属性和方法，以便作为视图（由模板渲染）和应用逻辑（通常包含一些模型的概念）的中介者</a:t>
-            </a:r>
-            <a:r>
-              <a:rPr lang="zh-CN" altLang="en-US" dirty="0" smtClean="0">
-                <a:latin typeface="Roboto" charset="0"/>
-              </a:rPr>
-              <a:t>。</a:t>
-            </a:r>
-            <a:endParaRPr lang="en-US" altLang="zh-CN" dirty="0" smtClean="0">
-              <a:latin typeface="Roboto" charset="0"/>
-            </a:endParaRPr>
-          </a:p>
-          <a:p>
-            <a:pPr>
-              <a:buFont typeface="Arial" charset="0"/>
-              <a:buChar char="•"/>
-            </a:pPr>
-            <a:endParaRPr lang="zh-CN" altLang="en-US" dirty="0">
-              <a:latin typeface="Roboto" charset="0"/>
-            </a:endParaRPr>
-          </a:p>
-          <a:p>
-            <a:pPr>
-              <a:buFont typeface="Arial" charset="0"/>
-              <a:buChar char="•"/>
-            </a:pPr>
-            <a:r>
-              <a:rPr lang="zh-CN" altLang="en-US" dirty="0">
-                <a:latin typeface="Roboto" charset="0"/>
-              </a:rPr>
-              <a:t>组件不应该定义任何诸如从服务器获取数据、验证用户输入或直接往控制台中写日志等工作。 而要把这些任务委托给各种服务。通过把各种处理任务定义到可注入的服务类中，你可以让它被任何组件使用。 通过在不同的环境中注入同一种服务的不同提供商，你还可以让你的应用更具适应性。</a:t>
-            </a:r>
-            <a:endParaRPr lang="zh-CN" altLang="en-US" b="0" i="0" dirty="0">
+              <a:rPr kumimoji="0" lang="en-US" altLang="en-US" sz="1400" b="0" i="0" u="none" strike="noStrike" cap="none" normalizeH="0" baseline="0" smtClean="0">
+                <a:ln>
+                  <a:noFill/>
+                </a:ln>
+                <a:solidFill>
+                  <a:srgbClr val="333333"/>
+                </a:solidFill>
+                <a:effectLst/>
+                <a:latin typeface="Arial Unicode MS" panose="020B0604020202020204" pitchFamily="34" charset="-128"/>
+                <a:ea typeface="Droid Sans Mono"/>
+                <a:hlinkClick r:id="rId2"/>
+              </a:rPr>
+              <a:t>forRoot()</a:t>
+            </a:r>
+            <a:r>
+              <a:rPr kumimoji="0" lang="en-US" altLang="en-US" b="0" i="0" u="none" strike="noStrike" cap="none" normalizeH="0" baseline="0" smtClean="0">
+                <a:ln>
+                  <a:noFill/>
+                </a:ln>
+                <a:solidFill>
+                  <a:schemeClr val="tx1"/>
+                </a:solidFill>
+                <a:effectLst/>
+                <a:latin typeface="Roboto" panose="02000000000000000000" pitchFamily="2" charset="0"/>
+              </a:rPr>
+              <a:t> 包含的注入器配置是全局性的，比如对路由器的配置。</a:t>
+            </a:r>
+            <a:r>
+              <a:rPr kumimoji="0" lang="en-US" altLang="en-US" sz="1400" b="0" i="0" u="none" strike="noStrike" cap="none" normalizeH="0" baseline="0" smtClean="0">
+                <a:ln>
+                  <a:noFill/>
+                </a:ln>
+                <a:solidFill>
+                  <a:srgbClr val="333333"/>
+                </a:solidFill>
+                <a:effectLst/>
+                <a:latin typeface="Arial Unicode MS" panose="020B0604020202020204" pitchFamily="34" charset="-128"/>
+                <a:ea typeface="Droid Sans Mono"/>
+                <a:hlinkClick r:id="rId3"/>
+              </a:rPr>
+              <a:t>forChild()</a:t>
+            </a:r>
+            <a:r>
+              <a:rPr kumimoji="0" lang="en-US" altLang="en-US" b="0" i="0" u="none" strike="noStrike" cap="none" normalizeH="0" baseline="0" smtClean="0">
+                <a:ln>
+                  <a:noFill/>
+                </a:ln>
+                <a:solidFill>
+                  <a:schemeClr val="tx1"/>
+                </a:solidFill>
+                <a:effectLst/>
+                <a:latin typeface="Roboto" panose="02000000000000000000" pitchFamily="2" charset="0"/>
+              </a:rPr>
+              <a:t> 中没有注入器配置，只有像 </a:t>
+            </a:r>
+            <a:r>
+              <a:rPr kumimoji="0" lang="en-US" altLang="en-US" sz="1400" b="0" i="0" u="none" strike="noStrike" cap="none" normalizeH="0" baseline="0" smtClean="0">
+                <a:ln>
+                  <a:noFill/>
+                </a:ln>
+                <a:solidFill>
+                  <a:srgbClr val="333333"/>
+                </a:solidFill>
+                <a:effectLst/>
+                <a:latin typeface="Arial Unicode MS" panose="020B0604020202020204" pitchFamily="34" charset="-128"/>
+                <a:ea typeface="Droid Sans Mono"/>
+                <a:hlinkClick r:id="rId4"/>
+              </a:rPr>
+              <a:t>RouterOutlet</a:t>
+            </a:r>
+            <a:r>
+              <a:rPr kumimoji="0" lang="en-US" altLang="en-US" b="0" i="0" u="none" strike="noStrike" cap="none" normalizeH="0" baseline="0" smtClean="0">
+                <a:ln>
+                  <a:noFill/>
+                </a:ln>
+                <a:solidFill>
+                  <a:schemeClr val="tx1"/>
+                </a:solidFill>
+                <a:effectLst/>
+                <a:latin typeface="Roboto" panose="02000000000000000000" pitchFamily="2" charset="0"/>
+              </a:rPr>
+              <a:t> 和 </a:t>
+            </a:r>
+            <a:r>
+              <a:rPr kumimoji="0" lang="en-US" altLang="en-US" sz="1400" b="0" i="0" u="none" strike="noStrike" cap="none" normalizeH="0" baseline="0" smtClean="0">
+                <a:ln>
+                  <a:noFill/>
+                </a:ln>
+                <a:solidFill>
+                  <a:srgbClr val="333333"/>
+                </a:solidFill>
+                <a:effectLst/>
+                <a:latin typeface="Arial Unicode MS" panose="020B0604020202020204" pitchFamily="34" charset="-128"/>
+                <a:ea typeface="Droid Sans Mono"/>
+                <a:hlinkClick r:id="rId5"/>
+              </a:rPr>
+              <a:t>RouterLink</a:t>
+            </a:r>
+            <a:r>
+              <a:rPr kumimoji="0" lang="en-US" altLang="en-US" b="0" i="0" u="none" strike="noStrike" cap="none" normalizeH="0" baseline="0" smtClean="0">
+                <a:ln>
+                  <a:noFill/>
+                </a:ln>
+                <a:solidFill>
+                  <a:schemeClr val="tx1"/>
+                </a:solidFill>
+                <a:effectLst/>
+                <a:latin typeface="Roboto" panose="02000000000000000000" pitchFamily="2" charset="0"/>
+              </a:rPr>
+              <a:t> 这样的指令。</a:t>
+            </a:r>
+            <a:r>
+              <a:rPr kumimoji="0" lang="en-US" altLang="en-US" sz="1400" b="0" i="0" u="none" strike="noStrike" cap="none" normalizeH="0" baseline="0" smtClean="0">
+                <a:ln>
+                  <a:noFill/>
+                </a:ln>
+                <a:solidFill>
+                  <a:schemeClr val="tx1"/>
+                </a:solidFill>
+                <a:effectLst/>
+              </a:rPr>
+              <a:t> </a:t>
+            </a:r>
+            <a:endParaRPr kumimoji="0" lang="en-US" altLang="en-US" sz="4000" b="0" i="0" u="none" strike="noStrike" cap="none" normalizeH="0" baseline="0" smtClean="0">
+              <a:ln>
+                <a:noFill/>
+              </a:ln>
+              <a:solidFill>
+                <a:schemeClr val="tx1"/>
+              </a:solidFill>
               <a:effectLst/>
-              <a:latin typeface="Roboto" charset="0"/>
+              <a:latin typeface="Arial" panose="020B0604020202020204" pitchFamily="34" charset="0"/>
             </a:endParaRPr>
           </a:p>
         </p:txBody>
@@ -6297,7 +7723,7 @@
     </p:spTree>
     <p:extLst>
       <p:ext uri="{BB962C8B-B14F-4D97-AF65-F5344CB8AC3E}">
-        <p14:creationId xmlns:p14="http://schemas.microsoft.com/office/powerpoint/2010/main" val="975469017"/>
+        <p14:creationId xmlns:p14="http://schemas.microsoft.com/office/powerpoint/2010/main" val="2408772487"/>
       </p:ext>
     </p:extLst>
   </p:cSld>
@@ -6332,8 +7758,8 @@
         </p:nvSpPr>
         <p:spPr>
           <a:xfrm>
-            <a:off x="3572558" y="543996"/>
-            <a:ext cx="5262979" cy="769441"/>
+            <a:off x="4872720" y="401122"/>
+            <a:ext cx="2441694" cy="769441"/>
           </a:xfrm>
           <a:prstGeom prst="rect">
             <a:avLst/>
@@ -6346,9 +7772,20 @@
           <a:lstStyle/>
           <a:p>
             <a:r>
-              <a:rPr lang="zh-CN" altLang="en-US" sz="4400"/>
-              <a:t>服务与依赖注入简介</a:t>
-            </a:r>
+              <a:rPr lang="zh-CN" altLang="en-US" sz="4400">
+                <a:latin typeface="Roboto" charset="0"/>
+              </a:rPr>
+              <a:t>模板</a:t>
+            </a:r>
+            <a:r>
+              <a:rPr lang="zh-CN" altLang="en-US" sz="4400" smtClean="0">
+                <a:latin typeface="Roboto" charset="0"/>
+              </a:rPr>
+              <a:t>语法</a:t>
+            </a:r>
+            <a:endParaRPr lang="zh-CN" altLang="en-US" sz="4400">
+              <a:latin typeface="Roboto" charset="0"/>
+            </a:endParaRPr>
           </a:p>
         </p:txBody>
       </p:sp>
@@ -6360,8 +7797,8 @@
         </p:nvSpPr>
         <p:spPr>
           <a:xfrm>
-            <a:off x="2264187" y="1529834"/>
-            <a:ext cx="1308371" cy="369332"/>
+            <a:off x="1961217" y="1344096"/>
+            <a:ext cx="4132350" cy="369332"/>
           </a:xfrm>
           <a:prstGeom prst="rect">
             <a:avLst/>
@@ -6376,91 +7813,195 @@
             <a:r>
               <a:rPr lang="en-US" altLang="zh-CN">
                 <a:solidFill>
-                  <a:srgbClr val="333333"/>
-                </a:solidFill>
-                <a:latin typeface="Droid Sans Mono" charset="0"/>
-              </a:rPr>
-              <a:t>@</a:t>
-            </a:r>
-            <a:r>
-              <a:rPr lang="en-US" altLang="zh-CN" u="sng">
-                <a:solidFill>
-                  <a:srgbClr val="6E6E6E"/>
-                </a:solidFill>
-                <a:latin typeface="Droid Sans Mono" charset="0"/>
-                <a:hlinkClick r:id="rId2"/>
-              </a:rPr>
-              <a:t>Injectable</a:t>
-            </a:r>
-            <a:endParaRPr lang="zh-CN" altLang="en-US" dirty="0"/>
-          </a:p>
-        </p:txBody>
-      </p:sp>
-      <p:pic>
-        <p:nvPicPr>
-          <p:cNvPr id="6" name="图片 5"/>
-          <p:cNvPicPr>
-            <a:picLocks noChangeAspect="1"/>
-          </p:cNvPicPr>
+                  <a:srgbClr val="1976D2"/>
+                </a:solidFill>
+                <a:latin typeface="Roboto" charset="0"/>
+              </a:rPr>
+              <a:t>HTML attribute </a:t>
+            </a:r>
+            <a:r>
+              <a:rPr lang="zh-CN" altLang="en-US" dirty="0">
+                <a:solidFill>
+                  <a:srgbClr val="1976D2"/>
+                </a:solidFill>
+                <a:latin typeface="Roboto" charset="0"/>
+              </a:rPr>
+              <a:t>与 </a:t>
+            </a:r>
+            <a:r>
+              <a:rPr lang="en-US" altLang="zh-CN" dirty="0">
+                <a:solidFill>
+                  <a:srgbClr val="1976D2"/>
+                </a:solidFill>
+                <a:latin typeface="Roboto" charset="0"/>
+              </a:rPr>
+              <a:t>DOM property </a:t>
+            </a:r>
+            <a:r>
+              <a:rPr lang="zh-CN" altLang="en-US" dirty="0">
+                <a:solidFill>
+                  <a:srgbClr val="1976D2"/>
+                </a:solidFill>
+                <a:latin typeface="Roboto" charset="0"/>
+              </a:rPr>
+              <a:t>的对比</a:t>
+            </a:r>
+            <a:endParaRPr lang="zh-CN" altLang="en-US" b="0" i="0" dirty="0">
+              <a:solidFill>
+                <a:srgbClr val="1976D2"/>
+              </a:solidFill>
+              <a:effectLst/>
+              <a:latin typeface="Roboto" charset="0"/>
+            </a:endParaRPr>
+          </a:p>
+        </p:txBody>
+      </p:sp>
+      <p:sp>
+        <p:nvSpPr>
+          <p:cNvPr id="3" name="矩形 2"/>
+          <p:cNvSpPr/>
           <p:nvPr/>
-        </p:nvPicPr>
-        <p:blipFill>
-          <a:blip r:embed="rId3">
-            <a:extLst>
-              <a:ext uri="{28A0092B-C50C-407E-A947-70E740481C1C}">
-                <a14:useLocalDpi xmlns:a14="http://schemas.microsoft.com/office/drawing/2010/main" val="0"/>
-              </a:ext>
-            </a:extLst>
-          </a:blip>
-          <a:stretch>
-            <a:fillRect/>
-          </a:stretch>
-        </p:blipFill>
+        </p:nvSpPr>
         <p:spPr>
           <a:xfrm>
-            <a:off x="2178147" y="2259509"/>
-            <a:ext cx="8051800" cy="1409700"/>
+            <a:off x="1961217" y="1886961"/>
+            <a:ext cx="9625946" cy="646331"/>
           </a:xfrm>
           <a:prstGeom prst="rect">
             <a:avLst/>
           </a:prstGeom>
         </p:spPr>
-      </p:pic>
-      <p:sp>
-        <p:nvSpPr>
-          <p:cNvPr id="8" name="矩形 7"/>
-          <p:cNvSpPr/>
-          <p:nvPr/>
-        </p:nvSpPr>
-        <p:spPr>
-          <a:xfrm>
-            <a:off x="4894600" y="2779693"/>
-            <a:ext cx="2031325" cy="369332"/>
-          </a:xfrm>
-          <a:prstGeom prst="rect">
-            <a:avLst/>
-          </a:prstGeom>
-        </p:spPr>
-        <p:txBody>
-          <a:bodyPr wrap="none">
+        <p:txBody>
+          <a:bodyPr wrap="square">
             <a:spAutoFit/>
           </a:bodyPr>
           <a:lstStyle/>
           <a:p>
             <a:r>
-              <a:rPr lang="zh-CN" altLang="en-US">
-                <a:latin typeface="Roboto" charset="0"/>
-              </a:rPr>
-              <a:t>注册到根注入器中</a:t>
-            </a:r>
-            <a:endParaRPr lang="zh-CN" altLang="en-US"/>
+              <a:rPr lang="en-US" altLang="zh-CN" dirty="0">
+                <a:solidFill>
+                  <a:srgbClr val="333333"/>
+                </a:solidFill>
+                <a:latin typeface="Roboto" charset="0"/>
+              </a:rPr>
+              <a:t>attribute </a:t>
+            </a:r>
+            <a:r>
+              <a:rPr lang="zh-CN" altLang="en-US" b="1" dirty="0">
+                <a:solidFill>
+                  <a:srgbClr val="333333"/>
+                </a:solidFill>
+                <a:latin typeface="Roboto" charset="0"/>
+              </a:rPr>
+              <a:t>初始化</a:t>
+            </a:r>
+            <a:r>
+              <a:rPr lang="zh-CN" altLang="en-US" dirty="0">
+                <a:solidFill>
+                  <a:srgbClr val="333333"/>
+                </a:solidFill>
+                <a:latin typeface="Roboto" charset="0"/>
+              </a:rPr>
+              <a:t> </a:t>
+            </a:r>
+            <a:r>
+              <a:rPr lang="en-US" altLang="zh-CN" dirty="0">
+                <a:solidFill>
+                  <a:srgbClr val="333333"/>
+                </a:solidFill>
+                <a:latin typeface="Roboto" charset="0"/>
+              </a:rPr>
+              <a:t>DOM property</a:t>
+            </a:r>
+            <a:r>
+              <a:rPr lang="zh-CN" altLang="en-US" dirty="0">
+                <a:solidFill>
+                  <a:srgbClr val="333333"/>
+                </a:solidFill>
+                <a:latin typeface="Roboto" charset="0"/>
+              </a:rPr>
+              <a:t>，然后它们的任务就完成了。</a:t>
+            </a:r>
+            <a:r>
+              <a:rPr lang="en-US" altLang="zh-CN" dirty="0">
+                <a:solidFill>
+                  <a:srgbClr val="333333"/>
+                </a:solidFill>
+                <a:latin typeface="Roboto" charset="0"/>
+              </a:rPr>
+              <a:t>property </a:t>
+            </a:r>
+            <a:r>
+              <a:rPr lang="zh-CN" altLang="en-US" dirty="0">
+                <a:solidFill>
+                  <a:srgbClr val="333333"/>
+                </a:solidFill>
+                <a:latin typeface="Roboto" charset="0"/>
+              </a:rPr>
+              <a:t>的值可以改变；</a:t>
+            </a:r>
+            <a:r>
+              <a:rPr lang="en-US" altLang="zh-CN" dirty="0">
+                <a:solidFill>
+                  <a:srgbClr val="333333"/>
+                </a:solidFill>
+                <a:latin typeface="Roboto" charset="0"/>
+              </a:rPr>
+              <a:t>attribute </a:t>
+            </a:r>
+            <a:r>
+              <a:rPr lang="zh-CN" altLang="en-US" dirty="0">
+                <a:solidFill>
+                  <a:srgbClr val="333333"/>
+                </a:solidFill>
+                <a:latin typeface="Roboto" charset="0"/>
+              </a:rPr>
+              <a:t>的值不能改变</a:t>
+            </a:r>
+            <a:r>
+              <a:rPr lang="zh-CN" altLang="en-US" dirty="0" smtClean="0">
+                <a:solidFill>
+                  <a:srgbClr val="333333"/>
+                </a:solidFill>
+                <a:latin typeface="Roboto" charset="0"/>
+              </a:rPr>
+              <a:t>。</a:t>
+            </a:r>
+            <a:r>
+              <a:rPr lang="zh-CN" altLang="en-US" dirty="0"/>
+              <a:t>模板绑定是通过 </a:t>
+            </a:r>
+            <a:r>
+              <a:rPr lang="en-US" altLang="zh-CN" b="1" dirty="0"/>
+              <a:t>property</a:t>
+            </a:r>
+            <a:r>
+              <a:rPr lang="zh-CN" altLang="en-US" dirty="0"/>
+              <a:t> 和</a:t>
+            </a:r>
+            <a:r>
+              <a:rPr lang="zh-CN" altLang="en-US" b="1" dirty="0"/>
+              <a:t>事件</a:t>
+            </a:r>
+            <a:r>
+              <a:rPr lang="zh-CN" altLang="en-US" dirty="0"/>
+              <a:t>来工作的，而不是 </a:t>
+            </a:r>
+            <a:r>
+              <a:rPr lang="en-US" altLang="zh-CN" b="1" dirty="0"/>
+              <a:t>attribute</a:t>
+            </a:r>
+            <a:r>
+              <a:rPr lang="zh-CN" altLang="en-US" dirty="0"/>
+              <a:t>。</a:t>
+            </a:r>
           </a:p>
         </p:txBody>
       </p:sp>
     </p:spTree>
     <p:extLst>
       <p:ext uri="{BB962C8B-B14F-4D97-AF65-F5344CB8AC3E}">
-        <p14:creationId xmlns:p14="http://schemas.microsoft.com/office/powerpoint/2010/main" val="1878691486"/>
+        <p14:creationId xmlns:p14="http://schemas.microsoft.com/office/powerpoint/2010/main" val="2891978781"/>
       </p:ext>
     </p:extLst>
   </p:cSld>
@@ -6489,14 +8030,113 @@
       </p:grpSpPr>
       <p:sp>
         <p:nvSpPr>
+          <p:cNvPr id="7" name="AutoShape 2" descr="https://wx2.qq.com/cgi-bin/mmwebwx-bin/webwxgetmsgimg?&amp;MsgID=3143122728154941177&amp;skey=%40crypt_37a45a30_a1f760e2ba102232eee5cec6e1ee7648"/>
+          <p:cNvSpPr>
+            <a:spLocks noChangeAspect="1" noChangeArrowheads="1"/>
+          </p:cNvSpPr>
+          <p:nvPr/>
+        </p:nvSpPr>
+        <p:spPr bwMode="auto">
+          <a:xfrm>
+            <a:off x="0" y="0"/>
+            <a:ext cx="3900488" cy="3900488"/>
+          </a:xfrm>
+          <a:prstGeom prst="rect">
+            <a:avLst/>
+          </a:prstGeom>
+          <a:noFill/>
+          <a:extLst>
+            <a:ext uri="{909E8E84-426E-40DD-AFC4-6F175D3DCCD1}">
+              <a14:hiddenFill xmlns:a14="http://schemas.microsoft.com/office/drawing/2010/main">
+                <a:solidFill>
+                  <a:srgbClr val="FFFFFF"/>
+                </a:solidFill>
+              </a14:hiddenFill>
+            </a:ext>
+          </a:extLst>
+        </p:spPr>
+        <p:txBody>
+          <a:bodyPr vert="horz" wrap="square" lIns="91440" tIns="45720" rIns="91440" bIns="45720" numCol="1" anchor="t" anchorCtr="0" compatLnSpc="1">
+            <a:prstTxWarp prst="textNoShape">
+              <a:avLst/>
+            </a:prstTxWarp>
+          </a:bodyPr>
+          <a:lstStyle/>
+          <a:p>
+            <a:endParaRPr lang="zh-CN" altLang="en-US"/>
+          </a:p>
+        </p:txBody>
+      </p:sp>
+      <p:pic>
+        <p:nvPicPr>
+          <p:cNvPr id="10" name="图片 9"/>
+          <p:cNvPicPr>
+            <a:picLocks noChangeAspect="1"/>
+          </p:cNvPicPr>
+          <p:nvPr/>
+        </p:nvPicPr>
+        <p:blipFill>
+          <a:blip r:embed="rId2">
+            <a:extLst>
+              <a:ext uri="{28A0092B-C50C-407E-A947-70E740481C1C}">
+                <a14:useLocalDpi xmlns:a14="http://schemas.microsoft.com/office/drawing/2010/main" val="0"/>
+              </a:ext>
+            </a:extLst>
+          </a:blip>
+          <a:stretch>
+            <a:fillRect/>
+          </a:stretch>
+        </p:blipFill>
+        <p:spPr>
+          <a:xfrm>
+            <a:off x="800101" y="559276"/>
+            <a:ext cx="10448558" cy="5884387"/>
+          </a:xfrm>
+          <a:prstGeom prst="rect">
+            <a:avLst/>
+          </a:prstGeom>
+        </p:spPr>
+      </p:pic>
+    </p:spTree>
+    <p:extLst>
+      <p:ext uri="{BB962C8B-B14F-4D97-AF65-F5344CB8AC3E}">
+        <p14:creationId xmlns:p14="http://schemas.microsoft.com/office/powerpoint/2010/main" val="4041576950"/>
+      </p:ext>
+    </p:extLst>
+  </p:cSld>
+  <p:clrMapOvr>
+    <a:masterClrMapping/>
+  </p:clrMapOvr>
+</p:sld>
+</file>
+
+<file path=ppt/slides/slide19.xml><?xml version="1.0" encoding="utf-8"?>
+<p:sld xmlns:a="http://schemas.openxmlformats.org/drawingml/2006/main" xmlns:r="http://schemas.openxmlformats.org/officeDocument/2006/relationships" xmlns:p="http://schemas.openxmlformats.org/presentationml/2006/main">
+  <p:cSld>
+    <p:spTree>
+      <p:nvGrpSpPr>
+        <p:cNvPr id="1" name=""/>
+        <p:cNvGrpSpPr/>
+        <p:nvPr/>
+      </p:nvGrpSpPr>
+      <p:grpSpPr>
+        <a:xfrm>
+          <a:off x="0" y="0"/>
+          <a:ext cx="0" cy="0"/>
+          <a:chOff x="0" y="0"/>
+          <a:chExt cx="0" cy="0"/>
+        </a:xfrm>
+      </p:grpSpPr>
+      <p:sp>
+        <p:nvSpPr>
           <p:cNvPr id="2" name="矩形 1"/>
           <p:cNvSpPr/>
           <p:nvPr/>
         </p:nvSpPr>
         <p:spPr>
           <a:xfrm>
-            <a:off x="4689415" y="472558"/>
-            <a:ext cx="2441694" cy="769441"/>
+            <a:off x="4308463" y="440411"/>
+            <a:ext cx="3570208" cy="769441"/>
           </a:xfrm>
           <a:prstGeom prst="rect">
             <a:avLst/>
@@ -6509,9 +8149,112 @@
           <a:lstStyle/>
           <a:p>
             <a:r>
-              <a:rPr lang="zh-CN" altLang="en-US" sz="4400"/>
-              <a:t>风格指南</a:t>
-            </a:r>
+              <a:rPr lang="zh-CN" altLang="en-US" sz="4400" dirty="0" smtClean="0"/>
+              <a:t>生命周期钩子</a:t>
+            </a:r>
+            <a:endParaRPr lang="zh-CN" altLang="en-US" sz="4400" dirty="0"/>
+          </a:p>
+        </p:txBody>
+      </p:sp>
+      <p:sp>
+        <p:nvSpPr>
+          <p:cNvPr id="5" name="矩形 4"/>
+          <p:cNvSpPr/>
+          <p:nvPr/>
+        </p:nvSpPr>
+        <p:spPr>
+          <a:xfrm>
+            <a:off x="1851263" y="1209852"/>
+            <a:ext cx="1005403" cy="369332"/>
+          </a:xfrm>
+          <a:prstGeom prst="rect">
+            <a:avLst/>
+          </a:prstGeom>
+        </p:spPr>
+        <p:txBody>
+          <a:bodyPr wrap="none">
+            <a:spAutoFit/>
+          </a:bodyPr>
+          <a:lstStyle/>
+          <a:p>
+            <a:r>
+              <a:rPr lang="en-US" altLang="zh-CN" b="1" dirty="0" err="1">
+                <a:latin typeface="Roboto" panose="02000000000000000000" pitchFamily="2" charset="0"/>
+              </a:rPr>
+              <a:t>OnInit</a:t>
+            </a:r>
+            <a:r>
+              <a:rPr lang="en-US" altLang="zh-CN" b="1" dirty="0" smtClean="0">
+                <a:latin typeface="Roboto" panose="02000000000000000000" pitchFamily="2" charset="0"/>
+              </a:rPr>
+              <a:t>()</a:t>
+            </a:r>
+            <a:endParaRPr lang="zh-CN" altLang="en-US" b="0" i="0" dirty="0">
+              <a:effectLst/>
+              <a:latin typeface="Roboto" panose="02000000000000000000" pitchFamily="2" charset="0"/>
+            </a:endParaRPr>
+          </a:p>
+        </p:txBody>
+      </p:sp>
+      <p:sp>
+        <p:nvSpPr>
+          <p:cNvPr id="6" name="矩形 5"/>
+          <p:cNvSpPr/>
+          <p:nvPr/>
+        </p:nvSpPr>
+        <p:spPr>
+          <a:xfrm>
+            <a:off x="2551134" y="1690394"/>
+            <a:ext cx="6096000" cy="646331"/>
+          </a:xfrm>
+          <a:prstGeom prst="rect">
+            <a:avLst/>
+          </a:prstGeom>
+        </p:spPr>
+        <p:txBody>
+          <a:bodyPr>
+            <a:spAutoFit/>
+          </a:bodyPr>
+          <a:lstStyle/>
+          <a:p>
+            <a:pPr>
+              <a:buFont typeface="+mj-lt"/>
+              <a:buAutoNum type="arabicPeriod"/>
+            </a:pPr>
+            <a:r>
+              <a:rPr lang="zh-CN" altLang="en-US" dirty="0">
+                <a:latin typeface="Roboto" panose="02000000000000000000" pitchFamily="2" charset="0"/>
+              </a:rPr>
+              <a:t>在构造函数之后马上执行复杂的初始化逻辑</a:t>
+            </a:r>
+          </a:p>
+          <a:p>
+            <a:pPr>
+              <a:buFont typeface="+mj-lt"/>
+              <a:buAutoNum type="arabicPeriod"/>
+            </a:pPr>
+            <a:r>
+              <a:rPr lang="zh-CN" altLang="en-US" dirty="0">
+                <a:latin typeface="Roboto" panose="02000000000000000000" pitchFamily="2" charset="0"/>
+              </a:rPr>
+              <a:t>在 </a:t>
+            </a:r>
+            <a:r>
+              <a:rPr lang="en-US" altLang="zh-CN" dirty="0">
+                <a:latin typeface="Roboto" panose="02000000000000000000" pitchFamily="2" charset="0"/>
+              </a:rPr>
+              <a:t>Angular </a:t>
+            </a:r>
+            <a:r>
+              <a:rPr lang="zh-CN" altLang="en-US" dirty="0">
+                <a:latin typeface="Roboto" panose="02000000000000000000" pitchFamily="2" charset="0"/>
+              </a:rPr>
+              <a:t>设置完输入属性之后，对该组件进行准备。</a:t>
+            </a:r>
+            <a:endParaRPr lang="zh-CN" altLang="en-US" b="0" i="0" dirty="0">
+              <a:effectLst/>
+              <a:latin typeface="Roboto" panose="02000000000000000000" pitchFamily="2" charset="0"/>
+            </a:endParaRPr>
           </a:p>
         </p:txBody>
       </p:sp>
@@ -6523,8 +8266,8 @@
         </p:nvSpPr>
         <p:spPr>
           <a:xfrm>
-            <a:off x="2305213" y="1241999"/>
-            <a:ext cx="6186309" cy="369332"/>
+            <a:off x="1851263" y="2817267"/>
+            <a:ext cx="1418017" cy="369332"/>
           </a:xfrm>
           <a:prstGeom prst="rect">
             <a:avLst/>
@@ -6537,43 +8280,34 @@
           <a:lstStyle/>
           <a:p>
             <a:r>
-              <a:rPr lang="zh-CN" altLang="en-US" dirty="0">
-                <a:latin typeface="Roboto" charset="0"/>
-              </a:rPr>
-              <a:t>每个文件只定义一样</a:t>
-            </a:r>
-            <a:r>
-              <a:rPr lang="zh-CN" altLang="en-US" dirty="0" smtClean="0">
-                <a:latin typeface="Roboto" charset="0"/>
-              </a:rPr>
-              <a:t>东西，</a:t>
-            </a:r>
-            <a:r>
-              <a:rPr lang="zh-CN" altLang="en-US" dirty="0"/>
-              <a:t>文件大小限制在 </a:t>
-            </a:r>
-            <a:r>
-              <a:rPr lang="en-US" altLang="zh-CN" dirty="0"/>
-              <a:t>400 </a:t>
-            </a:r>
-            <a:r>
-              <a:rPr lang="zh-CN" altLang="en-US" dirty="0"/>
-              <a:t>行代码以内</a:t>
-            </a:r>
-            <a:endParaRPr lang="zh-CN" altLang="en-US" dirty="0"/>
-          </a:p>
-        </p:txBody>
-      </p:sp>
-      <p:sp>
-        <p:nvSpPr>
-          <p:cNvPr id="5" name="矩形 4"/>
+              <a:rPr lang="mr-IN" altLang="zh-CN" b="1" dirty="0" err="1">
+                <a:latin typeface="Roboto" charset="0"/>
+              </a:rPr>
+              <a:t>OnDestroy</a:t>
+            </a:r>
+            <a:r>
+              <a:rPr lang="mr-IN" altLang="zh-CN" b="1" dirty="0" smtClean="0">
+                <a:latin typeface="Roboto" charset="0"/>
+              </a:rPr>
+              <a:t>()</a:t>
+            </a:r>
+            <a:endParaRPr lang="mr-IN" altLang="zh-CN" b="0" i="0" dirty="0">
+              <a:effectLst/>
+              <a:latin typeface="Roboto" charset="0"/>
+            </a:endParaRPr>
+          </a:p>
+        </p:txBody>
+      </p:sp>
+      <p:sp>
+        <p:nvSpPr>
+          <p:cNvPr id="4" name="矩形 3"/>
           <p:cNvSpPr/>
           <p:nvPr/>
         </p:nvSpPr>
         <p:spPr>
           <a:xfrm>
-            <a:off x="2305213" y="1611331"/>
-            <a:ext cx="3531736" cy="369332"/>
+            <a:off x="2551134" y="2447935"/>
+            <a:ext cx="3967753" cy="369332"/>
           </a:xfrm>
           <a:prstGeom prst="rect">
             <a:avLst/>
@@ -6586,28 +8320,31 @@
           <a:lstStyle/>
           <a:p>
             <a:r>
+              <a:rPr lang="zh-CN" altLang="en-US" dirty="0" smtClean="0">
+                <a:latin typeface="Roboto" charset="0"/>
+              </a:rPr>
+              <a:t>这里</a:t>
+            </a:r>
+            <a:r>
               <a:rPr lang="zh-CN" altLang="en-US" dirty="0">
                 <a:latin typeface="Roboto" charset="0"/>
               </a:rPr>
-              <a:t>定义简单</a:t>
-            </a:r>
-            <a:r>
-              <a:rPr lang="zh-CN" altLang="en-US" dirty="0" smtClean="0">
-                <a:latin typeface="Roboto" charset="0"/>
-              </a:rPr>
-              <a:t>函数，</a:t>
-            </a:r>
-            <a:r>
-              <a:rPr lang="zh-CN" altLang="en-US" dirty="0"/>
-              <a:t>限制在 </a:t>
-            </a:r>
-            <a:r>
-              <a:rPr lang="en-US" altLang="zh-CN" dirty="0"/>
-              <a:t>75 </a:t>
-            </a:r>
-            <a:r>
-              <a:rPr lang="zh-CN" altLang="en-US" dirty="0"/>
-              <a:t>行之内</a:t>
+              <a:t>是放置复杂</a:t>
+            </a:r>
+            <a:r>
+              <a:rPr lang="zh-CN" altLang="en-US" dirty="0">
+                <a:solidFill>
+                  <a:srgbClr val="FF0000"/>
+                </a:solidFill>
+                <a:latin typeface="Roboto" charset="0"/>
+              </a:rPr>
+              <a:t>初始化逻辑</a:t>
+            </a:r>
+            <a:r>
+              <a:rPr lang="zh-CN" altLang="en-US" dirty="0">
+                <a:latin typeface="Roboto" charset="0"/>
+              </a:rPr>
+              <a:t>的好地方</a:t>
             </a:r>
             <a:endParaRPr lang="zh-CN" altLang="en-US" dirty="0"/>
           </a:p>
@@ -6621,63 +8358,110 @@
         </p:nvSpPr>
         <p:spPr>
           <a:xfrm>
-            <a:off x="2305213" y="2011440"/>
-            <a:ext cx="7340471" cy="369332"/>
+            <a:off x="2662237" y="3409019"/>
+            <a:ext cx="9196388" cy="369332"/>
           </a:xfrm>
           <a:prstGeom prst="rect">
             <a:avLst/>
           </a:prstGeom>
         </p:spPr>
         <p:txBody>
+          <a:bodyPr wrap="square">
+            <a:spAutoFit/>
+          </a:bodyPr>
+          <a:lstStyle/>
+          <a:p>
+            <a:r>
+              <a:rPr lang="zh-CN" altLang="en-US" dirty="0">
+                <a:latin typeface="Roboto" charset="0"/>
+              </a:rPr>
+              <a:t>一些清理逻辑</a:t>
+            </a:r>
+            <a:r>
+              <a:rPr lang="zh-CN" altLang="en-US" b="1" dirty="0">
+                <a:latin typeface="Roboto" charset="0"/>
+              </a:rPr>
+              <a:t>必须</a:t>
+            </a:r>
+            <a:r>
+              <a:rPr lang="zh-CN" altLang="en-US" dirty="0">
+                <a:latin typeface="Roboto" charset="0"/>
+              </a:rPr>
+              <a:t>在 </a:t>
+            </a:r>
+            <a:r>
+              <a:rPr lang="en-US" altLang="zh-CN" dirty="0">
+                <a:latin typeface="Roboto" charset="0"/>
+              </a:rPr>
+              <a:t>Angular </a:t>
+            </a:r>
+            <a:r>
+              <a:rPr lang="zh-CN" altLang="en-US" dirty="0">
+                <a:latin typeface="Roboto" charset="0"/>
+              </a:rPr>
+              <a:t>销毁指令之前运行，把它们放在 </a:t>
+            </a:r>
+            <a:r>
+              <a:rPr lang="en-US" altLang="zh-CN" dirty="0" err="1"/>
+              <a:t>ngOnDestroy</a:t>
+            </a:r>
+            <a:r>
+              <a:rPr lang="en-US" altLang="zh-CN" dirty="0"/>
+              <a:t>()</a:t>
+            </a:r>
+            <a:r>
+              <a:rPr lang="zh-CN" altLang="en-US" dirty="0">
+                <a:latin typeface="Roboto" charset="0"/>
+              </a:rPr>
+              <a:t> 中。</a:t>
+            </a:r>
+            <a:endParaRPr lang="zh-CN" altLang="en-US" dirty="0"/>
+          </a:p>
+        </p:txBody>
+      </p:sp>
+      <p:sp>
+        <p:nvSpPr>
+          <p:cNvPr id="8" name="矩形 7"/>
+          <p:cNvSpPr/>
+          <p:nvPr/>
+        </p:nvSpPr>
+        <p:spPr>
+          <a:xfrm>
+            <a:off x="1898103" y="4240016"/>
+            <a:ext cx="1608133" cy="369332"/>
+          </a:xfrm>
+          <a:prstGeom prst="rect">
+            <a:avLst/>
+          </a:prstGeom>
+        </p:spPr>
+        <p:txBody>
           <a:bodyPr wrap="none">
             <a:spAutoFit/>
           </a:bodyPr>
           <a:lstStyle/>
           <a:p>
             <a:r>
-              <a:rPr lang="zh-CN" altLang="en-US" dirty="0">
-                <a:latin typeface="Roboto" charset="0"/>
-              </a:rPr>
-              <a:t>在描述性名字中，用</a:t>
-            </a:r>
-            <a:r>
-              <a:rPr lang="zh-CN" altLang="en-US" dirty="0">
-                <a:solidFill>
-                  <a:srgbClr val="FF0000"/>
-                </a:solidFill>
-                <a:latin typeface="Roboto" charset="0"/>
-              </a:rPr>
-              <a:t>横杠</a:t>
-            </a:r>
-            <a:r>
-              <a:rPr lang="zh-CN" altLang="en-US" dirty="0">
-                <a:latin typeface="Roboto" charset="0"/>
-              </a:rPr>
-              <a:t>来分隔</a:t>
-            </a:r>
-            <a:r>
-              <a:rPr lang="zh-CN" altLang="en-US" dirty="0" smtClean="0">
-                <a:latin typeface="Roboto" charset="0"/>
-              </a:rPr>
-              <a:t>单词，</a:t>
-            </a:r>
-            <a:r>
-              <a:rPr lang="zh-CN" altLang="en-US" dirty="0"/>
-              <a:t>使用</a:t>
-            </a:r>
-            <a:r>
-              <a:rPr lang="zh-CN" altLang="en-US" dirty="0">
-                <a:solidFill>
-                  <a:srgbClr val="FF0000"/>
-                </a:solidFill>
-              </a:rPr>
-              <a:t>点</a:t>
-            </a:r>
-            <a:r>
-              <a:rPr lang="zh-CN" altLang="en-US" dirty="0"/>
-              <a:t>来分隔描述性名字和类型</a:t>
-            </a:r>
-            <a:endParaRPr lang="zh-CN" altLang="en-US" dirty="0"/>
+              <a:rPr lang="mr-IN" altLang="zh-CN" b="1" dirty="0" err="1">
+                <a:latin typeface="Roboto" charset="0"/>
+              </a:rPr>
+              <a:t>OnChanges</a:t>
+            </a:r>
+            <a:r>
+              <a:rPr lang="mr-IN" altLang="zh-CN" b="1" dirty="0">
+                <a:latin typeface="Roboto" charset="0"/>
+              </a:rPr>
+              <a:t>()</a:t>
+            </a:r>
+            <a:r>
+              <a:rPr lang="mr-IN" altLang="zh-CN" dirty="0">
+                <a:latin typeface="Roboto" charset="0"/>
+              </a:rPr>
+              <a:t> </a:t>
+            </a:r>
+            <a:endParaRPr lang="mr-IN" altLang="zh-CN" b="0" i="0" dirty="0">
+              <a:effectLst/>
+              <a:latin typeface="Roboto" charset="0"/>
+            </a:endParaRPr>
           </a:p>
         </p:txBody>
       </p:sp>
@@ -6689,26 +8473,91 @@
         </p:nvSpPr>
         <p:spPr>
           <a:xfrm>
-            <a:off x="2305213" y="2411549"/>
-            <a:ext cx="3416320" cy="369332"/>
+            <a:off x="2551134" y="4647102"/>
+            <a:ext cx="9507516" cy="646331"/>
           </a:xfrm>
           <a:prstGeom prst="rect">
             <a:avLst/>
           </a:prstGeom>
         </p:spPr>
         <p:txBody>
-          <a:bodyPr wrap="none">
+          <a:bodyPr wrap="square">
             <a:spAutoFit/>
           </a:bodyPr>
           <a:lstStyle/>
           <a:p>
             <a:r>
-              <a:rPr lang="zh-CN" altLang="en-US">
-                <a:latin typeface="Roboto" charset="0"/>
-              </a:rPr>
-              <a:t>使用大写驼峰命名法来命名类。</a:t>
-            </a:r>
-            <a:endParaRPr lang="zh-CN" altLang="en-US"/>
+              <a:rPr lang="zh-CN" altLang="en-US" dirty="0">
+                <a:latin typeface="Roboto" charset="0"/>
+              </a:rPr>
+              <a:t>一旦检测到该组件</a:t>
+            </a:r>
+            <a:r>
+              <a:rPr lang="en-US" altLang="zh-CN" dirty="0">
+                <a:latin typeface="Roboto" charset="0"/>
+              </a:rPr>
+              <a:t>(</a:t>
+            </a:r>
+            <a:r>
+              <a:rPr lang="zh-CN" altLang="en-US" dirty="0">
+                <a:latin typeface="Roboto" charset="0"/>
+              </a:rPr>
+              <a:t>或指令</a:t>
+            </a:r>
+            <a:r>
+              <a:rPr lang="en-US" altLang="zh-CN" dirty="0">
+                <a:latin typeface="Roboto" charset="0"/>
+              </a:rPr>
+              <a:t>)</a:t>
+            </a:r>
+            <a:r>
+              <a:rPr lang="zh-CN" altLang="en-US" dirty="0">
+                <a:latin typeface="Roboto" charset="0"/>
+              </a:rPr>
+              <a:t>的</a:t>
+            </a:r>
+            <a:r>
+              <a:rPr lang="zh-CN" altLang="en-US" b="1" dirty="0">
+                <a:solidFill>
+                  <a:srgbClr val="FF0000"/>
+                </a:solidFill>
+                <a:latin typeface="Roboto" charset="0"/>
+              </a:rPr>
+              <a:t>输入属性</a:t>
+            </a:r>
+            <a:r>
+              <a:rPr lang="zh-CN" altLang="en-US" dirty="0">
+                <a:latin typeface="Roboto" charset="0"/>
+              </a:rPr>
+              <a:t>发生了变化，</a:t>
+            </a:r>
+            <a:r>
+              <a:rPr lang="en-US" altLang="zh-CN" dirty="0">
+                <a:latin typeface="Roboto" charset="0"/>
+              </a:rPr>
+              <a:t>Angular </a:t>
+            </a:r>
+            <a:r>
+              <a:rPr lang="zh-CN" altLang="en-US" dirty="0">
+                <a:latin typeface="Roboto" charset="0"/>
+              </a:rPr>
+              <a:t>就会调用它的 </a:t>
+            </a:r>
+            <a:r>
+              <a:rPr lang="en-US" altLang="zh-CN" dirty="0" err="1"/>
+              <a:t>ngOnChanges</a:t>
+            </a:r>
+            <a:r>
+              <a:rPr lang="en-US" altLang="zh-CN" dirty="0"/>
+              <a:t>()</a:t>
+            </a:r>
+            <a:r>
+              <a:rPr lang="zh-CN" altLang="en-US" dirty="0">
+                <a:latin typeface="Roboto" charset="0"/>
+              </a:rPr>
+              <a:t> 方法。</a:t>
+            </a:r>
+            <a:endParaRPr lang="zh-CN" altLang="en-US" dirty="0"/>
           </a:p>
         </p:txBody>
       </p:sp>
@@ -6720,8 +8569,8 @@
         </p:nvSpPr>
         <p:spPr>
           <a:xfrm>
-            <a:off x="2305212" y="2811658"/>
-            <a:ext cx="9886787" cy="369332"/>
+            <a:off x="2506673" y="5478099"/>
+            <a:ext cx="9507516" cy="646331"/>
           </a:xfrm>
           <a:prstGeom prst="rect">
             <a:avLst/>
@@ -6734,58 +8583,58 @@
           <a:lstStyle/>
           <a:p>
             <a:r>
-              <a:rPr lang="zh-CN" altLang="en-US" dirty="0">
-                <a:latin typeface="Roboto" charset="0"/>
-              </a:rPr>
-              <a:t>坚持使用</a:t>
-            </a:r>
-            <a:r>
-              <a:rPr lang="zh-CN" altLang="en-US" b="1" dirty="0">
-                <a:latin typeface="Roboto" charset="0"/>
-              </a:rPr>
-              <a:t>中线命名法（</a:t>
-            </a:r>
-            <a:r>
-              <a:rPr lang="en-US" altLang="zh-CN" b="1" dirty="0">
-                <a:latin typeface="Roboto" charset="0"/>
-              </a:rPr>
-              <a:t>dashed-case</a:t>
-            </a:r>
-            <a:r>
-              <a:rPr lang="zh-CN" altLang="en-US" b="1" dirty="0">
-                <a:latin typeface="Roboto" charset="0"/>
-              </a:rPr>
-              <a:t>）</a:t>
-            </a:r>
-            <a:r>
-              <a:rPr lang="zh-CN" altLang="en-US" dirty="0">
-                <a:latin typeface="Roboto" charset="0"/>
-              </a:rPr>
-              <a:t>或叫</a:t>
-            </a:r>
-            <a:r>
-              <a:rPr lang="zh-CN" altLang="en-US" b="1" dirty="0">
-                <a:latin typeface="Roboto" charset="0"/>
-              </a:rPr>
-              <a:t>烤串命名法（</a:t>
-            </a:r>
-            <a:r>
-              <a:rPr lang="en-US" altLang="zh-CN" b="1" dirty="0">
-                <a:latin typeface="Roboto" charset="0"/>
-              </a:rPr>
-              <a:t>kebab-case</a:t>
-            </a:r>
-            <a:r>
-              <a:rPr lang="zh-CN" altLang="en-US" b="1" dirty="0">
-                <a:latin typeface="Roboto" charset="0"/>
-              </a:rPr>
-              <a:t>）</a:t>
-            </a:r>
-            <a:r>
-              <a:rPr lang="zh-CN" altLang="en-US" dirty="0">
-                <a:latin typeface="Roboto" charset="0"/>
-              </a:rPr>
-              <a:t>来命名组件的元素选择器</a:t>
+              <a:rPr lang="zh-CN" altLang="en-US" dirty="0" smtClean="0">
+                <a:latin typeface="Roboto" charset="0"/>
+              </a:rPr>
+              <a:t>如果输入属性是对象</a:t>
+            </a:r>
+            <a:r>
+              <a:rPr lang="en-US" altLang="zh-CN" dirty="0" smtClean="0">
+                <a:latin typeface="Roboto" charset="0"/>
+              </a:rPr>
+              <a:t>hero</a:t>
+            </a:r>
+            <a:r>
+              <a:rPr lang="zh-CN" altLang="en-US" dirty="0" smtClean="0">
+                <a:latin typeface="Roboto" charset="0"/>
+              </a:rPr>
+              <a:t>，当他的值</a:t>
+            </a:r>
+            <a:r>
+              <a:rPr lang="en-US" altLang="zh-CN" dirty="0" err="1" smtClean="0">
+                <a:latin typeface="Roboto" charset="0"/>
+              </a:rPr>
+              <a:t>hero.name</a:t>
+            </a:r>
+            <a:r>
+              <a:rPr lang="zh-CN" altLang="en-US" dirty="0" smtClean="0">
+                <a:latin typeface="Roboto" charset="0"/>
+              </a:rPr>
+              <a:t>发生变化时，不会被</a:t>
+            </a:r>
+            <a:r>
+              <a:rPr lang="en-US" altLang="zh-CN" dirty="0" err="1" smtClean="0">
+                <a:latin typeface="Roboto" charset="0"/>
+              </a:rPr>
+              <a:t>OnChanges</a:t>
+            </a:r>
+            <a:r>
+              <a:rPr lang="zh-CN" altLang="en-US" dirty="0" smtClean="0">
+                <a:latin typeface="Roboto" charset="0"/>
+              </a:rPr>
+              <a:t>捕捉到，因为</a:t>
+            </a:r>
+            <a:r>
+              <a:rPr lang="en-US" altLang="zh-CN" dirty="0" smtClean="0">
+                <a:latin typeface="Roboto" charset="0"/>
+              </a:rPr>
+              <a:t>hero</a:t>
+            </a:r>
+            <a:r>
+              <a:rPr lang="zh-CN" altLang="en-US" dirty="0" smtClean="0">
+                <a:latin typeface="Roboto" charset="0"/>
+              </a:rPr>
+              <a:t>的引用没有变化</a:t>
             </a:r>
             <a:endParaRPr lang="zh-CN" altLang="en-US" dirty="0"/>
           </a:p>
@@ -6794,7 +8643,7 @@
     </p:spTree>
     <p:extLst>
       <p:ext uri="{BB962C8B-B14F-4D97-AF65-F5344CB8AC3E}">
-        <p14:creationId xmlns:p14="http://schemas.microsoft.com/office/powerpoint/2010/main" val="1773931592"/>
+        <p14:creationId xmlns:p14="http://schemas.microsoft.com/office/powerpoint/2010/main" val="1912361220"/>
       </p:ext>
     </p:extLst>
   </p:cSld>
@@ -6926,6 +8775,1474 @@
     <p:extLst>
       <p:ext uri="{BB962C8B-B14F-4D97-AF65-F5344CB8AC3E}">
         <p14:creationId xmlns:p14="http://schemas.microsoft.com/office/powerpoint/2010/main" val="1575925723"/>
+      </p:ext>
+    </p:extLst>
+  </p:cSld>
+  <p:clrMapOvr>
+    <a:masterClrMapping/>
+  </p:clrMapOvr>
+</p:sld>
+</file>
+
+<file path=ppt/slides/slide20.xml><?xml version="1.0" encoding="utf-8"?>
+<p:sld xmlns:a="http://schemas.openxmlformats.org/drawingml/2006/main" xmlns:r="http://schemas.openxmlformats.org/officeDocument/2006/relationships" xmlns:p="http://schemas.openxmlformats.org/presentationml/2006/main">
+  <p:cSld>
+    <p:spTree>
+      <p:nvGrpSpPr>
+        <p:cNvPr id="1" name=""/>
+        <p:cNvGrpSpPr/>
+        <p:nvPr/>
+      </p:nvGrpSpPr>
+      <p:grpSpPr>
+        <a:xfrm>
+          <a:off x="0" y="0"/>
+          <a:ext cx="0" cy="0"/>
+          <a:chOff x="0" y="0"/>
+          <a:chExt cx="0" cy="0"/>
+        </a:xfrm>
+      </p:grpSpPr>
+      <p:sp>
+        <p:nvSpPr>
+          <p:cNvPr id="5" name="矩形 4"/>
+          <p:cNvSpPr/>
+          <p:nvPr/>
+        </p:nvSpPr>
+        <p:spPr>
+          <a:xfrm>
+            <a:off x="1851263" y="238295"/>
+            <a:ext cx="1181734" cy="369332"/>
+          </a:xfrm>
+          <a:prstGeom prst="rect">
+            <a:avLst/>
+          </a:prstGeom>
+        </p:spPr>
+        <p:txBody>
+          <a:bodyPr wrap="none">
+            <a:spAutoFit/>
+          </a:bodyPr>
+          <a:lstStyle/>
+          <a:p>
+            <a:r>
+              <a:rPr lang="mr-IN" altLang="zh-CN" b="1" dirty="0" err="1"/>
+              <a:t>DoCheck</a:t>
+            </a:r>
+            <a:r>
+              <a:rPr lang="mr-IN" altLang="zh-CN" b="1" dirty="0" smtClean="0"/>
+              <a:t>()</a:t>
+            </a:r>
+            <a:endParaRPr lang="mr-IN" altLang="zh-CN" dirty="0"/>
+          </a:p>
+        </p:txBody>
+      </p:sp>
+      <p:sp>
+        <p:nvSpPr>
+          <p:cNvPr id="3" name="矩形 2"/>
+          <p:cNvSpPr/>
+          <p:nvPr/>
+        </p:nvSpPr>
+        <p:spPr>
+          <a:xfrm>
+            <a:off x="1851263" y="1463331"/>
+            <a:ext cx="1355949" cy="369332"/>
+          </a:xfrm>
+          <a:prstGeom prst="rect">
+            <a:avLst/>
+          </a:prstGeom>
+        </p:spPr>
+        <p:txBody>
+          <a:bodyPr wrap="none">
+            <a:spAutoFit/>
+          </a:bodyPr>
+          <a:lstStyle/>
+          <a:p>
+            <a:r>
+              <a:rPr lang="en-US" altLang="zh-CN" b="1" dirty="0" err="1" smtClean="0">
+                <a:latin typeface="Roboto" charset="0"/>
+              </a:rPr>
+              <a:t>AfterView</a:t>
+            </a:r>
+            <a:r>
+              <a:rPr lang="en-US" altLang="zh-CN" dirty="0" smtClean="0">
+                <a:latin typeface="Roboto" charset="0"/>
+              </a:rPr>
+              <a:t>()</a:t>
+            </a:r>
+            <a:endParaRPr lang="en-US" altLang="zh-CN" b="1" dirty="0">
+              <a:latin typeface="Roboto" charset="0"/>
+            </a:endParaRPr>
+          </a:p>
+        </p:txBody>
+      </p:sp>
+      <p:sp>
+        <p:nvSpPr>
+          <p:cNvPr id="4" name="矩形 3"/>
+          <p:cNvSpPr/>
+          <p:nvPr/>
+        </p:nvSpPr>
+        <p:spPr>
+          <a:xfrm>
+            <a:off x="2479695" y="647695"/>
+            <a:ext cx="4326826" cy="369332"/>
+          </a:xfrm>
+          <a:prstGeom prst="rect">
+            <a:avLst/>
+          </a:prstGeom>
+        </p:spPr>
+        <p:txBody>
+          <a:bodyPr wrap="none">
+            <a:spAutoFit/>
+          </a:bodyPr>
+          <a:lstStyle/>
+          <a:p>
+            <a:r>
+              <a:rPr lang="zh-CN" altLang="en-US" dirty="0" smtClean="0">
+                <a:latin typeface="Roboto" charset="0"/>
+              </a:rPr>
+              <a:t>可以检测到 </a:t>
+            </a:r>
+            <a:r>
+              <a:rPr lang="en-US" altLang="zh-CN" dirty="0" err="1" smtClean="0">
+                <a:latin typeface="Roboto" charset="0"/>
+              </a:rPr>
+              <a:t>hero.name</a:t>
+            </a:r>
+            <a:r>
+              <a:rPr lang="en-US" altLang="zh-CN" dirty="0" smtClean="0">
+                <a:latin typeface="Roboto" charset="0"/>
+              </a:rPr>
+              <a:t> </a:t>
+            </a:r>
+            <a:r>
+              <a:rPr lang="zh-CN" altLang="en-US" dirty="0" smtClean="0">
+                <a:latin typeface="Roboto" charset="0"/>
+              </a:rPr>
+              <a:t>的变化 （见官网）</a:t>
+            </a:r>
+            <a:endParaRPr lang="zh-CN" altLang="en-US" dirty="0"/>
+          </a:p>
+        </p:txBody>
+      </p:sp>
+      <p:sp>
+        <p:nvSpPr>
+          <p:cNvPr id="8" name="矩形 7"/>
+          <p:cNvSpPr/>
+          <p:nvPr/>
+        </p:nvSpPr>
+        <p:spPr>
+          <a:xfrm>
+            <a:off x="2514949" y="2446739"/>
+            <a:ext cx="2262158" cy="369332"/>
+          </a:xfrm>
+          <a:prstGeom prst="rect">
+            <a:avLst/>
+          </a:prstGeom>
+        </p:spPr>
+        <p:txBody>
+          <a:bodyPr wrap="none">
+            <a:spAutoFit/>
+          </a:bodyPr>
+          <a:lstStyle/>
+          <a:p>
+            <a:r>
+              <a:rPr lang="zh-CN" altLang="en-US">
+                <a:latin typeface="Roboto" charset="0"/>
+              </a:rPr>
+              <a:t>遵循单向数据流规则</a:t>
+            </a:r>
+          </a:p>
+        </p:txBody>
+      </p:sp>
+      <p:sp>
+        <p:nvSpPr>
+          <p:cNvPr id="11" name="矩形 10"/>
+          <p:cNvSpPr/>
+          <p:nvPr/>
+        </p:nvSpPr>
+        <p:spPr>
+          <a:xfrm>
+            <a:off x="2488832" y="1037920"/>
+            <a:ext cx="3166251" cy="369332"/>
+          </a:xfrm>
+          <a:prstGeom prst="rect">
+            <a:avLst/>
+          </a:prstGeom>
+        </p:spPr>
+        <p:txBody>
+          <a:bodyPr wrap="none">
+            <a:spAutoFit/>
+          </a:bodyPr>
+          <a:lstStyle/>
+          <a:p>
+            <a:r>
+              <a:rPr lang="zh-CN" altLang="en-US" dirty="0" smtClean="0">
+                <a:latin typeface="Roboto" charset="0"/>
+              </a:rPr>
+              <a:t>出发非常频繁，需要小心使用</a:t>
+            </a:r>
+            <a:endParaRPr lang="zh-CN" altLang="en-US" dirty="0"/>
+          </a:p>
+        </p:txBody>
+      </p:sp>
+      <p:sp>
+        <p:nvSpPr>
+          <p:cNvPr id="14" name="矩形 13"/>
+          <p:cNvSpPr/>
+          <p:nvPr/>
+        </p:nvSpPr>
+        <p:spPr>
+          <a:xfrm>
+            <a:off x="2435235" y="1961652"/>
+            <a:ext cx="9739313" cy="369332"/>
+          </a:xfrm>
+          <a:prstGeom prst="rect">
+            <a:avLst/>
+          </a:prstGeom>
+        </p:spPr>
+        <p:txBody>
+          <a:bodyPr wrap="square">
+            <a:spAutoFit/>
+          </a:bodyPr>
+          <a:lstStyle/>
+          <a:p>
+            <a:r>
+              <a:rPr lang="zh-CN" altLang="en-US" dirty="0">
+                <a:latin typeface="Roboto" charset="0"/>
+              </a:rPr>
+              <a:t> </a:t>
+            </a:r>
+            <a:r>
+              <a:rPr lang="en-US" altLang="zh-CN" dirty="0">
+                <a:hlinkClick r:id="rId2"/>
+              </a:rPr>
+              <a:t>AfterViewInit</a:t>
+            </a:r>
+            <a:r>
+              <a:rPr lang="en-US" altLang="zh-CN" dirty="0"/>
+              <a:t>()</a:t>
+            </a:r>
+            <a:r>
+              <a:rPr lang="zh-CN" altLang="en-US" dirty="0">
+                <a:latin typeface="Roboto" charset="0"/>
+              </a:rPr>
+              <a:t> 和 </a:t>
+            </a:r>
+            <a:r>
+              <a:rPr lang="en-US" altLang="zh-CN" dirty="0">
+                <a:hlinkClick r:id="rId3"/>
+              </a:rPr>
+              <a:t>AfterViewChecked</a:t>
+            </a:r>
+            <a:r>
+              <a:rPr lang="en-US" altLang="zh-CN" dirty="0"/>
+              <a:t>()</a:t>
+            </a:r>
+            <a:r>
+              <a:rPr lang="zh-CN" altLang="en-US" dirty="0">
+                <a:latin typeface="Roboto" charset="0"/>
+              </a:rPr>
+              <a:t> 钩子，</a:t>
+            </a:r>
+            <a:r>
+              <a:rPr lang="en-US" altLang="zh-CN" dirty="0">
+                <a:latin typeface="Roboto" charset="0"/>
+              </a:rPr>
+              <a:t>Angular </a:t>
+            </a:r>
+            <a:r>
+              <a:rPr lang="zh-CN" altLang="en-US" dirty="0">
+                <a:latin typeface="Roboto" charset="0"/>
+              </a:rPr>
+              <a:t>会在每次创建了组件的子视图后调用它们</a:t>
+            </a:r>
+            <a:endParaRPr lang="zh-CN" altLang="en-US" dirty="0"/>
+          </a:p>
+        </p:txBody>
+      </p:sp>
+      <p:sp>
+        <p:nvSpPr>
+          <p:cNvPr id="15" name="矩形 14"/>
+          <p:cNvSpPr/>
+          <p:nvPr/>
+        </p:nvSpPr>
+        <p:spPr>
+          <a:xfrm>
+            <a:off x="3207211" y="2888945"/>
+            <a:ext cx="8722851" cy="646331"/>
+          </a:xfrm>
+          <a:prstGeom prst="rect">
+            <a:avLst/>
+          </a:prstGeom>
+        </p:spPr>
+        <p:txBody>
+          <a:bodyPr wrap="square">
+            <a:spAutoFit/>
+          </a:bodyPr>
+          <a:lstStyle/>
+          <a:p>
+            <a:r>
+              <a:rPr lang="en-US" altLang="zh-CN" dirty="0">
+                <a:latin typeface="Roboto" charset="0"/>
+              </a:rPr>
+              <a:t>Angular </a:t>
+            </a:r>
+            <a:r>
+              <a:rPr lang="zh-CN" altLang="en-US" dirty="0">
+                <a:latin typeface="Roboto" charset="0"/>
+              </a:rPr>
+              <a:t>的“单向数据流”规则</a:t>
+            </a:r>
+            <a:r>
+              <a:rPr lang="zh-CN" altLang="en-US" dirty="0">
+                <a:solidFill>
+                  <a:srgbClr val="FF0000"/>
+                </a:solidFill>
+                <a:latin typeface="Roboto" charset="0"/>
+              </a:rPr>
+              <a:t>禁止在一个视图已经被组合好</a:t>
+            </a:r>
+            <a:r>
+              <a:rPr lang="zh-CN" altLang="en-US" b="1" dirty="0">
+                <a:solidFill>
+                  <a:srgbClr val="FF0000"/>
+                </a:solidFill>
+                <a:latin typeface="Roboto" charset="0"/>
+              </a:rPr>
+              <a:t>之后</a:t>
+            </a:r>
+            <a:r>
+              <a:rPr lang="zh-CN" altLang="en-US" dirty="0">
+                <a:solidFill>
+                  <a:srgbClr val="FF0000"/>
+                </a:solidFill>
+                <a:latin typeface="Roboto" charset="0"/>
+              </a:rPr>
+              <a:t>再更新视图</a:t>
+            </a:r>
+            <a:r>
+              <a:rPr lang="zh-CN" altLang="en-US" dirty="0">
+                <a:latin typeface="Roboto" charset="0"/>
+              </a:rPr>
+              <a:t>。 而这两个钩子都是在组件的视图已经被组合好之后触发的。</a:t>
+            </a:r>
+            <a:endParaRPr lang="zh-CN" altLang="en-US" dirty="0"/>
+          </a:p>
+        </p:txBody>
+      </p:sp>
+      <p:sp>
+        <p:nvSpPr>
+          <p:cNvPr id="16" name="矩形 15"/>
+          <p:cNvSpPr/>
+          <p:nvPr/>
+        </p:nvSpPr>
+        <p:spPr>
+          <a:xfrm>
+            <a:off x="1851263" y="3508137"/>
+            <a:ext cx="1659429" cy="369332"/>
+          </a:xfrm>
+          <a:prstGeom prst="rect">
+            <a:avLst/>
+          </a:prstGeom>
+        </p:spPr>
+        <p:txBody>
+          <a:bodyPr wrap="none">
+            <a:spAutoFit/>
+          </a:bodyPr>
+          <a:lstStyle/>
+          <a:p>
+            <a:r>
+              <a:rPr lang="en-US" altLang="zh-CN" b="1" dirty="0" err="1" smtClean="0">
+                <a:latin typeface="Roboto" charset="0"/>
+              </a:rPr>
+              <a:t>AfterContent</a:t>
+            </a:r>
+            <a:r>
+              <a:rPr lang="en-US" altLang="zh-CN" b="1" dirty="0" smtClean="0">
+                <a:latin typeface="Roboto" charset="0"/>
+              </a:rPr>
+              <a:t>()</a:t>
+            </a:r>
+            <a:endParaRPr lang="en-US" altLang="zh-CN" b="1" dirty="0">
+              <a:latin typeface="Roboto" charset="0"/>
+            </a:endParaRPr>
+          </a:p>
+        </p:txBody>
+      </p:sp>
+      <p:sp>
+        <p:nvSpPr>
+          <p:cNvPr id="17" name="矩形 16"/>
+          <p:cNvSpPr/>
+          <p:nvPr/>
+        </p:nvSpPr>
+        <p:spPr>
+          <a:xfrm>
+            <a:off x="2607082" y="3993224"/>
+            <a:ext cx="9322980" cy="369332"/>
+          </a:xfrm>
+          <a:prstGeom prst="rect">
+            <a:avLst/>
+          </a:prstGeom>
+        </p:spPr>
+        <p:txBody>
+          <a:bodyPr wrap="square">
+            <a:spAutoFit/>
+          </a:bodyPr>
+          <a:lstStyle/>
+          <a:p>
+            <a:r>
+              <a:rPr lang="en-US" altLang="zh-CN" dirty="0">
+                <a:hlinkClick r:id="rId4"/>
+              </a:rPr>
+              <a:t>AfterContentInit</a:t>
+            </a:r>
+            <a:r>
+              <a:rPr lang="en-US" altLang="zh-CN" dirty="0"/>
+              <a:t>()</a:t>
+            </a:r>
+            <a:r>
+              <a:rPr lang="zh-CN" altLang="en-US" dirty="0">
+                <a:latin typeface="Roboto" charset="0"/>
+              </a:rPr>
+              <a:t> 和 </a:t>
+            </a:r>
+            <a:r>
+              <a:rPr lang="en-US" altLang="zh-CN" dirty="0">
+                <a:hlinkClick r:id="rId5"/>
+              </a:rPr>
+              <a:t>AfterContentChecked</a:t>
+            </a:r>
+            <a:r>
+              <a:rPr lang="en-US" altLang="zh-CN" dirty="0"/>
+              <a:t>()</a:t>
+            </a:r>
+            <a:r>
+              <a:rPr lang="zh-CN" altLang="en-US" dirty="0">
+                <a:latin typeface="Roboto" charset="0"/>
+              </a:rPr>
+              <a:t> 钩子</a:t>
+            </a:r>
+            <a:r>
+              <a:rPr lang="zh-CN" altLang="en-US" dirty="0" smtClean="0">
+                <a:latin typeface="Roboto" charset="0"/>
+              </a:rPr>
+              <a:t>，在</a:t>
+            </a:r>
+            <a:r>
+              <a:rPr lang="zh-CN" altLang="en-US" dirty="0">
+                <a:latin typeface="Roboto" charset="0"/>
+              </a:rPr>
+              <a:t>外来内容被投影到组件中</a:t>
+            </a:r>
+            <a:r>
+              <a:rPr lang="zh-CN" altLang="en-US" b="1" dirty="0">
+                <a:latin typeface="Roboto" charset="0"/>
+              </a:rPr>
+              <a:t>之后</a:t>
+            </a:r>
+            <a:r>
+              <a:rPr lang="zh-CN" altLang="en-US" dirty="0">
+                <a:latin typeface="Roboto" charset="0"/>
+              </a:rPr>
+              <a:t>调用它们。</a:t>
+            </a:r>
+            <a:endParaRPr lang="zh-CN" altLang="en-US" dirty="0"/>
+          </a:p>
+        </p:txBody>
+      </p:sp>
+      <p:sp>
+        <p:nvSpPr>
+          <p:cNvPr id="18" name="矩形 17"/>
+          <p:cNvSpPr/>
+          <p:nvPr/>
+        </p:nvSpPr>
+        <p:spPr>
+          <a:xfrm>
+            <a:off x="2607082" y="4406854"/>
+            <a:ext cx="1107996" cy="369332"/>
+          </a:xfrm>
+          <a:prstGeom prst="rect">
+            <a:avLst/>
+          </a:prstGeom>
+        </p:spPr>
+        <p:txBody>
+          <a:bodyPr wrap="none">
+            <a:spAutoFit/>
+          </a:bodyPr>
+          <a:lstStyle/>
+          <a:p>
+            <a:r>
+              <a:rPr lang="zh-CN" altLang="en-US" dirty="0">
+                <a:latin typeface="Roboto" charset="0"/>
+              </a:rPr>
+              <a:t>内容投影</a:t>
+            </a:r>
+            <a:endParaRPr lang="zh-CN" altLang="en-US" b="0" i="0" dirty="0">
+              <a:effectLst/>
+              <a:latin typeface="Roboto" charset="0"/>
+            </a:endParaRPr>
+          </a:p>
+        </p:txBody>
+      </p:sp>
+      <p:sp>
+        <p:nvSpPr>
+          <p:cNvPr id="19" name="矩形 18"/>
+          <p:cNvSpPr/>
+          <p:nvPr/>
+        </p:nvSpPr>
+        <p:spPr>
+          <a:xfrm>
+            <a:off x="3829378" y="4425325"/>
+            <a:ext cx="8214984" cy="369332"/>
+          </a:xfrm>
+          <a:prstGeom prst="rect">
+            <a:avLst/>
+          </a:prstGeom>
+        </p:spPr>
+        <p:txBody>
+          <a:bodyPr wrap="square">
+            <a:spAutoFit/>
+          </a:bodyPr>
+          <a:lstStyle/>
+          <a:p>
+            <a:r>
+              <a:rPr lang="zh-CN" altLang="en-US" dirty="0">
+                <a:latin typeface="Roboto" charset="0"/>
+              </a:rPr>
+              <a:t>从组件外部导入 </a:t>
+            </a:r>
+            <a:r>
+              <a:rPr lang="en-US" altLang="zh-CN" dirty="0">
+                <a:latin typeface="Roboto" charset="0"/>
+              </a:rPr>
+              <a:t>HTML </a:t>
+            </a:r>
+            <a:r>
+              <a:rPr lang="zh-CN" altLang="en-US" dirty="0">
+                <a:latin typeface="Roboto" charset="0"/>
+              </a:rPr>
+              <a:t>内容，并把它插入在组件模板中指定位置上的一种途径。</a:t>
+            </a:r>
+            <a:endParaRPr lang="zh-CN" altLang="en-US" dirty="0"/>
+          </a:p>
+        </p:txBody>
+      </p:sp>
+      <p:sp>
+        <p:nvSpPr>
+          <p:cNvPr id="20" name="矩形 19"/>
+          <p:cNvSpPr/>
+          <p:nvPr/>
+        </p:nvSpPr>
+        <p:spPr>
+          <a:xfrm>
+            <a:off x="2607082" y="4838955"/>
+            <a:ext cx="9194393" cy="369332"/>
+          </a:xfrm>
+          <a:prstGeom prst="rect">
+            <a:avLst/>
+          </a:prstGeom>
+        </p:spPr>
+        <p:txBody>
+          <a:bodyPr wrap="square">
+            <a:spAutoFit/>
+          </a:bodyPr>
+          <a:lstStyle/>
+          <a:p>
+            <a:r>
+              <a:rPr lang="zh-CN" altLang="en-US" dirty="0">
+                <a:latin typeface="Roboto" charset="0"/>
+              </a:rPr>
+              <a:t>永远不要在组件标签的内部放任何内容 </a:t>
+            </a:r>
+            <a:r>
+              <a:rPr lang="en-US" altLang="zh-CN" dirty="0">
+                <a:latin typeface="Roboto" charset="0"/>
+              </a:rPr>
+              <a:t>—— </a:t>
+            </a:r>
+            <a:r>
+              <a:rPr lang="zh-CN" altLang="en-US" b="1" dirty="0">
+                <a:latin typeface="Roboto" charset="0"/>
+              </a:rPr>
+              <a:t>除非你想把这些内容投影进这个组件中</a:t>
+            </a:r>
+            <a:r>
+              <a:rPr lang="zh-CN" altLang="en-US" dirty="0">
+                <a:latin typeface="Roboto" charset="0"/>
+              </a:rPr>
+              <a:t>。</a:t>
+            </a:r>
+            <a:endParaRPr lang="zh-CN" altLang="en-US" dirty="0"/>
+          </a:p>
+        </p:txBody>
+      </p:sp>
+      <p:sp>
+        <p:nvSpPr>
+          <p:cNvPr id="21" name="矩形 20"/>
+          <p:cNvSpPr/>
+          <p:nvPr/>
+        </p:nvSpPr>
+        <p:spPr>
+          <a:xfrm>
+            <a:off x="1851263" y="5280173"/>
+            <a:ext cx="9950212" cy="923330"/>
+          </a:xfrm>
+          <a:prstGeom prst="rect">
+            <a:avLst/>
+          </a:prstGeom>
+        </p:spPr>
+        <p:txBody>
+          <a:bodyPr wrap="square">
+            <a:spAutoFit/>
+          </a:bodyPr>
+          <a:lstStyle/>
+          <a:p>
+            <a:r>
+              <a:rPr lang="en-US" altLang="zh-CN" b="1" dirty="0" err="1">
+                <a:latin typeface="Roboto" charset="0"/>
+              </a:rPr>
+              <a:t>AfterContent</a:t>
+            </a:r>
+            <a:r>
+              <a:rPr lang="zh-CN" altLang="en-US" dirty="0">
+                <a:latin typeface="Roboto" charset="0"/>
+              </a:rPr>
+              <a:t> </a:t>
+            </a:r>
+            <a:r>
+              <a:rPr lang="zh-CN" altLang="en-US" dirty="0" smtClean="0">
+                <a:latin typeface="Roboto" charset="0"/>
+              </a:rPr>
+              <a:t>和</a:t>
+            </a:r>
+            <a:r>
+              <a:rPr lang="zh-CN" altLang="en-US" dirty="0">
+                <a:latin typeface="Roboto" charset="0"/>
+              </a:rPr>
+              <a:t> </a:t>
+            </a:r>
+            <a:r>
+              <a:rPr lang="en-US" altLang="zh-CN" b="1" dirty="0" err="1">
+                <a:latin typeface="Roboto" charset="0"/>
+              </a:rPr>
+              <a:t>AfterView</a:t>
+            </a:r>
+            <a:r>
+              <a:rPr lang="zh-CN" altLang="en-US" dirty="0">
+                <a:latin typeface="Roboto" charset="0"/>
+              </a:rPr>
+              <a:t> 相似。关键的不同点是子组件的类型不同。</a:t>
+            </a:r>
+          </a:p>
+          <a:p>
+            <a:pPr>
+              <a:buFont typeface="Arial" charset="0"/>
+              <a:buChar char="•"/>
+            </a:pPr>
+            <a:r>
+              <a:rPr lang="en-US" altLang="zh-CN" b="1" dirty="0" err="1">
+                <a:latin typeface="Roboto" charset="0"/>
+              </a:rPr>
+              <a:t>AfterView</a:t>
+            </a:r>
+            <a:r>
+              <a:rPr lang="zh-CN" altLang="en-US" dirty="0">
+                <a:latin typeface="Roboto" charset="0"/>
+              </a:rPr>
+              <a:t> </a:t>
+            </a:r>
+            <a:r>
+              <a:rPr lang="zh-CN" altLang="en-US" dirty="0" smtClean="0">
+                <a:latin typeface="Roboto" charset="0"/>
+              </a:rPr>
+              <a:t>所</a:t>
+            </a:r>
+            <a:r>
+              <a:rPr lang="zh-CN" altLang="en-US" dirty="0">
+                <a:latin typeface="Roboto" charset="0"/>
+              </a:rPr>
+              <a:t>关心的是 </a:t>
+            </a:r>
+            <a:r>
+              <a:rPr lang="en-US" altLang="zh-CN" dirty="0">
+                <a:latin typeface="Roboto" charset="0"/>
+                <a:hlinkClick r:id="rId6"/>
+              </a:rPr>
+              <a:t>ViewChildren</a:t>
+            </a:r>
+            <a:r>
+              <a:rPr lang="zh-CN" altLang="en-US" dirty="0">
+                <a:latin typeface="Roboto" charset="0"/>
+              </a:rPr>
+              <a:t>，这些子组件的元素标签会出现在该组件的模板</a:t>
+            </a:r>
+            <a:r>
+              <a:rPr lang="zh-CN" altLang="en-US" b="1" dirty="0">
+                <a:latin typeface="Roboto" charset="0"/>
+              </a:rPr>
+              <a:t>里面</a:t>
+            </a:r>
+            <a:r>
+              <a:rPr lang="zh-CN" altLang="en-US" dirty="0">
+                <a:latin typeface="Roboto" charset="0"/>
+              </a:rPr>
+              <a:t>。</a:t>
+            </a:r>
+          </a:p>
+          <a:p>
+            <a:pPr>
+              <a:buFont typeface="Arial" charset="0"/>
+              <a:buChar char="•"/>
+            </a:pPr>
+            <a:r>
+              <a:rPr lang="en-US" altLang="zh-CN" b="1" dirty="0" err="1">
+                <a:latin typeface="Roboto" charset="0"/>
+              </a:rPr>
+              <a:t>AfterContent</a:t>
+            </a:r>
+            <a:r>
+              <a:rPr lang="zh-CN" altLang="en-US" dirty="0">
+                <a:latin typeface="Roboto" charset="0"/>
+              </a:rPr>
+              <a:t> </a:t>
+            </a:r>
+            <a:r>
+              <a:rPr lang="zh-CN" altLang="en-US" dirty="0" smtClean="0">
+                <a:latin typeface="Roboto" charset="0"/>
+              </a:rPr>
+              <a:t>所</a:t>
+            </a:r>
+            <a:r>
+              <a:rPr lang="zh-CN" altLang="en-US" dirty="0">
+                <a:latin typeface="Roboto" charset="0"/>
+              </a:rPr>
+              <a:t>关心的是 </a:t>
+            </a:r>
+            <a:r>
+              <a:rPr lang="en-US" altLang="zh-CN" dirty="0">
+                <a:latin typeface="Roboto" charset="0"/>
+                <a:hlinkClick r:id="rId7"/>
+              </a:rPr>
+              <a:t>ContentChildren</a:t>
+            </a:r>
+            <a:r>
+              <a:rPr lang="zh-CN" altLang="en-US" dirty="0">
+                <a:latin typeface="Roboto" charset="0"/>
+              </a:rPr>
+              <a:t>，这些子组件被 </a:t>
+            </a:r>
+            <a:r>
+              <a:rPr lang="en-US" altLang="zh-CN" dirty="0">
+                <a:latin typeface="Roboto" charset="0"/>
+              </a:rPr>
+              <a:t>Angular </a:t>
+            </a:r>
+            <a:r>
+              <a:rPr lang="zh-CN" altLang="en-US" dirty="0">
+                <a:latin typeface="Roboto" charset="0"/>
+              </a:rPr>
+              <a:t>投影进该组件中。</a:t>
+            </a:r>
+            <a:endParaRPr lang="zh-CN" altLang="en-US" b="0" i="0" dirty="0">
+              <a:effectLst/>
+              <a:latin typeface="Roboto" charset="0"/>
+            </a:endParaRPr>
+          </a:p>
+        </p:txBody>
+      </p:sp>
+      <p:sp>
+        <p:nvSpPr>
+          <p:cNvPr id="22" name="矩形 21"/>
+          <p:cNvSpPr/>
+          <p:nvPr/>
+        </p:nvSpPr>
+        <p:spPr>
+          <a:xfrm>
+            <a:off x="1858214" y="6338158"/>
+            <a:ext cx="4968155" cy="369332"/>
+          </a:xfrm>
+          <a:prstGeom prst="rect">
+            <a:avLst/>
+          </a:prstGeom>
+        </p:spPr>
+        <p:txBody>
+          <a:bodyPr wrap="none">
+            <a:spAutoFit/>
+          </a:bodyPr>
+          <a:lstStyle/>
+          <a:p>
+            <a:r>
+              <a:rPr lang="zh-CN" altLang="en-US" dirty="0">
+                <a:latin typeface="Roboto" charset="0"/>
+              </a:rPr>
+              <a:t>使用 </a:t>
+            </a:r>
+            <a:r>
+              <a:rPr lang="en-US" altLang="zh-CN" dirty="0" err="1">
+                <a:latin typeface="Roboto" charset="0"/>
+              </a:rPr>
+              <a:t>AfterContent</a:t>
+            </a:r>
+            <a:r>
+              <a:rPr lang="en-US" altLang="zh-CN" dirty="0">
+                <a:latin typeface="Roboto" charset="0"/>
+              </a:rPr>
+              <a:t> </a:t>
+            </a:r>
+            <a:r>
+              <a:rPr lang="zh-CN" altLang="en-US" dirty="0">
+                <a:latin typeface="Roboto" charset="0"/>
+              </a:rPr>
+              <a:t>时，无需担心单向数据流规则</a:t>
+            </a:r>
+            <a:endParaRPr lang="zh-CN" altLang="en-US" b="0" i="0" dirty="0">
+              <a:effectLst/>
+              <a:latin typeface="Roboto" charset="0"/>
+            </a:endParaRPr>
+          </a:p>
+        </p:txBody>
+      </p:sp>
+    </p:spTree>
+    <p:extLst>
+      <p:ext uri="{BB962C8B-B14F-4D97-AF65-F5344CB8AC3E}">
+        <p14:creationId xmlns:p14="http://schemas.microsoft.com/office/powerpoint/2010/main" val="1354444749"/>
+      </p:ext>
+    </p:extLst>
+  </p:cSld>
+  <p:clrMapOvr>
+    <a:masterClrMapping/>
+  </p:clrMapOvr>
+</p:sld>
+</file>
+
+<file path=ppt/slides/slide21.xml><?xml version="1.0" encoding="utf-8"?>
+<p:sld xmlns:a="http://schemas.openxmlformats.org/drawingml/2006/main" xmlns:r="http://schemas.openxmlformats.org/officeDocument/2006/relationships" xmlns:p="http://schemas.openxmlformats.org/presentationml/2006/main">
+  <p:cSld>
+    <p:spTree>
+      <p:nvGrpSpPr>
+        <p:cNvPr id="1" name=""/>
+        <p:cNvGrpSpPr/>
+        <p:nvPr/>
+      </p:nvGrpSpPr>
+      <p:grpSpPr>
+        <a:xfrm>
+          <a:off x="0" y="0"/>
+          <a:ext cx="0" cy="0"/>
+          <a:chOff x="0" y="0"/>
+          <a:chExt cx="0" cy="0"/>
+        </a:xfrm>
+      </p:grpSpPr>
+      <p:sp>
+        <p:nvSpPr>
+          <p:cNvPr id="4" name="矩形 3"/>
+          <p:cNvSpPr/>
+          <p:nvPr/>
+        </p:nvSpPr>
+        <p:spPr>
+          <a:xfrm>
+            <a:off x="642938" y="400051"/>
+            <a:ext cx="10958512" cy="2862322"/>
+          </a:xfrm>
+          <a:prstGeom prst="rect">
+            <a:avLst/>
+          </a:prstGeom>
+        </p:spPr>
+        <p:txBody>
+          <a:bodyPr wrap="square">
+            <a:spAutoFit/>
+          </a:bodyPr>
+          <a:lstStyle/>
+          <a:p>
+            <a:r>
+              <a:rPr lang="zh-CN" altLang="en-US" dirty="0"/>
+              <a:t/>
+            </a:r>
+            <a:br>
+              <a:rPr lang="zh-CN" altLang="en-US" dirty="0"/>
+            </a:br>
+            <a:r>
+              <a:rPr lang="en-US" altLang="zh-CN" dirty="0">
+                <a:solidFill>
+                  <a:srgbClr val="FF0000"/>
+                </a:solidFill>
+                <a:latin typeface="Roboto" charset="0"/>
+              </a:rPr>
+              <a:t>Angular </a:t>
+            </a:r>
+            <a:r>
+              <a:rPr lang="zh-CN" altLang="en-US" dirty="0">
+                <a:solidFill>
+                  <a:srgbClr val="FF0000"/>
+                </a:solidFill>
+                <a:latin typeface="Roboto" charset="0"/>
+              </a:rPr>
+              <a:t>把组件和服务区分开，以提高模块性和复用性</a:t>
+            </a:r>
+            <a:r>
+              <a:rPr lang="zh-CN" altLang="en-US" dirty="0" smtClean="0">
+                <a:solidFill>
+                  <a:srgbClr val="FF0000"/>
+                </a:solidFill>
+                <a:latin typeface="Roboto" charset="0"/>
+              </a:rPr>
+              <a:t>。</a:t>
+            </a:r>
+            <a:endParaRPr lang="en-US" altLang="zh-CN" dirty="0" smtClean="0">
+              <a:solidFill>
+                <a:srgbClr val="FF0000"/>
+              </a:solidFill>
+              <a:latin typeface="Roboto" charset="0"/>
+            </a:endParaRPr>
+          </a:p>
+          <a:p>
+            <a:endParaRPr lang="zh-CN" altLang="en-US" dirty="0">
+              <a:latin typeface="Roboto" charset="0"/>
+            </a:endParaRPr>
+          </a:p>
+          <a:p>
+            <a:pPr>
+              <a:buFont typeface="Arial" charset="0"/>
+              <a:buChar char="•"/>
+            </a:pPr>
+            <a:r>
+              <a:rPr lang="zh-CN" altLang="en-US" dirty="0">
+                <a:latin typeface="Roboto" charset="0"/>
+              </a:rPr>
+              <a:t>通过把组件中和视图有关的功能与其他类型的处理分离开，你可以让组件类更加精简、高效。 理想情况下，组件的工作只管用户体验，而不用顾及其它。 它应该提供用于数据绑定的属性和方法，以便作为视图（由模板渲染）和应用逻辑（通常包含一些模型的概念）的中介者</a:t>
+            </a:r>
+            <a:r>
+              <a:rPr lang="zh-CN" altLang="en-US" dirty="0" smtClean="0">
+                <a:latin typeface="Roboto" charset="0"/>
+              </a:rPr>
+              <a:t>。</a:t>
+            </a:r>
+            <a:endParaRPr lang="en-US" altLang="zh-CN" dirty="0" smtClean="0">
+              <a:latin typeface="Roboto" charset="0"/>
+            </a:endParaRPr>
+          </a:p>
+          <a:p>
+            <a:pPr>
+              <a:buFont typeface="Arial" charset="0"/>
+              <a:buChar char="•"/>
+            </a:pPr>
+            <a:endParaRPr lang="zh-CN" altLang="en-US" dirty="0">
+              <a:latin typeface="Roboto" charset="0"/>
+            </a:endParaRPr>
+          </a:p>
+          <a:p>
+            <a:pPr>
+              <a:buFont typeface="Arial" charset="0"/>
+              <a:buChar char="•"/>
+            </a:pPr>
+            <a:r>
+              <a:rPr lang="zh-CN" altLang="en-US" dirty="0">
+                <a:latin typeface="Roboto" charset="0"/>
+              </a:rPr>
+              <a:t>组件不应该定义任何诸如从服务器获取数据、验证用户输入或直接往控制台中写日志等工作。 而要把这些任务委托给各种服务。通过把各种处理任务定义到可注入的服务类中，你可以让它被任何组件使用。 通过在不同的环境中注入同一种服务的不同提供商，你还可以让你的应用更具适应性。</a:t>
+            </a:r>
+            <a:endParaRPr lang="zh-CN" altLang="en-US" b="0" i="0" dirty="0">
+              <a:effectLst/>
+              <a:latin typeface="Roboto" charset="0"/>
+            </a:endParaRPr>
+          </a:p>
+        </p:txBody>
+      </p:sp>
+    </p:spTree>
+    <p:extLst>
+      <p:ext uri="{BB962C8B-B14F-4D97-AF65-F5344CB8AC3E}">
+        <p14:creationId xmlns:p14="http://schemas.microsoft.com/office/powerpoint/2010/main" val="975469017"/>
+      </p:ext>
+    </p:extLst>
+  </p:cSld>
+  <p:clrMapOvr>
+    <a:masterClrMapping/>
+  </p:clrMapOvr>
+</p:sld>
+</file>
+
+<file path=ppt/slides/slide22.xml><?xml version="1.0" encoding="utf-8"?>
+<p:sld xmlns:a="http://schemas.openxmlformats.org/drawingml/2006/main" xmlns:r="http://schemas.openxmlformats.org/officeDocument/2006/relationships" xmlns:p="http://schemas.openxmlformats.org/presentationml/2006/main">
+  <p:cSld>
+    <p:spTree>
+      <p:nvGrpSpPr>
+        <p:cNvPr id="1" name=""/>
+        <p:cNvGrpSpPr/>
+        <p:nvPr/>
+      </p:nvGrpSpPr>
+      <p:grpSpPr>
+        <a:xfrm>
+          <a:off x="0" y="0"/>
+          <a:ext cx="0" cy="0"/>
+          <a:chOff x="0" y="0"/>
+          <a:chExt cx="0" cy="0"/>
+        </a:xfrm>
+      </p:grpSpPr>
+      <p:sp>
+        <p:nvSpPr>
+          <p:cNvPr id="2" name="矩形 1"/>
+          <p:cNvSpPr/>
+          <p:nvPr/>
+        </p:nvSpPr>
+        <p:spPr>
+          <a:xfrm>
+            <a:off x="3572558" y="543996"/>
+            <a:ext cx="5262979" cy="769441"/>
+          </a:xfrm>
+          <a:prstGeom prst="rect">
+            <a:avLst/>
+          </a:prstGeom>
+        </p:spPr>
+        <p:txBody>
+          <a:bodyPr wrap="none">
+            <a:spAutoFit/>
+          </a:bodyPr>
+          <a:lstStyle/>
+          <a:p>
+            <a:r>
+              <a:rPr lang="zh-CN" altLang="en-US" sz="4400"/>
+              <a:t>服务与依赖注入简介</a:t>
+            </a:r>
+          </a:p>
+        </p:txBody>
+      </p:sp>
+      <p:sp>
+        <p:nvSpPr>
+          <p:cNvPr id="4" name="矩形 3"/>
+          <p:cNvSpPr/>
+          <p:nvPr/>
+        </p:nvSpPr>
+        <p:spPr>
+          <a:xfrm>
+            <a:off x="2264187" y="1529834"/>
+            <a:ext cx="1308371" cy="369332"/>
+          </a:xfrm>
+          <a:prstGeom prst="rect">
+            <a:avLst/>
+          </a:prstGeom>
+        </p:spPr>
+        <p:txBody>
+          <a:bodyPr wrap="none">
+            <a:spAutoFit/>
+          </a:bodyPr>
+          <a:lstStyle/>
+          <a:p>
+            <a:r>
+              <a:rPr lang="en-US" altLang="zh-CN">
+                <a:solidFill>
+                  <a:srgbClr val="333333"/>
+                </a:solidFill>
+                <a:latin typeface="Droid Sans Mono" charset="0"/>
+              </a:rPr>
+              <a:t>@</a:t>
+            </a:r>
+            <a:r>
+              <a:rPr lang="en-US" altLang="zh-CN" u="sng">
+                <a:solidFill>
+                  <a:srgbClr val="6E6E6E"/>
+                </a:solidFill>
+                <a:latin typeface="Droid Sans Mono" charset="0"/>
+                <a:hlinkClick r:id="rId2"/>
+              </a:rPr>
+              <a:t>Injectable</a:t>
+            </a:r>
+            <a:endParaRPr lang="zh-CN" altLang="en-US" dirty="0"/>
+          </a:p>
+        </p:txBody>
+      </p:sp>
+      <p:pic>
+        <p:nvPicPr>
+          <p:cNvPr id="6" name="图片 5"/>
+          <p:cNvPicPr>
+            <a:picLocks noChangeAspect="1"/>
+          </p:cNvPicPr>
+          <p:nvPr/>
+        </p:nvPicPr>
+        <p:blipFill>
+          <a:blip r:embed="rId3">
+            <a:extLst>
+              <a:ext uri="{28A0092B-C50C-407E-A947-70E740481C1C}">
+                <a14:useLocalDpi xmlns:a14="http://schemas.microsoft.com/office/drawing/2010/main" val="0"/>
+              </a:ext>
+            </a:extLst>
+          </a:blip>
+          <a:stretch>
+            <a:fillRect/>
+          </a:stretch>
+        </p:blipFill>
+        <p:spPr>
+          <a:xfrm>
+            <a:off x="2178147" y="2259509"/>
+            <a:ext cx="8051800" cy="1409700"/>
+          </a:xfrm>
+          <a:prstGeom prst="rect">
+            <a:avLst/>
+          </a:prstGeom>
+        </p:spPr>
+      </p:pic>
+      <p:sp>
+        <p:nvSpPr>
+          <p:cNvPr id="8" name="矩形 7"/>
+          <p:cNvSpPr/>
+          <p:nvPr/>
+        </p:nvSpPr>
+        <p:spPr>
+          <a:xfrm>
+            <a:off x="4894600" y="2779693"/>
+            <a:ext cx="2031325" cy="369332"/>
+          </a:xfrm>
+          <a:prstGeom prst="rect">
+            <a:avLst/>
+          </a:prstGeom>
+        </p:spPr>
+        <p:txBody>
+          <a:bodyPr wrap="none">
+            <a:spAutoFit/>
+          </a:bodyPr>
+          <a:lstStyle/>
+          <a:p>
+            <a:r>
+              <a:rPr lang="zh-CN" altLang="en-US">
+                <a:latin typeface="Roboto" charset="0"/>
+              </a:rPr>
+              <a:t>注册到根注入器中</a:t>
+            </a:r>
+            <a:endParaRPr lang="zh-CN" altLang="en-US"/>
+          </a:p>
+        </p:txBody>
+      </p:sp>
+    </p:spTree>
+    <p:extLst>
+      <p:ext uri="{BB962C8B-B14F-4D97-AF65-F5344CB8AC3E}">
+        <p14:creationId xmlns:p14="http://schemas.microsoft.com/office/powerpoint/2010/main" val="1878691486"/>
+      </p:ext>
+    </p:extLst>
+  </p:cSld>
+  <p:clrMapOvr>
+    <a:masterClrMapping/>
+  </p:clrMapOvr>
+</p:sld>
+</file>
+
+<file path=ppt/slides/slide23.xml><?xml version="1.0" encoding="utf-8"?>
+<p:sld xmlns:a="http://schemas.openxmlformats.org/drawingml/2006/main" xmlns:r="http://schemas.openxmlformats.org/officeDocument/2006/relationships" xmlns:p="http://schemas.openxmlformats.org/presentationml/2006/main">
+  <p:cSld>
+    <p:spTree>
+      <p:nvGrpSpPr>
+        <p:cNvPr id="1" name=""/>
+        <p:cNvGrpSpPr/>
+        <p:nvPr/>
+      </p:nvGrpSpPr>
+      <p:grpSpPr>
+        <a:xfrm>
+          <a:off x="0" y="0"/>
+          <a:ext cx="0" cy="0"/>
+          <a:chOff x="0" y="0"/>
+          <a:chExt cx="0" cy="0"/>
+        </a:xfrm>
+      </p:grpSpPr>
+      <p:sp>
+        <p:nvSpPr>
+          <p:cNvPr id="2" name="矩形 1"/>
+          <p:cNvSpPr/>
+          <p:nvPr/>
+        </p:nvSpPr>
+        <p:spPr>
+          <a:xfrm>
+            <a:off x="4689415" y="472558"/>
+            <a:ext cx="2441694" cy="769441"/>
+          </a:xfrm>
+          <a:prstGeom prst="rect">
+            <a:avLst/>
+          </a:prstGeom>
+        </p:spPr>
+        <p:txBody>
+          <a:bodyPr wrap="none">
+            <a:spAutoFit/>
+          </a:bodyPr>
+          <a:lstStyle/>
+          <a:p>
+            <a:r>
+              <a:rPr lang="zh-CN" altLang="en-US" sz="4400"/>
+              <a:t>风格指南</a:t>
+            </a:r>
+          </a:p>
+        </p:txBody>
+      </p:sp>
+      <p:sp>
+        <p:nvSpPr>
+          <p:cNvPr id="3" name="矩形 2"/>
+          <p:cNvSpPr/>
+          <p:nvPr/>
+        </p:nvSpPr>
+        <p:spPr>
+          <a:xfrm>
+            <a:off x="2305213" y="1241999"/>
+            <a:ext cx="6186309" cy="369332"/>
+          </a:xfrm>
+          <a:prstGeom prst="rect">
+            <a:avLst/>
+          </a:prstGeom>
+        </p:spPr>
+        <p:txBody>
+          <a:bodyPr wrap="none">
+            <a:spAutoFit/>
+          </a:bodyPr>
+          <a:lstStyle/>
+          <a:p>
+            <a:r>
+              <a:rPr lang="zh-CN" altLang="en-US" dirty="0">
+                <a:latin typeface="Roboto" charset="0"/>
+              </a:rPr>
+              <a:t>每个文件只定义一样</a:t>
+            </a:r>
+            <a:r>
+              <a:rPr lang="zh-CN" altLang="en-US" dirty="0" smtClean="0">
+                <a:latin typeface="Roboto" charset="0"/>
+              </a:rPr>
+              <a:t>东西，</a:t>
+            </a:r>
+            <a:r>
+              <a:rPr lang="zh-CN" altLang="en-US" dirty="0"/>
+              <a:t>文件大小限制在 </a:t>
+            </a:r>
+            <a:r>
+              <a:rPr lang="en-US" altLang="zh-CN" dirty="0"/>
+              <a:t>400 </a:t>
+            </a:r>
+            <a:r>
+              <a:rPr lang="zh-CN" altLang="en-US" dirty="0"/>
+              <a:t>行代码以内</a:t>
+            </a:r>
+          </a:p>
+        </p:txBody>
+      </p:sp>
+      <p:sp>
+        <p:nvSpPr>
+          <p:cNvPr id="5" name="矩形 4"/>
+          <p:cNvSpPr/>
+          <p:nvPr/>
+        </p:nvSpPr>
+        <p:spPr>
+          <a:xfrm>
+            <a:off x="2305213" y="1611331"/>
+            <a:ext cx="3531736" cy="369332"/>
+          </a:xfrm>
+          <a:prstGeom prst="rect">
+            <a:avLst/>
+          </a:prstGeom>
+        </p:spPr>
+        <p:txBody>
+          <a:bodyPr wrap="none">
+            <a:spAutoFit/>
+          </a:bodyPr>
+          <a:lstStyle/>
+          <a:p>
+            <a:r>
+              <a:rPr lang="zh-CN" altLang="en-US" dirty="0">
+                <a:latin typeface="Roboto" charset="0"/>
+              </a:rPr>
+              <a:t>定义简单</a:t>
+            </a:r>
+            <a:r>
+              <a:rPr lang="zh-CN" altLang="en-US" dirty="0" smtClean="0">
+                <a:latin typeface="Roboto" charset="0"/>
+              </a:rPr>
+              <a:t>函数，</a:t>
+            </a:r>
+            <a:r>
+              <a:rPr lang="zh-CN" altLang="en-US" dirty="0"/>
+              <a:t>限制在 </a:t>
+            </a:r>
+            <a:r>
+              <a:rPr lang="en-US" altLang="zh-CN" dirty="0"/>
+              <a:t>75 </a:t>
+            </a:r>
+            <a:r>
+              <a:rPr lang="zh-CN" altLang="en-US" dirty="0"/>
+              <a:t>行之内</a:t>
+            </a:r>
+          </a:p>
+        </p:txBody>
+      </p:sp>
+      <p:sp>
+        <p:nvSpPr>
+          <p:cNvPr id="7" name="矩形 6"/>
+          <p:cNvSpPr/>
+          <p:nvPr/>
+        </p:nvSpPr>
+        <p:spPr>
+          <a:xfrm>
+            <a:off x="2305213" y="2011440"/>
+            <a:ext cx="7340471" cy="369332"/>
+          </a:xfrm>
+          <a:prstGeom prst="rect">
+            <a:avLst/>
+          </a:prstGeom>
+        </p:spPr>
+        <p:txBody>
+          <a:bodyPr wrap="none">
+            <a:spAutoFit/>
+          </a:bodyPr>
+          <a:lstStyle/>
+          <a:p>
+            <a:r>
+              <a:rPr lang="zh-CN" altLang="en-US" dirty="0">
+                <a:latin typeface="Roboto" charset="0"/>
+              </a:rPr>
+              <a:t>在描述性名字中，用</a:t>
+            </a:r>
+            <a:r>
+              <a:rPr lang="zh-CN" altLang="en-US" dirty="0">
+                <a:solidFill>
+                  <a:srgbClr val="FF0000"/>
+                </a:solidFill>
+                <a:latin typeface="Roboto" charset="0"/>
+              </a:rPr>
+              <a:t>横杠</a:t>
+            </a:r>
+            <a:r>
+              <a:rPr lang="zh-CN" altLang="en-US" dirty="0">
+                <a:latin typeface="Roboto" charset="0"/>
+              </a:rPr>
+              <a:t>来分隔</a:t>
+            </a:r>
+            <a:r>
+              <a:rPr lang="zh-CN" altLang="en-US" dirty="0" smtClean="0">
+                <a:latin typeface="Roboto" charset="0"/>
+              </a:rPr>
+              <a:t>单词，</a:t>
+            </a:r>
+            <a:r>
+              <a:rPr lang="zh-CN" altLang="en-US" dirty="0"/>
+              <a:t>使用</a:t>
+            </a:r>
+            <a:r>
+              <a:rPr lang="zh-CN" altLang="en-US" dirty="0">
+                <a:solidFill>
+                  <a:srgbClr val="FF0000"/>
+                </a:solidFill>
+              </a:rPr>
+              <a:t>点</a:t>
+            </a:r>
+            <a:r>
+              <a:rPr lang="zh-CN" altLang="en-US" dirty="0"/>
+              <a:t>来分隔描述性名字和类型</a:t>
+            </a:r>
+          </a:p>
+        </p:txBody>
+      </p:sp>
+      <p:sp>
+        <p:nvSpPr>
+          <p:cNvPr id="9" name="矩形 8"/>
+          <p:cNvSpPr/>
+          <p:nvPr/>
+        </p:nvSpPr>
+        <p:spPr>
+          <a:xfrm>
+            <a:off x="2305213" y="2411549"/>
+            <a:ext cx="3416320" cy="369332"/>
+          </a:xfrm>
+          <a:prstGeom prst="rect">
+            <a:avLst/>
+          </a:prstGeom>
+        </p:spPr>
+        <p:txBody>
+          <a:bodyPr wrap="none">
+            <a:spAutoFit/>
+          </a:bodyPr>
+          <a:lstStyle/>
+          <a:p>
+            <a:r>
+              <a:rPr lang="zh-CN" altLang="en-US">
+                <a:latin typeface="Roboto" charset="0"/>
+              </a:rPr>
+              <a:t>使用大写驼峰命名法来命名类。</a:t>
+            </a:r>
+            <a:endParaRPr lang="zh-CN" altLang="en-US"/>
+          </a:p>
+        </p:txBody>
+      </p:sp>
+      <p:sp>
+        <p:nvSpPr>
+          <p:cNvPr id="10" name="矩形 9"/>
+          <p:cNvSpPr/>
+          <p:nvPr/>
+        </p:nvSpPr>
+        <p:spPr>
+          <a:xfrm>
+            <a:off x="2305212" y="2811658"/>
+            <a:ext cx="9886787" cy="369332"/>
+          </a:xfrm>
+          <a:prstGeom prst="rect">
+            <a:avLst/>
+          </a:prstGeom>
+        </p:spPr>
+        <p:txBody>
+          <a:bodyPr wrap="square">
+            <a:spAutoFit/>
+          </a:bodyPr>
+          <a:lstStyle/>
+          <a:p>
+            <a:r>
+              <a:rPr lang="zh-CN" altLang="en-US" dirty="0">
+                <a:latin typeface="Roboto" charset="0"/>
+              </a:rPr>
+              <a:t>坚持使用</a:t>
+            </a:r>
+            <a:r>
+              <a:rPr lang="zh-CN" altLang="en-US" b="1" dirty="0">
+                <a:latin typeface="Roboto" charset="0"/>
+              </a:rPr>
+              <a:t>中线命名法（</a:t>
+            </a:r>
+            <a:r>
+              <a:rPr lang="en-US" altLang="zh-CN" b="1" dirty="0">
+                <a:latin typeface="Roboto" charset="0"/>
+              </a:rPr>
+              <a:t>dashed-case</a:t>
+            </a:r>
+            <a:r>
+              <a:rPr lang="zh-CN" altLang="en-US" b="1" dirty="0">
+                <a:latin typeface="Roboto" charset="0"/>
+              </a:rPr>
+              <a:t>）</a:t>
+            </a:r>
+            <a:r>
+              <a:rPr lang="zh-CN" altLang="en-US" dirty="0">
+                <a:latin typeface="Roboto" charset="0"/>
+              </a:rPr>
+              <a:t>或叫</a:t>
+            </a:r>
+            <a:r>
+              <a:rPr lang="zh-CN" altLang="en-US" b="1" dirty="0">
+                <a:latin typeface="Roboto" charset="0"/>
+              </a:rPr>
+              <a:t>烤串命名法（</a:t>
+            </a:r>
+            <a:r>
+              <a:rPr lang="en-US" altLang="zh-CN" b="1" dirty="0">
+                <a:latin typeface="Roboto" charset="0"/>
+              </a:rPr>
+              <a:t>kebab-case</a:t>
+            </a:r>
+            <a:r>
+              <a:rPr lang="zh-CN" altLang="en-US" b="1" dirty="0">
+                <a:latin typeface="Roboto" charset="0"/>
+              </a:rPr>
+              <a:t>）</a:t>
+            </a:r>
+            <a:r>
+              <a:rPr lang="zh-CN" altLang="en-US" dirty="0">
+                <a:latin typeface="Roboto" charset="0"/>
+              </a:rPr>
+              <a:t>来命名组件的元素选择器</a:t>
+            </a:r>
+            <a:endParaRPr lang="zh-CN" altLang="en-US" dirty="0"/>
+          </a:p>
+        </p:txBody>
+      </p:sp>
+    </p:spTree>
+    <p:extLst>
+      <p:ext uri="{BB962C8B-B14F-4D97-AF65-F5344CB8AC3E}">
+        <p14:creationId xmlns:p14="http://schemas.microsoft.com/office/powerpoint/2010/main" val="1773931592"/>
       </p:ext>
     </p:extLst>
   </p:cSld>
